--- a/Presentation/Lab Project Presentation.pptx
+++ b/Presentation/Lab Project Presentation.pptx
@@ -1800,7 +1800,7 @@
           <a:noFill/>
           <a:ln w="28575">
             <a:solidFill>
-              <a:srgbClr val="134F80"/>
+              <a:srgbClr val="154E7E"/>
             </a:solidFill>
             <a:round/>
             <a:headEnd type="none" w="sm" len="sm"/>

--- a/Presentation/Lab Project Presentation.pptx
+++ b/Presentation/Lab Project Presentation.pptx
@@ -7,6 +7,17 @@
   <p:sldIdLst>
     <p:sldId id="256" r:id="rId2"/>
     <p:sldId id="257" r:id="rId3"/>
+    <p:sldId id="258" r:id="rId4"/>
+    <p:sldId id="264" r:id="rId5"/>
+    <p:sldId id="265" r:id="rId6"/>
+    <p:sldId id="259" r:id="rId7"/>
+    <p:sldId id="260" r:id="rId8"/>
+    <p:sldId id="268" r:id="rId9"/>
+    <p:sldId id="261" r:id="rId10"/>
+    <p:sldId id="262" r:id="rId11"/>
+    <p:sldId id="263" r:id="rId12"/>
+    <p:sldId id="266" r:id="rId13"/>
+    <p:sldId id="267" r:id="rId14"/>
   </p:sldIdLst>
   <p:sldSz cx="9906000" cy="6858000" type="A4"/>
   <p:notesSz cx="6858000" cy="9144000"/>
@@ -105,6 +116,22 @@
       </a:defRPr>
     </a:lvl9pPr>
   </p:defaultTextStyle>
+  <p:extLst>
+    <p:ext uri="{EFAFB233-063F-42B5-8137-9DF3F51BA10A}">
+      <p15:sldGuideLst xmlns:p15="http://schemas.microsoft.com/office/powerpoint/2012/main">
+        <p15:guide id="1" orient="horz" pos="2160">
+          <p15:clr>
+            <a:srgbClr val="A4A3A4"/>
+          </p15:clr>
+        </p15:guide>
+        <p15:guide id="2" pos="3120">
+          <p15:clr>
+            <a:srgbClr val="A4A3A4"/>
+          </p15:clr>
+        </p15:guide>
+      </p15:sldGuideLst>
+    </p:ext>
+  </p:extLst>
 </p:presentation>
 </file>
 
@@ -1808,7 +1835,7 @@
           </a:ln>
           <a:extLst>
             <a:ext uri="{909E8E84-426E-40dd-AFC4-6F175D3DCCD1}">
-              <a14:hiddenFill xmlns:a14="http://schemas.microsoft.com/office/drawing/2010/main">
+              <a14:hiddenFill xmlns:a14="http://schemas.microsoft.com/office/drawing/2010/main" xmlns="">
                 <a:noFill/>
               </a14:hiddenFill>
             </a:ext>
@@ -1846,14 +1873,14 @@
           </a:ln>
           <a:extLst>
             <a:ext uri="{909E8E84-426E-40dd-AFC4-6F175D3DCCD1}">
-              <a14:hiddenFill xmlns:a14="http://schemas.microsoft.com/office/drawing/2010/main">
+              <a14:hiddenFill xmlns:a14="http://schemas.microsoft.com/office/drawing/2010/main" xmlns="">
                 <a:solidFill>
                   <a:srgbClr val="FFFFFF"/>
                 </a:solidFill>
               </a14:hiddenFill>
             </a:ext>
             <a:ext uri="{91240B29-F687-4f45-9708-019B960494DF}">
-              <a14:hiddenLine xmlns:a14="http://schemas.microsoft.com/office/drawing/2010/main" w="9525">
+              <a14:hiddenLine xmlns:a14="http://schemas.microsoft.com/office/drawing/2010/main" xmlns="" w="9525">
                 <a:solidFill>
                   <a:srgbClr val="000000"/>
                 </a:solidFill>
@@ -1863,7 +1890,7 @@
               </a14:hiddenLine>
             </a:ext>
             <a:ext uri="{FAA26D3D-D897-4be2-8F04-BA451C77F1D7}">
-              <ma14:placeholderFlag xmlns:ma14="http://schemas.microsoft.com/office/mac/drawingml/2011/main" val="1"/>
+              <ma14:placeholderFlag xmlns:ma14="http://schemas.microsoft.com/office/mac/drawingml/2011/main" xmlns="" val="1"/>
             </a:ext>
           </a:extLst>
         </p:spPr>
@@ -1911,7 +1938,7 @@
           </a:ln>
           <a:extLst>
             <a:ext uri="{909E8E84-426E-40dd-AFC4-6F175D3DCCD1}">
-              <a14:hiddenFill xmlns:a14="http://schemas.microsoft.com/office/drawing/2010/main">
+              <a14:hiddenFill xmlns:a14="http://schemas.microsoft.com/office/drawing/2010/main" xmlns="">
                 <a:noFill/>
               </a14:hiddenFill>
             </a:ext>
@@ -1947,14 +1974,14 @@
           </a:ln>
           <a:extLst>
             <a:ext uri="{909E8E84-426E-40dd-AFC4-6F175D3DCCD1}">
-              <a14:hiddenFill xmlns:a14="http://schemas.microsoft.com/office/drawing/2010/main">
+              <a14:hiddenFill xmlns:a14="http://schemas.microsoft.com/office/drawing/2010/main" xmlns="">
                 <a:solidFill>
                   <a:srgbClr val="FFFFFF"/>
                 </a:solidFill>
               </a14:hiddenFill>
             </a:ext>
             <a:ext uri="{91240B29-F687-4f45-9708-019B960494DF}">
-              <a14:hiddenLine xmlns:a14="http://schemas.microsoft.com/office/drawing/2010/main" w="9525">
+              <a14:hiddenLine xmlns:a14="http://schemas.microsoft.com/office/drawing/2010/main" xmlns="" w="9525">
                 <a:solidFill>
                   <a:srgbClr val="000000"/>
                 </a:solidFill>
@@ -2111,14 +2138,14 @@
           </a:ln>
           <a:extLst>
             <a:ext uri="{909E8E84-426E-40dd-AFC4-6F175D3DCCD1}">
-              <a14:hiddenFill xmlns:a14="http://schemas.microsoft.com/office/drawing/2010/main">
+              <a14:hiddenFill xmlns:a14="http://schemas.microsoft.com/office/drawing/2010/main" xmlns="">
                 <a:solidFill>
                   <a:srgbClr val="FFFFFF"/>
                 </a:solidFill>
               </a14:hiddenFill>
             </a:ext>
             <a:ext uri="{91240B29-F687-4f45-9708-019B960494DF}">
-              <a14:hiddenLine xmlns:a14="http://schemas.microsoft.com/office/drawing/2010/main" w="9525">
+              <a14:hiddenLine xmlns:a14="http://schemas.microsoft.com/office/drawing/2010/main" xmlns="" w="9525">
                 <a:solidFill>
                   <a:srgbClr val="000000"/>
                 </a:solidFill>
@@ -2128,7 +2155,7 @@
               </a14:hiddenLine>
             </a:ext>
             <a:ext uri="{FAA26D3D-D897-4be2-8F04-BA451C77F1D7}">
-              <ma14:placeholderFlag xmlns:ma14="http://schemas.microsoft.com/office/mac/drawingml/2011/main" val="1"/>
+              <ma14:placeholderFlag xmlns:ma14="http://schemas.microsoft.com/office/mac/drawingml/2011/main" xmlns="" val="1"/>
             </a:ext>
           </a:extLst>
         </p:spPr>
@@ -2738,14 +2765,14 @@
           </a:ln>
           <a:extLst>
             <a:ext uri="{909E8E84-426E-40dd-AFC4-6F175D3DCCD1}">
-              <a14:hiddenFill xmlns:a14="http://schemas.microsoft.com/office/drawing/2010/main">
+              <a14:hiddenFill xmlns:a14="http://schemas.microsoft.com/office/drawing/2010/main" xmlns="">
                 <a:solidFill>
                   <a:srgbClr val="FFFFFF"/>
                 </a:solidFill>
               </a14:hiddenFill>
             </a:ext>
             <a:ext uri="{91240B29-F687-4f45-9708-019B960494DF}">
-              <a14:hiddenLine xmlns:a14="http://schemas.microsoft.com/office/drawing/2010/main" w="9525">
+              <a14:hiddenLine xmlns:a14="http://schemas.microsoft.com/office/drawing/2010/main" xmlns="" w="9525">
                 <a:solidFill>
                   <a:srgbClr val="000000"/>
                 </a:solidFill>
@@ -2882,10 +2909,298 @@
   <p:timing>
     <p:tnLst>
       <p:par>
-        <p:cTn xmlns:p14="http://schemas.microsoft.com/office/powerpoint/2010/main" id="1" dur="indefinite" restart="never" nodeType="tmRoot"/>
+        <p:cTn id="1" dur="indefinite" restart="never" nodeType="tmRoot"/>
       </p:par>
     </p:tnLst>
   </p:timing>
+</p:sld>
+</file>
+
+<file path=ppt/slides/slide10.xml><?xml version="1.0" encoding="utf-8"?>
+<p:sld xmlns:a="http://schemas.openxmlformats.org/drawingml/2006/main" xmlns:r="http://schemas.openxmlformats.org/officeDocument/2006/relationships" xmlns:p="http://schemas.openxmlformats.org/presentationml/2006/main">
+  <p:cSld>
+    <p:spTree>
+      <p:nvGrpSpPr>
+        <p:cNvPr id="1" name=""/>
+        <p:cNvGrpSpPr/>
+        <p:nvPr/>
+      </p:nvGrpSpPr>
+      <p:grpSpPr>
+        <a:xfrm>
+          <a:off x="0" y="0"/>
+          <a:ext cx="0" cy="0"/>
+          <a:chOff x="0" y="0"/>
+          <a:chExt cx="0" cy="0"/>
+        </a:xfrm>
+      </p:grpSpPr>
+      <p:sp>
+        <p:nvSpPr>
+          <p:cNvPr id="2" name="Title 1"/>
+          <p:cNvSpPr>
+            <a:spLocks noGrp="1"/>
+          </p:cNvSpPr>
+          <p:nvPr>
+            <p:ph type="title"/>
+          </p:nvPr>
+        </p:nvSpPr>
+        <p:spPr/>
+        <p:txBody>
+          <a:bodyPr/>
+          <a:lstStyle/>
+          <a:p>
+            <a:r>
+              <a:rPr lang="en-ZA" dirty="0" smtClean="0"/>
+              <a:t>Results - Simulation</a:t>
+            </a:r>
+            <a:endParaRPr lang="en-ZA" dirty="0"/>
+          </a:p>
+        </p:txBody>
+      </p:sp>
+      <p:sp>
+        <p:nvSpPr>
+          <p:cNvPr id="3" name="Content Placeholder 2"/>
+          <p:cNvSpPr>
+            <a:spLocks noGrp="1"/>
+          </p:cNvSpPr>
+          <p:nvPr>
+            <p:ph idx="1"/>
+          </p:nvPr>
+        </p:nvSpPr>
+        <p:spPr/>
+        <p:txBody>
+          <a:bodyPr/>
+          <a:lstStyle/>
+          <a:p>
+            <a:endParaRPr lang="en-ZA"/>
+          </a:p>
+        </p:txBody>
+      </p:sp>
+    </p:spTree>
+    <p:extLst>
+      <p:ext uri="{BB962C8B-B14F-4D97-AF65-F5344CB8AC3E}">
+        <p14:creationId xmlns:p14="http://schemas.microsoft.com/office/powerpoint/2010/main" val="2517507658"/>
+      </p:ext>
+    </p:extLst>
+  </p:cSld>
+  <p:clrMapOvr>
+    <a:masterClrMapping/>
+  </p:clrMapOvr>
+</p:sld>
+</file>
+
+<file path=ppt/slides/slide11.xml><?xml version="1.0" encoding="utf-8"?>
+<p:sld xmlns:a="http://schemas.openxmlformats.org/drawingml/2006/main" xmlns:r="http://schemas.openxmlformats.org/officeDocument/2006/relationships" xmlns:p="http://schemas.openxmlformats.org/presentationml/2006/main">
+  <p:cSld>
+    <p:spTree>
+      <p:nvGrpSpPr>
+        <p:cNvPr id="1" name=""/>
+        <p:cNvGrpSpPr/>
+        <p:nvPr/>
+      </p:nvGrpSpPr>
+      <p:grpSpPr>
+        <a:xfrm>
+          <a:off x="0" y="0"/>
+          <a:ext cx="0" cy="0"/>
+          <a:chOff x="0" y="0"/>
+          <a:chExt cx="0" cy="0"/>
+        </a:xfrm>
+      </p:grpSpPr>
+      <p:sp>
+        <p:nvSpPr>
+          <p:cNvPr id="2" name="Title 1"/>
+          <p:cNvSpPr>
+            <a:spLocks noGrp="1"/>
+          </p:cNvSpPr>
+          <p:nvPr>
+            <p:ph type="title"/>
+          </p:nvPr>
+        </p:nvSpPr>
+        <p:spPr/>
+        <p:txBody>
+          <a:bodyPr/>
+          <a:lstStyle/>
+          <a:p>
+            <a:r>
+              <a:rPr lang="en-ZA" dirty="0" smtClean="0"/>
+              <a:t>Results -  Hardware</a:t>
+            </a:r>
+            <a:endParaRPr lang="en-ZA" dirty="0"/>
+          </a:p>
+        </p:txBody>
+      </p:sp>
+      <p:sp>
+        <p:nvSpPr>
+          <p:cNvPr id="3" name="Content Placeholder 2"/>
+          <p:cNvSpPr>
+            <a:spLocks noGrp="1"/>
+          </p:cNvSpPr>
+          <p:nvPr>
+            <p:ph idx="1"/>
+          </p:nvPr>
+        </p:nvSpPr>
+        <p:spPr/>
+        <p:txBody>
+          <a:bodyPr/>
+          <a:lstStyle/>
+          <a:p>
+            <a:endParaRPr lang="en-ZA"/>
+          </a:p>
+        </p:txBody>
+      </p:sp>
+    </p:spTree>
+    <p:extLst>
+      <p:ext uri="{BB962C8B-B14F-4D97-AF65-F5344CB8AC3E}">
+        <p14:creationId xmlns:p14="http://schemas.microsoft.com/office/powerpoint/2010/main" val="4054476912"/>
+      </p:ext>
+    </p:extLst>
+  </p:cSld>
+  <p:clrMapOvr>
+    <a:masterClrMapping/>
+  </p:clrMapOvr>
+</p:sld>
+</file>
+
+<file path=ppt/slides/slide12.xml><?xml version="1.0" encoding="utf-8"?>
+<p:sld xmlns:a="http://schemas.openxmlformats.org/drawingml/2006/main" xmlns:r="http://schemas.openxmlformats.org/officeDocument/2006/relationships" xmlns:p="http://schemas.openxmlformats.org/presentationml/2006/main">
+  <p:cSld>
+    <p:spTree>
+      <p:nvGrpSpPr>
+        <p:cNvPr id="1" name=""/>
+        <p:cNvGrpSpPr/>
+        <p:nvPr/>
+      </p:nvGrpSpPr>
+      <p:grpSpPr>
+        <a:xfrm>
+          <a:off x="0" y="0"/>
+          <a:ext cx="0" cy="0"/>
+          <a:chOff x="0" y="0"/>
+          <a:chExt cx="0" cy="0"/>
+        </a:xfrm>
+      </p:grpSpPr>
+      <p:sp>
+        <p:nvSpPr>
+          <p:cNvPr id="2" name="Title 1"/>
+          <p:cNvSpPr>
+            <a:spLocks noGrp="1"/>
+          </p:cNvSpPr>
+          <p:nvPr>
+            <p:ph type="title"/>
+          </p:nvPr>
+        </p:nvSpPr>
+        <p:spPr/>
+        <p:txBody>
+          <a:bodyPr/>
+          <a:lstStyle/>
+          <a:p>
+            <a:r>
+              <a:rPr lang="en-ZA" dirty="0" smtClean="0"/>
+              <a:t>Future Work</a:t>
+            </a:r>
+            <a:endParaRPr lang="en-ZA" dirty="0"/>
+          </a:p>
+        </p:txBody>
+      </p:sp>
+      <p:sp>
+        <p:nvSpPr>
+          <p:cNvPr id="3" name="Content Placeholder 2"/>
+          <p:cNvSpPr>
+            <a:spLocks noGrp="1"/>
+          </p:cNvSpPr>
+          <p:nvPr>
+            <p:ph idx="1"/>
+          </p:nvPr>
+        </p:nvSpPr>
+        <p:spPr/>
+        <p:txBody>
+          <a:bodyPr/>
+          <a:lstStyle/>
+          <a:p>
+            <a:endParaRPr lang="en-ZA"/>
+          </a:p>
+        </p:txBody>
+      </p:sp>
+    </p:spTree>
+    <p:extLst>
+      <p:ext uri="{BB962C8B-B14F-4D97-AF65-F5344CB8AC3E}">
+        <p14:creationId xmlns:p14="http://schemas.microsoft.com/office/powerpoint/2010/main" val="832092564"/>
+      </p:ext>
+    </p:extLst>
+  </p:cSld>
+  <p:clrMapOvr>
+    <a:masterClrMapping/>
+  </p:clrMapOvr>
+</p:sld>
+</file>
+
+<file path=ppt/slides/slide13.xml><?xml version="1.0" encoding="utf-8"?>
+<p:sld xmlns:a="http://schemas.openxmlformats.org/drawingml/2006/main" xmlns:r="http://schemas.openxmlformats.org/officeDocument/2006/relationships" xmlns:p="http://schemas.openxmlformats.org/presentationml/2006/main">
+  <p:cSld>
+    <p:spTree>
+      <p:nvGrpSpPr>
+        <p:cNvPr id="1" name=""/>
+        <p:cNvGrpSpPr/>
+        <p:nvPr/>
+      </p:nvGrpSpPr>
+      <p:grpSpPr>
+        <a:xfrm>
+          <a:off x="0" y="0"/>
+          <a:ext cx="0" cy="0"/>
+          <a:chOff x="0" y="0"/>
+          <a:chExt cx="0" cy="0"/>
+        </a:xfrm>
+      </p:grpSpPr>
+      <p:sp>
+        <p:nvSpPr>
+          <p:cNvPr id="2" name="Title 1"/>
+          <p:cNvSpPr>
+            <a:spLocks noGrp="1"/>
+          </p:cNvSpPr>
+          <p:nvPr>
+            <p:ph type="title"/>
+          </p:nvPr>
+        </p:nvSpPr>
+        <p:spPr/>
+        <p:txBody>
+          <a:bodyPr/>
+          <a:lstStyle/>
+          <a:p>
+            <a:r>
+              <a:rPr lang="en-ZA" dirty="0" smtClean="0"/>
+              <a:t>Conclusion</a:t>
+            </a:r>
+            <a:endParaRPr lang="en-ZA" dirty="0"/>
+          </a:p>
+        </p:txBody>
+      </p:sp>
+      <p:sp>
+        <p:nvSpPr>
+          <p:cNvPr id="3" name="Content Placeholder 2"/>
+          <p:cNvSpPr>
+            <a:spLocks noGrp="1"/>
+          </p:cNvSpPr>
+          <p:nvPr>
+            <p:ph idx="1"/>
+          </p:nvPr>
+        </p:nvSpPr>
+        <p:spPr/>
+        <p:txBody>
+          <a:bodyPr/>
+          <a:lstStyle/>
+          <a:p>
+            <a:endParaRPr lang="en-ZA"/>
+          </a:p>
+        </p:txBody>
+      </p:sp>
+    </p:spTree>
+    <p:extLst>
+      <p:ext uri="{BB962C8B-B14F-4D97-AF65-F5344CB8AC3E}">
+        <p14:creationId xmlns:p14="http://schemas.microsoft.com/office/powerpoint/2010/main" val="2491983680"/>
+      </p:ext>
+    </p:extLst>
+  </p:cSld>
+  <p:clrMapOvr>
+    <a:masterClrMapping/>
+  </p:clrMapOvr>
 </p:sld>
 </file>
 
@@ -2921,7 +3236,11 @@
           <a:bodyPr/>
           <a:lstStyle/>
           <a:p>
-            <a:endParaRPr lang="en-US"/>
+            <a:r>
+              <a:rPr lang="en-US" dirty="0" smtClean="0"/>
+              <a:t>Overview</a:t>
+            </a:r>
+            <a:endParaRPr lang="en-US" dirty="0"/>
           </a:p>
         </p:txBody>
       </p:sp>
@@ -2957,10 +3276,895 @@
   <p:timing>
     <p:tnLst>
       <p:par>
-        <p:cTn xmlns:p14="http://schemas.microsoft.com/office/powerpoint/2010/main" id="1" dur="indefinite" restart="never" nodeType="tmRoot"/>
+        <p:cTn id="1" dur="indefinite" restart="never" nodeType="tmRoot"/>
       </p:par>
     </p:tnLst>
   </p:timing>
+</p:sld>
+</file>
+
+<file path=ppt/slides/slide3.xml><?xml version="1.0" encoding="utf-8"?>
+<p:sld xmlns:a="http://schemas.openxmlformats.org/drawingml/2006/main" xmlns:r="http://schemas.openxmlformats.org/officeDocument/2006/relationships" xmlns:p="http://schemas.openxmlformats.org/presentationml/2006/main">
+  <p:cSld>
+    <p:spTree>
+      <p:nvGrpSpPr>
+        <p:cNvPr id="1" name=""/>
+        <p:cNvGrpSpPr/>
+        <p:nvPr/>
+      </p:nvGrpSpPr>
+      <p:grpSpPr>
+        <a:xfrm>
+          <a:off x="0" y="0"/>
+          <a:ext cx="0" cy="0"/>
+          <a:chOff x="0" y="0"/>
+          <a:chExt cx="0" cy="0"/>
+        </a:xfrm>
+      </p:grpSpPr>
+      <p:sp>
+        <p:nvSpPr>
+          <p:cNvPr id="2" name="Title 1"/>
+          <p:cNvSpPr>
+            <a:spLocks noGrp="1"/>
+          </p:cNvSpPr>
+          <p:nvPr>
+            <p:ph type="title"/>
+          </p:nvPr>
+        </p:nvSpPr>
+        <p:spPr/>
+        <p:txBody>
+          <a:bodyPr/>
+          <a:lstStyle/>
+          <a:p>
+            <a:r>
+              <a:rPr lang="en-ZA" dirty="0" smtClean="0"/>
+              <a:t>Objectives and Specifications</a:t>
+            </a:r>
+            <a:endParaRPr lang="en-ZA" dirty="0"/>
+          </a:p>
+        </p:txBody>
+      </p:sp>
+      <p:sp>
+        <p:nvSpPr>
+          <p:cNvPr id="3" name="Content Placeholder 2"/>
+          <p:cNvSpPr>
+            <a:spLocks noGrp="1"/>
+          </p:cNvSpPr>
+          <p:nvPr>
+            <p:ph idx="1"/>
+          </p:nvPr>
+        </p:nvSpPr>
+        <p:spPr/>
+        <p:txBody>
+          <a:bodyPr/>
+          <a:lstStyle/>
+          <a:p>
+            <a:endParaRPr lang="en-ZA"/>
+          </a:p>
+        </p:txBody>
+      </p:sp>
+    </p:spTree>
+    <p:extLst>
+      <p:ext uri="{BB962C8B-B14F-4D97-AF65-F5344CB8AC3E}">
+        <p14:creationId xmlns:p14="http://schemas.microsoft.com/office/powerpoint/2010/main" val="3082182337"/>
+      </p:ext>
+    </p:extLst>
+  </p:cSld>
+  <p:clrMapOvr>
+    <a:masterClrMapping/>
+  </p:clrMapOvr>
+</p:sld>
+</file>
+
+<file path=ppt/slides/slide4.xml><?xml version="1.0" encoding="utf-8"?>
+<p:sld xmlns:a="http://schemas.openxmlformats.org/drawingml/2006/main" xmlns:r="http://schemas.openxmlformats.org/officeDocument/2006/relationships" xmlns:p="http://schemas.openxmlformats.org/presentationml/2006/main">
+  <p:cSld>
+    <p:spTree>
+      <p:nvGrpSpPr>
+        <p:cNvPr id="1" name=""/>
+        <p:cNvGrpSpPr/>
+        <p:nvPr/>
+      </p:nvGrpSpPr>
+      <p:grpSpPr>
+        <a:xfrm>
+          <a:off x="0" y="0"/>
+          <a:ext cx="0" cy="0"/>
+          <a:chOff x="0" y="0"/>
+          <a:chExt cx="0" cy="0"/>
+        </a:xfrm>
+      </p:grpSpPr>
+      <p:sp>
+        <p:nvSpPr>
+          <p:cNvPr id="2" name="Title 1"/>
+          <p:cNvSpPr>
+            <a:spLocks noGrp="1"/>
+          </p:cNvSpPr>
+          <p:nvPr>
+            <p:ph type="title"/>
+          </p:nvPr>
+        </p:nvSpPr>
+        <p:spPr/>
+        <p:txBody>
+          <a:bodyPr/>
+          <a:lstStyle/>
+          <a:p>
+            <a:r>
+              <a:rPr lang="en-ZA" dirty="0" smtClean="0"/>
+              <a:t>System Block Diagram</a:t>
+            </a:r>
+            <a:endParaRPr lang="en-ZA" dirty="0"/>
+          </a:p>
+        </p:txBody>
+      </p:sp>
+      <p:sp>
+        <p:nvSpPr>
+          <p:cNvPr id="3" name="Content Placeholder 2"/>
+          <p:cNvSpPr>
+            <a:spLocks noGrp="1"/>
+          </p:cNvSpPr>
+          <p:nvPr>
+            <p:ph idx="1"/>
+          </p:nvPr>
+        </p:nvSpPr>
+        <p:spPr/>
+        <p:txBody>
+          <a:bodyPr/>
+          <a:lstStyle/>
+          <a:p>
+            <a:endParaRPr lang="en-ZA"/>
+          </a:p>
+        </p:txBody>
+      </p:sp>
+    </p:spTree>
+    <p:extLst>
+      <p:ext uri="{BB962C8B-B14F-4D97-AF65-F5344CB8AC3E}">
+        <p14:creationId xmlns:p14="http://schemas.microsoft.com/office/powerpoint/2010/main" val="1379054499"/>
+      </p:ext>
+    </p:extLst>
+  </p:cSld>
+  <p:clrMapOvr>
+    <a:masterClrMapping/>
+  </p:clrMapOvr>
+</p:sld>
+</file>
+
+<file path=ppt/slides/slide5.xml><?xml version="1.0" encoding="utf-8"?>
+<p:sld xmlns:a="http://schemas.openxmlformats.org/drawingml/2006/main" xmlns:r="http://schemas.openxmlformats.org/officeDocument/2006/relationships" xmlns:p="http://schemas.openxmlformats.org/presentationml/2006/main">
+  <p:cSld>
+    <p:spTree>
+      <p:nvGrpSpPr>
+        <p:cNvPr id="1" name=""/>
+        <p:cNvGrpSpPr/>
+        <p:nvPr/>
+      </p:nvGrpSpPr>
+      <p:grpSpPr>
+        <a:xfrm>
+          <a:off x="0" y="0"/>
+          <a:ext cx="0" cy="0"/>
+          <a:chOff x="0" y="0"/>
+          <a:chExt cx="0" cy="0"/>
+        </a:xfrm>
+      </p:grpSpPr>
+      <p:sp>
+        <p:nvSpPr>
+          <p:cNvPr id="2" name="Title 1"/>
+          <p:cNvSpPr>
+            <a:spLocks noGrp="1"/>
+          </p:cNvSpPr>
+          <p:nvPr>
+            <p:ph type="title"/>
+          </p:nvPr>
+        </p:nvSpPr>
+        <p:spPr/>
+        <p:txBody>
+          <a:bodyPr/>
+          <a:lstStyle/>
+          <a:p>
+            <a:r>
+              <a:rPr lang="en-ZA" dirty="0" smtClean="0"/>
+              <a:t>Simulated vs Hardware Hearing Aid</a:t>
+            </a:r>
+            <a:endParaRPr lang="en-ZA" dirty="0"/>
+          </a:p>
+        </p:txBody>
+      </p:sp>
+      <p:graphicFrame>
+        <p:nvGraphicFramePr>
+          <p:cNvPr id="4" name="Content Placeholder 3"/>
+          <p:cNvGraphicFramePr>
+            <a:graphicFrameLocks noGrp="1"/>
+          </p:cNvGraphicFramePr>
+          <p:nvPr>
+            <p:ph idx="1"/>
+            <p:extLst>
+              <p:ext uri="{D42A27DB-BD31-4B8C-83A1-F6EECF244321}">
+                <p14:modId xmlns:p14="http://schemas.microsoft.com/office/powerpoint/2010/main" val="1903547720"/>
+              </p:ext>
+            </p:extLst>
+          </p:nvPr>
+        </p:nvGraphicFramePr>
+        <p:xfrm>
+          <a:off x="1828800" y="2209800"/>
+          <a:ext cx="5867400" cy="3774440"/>
+        </p:xfrm>
+        <a:graphic>
+          <a:graphicData uri="http://schemas.openxmlformats.org/drawingml/2006/table">
+            <a:tbl>
+              <a:tblPr firstRow="1" bandRow="1">
+                <a:tableStyleId>{5C22544A-7EE6-4342-B048-85BDC9FD1C3A}</a:tableStyleId>
+              </a:tblPr>
+              <a:tblGrid>
+                <a:gridCol w="1955800">
+                  <a:extLst>
+                    <a:ext uri="{9D8B030D-6E8A-4147-A177-3AD203B41FA5}">
+                      <a16:colId xmlns:a16="http://schemas.microsoft.com/office/drawing/2014/main" val="1205949033"/>
+                    </a:ext>
+                  </a:extLst>
+                </a:gridCol>
+                <a:gridCol w="1955800">
+                  <a:extLst>
+                    <a:ext uri="{9D8B030D-6E8A-4147-A177-3AD203B41FA5}">
+                      <a16:colId xmlns:a16="http://schemas.microsoft.com/office/drawing/2014/main" val="3234676645"/>
+                    </a:ext>
+                  </a:extLst>
+                </a:gridCol>
+                <a:gridCol w="1955800">
+                  <a:extLst>
+                    <a:ext uri="{9D8B030D-6E8A-4147-A177-3AD203B41FA5}">
+                      <a16:colId xmlns:a16="http://schemas.microsoft.com/office/drawing/2014/main" val="497167739"/>
+                    </a:ext>
+                  </a:extLst>
+                </a:gridCol>
+              </a:tblGrid>
+              <a:tr h="370840">
+                <a:tc>
+                  <a:txBody>
+                    <a:bodyPr/>
+                    <a:lstStyle/>
+                    <a:p>
+                      <a:r>
+                        <a:rPr lang="en-ZA" dirty="0" smtClean="0"/>
+                        <a:t>Property</a:t>
+                      </a:r>
+                      <a:endParaRPr lang="en-ZA" dirty="0"/>
+                    </a:p>
+                  </a:txBody>
+                  <a:tcPr/>
+                </a:tc>
+                <a:tc>
+                  <a:txBody>
+                    <a:bodyPr/>
+                    <a:lstStyle/>
+                    <a:p>
+                      <a:r>
+                        <a:rPr lang="en-ZA" dirty="0" smtClean="0"/>
+                        <a:t>Simulation</a:t>
+                      </a:r>
+                      <a:endParaRPr lang="en-ZA" dirty="0"/>
+                    </a:p>
+                  </a:txBody>
+                  <a:tcPr/>
+                </a:tc>
+                <a:tc>
+                  <a:txBody>
+                    <a:bodyPr/>
+                    <a:lstStyle/>
+                    <a:p>
+                      <a:r>
+                        <a:rPr lang="en-ZA" dirty="0" smtClean="0"/>
+                        <a:t>Hardware</a:t>
+                      </a:r>
+                      <a:endParaRPr lang="en-ZA" dirty="0"/>
+                    </a:p>
+                  </a:txBody>
+                  <a:tcPr/>
+                </a:tc>
+                <a:extLst>
+                  <a:ext uri="{0D108BD9-81ED-4DB2-BD59-A6C34878D82A}">
+                    <a16:rowId xmlns:a16="http://schemas.microsoft.com/office/drawing/2014/main" val="3709011960"/>
+                  </a:ext>
+                </a:extLst>
+              </a:tr>
+              <a:tr h="370840">
+                <a:tc>
+                  <a:txBody>
+                    <a:bodyPr/>
+                    <a:lstStyle/>
+                    <a:p>
+                      <a:r>
+                        <a:rPr lang="en-ZA" dirty="0" smtClean="0"/>
+                        <a:t>Number of</a:t>
+                      </a:r>
+                      <a:r>
+                        <a:rPr lang="en-ZA" baseline="0" dirty="0" smtClean="0"/>
+                        <a:t> microphones</a:t>
+                      </a:r>
+                      <a:endParaRPr lang="en-ZA" dirty="0"/>
+                    </a:p>
+                  </a:txBody>
+                  <a:tcPr/>
+                </a:tc>
+                <a:tc>
+                  <a:txBody>
+                    <a:bodyPr/>
+                    <a:lstStyle/>
+                    <a:p>
+                      <a:endParaRPr lang="en-ZA" dirty="0"/>
+                    </a:p>
+                  </a:txBody>
+                  <a:tcPr/>
+                </a:tc>
+                <a:tc>
+                  <a:txBody>
+                    <a:bodyPr/>
+                    <a:lstStyle/>
+                    <a:p>
+                      <a:endParaRPr lang="en-ZA"/>
+                    </a:p>
+                  </a:txBody>
+                  <a:tcPr/>
+                </a:tc>
+                <a:extLst>
+                  <a:ext uri="{0D108BD9-81ED-4DB2-BD59-A6C34878D82A}">
+                    <a16:rowId xmlns:a16="http://schemas.microsoft.com/office/drawing/2014/main" val="4214479577"/>
+                  </a:ext>
+                </a:extLst>
+              </a:tr>
+              <a:tr h="370840">
+                <a:tc>
+                  <a:txBody>
+                    <a:bodyPr/>
+                    <a:lstStyle/>
+                    <a:p>
+                      <a:r>
+                        <a:rPr lang="en-ZA" dirty="0" smtClean="0"/>
+                        <a:t>Bandwidth</a:t>
+                      </a:r>
+                      <a:endParaRPr lang="en-ZA" dirty="0"/>
+                    </a:p>
+                  </a:txBody>
+                  <a:tcPr/>
+                </a:tc>
+                <a:tc>
+                  <a:txBody>
+                    <a:bodyPr/>
+                    <a:lstStyle/>
+                    <a:p>
+                      <a:endParaRPr lang="en-ZA"/>
+                    </a:p>
+                  </a:txBody>
+                  <a:tcPr/>
+                </a:tc>
+                <a:tc>
+                  <a:txBody>
+                    <a:bodyPr/>
+                    <a:lstStyle/>
+                    <a:p>
+                      <a:endParaRPr lang="en-ZA"/>
+                    </a:p>
+                  </a:txBody>
+                  <a:tcPr/>
+                </a:tc>
+                <a:extLst>
+                  <a:ext uri="{0D108BD9-81ED-4DB2-BD59-A6C34878D82A}">
+                    <a16:rowId xmlns:a16="http://schemas.microsoft.com/office/drawing/2014/main" val="3266579009"/>
+                  </a:ext>
+                </a:extLst>
+              </a:tr>
+              <a:tr h="370840">
+                <a:tc>
+                  <a:txBody>
+                    <a:bodyPr/>
+                    <a:lstStyle/>
+                    <a:p>
+                      <a:r>
+                        <a:rPr lang="en-ZA" dirty="0" smtClean="0"/>
+                        <a:t>Filter Order</a:t>
+                      </a:r>
+                      <a:endParaRPr lang="en-ZA" dirty="0"/>
+                    </a:p>
+                  </a:txBody>
+                  <a:tcPr/>
+                </a:tc>
+                <a:tc>
+                  <a:txBody>
+                    <a:bodyPr/>
+                    <a:lstStyle/>
+                    <a:p>
+                      <a:endParaRPr lang="en-ZA"/>
+                    </a:p>
+                  </a:txBody>
+                  <a:tcPr/>
+                </a:tc>
+                <a:tc>
+                  <a:txBody>
+                    <a:bodyPr/>
+                    <a:lstStyle/>
+                    <a:p>
+                      <a:endParaRPr lang="en-ZA"/>
+                    </a:p>
+                  </a:txBody>
+                  <a:tcPr/>
+                </a:tc>
+                <a:extLst>
+                  <a:ext uri="{0D108BD9-81ED-4DB2-BD59-A6C34878D82A}">
+                    <a16:rowId xmlns:a16="http://schemas.microsoft.com/office/drawing/2014/main" val="282706019"/>
+                  </a:ext>
+                </a:extLst>
+              </a:tr>
+              <a:tr h="370840">
+                <a:tc>
+                  <a:txBody>
+                    <a:bodyPr/>
+                    <a:lstStyle/>
+                    <a:p>
+                      <a:r>
+                        <a:rPr lang="en-ZA" dirty="0" smtClean="0"/>
+                        <a:t>Types</a:t>
+                      </a:r>
+                      <a:r>
+                        <a:rPr lang="en-ZA" baseline="0" dirty="0" smtClean="0"/>
+                        <a:t> of filters</a:t>
+                      </a:r>
+                      <a:endParaRPr lang="en-ZA" dirty="0"/>
+                    </a:p>
+                  </a:txBody>
+                  <a:tcPr/>
+                </a:tc>
+                <a:tc>
+                  <a:txBody>
+                    <a:bodyPr/>
+                    <a:lstStyle/>
+                    <a:p>
+                      <a:endParaRPr lang="en-ZA" dirty="0"/>
+                    </a:p>
+                  </a:txBody>
+                  <a:tcPr/>
+                </a:tc>
+                <a:tc>
+                  <a:txBody>
+                    <a:bodyPr/>
+                    <a:lstStyle/>
+                    <a:p>
+                      <a:endParaRPr lang="en-ZA"/>
+                    </a:p>
+                  </a:txBody>
+                  <a:tcPr/>
+                </a:tc>
+                <a:extLst>
+                  <a:ext uri="{0D108BD9-81ED-4DB2-BD59-A6C34878D82A}">
+                    <a16:rowId xmlns:a16="http://schemas.microsoft.com/office/drawing/2014/main" val="1081411160"/>
+                  </a:ext>
+                </a:extLst>
+              </a:tr>
+              <a:tr h="370840">
+                <a:tc>
+                  <a:txBody>
+                    <a:bodyPr/>
+                    <a:lstStyle/>
+                    <a:p>
+                      <a:r>
+                        <a:rPr lang="en-ZA" dirty="0" smtClean="0"/>
+                        <a:t>Number of filters</a:t>
+                      </a:r>
+                      <a:endParaRPr lang="en-ZA" dirty="0"/>
+                    </a:p>
+                  </a:txBody>
+                  <a:tcPr/>
+                </a:tc>
+                <a:tc>
+                  <a:txBody>
+                    <a:bodyPr/>
+                    <a:lstStyle/>
+                    <a:p>
+                      <a:endParaRPr lang="en-ZA"/>
+                    </a:p>
+                  </a:txBody>
+                  <a:tcPr/>
+                </a:tc>
+                <a:tc>
+                  <a:txBody>
+                    <a:bodyPr/>
+                    <a:lstStyle/>
+                    <a:p>
+                      <a:endParaRPr lang="en-ZA"/>
+                    </a:p>
+                  </a:txBody>
+                  <a:tcPr/>
+                </a:tc>
+                <a:extLst>
+                  <a:ext uri="{0D108BD9-81ED-4DB2-BD59-A6C34878D82A}">
+                    <a16:rowId xmlns:a16="http://schemas.microsoft.com/office/drawing/2014/main" val="2210005012"/>
+                  </a:ext>
+                </a:extLst>
+              </a:tr>
+              <a:tr h="370840">
+                <a:tc>
+                  <a:txBody>
+                    <a:bodyPr/>
+                    <a:lstStyle/>
+                    <a:p>
+                      <a:r>
+                        <a:rPr lang="en-ZA" dirty="0" smtClean="0"/>
+                        <a:t>Number of steerable angles</a:t>
+                      </a:r>
+                      <a:endParaRPr lang="en-ZA" dirty="0"/>
+                    </a:p>
+                  </a:txBody>
+                  <a:tcPr/>
+                </a:tc>
+                <a:tc>
+                  <a:txBody>
+                    <a:bodyPr/>
+                    <a:lstStyle/>
+                    <a:p>
+                      <a:endParaRPr lang="en-ZA"/>
+                    </a:p>
+                  </a:txBody>
+                  <a:tcPr/>
+                </a:tc>
+                <a:tc>
+                  <a:txBody>
+                    <a:bodyPr/>
+                    <a:lstStyle/>
+                    <a:p>
+                      <a:endParaRPr lang="en-ZA"/>
+                    </a:p>
+                  </a:txBody>
+                  <a:tcPr/>
+                </a:tc>
+                <a:extLst>
+                  <a:ext uri="{0D108BD9-81ED-4DB2-BD59-A6C34878D82A}">
+                    <a16:rowId xmlns:a16="http://schemas.microsoft.com/office/drawing/2014/main" val="1840919378"/>
+                  </a:ext>
+                </a:extLst>
+              </a:tr>
+              <a:tr h="370840">
+                <a:tc>
+                  <a:txBody>
+                    <a:bodyPr/>
+                    <a:lstStyle/>
+                    <a:p>
+                      <a:r>
+                        <a:rPr lang="en-ZA" dirty="0" smtClean="0"/>
+                        <a:t>Real time data</a:t>
+                      </a:r>
+                      <a:r>
+                        <a:rPr lang="en-ZA" baseline="0" dirty="0" smtClean="0"/>
+                        <a:t> acquisition</a:t>
+                      </a:r>
+                      <a:endParaRPr lang="en-ZA" dirty="0"/>
+                    </a:p>
+                  </a:txBody>
+                  <a:tcPr/>
+                </a:tc>
+                <a:tc>
+                  <a:txBody>
+                    <a:bodyPr/>
+                    <a:lstStyle/>
+                    <a:p>
+                      <a:endParaRPr lang="en-ZA"/>
+                    </a:p>
+                  </a:txBody>
+                  <a:tcPr/>
+                </a:tc>
+                <a:tc>
+                  <a:txBody>
+                    <a:bodyPr/>
+                    <a:lstStyle/>
+                    <a:p>
+                      <a:endParaRPr lang="en-ZA" dirty="0"/>
+                    </a:p>
+                  </a:txBody>
+                  <a:tcPr/>
+                </a:tc>
+                <a:extLst>
+                  <a:ext uri="{0D108BD9-81ED-4DB2-BD59-A6C34878D82A}">
+                    <a16:rowId xmlns:a16="http://schemas.microsoft.com/office/drawing/2014/main" val="1275340913"/>
+                  </a:ext>
+                </a:extLst>
+              </a:tr>
+            </a:tbl>
+          </a:graphicData>
+        </a:graphic>
+      </p:graphicFrame>
+    </p:spTree>
+    <p:extLst>
+      <p:ext uri="{BB962C8B-B14F-4D97-AF65-F5344CB8AC3E}">
+        <p14:creationId xmlns:p14="http://schemas.microsoft.com/office/powerpoint/2010/main" val="2929114939"/>
+      </p:ext>
+    </p:extLst>
+  </p:cSld>
+  <p:clrMapOvr>
+    <a:masterClrMapping/>
+  </p:clrMapOvr>
+</p:sld>
+</file>
+
+<file path=ppt/slides/slide6.xml><?xml version="1.0" encoding="utf-8"?>
+<p:sld xmlns:a="http://schemas.openxmlformats.org/drawingml/2006/main" xmlns:r="http://schemas.openxmlformats.org/officeDocument/2006/relationships" xmlns:p="http://schemas.openxmlformats.org/presentationml/2006/main">
+  <p:cSld>
+    <p:spTree>
+      <p:nvGrpSpPr>
+        <p:cNvPr id="1" name=""/>
+        <p:cNvGrpSpPr/>
+        <p:nvPr/>
+      </p:nvGrpSpPr>
+      <p:grpSpPr>
+        <a:xfrm>
+          <a:off x="0" y="0"/>
+          <a:ext cx="0" cy="0"/>
+          <a:chOff x="0" y="0"/>
+          <a:chExt cx="0" cy="0"/>
+        </a:xfrm>
+      </p:grpSpPr>
+      <p:sp>
+        <p:nvSpPr>
+          <p:cNvPr id="2" name="Title 1"/>
+          <p:cNvSpPr>
+            <a:spLocks noGrp="1"/>
+          </p:cNvSpPr>
+          <p:nvPr>
+            <p:ph type="title"/>
+          </p:nvPr>
+        </p:nvSpPr>
+        <p:spPr/>
+        <p:txBody>
+          <a:bodyPr/>
+          <a:lstStyle/>
+          <a:p>
+            <a:r>
+              <a:rPr lang="en-ZA" dirty="0" smtClean="0"/>
+              <a:t>Compensatory Amplification</a:t>
+            </a:r>
+            <a:endParaRPr lang="en-ZA" dirty="0"/>
+          </a:p>
+        </p:txBody>
+      </p:sp>
+      <p:sp>
+        <p:nvSpPr>
+          <p:cNvPr id="3" name="Content Placeholder 2"/>
+          <p:cNvSpPr>
+            <a:spLocks noGrp="1"/>
+          </p:cNvSpPr>
+          <p:nvPr>
+            <p:ph idx="1"/>
+          </p:nvPr>
+        </p:nvSpPr>
+        <p:spPr/>
+        <p:txBody>
+          <a:bodyPr/>
+          <a:lstStyle/>
+          <a:p>
+            <a:endParaRPr lang="en-ZA"/>
+          </a:p>
+        </p:txBody>
+      </p:sp>
+    </p:spTree>
+    <p:extLst>
+      <p:ext uri="{BB962C8B-B14F-4D97-AF65-F5344CB8AC3E}">
+        <p14:creationId xmlns:p14="http://schemas.microsoft.com/office/powerpoint/2010/main" val="2951544294"/>
+      </p:ext>
+    </p:extLst>
+  </p:cSld>
+  <p:clrMapOvr>
+    <a:masterClrMapping/>
+  </p:clrMapOvr>
+</p:sld>
+</file>
+
+<file path=ppt/slides/slide7.xml><?xml version="1.0" encoding="utf-8"?>
+<p:sld xmlns:a="http://schemas.openxmlformats.org/drawingml/2006/main" xmlns:r="http://schemas.openxmlformats.org/officeDocument/2006/relationships" xmlns:p="http://schemas.openxmlformats.org/presentationml/2006/main">
+  <p:cSld>
+    <p:spTree>
+      <p:nvGrpSpPr>
+        <p:cNvPr id="1" name=""/>
+        <p:cNvGrpSpPr/>
+        <p:nvPr/>
+      </p:nvGrpSpPr>
+      <p:grpSpPr>
+        <a:xfrm>
+          <a:off x="0" y="0"/>
+          <a:ext cx="0" cy="0"/>
+          <a:chOff x="0" y="0"/>
+          <a:chExt cx="0" cy="0"/>
+        </a:xfrm>
+      </p:grpSpPr>
+      <p:sp>
+        <p:nvSpPr>
+          <p:cNvPr id="2" name="Title 1"/>
+          <p:cNvSpPr>
+            <a:spLocks noGrp="1"/>
+          </p:cNvSpPr>
+          <p:nvPr>
+            <p:ph type="title"/>
+          </p:nvPr>
+        </p:nvSpPr>
+        <p:spPr/>
+        <p:txBody>
+          <a:bodyPr/>
+          <a:lstStyle/>
+          <a:p>
+            <a:r>
+              <a:rPr lang="en-ZA" dirty="0" smtClean="0"/>
+              <a:t>Directionality</a:t>
+            </a:r>
+            <a:endParaRPr lang="en-ZA" dirty="0"/>
+          </a:p>
+        </p:txBody>
+      </p:sp>
+      <p:sp>
+        <p:nvSpPr>
+          <p:cNvPr id="3" name="Content Placeholder 2"/>
+          <p:cNvSpPr>
+            <a:spLocks noGrp="1"/>
+          </p:cNvSpPr>
+          <p:nvPr>
+            <p:ph idx="1"/>
+          </p:nvPr>
+        </p:nvSpPr>
+        <p:spPr/>
+        <p:txBody>
+          <a:bodyPr/>
+          <a:lstStyle/>
+          <a:p>
+            <a:endParaRPr lang="en-ZA"/>
+          </a:p>
+        </p:txBody>
+      </p:sp>
+    </p:spTree>
+    <p:extLst>
+      <p:ext uri="{BB962C8B-B14F-4D97-AF65-F5344CB8AC3E}">
+        <p14:creationId xmlns:p14="http://schemas.microsoft.com/office/powerpoint/2010/main" val="3341373567"/>
+      </p:ext>
+    </p:extLst>
+  </p:cSld>
+  <p:clrMapOvr>
+    <a:masterClrMapping/>
+  </p:clrMapOvr>
+</p:sld>
+</file>
+
+<file path=ppt/slides/slide8.xml><?xml version="1.0" encoding="utf-8"?>
+<p:sld xmlns:a="http://schemas.openxmlformats.org/drawingml/2006/main" xmlns:r="http://schemas.openxmlformats.org/officeDocument/2006/relationships" xmlns:p="http://schemas.openxmlformats.org/presentationml/2006/main">
+  <p:cSld>
+    <p:spTree>
+      <p:nvGrpSpPr>
+        <p:cNvPr id="1" name=""/>
+        <p:cNvGrpSpPr/>
+        <p:nvPr/>
+      </p:nvGrpSpPr>
+      <p:grpSpPr>
+        <a:xfrm>
+          <a:off x="0" y="0"/>
+          <a:ext cx="0" cy="0"/>
+          <a:chOff x="0" y="0"/>
+          <a:chExt cx="0" cy="0"/>
+        </a:xfrm>
+      </p:grpSpPr>
+      <p:sp>
+        <p:nvSpPr>
+          <p:cNvPr id="2" name="Title 1"/>
+          <p:cNvSpPr>
+            <a:spLocks noGrp="1"/>
+          </p:cNvSpPr>
+          <p:nvPr>
+            <p:ph type="title"/>
+          </p:nvPr>
+        </p:nvSpPr>
+        <p:spPr/>
+        <p:txBody>
+          <a:bodyPr/>
+          <a:lstStyle/>
+          <a:p>
+            <a:r>
+              <a:rPr lang="en-ZA" dirty="0" smtClean="0"/>
+              <a:t>Cost Breakdown</a:t>
+            </a:r>
+            <a:endParaRPr lang="en-ZA" dirty="0"/>
+          </a:p>
+        </p:txBody>
+      </p:sp>
+      <p:sp>
+        <p:nvSpPr>
+          <p:cNvPr id="3" name="Content Placeholder 2"/>
+          <p:cNvSpPr>
+            <a:spLocks noGrp="1"/>
+          </p:cNvSpPr>
+          <p:nvPr>
+            <p:ph idx="1"/>
+          </p:nvPr>
+        </p:nvSpPr>
+        <p:spPr/>
+        <p:txBody>
+          <a:bodyPr/>
+          <a:lstStyle/>
+          <a:p>
+            <a:endParaRPr lang="en-ZA"/>
+          </a:p>
+        </p:txBody>
+      </p:sp>
+    </p:spTree>
+    <p:extLst>
+      <p:ext uri="{BB962C8B-B14F-4D97-AF65-F5344CB8AC3E}">
+        <p14:creationId xmlns:p14="http://schemas.microsoft.com/office/powerpoint/2010/main" val="849973715"/>
+      </p:ext>
+    </p:extLst>
+  </p:cSld>
+  <p:clrMapOvr>
+    <a:masterClrMapping/>
+  </p:clrMapOvr>
+</p:sld>
+</file>
+
+<file path=ppt/slides/slide9.xml><?xml version="1.0" encoding="utf-8"?>
+<p:sld xmlns:a="http://schemas.openxmlformats.org/drawingml/2006/main" xmlns:r="http://schemas.openxmlformats.org/officeDocument/2006/relationships" xmlns:p="http://schemas.openxmlformats.org/presentationml/2006/main">
+  <p:cSld>
+    <p:spTree>
+      <p:nvGrpSpPr>
+        <p:cNvPr id="1" name=""/>
+        <p:cNvGrpSpPr/>
+        <p:nvPr/>
+      </p:nvGrpSpPr>
+      <p:grpSpPr>
+        <a:xfrm>
+          <a:off x="0" y="0"/>
+          <a:ext cx="0" cy="0"/>
+          <a:chOff x="0" y="0"/>
+          <a:chExt cx="0" cy="0"/>
+        </a:xfrm>
+      </p:grpSpPr>
+      <p:sp>
+        <p:nvSpPr>
+          <p:cNvPr id="2" name="Title 1"/>
+          <p:cNvSpPr>
+            <a:spLocks noGrp="1"/>
+          </p:cNvSpPr>
+          <p:nvPr>
+            <p:ph type="title"/>
+          </p:nvPr>
+        </p:nvSpPr>
+        <p:spPr/>
+        <p:txBody>
+          <a:bodyPr/>
+          <a:lstStyle/>
+          <a:p>
+            <a:r>
+              <a:rPr lang="en-ZA" dirty="0" smtClean="0"/>
+              <a:t>Testing</a:t>
+            </a:r>
+            <a:endParaRPr lang="en-ZA" dirty="0"/>
+          </a:p>
+        </p:txBody>
+      </p:sp>
+      <p:sp>
+        <p:nvSpPr>
+          <p:cNvPr id="3" name="Content Placeholder 2"/>
+          <p:cNvSpPr>
+            <a:spLocks noGrp="1"/>
+          </p:cNvSpPr>
+          <p:nvPr>
+            <p:ph idx="1"/>
+          </p:nvPr>
+        </p:nvSpPr>
+        <p:spPr/>
+        <p:txBody>
+          <a:bodyPr/>
+          <a:lstStyle/>
+          <a:p>
+            <a:endParaRPr lang="en-ZA"/>
+          </a:p>
+        </p:txBody>
+      </p:sp>
+    </p:spTree>
+    <p:extLst>
+      <p:ext uri="{BB962C8B-B14F-4D97-AF65-F5344CB8AC3E}">
+        <p14:creationId xmlns:p14="http://schemas.microsoft.com/office/powerpoint/2010/main" val="1369921732"/>
+      </p:ext>
+    </p:extLst>
+  </p:cSld>
+  <p:clrMapOvr>
+    <a:masterClrMapping/>
+  </p:clrMapOvr>
 </p:sld>
 </file>
 
@@ -3208,7 +4412,7 @@
         <a:effectLst/>
         <a:extLst>
           <a:ext uri="{91240B29-F687-4f45-9708-019B960494DF}">
-            <a14:hiddenLine xmlns:a14="http://schemas.microsoft.com/office/drawing/2010/main" w="9525" cap="flat" cmpd="sng" algn="ctr">
+            <a14:hiddenLine xmlns:a14="http://schemas.microsoft.com/office/drawing/2010/main" xmlns="" w="9525" cap="flat" cmpd="sng" algn="ctr">
               <a:solidFill>
                 <a:schemeClr val="tx1"/>
               </a:solidFill>
@@ -3219,7 +4423,7 @@
             </a14:hiddenLine>
           </a:ext>
           <a:ext uri="{AF507438-7753-43e0-B8FC-AC1667EBCBE1}">
-            <a14:hiddenEffects xmlns:a14="http://schemas.microsoft.com/office/drawing/2010/main">
+            <a14:hiddenEffects xmlns:a14="http://schemas.microsoft.com/office/drawing/2010/main" xmlns="">
               <a:effectLst>
                 <a:outerShdw dist="35921" dir="2700000" algn="ctr" rotWithShape="0">
                   <a:schemeClr val="bg2"/>
@@ -3286,7 +4490,7 @@
         <a:effectLst/>
         <a:extLst>
           <a:ext uri="{91240B29-F687-4f45-9708-019B960494DF}">
-            <a14:hiddenLine xmlns:a14="http://schemas.microsoft.com/office/drawing/2010/main" w="9525" cap="flat" cmpd="sng" algn="ctr">
+            <a14:hiddenLine xmlns:a14="http://schemas.microsoft.com/office/drawing/2010/main" xmlns="" w="9525" cap="flat" cmpd="sng" algn="ctr">
               <a:solidFill>
                 <a:schemeClr val="tx1"/>
               </a:solidFill>
@@ -3297,7 +4501,7 @@
             </a14:hiddenLine>
           </a:ext>
           <a:ext uri="{AF507438-7753-43e0-B8FC-AC1667EBCBE1}">
-            <a14:hiddenEffects xmlns:a14="http://schemas.microsoft.com/office/drawing/2010/main">
+            <a14:hiddenEffects xmlns:a14="http://schemas.microsoft.com/office/drawing/2010/main" xmlns="">
               <a:effectLst>
                 <a:outerShdw dist="35921" dir="2700000" algn="ctr" rotWithShape="0">
                   <a:schemeClr val="bg2"/>

--- a/Presentation/Lab Project Presentation.pptx
+++ b/Presentation/Lab Project Presentation.pptx
@@ -1,9 +1,15 @@
 
 <file path=ppt/presentation.xml><?xml version="1.0" encoding="utf-8"?>
-<p:presentation xmlns:a="http://schemas.openxmlformats.org/drawingml/2006/main" xmlns:r="http://schemas.openxmlformats.org/officeDocument/2006/relationships" xmlns:p="http://schemas.openxmlformats.org/presentationml/2006/main" saveSubsetFonts="1" autoCompressPictures="0">
+<p:presentation xmlns:a="http://schemas.openxmlformats.org/drawingml/2006/main" xmlns:r="http://schemas.openxmlformats.org/officeDocument/2006/relationships" xmlns:p="http://schemas.openxmlformats.org/presentationml/2006/main" showSpecialPlsOnTitleSld="0" saveSubsetFonts="1" autoCompressPictures="0">
   <p:sldMasterIdLst>
     <p:sldMasterId id="2147483660" r:id="rId1"/>
   </p:sldMasterIdLst>
+  <p:notesMasterIdLst>
+    <p:notesMasterId r:id="rId15"/>
+  </p:notesMasterIdLst>
+  <p:handoutMasterIdLst>
+    <p:handoutMasterId r:id="rId16"/>
+  </p:handoutMasterIdLst>
   <p:sldIdLst>
     <p:sldId id="256" r:id="rId2"/>
     <p:sldId id="257" r:id="rId3"/>
@@ -118,7 +124,7 @@
   </p:defaultTextStyle>
   <p:extLst>
     <p:ext uri="{EFAFB233-063F-42B5-8137-9DF3F51BA10A}">
-      <p15:sldGuideLst xmlns:p15="http://schemas.microsoft.com/office/powerpoint/2012/main">
+      <p15:sldGuideLst xmlns:p15="http://schemas.microsoft.com/office/powerpoint/2012/main" xmlns="">
         <p15:guide id="1" orient="horz" pos="2160">
           <p15:clr>
             <a:srgbClr val="A4A3A4"/>
@@ -133,6 +139,523 @@
     </p:ext>
   </p:extLst>
 </p:presentation>
+</file>
+
+<file path=ppt/handoutMasters/handoutMaster1.xml><?xml version="1.0" encoding="utf-8"?>
+<p:handoutMaster xmlns:a="http://schemas.openxmlformats.org/drawingml/2006/main" xmlns:r="http://schemas.openxmlformats.org/officeDocument/2006/relationships" xmlns:p="http://schemas.openxmlformats.org/presentationml/2006/main">
+  <p:cSld>
+    <p:bg>
+      <p:bgRef idx="1001">
+        <a:schemeClr val="bg1"/>
+      </p:bgRef>
+    </p:bg>
+    <p:spTree>
+      <p:nvGrpSpPr>
+        <p:cNvPr id="1" name=""/>
+        <p:cNvGrpSpPr/>
+        <p:nvPr/>
+      </p:nvGrpSpPr>
+      <p:grpSpPr>
+        <a:xfrm>
+          <a:off x="0" y="0"/>
+          <a:ext cx="0" cy="0"/>
+          <a:chOff x="0" y="0"/>
+          <a:chExt cx="0" cy="0"/>
+        </a:xfrm>
+      </p:grpSpPr>
+      <p:sp>
+        <p:nvSpPr>
+          <p:cNvPr id="2" name="Header Placeholder 1"/>
+          <p:cNvSpPr>
+            <a:spLocks noGrp="1"/>
+          </p:cNvSpPr>
+          <p:nvPr>
+            <p:ph type="hdr" sz="quarter"/>
+          </p:nvPr>
+        </p:nvSpPr>
+        <p:spPr>
+          <a:xfrm>
+            <a:off x="0" y="0"/>
+            <a:ext cx="2971800" cy="457200"/>
+          </a:xfrm>
+          <a:prstGeom prst="rect">
+            <a:avLst/>
+          </a:prstGeom>
+        </p:spPr>
+        <p:txBody>
+          <a:bodyPr vert="horz" lIns="91440" tIns="45720" rIns="91440" bIns="45720" rtlCol="0"/>
+          <a:lstStyle>
+            <a:lvl1pPr algn="l">
+              <a:defRPr sz="1200"/>
+            </a:lvl1pPr>
+          </a:lstStyle>
+          <a:p>
+            <a:endParaRPr lang="en-US"/>
+          </a:p>
+        </p:txBody>
+      </p:sp>
+      <p:sp>
+        <p:nvSpPr>
+          <p:cNvPr id="3" name="Date Placeholder 2"/>
+          <p:cNvSpPr>
+            <a:spLocks noGrp="1"/>
+          </p:cNvSpPr>
+          <p:nvPr>
+            <p:ph type="dt" sz="quarter" idx="1"/>
+          </p:nvPr>
+        </p:nvSpPr>
+        <p:spPr>
+          <a:xfrm>
+            <a:off x="3884613" y="0"/>
+            <a:ext cx="2971800" cy="457200"/>
+          </a:xfrm>
+          <a:prstGeom prst="rect">
+            <a:avLst/>
+          </a:prstGeom>
+        </p:spPr>
+        <p:txBody>
+          <a:bodyPr vert="horz" lIns="91440" tIns="45720" rIns="91440" bIns="45720" rtlCol="0"/>
+          <a:lstStyle>
+            <a:lvl1pPr algn="r">
+              <a:defRPr sz="1200"/>
+            </a:lvl1pPr>
+          </a:lstStyle>
+          <a:p>
+            <a:fld id="{3FA6FDA4-907F-C840-8573-33F4849B33D4}" type="datetimeFigureOut">
+              <a:rPr lang="en-US" smtClean="0"/>
+              <a:t>18/09/04</a:t>
+            </a:fld>
+            <a:endParaRPr lang="en-US"/>
+          </a:p>
+        </p:txBody>
+      </p:sp>
+      <p:sp>
+        <p:nvSpPr>
+          <p:cNvPr id="4" name="Footer Placeholder 3"/>
+          <p:cNvSpPr>
+            <a:spLocks noGrp="1"/>
+          </p:cNvSpPr>
+          <p:nvPr>
+            <p:ph type="ftr" sz="quarter" idx="2"/>
+          </p:nvPr>
+        </p:nvSpPr>
+        <p:spPr>
+          <a:xfrm>
+            <a:off x="0" y="8685213"/>
+            <a:ext cx="2971800" cy="457200"/>
+          </a:xfrm>
+          <a:prstGeom prst="rect">
+            <a:avLst/>
+          </a:prstGeom>
+        </p:spPr>
+        <p:txBody>
+          <a:bodyPr vert="horz" lIns="91440" tIns="45720" rIns="91440" bIns="45720" rtlCol="0" anchor="b"/>
+          <a:lstStyle>
+            <a:lvl1pPr algn="l">
+              <a:defRPr sz="1200"/>
+            </a:lvl1pPr>
+          </a:lstStyle>
+          <a:p>
+            <a:endParaRPr lang="en-US"/>
+          </a:p>
+        </p:txBody>
+      </p:sp>
+      <p:sp>
+        <p:nvSpPr>
+          <p:cNvPr id="5" name="Slide Number Placeholder 4"/>
+          <p:cNvSpPr>
+            <a:spLocks noGrp="1"/>
+          </p:cNvSpPr>
+          <p:nvPr>
+            <p:ph type="sldNum" sz="quarter" idx="3"/>
+          </p:nvPr>
+        </p:nvSpPr>
+        <p:spPr>
+          <a:xfrm>
+            <a:off x="3884613" y="8685213"/>
+            <a:ext cx="2971800" cy="457200"/>
+          </a:xfrm>
+          <a:prstGeom prst="rect">
+            <a:avLst/>
+          </a:prstGeom>
+        </p:spPr>
+        <p:txBody>
+          <a:bodyPr vert="horz" lIns="91440" tIns="45720" rIns="91440" bIns="45720" rtlCol="0" anchor="b"/>
+          <a:lstStyle>
+            <a:lvl1pPr algn="r">
+              <a:defRPr sz="1200"/>
+            </a:lvl1pPr>
+          </a:lstStyle>
+          <a:p>
+            <a:fld id="{15993AD3-97E2-E64E-8B3D-F7264131D81E}" type="slidenum">
+              <a:rPr lang="en-US" smtClean="0"/>
+              <a:t>‹#›</a:t>
+            </a:fld>
+            <a:endParaRPr lang="en-US"/>
+          </a:p>
+        </p:txBody>
+      </p:sp>
+    </p:spTree>
+    <p:extLst>
+      <p:ext uri="{BB962C8B-B14F-4D97-AF65-F5344CB8AC3E}">
+        <p14:creationId xmlns:p14="http://schemas.microsoft.com/office/powerpoint/2010/main" val="4003923993"/>
+      </p:ext>
+    </p:extLst>
+  </p:cSld>
+  <p:clrMap bg1="lt1" tx1="dk1" bg2="lt2" tx2="dk2" accent1="accent1" accent2="accent2" accent3="accent3" accent4="accent4" accent5="accent5" accent6="accent6" hlink="hlink" folHlink="folHlink"/>
+  <p:hf hdr="0" ftr="0" dt="0"/>
+</p:handoutMaster>
+</file>
+
+<file path=ppt/notesMasters/notesMaster1.xml><?xml version="1.0" encoding="utf-8"?>
+<p:notesMaster xmlns:a="http://schemas.openxmlformats.org/drawingml/2006/main" xmlns:r="http://schemas.openxmlformats.org/officeDocument/2006/relationships" xmlns:p="http://schemas.openxmlformats.org/presentationml/2006/main">
+  <p:cSld>
+    <p:bg>
+      <p:bgRef idx="1001">
+        <a:schemeClr val="bg1"/>
+      </p:bgRef>
+    </p:bg>
+    <p:spTree>
+      <p:nvGrpSpPr>
+        <p:cNvPr id="1" name=""/>
+        <p:cNvGrpSpPr/>
+        <p:nvPr/>
+      </p:nvGrpSpPr>
+      <p:grpSpPr>
+        <a:xfrm>
+          <a:off x="0" y="0"/>
+          <a:ext cx="0" cy="0"/>
+          <a:chOff x="0" y="0"/>
+          <a:chExt cx="0" cy="0"/>
+        </a:xfrm>
+      </p:grpSpPr>
+      <p:sp>
+        <p:nvSpPr>
+          <p:cNvPr id="2" name="Header Placeholder 1"/>
+          <p:cNvSpPr>
+            <a:spLocks noGrp="1"/>
+          </p:cNvSpPr>
+          <p:nvPr>
+            <p:ph type="hdr" sz="quarter"/>
+          </p:nvPr>
+        </p:nvSpPr>
+        <p:spPr>
+          <a:xfrm>
+            <a:off x="0" y="0"/>
+            <a:ext cx="2971800" cy="457200"/>
+          </a:xfrm>
+          <a:prstGeom prst="rect">
+            <a:avLst/>
+          </a:prstGeom>
+        </p:spPr>
+        <p:txBody>
+          <a:bodyPr vert="horz" lIns="91440" tIns="45720" rIns="91440" bIns="45720" rtlCol="0"/>
+          <a:lstStyle>
+            <a:lvl1pPr algn="l">
+              <a:defRPr sz="1200"/>
+            </a:lvl1pPr>
+          </a:lstStyle>
+          <a:p>
+            <a:endParaRPr lang="en-US"/>
+          </a:p>
+        </p:txBody>
+      </p:sp>
+      <p:sp>
+        <p:nvSpPr>
+          <p:cNvPr id="3" name="Date Placeholder 2"/>
+          <p:cNvSpPr>
+            <a:spLocks noGrp="1"/>
+          </p:cNvSpPr>
+          <p:nvPr>
+            <p:ph type="dt" idx="1"/>
+          </p:nvPr>
+        </p:nvSpPr>
+        <p:spPr>
+          <a:xfrm>
+            <a:off x="3884613" y="0"/>
+            <a:ext cx="2971800" cy="457200"/>
+          </a:xfrm>
+          <a:prstGeom prst="rect">
+            <a:avLst/>
+          </a:prstGeom>
+        </p:spPr>
+        <p:txBody>
+          <a:bodyPr vert="horz" lIns="91440" tIns="45720" rIns="91440" bIns="45720" rtlCol="0"/>
+          <a:lstStyle>
+            <a:lvl1pPr algn="r">
+              <a:defRPr sz="1200"/>
+            </a:lvl1pPr>
+          </a:lstStyle>
+          <a:p>
+            <a:fld id="{290492DD-1613-8B48-9182-1ECEE9190ABB}" type="datetimeFigureOut">
+              <a:rPr lang="en-US" smtClean="0"/>
+              <a:t>18/09/04</a:t>
+            </a:fld>
+            <a:endParaRPr lang="en-US"/>
+          </a:p>
+        </p:txBody>
+      </p:sp>
+      <p:sp>
+        <p:nvSpPr>
+          <p:cNvPr id="4" name="Slide Image Placeholder 3"/>
+          <p:cNvSpPr>
+            <a:spLocks noGrp="1" noRot="1" noChangeAspect="1"/>
+          </p:cNvSpPr>
+          <p:nvPr>
+            <p:ph type="sldImg" idx="2"/>
+          </p:nvPr>
+        </p:nvSpPr>
+        <p:spPr>
+          <a:xfrm>
+            <a:off x="952500" y="685800"/>
+            <a:ext cx="4953000" cy="3429000"/>
+          </a:xfrm>
+          <a:prstGeom prst="rect">
+            <a:avLst/>
+          </a:prstGeom>
+          <a:noFill/>
+          <a:ln w="12700">
+            <a:solidFill>
+              <a:prstClr val="black"/>
+            </a:solidFill>
+          </a:ln>
+        </p:spPr>
+        <p:txBody>
+          <a:bodyPr vert="horz" lIns="91440" tIns="45720" rIns="91440" bIns="45720" rtlCol="0" anchor="ctr"/>
+          <a:lstStyle/>
+          <a:p>
+            <a:endParaRPr lang="en-US"/>
+          </a:p>
+        </p:txBody>
+      </p:sp>
+      <p:sp>
+        <p:nvSpPr>
+          <p:cNvPr id="5" name="Notes Placeholder 4"/>
+          <p:cNvSpPr>
+            <a:spLocks noGrp="1"/>
+          </p:cNvSpPr>
+          <p:nvPr>
+            <p:ph type="body" sz="quarter" idx="3"/>
+          </p:nvPr>
+        </p:nvSpPr>
+        <p:spPr>
+          <a:xfrm>
+            <a:off x="685800" y="4343400"/>
+            <a:ext cx="5486400" cy="4114800"/>
+          </a:xfrm>
+          <a:prstGeom prst="rect">
+            <a:avLst/>
+          </a:prstGeom>
+        </p:spPr>
+        <p:txBody>
+          <a:bodyPr vert="horz" lIns="91440" tIns="45720" rIns="91440" bIns="45720" rtlCol="0"/>
+          <a:lstStyle/>
+          <a:p>
+            <a:pPr lvl="0"/>
+            <a:r>
+              <a:rPr lang="en-US" smtClean="0"/>
+              <a:t>Click to edit Master text styles</a:t>
+            </a:r>
+          </a:p>
+          <a:p>
+            <a:pPr lvl="1"/>
+            <a:r>
+              <a:rPr lang="en-US" smtClean="0"/>
+              <a:t>Second level</a:t>
+            </a:r>
+          </a:p>
+          <a:p>
+            <a:pPr lvl="2"/>
+            <a:r>
+              <a:rPr lang="en-US" smtClean="0"/>
+              <a:t>Third level</a:t>
+            </a:r>
+          </a:p>
+          <a:p>
+            <a:pPr lvl="3"/>
+            <a:r>
+              <a:rPr lang="en-US" smtClean="0"/>
+              <a:t>Fourth level</a:t>
+            </a:r>
+          </a:p>
+          <a:p>
+            <a:pPr lvl="4"/>
+            <a:r>
+              <a:rPr lang="en-US" smtClean="0"/>
+              <a:t>Fifth level</a:t>
+            </a:r>
+            <a:endParaRPr lang="en-US"/>
+          </a:p>
+        </p:txBody>
+      </p:sp>
+      <p:sp>
+        <p:nvSpPr>
+          <p:cNvPr id="6" name="Footer Placeholder 5"/>
+          <p:cNvSpPr>
+            <a:spLocks noGrp="1"/>
+          </p:cNvSpPr>
+          <p:nvPr>
+            <p:ph type="ftr" sz="quarter" idx="4"/>
+          </p:nvPr>
+        </p:nvSpPr>
+        <p:spPr>
+          <a:xfrm>
+            <a:off x="0" y="8685213"/>
+            <a:ext cx="2971800" cy="457200"/>
+          </a:xfrm>
+          <a:prstGeom prst="rect">
+            <a:avLst/>
+          </a:prstGeom>
+        </p:spPr>
+        <p:txBody>
+          <a:bodyPr vert="horz" lIns="91440" tIns="45720" rIns="91440" bIns="45720" rtlCol="0" anchor="b"/>
+          <a:lstStyle>
+            <a:lvl1pPr algn="l">
+              <a:defRPr sz="1200"/>
+            </a:lvl1pPr>
+          </a:lstStyle>
+          <a:p>
+            <a:endParaRPr lang="en-US"/>
+          </a:p>
+        </p:txBody>
+      </p:sp>
+      <p:sp>
+        <p:nvSpPr>
+          <p:cNvPr id="7" name="Slide Number Placeholder 6"/>
+          <p:cNvSpPr>
+            <a:spLocks noGrp="1"/>
+          </p:cNvSpPr>
+          <p:nvPr>
+            <p:ph type="sldNum" sz="quarter" idx="5"/>
+          </p:nvPr>
+        </p:nvSpPr>
+        <p:spPr>
+          <a:xfrm>
+            <a:off x="3884613" y="8685213"/>
+            <a:ext cx="2971800" cy="457200"/>
+          </a:xfrm>
+          <a:prstGeom prst="rect">
+            <a:avLst/>
+          </a:prstGeom>
+        </p:spPr>
+        <p:txBody>
+          <a:bodyPr vert="horz" lIns="91440" tIns="45720" rIns="91440" bIns="45720" rtlCol="0" anchor="b"/>
+          <a:lstStyle>
+            <a:lvl1pPr algn="r">
+              <a:defRPr sz="1200"/>
+            </a:lvl1pPr>
+          </a:lstStyle>
+          <a:p>
+            <a:fld id="{36236DF1-55A4-5143-AE5D-F9A532F68BCC}" type="slidenum">
+              <a:rPr lang="en-US" smtClean="0"/>
+              <a:t>‹#›</a:t>
+            </a:fld>
+            <a:endParaRPr lang="en-US"/>
+          </a:p>
+        </p:txBody>
+      </p:sp>
+    </p:spTree>
+    <p:extLst>
+      <p:ext uri="{BB962C8B-B14F-4D97-AF65-F5344CB8AC3E}">
+        <p14:creationId xmlns:p14="http://schemas.microsoft.com/office/powerpoint/2010/main" val="3464750849"/>
+      </p:ext>
+    </p:extLst>
+  </p:cSld>
+  <p:clrMap bg1="lt1" tx1="dk1" bg2="lt2" tx2="dk2" accent1="accent1" accent2="accent2" accent3="accent3" accent4="accent4" accent5="accent5" accent6="accent6" hlink="hlink" folHlink="folHlink"/>
+  <p:hf hdr="0" ftr="0" dt="0"/>
+  <p:notesStyle>
+    <a:lvl1pPr marL="0" algn="l" defTabSz="457200" rtl="0" eaLnBrk="1" latinLnBrk="0" hangingPunct="1">
+      <a:defRPr sz="1200" kern="1200">
+        <a:solidFill>
+          <a:schemeClr val="tx1"/>
+        </a:solidFill>
+        <a:latin typeface="+mn-lt"/>
+        <a:ea typeface="+mn-ea"/>
+        <a:cs typeface="+mn-cs"/>
+      </a:defRPr>
+    </a:lvl1pPr>
+    <a:lvl2pPr marL="457200" algn="l" defTabSz="457200" rtl="0" eaLnBrk="1" latinLnBrk="0" hangingPunct="1">
+      <a:defRPr sz="1200" kern="1200">
+        <a:solidFill>
+          <a:schemeClr val="tx1"/>
+        </a:solidFill>
+        <a:latin typeface="+mn-lt"/>
+        <a:ea typeface="+mn-ea"/>
+        <a:cs typeface="+mn-cs"/>
+      </a:defRPr>
+    </a:lvl2pPr>
+    <a:lvl3pPr marL="914400" algn="l" defTabSz="457200" rtl="0" eaLnBrk="1" latinLnBrk="0" hangingPunct="1">
+      <a:defRPr sz="1200" kern="1200">
+        <a:solidFill>
+          <a:schemeClr val="tx1"/>
+        </a:solidFill>
+        <a:latin typeface="+mn-lt"/>
+        <a:ea typeface="+mn-ea"/>
+        <a:cs typeface="+mn-cs"/>
+      </a:defRPr>
+    </a:lvl3pPr>
+    <a:lvl4pPr marL="1371600" algn="l" defTabSz="457200" rtl="0" eaLnBrk="1" latinLnBrk="0" hangingPunct="1">
+      <a:defRPr sz="1200" kern="1200">
+        <a:solidFill>
+          <a:schemeClr val="tx1"/>
+        </a:solidFill>
+        <a:latin typeface="+mn-lt"/>
+        <a:ea typeface="+mn-ea"/>
+        <a:cs typeface="+mn-cs"/>
+      </a:defRPr>
+    </a:lvl4pPr>
+    <a:lvl5pPr marL="1828800" algn="l" defTabSz="457200" rtl="0" eaLnBrk="1" latinLnBrk="0" hangingPunct="1">
+      <a:defRPr sz="1200" kern="1200">
+        <a:solidFill>
+          <a:schemeClr val="tx1"/>
+        </a:solidFill>
+        <a:latin typeface="+mn-lt"/>
+        <a:ea typeface="+mn-ea"/>
+        <a:cs typeface="+mn-cs"/>
+      </a:defRPr>
+    </a:lvl5pPr>
+    <a:lvl6pPr marL="2286000" algn="l" defTabSz="457200" rtl="0" eaLnBrk="1" latinLnBrk="0" hangingPunct="1">
+      <a:defRPr sz="1200" kern="1200">
+        <a:solidFill>
+          <a:schemeClr val="tx1"/>
+        </a:solidFill>
+        <a:latin typeface="+mn-lt"/>
+        <a:ea typeface="+mn-ea"/>
+        <a:cs typeface="+mn-cs"/>
+      </a:defRPr>
+    </a:lvl6pPr>
+    <a:lvl7pPr marL="2743200" algn="l" defTabSz="457200" rtl="0" eaLnBrk="1" latinLnBrk="0" hangingPunct="1">
+      <a:defRPr sz="1200" kern="1200">
+        <a:solidFill>
+          <a:schemeClr val="tx1"/>
+        </a:solidFill>
+        <a:latin typeface="+mn-lt"/>
+        <a:ea typeface="+mn-ea"/>
+        <a:cs typeface="+mn-cs"/>
+      </a:defRPr>
+    </a:lvl7pPr>
+    <a:lvl8pPr marL="3200400" algn="l" defTabSz="457200" rtl="0" eaLnBrk="1" latinLnBrk="0" hangingPunct="1">
+      <a:defRPr sz="1200" kern="1200">
+        <a:solidFill>
+          <a:schemeClr val="tx1"/>
+        </a:solidFill>
+        <a:latin typeface="+mn-lt"/>
+        <a:ea typeface="+mn-ea"/>
+        <a:cs typeface="+mn-cs"/>
+      </a:defRPr>
+    </a:lvl8pPr>
+    <a:lvl9pPr marL="3657600" algn="l" defTabSz="457200" rtl="0" eaLnBrk="1" latinLnBrk="0" hangingPunct="1">
+      <a:defRPr sz="1200" kern="1200">
+        <a:solidFill>
+          <a:schemeClr val="tx1"/>
+        </a:solidFill>
+        <a:latin typeface="+mn-lt"/>
+        <a:ea typeface="+mn-ea"/>
+        <a:cs typeface="+mn-cs"/>
+      </a:defRPr>
+    </a:lvl9pPr>
+  </p:notesStyle>
+</p:notesMaster>
 </file>
 
 <file path=ppt/slideLayouts/slideLayout1.xml><?xml version="1.0" encoding="utf-8"?>
@@ -173,10 +696,10 @@
           <a:lstStyle/>
           <a:p>
             <a:r>
-              <a:rPr lang="en-US" smtClean="0"/>
+              <a:rPr lang="en-US" dirty="0" smtClean="0"/>
               <a:t>Click to edit Master title style</a:t>
             </a:r>
-            <a:endParaRPr lang="en-ZA"/>
+            <a:endParaRPr lang="en-ZA" dirty="0"/>
           </a:p>
         </p:txBody>
       </p:sp>
@@ -245,6 +768,29 @@
           </a:p>
         </p:txBody>
       </p:sp>
+      <p:sp>
+        <p:nvSpPr>
+          <p:cNvPr id="4" name="Slide Number Placeholder 3"/>
+          <p:cNvSpPr>
+            <a:spLocks noGrp="1"/>
+          </p:cNvSpPr>
+          <p:nvPr>
+            <p:ph type="sldNum" sz="quarter" idx="10"/>
+          </p:nvPr>
+        </p:nvSpPr>
+        <p:spPr/>
+        <p:txBody>
+          <a:bodyPr/>
+          <a:lstStyle/>
+          <a:p>
+            <a:fld id="{960946CE-1557-8048-9DCC-53092B682325}" type="slidenum">
+              <a:rPr lang="en-US" smtClean="0"/>
+              <a:t>‹#›</a:t>
+            </a:fld>
+            <a:endParaRPr lang="en-US" dirty="0"/>
+          </a:p>
+        </p:txBody>
+      </p:sp>
     </p:spTree>
     <p:extLst>
       <p:ext uri="{BB962C8B-B14F-4D97-AF65-F5344CB8AC3E}">
@@ -350,6 +896,29 @@
           </a:p>
         </p:txBody>
       </p:sp>
+      <p:sp>
+        <p:nvSpPr>
+          <p:cNvPr id="4" name="Slide Number Placeholder 3"/>
+          <p:cNvSpPr>
+            <a:spLocks noGrp="1"/>
+          </p:cNvSpPr>
+          <p:nvPr>
+            <p:ph type="sldNum" sz="quarter" idx="10"/>
+          </p:nvPr>
+        </p:nvSpPr>
+        <p:spPr/>
+        <p:txBody>
+          <a:bodyPr/>
+          <a:lstStyle/>
+          <a:p>
+            <a:fld id="{960946CE-1557-8048-9DCC-53092B682325}" type="slidenum">
+              <a:rPr lang="en-US" smtClean="0"/>
+              <a:t>‹#›</a:t>
+            </a:fld>
+            <a:endParaRPr lang="en-US" dirty="0"/>
+          </a:p>
+        </p:txBody>
+      </p:sp>
     </p:spTree>
     <p:extLst>
       <p:ext uri="{BB962C8B-B14F-4D97-AF65-F5344CB8AC3E}">
@@ -567,6 +1136,29 @@
               <a:t>Fifth level</a:t>
             </a:r>
             <a:endParaRPr lang="en-ZA"/>
+          </a:p>
+        </p:txBody>
+      </p:sp>
+      <p:sp>
+        <p:nvSpPr>
+          <p:cNvPr id="4" name="Slide Number Placeholder 3"/>
+          <p:cNvSpPr>
+            <a:spLocks noGrp="1"/>
+          </p:cNvSpPr>
+          <p:nvPr>
+            <p:ph type="sldNum" sz="quarter" idx="10"/>
+          </p:nvPr>
+        </p:nvSpPr>
+        <p:spPr/>
+        <p:txBody>
+          <a:bodyPr/>
+          <a:lstStyle/>
+          <a:p>
+            <a:fld id="{960946CE-1557-8048-9DCC-53092B682325}" type="slidenum">
+              <a:rPr lang="en-US" smtClean="0"/>
+              <a:t>‹#›</a:t>
+            </a:fld>
+            <a:endParaRPr lang="en-US" dirty="0"/>
           </a:p>
         </p:txBody>
       </p:sp>
@@ -697,6 +1289,29 @@
           </a:p>
         </p:txBody>
       </p:sp>
+      <p:sp>
+        <p:nvSpPr>
+          <p:cNvPr id="4" name="Slide Number Placeholder 3"/>
+          <p:cNvSpPr>
+            <a:spLocks noGrp="1"/>
+          </p:cNvSpPr>
+          <p:nvPr>
+            <p:ph type="sldNum" sz="quarter" idx="10"/>
+          </p:nvPr>
+        </p:nvSpPr>
+        <p:spPr/>
+        <p:txBody>
+          <a:bodyPr/>
+          <a:lstStyle/>
+          <a:p>
+            <a:fld id="{960946CE-1557-8048-9DCC-53092B682325}" type="slidenum">
+              <a:rPr lang="en-US" smtClean="0"/>
+              <a:t>‹#›</a:t>
+            </a:fld>
+            <a:endParaRPr lang="en-US" dirty="0"/>
+          </a:p>
+        </p:txBody>
+      </p:sp>
     </p:spTree>
     <p:extLst>
       <p:ext uri="{BB962C8B-B14F-4D97-AF65-F5344CB8AC3E}">
@@ -917,6 +1532,29 @@
               <a:t>Fifth level</a:t>
             </a:r>
             <a:endParaRPr lang="en-ZA"/>
+          </a:p>
+        </p:txBody>
+      </p:sp>
+      <p:sp>
+        <p:nvSpPr>
+          <p:cNvPr id="5" name="Slide Number Placeholder 4"/>
+          <p:cNvSpPr>
+            <a:spLocks noGrp="1"/>
+          </p:cNvSpPr>
+          <p:nvPr>
+            <p:ph type="sldNum" sz="quarter" idx="10"/>
+          </p:nvPr>
+        </p:nvSpPr>
+        <p:spPr/>
+        <p:txBody>
+          <a:bodyPr/>
+          <a:lstStyle/>
+          <a:p>
+            <a:fld id="{960946CE-1557-8048-9DCC-53092B682325}" type="slidenum">
+              <a:rPr lang="en-US" smtClean="0"/>
+              <a:t>‹#›</a:t>
+            </a:fld>
+            <a:endParaRPr lang="en-US" dirty="0"/>
           </a:p>
         </p:txBody>
       </p:sp>
@@ -1282,6 +1920,29 @@
           </a:p>
         </p:txBody>
       </p:sp>
+      <p:sp>
+        <p:nvSpPr>
+          <p:cNvPr id="7" name="Slide Number Placeholder 6"/>
+          <p:cNvSpPr>
+            <a:spLocks noGrp="1"/>
+          </p:cNvSpPr>
+          <p:nvPr>
+            <p:ph type="sldNum" sz="quarter" idx="10"/>
+          </p:nvPr>
+        </p:nvSpPr>
+        <p:spPr/>
+        <p:txBody>
+          <a:bodyPr/>
+          <a:lstStyle/>
+          <a:p>
+            <a:fld id="{960946CE-1557-8048-9DCC-53092B682325}" type="slidenum">
+              <a:rPr lang="en-US" smtClean="0"/>
+              <a:t>‹#›</a:t>
+            </a:fld>
+            <a:endParaRPr lang="en-US" dirty="0"/>
+          </a:p>
+        </p:txBody>
+      </p:sp>
     </p:spTree>
     <p:extLst>
       <p:ext uri="{BB962C8B-B14F-4D97-AF65-F5344CB8AC3E}">
@@ -1335,6 +1996,29 @@
           </a:p>
         </p:txBody>
       </p:sp>
+      <p:sp>
+        <p:nvSpPr>
+          <p:cNvPr id="3" name="Slide Number Placeholder 2"/>
+          <p:cNvSpPr>
+            <a:spLocks noGrp="1"/>
+          </p:cNvSpPr>
+          <p:nvPr>
+            <p:ph type="sldNum" sz="quarter" idx="10"/>
+          </p:nvPr>
+        </p:nvSpPr>
+        <p:spPr/>
+        <p:txBody>
+          <a:bodyPr/>
+          <a:lstStyle/>
+          <a:p>
+            <a:fld id="{960946CE-1557-8048-9DCC-53092B682325}" type="slidenum">
+              <a:rPr lang="en-US" smtClean="0"/>
+              <a:t>‹#›</a:t>
+            </a:fld>
+            <a:endParaRPr lang="en-US" dirty="0"/>
+          </a:p>
+        </p:txBody>
+      </p:sp>
     </p:spTree>
     <p:extLst>
       <p:ext uri="{BB962C8B-B14F-4D97-AF65-F5344CB8AC3E}">
@@ -1365,6 +2049,29 @@
           <a:chExt cx="0" cy="0"/>
         </a:xfrm>
       </p:grpSpPr>
+      <p:sp>
+        <p:nvSpPr>
+          <p:cNvPr id="2" name="Slide Number Placeholder 1"/>
+          <p:cNvSpPr>
+            <a:spLocks noGrp="1"/>
+          </p:cNvSpPr>
+          <p:nvPr>
+            <p:ph type="sldNum" sz="quarter" idx="10"/>
+          </p:nvPr>
+        </p:nvSpPr>
+        <p:spPr/>
+        <p:txBody>
+          <a:bodyPr/>
+          <a:lstStyle/>
+          <a:p>
+            <a:fld id="{960946CE-1557-8048-9DCC-53092B682325}" type="slidenum">
+              <a:rPr lang="en-US" smtClean="0"/>
+              <a:t>‹#›</a:t>
+            </a:fld>
+            <a:endParaRPr lang="en-US" dirty="0"/>
+          </a:p>
+        </p:txBody>
+      </p:sp>
     </p:spTree>
     <p:extLst>
       <p:ext uri="{BB962C8B-B14F-4D97-AF65-F5344CB8AC3E}">
@@ -1577,6 +2284,29 @@
           </a:p>
         </p:txBody>
       </p:sp>
+      <p:sp>
+        <p:nvSpPr>
+          <p:cNvPr id="5" name="Slide Number Placeholder 4"/>
+          <p:cNvSpPr>
+            <a:spLocks noGrp="1"/>
+          </p:cNvSpPr>
+          <p:nvPr>
+            <p:ph type="sldNum" sz="quarter" idx="10"/>
+          </p:nvPr>
+        </p:nvSpPr>
+        <p:spPr/>
+        <p:txBody>
+          <a:bodyPr/>
+          <a:lstStyle/>
+          <a:p>
+            <a:fld id="{960946CE-1557-8048-9DCC-53092B682325}" type="slidenum">
+              <a:rPr lang="en-US" smtClean="0"/>
+              <a:t>‹#›</a:t>
+            </a:fld>
+            <a:endParaRPr lang="en-US" dirty="0"/>
+          </a:p>
+        </p:txBody>
+      </p:sp>
     </p:spTree>
     <p:extLst>
       <p:ext uri="{BB962C8B-B14F-4D97-AF65-F5344CB8AC3E}">
@@ -1770,6 +2500,29 @@
           </a:p>
         </p:txBody>
       </p:sp>
+      <p:sp>
+        <p:nvSpPr>
+          <p:cNvPr id="5" name="Slide Number Placeholder 4"/>
+          <p:cNvSpPr>
+            <a:spLocks noGrp="1"/>
+          </p:cNvSpPr>
+          <p:nvPr>
+            <p:ph type="sldNum" sz="quarter" idx="10"/>
+          </p:nvPr>
+        </p:nvSpPr>
+        <p:spPr/>
+        <p:txBody>
+          <a:bodyPr/>
+          <a:lstStyle/>
+          <a:p>
+            <a:fld id="{960946CE-1557-8048-9DCC-53092B682325}" type="slidenum">
+              <a:rPr lang="en-US" smtClean="0"/>
+              <a:t>‹#›</a:t>
+            </a:fld>
+            <a:endParaRPr lang="en-US" dirty="0"/>
+          </a:p>
+        </p:txBody>
+      </p:sp>
     </p:spTree>
     <p:extLst>
       <p:ext uri="{BB962C8B-B14F-4D97-AF65-F5344CB8AC3E}">
@@ -1835,7 +2588,7 @@
           </a:ln>
           <a:extLst>
             <a:ext uri="{909E8E84-426E-40dd-AFC4-6F175D3DCCD1}">
-              <a14:hiddenFill xmlns:a14="http://schemas.microsoft.com/office/drawing/2010/main" xmlns="">
+              <a14:hiddenFill xmlns:a14="http://schemas.microsoft.com/office/drawing/2010/main">
                 <a:noFill/>
               </a14:hiddenFill>
             </a:ext>
@@ -1873,14 +2626,14 @@
           </a:ln>
           <a:extLst>
             <a:ext uri="{909E8E84-426E-40dd-AFC4-6F175D3DCCD1}">
-              <a14:hiddenFill xmlns:a14="http://schemas.microsoft.com/office/drawing/2010/main" xmlns="">
+              <a14:hiddenFill xmlns:a14="http://schemas.microsoft.com/office/drawing/2010/main">
                 <a:solidFill>
                   <a:srgbClr val="FFFFFF"/>
                 </a:solidFill>
               </a14:hiddenFill>
             </a:ext>
             <a:ext uri="{91240B29-F687-4f45-9708-019B960494DF}">
-              <a14:hiddenLine xmlns:a14="http://schemas.microsoft.com/office/drawing/2010/main" xmlns="" w="9525">
+              <a14:hiddenLine xmlns:a14="http://schemas.microsoft.com/office/drawing/2010/main" w="9525">
                 <a:solidFill>
                   <a:srgbClr val="000000"/>
                 </a:solidFill>
@@ -1890,7 +2643,7 @@
               </a14:hiddenLine>
             </a:ext>
             <a:ext uri="{FAA26D3D-D897-4be2-8F04-BA451C77F1D7}">
-              <ma14:placeholderFlag xmlns:ma14="http://schemas.microsoft.com/office/mac/drawingml/2011/main" xmlns="" val="1"/>
+              <ma14:placeholderFlag xmlns:ma14="http://schemas.microsoft.com/office/mac/drawingml/2011/main" val="1"/>
             </a:ext>
           </a:extLst>
         </p:spPr>
@@ -1938,7 +2691,7 @@
           </a:ln>
           <a:extLst>
             <a:ext uri="{909E8E84-426E-40dd-AFC4-6F175D3DCCD1}">
-              <a14:hiddenFill xmlns:a14="http://schemas.microsoft.com/office/drawing/2010/main" xmlns="">
+              <a14:hiddenFill xmlns:a14="http://schemas.microsoft.com/office/drawing/2010/main">
                 <a:noFill/>
               </a14:hiddenFill>
             </a:ext>
@@ -1974,14 +2727,14 @@
           </a:ln>
           <a:extLst>
             <a:ext uri="{909E8E84-426E-40dd-AFC4-6F175D3DCCD1}">
-              <a14:hiddenFill xmlns:a14="http://schemas.microsoft.com/office/drawing/2010/main" xmlns="">
+              <a14:hiddenFill xmlns:a14="http://schemas.microsoft.com/office/drawing/2010/main">
                 <a:solidFill>
                   <a:srgbClr val="FFFFFF"/>
                 </a:solidFill>
               </a14:hiddenFill>
             </a:ext>
             <a:ext uri="{91240B29-F687-4f45-9708-019B960494DF}">
-              <a14:hiddenLine xmlns:a14="http://schemas.microsoft.com/office/drawing/2010/main" xmlns="" w="9525">
+              <a14:hiddenLine xmlns:a14="http://schemas.microsoft.com/office/drawing/2010/main" w="9525">
                 <a:solidFill>
                   <a:srgbClr val="000000"/>
                 </a:solidFill>
@@ -2138,14 +2891,14 @@
           </a:ln>
           <a:extLst>
             <a:ext uri="{909E8E84-426E-40dd-AFC4-6F175D3DCCD1}">
-              <a14:hiddenFill xmlns:a14="http://schemas.microsoft.com/office/drawing/2010/main" xmlns="">
+              <a14:hiddenFill xmlns:a14="http://schemas.microsoft.com/office/drawing/2010/main">
                 <a:solidFill>
                   <a:srgbClr val="FFFFFF"/>
                 </a:solidFill>
               </a14:hiddenFill>
             </a:ext>
             <a:ext uri="{91240B29-F687-4f45-9708-019B960494DF}">
-              <a14:hiddenLine xmlns:a14="http://schemas.microsoft.com/office/drawing/2010/main" xmlns="" w="9525">
+              <a14:hiddenLine xmlns:a14="http://schemas.microsoft.com/office/drawing/2010/main" w="9525">
                 <a:solidFill>
                   <a:srgbClr val="000000"/>
                 </a:solidFill>
@@ -2155,7 +2908,7 @@
               </a14:hiddenLine>
             </a:ext>
             <a:ext uri="{FAA26D3D-D897-4be2-8F04-BA451C77F1D7}">
-              <ma14:placeholderFlag xmlns:ma14="http://schemas.microsoft.com/office/mac/drawingml/2011/main" xmlns="" val="1"/>
+              <ma14:placeholderFlag xmlns:ma14="http://schemas.microsoft.com/office/mac/drawingml/2011/main" val="1"/>
             </a:ext>
           </a:extLst>
         </p:spPr>
@@ -2219,6 +2972,47 @@
           </a:prstGeom>
         </p:spPr>
       </p:pic>
+      <p:sp>
+        <p:nvSpPr>
+          <p:cNvPr id="3" name="Slide Number Placeholder 2"/>
+          <p:cNvSpPr>
+            <a:spLocks noGrp="1"/>
+          </p:cNvSpPr>
+          <p:nvPr>
+            <p:ph type="sldNum" sz="quarter" idx="4"/>
+          </p:nvPr>
+        </p:nvSpPr>
+        <p:spPr>
+          <a:xfrm>
+            <a:off x="7099300" y="6356350"/>
+            <a:ext cx="2311400" cy="365125"/>
+          </a:xfrm>
+          <a:prstGeom prst="rect">
+            <a:avLst/>
+          </a:prstGeom>
+        </p:spPr>
+        <p:txBody>
+          <a:bodyPr vert="horz" lIns="91440" tIns="45720" rIns="91440" bIns="45720" rtlCol="0" anchor="ctr"/>
+          <a:lstStyle>
+            <a:lvl1pPr algn="r">
+              <a:defRPr sz="1200">
+                <a:solidFill>
+                  <a:schemeClr val="tx1">
+                    <a:tint val="75000"/>
+                  </a:schemeClr>
+                </a:solidFill>
+              </a:defRPr>
+            </a:lvl1pPr>
+          </a:lstStyle>
+          <a:p>
+            <a:fld id="{960946CE-1557-8048-9DCC-53092B682325}" type="slidenum">
+              <a:rPr lang="en-US" smtClean="0"/>
+              <a:t>‹#›</a:t>
+            </a:fld>
+            <a:endParaRPr lang="en-US" dirty="0"/>
+          </a:p>
+        </p:txBody>
+      </p:sp>
     </p:spTree>
   </p:cSld>
   <p:clrMap bg1="lt1" tx1="dk1" bg2="lt2" tx2="dk2" accent1="accent1" accent2="accent2" accent3="accent3" accent4="accent4" accent5="accent5" accent6="accent6" hlink="hlink" folHlink="folHlink"/>
@@ -2235,6 +3029,7 @@
     <p:sldLayoutId id="2147483670" r:id="rId10"/>
     <p:sldLayoutId id="2147483671" r:id="rId11"/>
   </p:sldLayoutIdLst>
+  <p:hf hdr="0" dt="0"/>
   <p:txStyles>
     <p:titleStyle>
       <a:lvl1pPr algn="l" defTabSz="762000" rtl="0" eaLnBrk="1" fontAlgn="base" hangingPunct="1">
@@ -2765,14 +3560,14 @@
           </a:ln>
           <a:extLst>
             <a:ext uri="{909E8E84-426E-40dd-AFC4-6F175D3DCCD1}">
-              <a14:hiddenFill xmlns:a14="http://schemas.microsoft.com/office/drawing/2010/main" xmlns="">
+              <a14:hiddenFill xmlns:a14="http://schemas.microsoft.com/office/drawing/2010/main">
                 <a:solidFill>
                   <a:srgbClr val="FFFFFF"/>
                 </a:solidFill>
               </a14:hiddenFill>
             </a:ext>
             <a:ext uri="{91240B29-F687-4f45-9708-019B960494DF}">
-              <a14:hiddenLine xmlns:a14="http://schemas.microsoft.com/office/drawing/2010/main" xmlns="" w="9525">
+              <a14:hiddenLine xmlns:a14="http://schemas.microsoft.com/office/drawing/2010/main" w="9525">
                 <a:solidFill>
                   <a:srgbClr val="000000"/>
                 </a:solidFill>
@@ -2909,7 +3704,7 @@
   <p:timing>
     <p:tnLst>
       <p:par>
-        <p:cTn id="1" dur="indefinite" restart="never" nodeType="tmRoot"/>
+        <p:cTn xmlns:p14="http://schemas.microsoft.com/office/powerpoint/2010/main" id="1" dur="indefinite" restart="never" nodeType="tmRoot"/>
       </p:par>
     </p:tnLst>
   </p:timing>
@@ -2950,7 +3745,11 @@
           <a:p>
             <a:r>
               <a:rPr lang="en-ZA" dirty="0" smtClean="0"/>
-              <a:t>Results - Simulation</a:t>
+              <a:t>Results: </a:t>
+            </a:r>
+            <a:r>
+              <a:rPr lang="en-ZA" dirty="0" smtClean="0"/>
+              <a:t>Simulation</a:t>
             </a:r>
             <a:endParaRPr lang="en-ZA" dirty="0"/>
           </a:p>
@@ -2972,6 +3771,29 @@
           <a:lstStyle/>
           <a:p>
             <a:endParaRPr lang="en-ZA"/>
+          </a:p>
+        </p:txBody>
+      </p:sp>
+      <p:sp>
+        <p:nvSpPr>
+          <p:cNvPr id="4" name="Slide Number Placeholder 3"/>
+          <p:cNvSpPr>
+            <a:spLocks noGrp="1"/>
+          </p:cNvSpPr>
+          <p:nvPr>
+            <p:ph type="sldNum" sz="quarter" idx="10"/>
+          </p:nvPr>
+        </p:nvSpPr>
+        <p:spPr/>
+        <p:txBody>
+          <a:bodyPr/>
+          <a:lstStyle/>
+          <a:p>
+            <a:fld id="{960946CE-1557-8048-9DCC-53092B682325}" type="slidenum">
+              <a:rPr lang="en-US" smtClean="0"/>
+              <a:t>10</a:t>
+            </a:fld>
+            <a:endParaRPr lang="en-US" dirty="0"/>
           </a:p>
         </p:txBody>
       </p:sp>
@@ -2985,6 +3807,13 @@
   <p:clrMapOvr>
     <a:masterClrMapping/>
   </p:clrMapOvr>
+  <p:timing>
+    <p:tnLst>
+      <p:par>
+        <p:cTn xmlns:p14="http://schemas.microsoft.com/office/powerpoint/2010/main" id="1" dur="indefinite" restart="never" nodeType="tmRoot"/>
+      </p:par>
+    </p:tnLst>
+  </p:timing>
 </p:sld>
 </file>
 
@@ -3022,7 +3851,11 @@
           <a:p>
             <a:r>
               <a:rPr lang="en-ZA" dirty="0" smtClean="0"/>
-              <a:t>Results -  Hardware</a:t>
+              <a:t>Results: </a:t>
+            </a:r>
+            <a:r>
+              <a:rPr lang="en-ZA" dirty="0" smtClean="0"/>
+              <a:t>Hardware</a:t>
             </a:r>
             <a:endParaRPr lang="en-ZA" dirty="0"/>
           </a:p>
@@ -3044,6 +3877,29 @@
           <a:lstStyle/>
           <a:p>
             <a:endParaRPr lang="en-ZA"/>
+          </a:p>
+        </p:txBody>
+      </p:sp>
+      <p:sp>
+        <p:nvSpPr>
+          <p:cNvPr id="4" name="Slide Number Placeholder 3"/>
+          <p:cNvSpPr>
+            <a:spLocks noGrp="1"/>
+          </p:cNvSpPr>
+          <p:nvPr>
+            <p:ph type="sldNum" sz="quarter" idx="10"/>
+          </p:nvPr>
+        </p:nvSpPr>
+        <p:spPr/>
+        <p:txBody>
+          <a:bodyPr/>
+          <a:lstStyle/>
+          <a:p>
+            <a:fld id="{960946CE-1557-8048-9DCC-53092B682325}" type="slidenum">
+              <a:rPr lang="en-US" smtClean="0"/>
+              <a:t>11</a:t>
+            </a:fld>
+            <a:endParaRPr lang="en-US" dirty="0"/>
           </a:p>
         </p:txBody>
       </p:sp>
@@ -3057,6 +3913,13 @@
   <p:clrMapOvr>
     <a:masterClrMapping/>
   </p:clrMapOvr>
+  <p:timing>
+    <p:tnLst>
+      <p:par>
+        <p:cTn xmlns:p14="http://schemas.microsoft.com/office/powerpoint/2010/main" id="1" dur="indefinite" restart="never" nodeType="tmRoot"/>
+      </p:par>
+    </p:tnLst>
+  </p:timing>
 </p:sld>
 </file>
 
@@ -3116,6 +3979,29 @@
           <a:lstStyle/>
           <a:p>
             <a:endParaRPr lang="en-ZA"/>
+          </a:p>
+        </p:txBody>
+      </p:sp>
+      <p:sp>
+        <p:nvSpPr>
+          <p:cNvPr id="4" name="Slide Number Placeholder 3"/>
+          <p:cNvSpPr>
+            <a:spLocks noGrp="1"/>
+          </p:cNvSpPr>
+          <p:nvPr>
+            <p:ph type="sldNum" sz="quarter" idx="10"/>
+          </p:nvPr>
+        </p:nvSpPr>
+        <p:spPr/>
+        <p:txBody>
+          <a:bodyPr/>
+          <a:lstStyle/>
+          <a:p>
+            <a:fld id="{960946CE-1557-8048-9DCC-53092B682325}" type="slidenum">
+              <a:rPr lang="en-US" smtClean="0"/>
+              <a:t>12</a:t>
+            </a:fld>
+            <a:endParaRPr lang="en-US" dirty="0"/>
           </a:p>
         </p:txBody>
       </p:sp>
@@ -3191,6 +4077,29 @@
           </a:p>
         </p:txBody>
       </p:sp>
+      <p:sp>
+        <p:nvSpPr>
+          <p:cNvPr id="4" name="Slide Number Placeholder 3"/>
+          <p:cNvSpPr>
+            <a:spLocks noGrp="1"/>
+          </p:cNvSpPr>
+          <p:nvPr>
+            <p:ph type="sldNum" sz="quarter" idx="10"/>
+          </p:nvPr>
+        </p:nvSpPr>
+        <p:spPr/>
+        <p:txBody>
+          <a:bodyPr/>
+          <a:lstStyle/>
+          <a:p>
+            <a:fld id="{960946CE-1557-8048-9DCC-53092B682325}" type="slidenum">
+              <a:rPr lang="en-US" smtClean="0"/>
+              <a:t>13</a:t>
+            </a:fld>
+            <a:endParaRPr lang="en-US" dirty="0"/>
+          </a:p>
+        </p:txBody>
+      </p:sp>
     </p:spTree>
     <p:extLst>
       <p:ext uri="{BB962C8B-B14F-4D97-AF65-F5344CB8AC3E}">
@@ -3263,6 +4172,29 @@
           </a:p>
         </p:txBody>
       </p:sp>
+      <p:sp>
+        <p:nvSpPr>
+          <p:cNvPr id="4" name="Slide Number Placeholder 3"/>
+          <p:cNvSpPr>
+            <a:spLocks noGrp="1"/>
+          </p:cNvSpPr>
+          <p:nvPr>
+            <p:ph type="sldNum" sz="quarter" idx="10"/>
+          </p:nvPr>
+        </p:nvSpPr>
+        <p:spPr/>
+        <p:txBody>
+          <a:bodyPr/>
+          <a:lstStyle/>
+          <a:p>
+            <a:fld id="{960946CE-1557-8048-9DCC-53092B682325}" type="slidenum">
+              <a:rPr lang="en-US" smtClean="0"/>
+              <a:t>2</a:t>
+            </a:fld>
+            <a:endParaRPr lang="en-US" dirty="0"/>
+          </a:p>
+        </p:txBody>
+      </p:sp>
     </p:spTree>
     <p:extLst>
       <p:ext uri="{BB962C8B-B14F-4D97-AF65-F5344CB8AC3E}">
@@ -3276,7 +4208,7 @@
   <p:timing>
     <p:tnLst>
       <p:par>
-        <p:cTn id="1" dur="indefinite" restart="never" nodeType="tmRoot"/>
+        <p:cTn xmlns:p14="http://schemas.microsoft.com/office/powerpoint/2010/main" id="1" dur="indefinite" restart="never" nodeType="tmRoot"/>
       </p:par>
     </p:tnLst>
   </p:timing>
@@ -3342,6 +4274,29 @@
           </a:p>
         </p:txBody>
       </p:sp>
+      <p:sp>
+        <p:nvSpPr>
+          <p:cNvPr id="4" name="Slide Number Placeholder 3"/>
+          <p:cNvSpPr>
+            <a:spLocks noGrp="1"/>
+          </p:cNvSpPr>
+          <p:nvPr>
+            <p:ph type="sldNum" sz="quarter" idx="10"/>
+          </p:nvPr>
+        </p:nvSpPr>
+        <p:spPr/>
+        <p:txBody>
+          <a:bodyPr/>
+          <a:lstStyle/>
+          <a:p>
+            <a:fld id="{960946CE-1557-8048-9DCC-53092B682325}" type="slidenum">
+              <a:rPr lang="en-US" smtClean="0"/>
+              <a:t>3</a:t>
+            </a:fld>
+            <a:endParaRPr lang="en-US" dirty="0"/>
+          </a:p>
+        </p:txBody>
+      </p:sp>
     </p:spTree>
     <p:extLst>
       <p:ext uri="{BB962C8B-B14F-4D97-AF65-F5344CB8AC3E}">
@@ -3352,6 +4307,13 @@
   <p:clrMapOvr>
     <a:masterClrMapping/>
   </p:clrMapOvr>
+  <p:timing>
+    <p:tnLst>
+      <p:par>
+        <p:cTn xmlns:p14="http://schemas.microsoft.com/office/powerpoint/2010/main" id="1" dur="indefinite" restart="never" nodeType="tmRoot"/>
+      </p:par>
+    </p:tnLst>
+  </p:timing>
 </p:sld>
 </file>
 
@@ -3395,14 +4357,44 @@
           </a:p>
         </p:txBody>
       </p:sp>
-      <p:sp>
-        <p:nvSpPr>
-          <p:cNvPr id="3" name="Content Placeholder 2"/>
-          <p:cNvSpPr>
-            <a:spLocks noGrp="1"/>
-          </p:cNvSpPr>
-          <p:nvPr>
-            <p:ph idx="1"/>
+      <p:pic>
+        <p:nvPicPr>
+          <p:cNvPr id="4" name="Picture 3" descr="posterBlockDiagram.pdf"/>
+          <p:cNvPicPr>
+            <a:picLocks noChangeAspect="1"/>
+          </p:cNvPicPr>
+          <p:nvPr/>
+        </p:nvPicPr>
+        <p:blipFill>
+          <a:blip r:embed="rId2">
+            <a:extLst>
+              <a:ext uri="{28A0092B-C50C-407E-A947-70E740481C1C}">
+                <a14:useLocalDpi xmlns:a14="http://schemas.microsoft.com/office/drawing/2010/main" val="0"/>
+              </a:ext>
+            </a:extLst>
+          </a:blip>
+          <a:stretch>
+            <a:fillRect/>
+          </a:stretch>
+        </p:blipFill>
+        <p:spPr>
+          <a:xfrm>
+            <a:off x="0" y="1844824"/>
+            <a:ext cx="9906000" cy="4065614"/>
+          </a:xfrm>
+          <a:prstGeom prst="rect">
+            <a:avLst/>
+          </a:prstGeom>
+        </p:spPr>
+      </p:pic>
+      <p:sp>
+        <p:nvSpPr>
+          <p:cNvPr id="5" name="Slide Number Placeholder 4"/>
+          <p:cNvSpPr>
+            <a:spLocks noGrp="1"/>
+          </p:cNvSpPr>
+          <p:nvPr>
+            <p:ph type="sldNum" sz="quarter" idx="10"/>
           </p:nvPr>
         </p:nvSpPr>
         <p:spPr/>
@@ -3410,7 +4402,11 @@
           <a:bodyPr/>
           <a:lstStyle/>
           <a:p>
-            <a:endParaRPr lang="en-ZA"/>
+            <a:fld id="{960946CE-1557-8048-9DCC-53092B682325}" type="slidenum">
+              <a:rPr lang="en-US" smtClean="0"/>
+              <a:t>4</a:t>
+            </a:fld>
+            <a:endParaRPr lang="en-US" dirty="0"/>
           </a:p>
         </p:txBody>
       </p:sp>
@@ -3424,6 +4420,13 @@
   <p:clrMapOvr>
     <a:masterClrMapping/>
   </p:clrMapOvr>
+  <p:timing>
+    <p:tnLst>
+      <p:par>
+        <p:cTn xmlns:p14="http://schemas.microsoft.com/office/powerpoint/2010/main" id="1" dur="indefinite" restart="never" nodeType="tmRoot"/>
+      </p:par>
+    </p:tnLst>
+  </p:timing>
 </p:sld>
 </file>
 
@@ -3477,14 +4480,14 @@
             <p:ph idx="1"/>
             <p:extLst>
               <p:ext uri="{D42A27DB-BD31-4B8C-83A1-F6EECF244321}">
-                <p14:modId xmlns:p14="http://schemas.microsoft.com/office/powerpoint/2010/main" val="1903547720"/>
+                <p14:modId xmlns:p14="http://schemas.microsoft.com/office/powerpoint/2010/main" val="2097145294"/>
               </p:ext>
             </p:extLst>
           </p:nvPr>
         </p:nvGraphicFramePr>
         <p:xfrm>
-          <a:off x="1828800" y="2209800"/>
-          <a:ext cx="5867400" cy="3774440"/>
+          <a:off x="704529" y="1988840"/>
+          <a:ext cx="8496942" cy="4145280"/>
         </p:xfrm>
         <a:graphic>
           <a:graphicData uri="http://schemas.openxmlformats.org/drawingml/2006/table">
@@ -3493,24 +4496,24 @@
                 <a:tableStyleId>{5C22544A-7EE6-4342-B048-85BDC9FD1C3A}</a:tableStyleId>
               </a:tblPr>
               <a:tblGrid>
-                <a:gridCol w="1955800">
+                <a:gridCol w="2880319">
                   <a:extLst>
                     <a:ext uri="{9D8B030D-6E8A-4147-A177-3AD203B41FA5}">
-                      <a16:colId xmlns:a16="http://schemas.microsoft.com/office/drawing/2014/main" val="1205949033"/>
+                      <a16:colId xmlns:a16="http://schemas.microsoft.com/office/drawing/2014/main" xmlns="" val="1205949033"/>
                     </a:ext>
                   </a:extLst>
                 </a:gridCol>
-                <a:gridCol w="1955800">
+                <a:gridCol w="2448272">
                   <a:extLst>
                     <a:ext uri="{9D8B030D-6E8A-4147-A177-3AD203B41FA5}">
-                      <a16:colId xmlns:a16="http://schemas.microsoft.com/office/drawing/2014/main" val="3234676645"/>
+                      <a16:colId xmlns:a16="http://schemas.microsoft.com/office/drawing/2014/main" xmlns="" val="3234676645"/>
                     </a:ext>
                   </a:extLst>
                 </a:gridCol>
-                <a:gridCol w="1955800">
+                <a:gridCol w="3168351">
                   <a:extLst>
                     <a:ext uri="{9D8B030D-6E8A-4147-A177-3AD203B41FA5}">
-                      <a16:colId xmlns:a16="http://schemas.microsoft.com/office/drawing/2014/main" val="497167739"/>
+                      <a16:colId xmlns:a16="http://schemas.microsoft.com/office/drawing/2014/main" xmlns="" val="497167739"/>
                     </a:ext>
                   </a:extLst>
                 </a:gridCol>
@@ -3521,6 +4524,7 @@
                     <a:bodyPr/>
                     <a:lstStyle/>
                     <a:p>
+                      <a:pPr algn="ctr"/>
                       <a:r>
                         <a:rPr lang="en-ZA" dirty="0" smtClean="0"/>
                         <a:t>Property</a:t>
@@ -3535,6 +4539,7 @@
                     <a:bodyPr/>
                     <a:lstStyle/>
                     <a:p>
+                      <a:pPr algn="ctr"/>
                       <a:r>
                         <a:rPr lang="en-ZA" dirty="0" smtClean="0"/>
                         <a:t>Simulation</a:t>
@@ -3549,6 +4554,7 @@
                     <a:bodyPr/>
                     <a:lstStyle/>
                     <a:p>
+                      <a:pPr algn="ctr"/>
                       <a:r>
                         <a:rPr lang="en-ZA" dirty="0" smtClean="0"/>
                         <a:t>Hardware</a:t>
@@ -3560,7 +4566,7 @@
                 </a:tc>
                 <a:extLst>
                   <a:ext uri="{0D108BD9-81ED-4DB2-BD59-A6C34878D82A}">
-                    <a16:rowId xmlns:a16="http://schemas.microsoft.com/office/drawing/2014/main" val="3709011960"/>
+                    <a16:rowId xmlns:a16="http://schemas.microsoft.com/office/drawing/2014/main" xmlns="" val="3709011960"/>
                   </a:ext>
                 </a:extLst>
               </a:tr>
@@ -3570,13 +4576,29 @@
                     <a:bodyPr/>
                     <a:lstStyle/>
                     <a:p>
+                      <a:pPr algn="ctr"/>
                       <a:r>
-                        <a:rPr lang="en-ZA" dirty="0" smtClean="0"/>
+                        <a:rPr lang="en-ZA" b="1" dirty="0" smtClean="0"/>
                         <a:t>Number of</a:t>
                       </a:r>
                       <a:r>
-                        <a:rPr lang="en-ZA" baseline="0" dirty="0" smtClean="0"/>
+                        <a:rPr lang="en-ZA" b="1" baseline="0" dirty="0" smtClean="0"/>
                         <a:t> microphones</a:t>
+                      </a:r>
+                      <a:endParaRPr lang="en-ZA" b="1" dirty="0"/>
+                    </a:p>
+                  </a:txBody>
+                  <a:tcPr/>
+                </a:tc>
+                <a:tc>
+                  <a:txBody>
+                    <a:bodyPr/>
+                    <a:lstStyle/>
+                    <a:p>
+                      <a:pPr algn="ctr"/>
+                      <a:r>
+                        <a:rPr lang="en-ZA" dirty="0" smtClean="0"/>
+                        <a:t>10</a:t>
                       </a:r>
                       <a:endParaRPr lang="en-ZA" dirty="0"/>
                     </a:p>
@@ -3588,7 +4610,42 @@
                     <a:bodyPr/>
                     <a:lstStyle/>
                     <a:p>
+                      <a:pPr algn="ctr"/>
+                      <a:r>
+                        <a:rPr lang="en-ZA" dirty="0" smtClean="0"/>
+                        <a:t>4</a:t>
+                      </a:r>
                       <a:endParaRPr lang="en-ZA" dirty="0"/>
+                    </a:p>
+                  </a:txBody>
+                  <a:tcPr/>
+                </a:tc>
+                <a:extLst>
+                  <a:ext uri="{0D108BD9-81ED-4DB2-BD59-A6C34878D82A}">
+                    <a16:rowId xmlns:a16="http://schemas.microsoft.com/office/drawing/2014/main" xmlns="" val="4214479577"/>
+                  </a:ext>
+                </a:extLst>
+              </a:tr>
+              <a:tr h="370840">
+                <a:tc>
+                  <a:txBody>
+                    <a:bodyPr/>
+                    <a:lstStyle/>
+                    <a:p>
+                      <a:pPr algn="ctr"/>
+                      <a:r>
+                        <a:rPr lang="en-ZA" b="1" dirty="0" smtClean="0"/>
+                        <a:t>Device</a:t>
+                      </a:r>
+                      <a:r>
+                        <a:rPr lang="en-ZA" b="1" baseline="0" dirty="0" smtClean="0"/>
+                        <a:t> </a:t>
+                      </a:r>
+                      <a:r>
+                        <a:rPr lang="en-ZA" b="1" dirty="0" smtClean="0"/>
+                        <a:t>Bandwidth</a:t>
+                      </a:r>
+                      <a:endParaRPr lang="en-ZA" b="1" dirty="0"/>
                     </a:p>
                   </a:txBody>
                   <a:tcPr/>
@@ -3598,14 +4655,66 @@
                     <a:bodyPr/>
                     <a:lstStyle/>
                     <a:p>
-                      <a:endParaRPr lang="en-ZA"/>
+                      <a:pPr marL="0" marR="0" indent="0" algn="ctr" defTabSz="914400" rtl="0" eaLnBrk="1" fontAlgn="auto" latinLnBrk="0" hangingPunct="1">
+                        <a:lnSpc>
+                          <a:spcPct val="100000"/>
+                        </a:lnSpc>
+                        <a:spcBef>
+                          <a:spcPts val="0"/>
+                        </a:spcBef>
+                        <a:spcAft>
+                          <a:spcPts val="0"/>
+                        </a:spcAft>
+                        <a:buClrTx/>
+                        <a:buSzTx/>
+                        <a:buFontTx/>
+                        <a:buNone/>
+                        <a:tabLst/>
+                        <a:defRPr/>
+                      </a:pPr>
+                      <a:r>
+                        <a:rPr lang="en-US" dirty="0" smtClean="0">
+                          <a:latin typeface="+mn-lt"/>
+                        </a:rPr>
+                        <a:t>0.25</a:t>
+                      </a:r>
+                      <a:r>
+                        <a:rPr lang="mr-IN" baseline="0" dirty="0" smtClean="0">
+                          <a:latin typeface="+mn-lt"/>
+                        </a:rPr>
+                        <a:t>–</a:t>
+                      </a:r>
+                      <a:r>
+                        <a:rPr lang="en-US" baseline="0" dirty="0" smtClean="0">
+                          <a:latin typeface="+mn-lt"/>
+                        </a:rPr>
+                        <a:t>8 kHz</a:t>
+                      </a:r>
+                      <a:endParaRPr lang="mr-IN" dirty="0" smtClean="0">
+                        <a:latin typeface="+mn-lt"/>
+                      </a:endParaRPr>
+                    </a:p>
+                  </a:txBody>
+                  <a:tcPr/>
+                </a:tc>
+                <a:tc>
+                  <a:txBody>
+                    <a:bodyPr/>
+                    <a:lstStyle/>
+                    <a:p>
+                      <a:pPr algn="ctr"/>
+                      <a:r>
+                        <a:rPr lang="en-ZA" dirty="0" smtClean="0"/>
+                        <a:t>2.8-3.5 kHz and 5.6-7 kHz</a:t>
+                      </a:r>
+                      <a:endParaRPr lang="en-ZA" dirty="0"/>
                     </a:p>
                   </a:txBody>
                   <a:tcPr/>
                 </a:tc>
                 <a:extLst>
                   <a:ext uri="{0D108BD9-81ED-4DB2-BD59-A6C34878D82A}">
-                    <a16:rowId xmlns:a16="http://schemas.microsoft.com/office/drawing/2014/main" val="4214479577"/>
+                    <a16:rowId xmlns:a16="http://schemas.microsoft.com/office/drawing/2014/main" xmlns="" val="3266579009"/>
                   </a:ext>
                 </a:extLst>
               </a:tr>
@@ -3615,9 +4724,25 @@
                     <a:bodyPr/>
                     <a:lstStyle/>
                     <a:p>
+                      <a:pPr algn="ctr"/>
+                      <a:r>
+                        <a:rPr lang="en-ZA" b="1" dirty="0" smtClean="0"/>
+                        <a:t>Filter Order</a:t>
+                      </a:r>
+                      <a:endParaRPr lang="en-ZA" b="1" dirty="0"/>
+                    </a:p>
+                  </a:txBody>
+                  <a:tcPr/>
+                </a:tc>
+                <a:tc>
+                  <a:txBody>
+                    <a:bodyPr/>
+                    <a:lstStyle/>
+                    <a:p>
+                      <a:pPr algn="ctr"/>
                       <a:r>
                         <a:rPr lang="en-ZA" dirty="0" smtClean="0"/>
-                        <a:t>Bandwidth</a:t>
+                        <a:t>14</a:t>
                       </a:r>
                       <a:endParaRPr lang="en-ZA" dirty="0"/>
                     </a:p>
@@ -3629,7 +4754,34 @@
                     <a:bodyPr/>
                     <a:lstStyle/>
                     <a:p>
-                      <a:endParaRPr lang="en-ZA"/>
+                      <a:pPr algn="ctr"/>
+                      <a:r>
+                        <a:rPr lang="en-ZA" dirty="0" smtClean="0"/>
+                        <a:t>2</a:t>
+                      </a:r>
+                      <a:endParaRPr lang="en-ZA" dirty="0"/>
+                    </a:p>
+                  </a:txBody>
+                  <a:tcPr/>
+                </a:tc>
+                <a:extLst>
+                  <a:ext uri="{0D108BD9-81ED-4DB2-BD59-A6C34878D82A}">
+                    <a16:rowId xmlns:a16="http://schemas.microsoft.com/office/drawing/2014/main" xmlns="" val="282706019"/>
+                  </a:ext>
+                </a:extLst>
+              </a:tr>
+              <a:tr h="370840">
+                <a:tc>
+                  <a:txBody>
+                    <a:bodyPr/>
+                    <a:lstStyle/>
+                    <a:p>
+                      <a:pPr algn="ctr"/>
+                      <a:r>
+                        <a:rPr lang="en-ZA" b="1" dirty="0" smtClean="0"/>
+                        <a:t>Filter Bandwidth</a:t>
+                      </a:r>
+                      <a:endParaRPr lang="en-ZA" b="1" dirty="0"/>
                     </a:p>
                   </a:txBody>
                   <a:tcPr/>
@@ -3639,26 +4791,10 @@
                     <a:bodyPr/>
                     <a:lstStyle/>
                     <a:p>
-                      <a:endParaRPr lang="en-ZA"/>
-                    </a:p>
-                  </a:txBody>
-                  <a:tcPr/>
-                </a:tc>
-                <a:extLst>
-                  <a:ext uri="{0D108BD9-81ED-4DB2-BD59-A6C34878D82A}">
-                    <a16:rowId xmlns:a16="http://schemas.microsoft.com/office/drawing/2014/main" val="3266579009"/>
-                  </a:ext>
-                </a:extLst>
-              </a:tr>
-              <a:tr h="370840">
-                <a:tc>
-                  <a:txBody>
-                    <a:bodyPr/>
-                    <a:lstStyle/>
-                    <a:p>
+                      <a:pPr algn="ctr"/>
                       <a:r>
                         <a:rPr lang="en-ZA" dirty="0" smtClean="0"/>
-                        <a:t>Filter Order</a:t>
+                        <a:t>1/3 Octave</a:t>
                       </a:r>
                       <a:endParaRPr lang="en-ZA" dirty="0"/>
                     </a:p>
@@ -3670,7 +4806,33 @@
                     <a:bodyPr/>
                     <a:lstStyle/>
                     <a:p>
-                      <a:endParaRPr lang="en-ZA"/>
+                      <a:pPr algn="ctr"/>
+                      <a:r>
+                        <a:rPr lang="en-ZA" dirty="0" smtClean="0"/>
+                        <a:t>1/3 Octave</a:t>
+                      </a:r>
+                      <a:endParaRPr lang="en-ZA" dirty="0"/>
+                    </a:p>
+                  </a:txBody>
+                  <a:tcPr/>
+                </a:tc>
+              </a:tr>
+              <a:tr h="370840">
+                <a:tc>
+                  <a:txBody>
+                    <a:bodyPr/>
+                    <a:lstStyle/>
+                    <a:p>
+                      <a:pPr algn="ctr"/>
+                      <a:r>
+                        <a:rPr lang="en-ZA" b="1" dirty="0" smtClean="0"/>
+                        <a:t>Types</a:t>
+                      </a:r>
+                      <a:r>
+                        <a:rPr lang="en-ZA" b="1" baseline="0" dirty="0" smtClean="0"/>
+                        <a:t> of filters</a:t>
+                      </a:r>
+                      <a:endParaRPr lang="en-ZA" b="1" dirty="0"/>
                     </a:p>
                   </a:txBody>
                   <a:tcPr/>
@@ -3680,30 +4842,10 @@
                     <a:bodyPr/>
                     <a:lstStyle/>
                     <a:p>
-                      <a:endParaRPr lang="en-ZA"/>
-                    </a:p>
-                  </a:txBody>
-                  <a:tcPr/>
-                </a:tc>
-                <a:extLst>
-                  <a:ext uri="{0D108BD9-81ED-4DB2-BD59-A6C34878D82A}">
-                    <a16:rowId xmlns:a16="http://schemas.microsoft.com/office/drawing/2014/main" val="282706019"/>
-                  </a:ext>
-                </a:extLst>
-              </a:tr>
-              <a:tr h="370840">
-                <a:tc>
-                  <a:txBody>
-                    <a:bodyPr/>
-                    <a:lstStyle/>
-                    <a:p>
-                      <a:r>
-                        <a:rPr lang="en-ZA" dirty="0" smtClean="0"/>
-                        <a:t>Types</a:t>
-                      </a:r>
+                      <a:pPr algn="ctr"/>
                       <a:r>
                         <a:rPr lang="en-ZA" baseline="0" dirty="0" smtClean="0"/>
-                        <a:t> of filters</a:t>
+                        <a:t>Butterworth FIR bandpass</a:t>
                       </a:r>
                       <a:endParaRPr lang="en-ZA" dirty="0"/>
                     </a:p>
@@ -3715,7 +4857,38 @@
                     <a:bodyPr/>
                     <a:lstStyle/>
                     <a:p>
+                      <a:pPr algn="ctr"/>
+                      <a:r>
+                        <a:rPr lang="en-ZA" dirty="0" smtClean="0"/>
+                        <a:t>Butterworth bandpass</a:t>
+                      </a:r>
                       <a:endParaRPr lang="en-ZA" dirty="0"/>
+                    </a:p>
+                  </a:txBody>
+                  <a:tcPr/>
+                </a:tc>
+                <a:extLst>
+                  <a:ext uri="{0D108BD9-81ED-4DB2-BD59-A6C34878D82A}">
+                    <a16:rowId xmlns:a16="http://schemas.microsoft.com/office/drawing/2014/main" xmlns="" val="1081411160"/>
+                  </a:ext>
+                </a:extLst>
+              </a:tr>
+              <a:tr h="370840">
+                <a:tc>
+                  <a:txBody>
+                    <a:bodyPr/>
+                    <a:lstStyle/>
+                    <a:p>
+                      <a:pPr algn="ctr"/>
+                      <a:r>
+                        <a:rPr lang="en-ZA" b="1" dirty="0" smtClean="0"/>
+                        <a:t>Number of </a:t>
+                      </a:r>
+                      <a:r>
+                        <a:rPr lang="en-ZA" b="1" dirty="0" smtClean="0"/>
+                        <a:t>filters</a:t>
+                      </a:r>
+                      <a:endParaRPr lang="en-ZA" b="1" dirty="0"/>
                     </a:p>
                   </a:txBody>
                   <a:tcPr/>
@@ -3725,26 +4898,10 @@
                     <a:bodyPr/>
                     <a:lstStyle/>
                     <a:p>
-                      <a:endParaRPr lang="en-ZA"/>
-                    </a:p>
-                  </a:txBody>
-                  <a:tcPr/>
-                </a:tc>
-                <a:extLst>
-                  <a:ext uri="{0D108BD9-81ED-4DB2-BD59-A6C34878D82A}">
-                    <a16:rowId xmlns:a16="http://schemas.microsoft.com/office/drawing/2014/main" val="1081411160"/>
-                  </a:ext>
-                </a:extLst>
-              </a:tr>
-              <a:tr h="370840">
-                <a:tc>
-                  <a:txBody>
-                    <a:bodyPr/>
-                    <a:lstStyle/>
-                    <a:p>
+                      <a:pPr algn="ctr"/>
                       <a:r>
                         <a:rPr lang="en-ZA" dirty="0" smtClean="0"/>
-                        <a:t>Number of filters</a:t>
+                        <a:t>16 per microphone</a:t>
                       </a:r>
                       <a:endParaRPr lang="en-ZA" dirty="0"/>
                     </a:p>
@@ -3756,7 +4913,49 @@
                     <a:bodyPr/>
                     <a:lstStyle/>
                     <a:p>
-                      <a:endParaRPr lang="en-ZA"/>
+                      <a:pPr marL="0" marR="0" indent="0" algn="ctr" defTabSz="914400" rtl="0" eaLnBrk="1" fontAlgn="auto" latinLnBrk="0" hangingPunct="1">
+                        <a:lnSpc>
+                          <a:spcPct val="100000"/>
+                        </a:lnSpc>
+                        <a:spcBef>
+                          <a:spcPts val="0"/>
+                        </a:spcBef>
+                        <a:spcAft>
+                          <a:spcPts val="0"/>
+                        </a:spcAft>
+                        <a:buClrTx/>
+                        <a:buSzTx/>
+                        <a:buFontTx/>
+                        <a:buNone/>
+                        <a:tabLst/>
+                        <a:defRPr/>
+                      </a:pPr>
+                      <a:r>
+                        <a:rPr lang="en-ZA" dirty="0" smtClean="0"/>
+                        <a:t>2 per microphone</a:t>
+                      </a:r>
+                    </a:p>
+                  </a:txBody>
+                  <a:tcPr/>
+                </a:tc>
+                <a:extLst>
+                  <a:ext uri="{0D108BD9-81ED-4DB2-BD59-A6C34878D82A}">
+                    <a16:rowId xmlns:a16="http://schemas.microsoft.com/office/drawing/2014/main" xmlns="" val="2210005012"/>
+                  </a:ext>
+                </a:extLst>
+              </a:tr>
+              <a:tr h="370840">
+                <a:tc>
+                  <a:txBody>
+                    <a:bodyPr/>
+                    <a:lstStyle/>
+                    <a:p>
+                      <a:pPr algn="ctr"/>
+                      <a:r>
+                        <a:rPr lang="en-ZA" b="1" dirty="0" smtClean="0"/>
+                        <a:t>Number of steerable angles</a:t>
+                      </a:r>
+                      <a:endParaRPr lang="en-ZA" b="1" dirty="0"/>
                     </a:p>
                   </a:txBody>
                   <a:tcPr/>
@@ -3766,26 +4965,26 @@
                     <a:bodyPr/>
                     <a:lstStyle/>
                     <a:p>
-                      <a:endParaRPr lang="en-ZA"/>
-                    </a:p>
-                  </a:txBody>
-                  <a:tcPr/>
-                </a:tc>
-                <a:extLst>
-                  <a:ext uri="{0D108BD9-81ED-4DB2-BD59-A6C34878D82A}">
-                    <a16:rowId xmlns:a16="http://schemas.microsoft.com/office/drawing/2014/main" val="2210005012"/>
-                  </a:ext>
-                </a:extLst>
-              </a:tr>
-              <a:tr h="370840">
-                <a:tc>
-                  <a:txBody>
-                    <a:bodyPr/>
-                    <a:lstStyle/>
-                    <a:p>
+                      <a:pPr algn="ctr"/>
                       <a:r>
                         <a:rPr lang="en-ZA" dirty="0" smtClean="0"/>
-                        <a:t>Number of steerable angles</a:t>
+                        <a:t>19 (10</a:t>
+                      </a:r>
+                      <a:r>
+                        <a:rPr lang="en-US" b="1" i="0" dirty="0" smtClean="0">
+                          <a:latin typeface="Lucida Grande"/>
+                          <a:ea typeface="Lucida Grande"/>
+                          <a:cs typeface="Lucida Grande"/>
+                        </a:rPr>
+                        <a:t>° </a:t>
+                      </a:r>
+                      <a:r>
+                        <a:rPr lang="en-US" b="0" i="0" dirty="0" smtClean="0">
+                          <a:latin typeface="+mn-lt"/>
+                          <a:ea typeface="Lucida Grande"/>
+                          <a:cs typeface="Lucida Grande"/>
+                        </a:rPr>
+                        <a:t>increments)</a:t>
                       </a:r>
                       <a:endParaRPr lang="en-ZA" dirty="0"/>
                     </a:p>
@@ -3797,7 +4996,90 @@
                     <a:bodyPr/>
                     <a:lstStyle/>
                     <a:p>
-                      <a:endParaRPr lang="en-ZA"/>
+                      <a:pPr marL="0" marR="0" indent="0" algn="ctr" defTabSz="914400" rtl="0" eaLnBrk="1" fontAlgn="auto" latinLnBrk="0" hangingPunct="1">
+                        <a:lnSpc>
+                          <a:spcPct val="100000"/>
+                        </a:lnSpc>
+                        <a:spcBef>
+                          <a:spcPts val="0"/>
+                        </a:spcBef>
+                        <a:spcAft>
+                          <a:spcPts val="0"/>
+                        </a:spcAft>
+                        <a:buClrTx/>
+                        <a:buSzTx/>
+                        <a:buFontTx/>
+                        <a:buNone/>
+                        <a:tabLst/>
+                        <a:defRPr/>
+                      </a:pPr>
+                      <a:r>
+                        <a:rPr lang="en-ZA" dirty="0" smtClean="0"/>
+                        <a:t>5 (0</a:t>
+                      </a:r>
+                      <a:r>
+                        <a:rPr lang="en-US" b="1" i="0" dirty="0" smtClean="0">
+                          <a:latin typeface="Lucida Grande"/>
+                          <a:ea typeface="Lucida Grande"/>
+                          <a:cs typeface="Lucida Grande"/>
+                        </a:rPr>
+                        <a:t>°, </a:t>
+                      </a:r>
+                      <a:r>
+                        <a:rPr lang="en-ZA" b="0" i="0" dirty="0" smtClean="0">
+                          <a:latin typeface="+mn-lt"/>
+                          <a:ea typeface="+mn-ea"/>
+                          <a:cs typeface="+mn-cs"/>
+                        </a:rPr>
+                        <a:t>6</a:t>
+                      </a:r>
+                      <a:r>
+                        <a:rPr lang="en-ZA" dirty="0" smtClean="0"/>
+                        <a:t>0</a:t>
+                      </a:r>
+                      <a:r>
+                        <a:rPr lang="en-US" b="1" i="0" dirty="0" smtClean="0">
+                          <a:latin typeface="Lucida Grande"/>
+                          <a:ea typeface="Lucida Grande"/>
+                          <a:cs typeface="Lucida Grande"/>
+                        </a:rPr>
+                        <a:t>°</a:t>
+                      </a:r>
+                      <a:r>
+                        <a:rPr lang="en-US" b="0" i="0" dirty="0" smtClean="0">
+                          <a:latin typeface="+mn-lt"/>
+                          <a:ea typeface="Lucida Grande"/>
+                          <a:cs typeface="Lucida Grande"/>
+                        </a:rPr>
+                        <a:t>, 90°, 120°, 180°)</a:t>
+                      </a:r>
+                      <a:endParaRPr lang="en-ZA" dirty="0" smtClean="0"/>
+                    </a:p>
+                  </a:txBody>
+                  <a:tcPr/>
+                </a:tc>
+                <a:extLst>
+                  <a:ext uri="{0D108BD9-81ED-4DB2-BD59-A6C34878D82A}">
+                    <a16:rowId xmlns:a16="http://schemas.microsoft.com/office/drawing/2014/main" xmlns="" val="1840919378"/>
+                  </a:ext>
+                </a:extLst>
+              </a:tr>
+              <a:tr h="370840">
+                <a:tc>
+                  <a:txBody>
+                    <a:bodyPr/>
+                    <a:lstStyle/>
+                    <a:p>
+                      <a:pPr algn="ctr"/>
+                      <a:r>
+                        <a:rPr lang="en-ZA" b="1" dirty="0" smtClean="0"/>
+                        <a:t>Real time data</a:t>
+                      </a:r>
+                      <a:r>
+                        <a:rPr lang="en-ZA" b="1" baseline="0" dirty="0" smtClean="0"/>
+                        <a:t> acquisition</a:t>
+                      </a:r>
+                      <a:endParaRPr lang="en-ZA" b="1" dirty="0"/>
                     </a:p>
                   </a:txBody>
                   <a:tcPr/>
@@ -3807,30 +5089,10 @@
                     <a:bodyPr/>
                     <a:lstStyle/>
                     <a:p>
-                      <a:endParaRPr lang="en-ZA"/>
-                    </a:p>
-                  </a:txBody>
-                  <a:tcPr/>
-                </a:tc>
-                <a:extLst>
-                  <a:ext uri="{0D108BD9-81ED-4DB2-BD59-A6C34878D82A}">
-                    <a16:rowId xmlns:a16="http://schemas.microsoft.com/office/drawing/2014/main" val="1840919378"/>
-                  </a:ext>
-                </a:extLst>
-              </a:tr>
-              <a:tr h="370840">
-                <a:tc>
-                  <a:txBody>
-                    <a:bodyPr/>
-                    <a:lstStyle/>
-                    <a:p>
+                      <a:pPr algn="ctr"/>
                       <a:r>
                         <a:rPr lang="en-ZA" dirty="0" smtClean="0"/>
-                        <a:t>Real time data</a:t>
-                      </a:r>
-                      <a:r>
-                        <a:rPr lang="en-ZA" baseline="0" dirty="0" smtClean="0"/>
-                        <a:t> acquisition</a:t>
+                        <a:t>No</a:t>
                       </a:r>
                       <a:endParaRPr lang="en-ZA" dirty="0"/>
                     </a:p>
@@ -3842,16 +5104,11 @@
                     <a:bodyPr/>
                     <a:lstStyle/>
                     <a:p>
-                      <a:endParaRPr lang="en-ZA"/>
-                    </a:p>
-                  </a:txBody>
-                  <a:tcPr/>
-                </a:tc>
-                <a:tc>
-                  <a:txBody>
-                    <a:bodyPr/>
-                    <a:lstStyle/>
-                    <a:p>
+                      <a:pPr algn="ctr"/>
+                      <a:r>
+                        <a:rPr lang="en-ZA" dirty="0" smtClean="0"/>
+                        <a:t>Yes</a:t>
+                      </a:r>
                       <a:endParaRPr lang="en-ZA" dirty="0"/>
                     </a:p>
                   </a:txBody>
@@ -3859,7 +5116,7 @@
                 </a:tc>
                 <a:extLst>
                   <a:ext uri="{0D108BD9-81ED-4DB2-BD59-A6C34878D82A}">
-                    <a16:rowId xmlns:a16="http://schemas.microsoft.com/office/drawing/2014/main" val="1275340913"/>
+                    <a16:rowId xmlns:a16="http://schemas.microsoft.com/office/drawing/2014/main" xmlns="" val="1275340913"/>
                   </a:ext>
                 </a:extLst>
               </a:tr>
@@ -3867,6 +5124,29 @@
           </a:graphicData>
         </a:graphic>
       </p:graphicFrame>
+      <p:sp>
+        <p:nvSpPr>
+          <p:cNvPr id="3" name="Slide Number Placeholder 2"/>
+          <p:cNvSpPr>
+            <a:spLocks noGrp="1"/>
+          </p:cNvSpPr>
+          <p:nvPr>
+            <p:ph type="sldNum" sz="quarter" idx="10"/>
+          </p:nvPr>
+        </p:nvSpPr>
+        <p:spPr/>
+        <p:txBody>
+          <a:bodyPr/>
+          <a:lstStyle/>
+          <a:p>
+            <a:fld id="{960946CE-1557-8048-9DCC-53092B682325}" type="slidenum">
+              <a:rPr lang="en-US" smtClean="0"/>
+              <a:t>5</a:t>
+            </a:fld>
+            <a:endParaRPr lang="en-US" dirty="0"/>
+          </a:p>
+        </p:txBody>
+      </p:sp>
     </p:spTree>
     <p:extLst>
       <p:ext uri="{BB962C8B-B14F-4D97-AF65-F5344CB8AC3E}">
@@ -3877,6 +5157,13 @@
   <p:clrMapOvr>
     <a:masterClrMapping/>
   </p:clrMapOvr>
+  <p:timing>
+    <p:tnLst>
+      <p:par>
+        <p:cTn xmlns:p14="http://schemas.microsoft.com/office/powerpoint/2010/main" id="1" dur="indefinite" restart="never" nodeType="tmRoot"/>
+      </p:par>
+    </p:tnLst>
+  </p:timing>
 </p:sld>
 </file>
 
@@ -3939,6 +5226,29 @@
           </a:p>
         </p:txBody>
       </p:sp>
+      <p:sp>
+        <p:nvSpPr>
+          <p:cNvPr id="4" name="Slide Number Placeholder 3"/>
+          <p:cNvSpPr>
+            <a:spLocks noGrp="1"/>
+          </p:cNvSpPr>
+          <p:nvPr>
+            <p:ph type="sldNum" sz="quarter" idx="10"/>
+          </p:nvPr>
+        </p:nvSpPr>
+        <p:spPr/>
+        <p:txBody>
+          <a:bodyPr/>
+          <a:lstStyle/>
+          <a:p>
+            <a:fld id="{960946CE-1557-8048-9DCC-53092B682325}" type="slidenum">
+              <a:rPr lang="en-US" smtClean="0"/>
+              <a:t>6</a:t>
+            </a:fld>
+            <a:endParaRPr lang="en-US" dirty="0"/>
+          </a:p>
+        </p:txBody>
+      </p:sp>
     </p:spTree>
     <p:extLst>
       <p:ext uri="{BB962C8B-B14F-4D97-AF65-F5344CB8AC3E}">
@@ -3949,6 +5259,13 @@
   <p:clrMapOvr>
     <a:masterClrMapping/>
   </p:clrMapOvr>
+  <p:timing>
+    <p:tnLst>
+      <p:par>
+        <p:cTn xmlns:p14="http://schemas.microsoft.com/office/powerpoint/2010/main" id="1" dur="indefinite" restart="never" nodeType="tmRoot"/>
+      </p:par>
+    </p:tnLst>
+  </p:timing>
 </p:sld>
 </file>
 
@@ -4011,6 +5328,29 @@
           </a:p>
         </p:txBody>
       </p:sp>
+      <p:sp>
+        <p:nvSpPr>
+          <p:cNvPr id="4" name="Slide Number Placeholder 3"/>
+          <p:cNvSpPr>
+            <a:spLocks noGrp="1"/>
+          </p:cNvSpPr>
+          <p:nvPr>
+            <p:ph type="sldNum" sz="quarter" idx="10"/>
+          </p:nvPr>
+        </p:nvSpPr>
+        <p:spPr/>
+        <p:txBody>
+          <a:bodyPr/>
+          <a:lstStyle/>
+          <a:p>
+            <a:fld id="{960946CE-1557-8048-9DCC-53092B682325}" type="slidenum">
+              <a:rPr lang="en-US" smtClean="0"/>
+              <a:t>7</a:t>
+            </a:fld>
+            <a:endParaRPr lang="en-US" dirty="0"/>
+          </a:p>
+        </p:txBody>
+      </p:sp>
     </p:spTree>
     <p:extLst>
       <p:ext uri="{BB962C8B-B14F-4D97-AF65-F5344CB8AC3E}">
@@ -4021,6 +5361,13 @@
   <p:clrMapOvr>
     <a:masterClrMapping/>
   </p:clrMapOvr>
+  <p:timing>
+    <p:tnLst>
+      <p:par>
+        <p:cTn xmlns:p14="http://schemas.microsoft.com/office/powerpoint/2010/main" id="1" dur="indefinite" restart="never" nodeType="tmRoot"/>
+      </p:par>
+    </p:tnLst>
+  </p:timing>
 </p:sld>
 </file>
 
@@ -4083,6 +5430,29 @@
           </a:p>
         </p:txBody>
       </p:sp>
+      <p:sp>
+        <p:nvSpPr>
+          <p:cNvPr id="4" name="Slide Number Placeholder 3"/>
+          <p:cNvSpPr>
+            <a:spLocks noGrp="1"/>
+          </p:cNvSpPr>
+          <p:nvPr>
+            <p:ph type="sldNum" sz="quarter" idx="10"/>
+          </p:nvPr>
+        </p:nvSpPr>
+        <p:spPr/>
+        <p:txBody>
+          <a:bodyPr/>
+          <a:lstStyle/>
+          <a:p>
+            <a:fld id="{960946CE-1557-8048-9DCC-53092B682325}" type="slidenum">
+              <a:rPr lang="en-US" smtClean="0"/>
+              <a:t>8</a:t>
+            </a:fld>
+            <a:endParaRPr lang="en-US" dirty="0"/>
+          </a:p>
+        </p:txBody>
+      </p:sp>
     </p:spTree>
     <p:extLst>
       <p:ext uri="{BB962C8B-B14F-4D97-AF65-F5344CB8AC3E}">
@@ -4093,6 +5463,13 @@
   <p:clrMapOvr>
     <a:masterClrMapping/>
   </p:clrMapOvr>
+  <p:timing>
+    <p:tnLst>
+      <p:par>
+        <p:cTn xmlns:p14="http://schemas.microsoft.com/office/powerpoint/2010/main" id="1" dur="indefinite" restart="never" nodeType="tmRoot"/>
+      </p:par>
+    </p:tnLst>
+  </p:timing>
 </p:sld>
 </file>
 
@@ -4155,6 +5532,29 @@
           </a:p>
         </p:txBody>
       </p:sp>
+      <p:sp>
+        <p:nvSpPr>
+          <p:cNvPr id="4" name="Slide Number Placeholder 3"/>
+          <p:cNvSpPr>
+            <a:spLocks noGrp="1"/>
+          </p:cNvSpPr>
+          <p:nvPr>
+            <p:ph type="sldNum" sz="quarter" idx="10"/>
+          </p:nvPr>
+        </p:nvSpPr>
+        <p:spPr/>
+        <p:txBody>
+          <a:bodyPr/>
+          <a:lstStyle/>
+          <a:p>
+            <a:fld id="{960946CE-1557-8048-9DCC-53092B682325}" type="slidenum">
+              <a:rPr lang="en-US" smtClean="0"/>
+              <a:t>9</a:t>
+            </a:fld>
+            <a:endParaRPr lang="en-US" dirty="0"/>
+          </a:p>
+        </p:txBody>
+      </p:sp>
     </p:spTree>
     <p:extLst>
       <p:ext uri="{BB962C8B-B14F-4D97-AF65-F5344CB8AC3E}">
@@ -4165,6 +5565,13 @@
   <p:clrMapOvr>
     <a:masterClrMapping/>
   </p:clrMapOvr>
+  <p:timing>
+    <p:tnLst>
+      <p:par>
+        <p:cTn xmlns:p14="http://schemas.microsoft.com/office/powerpoint/2010/main" id="1" dur="indefinite" restart="never" nodeType="tmRoot"/>
+      </p:par>
+    </p:tnLst>
+  </p:timing>
 </p:sld>
 </file>
 
@@ -4412,7 +5819,7 @@
         <a:effectLst/>
         <a:extLst>
           <a:ext uri="{91240B29-F687-4f45-9708-019B960494DF}">
-            <a14:hiddenLine xmlns:a14="http://schemas.microsoft.com/office/drawing/2010/main" xmlns="" w="9525" cap="flat" cmpd="sng" algn="ctr">
+            <a14:hiddenLine xmlns:a14="http://schemas.microsoft.com/office/drawing/2010/main" w="9525" cap="flat" cmpd="sng" algn="ctr">
               <a:solidFill>
                 <a:schemeClr val="tx1"/>
               </a:solidFill>
@@ -4423,7 +5830,7 @@
             </a14:hiddenLine>
           </a:ext>
           <a:ext uri="{AF507438-7753-43e0-B8FC-AC1667EBCBE1}">
-            <a14:hiddenEffects xmlns:a14="http://schemas.microsoft.com/office/drawing/2010/main" xmlns="">
+            <a14:hiddenEffects xmlns:a14="http://schemas.microsoft.com/office/drawing/2010/main">
               <a:effectLst>
                 <a:outerShdw dist="35921" dir="2700000" algn="ctr" rotWithShape="0">
                   <a:schemeClr val="bg2"/>
@@ -4490,7 +5897,7 @@
         <a:effectLst/>
         <a:extLst>
           <a:ext uri="{91240B29-F687-4f45-9708-019B960494DF}">
-            <a14:hiddenLine xmlns:a14="http://schemas.microsoft.com/office/drawing/2010/main" xmlns="" w="9525" cap="flat" cmpd="sng" algn="ctr">
+            <a14:hiddenLine xmlns:a14="http://schemas.microsoft.com/office/drawing/2010/main" w="9525" cap="flat" cmpd="sng" algn="ctr">
               <a:solidFill>
                 <a:schemeClr val="tx1"/>
               </a:solidFill>
@@ -4501,7 +5908,7 @@
             </a14:hiddenLine>
           </a:ext>
           <a:ext uri="{AF507438-7753-43e0-B8FC-AC1667EBCBE1}">
-            <a14:hiddenEffects xmlns:a14="http://schemas.microsoft.com/office/drawing/2010/main" xmlns="">
+            <a14:hiddenEffects xmlns:a14="http://schemas.microsoft.com/office/drawing/2010/main">
               <a:effectLst>
                 <a:outerShdw dist="35921" dir="2700000" algn="ctr" rotWithShape="0">
                   <a:schemeClr val="bg2"/>
@@ -4918,4 +6325,644 @@
     </a:extraClrScheme>
   </a:extraClrSchemeLst>
 </a:theme>
+</file>
+
+<file path=ppt/theme/theme2.xml><?xml version="1.0" encoding="utf-8"?>
+<a:theme xmlns:a="http://schemas.openxmlformats.org/drawingml/2006/main" name="Office Theme">
+  <a:themeElements>
+    <a:clrScheme name="Office">
+      <a:dk1>
+        <a:sysClr val="windowText" lastClr="000000"/>
+      </a:dk1>
+      <a:lt1>
+        <a:sysClr val="window" lastClr="FFFFFF"/>
+      </a:lt1>
+      <a:dk2>
+        <a:srgbClr val="1F497D"/>
+      </a:dk2>
+      <a:lt2>
+        <a:srgbClr val="EEECE1"/>
+      </a:lt2>
+      <a:accent1>
+        <a:srgbClr val="4F81BD"/>
+      </a:accent1>
+      <a:accent2>
+        <a:srgbClr val="C0504D"/>
+      </a:accent2>
+      <a:accent3>
+        <a:srgbClr val="9BBB59"/>
+      </a:accent3>
+      <a:accent4>
+        <a:srgbClr val="8064A2"/>
+      </a:accent4>
+      <a:accent5>
+        <a:srgbClr val="4BACC6"/>
+      </a:accent5>
+      <a:accent6>
+        <a:srgbClr val="F79646"/>
+      </a:accent6>
+      <a:hlink>
+        <a:srgbClr val="0000FF"/>
+      </a:hlink>
+      <a:folHlink>
+        <a:srgbClr val="800080"/>
+      </a:folHlink>
+    </a:clrScheme>
+    <a:fontScheme name="Office">
+      <a:majorFont>
+        <a:latin typeface="Calibri"/>
+        <a:ea typeface=""/>
+        <a:cs typeface=""/>
+        <a:font script="Jpan" typeface="ＭＳ Ｐゴシック"/>
+        <a:font script="Hang" typeface="맑은 고딕"/>
+        <a:font script="Hans" typeface="宋体"/>
+        <a:font script="Hant" typeface="新細明體"/>
+        <a:font script="Arab" typeface="Times New Roman"/>
+        <a:font script="Hebr" typeface="Times New Roman"/>
+        <a:font script="Thai" typeface="Angsana New"/>
+        <a:font script="Ethi" typeface="Nyala"/>
+        <a:font script="Beng" typeface="Vrinda"/>
+        <a:font script="Gujr" typeface="Shruti"/>
+        <a:font script="Khmr" typeface="MoolBoran"/>
+        <a:font script="Knda" typeface="Tunga"/>
+        <a:font script="Guru" typeface="Raavi"/>
+        <a:font script="Cans" typeface="Euphemia"/>
+        <a:font script="Cher" typeface="Plantagenet Cherokee"/>
+        <a:font script="Yiii" typeface="Microsoft Yi Baiti"/>
+        <a:font script="Tibt" typeface="Microsoft Himalaya"/>
+        <a:font script="Thaa" typeface="MV Boli"/>
+        <a:font script="Deva" typeface="Mangal"/>
+        <a:font script="Telu" typeface="Gautami"/>
+        <a:font script="Taml" typeface="Latha"/>
+        <a:font script="Syrc" typeface="Estrangelo Edessa"/>
+        <a:font script="Orya" typeface="Kalinga"/>
+        <a:font script="Mlym" typeface="Kartika"/>
+        <a:font script="Laoo" typeface="DokChampa"/>
+        <a:font script="Sinh" typeface="Iskoola Pota"/>
+        <a:font script="Mong" typeface="Mongolian Baiti"/>
+        <a:font script="Viet" typeface="Times New Roman"/>
+        <a:font script="Uigh" typeface="Microsoft Uighur"/>
+        <a:font script="Geor" typeface="Sylfaen"/>
+      </a:majorFont>
+      <a:minorFont>
+        <a:latin typeface="Calibri"/>
+        <a:ea typeface=""/>
+        <a:cs typeface=""/>
+        <a:font script="Jpan" typeface="ＭＳ Ｐゴシック"/>
+        <a:font script="Hang" typeface="맑은 고딕"/>
+        <a:font script="Hans" typeface="宋体"/>
+        <a:font script="Hant" typeface="新細明體"/>
+        <a:font script="Arab" typeface="Arial"/>
+        <a:font script="Hebr" typeface="Arial"/>
+        <a:font script="Thai" typeface="Cordia New"/>
+        <a:font script="Ethi" typeface="Nyala"/>
+        <a:font script="Beng" typeface="Vrinda"/>
+        <a:font script="Gujr" typeface="Shruti"/>
+        <a:font script="Khmr" typeface="DaunPenh"/>
+        <a:font script="Knda" typeface="Tunga"/>
+        <a:font script="Guru" typeface="Raavi"/>
+        <a:font script="Cans" typeface="Euphemia"/>
+        <a:font script="Cher" typeface="Plantagenet Cherokee"/>
+        <a:font script="Yiii" typeface="Microsoft Yi Baiti"/>
+        <a:font script="Tibt" typeface="Microsoft Himalaya"/>
+        <a:font script="Thaa" typeface="MV Boli"/>
+        <a:font script="Deva" typeface="Mangal"/>
+        <a:font script="Telu" typeface="Gautami"/>
+        <a:font script="Taml" typeface="Latha"/>
+        <a:font script="Syrc" typeface="Estrangelo Edessa"/>
+        <a:font script="Orya" typeface="Kalinga"/>
+        <a:font script="Mlym" typeface="Kartika"/>
+        <a:font script="Laoo" typeface="DokChampa"/>
+        <a:font script="Sinh" typeface="Iskoola Pota"/>
+        <a:font script="Mong" typeface="Mongolian Baiti"/>
+        <a:font script="Viet" typeface="Arial"/>
+        <a:font script="Uigh" typeface="Microsoft Uighur"/>
+        <a:font script="Geor" typeface="Sylfaen"/>
+      </a:minorFont>
+    </a:fontScheme>
+    <a:fmtScheme name="Office">
+      <a:fillStyleLst>
+        <a:solidFill>
+          <a:schemeClr val="phClr"/>
+        </a:solidFill>
+        <a:gradFill rotWithShape="1">
+          <a:gsLst>
+            <a:gs pos="0">
+              <a:schemeClr val="phClr">
+                <a:tint val="50000"/>
+                <a:satMod val="300000"/>
+              </a:schemeClr>
+            </a:gs>
+            <a:gs pos="35000">
+              <a:schemeClr val="phClr">
+                <a:tint val="37000"/>
+                <a:satMod val="300000"/>
+              </a:schemeClr>
+            </a:gs>
+            <a:gs pos="100000">
+              <a:schemeClr val="phClr">
+                <a:tint val="15000"/>
+                <a:satMod val="350000"/>
+              </a:schemeClr>
+            </a:gs>
+          </a:gsLst>
+          <a:lin ang="16200000" scaled="1"/>
+        </a:gradFill>
+        <a:gradFill rotWithShape="1">
+          <a:gsLst>
+            <a:gs pos="0">
+              <a:schemeClr val="phClr">
+                <a:tint val="100000"/>
+                <a:shade val="100000"/>
+                <a:satMod val="130000"/>
+              </a:schemeClr>
+            </a:gs>
+            <a:gs pos="100000">
+              <a:schemeClr val="phClr">
+                <a:tint val="50000"/>
+                <a:shade val="100000"/>
+                <a:satMod val="350000"/>
+              </a:schemeClr>
+            </a:gs>
+          </a:gsLst>
+          <a:lin ang="16200000" scaled="0"/>
+        </a:gradFill>
+      </a:fillStyleLst>
+      <a:lnStyleLst>
+        <a:ln w="9525" cap="flat" cmpd="sng" algn="ctr">
+          <a:solidFill>
+            <a:schemeClr val="phClr">
+              <a:shade val="95000"/>
+              <a:satMod val="105000"/>
+            </a:schemeClr>
+          </a:solidFill>
+          <a:prstDash val="solid"/>
+        </a:ln>
+        <a:ln w="25400" cap="flat" cmpd="sng" algn="ctr">
+          <a:solidFill>
+            <a:schemeClr val="phClr"/>
+          </a:solidFill>
+          <a:prstDash val="solid"/>
+        </a:ln>
+        <a:ln w="38100" cap="flat" cmpd="sng" algn="ctr">
+          <a:solidFill>
+            <a:schemeClr val="phClr"/>
+          </a:solidFill>
+          <a:prstDash val="solid"/>
+        </a:ln>
+      </a:lnStyleLst>
+      <a:effectStyleLst>
+        <a:effectStyle>
+          <a:effectLst>
+            <a:outerShdw blurRad="40000" dist="20000" dir="5400000" rotWithShape="0">
+              <a:srgbClr val="000000">
+                <a:alpha val="38000"/>
+              </a:srgbClr>
+            </a:outerShdw>
+          </a:effectLst>
+        </a:effectStyle>
+        <a:effectStyle>
+          <a:effectLst>
+            <a:outerShdw blurRad="40000" dist="23000" dir="5400000" rotWithShape="0">
+              <a:srgbClr val="000000">
+                <a:alpha val="35000"/>
+              </a:srgbClr>
+            </a:outerShdw>
+          </a:effectLst>
+        </a:effectStyle>
+        <a:effectStyle>
+          <a:effectLst>
+            <a:outerShdw blurRad="40000" dist="23000" dir="5400000" rotWithShape="0">
+              <a:srgbClr val="000000">
+                <a:alpha val="35000"/>
+              </a:srgbClr>
+            </a:outerShdw>
+          </a:effectLst>
+          <a:scene3d>
+            <a:camera prst="orthographicFront">
+              <a:rot lat="0" lon="0" rev="0"/>
+            </a:camera>
+            <a:lightRig rig="threePt" dir="t">
+              <a:rot lat="0" lon="0" rev="1200000"/>
+            </a:lightRig>
+          </a:scene3d>
+          <a:sp3d>
+            <a:bevelT w="63500" h="25400"/>
+          </a:sp3d>
+        </a:effectStyle>
+      </a:effectStyleLst>
+      <a:bgFillStyleLst>
+        <a:solidFill>
+          <a:schemeClr val="phClr"/>
+        </a:solidFill>
+        <a:gradFill rotWithShape="1">
+          <a:gsLst>
+            <a:gs pos="0">
+              <a:schemeClr val="phClr">
+                <a:tint val="40000"/>
+                <a:satMod val="350000"/>
+              </a:schemeClr>
+            </a:gs>
+            <a:gs pos="40000">
+              <a:schemeClr val="phClr">
+                <a:tint val="45000"/>
+                <a:shade val="99000"/>
+                <a:satMod val="350000"/>
+              </a:schemeClr>
+            </a:gs>
+            <a:gs pos="100000">
+              <a:schemeClr val="phClr">
+                <a:shade val="20000"/>
+                <a:satMod val="255000"/>
+              </a:schemeClr>
+            </a:gs>
+          </a:gsLst>
+          <a:path path="circle">
+            <a:fillToRect l="50000" t="-80000" r="50000" b="180000"/>
+          </a:path>
+        </a:gradFill>
+        <a:gradFill rotWithShape="1">
+          <a:gsLst>
+            <a:gs pos="0">
+              <a:schemeClr val="phClr">
+                <a:tint val="80000"/>
+                <a:satMod val="300000"/>
+              </a:schemeClr>
+            </a:gs>
+            <a:gs pos="100000">
+              <a:schemeClr val="phClr">
+                <a:shade val="30000"/>
+                <a:satMod val="200000"/>
+              </a:schemeClr>
+            </a:gs>
+          </a:gsLst>
+          <a:path path="circle">
+            <a:fillToRect l="50000" t="50000" r="50000" b="50000"/>
+          </a:path>
+        </a:gradFill>
+      </a:bgFillStyleLst>
+    </a:fmtScheme>
+  </a:themeElements>
+  <a:objectDefaults>
+    <a:spDef>
+      <a:spPr/>
+      <a:bodyPr/>
+      <a:lstStyle/>
+      <a:style>
+        <a:lnRef idx="1">
+          <a:schemeClr val="accent1"/>
+        </a:lnRef>
+        <a:fillRef idx="3">
+          <a:schemeClr val="accent1"/>
+        </a:fillRef>
+        <a:effectRef idx="2">
+          <a:schemeClr val="accent1"/>
+        </a:effectRef>
+        <a:fontRef idx="minor">
+          <a:schemeClr val="lt1"/>
+        </a:fontRef>
+      </a:style>
+    </a:spDef>
+    <a:lnDef>
+      <a:spPr/>
+      <a:bodyPr/>
+      <a:lstStyle/>
+      <a:style>
+        <a:lnRef idx="2">
+          <a:schemeClr val="accent1"/>
+        </a:lnRef>
+        <a:fillRef idx="0">
+          <a:schemeClr val="accent1"/>
+        </a:fillRef>
+        <a:effectRef idx="1">
+          <a:schemeClr val="accent1"/>
+        </a:effectRef>
+        <a:fontRef idx="minor">
+          <a:schemeClr val="tx1"/>
+        </a:fontRef>
+      </a:style>
+    </a:lnDef>
+  </a:objectDefaults>
+  <a:extraClrSchemeLst/>
+</a:theme>
+</file>
+
+<file path=ppt/theme/theme3.xml><?xml version="1.0" encoding="utf-8"?>
+<a:theme xmlns:a="http://schemas.openxmlformats.org/drawingml/2006/main" name="Office Theme">
+  <a:themeElements>
+    <a:clrScheme name="Office">
+      <a:dk1>
+        <a:sysClr val="windowText" lastClr="000000"/>
+      </a:dk1>
+      <a:lt1>
+        <a:sysClr val="window" lastClr="FFFFFF"/>
+      </a:lt1>
+      <a:dk2>
+        <a:srgbClr val="1F497D"/>
+      </a:dk2>
+      <a:lt2>
+        <a:srgbClr val="EEECE1"/>
+      </a:lt2>
+      <a:accent1>
+        <a:srgbClr val="4F81BD"/>
+      </a:accent1>
+      <a:accent2>
+        <a:srgbClr val="C0504D"/>
+      </a:accent2>
+      <a:accent3>
+        <a:srgbClr val="9BBB59"/>
+      </a:accent3>
+      <a:accent4>
+        <a:srgbClr val="8064A2"/>
+      </a:accent4>
+      <a:accent5>
+        <a:srgbClr val="4BACC6"/>
+      </a:accent5>
+      <a:accent6>
+        <a:srgbClr val="F79646"/>
+      </a:accent6>
+      <a:hlink>
+        <a:srgbClr val="0000FF"/>
+      </a:hlink>
+      <a:folHlink>
+        <a:srgbClr val="800080"/>
+      </a:folHlink>
+    </a:clrScheme>
+    <a:fontScheme name="Office">
+      <a:majorFont>
+        <a:latin typeface="Calibri"/>
+        <a:ea typeface=""/>
+        <a:cs typeface=""/>
+        <a:font script="Jpan" typeface="ＭＳ Ｐゴシック"/>
+        <a:font script="Hang" typeface="맑은 고딕"/>
+        <a:font script="Hans" typeface="宋体"/>
+        <a:font script="Hant" typeface="新細明體"/>
+        <a:font script="Arab" typeface="Times New Roman"/>
+        <a:font script="Hebr" typeface="Times New Roman"/>
+        <a:font script="Thai" typeface="Angsana New"/>
+        <a:font script="Ethi" typeface="Nyala"/>
+        <a:font script="Beng" typeface="Vrinda"/>
+        <a:font script="Gujr" typeface="Shruti"/>
+        <a:font script="Khmr" typeface="MoolBoran"/>
+        <a:font script="Knda" typeface="Tunga"/>
+        <a:font script="Guru" typeface="Raavi"/>
+        <a:font script="Cans" typeface="Euphemia"/>
+        <a:font script="Cher" typeface="Plantagenet Cherokee"/>
+        <a:font script="Yiii" typeface="Microsoft Yi Baiti"/>
+        <a:font script="Tibt" typeface="Microsoft Himalaya"/>
+        <a:font script="Thaa" typeface="MV Boli"/>
+        <a:font script="Deva" typeface="Mangal"/>
+        <a:font script="Telu" typeface="Gautami"/>
+        <a:font script="Taml" typeface="Latha"/>
+        <a:font script="Syrc" typeface="Estrangelo Edessa"/>
+        <a:font script="Orya" typeface="Kalinga"/>
+        <a:font script="Mlym" typeface="Kartika"/>
+        <a:font script="Laoo" typeface="DokChampa"/>
+        <a:font script="Sinh" typeface="Iskoola Pota"/>
+        <a:font script="Mong" typeface="Mongolian Baiti"/>
+        <a:font script="Viet" typeface="Times New Roman"/>
+        <a:font script="Uigh" typeface="Microsoft Uighur"/>
+        <a:font script="Geor" typeface="Sylfaen"/>
+      </a:majorFont>
+      <a:minorFont>
+        <a:latin typeface="Calibri"/>
+        <a:ea typeface=""/>
+        <a:cs typeface=""/>
+        <a:font script="Jpan" typeface="ＭＳ Ｐゴシック"/>
+        <a:font script="Hang" typeface="맑은 고딕"/>
+        <a:font script="Hans" typeface="宋体"/>
+        <a:font script="Hant" typeface="新細明體"/>
+        <a:font script="Arab" typeface="Arial"/>
+        <a:font script="Hebr" typeface="Arial"/>
+        <a:font script="Thai" typeface="Cordia New"/>
+        <a:font script="Ethi" typeface="Nyala"/>
+        <a:font script="Beng" typeface="Vrinda"/>
+        <a:font script="Gujr" typeface="Shruti"/>
+        <a:font script="Khmr" typeface="DaunPenh"/>
+        <a:font script="Knda" typeface="Tunga"/>
+        <a:font script="Guru" typeface="Raavi"/>
+        <a:font script="Cans" typeface="Euphemia"/>
+        <a:font script="Cher" typeface="Plantagenet Cherokee"/>
+        <a:font script="Yiii" typeface="Microsoft Yi Baiti"/>
+        <a:font script="Tibt" typeface="Microsoft Himalaya"/>
+        <a:font script="Thaa" typeface="MV Boli"/>
+        <a:font script="Deva" typeface="Mangal"/>
+        <a:font script="Telu" typeface="Gautami"/>
+        <a:font script="Taml" typeface="Latha"/>
+        <a:font script="Syrc" typeface="Estrangelo Edessa"/>
+        <a:font script="Orya" typeface="Kalinga"/>
+        <a:font script="Mlym" typeface="Kartika"/>
+        <a:font script="Laoo" typeface="DokChampa"/>
+        <a:font script="Sinh" typeface="Iskoola Pota"/>
+        <a:font script="Mong" typeface="Mongolian Baiti"/>
+        <a:font script="Viet" typeface="Arial"/>
+        <a:font script="Uigh" typeface="Microsoft Uighur"/>
+        <a:font script="Geor" typeface="Sylfaen"/>
+      </a:minorFont>
+    </a:fontScheme>
+    <a:fmtScheme name="Office">
+      <a:fillStyleLst>
+        <a:solidFill>
+          <a:schemeClr val="phClr"/>
+        </a:solidFill>
+        <a:gradFill rotWithShape="1">
+          <a:gsLst>
+            <a:gs pos="0">
+              <a:schemeClr val="phClr">
+                <a:tint val="50000"/>
+                <a:satMod val="300000"/>
+              </a:schemeClr>
+            </a:gs>
+            <a:gs pos="35000">
+              <a:schemeClr val="phClr">
+                <a:tint val="37000"/>
+                <a:satMod val="300000"/>
+              </a:schemeClr>
+            </a:gs>
+            <a:gs pos="100000">
+              <a:schemeClr val="phClr">
+                <a:tint val="15000"/>
+                <a:satMod val="350000"/>
+              </a:schemeClr>
+            </a:gs>
+          </a:gsLst>
+          <a:lin ang="16200000" scaled="1"/>
+        </a:gradFill>
+        <a:gradFill rotWithShape="1">
+          <a:gsLst>
+            <a:gs pos="0">
+              <a:schemeClr val="phClr">
+                <a:tint val="100000"/>
+                <a:shade val="100000"/>
+                <a:satMod val="130000"/>
+              </a:schemeClr>
+            </a:gs>
+            <a:gs pos="100000">
+              <a:schemeClr val="phClr">
+                <a:tint val="50000"/>
+                <a:shade val="100000"/>
+                <a:satMod val="350000"/>
+              </a:schemeClr>
+            </a:gs>
+          </a:gsLst>
+          <a:lin ang="16200000" scaled="0"/>
+        </a:gradFill>
+      </a:fillStyleLst>
+      <a:lnStyleLst>
+        <a:ln w="9525" cap="flat" cmpd="sng" algn="ctr">
+          <a:solidFill>
+            <a:schemeClr val="phClr">
+              <a:shade val="95000"/>
+              <a:satMod val="105000"/>
+            </a:schemeClr>
+          </a:solidFill>
+          <a:prstDash val="solid"/>
+        </a:ln>
+        <a:ln w="25400" cap="flat" cmpd="sng" algn="ctr">
+          <a:solidFill>
+            <a:schemeClr val="phClr"/>
+          </a:solidFill>
+          <a:prstDash val="solid"/>
+        </a:ln>
+        <a:ln w="38100" cap="flat" cmpd="sng" algn="ctr">
+          <a:solidFill>
+            <a:schemeClr val="phClr"/>
+          </a:solidFill>
+          <a:prstDash val="solid"/>
+        </a:ln>
+      </a:lnStyleLst>
+      <a:effectStyleLst>
+        <a:effectStyle>
+          <a:effectLst>
+            <a:outerShdw blurRad="40000" dist="20000" dir="5400000" rotWithShape="0">
+              <a:srgbClr val="000000">
+                <a:alpha val="38000"/>
+              </a:srgbClr>
+            </a:outerShdw>
+          </a:effectLst>
+        </a:effectStyle>
+        <a:effectStyle>
+          <a:effectLst>
+            <a:outerShdw blurRad="40000" dist="23000" dir="5400000" rotWithShape="0">
+              <a:srgbClr val="000000">
+                <a:alpha val="35000"/>
+              </a:srgbClr>
+            </a:outerShdw>
+          </a:effectLst>
+        </a:effectStyle>
+        <a:effectStyle>
+          <a:effectLst>
+            <a:outerShdw blurRad="40000" dist="23000" dir="5400000" rotWithShape="0">
+              <a:srgbClr val="000000">
+                <a:alpha val="35000"/>
+              </a:srgbClr>
+            </a:outerShdw>
+          </a:effectLst>
+          <a:scene3d>
+            <a:camera prst="orthographicFront">
+              <a:rot lat="0" lon="0" rev="0"/>
+            </a:camera>
+            <a:lightRig rig="threePt" dir="t">
+              <a:rot lat="0" lon="0" rev="1200000"/>
+            </a:lightRig>
+          </a:scene3d>
+          <a:sp3d>
+            <a:bevelT w="63500" h="25400"/>
+          </a:sp3d>
+        </a:effectStyle>
+      </a:effectStyleLst>
+      <a:bgFillStyleLst>
+        <a:solidFill>
+          <a:schemeClr val="phClr"/>
+        </a:solidFill>
+        <a:gradFill rotWithShape="1">
+          <a:gsLst>
+            <a:gs pos="0">
+              <a:schemeClr val="phClr">
+                <a:tint val="40000"/>
+                <a:satMod val="350000"/>
+              </a:schemeClr>
+            </a:gs>
+            <a:gs pos="40000">
+              <a:schemeClr val="phClr">
+                <a:tint val="45000"/>
+                <a:shade val="99000"/>
+                <a:satMod val="350000"/>
+              </a:schemeClr>
+            </a:gs>
+            <a:gs pos="100000">
+              <a:schemeClr val="phClr">
+                <a:shade val="20000"/>
+                <a:satMod val="255000"/>
+              </a:schemeClr>
+            </a:gs>
+          </a:gsLst>
+          <a:path path="circle">
+            <a:fillToRect l="50000" t="-80000" r="50000" b="180000"/>
+          </a:path>
+        </a:gradFill>
+        <a:gradFill rotWithShape="1">
+          <a:gsLst>
+            <a:gs pos="0">
+              <a:schemeClr val="phClr">
+                <a:tint val="80000"/>
+                <a:satMod val="300000"/>
+              </a:schemeClr>
+            </a:gs>
+            <a:gs pos="100000">
+              <a:schemeClr val="phClr">
+                <a:shade val="30000"/>
+                <a:satMod val="200000"/>
+              </a:schemeClr>
+            </a:gs>
+          </a:gsLst>
+          <a:path path="circle">
+            <a:fillToRect l="50000" t="50000" r="50000" b="50000"/>
+          </a:path>
+        </a:gradFill>
+      </a:bgFillStyleLst>
+    </a:fmtScheme>
+  </a:themeElements>
+  <a:objectDefaults>
+    <a:spDef>
+      <a:spPr/>
+      <a:bodyPr/>
+      <a:lstStyle/>
+      <a:style>
+        <a:lnRef idx="1">
+          <a:schemeClr val="accent1"/>
+        </a:lnRef>
+        <a:fillRef idx="3">
+          <a:schemeClr val="accent1"/>
+        </a:fillRef>
+        <a:effectRef idx="2">
+          <a:schemeClr val="accent1"/>
+        </a:effectRef>
+        <a:fontRef idx="minor">
+          <a:schemeClr val="lt1"/>
+        </a:fontRef>
+      </a:style>
+    </a:spDef>
+    <a:lnDef>
+      <a:spPr/>
+      <a:bodyPr/>
+      <a:lstStyle/>
+      <a:style>
+        <a:lnRef idx="2">
+          <a:schemeClr val="accent1"/>
+        </a:lnRef>
+        <a:fillRef idx="0">
+          <a:schemeClr val="accent1"/>
+        </a:fillRef>
+        <a:effectRef idx="1">
+          <a:schemeClr val="accent1"/>
+        </a:effectRef>
+        <a:fontRef idx="minor">
+          <a:schemeClr val="tx1"/>
+        </a:fontRef>
+      </a:style>
+    </a:lnDef>
+  </a:objectDefaults>
+  <a:extraClrSchemeLst/>
+</a:theme>
 </file>
--- a/Presentation/Lab Project Presentation.pptx
+++ b/Presentation/Lab Project Presentation.pptx
@@ -124,13 +124,18 @@
   </p:defaultTextStyle>
   <p:extLst>
     <p:ext uri="{EFAFB233-063F-42B5-8137-9DF3F51BA10A}">
-      <p15:sldGuideLst xmlns:p15="http://schemas.microsoft.com/office/powerpoint/2012/main" xmlns="">
+      <p15:sldGuideLst xmlns:p15="http://schemas.microsoft.com/office/powerpoint/2012/main">
         <p15:guide id="1" orient="horz" pos="2160">
           <p15:clr>
             <a:srgbClr val="A4A3A4"/>
           </p15:clr>
         </p15:guide>
         <p15:guide id="2" pos="3120">
+          <p15:clr>
+            <a:srgbClr val="A4A3A4"/>
+          </p15:clr>
+        </p15:guide>
+        <p15:guide id="3" orient="horz" pos="2296">
           <p15:clr>
             <a:srgbClr val="A4A3A4"/>
           </p15:clr>
@@ -223,7 +228,7 @@
           <a:p>
             <a:fld id="{3FA6FDA4-907F-C840-8573-33F4849B33D4}" type="datetimeFigureOut">
               <a:rPr lang="en-US" smtClean="0"/>
-              <a:t>18/09/04</a:t>
+              <a:t>9/4/2018</a:t>
             </a:fld>
             <a:endParaRPr lang="en-US"/>
           </a:p>
@@ -389,7 +394,7 @@
           <a:p>
             <a:fld id="{290492DD-1613-8B48-9182-1ECEE9190ABB}" type="datetimeFigureOut">
               <a:rPr lang="en-US" smtClean="0"/>
-              <a:t>18/09/04</a:t>
+              <a:t>9/4/2018</a:t>
             </a:fld>
             <a:endParaRPr lang="en-US"/>
           </a:p>
@@ -2588,7 +2593,7 @@
           </a:ln>
           <a:extLst>
             <a:ext uri="{909E8E84-426E-40dd-AFC4-6F175D3DCCD1}">
-              <a14:hiddenFill xmlns:a14="http://schemas.microsoft.com/office/drawing/2010/main">
+              <a14:hiddenFill xmlns:a14="http://schemas.microsoft.com/office/drawing/2010/main" xmlns="">
                 <a:noFill/>
               </a14:hiddenFill>
             </a:ext>
@@ -2626,14 +2631,14 @@
           </a:ln>
           <a:extLst>
             <a:ext uri="{909E8E84-426E-40dd-AFC4-6F175D3DCCD1}">
-              <a14:hiddenFill xmlns:a14="http://schemas.microsoft.com/office/drawing/2010/main">
+              <a14:hiddenFill xmlns:a14="http://schemas.microsoft.com/office/drawing/2010/main" xmlns="">
                 <a:solidFill>
                   <a:srgbClr val="FFFFFF"/>
                 </a:solidFill>
               </a14:hiddenFill>
             </a:ext>
             <a:ext uri="{91240B29-F687-4f45-9708-019B960494DF}">
-              <a14:hiddenLine xmlns:a14="http://schemas.microsoft.com/office/drawing/2010/main" w="9525">
+              <a14:hiddenLine xmlns:a14="http://schemas.microsoft.com/office/drawing/2010/main" xmlns="" w="9525">
                 <a:solidFill>
                   <a:srgbClr val="000000"/>
                 </a:solidFill>
@@ -2643,7 +2648,7 @@
               </a14:hiddenLine>
             </a:ext>
             <a:ext uri="{FAA26D3D-D897-4be2-8F04-BA451C77F1D7}">
-              <ma14:placeholderFlag xmlns:ma14="http://schemas.microsoft.com/office/mac/drawingml/2011/main" val="1"/>
+              <ma14:placeholderFlag xmlns:ma14="http://schemas.microsoft.com/office/mac/drawingml/2011/main" xmlns="" val="1"/>
             </a:ext>
           </a:extLst>
         </p:spPr>
@@ -2691,7 +2696,7 @@
           </a:ln>
           <a:extLst>
             <a:ext uri="{909E8E84-426E-40dd-AFC4-6F175D3DCCD1}">
-              <a14:hiddenFill xmlns:a14="http://schemas.microsoft.com/office/drawing/2010/main">
+              <a14:hiddenFill xmlns:a14="http://schemas.microsoft.com/office/drawing/2010/main" xmlns="">
                 <a:noFill/>
               </a14:hiddenFill>
             </a:ext>
@@ -2727,14 +2732,14 @@
           </a:ln>
           <a:extLst>
             <a:ext uri="{909E8E84-426E-40dd-AFC4-6F175D3DCCD1}">
-              <a14:hiddenFill xmlns:a14="http://schemas.microsoft.com/office/drawing/2010/main">
+              <a14:hiddenFill xmlns:a14="http://schemas.microsoft.com/office/drawing/2010/main" xmlns="">
                 <a:solidFill>
                   <a:srgbClr val="FFFFFF"/>
                 </a:solidFill>
               </a14:hiddenFill>
             </a:ext>
             <a:ext uri="{91240B29-F687-4f45-9708-019B960494DF}">
-              <a14:hiddenLine xmlns:a14="http://schemas.microsoft.com/office/drawing/2010/main" w="9525">
+              <a14:hiddenLine xmlns:a14="http://schemas.microsoft.com/office/drawing/2010/main" xmlns="" w="9525">
                 <a:solidFill>
                   <a:srgbClr val="000000"/>
                 </a:solidFill>
@@ -2891,14 +2896,14 @@
           </a:ln>
           <a:extLst>
             <a:ext uri="{909E8E84-426E-40dd-AFC4-6F175D3DCCD1}">
-              <a14:hiddenFill xmlns:a14="http://schemas.microsoft.com/office/drawing/2010/main">
+              <a14:hiddenFill xmlns:a14="http://schemas.microsoft.com/office/drawing/2010/main" xmlns="">
                 <a:solidFill>
                   <a:srgbClr val="FFFFFF"/>
                 </a:solidFill>
               </a14:hiddenFill>
             </a:ext>
             <a:ext uri="{91240B29-F687-4f45-9708-019B960494DF}">
-              <a14:hiddenLine xmlns:a14="http://schemas.microsoft.com/office/drawing/2010/main" w="9525">
+              <a14:hiddenLine xmlns:a14="http://schemas.microsoft.com/office/drawing/2010/main" xmlns="" w="9525">
                 <a:solidFill>
                   <a:srgbClr val="000000"/>
                 </a:solidFill>
@@ -2908,7 +2913,7 @@
               </a14:hiddenLine>
             </a:ext>
             <a:ext uri="{FAA26D3D-D897-4be2-8F04-BA451C77F1D7}">
-              <ma14:placeholderFlag xmlns:ma14="http://schemas.microsoft.com/office/mac/drawingml/2011/main" val="1"/>
+              <ma14:placeholderFlag xmlns:ma14="http://schemas.microsoft.com/office/mac/drawingml/2011/main" xmlns="" val="1"/>
             </a:ext>
           </a:extLst>
         </p:spPr>
@@ -3560,14 +3565,14 @@
           </a:ln>
           <a:extLst>
             <a:ext uri="{909E8E84-426E-40dd-AFC4-6F175D3DCCD1}">
-              <a14:hiddenFill xmlns:a14="http://schemas.microsoft.com/office/drawing/2010/main">
+              <a14:hiddenFill xmlns:a14="http://schemas.microsoft.com/office/drawing/2010/main" xmlns="">
                 <a:solidFill>
                   <a:srgbClr val="FFFFFF"/>
                 </a:solidFill>
               </a14:hiddenFill>
             </a:ext>
             <a:ext uri="{91240B29-F687-4f45-9708-019B960494DF}">
-              <a14:hiddenLine xmlns:a14="http://schemas.microsoft.com/office/drawing/2010/main" w="9525">
+              <a14:hiddenLine xmlns:a14="http://schemas.microsoft.com/office/drawing/2010/main" xmlns="" w="9525">
                 <a:solidFill>
                   <a:srgbClr val="000000"/>
                 </a:solidFill>
@@ -3704,7 +3709,7 @@
   <p:timing>
     <p:tnLst>
       <p:par>
-        <p:cTn xmlns:p14="http://schemas.microsoft.com/office/powerpoint/2010/main" id="1" dur="indefinite" restart="never" nodeType="tmRoot"/>
+        <p:cTn id="1" dur="indefinite" restart="never" nodeType="tmRoot"/>
       </p:par>
     </p:tnLst>
   </p:timing>
@@ -3745,11 +3750,7 @@
           <a:p>
             <a:r>
               <a:rPr lang="en-ZA" dirty="0" smtClean="0"/>
-              <a:t>Results: </a:t>
-            </a:r>
-            <a:r>
-              <a:rPr lang="en-ZA" dirty="0" smtClean="0"/>
-              <a:t>Simulation</a:t>
+              <a:t>Results: Simulation</a:t>
             </a:r>
             <a:endParaRPr lang="en-ZA" dirty="0"/>
           </a:p>
@@ -3810,7 +3811,7 @@
   <p:timing>
     <p:tnLst>
       <p:par>
-        <p:cTn xmlns:p14="http://schemas.microsoft.com/office/powerpoint/2010/main" id="1" dur="indefinite" restart="never" nodeType="tmRoot"/>
+        <p:cTn id="1" dur="indefinite" restart="never" nodeType="tmRoot"/>
       </p:par>
     </p:tnLst>
   </p:timing>
@@ -3851,11 +3852,7 @@
           <a:p>
             <a:r>
               <a:rPr lang="en-ZA" dirty="0" smtClean="0"/>
-              <a:t>Results: </a:t>
-            </a:r>
-            <a:r>
-              <a:rPr lang="en-ZA" dirty="0" smtClean="0"/>
-              <a:t>Hardware</a:t>
+              <a:t>Results: Hardware</a:t>
             </a:r>
             <a:endParaRPr lang="en-ZA" dirty="0"/>
           </a:p>
@@ -3916,7 +3913,7 @@
   <p:timing>
     <p:tnLst>
       <p:par>
-        <p:cTn xmlns:p14="http://schemas.microsoft.com/office/powerpoint/2010/main" id="1" dur="indefinite" restart="never" nodeType="tmRoot"/>
+        <p:cTn id="1" dur="indefinite" restart="never" nodeType="tmRoot"/>
       </p:par>
     </p:tnLst>
   </p:timing>
@@ -4208,7 +4205,7 @@
   <p:timing>
     <p:tnLst>
       <p:par>
-        <p:cTn xmlns:p14="http://schemas.microsoft.com/office/powerpoint/2010/main" id="1" dur="indefinite" restart="never" nodeType="tmRoot"/>
+        <p:cTn id="1" dur="indefinite" restart="never" nodeType="tmRoot"/>
       </p:par>
     </p:tnLst>
   </p:timing>
@@ -4310,7 +4307,7 @@
   <p:timing>
     <p:tnLst>
       <p:par>
-        <p:cTn xmlns:p14="http://schemas.microsoft.com/office/powerpoint/2010/main" id="1" dur="indefinite" restart="never" nodeType="tmRoot"/>
+        <p:cTn id="1" dur="indefinite" restart="never" nodeType="tmRoot"/>
       </p:par>
     </p:tnLst>
   </p:timing>
@@ -4423,7 +4420,7 @@
   <p:timing>
     <p:tnLst>
       <p:par>
-        <p:cTn xmlns:p14="http://schemas.microsoft.com/office/powerpoint/2010/main" id="1" dur="indefinite" restart="never" nodeType="tmRoot"/>
+        <p:cTn id="1" dur="indefinite" restart="never" nodeType="tmRoot"/>
       </p:par>
     </p:tnLst>
   </p:timing>
@@ -4499,21 +4496,21 @@
                 <a:gridCol w="2880319">
                   <a:extLst>
                     <a:ext uri="{9D8B030D-6E8A-4147-A177-3AD203B41FA5}">
-                      <a16:colId xmlns:a16="http://schemas.microsoft.com/office/drawing/2014/main" xmlns="" val="1205949033"/>
+                      <a16:colId xmlns:a16="http://schemas.microsoft.com/office/drawing/2014/main" val="1205949033"/>
                     </a:ext>
                   </a:extLst>
                 </a:gridCol>
                 <a:gridCol w="2448272">
                   <a:extLst>
                     <a:ext uri="{9D8B030D-6E8A-4147-A177-3AD203B41FA5}">
-                      <a16:colId xmlns:a16="http://schemas.microsoft.com/office/drawing/2014/main" xmlns="" val="3234676645"/>
+                      <a16:colId xmlns:a16="http://schemas.microsoft.com/office/drawing/2014/main" val="3234676645"/>
                     </a:ext>
                   </a:extLst>
                 </a:gridCol>
                 <a:gridCol w="3168351">
                   <a:extLst>
                     <a:ext uri="{9D8B030D-6E8A-4147-A177-3AD203B41FA5}">
-                      <a16:colId xmlns:a16="http://schemas.microsoft.com/office/drawing/2014/main" xmlns="" val="497167739"/>
+                      <a16:colId xmlns:a16="http://schemas.microsoft.com/office/drawing/2014/main" val="497167739"/>
                     </a:ext>
                   </a:extLst>
                 </a:gridCol>
@@ -4566,7 +4563,7 @@
                 </a:tc>
                 <a:extLst>
                   <a:ext uri="{0D108BD9-81ED-4DB2-BD59-A6C34878D82A}">
-                    <a16:rowId xmlns:a16="http://schemas.microsoft.com/office/drawing/2014/main" xmlns="" val="3709011960"/>
+                    <a16:rowId xmlns:a16="http://schemas.microsoft.com/office/drawing/2014/main" val="3709011960"/>
                   </a:ext>
                 </a:extLst>
               </a:tr>
@@ -4622,7 +4619,7 @@
                 </a:tc>
                 <a:extLst>
                   <a:ext uri="{0D108BD9-81ED-4DB2-BD59-A6C34878D82A}">
-                    <a16:rowId xmlns:a16="http://schemas.microsoft.com/office/drawing/2014/main" xmlns="" val="4214479577"/>
+                    <a16:rowId xmlns:a16="http://schemas.microsoft.com/office/drawing/2014/main" val="4214479577"/>
                   </a:ext>
                 </a:extLst>
               </a:tr>
@@ -4714,7 +4711,7 @@
                 </a:tc>
                 <a:extLst>
                   <a:ext uri="{0D108BD9-81ED-4DB2-BD59-A6C34878D82A}">
-                    <a16:rowId xmlns:a16="http://schemas.microsoft.com/office/drawing/2014/main" xmlns="" val="3266579009"/>
+                    <a16:rowId xmlns:a16="http://schemas.microsoft.com/office/drawing/2014/main" val="3266579009"/>
                   </a:ext>
                 </a:extLst>
               </a:tr>
@@ -4766,7 +4763,7 @@
                 </a:tc>
                 <a:extLst>
                   <a:ext uri="{0D108BD9-81ED-4DB2-BD59-A6C34878D82A}">
-                    <a16:rowId xmlns:a16="http://schemas.microsoft.com/office/drawing/2014/main" xmlns="" val="282706019"/>
+                    <a16:rowId xmlns:a16="http://schemas.microsoft.com/office/drawing/2014/main" val="282706019"/>
                   </a:ext>
                 </a:extLst>
               </a:tr>
@@ -4816,6 +4813,11 @@
                   </a:txBody>
                   <a:tcPr/>
                 </a:tc>
+                <a:extLst>
+                  <a:ext uri="{0D108BD9-81ED-4DB2-BD59-A6C34878D82A}">
+                    <a16:rowId xmlns:a16="http://schemas.microsoft.com/office/drawing/2014/main" val="10004"/>
+                  </a:ext>
+                </a:extLst>
               </a:tr>
               <a:tr h="370840">
                 <a:tc>
@@ -4869,7 +4871,7 @@
                 </a:tc>
                 <a:extLst>
                   <a:ext uri="{0D108BD9-81ED-4DB2-BD59-A6C34878D82A}">
-                    <a16:rowId xmlns:a16="http://schemas.microsoft.com/office/drawing/2014/main" xmlns="" val="1081411160"/>
+                    <a16:rowId xmlns:a16="http://schemas.microsoft.com/office/drawing/2014/main" val="1081411160"/>
                   </a:ext>
                 </a:extLst>
               </a:tr>
@@ -4882,11 +4884,7 @@
                       <a:pPr algn="ctr"/>
                       <a:r>
                         <a:rPr lang="en-ZA" b="1" dirty="0" smtClean="0"/>
-                        <a:t>Number of </a:t>
-                      </a:r>
-                      <a:r>
-                        <a:rPr lang="en-ZA" b="1" dirty="0" smtClean="0"/>
-                        <a:t>filters</a:t>
+                        <a:t>Number of filters</a:t>
                       </a:r>
                       <a:endParaRPr lang="en-ZA" b="1" dirty="0"/>
                     </a:p>
@@ -4940,7 +4938,7 @@
                 </a:tc>
                 <a:extLst>
                   <a:ext uri="{0D108BD9-81ED-4DB2-BD59-A6C34878D82A}">
-                    <a16:rowId xmlns:a16="http://schemas.microsoft.com/office/drawing/2014/main" xmlns="" val="2210005012"/>
+                    <a16:rowId xmlns:a16="http://schemas.microsoft.com/office/drawing/2014/main" val="2210005012"/>
                   </a:ext>
                 </a:extLst>
               </a:tr>
@@ -5060,7 +5058,7 @@
                 </a:tc>
                 <a:extLst>
                   <a:ext uri="{0D108BD9-81ED-4DB2-BD59-A6C34878D82A}">
-                    <a16:rowId xmlns:a16="http://schemas.microsoft.com/office/drawing/2014/main" xmlns="" val="1840919378"/>
+                    <a16:rowId xmlns:a16="http://schemas.microsoft.com/office/drawing/2014/main" val="1840919378"/>
                   </a:ext>
                 </a:extLst>
               </a:tr>
@@ -5116,7 +5114,7 @@
                 </a:tc>
                 <a:extLst>
                   <a:ext uri="{0D108BD9-81ED-4DB2-BD59-A6C34878D82A}">
-                    <a16:rowId xmlns:a16="http://schemas.microsoft.com/office/drawing/2014/main" xmlns="" val="1275340913"/>
+                    <a16:rowId xmlns:a16="http://schemas.microsoft.com/office/drawing/2014/main" val="1275340913"/>
                   </a:ext>
                 </a:extLst>
               </a:tr>
@@ -5160,7 +5158,7 @@
   <p:timing>
     <p:tnLst>
       <p:par>
-        <p:cTn xmlns:p14="http://schemas.microsoft.com/office/powerpoint/2010/main" id="1" dur="indefinite" restart="never" nodeType="tmRoot"/>
+        <p:cTn id="1" dur="indefinite" restart="never" nodeType="tmRoot"/>
       </p:par>
     </p:tnLst>
   </p:timing>
@@ -5262,7 +5260,7 @@
   <p:timing>
     <p:tnLst>
       <p:par>
-        <p:cTn xmlns:p14="http://schemas.microsoft.com/office/powerpoint/2010/main" id="1" dur="indefinite" restart="never" nodeType="tmRoot"/>
+        <p:cTn id="1" dur="indefinite" restart="never" nodeType="tmRoot"/>
       </p:par>
     </p:tnLst>
   </p:timing>
@@ -5364,7 +5362,7 @@
   <p:timing>
     <p:tnLst>
       <p:par>
-        <p:cTn xmlns:p14="http://schemas.microsoft.com/office/powerpoint/2010/main" id="1" dur="indefinite" restart="never" nodeType="tmRoot"/>
+        <p:cTn id="1" dur="indefinite" restart="never" nodeType="tmRoot"/>
       </p:par>
     </p:tnLst>
   </p:timing>
@@ -5466,7 +5464,7 @@
   <p:timing>
     <p:tnLst>
       <p:par>
-        <p:cTn xmlns:p14="http://schemas.microsoft.com/office/powerpoint/2010/main" id="1" dur="indefinite" restart="never" nodeType="tmRoot"/>
+        <p:cTn id="1" dur="indefinite" restart="never" nodeType="tmRoot"/>
       </p:par>
     </p:tnLst>
   </p:timing>
@@ -5513,25 +5511,35 @@
           </a:p>
         </p:txBody>
       </p:sp>
-      <p:sp>
-        <p:nvSpPr>
-          <p:cNvPr id="3" name="Content Placeholder 2"/>
-          <p:cNvSpPr>
-            <a:spLocks noGrp="1"/>
-          </p:cNvSpPr>
+      <p:pic>
+        <p:nvPicPr>
+          <p:cNvPr id="5" name="Content Placeholder 4"/>
+          <p:cNvPicPr>
+            <a:picLocks noGrp="1" noChangeAspect="1"/>
+          </p:cNvPicPr>
           <p:nvPr>
             <p:ph idx="1"/>
           </p:nvPr>
-        </p:nvSpPr>
-        <p:spPr/>
-        <p:txBody>
-          <a:bodyPr/>
-          <a:lstStyle/>
-          <a:p>
-            <a:endParaRPr lang="en-ZA"/>
-          </a:p>
-        </p:txBody>
-      </p:sp>
+        </p:nvPicPr>
+        <p:blipFill>
+          <a:blip r:embed="rId2">
+            <a:extLst>
+              <a:ext uri="{28A0092B-C50C-407E-A947-70E740481C1C}">
+                <a14:useLocalDpi xmlns:a14="http://schemas.microsoft.com/office/drawing/2010/main" val="0"/>
+              </a:ext>
+            </a:extLst>
+          </a:blip>
+          <a:stretch>
+            <a:fillRect/>
+          </a:stretch>
+        </p:blipFill>
+        <p:spPr>
+          <a:xfrm>
+            <a:off x="5546454" y="1580366"/>
+            <a:ext cx="3852414" cy="4174521"/>
+          </a:xfrm>
+        </p:spPr>
+      </p:pic>
       <p:sp>
         <p:nvSpPr>
           <p:cNvPr id="4" name="Slide Number Placeholder 3"/>
@@ -5555,6 +5563,163 @@
           </a:p>
         </p:txBody>
       </p:sp>
+      <p:sp>
+        <p:nvSpPr>
+          <p:cNvPr id="6" name="TextBox 5"/>
+          <p:cNvSpPr txBox="1"/>
+          <p:nvPr/>
+        </p:nvSpPr>
+        <p:spPr>
+          <a:xfrm>
+            <a:off x="5759125" y="5832712"/>
+            <a:ext cx="3528392" cy="461665"/>
+          </a:xfrm>
+          <a:prstGeom prst="rect">
+            <a:avLst/>
+          </a:prstGeom>
+          <a:noFill/>
+        </p:spPr>
+        <p:txBody>
+          <a:bodyPr wrap="square" rtlCol="0">
+            <a:spAutoFit/>
+          </a:bodyPr>
+          <a:lstStyle/>
+          <a:p>
+            <a:pPr algn="ctr"/>
+            <a:r>
+              <a:rPr lang="en-ZA" sz="2400" dirty="0" smtClean="0">
+                <a:latin typeface="Times New Roman" panose="02020603050405020304" pitchFamily="18" charset="0"/>
+                <a:cs typeface="Times New Roman" panose="02020603050405020304" pitchFamily="18" charset="0"/>
+              </a:rPr>
+              <a:t>Directionality</a:t>
+            </a:r>
+            <a:endParaRPr lang="en-ZA" sz="2400" dirty="0">
+              <a:latin typeface="Times New Roman" panose="02020603050405020304" pitchFamily="18" charset="0"/>
+              <a:cs typeface="Times New Roman" panose="02020603050405020304" pitchFamily="18" charset="0"/>
+            </a:endParaRPr>
+          </a:p>
+        </p:txBody>
+      </p:sp>
+      <p:pic>
+        <p:nvPicPr>
+          <p:cNvPr id="7" name="Picture 6"/>
+          <p:cNvPicPr>
+            <a:picLocks noChangeAspect="1"/>
+          </p:cNvPicPr>
+          <p:nvPr/>
+        </p:nvPicPr>
+        <p:blipFill>
+          <a:blip r:embed="rId3">
+            <a:extLst>
+              <a:ext uri="{28A0092B-C50C-407E-A947-70E740481C1C}">
+                <a14:useLocalDpi xmlns:a14="http://schemas.microsoft.com/office/drawing/2010/main" val="0"/>
+              </a:ext>
+            </a:extLst>
+          </a:blip>
+          <a:stretch>
+            <a:fillRect/>
+          </a:stretch>
+        </p:blipFill>
+        <p:spPr>
+          <a:xfrm>
+            <a:off x="644674" y="1640958"/>
+            <a:ext cx="3888432" cy="4213552"/>
+          </a:xfrm>
+          <a:prstGeom prst="rect">
+            <a:avLst/>
+          </a:prstGeom>
+        </p:spPr>
+      </p:pic>
+      <p:sp>
+        <p:nvSpPr>
+          <p:cNvPr id="8" name="TextBox 7"/>
+          <p:cNvSpPr txBox="1"/>
+          <p:nvPr/>
+        </p:nvSpPr>
+        <p:spPr>
+          <a:xfrm>
+            <a:off x="824694" y="5832712"/>
+            <a:ext cx="3528392" cy="461665"/>
+          </a:xfrm>
+          <a:prstGeom prst="rect">
+            <a:avLst/>
+          </a:prstGeom>
+          <a:noFill/>
+        </p:spPr>
+        <p:txBody>
+          <a:bodyPr wrap="square" rtlCol="0">
+            <a:spAutoFit/>
+          </a:bodyPr>
+          <a:lstStyle/>
+          <a:p>
+            <a:pPr algn="ctr"/>
+            <a:r>
+              <a:rPr lang="en-ZA" sz="2400" dirty="0" smtClean="0">
+                <a:latin typeface="Times New Roman" panose="02020603050405020304" pitchFamily="18" charset="0"/>
+                <a:cs typeface="Times New Roman" panose="02020603050405020304" pitchFamily="18" charset="0"/>
+              </a:rPr>
+              <a:t>Compensatory gain</a:t>
+            </a:r>
+            <a:endParaRPr lang="en-ZA" sz="2400" dirty="0">
+              <a:latin typeface="Times New Roman" panose="02020603050405020304" pitchFamily="18" charset="0"/>
+              <a:cs typeface="Times New Roman" panose="02020603050405020304" pitchFamily="18" charset="0"/>
+            </a:endParaRPr>
+          </a:p>
+        </p:txBody>
+      </p:sp>
+      <p:cxnSp>
+        <p:nvCxnSpPr>
+          <p:cNvPr id="14" name="Straight Connector 13"/>
+          <p:cNvCxnSpPr/>
+          <p:nvPr/>
+        </p:nvCxnSpPr>
+        <p:spPr bwMode="auto">
+          <a:xfrm>
+            <a:off x="4736976" y="1772816"/>
+            <a:ext cx="0" cy="4521561"/>
+          </a:xfrm>
+          <a:prstGeom prst="line">
+            <a:avLst/>
+          </a:prstGeom>
+          <a:ln/>
+          <a:extLst>
+            <a:ext uri="{91240B29-F687-4f45-9708-019B960494DF}">
+              <a14:hiddenLine xmlns:a14="http://schemas.microsoft.com/office/drawing/2010/main" xmlns="" w="9525" cap="flat" cmpd="sng" algn="ctr">
+                <a:solidFill>
+                  <a:schemeClr val="tx1"/>
+                </a:solidFill>
+                <a:prstDash val="solid"/>
+                <a:round/>
+                <a:headEnd type="none" w="sm" len="sm"/>
+                <a:tailEnd type="none" w="sm" len="sm"/>
+              </a14:hiddenLine>
+            </a:ext>
+            <a:ext uri="{AF507438-7753-43e0-B8FC-AC1667EBCBE1}">
+              <a14:hiddenEffects xmlns:a14="http://schemas.microsoft.com/office/drawing/2010/main" xmlns="">
+                <a:effectLst>
+                  <a:outerShdw dist="35921" dir="2700000" algn="ctr" rotWithShape="0">
+                    <a:schemeClr val="bg2"/>
+                  </a:outerShdw>
+                </a:effectLst>
+              </a14:hiddenEffects>
+            </a:ext>
+          </a:extLst>
+        </p:spPr>
+        <p:style>
+          <a:lnRef idx="1">
+            <a:schemeClr val="dk1"/>
+          </a:lnRef>
+          <a:fillRef idx="0">
+            <a:schemeClr val="dk1"/>
+          </a:fillRef>
+          <a:effectRef idx="0">
+            <a:schemeClr val="dk1"/>
+          </a:effectRef>
+          <a:fontRef idx="minor">
+            <a:schemeClr val="tx1"/>
+          </a:fontRef>
+        </p:style>
+      </p:cxnSp>
     </p:spTree>
     <p:extLst>
       <p:ext uri="{BB962C8B-B14F-4D97-AF65-F5344CB8AC3E}">
@@ -5568,7 +5733,7 @@
   <p:timing>
     <p:tnLst>
       <p:par>
-        <p:cTn xmlns:p14="http://schemas.microsoft.com/office/powerpoint/2010/main" id="1" dur="indefinite" restart="never" nodeType="tmRoot"/>
+        <p:cTn id="1" dur="indefinite" restart="never" nodeType="tmRoot"/>
       </p:par>
     </p:tnLst>
   </p:timing>
@@ -5819,7 +5984,7 @@
         <a:effectLst/>
         <a:extLst>
           <a:ext uri="{91240B29-F687-4f45-9708-019B960494DF}">
-            <a14:hiddenLine xmlns:a14="http://schemas.microsoft.com/office/drawing/2010/main" w="9525" cap="flat" cmpd="sng" algn="ctr">
+            <a14:hiddenLine xmlns:a14="http://schemas.microsoft.com/office/drawing/2010/main" xmlns="" w="9525" cap="flat" cmpd="sng" algn="ctr">
               <a:solidFill>
                 <a:schemeClr val="tx1"/>
               </a:solidFill>
@@ -5830,7 +5995,7 @@
             </a14:hiddenLine>
           </a:ext>
           <a:ext uri="{AF507438-7753-43e0-B8FC-AC1667EBCBE1}">
-            <a14:hiddenEffects xmlns:a14="http://schemas.microsoft.com/office/drawing/2010/main">
+            <a14:hiddenEffects xmlns:a14="http://schemas.microsoft.com/office/drawing/2010/main" xmlns="">
               <a:effectLst>
                 <a:outerShdw dist="35921" dir="2700000" algn="ctr" rotWithShape="0">
                   <a:schemeClr val="bg2"/>
@@ -5897,7 +6062,7 @@
         <a:effectLst/>
         <a:extLst>
           <a:ext uri="{91240B29-F687-4f45-9708-019B960494DF}">
-            <a14:hiddenLine xmlns:a14="http://schemas.microsoft.com/office/drawing/2010/main" w="9525" cap="flat" cmpd="sng" algn="ctr">
+            <a14:hiddenLine xmlns:a14="http://schemas.microsoft.com/office/drawing/2010/main" xmlns="" w="9525" cap="flat" cmpd="sng" algn="ctr">
               <a:solidFill>
                 <a:schemeClr val="tx1"/>
               </a:solidFill>
@@ -5908,7 +6073,7 @@
             </a14:hiddenLine>
           </a:ext>
           <a:ext uri="{AF507438-7753-43e0-B8FC-AC1667EBCBE1}">
-            <a14:hiddenEffects xmlns:a14="http://schemas.microsoft.com/office/drawing/2010/main">
+            <a14:hiddenEffects xmlns:a14="http://schemas.microsoft.com/office/drawing/2010/main" xmlns="">
               <a:effectLst>
                 <a:outerShdw dist="35921" dir="2700000" algn="ctr" rotWithShape="0">
                   <a:schemeClr val="bg2"/>

--- a/Presentation/Lab Project Presentation.pptx
+++ b/Presentation/Lab Project Presentation.pptx
@@ -5,10 +5,10 @@
     <p:sldMasterId id="2147483660" r:id="rId1"/>
   </p:sldMasterIdLst>
   <p:notesMasterIdLst>
-    <p:notesMasterId r:id="rId15"/>
+    <p:notesMasterId r:id="rId17"/>
   </p:notesMasterIdLst>
   <p:handoutMasterIdLst>
-    <p:handoutMasterId r:id="rId16"/>
+    <p:handoutMasterId r:id="rId18"/>
   </p:handoutMasterIdLst>
   <p:sldIdLst>
     <p:sldId id="256" r:id="rId2"/>
@@ -20,10 +20,12 @@
     <p:sldId id="260" r:id="rId8"/>
     <p:sldId id="268" r:id="rId9"/>
     <p:sldId id="261" r:id="rId10"/>
-    <p:sldId id="262" r:id="rId11"/>
-    <p:sldId id="263" r:id="rId12"/>
-    <p:sldId id="266" r:id="rId13"/>
-    <p:sldId id="267" r:id="rId14"/>
+    <p:sldId id="270" r:id="rId11"/>
+    <p:sldId id="262" r:id="rId12"/>
+    <p:sldId id="269" r:id="rId13"/>
+    <p:sldId id="263" r:id="rId14"/>
+    <p:sldId id="266" r:id="rId15"/>
+    <p:sldId id="267" r:id="rId16"/>
   </p:sldIdLst>
   <p:sldSz cx="9906000" cy="6858000" type="A4"/>
   <p:notesSz cx="6858000" cy="9144000"/>
@@ -2593,7 +2595,7 @@
           </a:ln>
           <a:extLst>
             <a:ext uri="{909E8E84-426E-40dd-AFC4-6F175D3DCCD1}">
-              <a14:hiddenFill xmlns:a14="http://schemas.microsoft.com/office/drawing/2010/main" xmlns="">
+              <a14:hiddenFill xmlns="" xmlns:a14="http://schemas.microsoft.com/office/drawing/2010/main">
                 <a:noFill/>
               </a14:hiddenFill>
             </a:ext>
@@ -2631,14 +2633,14 @@
           </a:ln>
           <a:extLst>
             <a:ext uri="{909E8E84-426E-40dd-AFC4-6F175D3DCCD1}">
-              <a14:hiddenFill xmlns:a14="http://schemas.microsoft.com/office/drawing/2010/main" xmlns="">
+              <a14:hiddenFill xmlns="" xmlns:a14="http://schemas.microsoft.com/office/drawing/2010/main">
                 <a:solidFill>
                   <a:srgbClr val="FFFFFF"/>
                 </a:solidFill>
               </a14:hiddenFill>
             </a:ext>
             <a:ext uri="{91240B29-F687-4f45-9708-019B960494DF}">
-              <a14:hiddenLine xmlns:a14="http://schemas.microsoft.com/office/drawing/2010/main" xmlns="" w="9525">
+              <a14:hiddenLine xmlns="" xmlns:a14="http://schemas.microsoft.com/office/drawing/2010/main" w="9525">
                 <a:solidFill>
                   <a:srgbClr val="000000"/>
                 </a:solidFill>
@@ -2648,7 +2650,7 @@
               </a14:hiddenLine>
             </a:ext>
             <a:ext uri="{FAA26D3D-D897-4be2-8F04-BA451C77F1D7}">
-              <ma14:placeholderFlag xmlns:ma14="http://schemas.microsoft.com/office/mac/drawingml/2011/main" xmlns="" val="1"/>
+              <ma14:placeholderFlag xmlns="" xmlns:ma14="http://schemas.microsoft.com/office/mac/drawingml/2011/main" val="1"/>
             </a:ext>
           </a:extLst>
         </p:spPr>
@@ -2696,7 +2698,7 @@
           </a:ln>
           <a:extLst>
             <a:ext uri="{909E8E84-426E-40dd-AFC4-6F175D3DCCD1}">
-              <a14:hiddenFill xmlns:a14="http://schemas.microsoft.com/office/drawing/2010/main" xmlns="">
+              <a14:hiddenFill xmlns="" xmlns:a14="http://schemas.microsoft.com/office/drawing/2010/main">
                 <a:noFill/>
               </a14:hiddenFill>
             </a:ext>
@@ -2732,14 +2734,14 @@
           </a:ln>
           <a:extLst>
             <a:ext uri="{909E8E84-426E-40dd-AFC4-6F175D3DCCD1}">
-              <a14:hiddenFill xmlns:a14="http://schemas.microsoft.com/office/drawing/2010/main" xmlns="">
+              <a14:hiddenFill xmlns="" xmlns:a14="http://schemas.microsoft.com/office/drawing/2010/main">
                 <a:solidFill>
                   <a:srgbClr val="FFFFFF"/>
                 </a:solidFill>
               </a14:hiddenFill>
             </a:ext>
             <a:ext uri="{91240B29-F687-4f45-9708-019B960494DF}">
-              <a14:hiddenLine xmlns:a14="http://schemas.microsoft.com/office/drawing/2010/main" xmlns="" w="9525">
+              <a14:hiddenLine xmlns="" xmlns:a14="http://schemas.microsoft.com/office/drawing/2010/main" w="9525">
                 <a:solidFill>
                   <a:srgbClr val="000000"/>
                 </a:solidFill>
@@ -2896,14 +2898,14 @@
           </a:ln>
           <a:extLst>
             <a:ext uri="{909E8E84-426E-40dd-AFC4-6F175D3DCCD1}">
-              <a14:hiddenFill xmlns:a14="http://schemas.microsoft.com/office/drawing/2010/main" xmlns="">
+              <a14:hiddenFill xmlns="" xmlns:a14="http://schemas.microsoft.com/office/drawing/2010/main">
                 <a:solidFill>
                   <a:srgbClr val="FFFFFF"/>
                 </a:solidFill>
               </a14:hiddenFill>
             </a:ext>
             <a:ext uri="{91240B29-F687-4f45-9708-019B960494DF}">
-              <a14:hiddenLine xmlns:a14="http://schemas.microsoft.com/office/drawing/2010/main" xmlns="" w="9525">
+              <a14:hiddenLine xmlns="" xmlns:a14="http://schemas.microsoft.com/office/drawing/2010/main" w="9525">
                 <a:solidFill>
                   <a:srgbClr val="000000"/>
                 </a:solidFill>
@@ -2913,7 +2915,7 @@
               </a14:hiddenLine>
             </a:ext>
             <a:ext uri="{FAA26D3D-D897-4be2-8F04-BA451C77F1D7}">
-              <ma14:placeholderFlag xmlns:ma14="http://schemas.microsoft.com/office/mac/drawingml/2011/main" xmlns="" val="1"/>
+              <ma14:placeholderFlag xmlns="" xmlns:ma14="http://schemas.microsoft.com/office/mac/drawingml/2011/main" val="1"/>
             </a:ext>
           </a:extLst>
         </p:spPr>
@@ -3565,14 +3567,14 @@
           </a:ln>
           <a:extLst>
             <a:ext uri="{909E8E84-426E-40dd-AFC4-6F175D3DCCD1}">
-              <a14:hiddenFill xmlns:a14="http://schemas.microsoft.com/office/drawing/2010/main" xmlns="">
+              <a14:hiddenFill xmlns="" xmlns:a14="http://schemas.microsoft.com/office/drawing/2010/main">
                 <a:solidFill>
                   <a:srgbClr val="FFFFFF"/>
                 </a:solidFill>
               </a14:hiddenFill>
             </a:ext>
             <a:ext uri="{91240B29-F687-4f45-9708-019B960494DF}">
-              <a14:hiddenLine xmlns:a14="http://schemas.microsoft.com/office/drawing/2010/main" xmlns="" w="9525">
+              <a14:hiddenLine xmlns="" xmlns:a14="http://schemas.microsoft.com/office/drawing/2010/main" w="9525">
                 <a:solidFill>
                   <a:srgbClr val="000000"/>
                 </a:solidFill>
@@ -3756,25 +3758,35 @@
           </a:p>
         </p:txBody>
       </p:sp>
-      <p:sp>
-        <p:nvSpPr>
-          <p:cNvPr id="3" name="Content Placeholder 2"/>
-          <p:cNvSpPr>
-            <a:spLocks noGrp="1"/>
-          </p:cNvSpPr>
+      <p:pic>
+        <p:nvPicPr>
+          <p:cNvPr id="5" name="Content Placeholder 4"/>
+          <p:cNvPicPr>
+            <a:picLocks noGrp="1" noChangeAspect="1"/>
+          </p:cNvPicPr>
           <p:nvPr>
             <p:ph idx="1"/>
           </p:nvPr>
-        </p:nvSpPr>
-        <p:spPr/>
-        <p:txBody>
-          <a:bodyPr/>
-          <a:lstStyle/>
-          <a:p>
-            <a:endParaRPr lang="en-ZA"/>
-          </a:p>
-        </p:txBody>
-      </p:sp>
+        </p:nvPicPr>
+        <p:blipFill>
+          <a:blip r:embed="rId2">
+            <a:extLst>
+              <a:ext uri="{28A0092B-C50C-407E-A947-70E740481C1C}">
+                <a14:useLocalDpi xmlns:a14="http://schemas.microsoft.com/office/drawing/2010/main" val="0"/>
+              </a:ext>
+            </a:extLst>
+          </a:blip>
+          <a:stretch>
+            <a:fillRect/>
+          </a:stretch>
+        </p:blipFill>
+        <p:spPr>
+          <a:xfrm>
+            <a:off x="31010" y="1777433"/>
+            <a:ext cx="9874990" cy="4393430"/>
+          </a:xfrm>
+        </p:spPr>
+      </p:pic>
       <p:sp>
         <p:nvSpPr>
           <p:cNvPr id="4" name="Slide Number Placeholder 3"/>
@@ -3801,7 +3813,7 @@
     </p:spTree>
     <p:extLst>
       <p:ext uri="{BB962C8B-B14F-4D97-AF65-F5344CB8AC3E}">
-        <p14:creationId xmlns:p14="http://schemas.microsoft.com/office/powerpoint/2010/main" val="2517507658"/>
+        <p14:creationId xmlns:p14="http://schemas.microsoft.com/office/powerpoint/2010/main" val="242225206"/>
       </p:ext>
     </p:extLst>
   </p:cSld>
@@ -3852,31 +3864,41 @@
           <a:p>
             <a:r>
               <a:rPr lang="en-ZA" dirty="0" smtClean="0"/>
-              <a:t>Results: Hardware</a:t>
+              <a:t>Results: Simulation</a:t>
             </a:r>
             <a:endParaRPr lang="en-ZA" dirty="0"/>
           </a:p>
         </p:txBody>
       </p:sp>
-      <p:sp>
-        <p:nvSpPr>
-          <p:cNvPr id="3" name="Content Placeholder 2"/>
-          <p:cNvSpPr>
-            <a:spLocks noGrp="1"/>
-          </p:cNvSpPr>
+      <p:pic>
+        <p:nvPicPr>
+          <p:cNvPr id="5" name="Content Placeholder 4"/>
+          <p:cNvPicPr>
+            <a:picLocks noGrp="1" noChangeAspect="1"/>
+          </p:cNvPicPr>
           <p:nvPr>
             <p:ph idx="1"/>
           </p:nvPr>
-        </p:nvSpPr>
-        <p:spPr/>
-        <p:txBody>
-          <a:bodyPr/>
-          <a:lstStyle/>
-          <a:p>
-            <a:endParaRPr lang="en-ZA"/>
-          </a:p>
-        </p:txBody>
-      </p:sp>
+        </p:nvPicPr>
+        <p:blipFill>
+          <a:blip r:embed="rId2">
+            <a:extLst>
+              <a:ext uri="{28A0092B-C50C-407E-A947-70E740481C1C}">
+                <a14:useLocalDpi xmlns:a14="http://schemas.microsoft.com/office/drawing/2010/main" val="0"/>
+              </a:ext>
+            </a:extLst>
+          </a:blip>
+          <a:stretch>
+            <a:fillRect/>
+          </a:stretch>
+        </p:blipFill>
+        <p:spPr>
+          <a:xfrm>
+            <a:off x="3438482" y="2140809"/>
+            <a:ext cx="3298704" cy="3069834"/>
+          </a:xfrm>
+        </p:spPr>
+      </p:pic>
       <p:sp>
         <p:nvSpPr>
           <p:cNvPr id="4" name="Slide Number Placeholder 3"/>
@@ -3900,10 +3922,185 @@
           </a:p>
         </p:txBody>
       </p:sp>
+      <p:pic>
+        <p:nvPicPr>
+          <p:cNvPr id="6" name="Picture 5"/>
+          <p:cNvPicPr>
+            <a:picLocks noChangeAspect="1"/>
+          </p:cNvPicPr>
+          <p:nvPr/>
+        </p:nvPicPr>
+        <p:blipFill>
+          <a:blip r:embed="rId3">
+            <a:extLst>
+              <a:ext uri="{28A0092B-C50C-407E-A947-70E740481C1C}">
+                <a14:useLocalDpi xmlns:a14="http://schemas.microsoft.com/office/drawing/2010/main" val="0"/>
+              </a:ext>
+            </a:extLst>
+          </a:blip>
+          <a:stretch>
+            <a:fillRect/>
+          </a:stretch>
+        </p:blipFill>
+        <p:spPr>
+          <a:xfrm>
+            <a:off x="6737186" y="2170189"/>
+            <a:ext cx="3154786" cy="2929794"/>
+          </a:xfrm>
+          <a:prstGeom prst="rect">
+            <a:avLst/>
+          </a:prstGeom>
+        </p:spPr>
+      </p:pic>
+      <p:pic>
+        <p:nvPicPr>
+          <p:cNvPr id="7" name="Picture 6"/>
+          <p:cNvPicPr>
+            <a:picLocks noChangeAspect="1"/>
+          </p:cNvPicPr>
+          <p:nvPr/>
+        </p:nvPicPr>
+        <p:blipFill>
+          <a:blip r:embed="rId4">
+            <a:extLst>
+              <a:ext uri="{28A0092B-C50C-407E-A947-70E740481C1C}">
+                <a14:useLocalDpi xmlns:a14="http://schemas.microsoft.com/office/drawing/2010/main" val="0"/>
+              </a:ext>
+            </a:extLst>
+          </a:blip>
+          <a:stretch>
+            <a:fillRect/>
+          </a:stretch>
+        </p:blipFill>
+        <p:spPr>
+          <a:xfrm>
+            <a:off x="88702" y="2170189"/>
+            <a:ext cx="3280885" cy="3040454"/>
+          </a:xfrm>
+          <a:prstGeom prst="rect">
+            <a:avLst/>
+          </a:prstGeom>
+        </p:spPr>
+      </p:pic>
+      <p:sp>
+        <p:nvSpPr>
+          <p:cNvPr id="8" name="TextBox 7"/>
+          <p:cNvSpPr txBox="1"/>
+          <p:nvPr/>
+        </p:nvSpPr>
+        <p:spPr>
+          <a:xfrm>
+            <a:off x="1424608" y="5224482"/>
+            <a:ext cx="2376264" cy="584775"/>
+          </a:xfrm>
+          <a:prstGeom prst="rect">
+            <a:avLst/>
+          </a:prstGeom>
+          <a:noFill/>
+        </p:spPr>
+        <p:txBody>
+          <a:bodyPr wrap="square" rtlCol="0">
+            <a:spAutoFit/>
+          </a:bodyPr>
+          <a:lstStyle/>
+          <a:p>
+            <a:r>
+              <a:rPr lang="en-ZA" sz="3200" dirty="0" smtClean="0">
+                <a:latin typeface="Times New Roman" panose="02020603050405020304" pitchFamily="18" charset="0"/>
+                <a:cs typeface="Times New Roman" panose="02020603050405020304" pitchFamily="18" charset="0"/>
+              </a:rPr>
+              <a:t>0°</a:t>
+            </a:r>
+            <a:endParaRPr lang="en-ZA" sz="3200" dirty="0">
+              <a:latin typeface="Times New Roman" panose="02020603050405020304" pitchFamily="18" charset="0"/>
+              <a:cs typeface="Times New Roman" panose="02020603050405020304" pitchFamily="18" charset="0"/>
+            </a:endParaRPr>
+          </a:p>
+        </p:txBody>
+      </p:sp>
+      <p:sp>
+        <p:nvSpPr>
+          <p:cNvPr id="9" name="TextBox 8"/>
+          <p:cNvSpPr txBox="1"/>
+          <p:nvPr/>
+        </p:nvSpPr>
+        <p:spPr>
+          <a:xfrm>
+            <a:off x="4750183" y="5206404"/>
+            <a:ext cx="2376264" cy="584775"/>
+          </a:xfrm>
+          <a:prstGeom prst="rect">
+            <a:avLst/>
+          </a:prstGeom>
+          <a:noFill/>
+        </p:spPr>
+        <p:txBody>
+          <a:bodyPr wrap="square" rtlCol="0">
+            <a:spAutoFit/>
+          </a:bodyPr>
+          <a:lstStyle/>
+          <a:p>
+            <a:r>
+              <a:rPr lang="en-ZA" sz="3200" dirty="0" smtClean="0">
+                <a:latin typeface="Times New Roman" panose="02020603050405020304" pitchFamily="18" charset="0"/>
+                <a:cs typeface="Times New Roman" panose="02020603050405020304" pitchFamily="18" charset="0"/>
+              </a:rPr>
+              <a:t>60°</a:t>
+            </a:r>
+            <a:endParaRPr lang="en-ZA" sz="3200" dirty="0">
+              <a:latin typeface="Times New Roman" panose="02020603050405020304" pitchFamily="18" charset="0"/>
+              <a:cs typeface="Times New Roman" panose="02020603050405020304" pitchFamily="18" charset="0"/>
+            </a:endParaRPr>
+          </a:p>
+        </p:txBody>
+      </p:sp>
+      <p:sp>
+        <p:nvSpPr>
+          <p:cNvPr id="10" name="TextBox 9"/>
+          <p:cNvSpPr txBox="1"/>
+          <p:nvPr/>
+        </p:nvSpPr>
+        <p:spPr>
+          <a:xfrm>
+            <a:off x="7977336" y="5226008"/>
+            <a:ext cx="2376264" cy="584775"/>
+          </a:xfrm>
+          <a:prstGeom prst="rect">
+            <a:avLst/>
+          </a:prstGeom>
+          <a:noFill/>
+        </p:spPr>
+        <p:txBody>
+          <a:bodyPr wrap="square" rtlCol="0">
+            <a:spAutoFit/>
+          </a:bodyPr>
+          <a:lstStyle/>
+          <a:p>
+            <a:r>
+              <a:rPr lang="en-ZA" sz="3200" dirty="0">
+                <a:latin typeface="Times New Roman" panose="02020603050405020304" pitchFamily="18" charset="0"/>
+                <a:cs typeface="Times New Roman" panose="02020603050405020304" pitchFamily="18" charset="0"/>
+              </a:rPr>
+              <a:t>9</a:t>
+            </a:r>
+            <a:r>
+              <a:rPr lang="en-ZA" sz="3200" dirty="0" smtClean="0">
+                <a:latin typeface="Times New Roman" panose="02020603050405020304" pitchFamily="18" charset="0"/>
+                <a:cs typeface="Times New Roman" panose="02020603050405020304" pitchFamily="18" charset="0"/>
+              </a:rPr>
+              <a:t>0°</a:t>
+            </a:r>
+            <a:endParaRPr lang="en-ZA" sz="3200" dirty="0">
+              <a:latin typeface="Times New Roman" panose="02020603050405020304" pitchFamily="18" charset="0"/>
+              <a:cs typeface="Times New Roman" panose="02020603050405020304" pitchFamily="18" charset="0"/>
+            </a:endParaRPr>
+          </a:p>
+        </p:txBody>
+      </p:sp>
     </p:spTree>
     <p:extLst>
       <p:ext uri="{BB962C8B-B14F-4D97-AF65-F5344CB8AC3E}">
-        <p14:creationId xmlns:p14="http://schemas.microsoft.com/office/powerpoint/2010/main" val="4054476912"/>
+        <p14:creationId xmlns:p14="http://schemas.microsoft.com/office/powerpoint/2010/main" val="2517507658"/>
       </p:ext>
     </p:extLst>
   </p:cSld>
@@ -3954,31 +4151,41 @@
           <a:p>
             <a:r>
               <a:rPr lang="en-ZA" dirty="0" smtClean="0"/>
-              <a:t>Future Work</a:t>
+              <a:t>Results: Hardware</a:t>
             </a:r>
             <a:endParaRPr lang="en-ZA" dirty="0"/>
           </a:p>
         </p:txBody>
       </p:sp>
-      <p:sp>
-        <p:nvSpPr>
-          <p:cNvPr id="3" name="Content Placeholder 2"/>
-          <p:cNvSpPr>
-            <a:spLocks noGrp="1"/>
-          </p:cNvSpPr>
+      <p:pic>
+        <p:nvPicPr>
+          <p:cNvPr id="5" name="Content Placeholder 4"/>
+          <p:cNvPicPr>
+            <a:picLocks noGrp="1" noChangeAspect="1"/>
+          </p:cNvPicPr>
           <p:nvPr>
             <p:ph idx="1"/>
           </p:nvPr>
-        </p:nvSpPr>
-        <p:spPr/>
-        <p:txBody>
-          <a:bodyPr/>
-          <a:lstStyle/>
-          <a:p>
-            <a:endParaRPr lang="en-ZA"/>
-          </a:p>
-        </p:txBody>
-      </p:sp>
+        </p:nvPicPr>
+        <p:blipFill>
+          <a:blip r:embed="rId2">
+            <a:extLst>
+              <a:ext uri="{28A0092B-C50C-407E-A947-70E740481C1C}">
+                <a14:useLocalDpi xmlns:a14="http://schemas.microsoft.com/office/drawing/2010/main" val="0"/>
+              </a:ext>
+            </a:extLst>
+          </a:blip>
+          <a:stretch>
+            <a:fillRect/>
+          </a:stretch>
+        </p:blipFill>
+        <p:spPr>
+          <a:xfrm>
+            <a:off x="628150" y="1627142"/>
+            <a:ext cx="7952731" cy="4696272"/>
+          </a:xfrm>
+        </p:spPr>
+      </p:pic>
       <p:sp>
         <p:nvSpPr>
           <p:cNvPr id="4" name="Slide Number Placeholder 3"/>
@@ -4005,7 +4212,7 @@
     </p:spTree>
     <p:extLst>
       <p:ext uri="{BB962C8B-B14F-4D97-AF65-F5344CB8AC3E}">
-        <p14:creationId xmlns:p14="http://schemas.microsoft.com/office/powerpoint/2010/main" val="832092564"/>
+        <p14:creationId xmlns:p14="http://schemas.microsoft.com/office/powerpoint/2010/main" val="16925167"/>
       </p:ext>
     </p:extLst>
   </p:cSld>
@@ -4049,20 +4256,49 @@
           <a:p>
             <a:r>
               <a:rPr lang="en-ZA" dirty="0" smtClean="0"/>
-              <a:t>Conclusion</a:t>
+              <a:t>Results: Hardware</a:t>
             </a:r>
             <a:endParaRPr lang="en-ZA" dirty="0"/>
           </a:p>
         </p:txBody>
       </p:sp>
-      <p:sp>
-        <p:nvSpPr>
-          <p:cNvPr id="3" name="Content Placeholder 2"/>
+      <p:pic>
+        <p:nvPicPr>
+          <p:cNvPr id="5" name="Content Placeholder 4"/>
+          <p:cNvPicPr>
+            <a:picLocks noGrp="1" noChangeAspect="1"/>
+          </p:cNvPicPr>
+          <p:nvPr>
+            <p:ph idx="1"/>
+          </p:nvPr>
+        </p:nvPicPr>
+        <p:blipFill>
+          <a:blip r:embed="rId2">
+            <a:extLst>
+              <a:ext uri="{28A0092B-C50C-407E-A947-70E740481C1C}">
+                <a14:useLocalDpi xmlns:a14="http://schemas.microsoft.com/office/drawing/2010/main" val="0"/>
+              </a:ext>
+            </a:extLst>
+          </a:blip>
+          <a:stretch>
+            <a:fillRect/>
+          </a:stretch>
+        </p:blipFill>
+        <p:spPr>
+          <a:xfrm>
+            <a:off x="3368824" y="1891384"/>
+            <a:ext cx="3237370" cy="3083942"/>
+          </a:xfrm>
+        </p:spPr>
+      </p:pic>
+      <p:sp>
+        <p:nvSpPr>
+          <p:cNvPr id="4" name="Slide Number Placeholder 3"/>
           <p:cNvSpPr>
             <a:spLocks noGrp="1"/>
           </p:cNvSpPr>
           <p:nvPr>
-            <p:ph idx="1"/>
+            <p:ph type="sldNum" sz="quarter" idx="10"/>
           </p:nvPr>
         </p:nvSpPr>
         <p:spPr/>
@@ -4070,18 +4306,227 @@
           <a:bodyPr/>
           <a:lstStyle/>
           <a:p>
-            <a:endParaRPr lang="en-ZA"/>
-          </a:p>
-        </p:txBody>
-      </p:sp>
-      <p:sp>
-        <p:nvSpPr>
-          <p:cNvPr id="4" name="Slide Number Placeholder 3"/>
+            <a:fld id="{960946CE-1557-8048-9DCC-53092B682325}" type="slidenum">
+              <a:rPr lang="en-US" smtClean="0"/>
+              <a:t>13</a:t>
+            </a:fld>
+            <a:endParaRPr lang="en-US" dirty="0"/>
+          </a:p>
+        </p:txBody>
+      </p:sp>
+      <p:pic>
+        <p:nvPicPr>
+          <p:cNvPr id="6" name="Picture 5"/>
+          <p:cNvPicPr>
+            <a:picLocks noChangeAspect="1"/>
+          </p:cNvPicPr>
+          <p:nvPr/>
+        </p:nvPicPr>
+        <p:blipFill>
+          <a:blip r:embed="rId3">
+            <a:extLst>
+              <a:ext uri="{28A0092B-C50C-407E-A947-70E740481C1C}">
+                <a14:useLocalDpi xmlns:a14="http://schemas.microsoft.com/office/drawing/2010/main" val="0"/>
+              </a:ext>
+            </a:extLst>
+          </a:blip>
+          <a:stretch>
+            <a:fillRect/>
+          </a:stretch>
+        </p:blipFill>
+        <p:spPr>
+          <a:xfrm>
+            <a:off x="0" y="1891384"/>
+            <a:ext cx="3224808" cy="3083942"/>
+          </a:xfrm>
+          <a:prstGeom prst="rect">
+            <a:avLst/>
+          </a:prstGeom>
+        </p:spPr>
+      </p:pic>
+      <p:pic>
+        <p:nvPicPr>
+          <p:cNvPr id="7" name="Picture 6"/>
+          <p:cNvPicPr>
+            <a:picLocks noChangeAspect="1"/>
+          </p:cNvPicPr>
+          <p:nvPr/>
+        </p:nvPicPr>
+        <p:blipFill>
+          <a:blip r:embed="rId4">
+            <a:extLst>
+              <a:ext uri="{28A0092B-C50C-407E-A947-70E740481C1C}">
+                <a14:useLocalDpi xmlns:a14="http://schemas.microsoft.com/office/drawing/2010/main" val="0"/>
+              </a:ext>
+            </a:extLst>
+          </a:blip>
+          <a:stretch>
+            <a:fillRect/>
+          </a:stretch>
+        </p:blipFill>
+        <p:spPr>
+          <a:xfrm>
+            <a:off x="6625194" y="1891385"/>
+            <a:ext cx="3184560" cy="3083942"/>
+          </a:xfrm>
+          <a:prstGeom prst="rect">
+            <a:avLst/>
+          </a:prstGeom>
+        </p:spPr>
+      </p:pic>
+      <p:sp>
+        <p:nvSpPr>
+          <p:cNvPr id="9" name="TextBox 8"/>
+          <p:cNvSpPr txBox="1"/>
+          <p:nvPr/>
+        </p:nvSpPr>
+        <p:spPr>
+          <a:xfrm>
+            <a:off x="4605048" y="4975326"/>
+            <a:ext cx="2376264" cy="584775"/>
+          </a:xfrm>
+          <a:prstGeom prst="rect">
+            <a:avLst/>
+          </a:prstGeom>
+          <a:noFill/>
+        </p:spPr>
+        <p:txBody>
+          <a:bodyPr wrap="square" rtlCol="0">
+            <a:spAutoFit/>
+          </a:bodyPr>
+          <a:lstStyle/>
+          <a:p>
+            <a:r>
+              <a:rPr lang="en-ZA" sz="3200" dirty="0" smtClean="0">
+                <a:latin typeface="Times New Roman" panose="02020603050405020304" pitchFamily="18" charset="0"/>
+                <a:cs typeface="Times New Roman" panose="02020603050405020304" pitchFamily="18" charset="0"/>
+              </a:rPr>
+              <a:t>90°</a:t>
+            </a:r>
+            <a:endParaRPr lang="en-ZA" sz="3200" dirty="0">
+              <a:latin typeface="Times New Roman" panose="02020603050405020304" pitchFamily="18" charset="0"/>
+              <a:cs typeface="Times New Roman" panose="02020603050405020304" pitchFamily="18" charset="0"/>
+            </a:endParaRPr>
+          </a:p>
+        </p:txBody>
+      </p:sp>
+      <p:sp>
+        <p:nvSpPr>
+          <p:cNvPr id="10" name="TextBox 9"/>
+          <p:cNvSpPr txBox="1"/>
+          <p:nvPr/>
+        </p:nvSpPr>
+        <p:spPr>
+          <a:xfrm>
+            <a:off x="1218711" y="4945545"/>
+            <a:ext cx="2376264" cy="584775"/>
+          </a:xfrm>
+          <a:prstGeom prst="rect">
+            <a:avLst/>
+          </a:prstGeom>
+          <a:noFill/>
+        </p:spPr>
+        <p:txBody>
+          <a:bodyPr wrap="square" rtlCol="0">
+            <a:spAutoFit/>
+          </a:bodyPr>
+          <a:lstStyle/>
+          <a:p>
+            <a:r>
+              <a:rPr lang="en-ZA" sz="3200" dirty="0" smtClean="0">
+                <a:latin typeface="Times New Roman" panose="02020603050405020304" pitchFamily="18" charset="0"/>
+                <a:cs typeface="Times New Roman" panose="02020603050405020304" pitchFamily="18" charset="0"/>
+              </a:rPr>
+              <a:t>60°</a:t>
+            </a:r>
+            <a:endParaRPr lang="en-ZA" sz="3200" dirty="0">
+              <a:latin typeface="Times New Roman" panose="02020603050405020304" pitchFamily="18" charset="0"/>
+              <a:cs typeface="Times New Roman" panose="02020603050405020304" pitchFamily="18" charset="0"/>
+            </a:endParaRPr>
+          </a:p>
+        </p:txBody>
+      </p:sp>
+      <p:sp>
+        <p:nvSpPr>
+          <p:cNvPr id="11" name="TextBox 10"/>
+          <p:cNvSpPr txBox="1"/>
+          <p:nvPr/>
+        </p:nvSpPr>
+        <p:spPr>
+          <a:xfrm>
+            <a:off x="7813326" y="4945544"/>
+            <a:ext cx="2376264" cy="584775"/>
+          </a:xfrm>
+          <a:prstGeom prst="rect">
+            <a:avLst/>
+          </a:prstGeom>
+          <a:noFill/>
+        </p:spPr>
+        <p:txBody>
+          <a:bodyPr wrap="square" rtlCol="0">
+            <a:spAutoFit/>
+          </a:bodyPr>
+          <a:lstStyle/>
+          <a:p>
+            <a:r>
+              <a:rPr lang="en-ZA" sz="3200" dirty="0" smtClean="0">
+                <a:latin typeface="Times New Roman" panose="02020603050405020304" pitchFamily="18" charset="0"/>
+                <a:cs typeface="Times New Roman" panose="02020603050405020304" pitchFamily="18" charset="0"/>
+              </a:rPr>
+              <a:t>120°</a:t>
+            </a:r>
+            <a:endParaRPr lang="en-ZA" sz="3200" dirty="0">
+              <a:latin typeface="Times New Roman" panose="02020603050405020304" pitchFamily="18" charset="0"/>
+              <a:cs typeface="Times New Roman" panose="02020603050405020304" pitchFamily="18" charset="0"/>
+            </a:endParaRPr>
+          </a:p>
+        </p:txBody>
+      </p:sp>
+    </p:spTree>
+    <p:extLst>
+      <p:ext uri="{BB962C8B-B14F-4D97-AF65-F5344CB8AC3E}">
+        <p14:creationId xmlns:p14="http://schemas.microsoft.com/office/powerpoint/2010/main" val="4054476912"/>
+      </p:ext>
+    </p:extLst>
+  </p:cSld>
+  <p:clrMapOvr>
+    <a:masterClrMapping/>
+  </p:clrMapOvr>
+  <p:timing>
+    <p:tnLst>
+      <p:par>
+        <p:cTn id="1" dur="indefinite" restart="never" nodeType="tmRoot"/>
+      </p:par>
+    </p:tnLst>
+  </p:timing>
+</p:sld>
+</file>
+
+<file path=ppt/slides/slide14.xml><?xml version="1.0" encoding="utf-8"?>
+<p:sld xmlns:a="http://schemas.openxmlformats.org/drawingml/2006/main" xmlns:r="http://schemas.openxmlformats.org/officeDocument/2006/relationships" xmlns:p="http://schemas.openxmlformats.org/presentationml/2006/main">
+  <p:cSld>
+    <p:spTree>
+      <p:nvGrpSpPr>
+        <p:cNvPr id="1" name=""/>
+        <p:cNvGrpSpPr/>
+        <p:nvPr/>
+      </p:nvGrpSpPr>
+      <p:grpSpPr>
+        <a:xfrm>
+          <a:off x="0" y="0"/>
+          <a:ext cx="0" cy="0"/>
+          <a:chOff x="0" y="0"/>
+          <a:chExt cx="0" cy="0"/>
+        </a:xfrm>
+      </p:grpSpPr>
+      <p:sp>
+        <p:nvSpPr>
+          <p:cNvPr id="2" name="Title 1"/>
           <p:cNvSpPr>
             <a:spLocks noGrp="1"/>
           </p:cNvSpPr>
           <p:nvPr>
-            <p:ph type="sldNum" sz="quarter" idx="10"/>
+            <p:ph type="title"/>
           </p:nvPr>
         </p:nvSpPr>
         <p:spPr/>
@@ -4089,9 +4534,153 @@
           <a:bodyPr/>
           <a:lstStyle/>
           <a:p>
+            <a:r>
+              <a:rPr lang="en-ZA" dirty="0" smtClean="0"/>
+              <a:t>Future Work</a:t>
+            </a:r>
+            <a:endParaRPr lang="en-ZA" dirty="0"/>
+          </a:p>
+        </p:txBody>
+      </p:sp>
+      <p:sp>
+        <p:nvSpPr>
+          <p:cNvPr id="3" name="Content Placeholder 2"/>
+          <p:cNvSpPr>
+            <a:spLocks noGrp="1"/>
+          </p:cNvSpPr>
+          <p:nvPr>
+            <p:ph idx="1"/>
+          </p:nvPr>
+        </p:nvSpPr>
+        <p:spPr/>
+        <p:txBody>
+          <a:bodyPr/>
+          <a:lstStyle/>
+          <a:p>
+            <a:endParaRPr lang="en-ZA"/>
+          </a:p>
+        </p:txBody>
+      </p:sp>
+      <p:sp>
+        <p:nvSpPr>
+          <p:cNvPr id="4" name="Slide Number Placeholder 3"/>
+          <p:cNvSpPr>
+            <a:spLocks noGrp="1"/>
+          </p:cNvSpPr>
+          <p:nvPr>
+            <p:ph type="sldNum" sz="quarter" idx="10"/>
+          </p:nvPr>
+        </p:nvSpPr>
+        <p:spPr/>
+        <p:txBody>
+          <a:bodyPr/>
+          <a:lstStyle/>
+          <a:p>
             <a:fld id="{960946CE-1557-8048-9DCC-53092B682325}" type="slidenum">
               <a:rPr lang="en-US" smtClean="0"/>
-              <a:t>13</a:t>
+              <a:t>14</a:t>
+            </a:fld>
+            <a:endParaRPr lang="en-US" dirty="0"/>
+          </a:p>
+        </p:txBody>
+      </p:sp>
+    </p:spTree>
+    <p:extLst>
+      <p:ext uri="{BB962C8B-B14F-4D97-AF65-F5344CB8AC3E}">
+        <p14:creationId xmlns:p14="http://schemas.microsoft.com/office/powerpoint/2010/main" val="832092564"/>
+      </p:ext>
+    </p:extLst>
+  </p:cSld>
+  <p:clrMapOvr>
+    <a:masterClrMapping/>
+  </p:clrMapOvr>
+  <p:timing>
+    <p:tnLst>
+      <p:par>
+        <p:cTn id="1" dur="indefinite" restart="never" nodeType="tmRoot"/>
+      </p:par>
+    </p:tnLst>
+  </p:timing>
+</p:sld>
+</file>
+
+<file path=ppt/slides/slide15.xml><?xml version="1.0" encoding="utf-8"?>
+<p:sld xmlns:a="http://schemas.openxmlformats.org/drawingml/2006/main" xmlns:r="http://schemas.openxmlformats.org/officeDocument/2006/relationships" xmlns:p="http://schemas.openxmlformats.org/presentationml/2006/main">
+  <p:cSld>
+    <p:spTree>
+      <p:nvGrpSpPr>
+        <p:cNvPr id="1" name=""/>
+        <p:cNvGrpSpPr/>
+        <p:nvPr/>
+      </p:nvGrpSpPr>
+      <p:grpSpPr>
+        <a:xfrm>
+          <a:off x="0" y="0"/>
+          <a:ext cx="0" cy="0"/>
+          <a:chOff x="0" y="0"/>
+          <a:chExt cx="0" cy="0"/>
+        </a:xfrm>
+      </p:grpSpPr>
+      <p:sp>
+        <p:nvSpPr>
+          <p:cNvPr id="2" name="Title 1"/>
+          <p:cNvSpPr>
+            <a:spLocks noGrp="1"/>
+          </p:cNvSpPr>
+          <p:nvPr>
+            <p:ph type="title"/>
+          </p:nvPr>
+        </p:nvSpPr>
+        <p:spPr/>
+        <p:txBody>
+          <a:bodyPr/>
+          <a:lstStyle/>
+          <a:p>
+            <a:r>
+              <a:rPr lang="en-ZA" dirty="0" smtClean="0"/>
+              <a:t>Conclusion</a:t>
+            </a:r>
+            <a:endParaRPr lang="en-ZA" dirty="0"/>
+          </a:p>
+        </p:txBody>
+      </p:sp>
+      <p:sp>
+        <p:nvSpPr>
+          <p:cNvPr id="3" name="Content Placeholder 2"/>
+          <p:cNvSpPr>
+            <a:spLocks noGrp="1"/>
+          </p:cNvSpPr>
+          <p:nvPr>
+            <p:ph idx="1"/>
+          </p:nvPr>
+        </p:nvSpPr>
+        <p:spPr/>
+        <p:txBody>
+          <a:bodyPr/>
+          <a:lstStyle/>
+          <a:p>
+            <a:endParaRPr lang="en-ZA"/>
+          </a:p>
+        </p:txBody>
+      </p:sp>
+      <p:sp>
+        <p:nvSpPr>
+          <p:cNvPr id="4" name="Slide Number Placeholder 3"/>
+          <p:cNvSpPr>
+            <a:spLocks noGrp="1"/>
+          </p:cNvSpPr>
+          <p:nvPr>
+            <p:ph type="sldNum" sz="quarter" idx="10"/>
+          </p:nvPr>
+        </p:nvSpPr>
+        <p:spPr/>
+        <p:txBody>
+          <a:bodyPr/>
+          <a:lstStyle/>
+          <a:p>
+            <a:fld id="{960946CE-1557-8048-9DCC-53092B682325}" type="slidenum">
+              <a:rPr lang="en-US" smtClean="0"/>
+              <a:t>15</a:t>
             </a:fld>
             <a:endParaRPr lang="en-US" dirty="0"/>
           </a:p>
@@ -5409,25 +5998,471 @@
           </a:p>
         </p:txBody>
       </p:sp>
-      <p:sp>
-        <p:nvSpPr>
-          <p:cNvPr id="3" name="Content Placeholder 2"/>
-          <p:cNvSpPr>
-            <a:spLocks noGrp="1"/>
-          </p:cNvSpPr>
+      <p:graphicFrame>
+        <p:nvGraphicFramePr>
+          <p:cNvPr id="5" name="Content Placeholder 4"/>
+          <p:cNvGraphicFramePr>
+            <a:graphicFrameLocks noGrp="1"/>
+          </p:cNvGraphicFramePr>
           <p:nvPr>
             <p:ph idx="1"/>
-          </p:nvPr>
-        </p:nvSpPr>
-        <p:spPr/>
-        <p:txBody>
-          <a:bodyPr/>
-          <a:lstStyle/>
-          <a:p>
-            <a:endParaRPr lang="en-ZA"/>
-          </a:p>
-        </p:txBody>
-      </p:sp>
+            <p:extLst>
+              <p:ext uri="{D42A27DB-BD31-4B8C-83A1-F6EECF244321}">
+                <p14:modId xmlns:p14="http://schemas.microsoft.com/office/powerpoint/2010/main" val="3312312482"/>
+              </p:ext>
+            </p:extLst>
+          </p:nvPr>
+        </p:nvGraphicFramePr>
+        <p:xfrm>
+          <a:off x="1852139" y="1663413"/>
+          <a:ext cx="5867400" cy="4450080"/>
+        </p:xfrm>
+        <a:graphic>
+          <a:graphicData uri="http://schemas.openxmlformats.org/drawingml/2006/table">
+            <a:tbl>
+              <a:tblPr firstRow="1" bandRow="1">
+                <a:tableStyleId>{5C22544A-7EE6-4342-B048-85BDC9FD1C3A}</a:tableStyleId>
+              </a:tblPr>
+              <a:tblGrid>
+                <a:gridCol w="4108973">
+                  <a:extLst>
+                    <a:ext uri="{9D8B030D-6E8A-4147-A177-3AD203B41FA5}">
+                      <a16:colId xmlns:a16="http://schemas.microsoft.com/office/drawing/2014/main" val="641060483"/>
+                    </a:ext>
+                  </a:extLst>
+                </a:gridCol>
+                <a:gridCol w="1758427">
+                  <a:extLst>
+                    <a:ext uri="{9D8B030D-6E8A-4147-A177-3AD203B41FA5}">
+                      <a16:colId xmlns:a16="http://schemas.microsoft.com/office/drawing/2014/main" val="1147500092"/>
+                    </a:ext>
+                  </a:extLst>
+                </a:gridCol>
+              </a:tblGrid>
+              <a:tr h="370840">
+                <a:tc>
+                  <a:txBody>
+                    <a:bodyPr/>
+                    <a:lstStyle/>
+                    <a:p>
+                      <a:r>
+                        <a:rPr lang="en-ZA" dirty="0" smtClean="0"/>
+                        <a:t>Component</a:t>
+                      </a:r>
+                      <a:endParaRPr lang="en-ZA" dirty="0"/>
+                    </a:p>
+                  </a:txBody>
+                  <a:tcPr/>
+                </a:tc>
+                <a:tc>
+                  <a:txBody>
+                    <a:bodyPr/>
+                    <a:lstStyle/>
+                    <a:p>
+                      <a:r>
+                        <a:rPr lang="en-ZA" dirty="0" smtClean="0"/>
+                        <a:t>Cost (R)</a:t>
+                      </a:r>
+                      <a:endParaRPr lang="en-ZA" dirty="0"/>
+                    </a:p>
+                  </a:txBody>
+                  <a:tcPr/>
+                </a:tc>
+                <a:extLst>
+                  <a:ext uri="{0D108BD9-81ED-4DB2-BD59-A6C34878D82A}">
+                    <a16:rowId xmlns:a16="http://schemas.microsoft.com/office/drawing/2014/main" val="1100728770"/>
+                  </a:ext>
+                </a:extLst>
+              </a:tr>
+              <a:tr h="370840">
+                <a:tc>
+                  <a:txBody>
+                    <a:bodyPr/>
+                    <a:lstStyle/>
+                    <a:p>
+                      <a:r>
+                        <a:rPr lang="en-ZA" dirty="0" smtClean="0"/>
+                        <a:t>Arduino Due</a:t>
+                      </a:r>
+                      <a:endParaRPr lang="en-ZA" dirty="0"/>
+                    </a:p>
+                  </a:txBody>
+                  <a:tcPr/>
+                </a:tc>
+                <a:tc>
+                  <a:txBody>
+                    <a:bodyPr/>
+                    <a:lstStyle/>
+                    <a:p>
+                      <a:r>
+                        <a:rPr lang="en-ZA" dirty="0" smtClean="0"/>
+                        <a:t>569.00</a:t>
+                      </a:r>
+                      <a:endParaRPr lang="en-ZA" dirty="0"/>
+                    </a:p>
+                  </a:txBody>
+                  <a:tcPr/>
+                </a:tc>
+                <a:extLst>
+                  <a:ext uri="{0D108BD9-81ED-4DB2-BD59-A6C34878D82A}">
+                    <a16:rowId xmlns:a16="http://schemas.microsoft.com/office/drawing/2014/main" val="1538700946"/>
+                  </a:ext>
+                </a:extLst>
+              </a:tr>
+              <a:tr h="370840">
+                <a:tc>
+                  <a:txBody>
+                    <a:bodyPr/>
+                    <a:lstStyle/>
+                    <a:p>
+                      <a:r>
+                        <a:rPr lang="en-ZA" dirty="0" smtClean="0"/>
+                        <a:t>MAX9814 Microphone Amplifier x4</a:t>
+                      </a:r>
+                      <a:endParaRPr lang="en-ZA" dirty="0"/>
+                    </a:p>
+                  </a:txBody>
+                  <a:tcPr/>
+                </a:tc>
+                <a:tc>
+                  <a:txBody>
+                    <a:bodyPr/>
+                    <a:lstStyle/>
+                    <a:p>
+                      <a:r>
+                        <a:rPr lang="en-ZA" dirty="0" smtClean="0"/>
+                        <a:t>546.00</a:t>
+                      </a:r>
+                      <a:endParaRPr lang="en-ZA" dirty="0"/>
+                    </a:p>
+                  </a:txBody>
+                  <a:tcPr/>
+                </a:tc>
+                <a:extLst>
+                  <a:ext uri="{0D108BD9-81ED-4DB2-BD59-A6C34878D82A}">
+                    <a16:rowId xmlns:a16="http://schemas.microsoft.com/office/drawing/2014/main" val="3854310482"/>
+                  </a:ext>
+                </a:extLst>
+              </a:tr>
+              <a:tr h="370840">
+                <a:tc>
+                  <a:txBody>
+                    <a:bodyPr/>
+                    <a:lstStyle/>
+                    <a:p>
+                      <a:r>
+                        <a:rPr lang="en-ZA" dirty="0" smtClean="0"/>
+                        <a:t>LM358 x5</a:t>
+                      </a:r>
+                      <a:endParaRPr lang="en-ZA" dirty="0"/>
+                    </a:p>
+                  </a:txBody>
+                  <a:tcPr/>
+                </a:tc>
+                <a:tc>
+                  <a:txBody>
+                    <a:bodyPr/>
+                    <a:lstStyle/>
+                    <a:p>
+                      <a:r>
+                        <a:rPr lang="en-ZA" dirty="0" smtClean="0"/>
+                        <a:t>16.05</a:t>
+                      </a:r>
+                      <a:endParaRPr lang="en-ZA" dirty="0"/>
+                    </a:p>
+                  </a:txBody>
+                  <a:tcPr/>
+                </a:tc>
+                <a:extLst>
+                  <a:ext uri="{0D108BD9-81ED-4DB2-BD59-A6C34878D82A}">
+                    <a16:rowId xmlns:a16="http://schemas.microsoft.com/office/drawing/2014/main" val="4094742816"/>
+                  </a:ext>
+                </a:extLst>
+              </a:tr>
+              <a:tr h="370840">
+                <a:tc>
+                  <a:txBody>
+                    <a:bodyPr/>
+                    <a:lstStyle/>
+                    <a:p>
+                      <a:r>
+                        <a:rPr lang="en-ZA" dirty="0" smtClean="0"/>
+                        <a:t>LM386 </a:t>
+                      </a:r>
+                      <a:endParaRPr lang="en-ZA" dirty="0"/>
+                    </a:p>
+                  </a:txBody>
+                  <a:tcPr/>
+                </a:tc>
+                <a:tc>
+                  <a:txBody>
+                    <a:bodyPr/>
+                    <a:lstStyle/>
+                    <a:p>
+                      <a:r>
+                        <a:rPr lang="en-ZA" dirty="0" smtClean="0"/>
+                        <a:t>15.75</a:t>
+                      </a:r>
+                      <a:endParaRPr lang="en-ZA" dirty="0"/>
+                    </a:p>
+                  </a:txBody>
+                  <a:tcPr/>
+                </a:tc>
+                <a:extLst>
+                  <a:ext uri="{0D108BD9-81ED-4DB2-BD59-A6C34878D82A}">
+                    <a16:rowId xmlns:a16="http://schemas.microsoft.com/office/drawing/2014/main" val="3540657552"/>
+                  </a:ext>
+                </a:extLst>
+              </a:tr>
+              <a:tr h="370840">
+                <a:tc>
+                  <a:txBody>
+                    <a:bodyPr/>
+                    <a:lstStyle/>
+                    <a:p>
+                      <a:r>
+                        <a:rPr lang="en-ZA" dirty="0" smtClean="0"/>
+                        <a:t>Headphone Jack</a:t>
+                      </a:r>
+                      <a:endParaRPr lang="en-ZA" dirty="0"/>
+                    </a:p>
+                  </a:txBody>
+                  <a:tcPr/>
+                </a:tc>
+                <a:tc>
+                  <a:txBody>
+                    <a:bodyPr/>
+                    <a:lstStyle/>
+                    <a:p>
+                      <a:r>
+                        <a:rPr lang="en-ZA" dirty="0" smtClean="0"/>
+                        <a:t>16.31</a:t>
+                      </a:r>
+                      <a:endParaRPr lang="en-ZA" dirty="0"/>
+                    </a:p>
+                  </a:txBody>
+                  <a:tcPr/>
+                </a:tc>
+                <a:extLst>
+                  <a:ext uri="{0D108BD9-81ED-4DB2-BD59-A6C34878D82A}">
+                    <a16:rowId xmlns:a16="http://schemas.microsoft.com/office/drawing/2014/main" val="2626417538"/>
+                  </a:ext>
+                </a:extLst>
+              </a:tr>
+              <a:tr h="370840">
+                <a:tc>
+                  <a:txBody>
+                    <a:bodyPr/>
+                    <a:lstStyle/>
+                    <a:p>
+                      <a:r>
+                        <a:rPr lang="en-ZA" dirty="0" smtClean="0"/>
+                        <a:t>9V Battery</a:t>
+                      </a:r>
+                      <a:endParaRPr lang="en-ZA" dirty="0"/>
+                    </a:p>
+                  </a:txBody>
+                  <a:tcPr/>
+                </a:tc>
+                <a:tc>
+                  <a:txBody>
+                    <a:bodyPr/>
+                    <a:lstStyle/>
+                    <a:p>
+                      <a:r>
+                        <a:rPr lang="en-ZA" dirty="0" smtClean="0"/>
+                        <a:t>70.00</a:t>
+                      </a:r>
+                      <a:endParaRPr lang="en-ZA" dirty="0"/>
+                    </a:p>
+                  </a:txBody>
+                  <a:tcPr/>
+                </a:tc>
+                <a:extLst>
+                  <a:ext uri="{0D108BD9-81ED-4DB2-BD59-A6C34878D82A}">
+                    <a16:rowId xmlns:a16="http://schemas.microsoft.com/office/drawing/2014/main" val="1235677700"/>
+                  </a:ext>
+                </a:extLst>
+              </a:tr>
+              <a:tr h="370840">
+                <a:tc>
+                  <a:txBody>
+                    <a:bodyPr/>
+                    <a:lstStyle/>
+                    <a:p>
+                      <a:r>
+                        <a:rPr lang="en-ZA" dirty="0" err="1" smtClean="0"/>
+                        <a:t>Veroboard</a:t>
+                      </a:r>
+                      <a:endParaRPr lang="en-ZA" dirty="0"/>
+                    </a:p>
+                  </a:txBody>
+                  <a:tcPr/>
+                </a:tc>
+                <a:tc>
+                  <a:txBody>
+                    <a:bodyPr/>
+                    <a:lstStyle/>
+                    <a:p>
+                      <a:r>
+                        <a:rPr lang="en-ZA" dirty="0" smtClean="0"/>
+                        <a:t>49.70</a:t>
+                      </a:r>
+                      <a:endParaRPr lang="en-ZA" dirty="0"/>
+                    </a:p>
+                  </a:txBody>
+                  <a:tcPr/>
+                </a:tc>
+                <a:extLst>
+                  <a:ext uri="{0D108BD9-81ED-4DB2-BD59-A6C34878D82A}">
+                    <a16:rowId xmlns:a16="http://schemas.microsoft.com/office/drawing/2014/main" val="2755522816"/>
+                  </a:ext>
+                </a:extLst>
+              </a:tr>
+              <a:tr h="370840">
+                <a:tc>
+                  <a:txBody>
+                    <a:bodyPr/>
+                    <a:lstStyle/>
+                    <a:p>
+                      <a:r>
+                        <a:rPr lang="en-ZA" dirty="0" smtClean="0"/>
+                        <a:t>Headphones </a:t>
+                      </a:r>
+                      <a:endParaRPr lang="en-ZA" dirty="0"/>
+                    </a:p>
+                  </a:txBody>
+                  <a:tcPr/>
+                </a:tc>
+                <a:tc>
+                  <a:txBody>
+                    <a:bodyPr/>
+                    <a:lstStyle/>
+                    <a:p>
+                      <a:r>
+                        <a:rPr lang="en-ZA" dirty="0" smtClean="0"/>
+                        <a:t>69.90</a:t>
+                      </a:r>
+                      <a:endParaRPr lang="en-ZA" dirty="0"/>
+                    </a:p>
+                  </a:txBody>
+                  <a:tcPr/>
+                </a:tc>
+                <a:extLst>
+                  <a:ext uri="{0D108BD9-81ED-4DB2-BD59-A6C34878D82A}">
+                    <a16:rowId xmlns:a16="http://schemas.microsoft.com/office/drawing/2014/main" val="754826805"/>
+                  </a:ext>
+                </a:extLst>
+              </a:tr>
+              <a:tr h="370840">
+                <a:tc>
+                  <a:txBody>
+                    <a:bodyPr/>
+                    <a:lstStyle/>
+                    <a:p>
+                      <a:r>
+                        <a:rPr lang="en-ZA" dirty="0" smtClean="0"/>
+                        <a:t>Casing</a:t>
+                      </a:r>
+                      <a:endParaRPr lang="en-ZA" dirty="0"/>
+                    </a:p>
+                  </a:txBody>
+                  <a:tcPr/>
+                </a:tc>
+                <a:tc>
+                  <a:txBody>
+                    <a:bodyPr/>
+                    <a:lstStyle/>
+                    <a:p>
+                      <a:r>
+                        <a:rPr lang="en-ZA" dirty="0" smtClean="0"/>
+                        <a:t>59.90</a:t>
+                      </a:r>
+                      <a:endParaRPr lang="en-ZA" dirty="0"/>
+                    </a:p>
+                  </a:txBody>
+                  <a:tcPr/>
+                </a:tc>
+                <a:extLst>
+                  <a:ext uri="{0D108BD9-81ED-4DB2-BD59-A6C34878D82A}">
+                    <a16:rowId xmlns:a16="http://schemas.microsoft.com/office/drawing/2014/main" val="2456114939"/>
+                  </a:ext>
+                </a:extLst>
+              </a:tr>
+              <a:tr h="370840">
+                <a:tc>
+                  <a:txBody>
+                    <a:bodyPr/>
+                    <a:lstStyle/>
+                    <a:p>
+                      <a:r>
+                        <a:rPr lang="en-ZA" dirty="0" err="1" smtClean="0"/>
+                        <a:t>Miscellanous</a:t>
+                      </a:r>
+                      <a:endParaRPr lang="en-ZA" dirty="0"/>
+                    </a:p>
+                  </a:txBody>
+                  <a:tcPr/>
+                </a:tc>
+                <a:tc>
+                  <a:txBody>
+                    <a:bodyPr/>
+                    <a:lstStyle/>
+                    <a:p>
+                      <a:r>
+                        <a:rPr lang="en-ZA" dirty="0" smtClean="0"/>
+                        <a:t>50.00</a:t>
+                      </a:r>
+                      <a:endParaRPr lang="en-ZA" dirty="0"/>
+                    </a:p>
+                  </a:txBody>
+                  <a:tcPr/>
+                </a:tc>
+                <a:extLst>
+                  <a:ext uri="{0D108BD9-81ED-4DB2-BD59-A6C34878D82A}">
+                    <a16:rowId xmlns:a16="http://schemas.microsoft.com/office/drawing/2014/main" val="2549029190"/>
+                  </a:ext>
+                </a:extLst>
+              </a:tr>
+              <a:tr h="370840">
+                <a:tc>
+                  <a:txBody>
+                    <a:bodyPr/>
+                    <a:lstStyle/>
+                    <a:p>
+                      <a:r>
+                        <a:rPr lang="en-ZA" b="1" dirty="0" smtClean="0"/>
+                        <a:t>Total</a:t>
+                      </a:r>
+                      <a:endParaRPr lang="en-ZA" b="1" dirty="0"/>
+                    </a:p>
+                  </a:txBody>
+                  <a:tcPr/>
+                </a:tc>
+                <a:tc>
+                  <a:txBody>
+                    <a:bodyPr/>
+                    <a:lstStyle/>
+                    <a:p>
+                      <a:r>
+                        <a:rPr lang="en-ZA" b="1" dirty="0" smtClean="0"/>
+                        <a:t>1462.61</a:t>
+                      </a:r>
+                      <a:endParaRPr lang="en-ZA" b="1" dirty="0"/>
+                    </a:p>
+                  </a:txBody>
+                  <a:tcPr/>
+                </a:tc>
+                <a:extLst>
+                  <a:ext uri="{0D108BD9-81ED-4DB2-BD59-A6C34878D82A}">
+                    <a16:rowId xmlns:a16="http://schemas.microsoft.com/office/drawing/2014/main" val="56862053"/>
+                  </a:ext>
+                </a:extLst>
+              </a:tr>
+            </a:tbl>
+          </a:graphicData>
+        </a:graphic>
+      </p:graphicFrame>
       <p:sp>
         <p:nvSpPr>
           <p:cNvPr id="4" name="Slide Number Placeholder 3"/>
@@ -5684,7 +6719,7 @@
           <a:ln/>
           <a:extLst>
             <a:ext uri="{91240B29-F687-4f45-9708-019B960494DF}">
-              <a14:hiddenLine xmlns:a14="http://schemas.microsoft.com/office/drawing/2010/main" xmlns="" w="9525" cap="flat" cmpd="sng" algn="ctr">
+              <a14:hiddenLine xmlns="" xmlns:a14="http://schemas.microsoft.com/office/drawing/2010/main" w="9525" cap="flat" cmpd="sng" algn="ctr">
                 <a:solidFill>
                   <a:schemeClr val="tx1"/>
                 </a:solidFill>
@@ -5695,7 +6730,7 @@
               </a14:hiddenLine>
             </a:ext>
             <a:ext uri="{AF507438-7753-43e0-B8FC-AC1667EBCBE1}">
-              <a14:hiddenEffects xmlns:a14="http://schemas.microsoft.com/office/drawing/2010/main" xmlns="">
+              <a14:hiddenEffects xmlns="" xmlns:a14="http://schemas.microsoft.com/office/drawing/2010/main">
                 <a:effectLst>
                   <a:outerShdw dist="35921" dir="2700000" algn="ctr" rotWithShape="0">
                     <a:schemeClr val="bg2"/>
@@ -5984,7 +7019,7 @@
         <a:effectLst/>
         <a:extLst>
           <a:ext uri="{91240B29-F687-4f45-9708-019B960494DF}">
-            <a14:hiddenLine xmlns:a14="http://schemas.microsoft.com/office/drawing/2010/main" xmlns="" w="9525" cap="flat" cmpd="sng" algn="ctr">
+            <a14:hiddenLine xmlns="" xmlns:a14="http://schemas.microsoft.com/office/drawing/2010/main" w="9525" cap="flat" cmpd="sng" algn="ctr">
               <a:solidFill>
                 <a:schemeClr val="tx1"/>
               </a:solidFill>
@@ -5995,7 +7030,7 @@
             </a14:hiddenLine>
           </a:ext>
           <a:ext uri="{AF507438-7753-43e0-B8FC-AC1667EBCBE1}">
-            <a14:hiddenEffects xmlns:a14="http://schemas.microsoft.com/office/drawing/2010/main" xmlns="">
+            <a14:hiddenEffects xmlns="" xmlns:a14="http://schemas.microsoft.com/office/drawing/2010/main">
               <a:effectLst>
                 <a:outerShdw dist="35921" dir="2700000" algn="ctr" rotWithShape="0">
                   <a:schemeClr val="bg2"/>
@@ -6062,7 +7097,7 @@
         <a:effectLst/>
         <a:extLst>
           <a:ext uri="{91240B29-F687-4f45-9708-019B960494DF}">
-            <a14:hiddenLine xmlns:a14="http://schemas.microsoft.com/office/drawing/2010/main" xmlns="" w="9525" cap="flat" cmpd="sng" algn="ctr">
+            <a14:hiddenLine xmlns="" xmlns:a14="http://schemas.microsoft.com/office/drawing/2010/main" w="9525" cap="flat" cmpd="sng" algn="ctr">
               <a:solidFill>
                 <a:schemeClr val="tx1"/>
               </a:solidFill>
@@ -6073,7 +7108,7 @@
             </a14:hiddenLine>
           </a:ext>
           <a:ext uri="{AF507438-7753-43e0-B8FC-AC1667EBCBE1}">
-            <a14:hiddenEffects xmlns:a14="http://schemas.microsoft.com/office/drawing/2010/main" xmlns="">
+            <a14:hiddenEffects xmlns="" xmlns:a14="http://schemas.microsoft.com/office/drawing/2010/main">
               <a:effectLst>
                 <a:outerShdw dist="35921" dir="2700000" algn="ctr" rotWithShape="0">
                   <a:schemeClr val="bg2"/>

--- a/Presentation/Lab Project Presentation.pptx
+++ b/Presentation/Lab Project Presentation.pptx
@@ -126,7 +126,7 @@
   </p:defaultTextStyle>
   <p:extLst>
     <p:ext uri="{EFAFB233-063F-42B5-8137-9DF3F51BA10A}">
-      <p15:sldGuideLst xmlns:p15="http://schemas.microsoft.com/office/powerpoint/2012/main">
+      <p15:sldGuideLst xmlns:p15="http://schemas.microsoft.com/office/powerpoint/2012/main" xmlns="">
         <p15:guide id="1" orient="horz" pos="2160">
           <p15:clr>
             <a:srgbClr val="A4A3A4"/>
@@ -230,7 +230,7 @@
           <a:p>
             <a:fld id="{3FA6FDA4-907F-C840-8573-33F4849B33D4}" type="datetimeFigureOut">
               <a:rPr lang="en-US" smtClean="0"/>
-              <a:t>9/4/2018</a:t>
+              <a:t>18/09/04</a:t>
             </a:fld>
             <a:endParaRPr lang="en-US"/>
           </a:p>
@@ -396,7 +396,7 @@
           <a:p>
             <a:fld id="{290492DD-1613-8B48-9182-1ECEE9190ABB}" type="datetimeFigureOut">
               <a:rPr lang="en-US" smtClean="0"/>
-              <a:t>9/4/2018</a:t>
+              <a:t>18/09/04</a:t>
             </a:fld>
             <a:endParaRPr lang="en-US"/>
           </a:p>
@@ -2595,7 +2595,7 @@
           </a:ln>
           <a:extLst>
             <a:ext uri="{909E8E84-426E-40dd-AFC4-6F175D3DCCD1}">
-              <a14:hiddenFill xmlns="" xmlns:a14="http://schemas.microsoft.com/office/drawing/2010/main">
+              <a14:hiddenFill xmlns:a14="http://schemas.microsoft.com/office/drawing/2010/main">
                 <a:noFill/>
               </a14:hiddenFill>
             </a:ext>
@@ -2633,14 +2633,14 @@
           </a:ln>
           <a:extLst>
             <a:ext uri="{909E8E84-426E-40dd-AFC4-6F175D3DCCD1}">
-              <a14:hiddenFill xmlns="" xmlns:a14="http://schemas.microsoft.com/office/drawing/2010/main">
+              <a14:hiddenFill xmlns:a14="http://schemas.microsoft.com/office/drawing/2010/main">
                 <a:solidFill>
                   <a:srgbClr val="FFFFFF"/>
                 </a:solidFill>
               </a14:hiddenFill>
             </a:ext>
             <a:ext uri="{91240B29-F687-4f45-9708-019B960494DF}">
-              <a14:hiddenLine xmlns="" xmlns:a14="http://schemas.microsoft.com/office/drawing/2010/main" w="9525">
+              <a14:hiddenLine xmlns:a14="http://schemas.microsoft.com/office/drawing/2010/main" w="9525">
                 <a:solidFill>
                   <a:srgbClr val="000000"/>
                 </a:solidFill>
@@ -2650,7 +2650,7 @@
               </a14:hiddenLine>
             </a:ext>
             <a:ext uri="{FAA26D3D-D897-4be2-8F04-BA451C77F1D7}">
-              <ma14:placeholderFlag xmlns="" xmlns:ma14="http://schemas.microsoft.com/office/mac/drawingml/2011/main" val="1"/>
+              <ma14:placeholderFlag xmlns:ma14="http://schemas.microsoft.com/office/mac/drawingml/2011/main" val="1"/>
             </a:ext>
           </a:extLst>
         </p:spPr>
@@ -2698,7 +2698,7 @@
           </a:ln>
           <a:extLst>
             <a:ext uri="{909E8E84-426E-40dd-AFC4-6F175D3DCCD1}">
-              <a14:hiddenFill xmlns="" xmlns:a14="http://schemas.microsoft.com/office/drawing/2010/main">
+              <a14:hiddenFill xmlns:a14="http://schemas.microsoft.com/office/drawing/2010/main">
                 <a:noFill/>
               </a14:hiddenFill>
             </a:ext>
@@ -2734,14 +2734,14 @@
           </a:ln>
           <a:extLst>
             <a:ext uri="{909E8E84-426E-40dd-AFC4-6F175D3DCCD1}">
-              <a14:hiddenFill xmlns="" xmlns:a14="http://schemas.microsoft.com/office/drawing/2010/main">
+              <a14:hiddenFill xmlns:a14="http://schemas.microsoft.com/office/drawing/2010/main">
                 <a:solidFill>
                   <a:srgbClr val="FFFFFF"/>
                 </a:solidFill>
               </a14:hiddenFill>
             </a:ext>
             <a:ext uri="{91240B29-F687-4f45-9708-019B960494DF}">
-              <a14:hiddenLine xmlns="" xmlns:a14="http://schemas.microsoft.com/office/drawing/2010/main" w="9525">
+              <a14:hiddenLine xmlns:a14="http://schemas.microsoft.com/office/drawing/2010/main" w="9525">
                 <a:solidFill>
                   <a:srgbClr val="000000"/>
                 </a:solidFill>
@@ -2898,14 +2898,14 @@
           </a:ln>
           <a:extLst>
             <a:ext uri="{909E8E84-426E-40dd-AFC4-6F175D3DCCD1}">
-              <a14:hiddenFill xmlns="" xmlns:a14="http://schemas.microsoft.com/office/drawing/2010/main">
+              <a14:hiddenFill xmlns:a14="http://schemas.microsoft.com/office/drawing/2010/main">
                 <a:solidFill>
                   <a:srgbClr val="FFFFFF"/>
                 </a:solidFill>
               </a14:hiddenFill>
             </a:ext>
             <a:ext uri="{91240B29-F687-4f45-9708-019B960494DF}">
-              <a14:hiddenLine xmlns="" xmlns:a14="http://schemas.microsoft.com/office/drawing/2010/main" w="9525">
+              <a14:hiddenLine xmlns:a14="http://schemas.microsoft.com/office/drawing/2010/main" w="9525">
                 <a:solidFill>
                   <a:srgbClr val="000000"/>
                 </a:solidFill>
@@ -2915,7 +2915,7 @@
               </a14:hiddenLine>
             </a:ext>
             <a:ext uri="{FAA26D3D-D897-4be2-8F04-BA451C77F1D7}">
-              <ma14:placeholderFlag xmlns="" xmlns:ma14="http://schemas.microsoft.com/office/mac/drawingml/2011/main" val="1"/>
+              <ma14:placeholderFlag xmlns:ma14="http://schemas.microsoft.com/office/mac/drawingml/2011/main" val="1"/>
             </a:ext>
           </a:extLst>
         </p:spPr>
@@ -3567,14 +3567,14 @@
           </a:ln>
           <a:extLst>
             <a:ext uri="{909E8E84-426E-40dd-AFC4-6F175D3DCCD1}">
-              <a14:hiddenFill xmlns="" xmlns:a14="http://schemas.microsoft.com/office/drawing/2010/main">
+              <a14:hiddenFill xmlns:a14="http://schemas.microsoft.com/office/drawing/2010/main">
                 <a:solidFill>
                   <a:srgbClr val="FFFFFF"/>
                 </a:solidFill>
               </a14:hiddenFill>
             </a:ext>
             <a:ext uri="{91240B29-F687-4f45-9708-019B960494DF}">
-              <a14:hiddenLine xmlns="" xmlns:a14="http://schemas.microsoft.com/office/drawing/2010/main" w="9525">
+              <a14:hiddenLine xmlns:a14="http://schemas.microsoft.com/office/drawing/2010/main" w="9525">
                 <a:solidFill>
                   <a:srgbClr val="000000"/>
                 </a:solidFill>
@@ -3711,7 +3711,7 @@
   <p:timing>
     <p:tnLst>
       <p:par>
-        <p:cTn id="1" dur="indefinite" restart="never" nodeType="tmRoot"/>
+        <p:cTn xmlns:p14="http://schemas.microsoft.com/office/powerpoint/2010/main" id="1" dur="indefinite" restart="never" nodeType="tmRoot"/>
       </p:par>
     </p:tnLst>
   </p:timing>
@@ -3823,7 +3823,7 @@
   <p:timing>
     <p:tnLst>
       <p:par>
-        <p:cTn id="1" dur="indefinite" restart="never" nodeType="tmRoot"/>
+        <p:cTn xmlns:p14="http://schemas.microsoft.com/office/powerpoint/2010/main" id="1" dur="indefinite" restart="never" nodeType="tmRoot"/>
       </p:par>
     </p:tnLst>
   </p:timing>
@@ -4110,7 +4110,7 @@
   <p:timing>
     <p:tnLst>
       <p:par>
-        <p:cTn id="1" dur="indefinite" restart="never" nodeType="tmRoot"/>
+        <p:cTn xmlns:p14="http://schemas.microsoft.com/office/powerpoint/2010/main" id="1" dur="indefinite" restart="never" nodeType="tmRoot"/>
       </p:par>
     </p:tnLst>
   </p:timing>
@@ -4495,7 +4495,7 @@
   <p:timing>
     <p:tnLst>
       <p:par>
-        <p:cTn id="1" dur="indefinite" restart="never" nodeType="tmRoot"/>
+        <p:cTn xmlns:p14="http://schemas.microsoft.com/office/powerpoint/2010/main" id="1" dur="indefinite" restart="never" nodeType="tmRoot"/>
       </p:par>
     </p:tnLst>
   </p:timing>
@@ -4557,7 +4557,7 @@
           <a:bodyPr/>
           <a:lstStyle/>
           <a:p>
-            <a:endParaRPr lang="en-ZA"/>
+            <a:endParaRPr lang="en-ZA" dirty="0"/>
           </a:p>
         </p:txBody>
       </p:sp>
@@ -4597,7 +4597,7 @@
   <p:timing>
     <p:tnLst>
       <p:par>
-        <p:cTn id="1" dur="indefinite" restart="never" nodeType="tmRoot"/>
+        <p:cTn xmlns:p14="http://schemas.microsoft.com/office/powerpoint/2010/main" id="1" dur="indefinite" restart="never" nodeType="tmRoot"/>
       </p:par>
     </p:tnLst>
   </p:timing>
@@ -4794,7 +4794,7 @@
   <p:timing>
     <p:tnLst>
       <p:par>
-        <p:cTn id="1" dur="indefinite" restart="never" nodeType="tmRoot"/>
+        <p:cTn xmlns:p14="http://schemas.microsoft.com/office/powerpoint/2010/main" id="1" dur="indefinite" restart="never" nodeType="tmRoot"/>
       </p:par>
     </p:tnLst>
   </p:timing>
@@ -4896,7 +4896,7 @@
   <p:timing>
     <p:tnLst>
       <p:par>
-        <p:cTn id="1" dur="indefinite" restart="never" nodeType="tmRoot"/>
+        <p:cTn xmlns:p14="http://schemas.microsoft.com/office/powerpoint/2010/main" id="1" dur="indefinite" restart="never" nodeType="tmRoot"/>
       </p:par>
     </p:tnLst>
   </p:timing>
@@ -5009,7 +5009,7 @@
   <p:timing>
     <p:tnLst>
       <p:par>
-        <p:cTn id="1" dur="indefinite" restart="never" nodeType="tmRoot"/>
+        <p:cTn xmlns:p14="http://schemas.microsoft.com/office/powerpoint/2010/main" id="1" dur="indefinite" restart="never" nodeType="tmRoot"/>
       </p:par>
     </p:tnLst>
   </p:timing>
@@ -5085,21 +5085,21 @@
                 <a:gridCol w="2880319">
                   <a:extLst>
                     <a:ext uri="{9D8B030D-6E8A-4147-A177-3AD203B41FA5}">
-                      <a16:colId xmlns:a16="http://schemas.microsoft.com/office/drawing/2014/main" val="1205949033"/>
+                      <a16:colId xmlns:a16="http://schemas.microsoft.com/office/drawing/2014/main" xmlns="" val="1205949033"/>
                     </a:ext>
                   </a:extLst>
                 </a:gridCol>
                 <a:gridCol w="2448272">
                   <a:extLst>
                     <a:ext uri="{9D8B030D-6E8A-4147-A177-3AD203B41FA5}">
-                      <a16:colId xmlns:a16="http://schemas.microsoft.com/office/drawing/2014/main" val="3234676645"/>
+                      <a16:colId xmlns:a16="http://schemas.microsoft.com/office/drawing/2014/main" xmlns="" val="3234676645"/>
                     </a:ext>
                   </a:extLst>
                 </a:gridCol>
                 <a:gridCol w="3168351">
                   <a:extLst>
                     <a:ext uri="{9D8B030D-6E8A-4147-A177-3AD203B41FA5}">
-                      <a16:colId xmlns:a16="http://schemas.microsoft.com/office/drawing/2014/main" val="497167739"/>
+                      <a16:colId xmlns:a16="http://schemas.microsoft.com/office/drawing/2014/main" xmlns="" val="497167739"/>
                     </a:ext>
                   </a:extLst>
                 </a:gridCol>
@@ -5152,7 +5152,7 @@
                 </a:tc>
                 <a:extLst>
                   <a:ext uri="{0D108BD9-81ED-4DB2-BD59-A6C34878D82A}">
-                    <a16:rowId xmlns:a16="http://schemas.microsoft.com/office/drawing/2014/main" val="3709011960"/>
+                    <a16:rowId xmlns:a16="http://schemas.microsoft.com/office/drawing/2014/main" xmlns="" val="3709011960"/>
                   </a:ext>
                 </a:extLst>
               </a:tr>
@@ -5208,7 +5208,7 @@
                 </a:tc>
                 <a:extLst>
                   <a:ext uri="{0D108BD9-81ED-4DB2-BD59-A6C34878D82A}">
-                    <a16:rowId xmlns:a16="http://schemas.microsoft.com/office/drawing/2014/main" val="4214479577"/>
+                    <a16:rowId xmlns:a16="http://schemas.microsoft.com/office/drawing/2014/main" xmlns="" val="4214479577"/>
                   </a:ext>
                 </a:extLst>
               </a:tr>
@@ -5300,7 +5300,7 @@
                 </a:tc>
                 <a:extLst>
                   <a:ext uri="{0D108BD9-81ED-4DB2-BD59-A6C34878D82A}">
-                    <a16:rowId xmlns:a16="http://schemas.microsoft.com/office/drawing/2014/main" val="3266579009"/>
+                    <a16:rowId xmlns:a16="http://schemas.microsoft.com/office/drawing/2014/main" xmlns="" val="3266579009"/>
                   </a:ext>
                 </a:extLst>
               </a:tr>
@@ -5352,7 +5352,7 @@
                 </a:tc>
                 <a:extLst>
                   <a:ext uri="{0D108BD9-81ED-4DB2-BD59-A6C34878D82A}">
-                    <a16:rowId xmlns:a16="http://schemas.microsoft.com/office/drawing/2014/main" val="282706019"/>
+                    <a16:rowId xmlns:a16="http://schemas.microsoft.com/office/drawing/2014/main" xmlns="" val="282706019"/>
                   </a:ext>
                 </a:extLst>
               </a:tr>
@@ -5404,7 +5404,7 @@
                 </a:tc>
                 <a:extLst>
                   <a:ext uri="{0D108BD9-81ED-4DB2-BD59-A6C34878D82A}">
-                    <a16:rowId xmlns:a16="http://schemas.microsoft.com/office/drawing/2014/main" val="10004"/>
+                    <a16:rowId xmlns:a16="http://schemas.microsoft.com/office/drawing/2014/main" xmlns="" val="10004"/>
                   </a:ext>
                 </a:extLst>
               </a:tr>
@@ -5460,7 +5460,7 @@
                 </a:tc>
                 <a:extLst>
                   <a:ext uri="{0D108BD9-81ED-4DB2-BD59-A6C34878D82A}">
-                    <a16:rowId xmlns:a16="http://schemas.microsoft.com/office/drawing/2014/main" val="1081411160"/>
+                    <a16:rowId xmlns:a16="http://schemas.microsoft.com/office/drawing/2014/main" xmlns="" val="1081411160"/>
                   </a:ext>
                 </a:extLst>
               </a:tr>
@@ -5527,7 +5527,7 @@
                 </a:tc>
                 <a:extLst>
                   <a:ext uri="{0D108BD9-81ED-4DB2-BD59-A6C34878D82A}">
-                    <a16:rowId xmlns:a16="http://schemas.microsoft.com/office/drawing/2014/main" val="2210005012"/>
+                    <a16:rowId xmlns:a16="http://schemas.microsoft.com/office/drawing/2014/main" xmlns="" val="2210005012"/>
                   </a:ext>
                 </a:extLst>
               </a:tr>
@@ -5647,7 +5647,7 @@
                 </a:tc>
                 <a:extLst>
                   <a:ext uri="{0D108BD9-81ED-4DB2-BD59-A6C34878D82A}">
-                    <a16:rowId xmlns:a16="http://schemas.microsoft.com/office/drawing/2014/main" val="1840919378"/>
+                    <a16:rowId xmlns:a16="http://schemas.microsoft.com/office/drawing/2014/main" xmlns="" val="1840919378"/>
                   </a:ext>
                 </a:extLst>
               </a:tr>
@@ -5703,7 +5703,7 @@
                 </a:tc>
                 <a:extLst>
                   <a:ext uri="{0D108BD9-81ED-4DB2-BD59-A6C34878D82A}">
-                    <a16:rowId xmlns:a16="http://schemas.microsoft.com/office/drawing/2014/main" val="1275340913"/>
+                    <a16:rowId xmlns:a16="http://schemas.microsoft.com/office/drawing/2014/main" xmlns="" val="1275340913"/>
                   </a:ext>
                 </a:extLst>
               </a:tr>
@@ -5747,7 +5747,7 @@
   <p:timing>
     <p:tnLst>
       <p:par>
-        <p:cTn id="1" dur="indefinite" restart="never" nodeType="tmRoot"/>
+        <p:cTn xmlns:p14="http://schemas.microsoft.com/office/powerpoint/2010/main" id="1" dur="indefinite" restart="never" nodeType="tmRoot"/>
       </p:par>
     </p:tnLst>
   </p:timing>
@@ -5809,7 +5809,7 @@
           <a:bodyPr/>
           <a:lstStyle/>
           <a:p>
-            <a:endParaRPr lang="en-ZA"/>
+            <a:endParaRPr lang="en-ZA" dirty="0"/>
           </a:p>
         </p:txBody>
       </p:sp>
@@ -5849,7 +5849,7 @@
   <p:timing>
     <p:tnLst>
       <p:par>
-        <p:cTn id="1" dur="indefinite" restart="never" nodeType="tmRoot"/>
+        <p:cTn xmlns:p14="http://schemas.microsoft.com/office/powerpoint/2010/main" id="1" dur="indefinite" restart="never" nodeType="tmRoot"/>
       </p:par>
     </p:tnLst>
   </p:timing>
@@ -5898,25 +5898,6 @@
       </p:sp>
       <p:sp>
         <p:nvSpPr>
-          <p:cNvPr id="3" name="Content Placeholder 2"/>
-          <p:cNvSpPr>
-            <a:spLocks noGrp="1"/>
-          </p:cNvSpPr>
-          <p:nvPr>
-            <p:ph idx="1"/>
-          </p:nvPr>
-        </p:nvSpPr>
-        <p:spPr/>
-        <p:txBody>
-          <a:bodyPr/>
-          <a:lstStyle/>
-          <a:p>
-            <a:endParaRPr lang="en-ZA"/>
-          </a:p>
-        </p:txBody>
-      </p:sp>
-      <p:sp>
-        <p:nvSpPr>
           <p:cNvPr id="4" name="Slide Number Placeholder 3"/>
           <p:cNvSpPr>
             <a:spLocks noGrp="1"/>
@@ -5935,6 +5916,72 @@
               <a:t>7</a:t>
             </a:fld>
             <a:endParaRPr lang="en-US" dirty="0"/>
+          </a:p>
+        </p:txBody>
+      </p:sp>
+      <p:pic>
+        <p:nvPicPr>
+          <p:cNvPr id="6" name="Picture 5" descr="DirectionalityShifts.pdf"/>
+          <p:cNvPicPr>
+            <a:picLocks noChangeAspect="1"/>
+          </p:cNvPicPr>
+          <p:nvPr/>
+        </p:nvPicPr>
+        <p:blipFill>
+          <a:blip r:embed="rId2">
+            <a:extLst>
+              <a:ext uri="{28A0092B-C50C-407E-A947-70E740481C1C}">
+                <a14:useLocalDpi xmlns:a14="http://schemas.microsoft.com/office/drawing/2010/main" val="0"/>
+              </a:ext>
+            </a:extLst>
+          </a:blip>
+          <a:stretch>
+            <a:fillRect/>
+          </a:stretch>
+        </p:blipFill>
+        <p:spPr>
+          <a:xfrm>
+            <a:off x="1514456" y="3065600"/>
+            <a:ext cx="6877087" cy="3210322"/>
+          </a:xfrm>
+          <a:prstGeom prst="rect">
+            <a:avLst/>
+          </a:prstGeom>
+        </p:spPr>
+      </p:pic>
+      <p:sp>
+        <p:nvSpPr>
+          <p:cNvPr id="7" name="Content Placeholder 2"/>
+          <p:cNvSpPr>
+            <a:spLocks noGrp="1"/>
+          </p:cNvSpPr>
+          <p:nvPr>
+            <p:ph idx="1"/>
+          </p:nvPr>
+        </p:nvSpPr>
+        <p:spPr>
+          <a:xfrm>
+            <a:off x="342901" y="1965038"/>
+            <a:ext cx="9218612" cy="3352800"/>
+          </a:xfrm>
+        </p:spPr>
+        <p:txBody>
+          <a:bodyPr/>
+          <a:lstStyle/>
+          <a:p>
+            <a:r>
+              <a:rPr lang="en-ZA" dirty="0" smtClean="0"/>
+              <a:t>Amplification in a user specified direction</a:t>
+            </a:r>
+          </a:p>
+          <a:p>
+            <a:r>
+              <a:rPr lang="en-ZA" dirty="0" smtClean="0"/>
+              <a:t>Delay-and-sum beamforming</a:t>
+            </a:r>
+          </a:p>
+          <a:p>
+            <a:endParaRPr lang="en-ZA" dirty="0"/>
           </a:p>
         </p:txBody>
       </p:sp>
@@ -5951,7 +5998,7 @@
   <p:timing>
     <p:tnLst>
       <p:par>
-        <p:cTn id="1" dur="indefinite" restart="never" nodeType="tmRoot"/>
+        <p:cTn xmlns:p14="http://schemas.microsoft.com/office/powerpoint/2010/main" id="1" dur="indefinite" restart="never" nodeType="tmRoot"/>
       </p:par>
     </p:tnLst>
   </p:timing>
@@ -6027,14 +6074,14 @@
                 <a:gridCol w="4108973">
                   <a:extLst>
                     <a:ext uri="{9D8B030D-6E8A-4147-A177-3AD203B41FA5}">
-                      <a16:colId xmlns:a16="http://schemas.microsoft.com/office/drawing/2014/main" val="641060483"/>
+                      <a16:colId xmlns:a16="http://schemas.microsoft.com/office/drawing/2014/main" xmlns="" val="641060483"/>
                     </a:ext>
                   </a:extLst>
                 </a:gridCol>
                 <a:gridCol w="1758427">
                   <a:extLst>
                     <a:ext uri="{9D8B030D-6E8A-4147-A177-3AD203B41FA5}">
-                      <a16:colId xmlns:a16="http://schemas.microsoft.com/office/drawing/2014/main" val="1147500092"/>
+                      <a16:colId xmlns:a16="http://schemas.microsoft.com/office/drawing/2014/main" xmlns="" val="1147500092"/>
                     </a:ext>
                   </a:extLst>
                 </a:gridCol>
@@ -6070,7 +6117,7 @@
                 </a:tc>
                 <a:extLst>
                   <a:ext uri="{0D108BD9-81ED-4DB2-BD59-A6C34878D82A}">
-                    <a16:rowId xmlns:a16="http://schemas.microsoft.com/office/drawing/2014/main" val="1100728770"/>
+                    <a16:rowId xmlns:a16="http://schemas.microsoft.com/office/drawing/2014/main" xmlns="" val="1100728770"/>
                   </a:ext>
                 </a:extLst>
               </a:tr>
@@ -6105,7 +6152,7 @@
                 </a:tc>
                 <a:extLst>
                   <a:ext uri="{0D108BD9-81ED-4DB2-BD59-A6C34878D82A}">
-                    <a16:rowId xmlns:a16="http://schemas.microsoft.com/office/drawing/2014/main" val="1538700946"/>
+                    <a16:rowId xmlns:a16="http://schemas.microsoft.com/office/drawing/2014/main" xmlns="" val="1538700946"/>
                   </a:ext>
                 </a:extLst>
               </a:tr>
@@ -6140,7 +6187,7 @@
                 </a:tc>
                 <a:extLst>
                   <a:ext uri="{0D108BD9-81ED-4DB2-BD59-A6C34878D82A}">
-                    <a16:rowId xmlns:a16="http://schemas.microsoft.com/office/drawing/2014/main" val="3854310482"/>
+                    <a16:rowId xmlns:a16="http://schemas.microsoft.com/office/drawing/2014/main" xmlns="" val="3854310482"/>
                   </a:ext>
                 </a:extLst>
               </a:tr>
@@ -6175,7 +6222,7 @@
                 </a:tc>
                 <a:extLst>
                   <a:ext uri="{0D108BD9-81ED-4DB2-BD59-A6C34878D82A}">
-                    <a16:rowId xmlns:a16="http://schemas.microsoft.com/office/drawing/2014/main" val="4094742816"/>
+                    <a16:rowId xmlns:a16="http://schemas.microsoft.com/office/drawing/2014/main" xmlns="" val="4094742816"/>
                   </a:ext>
                 </a:extLst>
               </a:tr>
@@ -6210,7 +6257,7 @@
                 </a:tc>
                 <a:extLst>
                   <a:ext uri="{0D108BD9-81ED-4DB2-BD59-A6C34878D82A}">
-                    <a16:rowId xmlns:a16="http://schemas.microsoft.com/office/drawing/2014/main" val="3540657552"/>
+                    <a16:rowId xmlns:a16="http://schemas.microsoft.com/office/drawing/2014/main" xmlns="" val="3540657552"/>
                   </a:ext>
                 </a:extLst>
               </a:tr>
@@ -6245,7 +6292,7 @@
                 </a:tc>
                 <a:extLst>
                   <a:ext uri="{0D108BD9-81ED-4DB2-BD59-A6C34878D82A}">
-                    <a16:rowId xmlns:a16="http://schemas.microsoft.com/office/drawing/2014/main" val="2626417538"/>
+                    <a16:rowId xmlns:a16="http://schemas.microsoft.com/office/drawing/2014/main" xmlns="" val="2626417538"/>
                   </a:ext>
                 </a:extLst>
               </a:tr>
@@ -6280,7 +6327,7 @@
                 </a:tc>
                 <a:extLst>
                   <a:ext uri="{0D108BD9-81ED-4DB2-BD59-A6C34878D82A}">
-                    <a16:rowId xmlns:a16="http://schemas.microsoft.com/office/drawing/2014/main" val="1235677700"/>
+                    <a16:rowId xmlns:a16="http://schemas.microsoft.com/office/drawing/2014/main" xmlns="" val="1235677700"/>
                   </a:ext>
                 </a:extLst>
               </a:tr>
@@ -6315,7 +6362,7 @@
                 </a:tc>
                 <a:extLst>
                   <a:ext uri="{0D108BD9-81ED-4DB2-BD59-A6C34878D82A}">
-                    <a16:rowId xmlns:a16="http://schemas.microsoft.com/office/drawing/2014/main" val="2755522816"/>
+                    <a16:rowId xmlns:a16="http://schemas.microsoft.com/office/drawing/2014/main" xmlns="" val="2755522816"/>
                   </a:ext>
                 </a:extLst>
               </a:tr>
@@ -6350,7 +6397,7 @@
                 </a:tc>
                 <a:extLst>
                   <a:ext uri="{0D108BD9-81ED-4DB2-BD59-A6C34878D82A}">
-                    <a16:rowId xmlns:a16="http://schemas.microsoft.com/office/drawing/2014/main" val="754826805"/>
+                    <a16:rowId xmlns:a16="http://schemas.microsoft.com/office/drawing/2014/main" xmlns="" val="754826805"/>
                   </a:ext>
                 </a:extLst>
               </a:tr>
@@ -6385,7 +6432,7 @@
                 </a:tc>
                 <a:extLst>
                   <a:ext uri="{0D108BD9-81ED-4DB2-BD59-A6C34878D82A}">
-                    <a16:rowId xmlns:a16="http://schemas.microsoft.com/office/drawing/2014/main" val="2456114939"/>
+                    <a16:rowId xmlns:a16="http://schemas.microsoft.com/office/drawing/2014/main" xmlns="" val="2456114939"/>
                   </a:ext>
                 </a:extLst>
               </a:tr>
@@ -6420,7 +6467,7 @@
                 </a:tc>
                 <a:extLst>
                   <a:ext uri="{0D108BD9-81ED-4DB2-BD59-A6C34878D82A}">
-                    <a16:rowId xmlns:a16="http://schemas.microsoft.com/office/drawing/2014/main" val="2549029190"/>
+                    <a16:rowId xmlns:a16="http://schemas.microsoft.com/office/drawing/2014/main" xmlns="" val="2549029190"/>
                   </a:ext>
                 </a:extLst>
               </a:tr>
@@ -6455,7 +6502,7 @@
                 </a:tc>
                 <a:extLst>
                   <a:ext uri="{0D108BD9-81ED-4DB2-BD59-A6C34878D82A}">
-                    <a16:rowId xmlns:a16="http://schemas.microsoft.com/office/drawing/2014/main" val="56862053"/>
+                    <a16:rowId xmlns:a16="http://schemas.microsoft.com/office/drawing/2014/main" xmlns="" val="56862053"/>
                   </a:ext>
                 </a:extLst>
               </a:tr>
@@ -6499,7 +6546,7 @@
   <p:timing>
     <p:tnLst>
       <p:par>
-        <p:cTn id="1" dur="indefinite" restart="never" nodeType="tmRoot"/>
+        <p:cTn xmlns:p14="http://schemas.microsoft.com/office/powerpoint/2010/main" id="1" dur="indefinite" restart="never" nodeType="tmRoot"/>
       </p:par>
     </p:tnLst>
   </p:timing>
@@ -6719,7 +6766,7 @@
           <a:ln/>
           <a:extLst>
             <a:ext uri="{91240B29-F687-4f45-9708-019B960494DF}">
-              <a14:hiddenLine xmlns="" xmlns:a14="http://schemas.microsoft.com/office/drawing/2010/main" w="9525" cap="flat" cmpd="sng" algn="ctr">
+              <a14:hiddenLine xmlns:a14="http://schemas.microsoft.com/office/drawing/2010/main" w="9525" cap="flat" cmpd="sng" algn="ctr">
                 <a:solidFill>
                   <a:schemeClr val="tx1"/>
                 </a:solidFill>
@@ -6730,7 +6777,7 @@
               </a14:hiddenLine>
             </a:ext>
             <a:ext uri="{AF507438-7753-43e0-B8FC-AC1667EBCBE1}">
-              <a14:hiddenEffects xmlns="" xmlns:a14="http://schemas.microsoft.com/office/drawing/2010/main">
+              <a14:hiddenEffects xmlns:a14="http://schemas.microsoft.com/office/drawing/2010/main">
                 <a:effectLst>
                   <a:outerShdw dist="35921" dir="2700000" algn="ctr" rotWithShape="0">
                     <a:schemeClr val="bg2"/>
@@ -6768,7 +6815,7 @@
   <p:timing>
     <p:tnLst>
       <p:par>
-        <p:cTn id="1" dur="indefinite" restart="never" nodeType="tmRoot"/>
+        <p:cTn xmlns:p14="http://schemas.microsoft.com/office/powerpoint/2010/main" id="1" dur="indefinite" restart="never" nodeType="tmRoot"/>
       </p:par>
     </p:tnLst>
   </p:timing>
@@ -7019,7 +7066,7 @@
         <a:effectLst/>
         <a:extLst>
           <a:ext uri="{91240B29-F687-4f45-9708-019B960494DF}">
-            <a14:hiddenLine xmlns="" xmlns:a14="http://schemas.microsoft.com/office/drawing/2010/main" w="9525" cap="flat" cmpd="sng" algn="ctr">
+            <a14:hiddenLine xmlns:a14="http://schemas.microsoft.com/office/drawing/2010/main" w="9525" cap="flat" cmpd="sng" algn="ctr">
               <a:solidFill>
                 <a:schemeClr val="tx1"/>
               </a:solidFill>
@@ -7030,7 +7077,7 @@
             </a14:hiddenLine>
           </a:ext>
           <a:ext uri="{AF507438-7753-43e0-B8FC-AC1667EBCBE1}">
-            <a14:hiddenEffects xmlns="" xmlns:a14="http://schemas.microsoft.com/office/drawing/2010/main">
+            <a14:hiddenEffects xmlns:a14="http://schemas.microsoft.com/office/drawing/2010/main">
               <a:effectLst>
                 <a:outerShdw dist="35921" dir="2700000" algn="ctr" rotWithShape="0">
                   <a:schemeClr val="bg2"/>
@@ -7097,7 +7144,7 @@
         <a:effectLst/>
         <a:extLst>
           <a:ext uri="{91240B29-F687-4f45-9708-019B960494DF}">
-            <a14:hiddenLine xmlns="" xmlns:a14="http://schemas.microsoft.com/office/drawing/2010/main" w="9525" cap="flat" cmpd="sng" algn="ctr">
+            <a14:hiddenLine xmlns:a14="http://schemas.microsoft.com/office/drawing/2010/main" w="9525" cap="flat" cmpd="sng" algn="ctr">
               <a:solidFill>
                 <a:schemeClr val="tx1"/>
               </a:solidFill>
@@ -7108,7 +7155,7 @@
             </a14:hiddenLine>
           </a:ext>
           <a:ext uri="{AF507438-7753-43e0-B8FC-AC1667EBCBE1}">
-            <a14:hiddenEffects xmlns="" xmlns:a14="http://schemas.microsoft.com/office/drawing/2010/main">
+            <a14:hiddenEffects xmlns:a14="http://schemas.microsoft.com/office/drawing/2010/main">
               <a:effectLst>
                 <a:outerShdw dist="35921" dir="2700000" algn="ctr" rotWithShape="0">
                   <a:schemeClr val="bg2"/>

--- a/Presentation/Lab Project Presentation.pptx
+++ b/Presentation/Lab Project Presentation.pptx
@@ -4552,11 +4552,135 @@
             <p:ph idx="1"/>
           </p:nvPr>
         </p:nvSpPr>
-        <p:spPr/>
+        <p:spPr>
+          <a:xfrm>
+            <a:off x="128464" y="1844824"/>
+            <a:ext cx="10065568" cy="4248472"/>
+          </a:xfrm>
+        </p:spPr>
         <p:txBody>
           <a:bodyPr/>
           <a:lstStyle/>
           <a:p>
+            <a:r>
+              <a:rPr lang="en-ZA" dirty="0"/>
+              <a:t>H</a:t>
+            </a:r>
+            <a:r>
+              <a:rPr lang="en-ZA" dirty="0" smtClean="0"/>
+              <a:t>igher </a:t>
+            </a:r>
+            <a:r>
+              <a:rPr lang="en-ZA" dirty="0"/>
+              <a:t>quality omni-directional </a:t>
+            </a:r>
+            <a:r>
+              <a:rPr lang="en-ZA" dirty="0" smtClean="0"/>
+              <a:t>microphones</a:t>
+            </a:r>
+          </a:p>
+          <a:p>
+            <a:r>
+              <a:rPr lang="en-ZA" dirty="0" smtClean="0"/>
+              <a:t>More microphones </a:t>
+            </a:r>
+          </a:p>
+          <a:p>
+            <a:pPr lvl="1"/>
+            <a:r>
+              <a:rPr lang="en-ZA" dirty="0"/>
+              <a:t>I</a:t>
+            </a:r>
+            <a:r>
+              <a:rPr lang="en-ZA" dirty="0" smtClean="0"/>
+              <a:t>mprove </a:t>
+            </a:r>
+            <a:r>
+              <a:rPr lang="en-ZA" dirty="0"/>
+              <a:t>the precision of the beam </a:t>
+            </a:r>
+            <a:r>
+              <a:rPr lang="en-ZA" dirty="0" smtClean="0"/>
+              <a:t>steering</a:t>
+            </a:r>
+          </a:p>
+          <a:p>
+            <a:r>
+              <a:rPr lang="en-ZA" dirty="0"/>
+              <a:t>I</a:t>
+            </a:r>
+            <a:r>
+              <a:rPr lang="en-ZA" dirty="0" smtClean="0"/>
+              <a:t>ntegrated </a:t>
+            </a:r>
+            <a:r>
+              <a:rPr lang="en-ZA" dirty="0"/>
+              <a:t>circuit chip </a:t>
+            </a:r>
+            <a:endParaRPr lang="en-ZA" dirty="0" smtClean="0"/>
+          </a:p>
+          <a:p>
+            <a:pPr lvl="1"/>
+            <a:r>
+              <a:rPr lang="en-ZA" dirty="0"/>
+              <a:t>P</a:t>
+            </a:r>
+            <a:r>
+              <a:rPr lang="en-ZA" dirty="0" smtClean="0"/>
+              <a:t>reprocessing </a:t>
+            </a:r>
+            <a:r>
+              <a:rPr lang="en-ZA" dirty="0"/>
+              <a:t>of the audio </a:t>
+            </a:r>
+            <a:r>
+              <a:rPr lang="en-ZA" dirty="0" smtClean="0"/>
+              <a:t>signals</a:t>
+            </a:r>
+          </a:p>
+          <a:p>
+            <a:r>
+              <a:rPr lang="en-ZA" dirty="0" smtClean="0"/>
+              <a:t>Emdedding </a:t>
+            </a:r>
+            <a:r>
+              <a:rPr lang="en-ZA" dirty="0"/>
+              <a:t>the microphones and circuitry into </a:t>
+            </a:r>
+            <a:r>
+              <a:rPr lang="en-ZA" dirty="0" smtClean="0"/>
+              <a:t>headphones</a:t>
+            </a:r>
+          </a:p>
+          <a:p>
+            <a:pPr lvl="1"/>
+            <a:r>
+              <a:rPr lang="en-ZA" dirty="0"/>
+              <a:t>R</a:t>
+            </a:r>
+            <a:r>
+              <a:rPr lang="en-ZA" dirty="0" smtClean="0"/>
+              <a:t>educe </a:t>
+            </a:r>
+            <a:r>
+              <a:rPr lang="en-ZA" dirty="0"/>
+              <a:t>the size of the </a:t>
+            </a:r>
+            <a:r>
+              <a:rPr lang="en-ZA" dirty="0" smtClean="0"/>
+              <a:t>device</a:t>
+            </a:r>
+          </a:p>
+          <a:p>
+            <a:pPr lvl="1"/>
+            <a:r>
+              <a:rPr lang="en-ZA" dirty="0"/>
+              <a:t>M</a:t>
+            </a:r>
+            <a:r>
+              <a:rPr lang="en-ZA" dirty="0" smtClean="0"/>
+              <a:t>ake the device more user friendly</a:t>
+            </a:r>
             <a:endParaRPr lang="en-ZA" dirty="0"/>
           </a:p>
         </p:txBody>
@@ -4696,6 +4820,13 @@
   <p:clrMapOvr>
     <a:masterClrMapping/>
   </p:clrMapOvr>
+  <p:timing>
+    <p:tnLst>
+      <p:par>
+        <p:cTn xmlns:p14="http://schemas.microsoft.com/office/powerpoint/2010/main" id="1" dur="indefinite" restart="never" nodeType="tmRoot"/>
+      </p:par>
+    </p:tnLst>
+  </p:timing>
 </p:sld>
 </file>
 
@@ -5919,9 +6050,45 @@
           </a:p>
         </p:txBody>
       </p:sp>
+      <p:sp>
+        <p:nvSpPr>
+          <p:cNvPr id="7" name="Content Placeholder 2"/>
+          <p:cNvSpPr>
+            <a:spLocks noGrp="1"/>
+          </p:cNvSpPr>
+          <p:nvPr>
+            <p:ph idx="1"/>
+          </p:nvPr>
+        </p:nvSpPr>
+        <p:spPr>
+          <a:xfrm>
+            <a:off x="342901" y="1965038"/>
+            <a:ext cx="9218612" cy="3352800"/>
+          </a:xfrm>
+        </p:spPr>
+        <p:txBody>
+          <a:bodyPr/>
+          <a:lstStyle/>
+          <a:p>
+            <a:r>
+              <a:rPr lang="en-ZA" dirty="0" smtClean="0"/>
+              <a:t>Amplification in a user specified direction</a:t>
+            </a:r>
+          </a:p>
+          <a:p>
+            <a:r>
+              <a:rPr lang="en-ZA" dirty="0" smtClean="0"/>
+              <a:t>Delay-and-sum beamforming</a:t>
+            </a:r>
+          </a:p>
+          <a:p>
+            <a:endParaRPr lang="en-ZA" dirty="0"/>
+          </a:p>
+        </p:txBody>
+      </p:sp>
       <p:pic>
         <p:nvPicPr>
-          <p:cNvPr id="6" name="Picture 5" descr="DirectionalityShifts.pdf"/>
+          <p:cNvPr id="8" name="Picture 7" descr="DirectionalityShifts.pdf"/>
           <p:cNvPicPr>
             <a:picLocks noChangeAspect="1"/>
           </p:cNvPicPr>
@@ -5941,50 +6108,14 @@
         </p:blipFill>
         <p:spPr>
           <a:xfrm>
-            <a:off x="1514456" y="3065600"/>
-            <a:ext cx="6877087" cy="3210322"/>
+            <a:off x="488504" y="3068960"/>
+            <a:ext cx="8778180" cy="3151536"/>
           </a:xfrm>
           <a:prstGeom prst="rect">
             <a:avLst/>
           </a:prstGeom>
         </p:spPr>
       </p:pic>
-      <p:sp>
-        <p:nvSpPr>
-          <p:cNvPr id="7" name="Content Placeholder 2"/>
-          <p:cNvSpPr>
-            <a:spLocks noGrp="1"/>
-          </p:cNvSpPr>
-          <p:nvPr>
-            <p:ph idx="1"/>
-          </p:nvPr>
-        </p:nvSpPr>
-        <p:spPr>
-          <a:xfrm>
-            <a:off x="342901" y="1965038"/>
-            <a:ext cx="9218612" cy="3352800"/>
-          </a:xfrm>
-        </p:spPr>
-        <p:txBody>
-          <a:bodyPr/>
-          <a:lstStyle/>
-          <a:p>
-            <a:r>
-              <a:rPr lang="en-ZA" dirty="0" smtClean="0"/>
-              <a:t>Amplification in a user specified direction</a:t>
-            </a:r>
-          </a:p>
-          <a:p>
-            <a:r>
-              <a:rPr lang="en-ZA" dirty="0" smtClean="0"/>
-              <a:t>Delay-and-sum beamforming</a:t>
-            </a:r>
-          </a:p>
-          <a:p>
-            <a:endParaRPr lang="en-ZA" dirty="0"/>
-          </a:p>
-        </p:txBody>
-      </p:sp>
     </p:spTree>
     <p:extLst>
       <p:ext uri="{BB962C8B-B14F-4D97-AF65-F5344CB8AC3E}">

--- a/Presentation/Lab Project Presentation.pptx
+++ b/Presentation/Lab Project Presentation.pptx
@@ -5,10 +5,10 @@
     <p:sldMasterId id="2147483660" r:id="rId1"/>
   </p:sldMasterIdLst>
   <p:notesMasterIdLst>
-    <p:notesMasterId r:id="rId17"/>
+    <p:notesMasterId r:id="rId18"/>
   </p:notesMasterIdLst>
   <p:handoutMasterIdLst>
-    <p:handoutMasterId r:id="rId18"/>
+    <p:handoutMasterId r:id="rId19"/>
   </p:handoutMasterIdLst>
   <p:sldIdLst>
     <p:sldId id="256" r:id="rId2"/>
@@ -24,8 +24,9 @@
     <p:sldId id="262" r:id="rId12"/>
     <p:sldId id="269" r:id="rId13"/>
     <p:sldId id="263" r:id="rId14"/>
-    <p:sldId id="266" r:id="rId15"/>
-    <p:sldId id="267" r:id="rId16"/>
+    <p:sldId id="271" r:id="rId15"/>
+    <p:sldId id="266" r:id="rId16"/>
+    <p:sldId id="267" r:id="rId17"/>
   </p:sldIdLst>
   <p:sldSz cx="9906000" cy="6858000" type="A4"/>
   <p:notesSz cx="6858000" cy="9144000"/>
@@ -126,7 +127,7 @@
   </p:defaultTextStyle>
   <p:extLst>
     <p:ext uri="{EFAFB233-063F-42B5-8137-9DF3F51BA10A}">
-      <p15:sldGuideLst xmlns:p15="http://schemas.microsoft.com/office/powerpoint/2012/main" xmlns="">
+      <p15:sldGuideLst xmlns:p15="http://schemas.microsoft.com/office/powerpoint/2012/main">
         <p15:guide id="1" orient="horz" pos="2160">
           <p15:clr>
             <a:srgbClr val="A4A3A4"/>
@@ -230,7 +231,7 @@
           <a:p>
             <a:fld id="{3FA6FDA4-907F-C840-8573-33F4849B33D4}" type="datetimeFigureOut">
               <a:rPr lang="en-US" smtClean="0"/>
-              <a:t>18/09/04</a:t>
+              <a:t>9/4/2018</a:t>
             </a:fld>
             <a:endParaRPr lang="en-US"/>
           </a:p>
@@ -396,7 +397,7 @@
           <a:p>
             <a:fld id="{290492DD-1613-8B48-9182-1ECEE9190ABB}" type="datetimeFigureOut">
               <a:rPr lang="en-US" smtClean="0"/>
-              <a:t>18/09/04</a:t>
+              <a:t>9/4/2018</a:t>
             </a:fld>
             <a:endParaRPr lang="en-US"/>
           </a:p>
@@ -2595,7 +2596,7 @@
           </a:ln>
           <a:extLst>
             <a:ext uri="{909E8E84-426E-40dd-AFC4-6F175D3DCCD1}">
-              <a14:hiddenFill xmlns:a14="http://schemas.microsoft.com/office/drawing/2010/main">
+              <a14:hiddenFill xmlns:a14="http://schemas.microsoft.com/office/drawing/2010/main" xmlns="">
                 <a:noFill/>
               </a14:hiddenFill>
             </a:ext>
@@ -2633,14 +2634,14 @@
           </a:ln>
           <a:extLst>
             <a:ext uri="{909E8E84-426E-40dd-AFC4-6F175D3DCCD1}">
-              <a14:hiddenFill xmlns:a14="http://schemas.microsoft.com/office/drawing/2010/main">
+              <a14:hiddenFill xmlns:a14="http://schemas.microsoft.com/office/drawing/2010/main" xmlns="">
                 <a:solidFill>
                   <a:srgbClr val="FFFFFF"/>
                 </a:solidFill>
               </a14:hiddenFill>
             </a:ext>
             <a:ext uri="{91240B29-F687-4f45-9708-019B960494DF}">
-              <a14:hiddenLine xmlns:a14="http://schemas.microsoft.com/office/drawing/2010/main" w="9525">
+              <a14:hiddenLine xmlns:a14="http://schemas.microsoft.com/office/drawing/2010/main" xmlns="" w="9525">
                 <a:solidFill>
                   <a:srgbClr val="000000"/>
                 </a:solidFill>
@@ -2650,7 +2651,7 @@
               </a14:hiddenLine>
             </a:ext>
             <a:ext uri="{FAA26D3D-D897-4be2-8F04-BA451C77F1D7}">
-              <ma14:placeholderFlag xmlns:ma14="http://schemas.microsoft.com/office/mac/drawingml/2011/main" val="1"/>
+              <ma14:placeholderFlag xmlns:ma14="http://schemas.microsoft.com/office/mac/drawingml/2011/main" xmlns="" val="1"/>
             </a:ext>
           </a:extLst>
         </p:spPr>
@@ -2698,7 +2699,7 @@
           </a:ln>
           <a:extLst>
             <a:ext uri="{909E8E84-426E-40dd-AFC4-6F175D3DCCD1}">
-              <a14:hiddenFill xmlns:a14="http://schemas.microsoft.com/office/drawing/2010/main">
+              <a14:hiddenFill xmlns:a14="http://schemas.microsoft.com/office/drawing/2010/main" xmlns="">
                 <a:noFill/>
               </a14:hiddenFill>
             </a:ext>
@@ -2734,14 +2735,14 @@
           </a:ln>
           <a:extLst>
             <a:ext uri="{909E8E84-426E-40dd-AFC4-6F175D3DCCD1}">
-              <a14:hiddenFill xmlns:a14="http://schemas.microsoft.com/office/drawing/2010/main">
+              <a14:hiddenFill xmlns:a14="http://schemas.microsoft.com/office/drawing/2010/main" xmlns="">
                 <a:solidFill>
                   <a:srgbClr val="FFFFFF"/>
                 </a:solidFill>
               </a14:hiddenFill>
             </a:ext>
             <a:ext uri="{91240B29-F687-4f45-9708-019B960494DF}">
-              <a14:hiddenLine xmlns:a14="http://schemas.microsoft.com/office/drawing/2010/main" w="9525">
+              <a14:hiddenLine xmlns:a14="http://schemas.microsoft.com/office/drawing/2010/main" xmlns="" w="9525">
                 <a:solidFill>
                   <a:srgbClr val="000000"/>
                 </a:solidFill>
@@ -2898,14 +2899,14 @@
           </a:ln>
           <a:extLst>
             <a:ext uri="{909E8E84-426E-40dd-AFC4-6F175D3DCCD1}">
-              <a14:hiddenFill xmlns:a14="http://schemas.microsoft.com/office/drawing/2010/main">
+              <a14:hiddenFill xmlns:a14="http://schemas.microsoft.com/office/drawing/2010/main" xmlns="">
                 <a:solidFill>
                   <a:srgbClr val="FFFFFF"/>
                 </a:solidFill>
               </a14:hiddenFill>
             </a:ext>
             <a:ext uri="{91240B29-F687-4f45-9708-019B960494DF}">
-              <a14:hiddenLine xmlns:a14="http://schemas.microsoft.com/office/drawing/2010/main" w="9525">
+              <a14:hiddenLine xmlns:a14="http://schemas.microsoft.com/office/drawing/2010/main" xmlns="" w="9525">
                 <a:solidFill>
                   <a:srgbClr val="000000"/>
                 </a:solidFill>
@@ -2915,7 +2916,7 @@
               </a14:hiddenLine>
             </a:ext>
             <a:ext uri="{FAA26D3D-D897-4be2-8F04-BA451C77F1D7}">
-              <ma14:placeholderFlag xmlns:ma14="http://schemas.microsoft.com/office/mac/drawingml/2011/main" val="1"/>
+              <ma14:placeholderFlag xmlns:ma14="http://schemas.microsoft.com/office/mac/drawingml/2011/main" xmlns="" val="1"/>
             </a:ext>
           </a:extLst>
         </p:spPr>
@@ -3567,14 +3568,14 @@
           </a:ln>
           <a:extLst>
             <a:ext uri="{909E8E84-426E-40dd-AFC4-6F175D3DCCD1}">
-              <a14:hiddenFill xmlns:a14="http://schemas.microsoft.com/office/drawing/2010/main">
+              <a14:hiddenFill xmlns:a14="http://schemas.microsoft.com/office/drawing/2010/main" xmlns="">
                 <a:solidFill>
                   <a:srgbClr val="FFFFFF"/>
                 </a:solidFill>
               </a14:hiddenFill>
             </a:ext>
             <a:ext uri="{91240B29-F687-4f45-9708-019B960494DF}">
-              <a14:hiddenLine xmlns:a14="http://schemas.microsoft.com/office/drawing/2010/main" w="9525">
+              <a14:hiddenLine xmlns:a14="http://schemas.microsoft.com/office/drawing/2010/main" xmlns="" w="9525">
                 <a:solidFill>
                   <a:srgbClr val="000000"/>
                 </a:solidFill>
@@ -3711,7 +3712,7 @@
   <p:timing>
     <p:tnLst>
       <p:par>
-        <p:cTn xmlns:p14="http://schemas.microsoft.com/office/powerpoint/2010/main" id="1" dur="indefinite" restart="never" nodeType="tmRoot"/>
+        <p:cTn id="1" dur="indefinite" restart="never" nodeType="tmRoot"/>
       </p:par>
     </p:tnLst>
   </p:timing>
@@ -3782,8 +3783,8 @@
         </p:blipFill>
         <p:spPr>
           <a:xfrm>
-            <a:off x="31010" y="1777433"/>
-            <a:ext cx="9874990" cy="4393430"/>
+            <a:off x="1424608" y="3212976"/>
+            <a:ext cx="6808230" cy="3029014"/>
           </a:xfrm>
         </p:spPr>
       </p:pic>
@@ -3810,6 +3811,288 @@
           </a:p>
         </p:txBody>
       </p:sp>
+      <p:sp>
+        <p:nvSpPr>
+          <p:cNvPr id="6" name="Content Placeholder 2"/>
+          <p:cNvSpPr txBox="1">
+            <a:spLocks/>
+          </p:cNvSpPr>
+          <p:nvPr/>
+        </p:nvSpPr>
+        <p:spPr bwMode="auto">
+          <a:xfrm>
+            <a:off x="210721" y="1755805"/>
+            <a:ext cx="8846735" cy="1025123"/>
+          </a:xfrm>
+          <a:prstGeom prst="rect">
+            <a:avLst/>
+          </a:prstGeom>
+          <a:noFill/>
+          <a:ln>
+            <a:noFill/>
+          </a:ln>
+          <a:extLst>
+            <a:ext uri="{909E8E84-426E-40dd-AFC4-6F175D3DCCD1}">
+              <a14:hiddenFill xmlns:a14="http://schemas.microsoft.com/office/drawing/2010/main" xmlns="">
+                <a:solidFill>
+                  <a:srgbClr val="FFFFFF"/>
+                </a:solidFill>
+              </a14:hiddenFill>
+            </a:ext>
+            <a:ext uri="{91240B29-F687-4f45-9708-019B960494DF}">
+              <a14:hiddenLine xmlns:a14="http://schemas.microsoft.com/office/drawing/2010/main" xmlns="" w="9525">
+                <a:solidFill>
+                  <a:srgbClr val="000000"/>
+                </a:solidFill>
+                <a:miter lim="800000"/>
+                <a:headEnd/>
+                <a:tailEnd/>
+              </a14:hiddenLine>
+            </a:ext>
+            <a:ext uri="{FAA26D3D-D897-4be2-8F04-BA451C77F1D7}">
+              <ma14:placeholderFlag xmlns:ma14="http://schemas.microsoft.com/office/mac/drawingml/2011/main" xmlns="" val="1"/>
+            </a:ext>
+          </a:extLst>
+        </p:spPr>
+        <p:txBody>
+          <a:bodyPr vert="horz" wrap="square" lIns="92075" tIns="46038" rIns="92075" bIns="46038" numCol="1" anchor="t" anchorCtr="0" compatLnSpc="1">
+            <a:prstTxWarp prst="textNoShape">
+              <a:avLst/>
+            </a:prstTxWarp>
+          </a:bodyPr>
+          <a:lstStyle>
+            <a:lvl1pPr marL="762000" indent="-571500" algn="l" defTabSz="762000" rtl="0" eaLnBrk="1" fontAlgn="base" hangingPunct="1">
+              <a:spcBef>
+                <a:spcPct val="70000"/>
+              </a:spcBef>
+              <a:spcAft>
+                <a:spcPct val="0"/>
+              </a:spcAft>
+              <a:buClr>
+                <a:srgbClr val="154E7E"/>
+              </a:buClr>
+              <a:buSzPct val="100000"/>
+              <a:buFont typeface="Wingdings" charset="0"/>
+              <a:buChar char="l"/>
+              <a:defRPr sz="2400" b="1">
+                <a:solidFill>
+                  <a:schemeClr val="tx1"/>
+                </a:solidFill>
+                <a:latin typeface="+mn-lt"/>
+                <a:ea typeface="MS PGothic" panose="020B0600070205080204" pitchFamily="34" charset="-128"/>
+                <a:cs typeface="MS PGothic" charset="0"/>
+              </a:defRPr>
+            </a:lvl1pPr>
+            <a:lvl2pPr marL="1524000" indent="-381000" algn="l" defTabSz="762000" rtl="0" eaLnBrk="1" fontAlgn="base" hangingPunct="1">
+              <a:lnSpc>
+                <a:spcPct val="90000"/>
+              </a:lnSpc>
+              <a:spcBef>
+                <a:spcPct val="30000"/>
+              </a:spcBef>
+              <a:spcAft>
+                <a:spcPct val="0"/>
+              </a:spcAft>
+              <a:buClr>
+                <a:srgbClr val="154E7E"/>
+              </a:buClr>
+              <a:buSzPct val="100000"/>
+              <a:buFont typeface="Wingdings" charset="0"/>
+              <a:buChar char="Ø"/>
+              <a:defRPr sz="2000" b="1">
+                <a:solidFill>
+                  <a:schemeClr val="tx1"/>
+                </a:solidFill>
+                <a:latin typeface="+mn-lt"/>
+                <a:ea typeface="MS PGothic" panose="020B0600070205080204" pitchFamily="34" charset="-128"/>
+                <a:cs typeface="MS PGothic" charset="0"/>
+              </a:defRPr>
+            </a:lvl2pPr>
+            <a:lvl3pPr marL="2190750" indent="-285750" algn="l" defTabSz="762000" rtl="0" eaLnBrk="1" fontAlgn="base" hangingPunct="1">
+              <a:lnSpc>
+                <a:spcPct val="90000"/>
+              </a:lnSpc>
+              <a:spcBef>
+                <a:spcPct val="30000"/>
+              </a:spcBef>
+              <a:spcAft>
+                <a:spcPct val="0"/>
+              </a:spcAft>
+              <a:buClr>
+                <a:srgbClr val="154E7E"/>
+              </a:buClr>
+              <a:buSzPct val="100000"/>
+              <a:buFont typeface="Wingdings" charset="0"/>
+              <a:buChar char="§"/>
+              <a:defRPr b="1">
+                <a:solidFill>
+                  <a:schemeClr val="tx1"/>
+                </a:solidFill>
+                <a:latin typeface="+mn-lt"/>
+                <a:ea typeface="MS PGothic" panose="020B0600070205080204" pitchFamily="34" charset="-128"/>
+                <a:cs typeface="MS PGothic" charset="0"/>
+              </a:defRPr>
+            </a:lvl3pPr>
+            <a:lvl4pPr marL="2647950" indent="-171450" algn="l" defTabSz="762000" rtl="0" eaLnBrk="1" fontAlgn="base" hangingPunct="1">
+              <a:lnSpc>
+                <a:spcPct val="90000"/>
+              </a:lnSpc>
+              <a:spcBef>
+                <a:spcPct val="30000"/>
+              </a:spcBef>
+              <a:spcAft>
+                <a:spcPct val="0"/>
+              </a:spcAft>
+              <a:buClr>
+                <a:srgbClr val="FAFD00"/>
+              </a:buClr>
+              <a:buSzPct val="100000"/>
+              <a:buFont typeface="Arial" charset="0"/>
+              <a:buChar char="•"/>
+              <a:defRPr sz="1400" b="1">
+                <a:solidFill>
+                  <a:schemeClr val="tx1"/>
+                </a:solidFill>
+                <a:latin typeface="+mn-lt"/>
+                <a:ea typeface="MS PGothic" panose="020B0600070205080204" pitchFamily="34" charset="-128"/>
+                <a:cs typeface="MS PGothic" charset="0"/>
+              </a:defRPr>
+            </a:lvl4pPr>
+            <a:lvl5pPr marL="3009900" indent="-171450" algn="l" defTabSz="762000" rtl="0" eaLnBrk="1" fontAlgn="base" hangingPunct="1">
+              <a:lnSpc>
+                <a:spcPct val="90000"/>
+              </a:lnSpc>
+              <a:spcBef>
+                <a:spcPct val="30000"/>
+              </a:spcBef>
+              <a:spcAft>
+                <a:spcPct val="0"/>
+              </a:spcAft>
+              <a:buClr>
+                <a:srgbClr val="FAFD00"/>
+              </a:buClr>
+              <a:buSzPct val="100000"/>
+              <a:buFont typeface="Arial" charset="0"/>
+              <a:buChar char="•"/>
+              <a:defRPr sz="1400" b="1">
+                <a:solidFill>
+                  <a:schemeClr val="tx1"/>
+                </a:solidFill>
+                <a:latin typeface="+mn-lt"/>
+                <a:ea typeface="MS PGothic" panose="020B0600070205080204" pitchFamily="34" charset="-128"/>
+                <a:cs typeface="MS PGothic" charset="0"/>
+              </a:defRPr>
+            </a:lvl5pPr>
+            <a:lvl6pPr marL="3467100" indent="-171450" algn="l" defTabSz="762000" rtl="0" eaLnBrk="1" fontAlgn="base" hangingPunct="1">
+              <a:lnSpc>
+                <a:spcPct val="90000"/>
+              </a:lnSpc>
+              <a:spcBef>
+                <a:spcPct val="30000"/>
+              </a:spcBef>
+              <a:spcAft>
+                <a:spcPct val="0"/>
+              </a:spcAft>
+              <a:buClr>
+                <a:srgbClr val="FAFD00"/>
+              </a:buClr>
+              <a:buSzPct val="100000"/>
+              <a:buFont typeface="Arial" charset="0"/>
+              <a:buChar char="•"/>
+              <a:defRPr sz="1400" b="1">
+                <a:solidFill>
+                  <a:schemeClr val="tx1"/>
+                </a:solidFill>
+                <a:latin typeface="+mn-lt"/>
+              </a:defRPr>
+            </a:lvl6pPr>
+            <a:lvl7pPr marL="3924300" indent="-171450" algn="l" defTabSz="762000" rtl="0" eaLnBrk="1" fontAlgn="base" hangingPunct="1">
+              <a:lnSpc>
+                <a:spcPct val="90000"/>
+              </a:lnSpc>
+              <a:spcBef>
+                <a:spcPct val="30000"/>
+              </a:spcBef>
+              <a:spcAft>
+                <a:spcPct val="0"/>
+              </a:spcAft>
+              <a:buClr>
+                <a:srgbClr val="FAFD00"/>
+              </a:buClr>
+              <a:buSzPct val="100000"/>
+              <a:buFont typeface="Arial" charset="0"/>
+              <a:buChar char="•"/>
+              <a:defRPr sz="1400" b="1">
+                <a:solidFill>
+                  <a:schemeClr val="tx1"/>
+                </a:solidFill>
+                <a:latin typeface="+mn-lt"/>
+              </a:defRPr>
+            </a:lvl7pPr>
+            <a:lvl8pPr marL="4381500" indent="-171450" algn="l" defTabSz="762000" rtl="0" eaLnBrk="1" fontAlgn="base" hangingPunct="1">
+              <a:lnSpc>
+                <a:spcPct val="90000"/>
+              </a:lnSpc>
+              <a:spcBef>
+                <a:spcPct val="30000"/>
+              </a:spcBef>
+              <a:spcAft>
+                <a:spcPct val="0"/>
+              </a:spcAft>
+              <a:buClr>
+                <a:srgbClr val="FAFD00"/>
+              </a:buClr>
+              <a:buSzPct val="100000"/>
+              <a:buFont typeface="Arial" charset="0"/>
+              <a:buChar char="•"/>
+              <a:defRPr sz="1400" b="1">
+                <a:solidFill>
+                  <a:schemeClr val="tx1"/>
+                </a:solidFill>
+                <a:latin typeface="+mn-lt"/>
+              </a:defRPr>
+            </a:lvl8pPr>
+            <a:lvl9pPr marL="4838700" indent="-171450" algn="l" defTabSz="762000" rtl="0" eaLnBrk="1" fontAlgn="base" hangingPunct="1">
+              <a:lnSpc>
+                <a:spcPct val="90000"/>
+              </a:lnSpc>
+              <a:spcBef>
+                <a:spcPct val="30000"/>
+              </a:spcBef>
+              <a:spcAft>
+                <a:spcPct val="0"/>
+              </a:spcAft>
+              <a:buClr>
+                <a:srgbClr val="FAFD00"/>
+              </a:buClr>
+              <a:buSzPct val="100000"/>
+              <a:buFont typeface="Arial" charset="0"/>
+              <a:buChar char="•"/>
+              <a:defRPr sz="1400" b="1">
+                <a:solidFill>
+                  <a:schemeClr val="tx1"/>
+                </a:solidFill>
+                <a:latin typeface="+mn-lt"/>
+              </a:defRPr>
+            </a:lvl9pPr>
+          </a:lstStyle>
+          <a:p>
+            <a:r>
+              <a:rPr lang="en-ZA" kern="0" dirty="0" smtClean="0"/>
+              <a:t>Matched to an audiogram</a:t>
+            </a:r>
+          </a:p>
+          <a:p>
+            <a:r>
+              <a:rPr lang="en-ZA" kern="0" dirty="0" smtClean="0"/>
+              <a:t>Average error per frequency band: 1.41%</a:t>
+            </a:r>
+          </a:p>
+          <a:p>
+            <a:endParaRPr lang="en-ZA" kern="0" dirty="0" smtClean="0"/>
+          </a:p>
+        </p:txBody>
+      </p:sp>
     </p:spTree>
     <p:extLst>
       <p:ext uri="{BB962C8B-B14F-4D97-AF65-F5344CB8AC3E}">
@@ -3823,7 +4106,7 @@
   <p:timing>
     <p:tnLst>
       <p:par>
-        <p:cTn xmlns:p14="http://schemas.microsoft.com/office/powerpoint/2010/main" id="1" dur="indefinite" restart="never" nodeType="tmRoot"/>
+        <p:cTn id="1" dur="indefinite" restart="never" nodeType="tmRoot"/>
       </p:par>
     </p:tnLst>
   </p:timing>
@@ -3894,7 +4177,7 @@
         </p:blipFill>
         <p:spPr>
           <a:xfrm>
-            <a:off x="3438482" y="2140809"/>
+            <a:off x="3577904" y="2036664"/>
             <a:ext cx="3298704" cy="3069834"/>
           </a:xfrm>
         </p:spPr>
@@ -3944,38 +4227,8 @@
         </p:blipFill>
         <p:spPr>
           <a:xfrm>
-            <a:off x="6737186" y="2170189"/>
+            <a:off x="6751214" y="2033772"/>
             <a:ext cx="3154786" cy="2929794"/>
-          </a:xfrm>
-          <a:prstGeom prst="rect">
-            <a:avLst/>
-          </a:prstGeom>
-        </p:spPr>
-      </p:pic>
-      <p:pic>
-        <p:nvPicPr>
-          <p:cNvPr id="7" name="Picture 6"/>
-          <p:cNvPicPr>
-            <a:picLocks noChangeAspect="1"/>
-          </p:cNvPicPr>
-          <p:nvPr/>
-        </p:nvPicPr>
-        <p:blipFill>
-          <a:blip r:embed="rId4">
-            <a:extLst>
-              <a:ext uri="{28A0092B-C50C-407E-A947-70E740481C1C}">
-                <a14:useLocalDpi xmlns:a14="http://schemas.microsoft.com/office/drawing/2010/main" val="0"/>
-              </a:ext>
-            </a:extLst>
-          </a:blip>
-          <a:stretch>
-            <a:fillRect/>
-          </a:stretch>
-        </p:blipFill>
-        <p:spPr>
-          <a:xfrm>
-            <a:off x="88702" y="2170189"/>
-            <a:ext cx="3280885" cy="3040454"/>
           </a:xfrm>
           <a:prstGeom prst="rect">
             <a:avLst/>
@@ -3984,13 +4237,13 @@
       </p:pic>
       <p:sp>
         <p:nvSpPr>
-          <p:cNvPr id="8" name="TextBox 7"/>
+          <p:cNvPr id="9" name="TextBox 8"/>
           <p:cNvSpPr txBox="1"/>
           <p:nvPr/>
         </p:nvSpPr>
         <p:spPr>
           <a:xfrm>
-            <a:off x="1424608" y="5224482"/>
+            <a:off x="4752915" y="5023460"/>
             <a:ext cx="2376264" cy="584775"/>
           </a:xfrm>
           <a:prstGeom prst="rect">
@@ -4009,7 +4262,7 @@
                 <a:latin typeface="Times New Roman" panose="02020603050405020304" pitchFamily="18" charset="0"/>
                 <a:cs typeface="Times New Roman" panose="02020603050405020304" pitchFamily="18" charset="0"/>
               </a:rPr>
-              <a:t>0°</a:t>
+              <a:t>60°</a:t>
             </a:r>
             <a:endParaRPr lang="en-ZA" sz="3200" dirty="0">
               <a:latin typeface="Times New Roman" panose="02020603050405020304" pitchFamily="18" charset="0"/>
@@ -4020,13 +4273,13 @@
       </p:sp>
       <p:sp>
         <p:nvSpPr>
-          <p:cNvPr id="9" name="TextBox 8"/>
+          <p:cNvPr id="10" name="TextBox 9"/>
           <p:cNvSpPr txBox="1"/>
           <p:nvPr/>
         </p:nvSpPr>
         <p:spPr>
           <a:xfrm>
-            <a:off x="4750183" y="5206404"/>
+            <a:off x="8049344" y="5105130"/>
             <a:ext cx="2376264" cy="584775"/>
           </a:xfrm>
           <a:prstGeom prst="rect">
@@ -4041,42 +4294,6 @@
           <a:lstStyle/>
           <a:p>
             <a:r>
-              <a:rPr lang="en-ZA" sz="3200" dirty="0" smtClean="0">
-                <a:latin typeface="Times New Roman" panose="02020603050405020304" pitchFamily="18" charset="0"/>
-                <a:cs typeface="Times New Roman" panose="02020603050405020304" pitchFamily="18" charset="0"/>
-              </a:rPr>
-              <a:t>60°</a:t>
-            </a:r>
-            <a:endParaRPr lang="en-ZA" sz="3200" dirty="0">
-              <a:latin typeface="Times New Roman" panose="02020603050405020304" pitchFamily="18" charset="0"/>
-              <a:cs typeface="Times New Roman" panose="02020603050405020304" pitchFamily="18" charset="0"/>
-            </a:endParaRPr>
-          </a:p>
-        </p:txBody>
-      </p:sp>
-      <p:sp>
-        <p:nvSpPr>
-          <p:cNvPr id="10" name="TextBox 9"/>
-          <p:cNvSpPr txBox="1"/>
-          <p:nvPr/>
-        </p:nvSpPr>
-        <p:spPr>
-          <a:xfrm>
-            <a:off x="7977336" y="5226008"/>
-            <a:ext cx="2376264" cy="584775"/>
-          </a:xfrm>
-          <a:prstGeom prst="rect">
-            <a:avLst/>
-          </a:prstGeom>
-          <a:noFill/>
-        </p:spPr>
-        <p:txBody>
-          <a:bodyPr wrap="square" rtlCol="0">
-            <a:spAutoFit/>
-          </a:bodyPr>
-          <a:lstStyle/>
-          <a:p>
-            <a:r>
               <a:rPr lang="en-ZA" sz="3200" dirty="0">
                 <a:latin typeface="Times New Roman" panose="02020603050405020304" pitchFamily="18" charset="0"/>
                 <a:cs typeface="Times New Roman" panose="02020603050405020304" pitchFamily="18" charset="0"/>
@@ -4097,6 +4314,405 @@
           </a:p>
         </p:txBody>
       </p:sp>
+      <mc:AlternateContent xmlns:mc="http://schemas.openxmlformats.org/markup-compatibility/2006">
+        <mc:Choice xmlns:a14="http://schemas.microsoft.com/office/drawing/2010/main" Requires="a14">
+          <p:sp>
+            <p:nvSpPr>
+              <p:cNvPr id="11" name="Content Placeholder 2"/>
+              <p:cNvSpPr txBox="1">
+                <a:spLocks/>
+              </p:cNvSpPr>
+              <p:nvPr/>
+            </p:nvSpPr>
+            <p:spPr bwMode="auto">
+              <a:xfrm>
+                <a:off x="210721" y="1971841"/>
+                <a:ext cx="3878183" cy="4248472"/>
+              </a:xfrm>
+              <a:prstGeom prst="rect">
+                <a:avLst/>
+              </a:prstGeom>
+              <a:noFill/>
+              <a:ln>
+                <a:noFill/>
+              </a:ln>
+              <a:extLst>
+                <a:ext uri="{909E8E84-426E-40dd-AFC4-6F175D3DCCD1}">
+                  <a14:hiddenFill xmlns="">
+                    <a:solidFill>
+                      <a:srgbClr val="FFFFFF"/>
+                    </a:solidFill>
+                  </a14:hiddenFill>
+                </a:ext>
+                <a:ext uri="{91240B29-F687-4f45-9708-019B960494DF}">
+                  <a14:hiddenLine xmlns="" w="9525">
+                    <a:solidFill>
+                      <a:srgbClr val="000000"/>
+                    </a:solidFill>
+                    <a:miter lim="800000"/>
+                    <a:headEnd/>
+                    <a:tailEnd/>
+                  </a14:hiddenLine>
+                </a:ext>
+                <a:ext uri="{FAA26D3D-D897-4be2-8F04-BA451C77F1D7}">
+                  <ma14:placeholderFlag xmlns:ma14="http://schemas.microsoft.com/office/mac/drawingml/2011/main" xmlns="" val="1"/>
+                </a:ext>
+              </a:extLst>
+            </p:spPr>
+            <p:txBody>
+              <a:bodyPr vert="horz" wrap="square" lIns="92075" tIns="46038" rIns="92075" bIns="46038" numCol="1" anchor="t" anchorCtr="0" compatLnSpc="1">
+                <a:prstTxWarp prst="textNoShape">
+                  <a:avLst/>
+                </a:prstTxWarp>
+              </a:bodyPr>
+              <a:lstStyle>
+                <a:lvl1pPr marL="762000" indent="-571500" algn="l" defTabSz="762000" rtl="0" eaLnBrk="1" fontAlgn="base" hangingPunct="1">
+                  <a:spcBef>
+                    <a:spcPct val="70000"/>
+                  </a:spcBef>
+                  <a:spcAft>
+                    <a:spcPct val="0"/>
+                  </a:spcAft>
+                  <a:buClr>
+                    <a:srgbClr val="154E7E"/>
+                  </a:buClr>
+                  <a:buSzPct val="100000"/>
+                  <a:buFont typeface="Wingdings" charset="0"/>
+                  <a:buChar char="l"/>
+                  <a:defRPr sz="2400" b="1">
+                    <a:solidFill>
+                      <a:schemeClr val="tx1"/>
+                    </a:solidFill>
+                    <a:latin typeface="+mn-lt"/>
+                    <a:ea typeface="MS PGothic" panose="020B0600070205080204" pitchFamily="34" charset="-128"/>
+                    <a:cs typeface="MS PGothic" charset="0"/>
+                  </a:defRPr>
+                </a:lvl1pPr>
+                <a:lvl2pPr marL="1524000" indent="-381000" algn="l" defTabSz="762000" rtl="0" eaLnBrk="1" fontAlgn="base" hangingPunct="1">
+                  <a:lnSpc>
+                    <a:spcPct val="90000"/>
+                  </a:lnSpc>
+                  <a:spcBef>
+                    <a:spcPct val="30000"/>
+                  </a:spcBef>
+                  <a:spcAft>
+                    <a:spcPct val="0"/>
+                  </a:spcAft>
+                  <a:buClr>
+                    <a:srgbClr val="154E7E"/>
+                  </a:buClr>
+                  <a:buSzPct val="100000"/>
+                  <a:buFont typeface="Wingdings" charset="0"/>
+                  <a:buChar char="Ø"/>
+                  <a:defRPr sz="2000" b="1">
+                    <a:solidFill>
+                      <a:schemeClr val="tx1"/>
+                    </a:solidFill>
+                    <a:latin typeface="+mn-lt"/>
+                    <a:ea typeface="MS PGothic" panose="020B0600070205080204" pitchFamily="34" charset="-128"/>
+                    <a:cs typeface="MS PGothic" charset="0"/>
+                  </a:defRPr>
+                </a:lvl2pPr>
+                <a:lvl3pPr marL="2190750" indent="-285750" algn="l" defTabSz="762000" rtl="0" eaLnBrk="1" fontAlgn="base" hangingPunct="1">
+                  <a:lnSpc>
+                    <a:spcPct val="90000"/>
+                  </a:lnSpc>
+                  <a:spcBef>
+                    <a:spcPct val="30000"/>
+                  </a:spcBef>
+                  <a:spcAft>
+                    <a:spcPct val="0"/>
+                  </a:spcAft>
+                  <a:buClr>
+                    <a:srgbClr val="154E7E"/>
+                  </a:buClr>
+                  <a:buSzPct val="100000"/>
+                  <a:buFont typeface="Wingdings" charset="0"/>
+                  <a:buChar char="§"/>
+                  <a:defRPr b="1">
+                    <a:solidFill>
+                      <a:schemeClr val="tx1"/>
+                    </a:solidFill>
+                    <a:latin typeface="+mn-lt"/>
+                    <a:ea typeface="MS PGothic" panose="020B0600070205080204" pitchFamily="34" charset="-128"/>
+                    <a:cs typeface="MS PGothic" charset="0"/>
+                  </a:defRPr>
+                </a:lvl3pPr>
+                <a:lvl4pPr marL="2647950" indent="-171450" algn="l" defTabSz="762000" rtl="0" eaLnBrk="1" fontAlgn="base" hangingPunct="1">
+                  <a:lnSpc>
+                    <a:spcPct val="90000"/>
+                  </a:lnSpc>
+                  <a:spcBef>
+                    <a:spcPct val="30000"/>
+                  </a:spcBef>
+                  <a:spcAft>
+                    <a:spcPct val="0"/>
+                  </a:spcAft>
+                  <a:buClr>
+                    <a:srgbClr val="FAFD00"/>
+                  </a:buClr>
+                  <a:buSzPct val="100000"/>
+                  <a:buFont typeface="Arial" charset="0"/>
+                  <a:buChar char="•"/>
+                  <a:defRPr sz="1400" b="1">
+                    <a:solidFill>
+                      <a:schemeClr val="tx1"/>
+                    </a:solidFill>
+                    <a:latin typeface="+mn-lt"/>
+                    <a:ea typeface="MS PGothic" panose="020B0600070205080204" pitchFamily="34" charset="-128"/>
+                    <a:cs typeface="MS PGothic" charset="0"/>
+                  </a:defRPr>
+                </a:lvl4pPr>
+                <a:lvl5pPr marL="3009900" indent="-171450" algn="l" defTabSz="762000" rtl="0" eaLnBrk="1" fontAlgn="base" hangingPunct="1">
+                  <a:lnSpc>
+                    <a:spcPct val="90000"/>
+                  </a:lnSpc>
+                  <a:spcBef>
+                    <a:spcPct val="30000"/>
+                  </a:spcBef>
+                  <a:spcAft>
+                    <a:spcPct val="0"/>
+                  </a:spcAft>
+                  <a:buClr>
+                    <a:srgbClr val="FAFD00"/>
+                  </a:buClr>
+                  <a:buSzPct val="100000"/>
+                  <a:buFont typeface="Arial" charset="0"/>
+                  <a:buChar char="•"/>
+                  <a:defRPr sz="1400" b="1">
+                    <a:solidFill>
+                      <a:schemeClr val="tx1"/>
+                    </a:solidFill>
+                    <a:latin typeface="+mn-lt"/>
+                    <a:ea typeface="MS PGothic" panose="020B0600070205080204" pitchFamily="34" charset="-128"/>
+                    <a:cs typeface="MS PGothic" charset="0"/>
+                  </a:defRPr>
+                </a:lvl5pPr>
+                <a:lvl6pPr marL="3467100" indent="-171450" algn="l" defTabSz="762000" rtl="0" eaLnBrk="1" fontAlgn="base" hangingPunct="1">
+                  <a:lnSpc>
+                    <a:spcPct val="90000"/>
+                  </a:lnSpc>
+                  <a:spcBef>
+                    <a:spcPct val="30000"/>
+                  </a:spcBef>
+                  <a:spcAft>
+                    <a:spcPct val="0"/>
+                  </a:spcAft>
+                  <a:buClr>
+                    <a:srgbClr val="FAFD00"/>
+                  </a:buClr>
+                  <a:buSzPct val="100000"/>
+                  <a:buFont typeface="Arial" charset="0"/>
+                  <a:buChar char="•"/>
+                  <a:defRPr sz="1400" b="1">
+                    <a:solidFill>
+                      <a:schemeClr val="tx1"/>
+                    </a:solidFill>
+                    <a:latin typeface="+mn-lt"/>
+                  </a:defRPr>
+                </a:lvl6pPr>
+                <a:lvl7pPr marL="3924300" indent="-171450" algn="l" defTabSz="762000" rtl="0" eaLnBrk="1" fontAlgn="base" hangingPunct="1">
+                  <a:lnSpc>
+                    <a:spcPct val="90000"/>
+                  </a:lnSpc>
+                  <a:spcBef>
+                    <a:spcPct val="30000"/>
+                  </a:spcBef>
+                  <a:spcAft>
+                    <a:spcPct val="0"/>
+                  </a:spcAft>
+                  <a:buClr>
+                    <a:srgbClr val="FAFD00"/>
+                  </a:buClr>
+                  <a:buSzPct val="100000"/>
+                  <a:buFont typeface="Arial" charset="0"/>
+                  <a:buChar char="•"/>
+                  <a:defRPr sz="1400" b="1">
+                    <a:solidFill>
+                      <a:schemeClr val="tx1"/>
+                    </a:solidFill>
+                    <a:latin typeface="+mn-lt"/>
+                  </a:defRPr>
+                </a:lvl7pPr>
+                <a:lvl8pPr marL="4381500" indent="-171450" algn="l" defTabSz="762000" rtl="0" eaLnBrk="1" fontAlgn="base" hangingPunct="1">
+                  <a:lnSpc>
+                    <a:spcPct val="90000"/>
+                  </a:lnSpc>
+                  <a:spcBef>
+                    <a:spcPct val="30000"/>
+                  </a:spcBef>
+                  <a:spcAft>
+                    <a:spcPct val="0"/>
+                  </a:spcAft>
+                  <a:buClr>
+                    <a:srgbClr val="FAFD00"/>
+                  </a:buClr>
+                  <a:buSzPct val="100000"/>
+                  <a:buFont typeface="Arial" charset="0"/>
+                  <a:buChar char="•"/>
+                  <a:defRPr sz="1400" b="1">
+                    <a:solidFill>
+                      <a:schemeClr val="tx1"/>
+                    </a:solidFill>
+                    <a:latin typeface="+mn-lt"/>
+                  </a:defRPr>
+                </a:lvl8pPr>
+                <a:lvl9pPr marL="4838700" indent="-171450" algn="l" defTabSz="762000" rtl="0" eaLnBrk="1" fontAlgn="base" hangingPunct="1">
+                  <a:lnSpc>
+                    <a:spcPct val="90000"/>
+                  </a:lnSpc>
+                  <a:spcBef>
+                    <a:spcPct val="30000"/>
+                  </a:spcBef>
+                  <a:spcAft>
+                    <a:spcPct val="0"/>
+                  </a:spcAft>
+                  <a:buClr>
+                    <a:srgbClr val="FAFD00"/>
+                  </a:buClr>
+                  <a:buSzPct val="100000"/>
+                  <a:buFont typeface="Arial" charset="0"/>
+                  <a:buChar char="•"/>
+                  <a:defRPr sz="1400" b="1">
+                    <a:solidFill>
+                      <a:schemeClr val="tx1"/>
+                    </a:solidFill>
+                    <a:latin typeface="+mn-lt"/>
+                  </a:defRPr>
+                </a:lvl9pPr>
+              </a:lstStyle>
+              <a:p>
+                <a:r>
+                  <a:rPr lang="en-ZA" kern="0" dirty="0" smtClean="0"/>
+                  <a:t>Most precise steering at 3.15 kHz</a:t>
+                </a:r>
+              </a:p>
+              <a:p>
+                <a:r>
+                  <a:rPr lang="en-ZA" kern="0" dirty="0" smtClean="0"/>
+                  <a:t>Spatial aliasing </a:t>
+                </a:r>
+              </a:p>
+              <a:p>
+                <a:pPr lvl="1"/>
+                <a14:m/>
+              </a:p>
+              <a:p>
+                <a:pPr lvl="1"/>
+                <a:endParaRPr lang="en-ZA" kern="0" dirty="0" smtClean="0"/>
+              </a:p>
+              <a:p>
+                <a:pPr lvl="1"/>
+                <a14:m>
+                  <m:oMath xmlns:m="http://schemas.openxmlformats.org/officeDocument/2006/math">
+                    <m:sSub>
+                      <m:sSubPr>
+                        <m:ctrlPr>
+                          <a:rPr lang="en-ZA" i="1" kern="0" smtClean="0">
+                            <a:latin typeface="Cambria Math" panose="02040503050406030204" pitchFamily="18" charset="0"/>
+                          </a:rPr>
+                        </m:ctrlPr>
+                      </m:sSubPr>
+                      <m:e>
+                        <m:r>
+                          <m:rPr>
+                            <m:sty m:val="p"/>
+                          </m:rPr>
+                          <a:rPr lang="el-GR" i="1" kern="0">
+                            <a:latin typeface="Cambria Math" panose="02040503050406030204" pitchFamily="18" charset="0"/>
+                          </a:rPr>
+                          <m:t>λ</m:t>
+                        </m:r>
+                      </m:e>
+                      <m:sub>
+                        <m:r>
+                          <a:rPr lang="en-ZA" b="1" i="1" kern="0" smtClean="0">
+                            <a:latin typeface="Cambria Math" panose="02040503050406030204" pitchFamily="18" charset="0"/>
+                          </a:rPr>
+                          <m:t>𝒎𝒊𝒏</m:t>
+                        </m:r>
+                      </m:sub>
+                    </m:sSub>
+                    <m:r>
+                      <a:rPr lang="en-ZA" b="1" i="1" kern="0" smtClean="0">
+                        <a:latin typeface="Cambria Math" panose="02040503050406030204" pitchFamily="18" charset="0"/>
+                      </a:rPr>
+                      <m:t> </m:t>
+                    </m:r>
+                  </m:oMath>
+                </a14:m>
+                <a:r>
+                  <a:rPr lang="en-ZA" kern="0" dirty="0" smtClean="0"/>
+                  <a:t>= wavelength of maximum frequency</a:t>
+                </a:r>
+              </a:p>
+            </p:txBody>
+          </p:sp>
+        </mc:Choice>
+        <mc:Fallback>
+          <p:sp>
+            <p:nvSpPr>
+              <p:cNvPr id="11" name="Content Placeholder 2"/>
+              <p:cNvSpPr txBox="1">
+                <a:spLocks noRot="1" noChangeAspect="1" noMove="1" noResize="1" noEditPoints="1" noAdjustHandles="1" noChangeArrowheads="1" noChangeShapeType="1" noTextEdit="1"/>
+              </p:cNvSpPr>
+              <p:nvPr/>
+            </p:nvSpPr>
+            <p:spPr bwMode="auto">
+              <a:xfrm>
+                <a:off x="210721" y="1971841"/>
+                <a:ext cx="3878183" cy="4248472"/>
+              </a:xfrm>
+              <a:prstGeom prst="rect">
+                <a:avLst/>
+              </a:prstGeom>
+              <a:blipFill>
+                <a:blip r:embed="rId4"/>
+                <a:stretch>
+                  <a:fillRect t="-861" r="-2830"/>
+                </a:stretch>
+              </a:blipFill>
+              <a:ln>
+                <a:noFill/>
+              </a:ln>
+              <a:extLst>
+                <a:ext uri="{909E8E84-426E-40dd-AFC4-6F175D3DCCD1}">
+                  <a14:hiddenFill xmlns:a14="http://schemas.microsoft.com/office/drawing/2010/main" xmlns="">
+                    <a:solidFill>
+                      <a:srgbClr val="FFFFFF"/>
+                    </a:solidFill>
+                  </a14:hiddenFill>
+                </a:ext>
+                <a:ext uri="{91240B29-F687-4f45-9708-019B960494DF}">
+                  <a14:hiddenLine xmlns:a14="http://schemas.microsoft.com/office/drawing/2010/main" xmlns="" w="9525">
+                    <a:solidFill>
+                      <a:srgbClr val="000000"/>
+                    </a:solidFill>
+                    <a:miter lim="800000"/>
+                    <a:headEnd/>
+                    <a:tailEnd/>
+                  </a14:hiddenLine>
+                </a:ext>
+                <a:ext uri="{FAA26D3D-D897-4be2-8F04-BA451C77F1D7}">
+                  <ma14:placeholderFlag xmlns:ma14="http://schemas.microsoft.com/office/mac/drawingml/2011/main" xmlns="" val="1"/>
+                </a:ext>
+              </a:extLst>
+            </p:spPr>
+            <p:txBody>
+              <a:bodyPr/>
+              <a:lstStyle/>
+              <a:p>
+                <a:r>
+                  <a:rPr lang="en-ZA">
+                    <a:noFill/>
+                  </a:rPr>
+                  <a:t> </a:t>
+                </a:r>
+              </a:p>
+            </p:txBody>
+          </p:sp>
+        </mc:Fallback>
+      </mc:AlternateContent>
     </p:spTree>
     <p:extLst>
       <p:ext uri="{BB962C8B-B14F-4D97-AF65-F5344CB8AC3E}">
@@ -4110,7 +4726,7 @@
   <p:timing>
     <p:tnLst>
       <p:par>
-        <p:cTn xmlns:p14="http://schemas.microsoft.com/office/powerpoint/2010/main" id="1" dur="indefinite" restart="never" nodeType="tmRoot"/>
+        <p:cTn id="1" dur="indefinite" restart="never" nodeType="tmRoot"/>
       </p:par>
     </p:tnLst>
   </p:timing>
@@ -4181,8 +4797,8 @@
         </p:blipFill>
         <p:spPr>
           <a:xfrm>
-            <a:off x="628150" y="1627142"/>
-            <a:ext cx="7952731" cy="4696272"/>
+            <a:off x="3600792" y="2780928"/>
+            <a:ext cx="5801826" cy="3426113"/>
           </a:xfrm>
         </p:spPr>
       </p:pic>
@@ -4209,6 +4825,307 @@
           </a:p>
         </p:txBody>
       </p:sp>
+      <p:sp>
+        <p:nvSpPr>
+          <p:cNvPr id="6" name="Content Placeholder 2"/>
+          <p:cNvSpPr txBox="1">
+            <a:spLocks/>
+          </p:cNvSpPr>
+          <p:nvPr/>
+        </p:nvSpPr>
+        <p:spPr bwMode="auto">
+          <a:xfrm>
+            <a:off x="210721" y="1755805"/>
+            <a:ext cx="8846735" cy="1025123"/>
+          </a:xfrm>
+          <a:prstGeom prst="rect">
+            <a:avLst/>
+          </a:prstGeom>
+          <a:noFill/>
+          <a:ln>
+            <a:noFill/>
+          </a:ln>
+          <a:extLst>
+            <a:ext uri="{909E8E84-426E-40dd-AFC4-6F175D3DCCD1}">
+              <a14:hiddenFill xmlns:a14="http://schemas.microsoft.com/office/drawing/2010/main" xmlns="">
+                <a:solidFill>
+                  <a:srgbClr val="FFFFFF"/>
+                </a:solidFill>
+              </a14:hiddenFill>
+            </a:ext>
+            <a:ext uri="{91240B29-F687-4f45-9708-019B960494DF}">
+              <a14:hiddenLine xmlns:a14="http://schemas.microsoft.com/office/drawing/2010/main" xmlns="" w="9525">
+                <a:solidFill>
+                  <a:srgbClr val="000000"/>
+                </a:solidFill>
+                <a:miter lim="800000"/>
+                <a:headEnd/>
+                <a:tailEnd/>
+              </a14:hiddenLine>
+            </a:ext>
+            <a:ext uri="{FAA26D3D-D897-4be2-8F04-BA451C77F1D7}">
+              <ma14:placeholderFlag xmlns:ma14="http://schemas.microsoft.com/office/mac/drawingml/2011/main" xmlns="" val="1"/>
+            </a:ext>
+          </a:extLst>
+        </p:spPr>
+        <p:txBody>
+          <a:bodyPr vert="horz" wrap="square" lIns="92075" tIns="46038" rIns="92075" bIns="46038" numCol="1" anchor="t" anchorCtr="0" compatLnSpc="1">
+            <a:prstTxWarp prst="textNoShape">
+              <a:avLst/>
+            </a:prstTxWarp>
+          </a:bodyPr>
+          <a:lstStyle>
+            <a:lvl1pPr marL="762000" indent="-571500" algn="l" defTabSz="762000" rtl="0" eaLnBrk="1" fontAlgn="base" hangingPunct="1">
+              <a:spcBef>
+                <a:spcPct val="70000"/>
+              </a:spcBef>
+              <a:spcAft>
+                <a:spcPct val="0"/>
+              </a:spcAft>
+              <a:buClr>
+                <a:srgbClr val="154E7E"/>
+              </a:buClr>
+              <a:buSzPct val="100000"/>
+              <a:buFont typeface="Wingdings" charset="0"/>
+              <a:buChar char="l"/>
+              <a:defRPr sz="2400" b="1">
+                <a:solidFill>
+                  <a:schemeClr val="tx1"/>
+                </a:solidFill>
+                <a:latin typeface="+mn-lt"/>
+                <a:ea typeface="MS PGothic" panose="020B0600070205080204" pitchFamily="34" charset="-128"/>
+                <a:cs typeface="MS PGothic" charset="0"/>
+              </a:defRPr>
+            </a:lvl1pPr>
+            <a:lvl2pPr marL="1524000" indent="-381000" algn="l" defTabSz="762000" rtl="0" eaLnBrk="1" fontAlgn="base" hangingPunct="1">
+              <a:lnSpc>
+                <a:spcPct val="90000"/>
+              </a:lnSpc>
+              <a:spcBef>
+                <a:spcPct val="30000"/>
+              </a:spcBef>
+              <a:spcAft>
+                <a:spcPct val="0"/>
+              </a:spcAft>
+              <a:buClr>
+                <a:srgbClr val="154E7E"/>
+              </a:buClr>
+              <a:buSzPct val="100000"/>
+              <a:buFont typeface="Wingdings" charset="0"/>
+              <a:buChar char="Ø"/>
+              <a:defRPr sz="2000" b="1">
+                <a:solidFill>
+                  <a:schemeClr val="tx1"/>
+                </a:solidFill>
+                <a:latin typeface="+mn-lt"/>
+                <a:ea typeface="MS PGothic" panose="020B0600070205080204" pitchFamily="34" charset="-128"/>
+                <a:cs typeface="MS PGothic" charset="0"/>
+              </a:defRPr>
+            </a:lvl2pPr>
+            <a:lvl3pPr marL="2190750" indent="-285750" algn="l" defTabSz="762000" rtl="0" eaLnBrk="1" fontAlgn="base" hangingPunct="1">
+              <a:lnSpc>
+                <a:spcPct val="90000"/>
+              </a:lnSpc>
+              <a:spcBef>
+                <a:spcPct val="30000"/>
+              </a:spcBef>
+              <a:spcAft>
+                <a:spcPct val="0"/>
+              </a:spcAft>
+              <a:buClr>
+                <a:srgbClr val="154E7E"/>
+              </a:buClr>
+              <a:buSzPct val="100000"/>
+              <a:buFont typeface="Wingdings" charset="0"/>
+              <a:buChar char="§"/>
+              <a:defRPr b="1">
+                <a:solidFill>
+                  <a:schemeClr val="tx1"/>
+                </a:solidFill>
+                <a:latin typeface="+mn-lt"/>
+                <a:ea typeface="MS PGothic" panose="020B0600070205080204" pitchFamily="34" charset="-128"/>
+                <a:cs typeface="MS PGothic" charset="0"/>
+              </a:defRPr>
+            </a:lvl3pPr>
+            <a:lvl4pPr marL="2647950" indent="-171450" algn="l" defTabSz="762000" rtl="0" eaLnBrk="1" fontAlgn="base" hangingPunct="1">
+              <a:lnSpc>
+                <a:spcPct val="90000"/>
+              </a:lnSpc>
+              <a:spcBef>
+                <a:spcPct val="30000"/>
+              </a:spcBef>
+              <a:spcAft>
+                <a:spcPct val="0"/>
+              </a:spcAft>
+              <a:buClr>
+                <a:srgbClr val="FAFD00"/>
+              </a:buClr>
+              <a:buSzPct val="100000"/>
+              <a:buFont typeface="Arial" charset="0"/>
+              <a:buChar char="•"/>
+              <a:defRPr sz="1400" b="1">
+                <a:solidFill>
+                  <a:schemeClr val="tx1"/>
+                </a:solidFill>
+                <a:latin typeface="+mn-lt"/>
+                <a:ea typeface="MS PGothic" panose="020B0600070205080204" pitchFamily="34" charset="-128"/>
+                <a:cs typeface="MS PGothic" charset="0"/>
+              </a:defRPr>
+            </a:lvl4pPr>
+            <a:lvl5pPr marL="3009900" indent="-171450" algn="l" defTabSz="762000" rtl="0" eaLnBrk="1" fontAlgn="base" hangingPunct="1">
+              <a:lnSpc>
+                <a:spcPct val="90000"/>
+              </a:lnSpc>
+              <a:spcBef>
+                <a:spcPct val="30000"/>
+              </a:spcBef>
+              <a:spcAft>
+                <a:spcPct val="0"/>
+              </a:spcAft>
+              <a:buClr>
+                <a:srgbClr val="FAFD00"/>
+              </a:buClr>
+              <a:buSzPct val="100000"/>
+              <a:buFont typeface="Arial" charset="0"/>
+              <a:buChar char="•"/>
+              <a:defRPr sz="1400" b="1">
+                <a:solidFill>
+                  <a:schemeClr val="tx1"/>
+                </a:solidFill>
+                <a:latin typeface="+mn-lt"/>
+                <a:ea typeface="MS PGothic" panose="020B0600070205080204" pitchFamily="34" charset="-128"/>
+                <a:cs typeface="MS PGothic" charset="0"/>
+              </a:defRPr>
+            </a:lvl5pPr>
+            <a:lvl6pPr marL="3467100" indent="-171450" algn="l" defTabSz="762000" rtl="0" eaLnBrk="1" fontAlgn="base" hangingPunct="1">
+              <a:lnSpc>
+                <a:spcPct val="90000"/>
+              </a:lnSpc>
+              <a:spcBef>
+                <a:spcPct val="30000"/>
+              </a:spcBef>
+              <a:spcAft>
+                <a:spcPct val="0"/>
+              </a:spcAft>
+              <a:buClr>
+                <a:srgbClr val="FAFD00"/>
+              </a:buClr>
+              <a:buSzPct val="100000"/>
+              <a:buFont typeface="Arial" charset="0"/>
+              <a:buChar char="•"/>
+              <a:defRPr sz="1400" b="1">
+                <a:solidFill>
+                  <a:schemeClr val="tx1"/>
+                </a:solidFill>
+                <a:latin typeface="+mn-lt"/>
+              </a:defRPr>
+            </a:lvl6pPr>
+            <a:lvl7pPr marL="3924300" indent="-171450" algn="l" defTabSz="762000" rtl="0" eaLnBrk="1" fontAlgn="base" hangingPunct="1">
+              <a:lnSpc>
+                <a:spcPct val="90000"/>
+              </a:lnSpc>
+              <a:spcBef>
+                <a:spcPct val="30000"/>
+              </a:spcBef>
+              <a:spcAft>
+                <a:spcPct val="0"/>
+              </a:spcAft>
+              <a:buClr>
+                <a:srgbClr val="FAFD00"/>
+              </a:buClr>
+              <a:buSzPct val="100000"/>
+              <a:buFont typeface="Arial" charset="0"/>
+              <a:buChar char="•"/>
+              <a:defRPr sz="1400" b="1">
+                <a:solidFill>
+                  <a:schemeClr val="tx1"/>
+                </a:solidFill>
+                <a:latin typeface="+mn-lt"/>
+              </a:defRPr>
+            </a:lvl7pPr>
+            <a:lvl8pPr marL="4381500" indent="-171450" algn="l" defTabSz="762000" rtl="0" eaLnBrk="1" fontAlgn="base" hangingPunct="1">
+              <a:lnSpc>
+                <a:spcPct val="90000"/>
+              </a:lnSpc>
+              <a:spcBef>
+                <a:spcPct val="30000"/>
+              </a:spcBef>
+              <a:spcAft>
+                <a:spcPct val="0"/>
+              </a:spcAft>
+              <a:buClr>
+                <a:srgbClr val="FAFD00"/>
+              </a:buClr>
+              <a:buSzPct val="100000"/>
+              <a:buFont typeface="Arial" charset="0"/>
+              <a:buChar char="•"/>
+              <a:defRPr sz="1400" b="1">
+                <a:solidFill>
+                  <a:schemeClr val="tx1"/>
+                </a:solidFill>
+                <a:latin typeface="+mn-lt"/>
+              </a:defRPr>
+            </a:lvl8pPr>
+            <a:lvl9pPr marL="4838700" indent="-171450" algn="l" defTabSz="762000" rtl="0" eaLnBrk="1" fontAlgn="base" hangingPunct="1">
+              <a:lnSpc>
+                <a:spcPct val="90000"/>
+              </a:lnSpc>
+              <a:spcBef>
+                <a:spcPct val="30000"/>
+              </a:spcBef>
+              <a:spcAft>
+                <a:spcPct val="0"/>
+              </a:spcAft>
+              <a:buClr>
+                <a:srgbClr val="FAFD00"/>
+              </a:buClr>
+              <a:buSzPct val="100000"/>
+              <a:buFont typeface="Arial" charset="0"/>
+              <a:buChar char="•"/>
+              <a:defRPr sz="1400" b="1">
+                <a:solidFill>
+                  <a:schemeClr val="tx1"/>
+                </a:solidFill>
+                <a:latin typeface="+mn-lt"/>
+              </a:defRPr>
+            </a:lvl9pPr>
+          </a:lstStyle>
+          <a:p>
+            <a:r>
+              <a:rPr lang="en-ZA" kern="0" dirty="0" smtClean="0"/>
+              <a:t>Input sound frequency: 3.15 kHz</a:t>
+            </a:r>
+          </a:p>
+          <a:p>
+            <a:r>
+              <a:rPr lang="en-ZA" kern="0" dirty="0" smtClean="0"/>
+              <a:t>Effects of amplification of one band are seen across the frequency                                                                  spectrum</a:t>
+            </a:r>
+          </a:p>
+          <a:p>
+            <a:pPr lvl="1"/>
+            <a:r>
+              <a:rPr lang="en-ZA" kern="0" dirty="0" smtClean="0"/>
+              <a:t>Filter order</a:t>
+            </a:r>
+          </a:p>
+          <a:p>
+            <a:r>
+              <a:rPr lang="en-ZA" kern="0" dirty="0" smtClean="0"/>
+              <a:t>Error caused by                                                    interaction of                                                                 stop-bands</a:t>
+            </a:r>
+          </a:p>
+          <a:p>
+            <a:pPr marL="190500" indent="0">
+              <a:buNone/>
+            </a:pPr>
+            <a:endParaRPr lang="en-ZA" kern="0" dirty="0" smtClean="0"/>
+          </a:p>
+          <a:p>
+            <a:endParaRPr lang="en-ZA" kern="0" dirty="0" smtClean="0"/>
+          </a:p>
+        </p:txBody>
+      </p:sp>
     </p:spTree>
     <p:extLst>
       <p:ext uri="{BB962C8B-B14F-4D97-AF65-F5344CB8AC3E}">
@@ -4219,6 +5136,13 @@
   <p:clrMapOvr>
     <a:masterClrMapping/>
   </p:clrMapOvr>
+  <p:timing>
+    <p:tnLst>
+      <p:par>
+        <p:cTn id="1" dur="indefinite" restart="never" nodeType="tmRoot"/>
+      </p:par>
+    </p:tnLst>
+  </p:timing>
 </p:sld>
 </file>
 
@@ -4286,7 +5210,7 @@
         </p:blipFill>
         <p:spPr>
           <a:xfrm>
-            <a:off x="3368824" y="1891384"/>
+            <a:off x="6668630" y="1891384"/>
             <a:ext cx="3237370" cy="3083942"/>
           </a:xfrm>
         </p:spPr>
@@ -4336,38 +5260,8 @@
         </p:blipFill>
         <p:spPr>
           <a:xfrm>
-            <a:off x="0" y="1891384"/>
+            <a:off x="3607795" y="1861603"/>
             <a:ext cx="3224808" cy="3083942"/>
-          </a:xfrm>
-          <a:prstGeom prst="rect">
-            <a:avLst/>
-          </a:prstGeom>
-        </p:spPr>
-      </p:pic>
-      <p:pic>
-        <p:nvPicPr>
-          <p:cNvPr id="7" name="Picture 6"/>
-          <p:cNvPicPr>
-            <a:picLocks noChangeAspect="1"/>
-          </p:cNvPicPr>
-          <p:nvPr/>
-        </p:nvPicPr>
-        <p:blipFill>
-          <a:blip r:embed="rId4">
-            <a:extLst>
-              <a:ext uri="{28A0092B-C50C-407E-A947-70E740481C1C}">
-                <a14:useLocalDpi xmlns:a14="http://schemas.microsoft.com/office/drawing/2010/main" val="0"/>
-              </a:ext>
-            </a:extLst>
-          </a:blip>
-          <a:stretch>
-            <a:fillRect/>
-          </a:stretch>
-        </p:blipFill>
-        <p:spPr>
-          <a:xfrm>
-            <a:off x="6625194" y="1891385"/>
-            <a:ext cx="3184560" cy="3083942"/>
           </a:xfrm>
           <a:prstGeom prst="rect">
             <a:avLst/>
@@ -4382,7 +5276,7 @@
         </p:nvSpPr>
         <p:spPr>
           <a:xfrm>
-            <a:off x="4605048" y="4975326"/>
+            <a:off x="7977336" y="4931163"/>
             <a:ext cx="2376264" cy="584775"/>
           </a:xfrm>
           <a:prstGeom prst="rect">
@@ -4418,7 +5312,7 @@
         </p:nvSpPr>
         <p:spPr>
           <a:xfrm>
-            <a:off x="1218711" y="4945545"/>
+            <a:off x="4804905" y="4885983"/>
             <a:ext cx="2376264" cy="584775"/>
           </a:xfrm>
           <a:prstGeom prst="rect">
@@ -4448,37 +5342,301 @@
       </p:sp>
       <p:sp>
         <p:nvSpPr>
-          <p:cNvPr id="11" name="TextBox 10"/>
-          <p:cNvSpPr txBox="1"/>
+          <p:cNvPr id="12" name="Content Placeholder 2"/>
+          <p:cNvSpPr txBox="1">
+            <a:spLocks/>
+          </p:cNvSpPr>
           <p:nvPr/>
         </p:nvSpPr>
-        <p:spPr>
+        <p:spPr bwMode="auto">
           <a:xfrm>
-            <a:off x="7813326" y="4945544"/>
-            <a:ext cx="2376264" cy="584775"/>
+            <a:off x="210721" y="1971841"/>
+            <a:ext cx="4146584" cy="4248472"/>
           </a:xfrm>
           <a:prstGeom prst="rect">
             <a:avLst/>
           </a:prstGeom>
           <a:noFill/>
+          <a:ln>
+            <a:noFill/>
+          </a:ln>
+          <a:extLst>
+            <a:ext uri="{909E8E84-426E-40dd-AFC4-6F175D3DCCD1}">
+              <a14:hiddenFill xmlns:a14="http://schemas.microsoft.com/office/drawing/2010/main" xmlns="">
+                <a:solidFill>
+                  <a:srgbClr val="FFFFFF"/>
+                </a:solidFill>
+              </a14:hiddenFill>
+            </a:ext>
+            <a:ext uri="{91240B29-F687-4f45-9708-019B960494DF}">
+              <a14:hiddenLine xmlns:a14="http://schemas.microsoft.com/office/drawing/2010/main" xmlns="" w="9525">
+                <a:solidFill>
+                  <a:srgbClr val="000000"/>
+                </a:solidFill>
+                <a:miter lim="800000"/>
+                <a:headEnd/>
+                <a:tailEnd/>
+              </a14:hiddenLine>
+            </a:ext>
+            <a:ext uri="{FAA26D3D-D897-4be2-8F04-BA451C77F1D7}">
+              <ma14:placeholderFlag xmlns:ma14="http://schemas.microsoft.com/office/mac/drawingml/2011/main" xmlns="" val="1"/>
+            </a:ext>
+          </a:extLst>
         </p:spPr>
         <p:txBody>
-          <a:bodyPr wrap="square" rtlCol="0">
-            <a:spAutoFit/>
+          <a:bodyPr vert="horz" wrap="square" lIns="92075" tIns="46038" rIns="92075" bIns="46038" numCol="1" anchor="t" anchorCtr="0" compatLnSpc="1">
+            <a:prstTxWarp prst="textNoShape">
+              <a:avLst/>
+            </a:prstTxWarp>
           </a:bodyPr>
-          <a:lstStyle/>
-          <a:p>
-            <a:r>
-              <a:rPr lang="en-ZA" sz="3200" dirty="0" smtClean="0">
-                <a:latin typeface="Times New Roman" panose="02020603050405020304" pitchFamily="18" charset="0"/>
-                <a:cs typeface="Times New Roman" panose="02020603050405020304" pitchFamily="18" charset="0"/>
-              </a:rPr>
-              <a:t>120°</a:t>
-            </a:r>
-            <a:endParaRPr lang="en-ZA" sz="3200" dirty="0">
-              <a:latin typeface="Times New Roman" panose="02020603050405020304" pitchFamily="18" charset="0"/>
-              <a:cs typeface="Times New Roman" panose="02020603050405020304" pitchFamily="18" charset="0"/>
-            </a:endParaRPr>
+          <a:lstStyle>
+            <a:lvl1pPr marL="762000" indent="-571500" algn="l" defTabSz="762000" rtl="0" eaLnBrk="1" fontAlgn="base" hangingPunct="1">
+              <a:spcBef>
+                <a:spcPct val="70000"/>
+              </a:spcBef>
+              <a:spcAft>
+                <a:spcPct val="0"/>
+              </a:spcAft>
+              <a:buClr>
+                <a:srgbClr val="154E7E"/>
+              </a:buClr>
+              <a:buSzPct val="100000"/>
+              <a:buFont typeface="Wingdings" charset="0"/>
+              <a:buChar char="l"/>
+              <a:defRPr sz="2400" b="1">
+                <a:solidFill>
+                  <a:schemeClr val="tx1"/>
+                </a:solidFill>
+                <a:latin typeface="+mn-lt"/>
+                <a:ea typeface="MS PGothic" panose="020B0600070205080204" pitchFamily="34" charset="-128"/>
+                <a:cs typeface="MS PGothic" charset="0"/>
+              </a:defRPr>
+            </a:lvl1pPr>
+            <a:lvl2pPr marL="1524000" indent="-381000" algn="l" defTabSz="762000" rtl="0" eaLnBrk="1" fontAlgn="base" hangingPunct="1">
+              <a:lnSpc>
+                <a:spcPct val="90000"/>
+              </a:lnSpc>
+              <a:spcBef>
+                <a:spcPct val="30000"/>
+              </a:spcBef>
+              <a:spcAft>
+                <a:spcPct val="0"/>
+              </a:spcAft>
+              <a:buClr>
+                <a:srgbClr val="154E7E"/>
+              </a:buClr>
+              <a:buSzPct val="100000"/>
+              <a:buFont typeface="Wingdings" charset="0"/>
+              <a:buChar char="Ø"/>
+              <a:defRPr sz="2000" b="1">
+                <a:solidFill>
+                  <a:schemeClr val="tx1"/>
+                </a:solidFill>
+                <a:latin typeface="+mn-lt"/>
+                <a:ea typeface="MS PGothic" panose="020B0600070205080204" pitchFamily="34" charset="-128"/>
+                <a:cs typeface="MS PGothic" charset="0"/>
+              </a:defRPr>
+            </a:lvl2pPr>
+            <a:lvl3pPr marL="2190750" indent="-285750" algn="l" defTabSz="762000" rtl="0" eaLnBrk="1" fontAlgn="base" hangingPunct="1">
+              <a:lnSpc>
+                <a:spcPct val="90000"/>
+              </a:lnSpc>
+              <a:spcBef>
+                <a:spcPct val="30000"/>
+              </a:spcBef>
+              <a:spcAft>
+                <a:spcPct val="0"/>
+              </a:spcAft>
+              <a:buClr>
+                <a:srgbClr val="154E7E"/>
+              </a:buClr>
+              <a:buSzPct val="100000"/>
+              <a:buFont typeface="Wingdings" charset="0"/>
+              <a:buChar char="§"/>
+              <a:defRPr b="1">
+                <a:solidFill>
+                  <a:schemeClr val="tx1"/>
+                </a:solidFill>
+                <a:latin typeface="+mn-lt"/>
+                <a:ea typeface="MS PGothic" panose="020B0600070205080204" pitchFamily="34" charset="-128"/>
+                <a:cs typeface="MS PGothic" charset="0"/>
+              </a:defRPr>
+            </a:lvl3pPr>
+            <a:lvl4pPr marL="2647950" indent="-171450" algn="l" defTabSz="762000" rtl="0" eaLnBrk="1" fontAlgn="base" hangingPunct="1">
+              <a:lnSpc>
+                <a:spcPct val="90000"/>
+              </a:lnSpc>
+              <a:spcBef>
+                <a:spcPct val="30000"/>
+              </a:spcBef>
+              <a:spcAft>
+                <a:spcPct val="0"/>
+              </a:spcAft>
+              <a:buClr>
+                <a:srgbClr val="FAFD00"/>
+              </a:buClr>
+              <a:buSzPct val="100000"/>
+              <a:buFont typeface="Arial" charset="0"/>
+              <a:buChar char="•"/>
+              <a:defRPr sz="1400" b="1">
+                <a:solidFill>
+                  <a:schemeClr val="tx1"/>
+                </a:solidFill>
+                <a:latin typeface="+mn-lt"/>
+                <a:ea typeface="MS PGothic" panose="020B0600070205080204" pitchFamily="34" charset="-128"/>
+                <a:cs typeface="MS PGothic" charset="0"/>
+              </a:defRPr>
+            </a:lvl4pPr>
+            <a:lvl5pPr marL="3009900" indent="-171450" algn="l" defTabSz="762000" rtl="0" eaLnBrk="1" fontAlgn="base" hangingPunct="1">
+              <a:lnSpc>
+                <a:spcPct val="90000"/>
+              </a:lnSpc>
+              <a:spcBef>
+                <a:spcPct val="30000"/>
+              </a:spcBef>
+              <a:spcAft>
+                <a:spcPct val="0"/>
+              </a:spcAft>
+              <a:buClr>
+                <a:srgbClr val="FAFD00"/>
+              </a:buClr>
+              <a:buSzPct val="100000"/>
+              <a:buFont typeface="Arial" charset="0"/>
+              <a:buChar char="•"/>
+              <a:defRPr sz="1400" b="1">
+                <a:solidFill>
+                  <a:schemeClr val="tx1"/>
+                </a:solidFill>
+                <a:latin typeface="+mn-lt"/>
+                <a:ea typeface="MS PGothic" panose="020B0600070205080204" pitchFamily="34" charset="-128"/>
+                <a:cs typeface="MS PGothic" charset="0"/>
+              </a:defRPr>
+            </a:lvl5pPr>
+            <a:lvl6pPr marL="3467100" indent="-171450" algn="l" defTabSz="762000" rtl="0" eaLnBrk="1" fontAlgn="base" hangingPunct="1">
+              <a:lnSpc>
+                <a:spcPct val="90000"/>
+              </a:lnSpc>
+              <a:spcBef>
+                <a:spcPct val="30000"/>
+              </a:spcBef>
+              <a:spcAft>
+                <a:spcPct val="0"/>
+              </a:spcAft>
+              <a:buClr>
+                <a:srgbClr val="FAFD00"/>
+              </a:buClr>
+              <a:buSzPct val="100000"/>
+              <a:buFont typeface="Arial" charset="0"/>
+              <a:buChar char="•"/>
+              <a:defRPr sz="1400" b="1">
+                <a:solidFill>
+                  <a:schemeClr val="tx1"/>
+                </a:solidFill>
+                <a:latin typeface="+mn-lt"/>
+              </a:defRPr>
+            </a:lvl6pPr>
+            <a:lvl7pPr marL="3924300" indent="-171450" algn="l" defTabSz="762000" rtl="0" eaLnBrk="1" fontAlgn="base" hangingPunct="1">
+              <a:lnSpc>
+                <a:spcPct val="90000"/>
+              </a:lnSpc>
+              <a:spcBef>
+                <a:spcPct val="30000"/>
+              </a:spcBef>
+              <a:spcAft>
+                <a:spcPct val="0"/>
+              </a:spcAft>
+              <a:buClr>
+                <a:srgbClr val="FAFD00"/>
+              </a:buClr>
+              <a:buSzPct val="100000"/>
+              <a:buFont typeface="Arial" charset="0"/>
+              <a:buChar char="•"/>
+              <a:defRPr sz="1400" b="1">
+                <a:solidFill>
+                  <a:schemeClr val="tx1"/>
+                </a:solidFill>
+                <a:latin typeface="+mn-lt"/>
+              </a:defRPr>
+            </a:lvl7pPr>
+            <a:lvl8pPr marL="4381500" indent="-171450" algn="l" defTabSz="762000" rtl="0" eaLnBrk="1" fontAlgn="base" hangingPunct="1">
+              <a:lnSpc>
+                <a:spcPct val="90000"/>
+              </a:lnSpc>
+              <a:spcBef>
+                <a:spcPct val="30000"/>
+              </a:spcBef>
+              <a:spcAft>
+                <a:spcPct val="0"/>
+              </a:spcAft>
+              <a:buClr>
+                <a:srgbClr val="FAFD00"/>
+              </a:buClr>
+              <a:buSzPct val="100000"/>
+              <a:buFont typeface="Arial" charset="0"/>
+              <a:buChar char="•"/>
+              <a:defRPr sz="1400" b="1">
+                <a:solidFill>
+                  <a:schemeClr val="tx1"/>
+                </a:solidFill>
+                <a:latin typeface="+mn-lt"/>
+              </a:defRPr>
+            </a:lvl8pPr>
+            <a:lvl9pPr marL="4838700" indent="-171450" algn="l" defTabSz="762000" rtl="0" eaLnBrk="1" fontAlgn="base" hangingPunct="1">
+              <a:lnSpc>
+                <a:spcPct val="90000"/>
+              </a:lnSpc>
+              <a:spcBef>
+                <a:spcPct val="30000"/>
+              </a:spcBef>
+              <a:spcAft>
+                <a:spcPct val="0"/>
+              </a:spcAft>
+              <a:buClr>
+                <a:srgbClr val="FAFD00"/>
+              </a:buClr>
+              <a:buSzPct val="100000"/>
+              <a:buFont typeface="Arial" charset="0"/>
+              <a:buChar char="•"/>
+              <a:defRPr sz="1400" b="1">
+                <a:solidFill>
+                  <a:schemeClr val="tx1"/>
+                </a:solidFill>
+                <a:latin typeface="+mn-lt"/>
+              </a:defRPr>
+            </a:lvl9pPr>
+          </a:lstStyle>
+          <a:p>
+            <a:r>
+              <a:rPr lang="en-ZA" kern="0" dirty="0" smtClean="0"/>
+              <a:t>Most accurate at 90°</a:t>
+            </a:r>
+            <a:endParaRPr lang="en-ZA" kern="0" dirty="0"/>
+          </a:p>
+          <a:p>
+            <a:pPr lvl="1"/>
+            <a:r>
+              <a:rPr lang="en-ZA" kern="0" dirty="0" smtClean="0"/>
+              <a:t>No time delay</a:t>
+            </a:r>
+          </a:p>
+          <a:p>
+            <a:r>
+              <a:rPr lang="en-ZA" kern="0" dirty="0" smtClean="0"/>
+              <a:t>Increased error in other directions</a:t>
+            </a:r>
+          </a:p>
+          <a:p>
+            <a:pPr lvl="1"/>
+            <a:r>
+              <a:rPr lang="en-ZA" kern="0" dirty="0" smtClean="0"/>
+              <a:t>Integer number       of sample shifts</a:t>
+            </a:r>
+          </a:p>
+          <a:p>
+            <a:r>
+              <a:rPr lang="en-ZA" kern="0" dirty="0" smtClean="0"/>
+              <a:t>Nulls not distinctive in measurements</a:t>
+            </a:r>
           </a:p>
         </p:txBody>
       </p:sp>
@@ -4495,7 +5653,7 @@
   <p:timing>
     <p:tnLst>
       <p:par>
-        <p:cTn xmlns:p14="http://schemas.microsoft.com/office/powerpoint/2010/main" id="1" dur="indefinite" restart="never" nodeType="tmRoot"/>
+        <p:cTn id="1" dur="indefinite" restart="never" nodeType="tmRoot"/>
       </p:par>
     </p:tnLst>
   </p:timing>
@@ -4536,155 +5694,358 @@
           <a:p>
             <a:r>
               <a:rPr lang="en-ZA" dirty="0" smtClean="0"/>
-              <a:t>Future Work</a:t>
+              <a:t>Error</a:t>
             </a:r>
             <a:endParaRPr lang="en-ZA" dirty="0"/>
           </a:p>
         </p:txBody>
       </p:sp>
-      <p:sp>
-        <p:nvSpPr>
-          <p:cNvPr id="3" name="Content Placeholder 2"/>
-          <p:cNvSpPr>
-            <a:spLocks noGrp="1"/>
-          </p:cNvSpPr>
+      <p:graphicFrame>
+        <p:nvGraphicFramePr>
+          <p:cNvPr id="5" name="Content Placeholder 4"/>
+          <p:cNvGraphicFramePr>
+            <a:graphicFrameLocks noGrp="1"/>
+          </p:cNvGraphicFramePr>
           <p:nvPr>
             <p:ph idx="1"/>
+            <p:extLst>
+              <p:ext uri="{D42A27DB-BD31-4B8C-83A1-F6EECF244321}">
+                <p14:modId xmlns:p14="http://schemas.microsoft.com/office/powerpoint/2010/main" val="909663035"/>
+              </p:ext>
+            </p:extLst>
           </p:nvPr>
-        </p:nvSpPr>
-        <p:spPr>
-          <a:xfrm>
-            <a:off x="128464" y="1844824"/>
-            <a:ext cx="10065568" cy="4248472"/>
-          </a:xfrm>
-        </p:spPr>
-        <p:txBody>
-          <a:bodyPr/>
-          <a:lstStyle/>
-          <a:p>
-            <a:r>
-              <a:rPr lang="en-ZA" dirty="0"/>
-              <a:t>H</a:t>
-            </a:r>
-            <a:r>
-              <a:rPr lang="en-ZA" dirty="0" smtClean="0"/>
-              <a:t>igher </a:t>
-            </a:r>
-            <a:r>
-              <a:rPr lang="en-ZA" dirty="0"/>
-              <a:t>quality omni-directional </a:t>
-            </a:r>
-            <a:r>
-              <a:rPr lang="en-ZA" dirty="0" smtClean="0"/>
-              <a:t>microphones</a:t>
-            </a:r>
-          </a:p>
-          <a:p>
-            <a:r>
-              <a:rPr lang="en-ZA" dirty="0" smtClean="0"/>
-              <a:t>More microphones </a:t>
-            </a:r>
-          </a:p>
-          <a:p>
-            <a:pPr lvl="1"/>
-            <a:r>
-              <a:rPr lang="en-ZA" dirty="0"/>
-              <a:t>I</a:t>
-            </a:r>
-            <a:r>
-              <a:rPr lang="en-ZA" dirty="0" smtClean="0"/>
-              <a:t>mprove </a:t>
-            </a:r>
-            <a:r>
-              <a:rPr lang="en-ZA" dirty="0"/>
-              <a:t>the precision of the beam </a:t>
-            </a:r>
-            <a:r>
-              <a:rPr lang="en-ZA" dirty="0" smtClean="0"/>
-              <a:t>steering</a:t>
-            </a:r>
-          </a:p>
-          <a:p>
-            <a:r>
-              <a:rPr lang="en-ZA" dirty="0"/>
-              <a:t>I</a:t>
-            </a:r>
-            <a:r>
-              <a:rPr lang="en-ZA" dirty="0" smtClean="0"/>
-              <a:t>ntegrated </a:t>
-            </a:r>
-            <a:r>
-              <a:rPr lang="en-ZA" dirty="0"/>
-              <a:t>circuit chip </a:t>
-            </a:r>
-            <a:endParaRPr lang="en-ZA" dirty="0" smtClean="0"/>
-          </a:p>
-          <a:p>
-            <a:pPr lvl="1"/>
-            <a:r>
-              <a:rPr lang="en-ZA" dirty="0"/>
-              <a:t>P</a:t>
-            </a:r>
-            <a:r>
-              <a:rPr lang="en-ZA" dirty="0" smtClean="0"/>
-              <a:t>reprocessing </a:t>
-            </a:r>
-            <a:r>
-              <a:rPr lang="en-ZA" dirty="0"/>
-              <a:t>of the audio </a:t>
-            </a:r>
-            <a:r>
-              <a:rPr lang="en-ZA" dirty="0" smtClean="0"/>
-              <a:t>signals</a:t>
-            </a:r>
-          </a:p>
-          <a:p>
-            <a:r>
-              <a:rPr lang="en-ZA" dirty="0" smtClean="0"/>
-              <a:t>Emdedding </a:t>
-            </a:r>
-            <a:r>
-              <a:rPr lang="en-ZA" dirty="0"/>
-              <a:t>the microphones and circuitry into </a:t>
-            </a:r>
-            <a:r>
-              <a:rPr lang="en-ZA" dirty="0" smtClean="0"/>
-              <a:t>headphones</a:t>
-            </a:r>
-          </a:p>
-          <a:p>
-            <a:pPr lvl="1"/>
-            <a:r>
-              <a:rPr lang="en-ZA" dirty="0"/>
-              <a:t>R</a:t>
-            </a:r>
-            <a:r>
-              <a:rPr lang="en-ZA" dirty="0" smtClean="0"/>
-              <a:t>educe </a:t>
-            </a:r>
-            <a:r>
-              <a:rPr lang="en-ZA" dirty="0"/>
-              <a:t>the size of the </a:t>
-            </a:r>
-            <a:r>
-              <a:rPr lang="en-ZA" dirty="0" smtClean="0"/>
-              <a:t>device</a:t>
-            </a:r>
-          </a:p>
-          <a:p>
-            <a:pPr lvl="1"/>
-            <a:r>
-              <a:rPr lang="en-ZA" dirty="0"/>
-              <a:t>M</a:t>
-            </a:r>
-            <a:r>
-              <a:rPr lang="en-ZA" dirty="0" smtClean="0"/>
-              <a:t>ake the device more user friendly</a:t>
-            </a:r>
-            <a:endParaRPr lang="en-ZA" dirty="0"/>
-          </a:p>
-        </p:txBody>
-      </p:sp>
+        </p:nvGraphicFramePr>
+        <p:xfrm>
+          <a:off x="2385107" y="1613235"/>
+          <a:ext cx="5664235" cy="2123440"/>
+        </p:xfrm>
+        <a:graphic>
+          <a:graphicData uri="http://schemas.openxmlformats.org/drawingml/2006/table">
+            <a:tbl>
+              <a:tblPr firstRow="1" bandRow="1">
+                <a:tableStyleId>{5C22544A-7EE6-4342-B048-85BDC9FD1C3A}</a:tableStyleId>
+              </a:tblPr>
+              <a:tblGrid>
+                <a:gridCol w="2396112">
+                  <a:extLst>
+                    <a:ext uri="{9D8B030D-6E8A-4147-A177-3AD203B41FA5}">
+                      <a16:colId xmlns:a16="http://schemas.microsoft.com/office/drawing/2014/main" val="1220490089"/>
+                    </a:ext>
+                  </a:extLst>
+                </a:gridCol>
+                <a:gridCol w="1774124">
+                  <a:extLst>
+                    <a:ext uri="{9D8B030D-6E8A-4147-A177-3AD203B41FA5}">
+                      <a16:colId xmlns:a16="http://schemas.microsoft.com/office/drawing/2014/main" val="67218977"/>
+                    </a:ext>
+                  </a:extLst>
+                </a:gridCol>
+                <a:gridCol w="1493999">
+                  <a:extLst>
+                    <a:ext uri="{9D8B030D-6E8A-4147-A177-3AD203B41FA5}">
+                      <a16:colId xmlns:a16="http://schemas.microsoft.com/office/drawing/2014/main" val="3056518911"/>
+                    </a:ext>
+                  </a:extLst>
+                </a:gridCol>
+              </a:tblGrid>
+              <a:tr h="370840">
+                <a:tc>
+                  <a:txBody>
+                    <a:bodyPr/>
+                    <a:lstStyle/>
+                    <a:p>
+                      <a:pPr algn="ctr"/>
+                      <a:r>
+                        <a:rPr lang="en-ZA" dirty="0" smtClean="0"/>
+                        <a:t>Applied Frequency</a:t>
+                      </a:r>
+                      <a:r>
+                        <a:rPr lang="en-ZA" baseline="0" dirty="0" smtClean="0"/>
+                        <a:t> (kHz)</a:t>
+                      </a:r>
+                      <a:endParaRPr lang="en-ZA" dirty="0"/>
+                    </a:p>
+                  </a:txBody>
+                  <a:tcPr/>
+                </a:tc>
+                <a:tc>
+                  <a:txBody>
+                    <a:bodyPr/>
+                    <a:lstStyle/>
+                    <a:p>
+                      <a:pPr algn="ctr"/>
+                      <a:r>
+                        <a:rPr lang="en-ZA" dirty="0" smtClean="0"/>
+                        <a:t>Frequency Band (kHz)</a:t>
+                      </a:r>
+                      <a:endParaRPr lang="en-ZA" dirty="0"/>
+                    </a:p>
+                  </a:txBody>
+                  <a:tcPr/>
+                </a:tc>
+                <a:tc>
+                  <a:txBody>
+                    <a:bodyPr/>
+                    <a:lstStyle/>
+                    <a:p>
+                      <a:pPr algn="ctr"/>
+                      <a:r>
+                        <a:rPr lang="en-ZA" dirty="0" smtClean="0"/>
+                        <a:t>Error (%)</a:t>
+                      </a:r>
+                      <a:endParaRPr lang="en-ZA" dirty="0"/>
+                    </a:p>
+                  </a:txBody>
+                  <a:tcPr/>
+                </a:tc>
+                <a:extLst>
+                  <a:ext uri="{0D108BD9-81ED-4DB2-BD59-A6C34878D82A}">
+                    <a16:rowId xmlns:a16="http://schemas.microsoft.com/office/drawing/2014/main" val="3871997748"/>
+                  </a:ext>
+                </a:extLst>
+              </a:tr>
+              <a:tr h="370840">
+                <a:tc>
+                  <a:txBody>
+                    <a:bodyPr/>
+                    <a:lstStyle/>
+                    <a:p>
+                      <a:pPr algn="ctr"/>
+                      <a:r>
+                        <a:rPr lang="en-ZA" dirty="0" smtClean="0"/>
+                        <a:t>3.15</a:t>
+                      </a:r>
+                      <a:endParaRPr lang="en-ZA" dirty="0"/>
+                    </a:p>
+                  </a:txBody>
+                  <a:tcPr/>
+                </a:tc>
+                <a:tc>
+                  <a:txBody>
+                    <a:bodyPr/>
+                    <a:lstStyle/>
+                    <a:p>
+                      <a:pPr algn="ctr"/>
+                      <a:r>
+                        <a:rPr lang="en-ZA" dirty="0" smtClean="0"/>
+                        <a:t>2.82-3.55</a:t>
+                      </a:r>
+                      <a:endParaRPr lang="en-ZA" dirty="0"/>
+                    </a:p>
+                  </a:txBody>
+                  <a:tcPr/>
+                </a:tc>
+                <a:tc>
+                  <a:txBody>
+                    <a:bodyPr/>
+                    <a:lstStyle/>
+                    <a:p>
+                      <a:pPr algn="ctr"/>
+                      <a:r>
+                        <a:rPr lang="en-ZA" dirty="0" smtClean="0"/>
+                        <a:t>0.81</a:t>
+                      </a:r>
+                      <a:endParaRPr lang="en-ZA" dirty="0"/>
+                    </a:p>
+                  </a:txBody>
+                  <a:tcPr/>
+                </a:tc>
+                <a:extLst>
+                  <a:ext uri="{0D108BD9-81ED-4DB2-BD59-A6C34878D82A}">
+                    <a16:rowId xmlns:a16="http://schemas.microsoft.com/office/drawing/2014/main" val="373921578"/>
+                  </a:ext>
+                </a:extLst>
+              </a:tr>
+              <a:tr h="370840">
+                <a:tc>
+                  <a:txBody>
+                    <a:bodyPr/>
+                    <a:lstStyle/>
+                    <a:p>
+                      <a:pPr algn="ctr"/>
+                      <a:r>
+                        <a:rPr lang="en-ZA" dirty="0" smtClean="0"/>
+                        <a:t>6.30</a:t>
+                      </a:r>
+                      <a:endParaRPr lang="en-ZA" dirty="0"/>
+                    </a:p>
+                  </a:txBody>
+                  <a:tcPr/>
+                </a:tc>
+                <a:tc>
+                  <a:txBody>
+                    <a:bodyPr/>
+                    <a:lstStyle/>
+                    <a:p>
+                      <a:pPr marL="0" marR="0" indent="0" algn="ctr" defTabSz="914400" rtl="0" eaLnBrk="1" fontAlgn="auto" latinLnBrk="0" hangingPunct="1">
+                        <a:lnSpc>
+                          <a:spcPct val="100000"/>
+                        </a:lnSpc>
+                        <a:spcBef>
+                          <a:spcPts val="0"/>
+                        </a:spcBef>
+                        <a:spcAft>
+                          <a:spcPts val="0"/>
+                        </a:spcAft>
+                        <a:buClrTx/>
+                        <a:buSzTx/>
+                        <a:buFontTx/>
+                        <a:buNone/>
+                        <a:tabLst/>
+                        <a:defRPr/>
+                      </a:pPr>
+                      <a:r>
+                        <a:rPr lang="en-ZA" dirty="0" smtClean="0"/>
+                        <a:t>2.82-3.55</a:t>
+                      </a:r>
+                    </a:p>
+                  </a:txBody>
+                  <a:tcPr/>
+                </a:tc>
+                <a:tc>
+                  <a:txBody>
+                    <a:bodyPr/>
+                    <a:lstStyle/>
+                    <a:p>
+                      <a:pPr algn="ctr"/>
+                      <a:r>
+                        <a:rPr lang="en-ZA" dirty="0" smtClean="0"/>
+                        <a:t>15.34</a:t>
+                      </a:r>
+                      <a:endParaRPr lang="en-ZA" dirty="0"/>
+                    </a:p>
+                  </a:txBody>
+                  <a:tcPr/>
+                </a:tc>
+                <a:extLst>
+                  <a:ext uri="{0D108BD9-81ED-4DB2-BD59-A6C34878D82A}">
+                    <a16:rowId xmlns:a16="http://schemas.microsoft.com/office/drawing/2014/main" val="3868297120"/>
+                  </a:ext>
+                </a:extLst>
+              </a:tr>
+              <a:tr h="370840">
+                <a:tc>
+                  <a:txBody>
+                    <a:bodyPr/>
+                    <a:lstStyle/>
+                    <a:p>
+                      <a:pPr algn="ctr"/>
+                      <a:r>
+                        <a:rPr lang="en-ZA" dirty="0" smtClean="0"/>
+                        <a:t>3.15</a:t>
+                      </a:r>
+                      <a:endParaRPr lang="en-ZA" dirty="0"/>
+                    </a:p>
+                  </a:txBody>
+                  <a:tcPr/>
+                </a:tc>
+                <a:tc>
+                  <a:txBody>
+                    <a:bodyPr/>
+                    <a:lstStyle/>
+                    <a:p>
+                      <a:pPr algn="ctr"/>
+                      <a:r>
+                        <a:rPr lang="en-ZA" dirty="0" smtClean="0"/>
+                        <a:t>5.62-7.08</a:t>
+                      </a:r>
+                      <a:endParaRPr lang="en-ZA" dirty="0"/>
+                    </a:p>
+                  </a:txBody>
+                  <a:tcPr/>
+                </a:tc>
+                <a:tc>
+                  <a:txBody>
+                    <a:bodyPr/>
+                    <a:lstStyle/>
+                    <a:p>
+                      <a:pPr algn="ctr"/>
+                      <a:r>
+                        <a:rPr lang="en-ZA" dirty="0" smtClean="0"/>
+                        <a:t>19.56</a:t>
+                      </a:r>
+                      <a:endParaRPr lang="en-ZA" dirty="0"/>
+                    </a:p>
+                  </a:txBody>
+                  <a:tcPr/>
+                </a:tc>
+                <a:extLst>
+                  <a:ext uri="{0D108BD9-81ED-4DB2-BD59-A6C34878D82A}">
+                    <a16:rowId xmlns:a16="http://schemas.microsoft.com/office/drawing/2014/main" val="3602717608"/>
+                  </a:ext>
+                </a:extLst>
+              </a:tr>
+              <a:tr h="370840">
+                <a:tc>
+                  <a:txBody>
+                    <a:bodyPr/>
+                    <a:lstStyle/>
+                    <a:p>
+                      <a:pPr algn="ctr"/>
+                      <a:r>
+                        <a:rPr lang="en-ZA" dirty="0" smtClean="0"/>
+                        <a:t>6.30</a:t>
+                      </a:r>
+                      <a:endParaRPr lang="en-ZA" dirty="0"/>
+                    </a:p>
+                  </a:txBody>
+                  <a:tcPr/>
+                </a:tc>
+                <a:tc>
+                  <a:txBody>
+                    <a:bodyPr/>
+                    <a:lstStyle/>
+                    <a:p>
+                      <a:pPr marL="0" marR="0" indent="0" algn="ctr" defTabSz="914400" rtl="0" eaLnBrk="1" fontAlgn="auto" latinLnBrk="0" hangingPunct="1">
+                        <a:lnSpc>
+                          <a:spcPct val="100000"/>
+                        </a:lnSpc>
+                        <a:spcBef>
+                          <a:spcPts val="0"/>
+                        </a:spcBef>
+                        <a:spcAft>
+                          <a:spcPts val="0"/>
+                        </a:spcAft>
+                        <a:buClrTx/>
+                        <a:buSzTx/>
+                        <a:buFontTx/>
+                        <a:buNone/>
+                        <a:tabLst/>
+                        <a:defRPr/>
+                      </a:pPr>
+                      <a:r>
+                        <a:rPr lang="en-ZA" dirty="0" smtClean="0"/>
+                        <a:t>5.62-7.08</a:t>
+                      </a:r>
+                    </a:p>
+                  </a:txBody>
+                  <a:tcPr/>
+                </a:tc>
+                <a:tc>
+                  <a:txBody>
+                    <a:bodyPr/>
+                    <a:lstStyle/>
+                    <a:p>
+                      <a:pPr algn="ctr"/>
+                      <a:r>
+                        <a:rPr lang="en-ZA" dirty="0" smtClean="0"/>
+                        <a:t>3.67</a:t>
+                      </a:r>
+                      <a:endParaRPr lang="en-ZA" dirty="0"/>
+                    </a:p>
+                  </a:txBody>
+                  <a:tcPr/>
+                </a:tc>
+                <a:extLst>
+                  <a:ext uri="{0D108BD9-81ED-4DB2-BD59-A6C34878D82A}">
+                    <a16:rowId xmlns:a16="http://schemas.microsoft.com/office/drawing/2014/main" val="684964139"/>
+                  </a:ext>
+                </a:extLst>
+              </a:tr>
+            </a:tbl>
+          </a:graphicData>
+        </a:graphic>
+      </p:graphicFrame>
       <p:sp>
         <p:nvSpPr>
           <p:cNvPr id="4" name="Slide Number Placeholder 3"/>
@@ -4708,23 +6069,424 @@
           </a:p>
         </p:txBody>
       </p:sp>
+      <p:graphicFrame>
+        <p:nvGraphicFramePr>
+          <p:cNvPr id="6" name="Table 5"/>
+          <p:cNvGraphicFramePr>
+            <a:graphicFrameLocks noGrp="1"/>
+          </p:cNvGraphicFramePr>
+          <p:nvPr>
+            <p:extLst>
+              <p:ext uri="{D42A27DB-BD31-4B8C-83A1-F6EECF244321}">
+                <p14:modId xmlns:p14="http://schemas.microsoft.com/office/powerpoint/2010/main" val="359993736"/>
+              </p:ext>
+            </p:extLst>
+          </p:nvPr>
+        </p:nvGraphicFramePr>
+        <p:xfrm>
+          <a:off x="2385108" y="3738737"/>
+          <a:ext cx="5664235" cy="2595880"/>
+        </p:xfrm>
+        <a:graphic>
+          <a:graphicData uri="http://schemas.openxmlformats.org/drawingml/2006/table">
+            <a:tbl>
+              <a:tblPr firstRow="1" bandRow="1">
+                <a:tableStyleId>{5C22544A-7EE6-4342-B048-85BDC9FD1C3A}</a:tableStyleId>
+              </a:tblPr>
+              <a:tblGrid>
+                <a:gridCol w="2592727">
+                  <a:extLst>
+                    <a:ext uri="{9D8B030D-6E8A-4147-A177-3AD203B41FA5}">
+                      <a16:colId xmlns:a16="http://schemas.microsoft.com/office/drawing/2014/main" val="3160404703"/>
+                    </a:ext>
+                  </a:extLst>
+                </a:gridCol>
+                <a:gridCol w="3071508">
+                  <a:extLst>
+                    <a:ext uri="{9D8B030D-6E8A-4147-A177-3AD203B41FA5}">
+                      <a16:colId xmlns:a16="http://schemas.microsoft.com/office/drawing/2014/main" val="2004772524"/>
+                    </a:ext>
+                  </a:extLst>
+                </a:gridCol>
+              </a:tblGrid>
+              <a:tr h="370840">
+                <a:tc>
+                  <a:txBody>
+                    <a:bodyPr/>
+                    <a:lstStyle/>
+                    <a:p>
+                      <a:pPr algn="ctr"/>
+                      <a:r>
+                        <a:rPr lang="en-ZA" dirty="0" smtClean="0"/>
+                        <a:t>Dial Angle (°)</a:t>
+                      </a:r>
+                      <a:endParaRPr lang="en-ZA" dirty="0"/>
+                    </a:p>
+                  </a:txBody>
+                  <a:tcPr>
+                    <a:solidFill>
+                      <a:srgbClr val="42BBBE"/>
+                    </a:solidFill>
+                  </a:tcPr>
+                </a:tc>
+                <a:tc>
+                  <a:txBody>
+                    <a:bodyPr/>
+                    <a:lstStyle/>
+                    <a:p>
+                      <a:pPr algn="ctr"/>
+                      <a:r>
+                        <a:rPr lang="en-ZA" dirty="0" smtClean="0"/>
+                        <a:t>Average</a:t>
+                      </a:r>
+                      <a:r>
+                        <a:rPr lang="en-ZA" baseline="0" dirty="0" smtClean="0"/>
+                        <a:t> Error (%)</a:t>
+                      </a:r>
+                      <a:endParaRPr lang="en-ZA" dirty="0"/>
+                    </a:p>
+                  </a:txBody>
+                  <a:tcPr>
+                    <a:solidFill>
+                      <a:srgbClr val="42BBBE"/>
+                    </a:solidFill>
+                  </a:tcPr>
+                </a:tc>
+                <a:extLst>
+                  <a:ext uri="{0D108BD9-81ED-4DB2-BD59-A6C34878D82A}">
+                    <a16:rowId xmlns:a16="http://schemas.microsoft.com/office/drawing/2014/main" val="3857195092"/>
+                  </a:ext>
+                </a:extLst>
+              </a:tr>
+              <a:tr h="370840">
+                <a:tc>
+                  <a:txBody>
+                    <a:bodyPr/>
+                    <a:lstStyle/>
+                    <a:p>
+                      <a:pPr algn="ctr"/>
+                      <a:r>
+                        <a:rPr lang="en-ZA" dirty="0" smtClean="0"/>
+                        <a:t>0</a:t>
+                      </a:r>
+                      <a:endParaRPr lang="en-ZA" dirty="0"/>
+                    </a:p>
+                  </a:txBody>
+                  <a:tcPr/>
+                </a:tc>
+                <a:tc>
+                  <a:txBody>
+                    <a:bodyPr/>
+                    <a:lstStyle/>
+                    <a:p>
+                      <a:pPr algn="ctr"/>
+                      <a:r>
+                        <a:rPr lang="en-ZA" dirty="0" smtClean="0"/>
+                        <a:t>46.6</a:t>
+                      </a:r>
+                      <a:endParaRPr lang="en-ZA" dirty="0"/>
+                    </a:p>
+                  </a:txBody>
+                  <a:tcPr/>
+                </a:tc>
+                <a:extLst>
+                  <a:ext uri="{0D108BD9-81ED-4DB2-BD59-A6C34878D82A}">
+                    <a16:rowId xmlns:a16="http://schemas.microsoft.com/office/drawing/2014/main" val="1176978316"/>
+                  </a:ext>
+                </a:extLst>
+              </a:tr>
+              <a:tr h="370840">
+                <a:tc>
+                  <a:txBody>
+                    <a:bodyPr/>
+                    <a:lstStyle/>
+                    <a:p>
+                      <a:pPr algn="ctr"/>
+                      <a:r>
+                        <a:rPr lang="en-ZA" dirty="0" smtClean="0"/>
+                        <a:t>60</a:t>
+                      </a:r>
+                      <a:endParaRPr lang="en-ZA" dirty="0"/>
+                    </a:p>
+                  </a:txBody>
+                  <a:tcPr/>
+                </a:tc>
+                <a:tc>
+                  <a:txBody>
+                    <a:bodyPr/>
+                    <a:lstStyle/>
+                    <a:p>
+                      <a:pPr algn="ctr"/>
+                      <a:r>
+                        <a:rPr lang="en-ZA" dirty="0" smtClean="0"/>
+                        <a:t>30.7</a:t>
+                      </a:r>
+                      <a:endParaRPr lang="en-ZA" dirty="0"/>
+                    </a:p>
+                  </a:txBody>
+                  <a:tcPr/>
+                </a:tc>
+                <a:extLst>
+                  <a:ext uri="{0D108BD9-81ED-4DB2-BD59-A6C34878D82A}">
+                    <a16:rowId xmlns:a16="http://schemas.microsoft.com/office/drawing/2014/main" val="1271360358"/>
+                  </a:ext>
+                </a:extLst>
+              </a:tr>
+              <a:tr h="370840">
+                <a:tc>
+                  <a:txBody>
+                    <a:bodyPr/>
+                    <a:lstStyle/>
+                    <a:p>
+                      <a:pPr algn="ctr"/>
+                      <a:r>
+                        <a:rPr lang="en-ZA" dirty="0" smtClean="0"/>
+                        <a:t>90</a:t>
+                      </a:r>
+                      <a:endParaRPr lang="en-ZA" dirty="0"/>
+                    </a:p>
+                  </a:txBody>
+                  <a:tcPr/>
+                </a:tc>
+                <a:tc>
+                  <a:txBody>
+                    <a:bodyPr/>
+                    <a:lstStyle/>
+                    <a:p>
+                      <a:pPr algn="ctr"/>
+                      <a:r>
+                        <a:rPr lang="en-ZA" dirty="0" smtClean="0"/>
+                        <a:t>12.7</a:t>
+                      </a:r>
+                      <a:endParaRPr lang="en-ZA" dirty="0"/>
+                    </a:p>
+                  </a:txBody>
+                  <a:tcPr/>
+                </a:tc>
+                <a:extLst>
+                  <a:ext uri="{0D108BD9-81ED-4DB2-BD59-A6C34878D82A}">
+                    <a16:rowId xmlns:a16="http://schemas.microsoft.com/office/drawing/2014/main" val="2734475198"/>
+                  </a:ext>
+                </a:extLst>
+              </a:tr>
+              <a:tr h="370840">
+                <a:tc>
+                  <a:txBody>
+                    <a:bodyPr/>
+                    <a:lstStyle/>
+                    <a:p>
+                      <a:pPr algn="ctr"/>
+                      <a:r>
+                        <a:rPr lang="en-ZA" dirty="0" smtClean="0"/>
+                        <a:t>120</a:t>
+                      </a:r>
+                      <a:endParaRPr lang="en-ZA" dirty="0"/>
+                    </a:p>
+                  </a:txBody>
+                  <a:tcPr/>
+                </a:tc>
+                <a:tc>
+                  <a:txBody>
+                    <a:bodyPr/>
+                    <a:lstStyle/>
+                    <a:p>
+                      <a:pPr algn="ctr"/>
+                      <a:r>
+                        <a:rPr lang="en-ZA" dirty="0" smtClean="0"/>
+                        <a:t>22.7</a:t>
+                      </a:r>
+                      <a:endParaRPr lang="en-ZA" dirty="0"/>
+                    </a:p>
+                  </a:txBody>
+                  <a:tcPr/>
+                </a:tc>
+                <a:extLst>
+                  <a:ext uri="{0D108BD9-81ED-4DB2-BD59-A6C34878D82A}">
+                    <a16:rowId xmlns:a16="http://schemas.microsoft.com/office/drawing/2014/main" val="1320419717"/>
+                  </a:ext>
+                </a:extLst>
+              </a:tr>
+              <a:tr h="370840">
+                <a:tc>
+                  <a:txBody>
+                    <a:bodyPr/>
+                    <a:lstStyle/>
+                    <a:p>
+                      <a:pPr algn="ctr"/>
+                      <a:r>
+                        <a:rPr lang="en-ZA" dirty="0" smtClean="0"/>
+                        <a:t>180</a:t>
+                      </a:r>
+                      <a:endParaRPr lang="en-ZA" dirty="0"/>
+                    </a:p>
+                  </a:txBody>
+                  <a:tcPr/>
+                </a:tc>
+                <a:tc>
+                  <a:txBody>
+                    <a:bodyPr/>
+                    <a:lstStyle/>
+                    <a:p>
+                      <a:pPr algn="ctr"/>
+                      <a:r>
+                        <a:rPr lang="en-ZA" dirty="0" smtClean="0"/>
+                        <a:t>51.7</a:t>
+                      </a:r>
+                      <a:endParaRPr lang="en-ZA" dirty="0"/>
+                    </a:p>
+                  </a:txBody>
+                  <a:tcPr/>
+                </a:tc>
+                <a:extLst>
+                  <a:ext uri="{0D108BD9-81ED-4DB2-BD59-A6C34878D82A}">
+                    <a16:rowId xmlns:a16="http://schemas.microsoft.com/office/drawing/2014/main" val="2814437447"/>
+                  </a:ext>
+                </a:extLst>
+              </a:tr>
+              <a:tr h="370840">
+                <a:tc>
+                  <a:txBody>
+                    <a:bodyPr/>
+                    <a:lstStyle/>
+                    <a:p>
+                      <a:pPr algn="ctr"/>
+                      <a:r>
+                        <a:rPr lang="en-ZA" dirty="0" smtClean="0"/>
+                        <a:t>Omni-directional</a:t>
+                      </a:r>
+                      <a:endParaRPr lang="en-ZA" dirty="0"/>
+                    </a:p>
+                  </a:txBody>
+                  <a:tcPr/>
+                </a:tc>
+                <a:tc>
+                  <a:txBody>
+                    <a:bodyPr/>
+                    <a:lstStyle/>
+                    <a:p>
+                      <a:pPr algn="ctr"/>
+                      <a:r>
+                        <a:rPr lang="en-ZA" dirty="0" smtClean="0"/>
+                        <a:t>42.7</a:t>
+                      </a:r>
+                      <a:endParaRPr lang="en-ZA" dirty="0"/>
+                    </a:p>
+                  </a:txBody>
+                  <a:tcPr/>
+                </a:tc>
+                <a:extLst>
+                  <a:ext uri="{0D108BD9-81ED-4DB2-BD59-A6C34878D82A}">
+                    <a16:rowId xmlns:a16="http://schemas.microsoft.com/office/drawing/2014/main" val="3814854473"/>
+                  </a:ext>
+                </a:extLst>
+              </a:tr>
+            </a:tbl>
+          </a:graphicData>
+        </a:graphic>
+      </p:graphicFrame>
+      <p:graphicFrame>
+        <p:nvGraphicFramePr>
+          <p:cNvPr id="7" name="Table 6"/>
+          <p:cNvGraphicFramePr>
+            <a:graphicFrameLocks noGrp="1"/>
+          </p:cNvGraphicFramePr>
+          <p:nvPr>
+            <p:extLst>
+              <p:ext uri="{D42A27DB-BD31-4B8C-83A1-F6EECF244321}">
+                <p14:modId xmlns:p14="http://schemas.microsoft.com/office/powerpoint/2010/main" val="3524645174"/>
+              </p:ext>
+            </p:extLst>
+          </p:nvPr>
+        </p:nvGraphicFramePr>
+        <p:xfrm>
+          <a:off x="342900" y="1613235"/>
+          <a:ext cx="2042206" cy="4696085"/>
+        </p:xfrm>
+        <a:graphic>
+          <a:graphicData uri="http://schemas.openxmlformats.org/drawingml/2006/table">
+            <a:tbl>
+              <a:tblPr firstRow="1" bandRow="1">
+                <a:tableStyleId>{5C22544A-7EE6-4342-B048-85BDC9FD1C3A}</a:tableStyleId>
+              </a:tblPr>
+              <a:tblGrid>
+                <a:gridCol w="2042206">
+                  <a:extLst>
+                    <a:ext uri="{9D8B030D-6E8A-4147-A177-3AD203B41FA5}">
+                      <a16:colId xmlns:a16="http://schemas.microsoft.com/office/drawing/2014/main" val="2519371752"/>
+                    </a:ext>
+                  </a:extLst>
+                </a:gridCol>
+              </a:tblGrid>
+              <a:tr h="2095189">
+                <a:tc>
+                  <a:txBody>
+                    <a:bodyPr/>
+                    <a:lstStyle/>
+                    <a:p>
+                      <a:pPr algn="ctr"/>
+                      <a:r>
+                        <a:rPr lang="en-ZA" dirty="0" smtClean="0"/>
+                        <a:t>Compensatory gain</a:t>
+                      </a:r>
+                      <a:endParaRPr lang="en-ZA" dirty="0"/>
+                    </a:p>
+                  </a:txBody>
+                  <a:tcPr/>
+                </a:tc>
+                <a:extLst>
+                  <a:ext uri="{0D108BD9-81ED-4DB2-BD59-A6C34878D82A}">
+                    <a16:rowId xmlns:a16="http://schemas.microsoft.com/office/drawing/2014/main" val="1666516480"/>
+                  </a:ext>
+                </a:extLst>
+              </a:tr>
+              <a:tr h="2600896">
+                <a:tc>
+                  <a:txBody>
+                    <a:bodyPr/>
+                    <a:lstStyle/>
+                    <a:p>
+                      <a:pPr algn="ctr"/>
+                      <a:r>
+                        <a:rPr lang="en-ZA" b="1" dirty="0" smtClean="0">
+                          <a:solidFill>
+                            <a:schemeClr val="bg1"/>
+                          </a:solidFill>
+                        </a:rPr>
+                        <a:t>Directionality</a:t>
+                      </a:r>
+                      <a:endParaRPr lang="en-ZA" b="1" dirty="0">
+                        <a:solidFill>
+                          <a:schemeClr val="bg1"/>
+                        </a:solidFill>
+                      </a:endParaRPr>
+                    </a:p>
+                  </a:txBody>
+                  <a:tcPr>
+                    <a:solidFill>
+                      <a:srgbClr val="42BBBE"/>
+                    </a:solidFill>
+                  </a:tcPr>
+                </a:tc>
+                <a:extLst>
+                  <a:ext uri="{0D108BD9-81ED-4DB2-BD59-A6C34878D82A}">
+                    <a16:rowId xmlns:a16="http://schemas.microsoft.com/office/drawing/2014/main" val="1255144714"/>
+                  </a:ext>
+                </a:extLst>
+              </a:tr>
+            </a:tbl>
+          </a:graphicData>
+        </a:graphic>
+      </p:graphicFrame>
     </p:spTree>
     <p:extLst>
       <p:ext uri="{BB962C8B-B14F-4D97-AF65-F5344CB8AC3E}">
-        <p14:creationId xmlns:p14="http://schemas.microsoft.com/office/powerpoint/2010/main" val="832092564"/>
+        <p14:creationId xmlns:p14="http://schemas.microsoft.com/office/powerpoint/2010/main" val="3781627902"/>
       </p:ext>
     </p:extLst>
   </p:cSld>
   <p:clrMapOvr>
     <a:masterClrMapping/>
   </p:clrMapOvr>
-  <p:timing>
-    <p:tnLst>
-      <p:par>
-        <p:cTn xmlns:p14="http://schemas.microsoft.com/office/powerpoint/2010/main" id="1" dur="indefinite" restart="never" nodeType="tmRoot"/>
-      </p:par>
-    </p:tnLst>
-  </p:timing>
 </p:sld>
 </file>
 
@@ -4762,6 +6524,232 @@
           <a:p>
             <a:r>
               <a:rPr lang="en-ZA" dirty="0" smtClean="0"/>
+              <a:t>Future Work</a:t>
+            </a:r>
+            <a:endParaRPr lang="en-ZA" dirty="0"/>
+          </a:p>
+        </p:txBody>
+      </p:sp>
+      <p:sp>
+        <p:nvSpPr>
+          <p:cNvPr id="3" name="Content Placeholder 2"/>
+          <p:cNvSpPr>
+            <a:spLocks noGrp="1"/>
+          </p:cNvSpPr>
+          <p:nvPr>
+            <p:ph idx="1"/>
+          </p:nvPr>
+        </p:nvSpPr>
+        <p:spPr>
+          <a:xfrm>
+            <a:off x="128464" y="1844824"/>
+            <a:ext cx="10065568" cy="4248472"/>
+          </a:xfrm>
+        </p:spPr>
+        <p:txBody>
+          <a:bodyPr/>
+          <a:lstStyle/>
+          <a:p>
+            <a:r>
+              <a:rPr lang="en-ZA" dirty="0"/>
+              <a:t>H</a:t>
+            </a:r>
+            <a:r>
+              <a:rPr lang="en-ZA" dirty="0" smtClean="0"/>
+              <a:t>igher </a:t>
+            </a:r>
+            <a:r>
+              <a:rPr lang="en-ZA" dirty="0"/>
+              <a:t>quality omni-directional </a:t>
+            </a:r>
+            <a:r>
+              <a:rPr lang="en-ZA" dirty="0" smtClean="0"/>
+              <a:t>microphones</a:t>
+            </a:r>
+          </a:p>
+          <a:p>
+            <a:r>
+              <a:rPr lang="en-ZA" dirty="0" smtClean="0"/>
+              <a:t>More microphones </a:t>
+            </a:r>
+          </a:p>
+          <a:p>
+            <a:pPr lvl="1"/>
+            <a:r>
+              <a:rPr lang="en-ZA" dirty="0"/>
+              <a:t>I</a:t>
+            </a:r>
+            <a:r>
+              <a:rPr lang="en-ZA" dirty="0" smtClean="0"/>
+              <a:t>mprove </a:t>
+            </a:r>
+            <a:r>
+              <a:rPr lang="en-ZA" dirty="0"/>
+              <a:t>the precision of the beam </a:t>
+            </a:r>
+            <a:r>
+              <a:rPr lang="en-ZA" dirty="0" smtClean="0"/>
+              <a:t>steering</a:t>
+            </a:r>
+          </a:p>
+          <a:p>
+            <a:r>
+              <a:rPr lang="en-ZA" dirty="0"/>
+              <a:t>I</a:t>
+            </a:r>
+            <a:r>
+              <a:rPr lang="en-ZA" dirty="0" smtClean="0"/>
+              <a:t>ntegrated </a:t>
+            </a:r>
+            <a:r>
+              <a:rPr lang="en-ZA" dirty="0"/>
+              <a:t>circuit chip </a:t>
+            </a:r>
+            <a:endParaRPr lang="en-ZA" dirty="0" smtClean="0"/>
+          </a:p>
+          <a:p>
+            <a:pPr lvl="1"/>
+            <a:r>
+              <a:rPr lang="en-ZA" dirty="0"/>
+              <a:t>P</a:t>
+            </a:r>
+            <a:r>
+              <a:rPr lang="en-ZA" dirty="0" smtClean="0"/>
+              <a:t>reprocessing </a:t>
+            </a:r>
+            <a:r>
+              <a:rPr lang="en-ZA" dirty="0"/>
+              <a:t>of the audio </a:t>
+            </a:r>
+            <a:r>
+              <a:rPr lang="en-ZA" dirty="0" smtClean="0"/>
+              <a:t>signals</a:t>
+            </a:r>
+          </a:p>
+          <a:p>
+            <a:r>
+              <a:rPr lang="en-ZA" dirty="0" smtClean="0"/>
+              <a:t>Emdedding </a:t>
+            </a:r>
+            <a:r>
+              <a:rPr lang="en-ZA" dirty="0"/>
+              <a:t>the microphones and circuitry into </a:t>
+            </a:r>
+            <a:r>
+              <a:rPr lang="en-ZA" dirty="0" smtClean="0"/>
+              <a:t>headphones</a:t>
+            </a:r>
+          </a:p>
+          <a:p>
+            <a:pPr lvl="1"/>
+            <a:r>
+              <a:rPr lang="en-ZA" dirty="0"/>
+              <a:t>R</a:t>
+            </a:r>
+            <a:r>
+              <a:rPr lang="en-ZA" dirty="0" smtClean="0"/>
+              <a:t>educe </a:t>
+            </a:r>
+            <a:r>
+              <a:rPr lang="en-ZA" dirty="0"/>
+              <a:t>the size of the </a:t>
+            </a:r>
+            <a:r>
+              <a:rPr lang="en-ZA" dirty="0" smtClean="0"/>
+              <a:t>device</a:t>
+            </a:r>
+          </a:p>
+          <a:p>
+            <a:pPr lvl="1"/>
+            <a:r>
+              <a:rPr lang="en-ZA" dirty="0"/>
+              <a:t>M</a:t>
+            </a:r>
+            <a:r>
+              <a:rPr lang="en-ZA" dirty="0" smtClean="0"/>
+              <a:t>ake the device more user friendly</a:t>
+            </a:r>
+            <a:endParaRPr lang="en-ZA" dirty="0"/>
+          </a:p>
+        </p:txBody>
+      </p:sp>
+      <p:sp>
+        <p:nvSpPr>
+          <p:cNvPr id="4" name="Slide Number Placeholder 3"/>
+          <p:cNvSpPr>
+            <a:spLocks noGrp="1"/>
+          </p:cNvSpPr>
+          <p:nvPr>
+            <p:ph type="sldNum" sz="quarter" idx="10"/>
+          </p:nvPr>
+        </p:nvSpPr>
+        <p:spPr/>
+        <p:txBody>
+          <a:bodyPr/>
+          <a:lstStyle/>
+          <a:p>
+            <a:fld id="{960946CE-1557-8048-9DCC-53092B682325}" type="slidenum">
+              <a:rPr lang="en-US" smtClean="0"/>
+              <a:t>15</a:t>
+            </a:fld>
+            <a:endParaRPr lang="en-US" dirty="0"/>
+          </a:p>
+        </p:txBody>
+      </p:sp>
+    </p:spTree>
+    <p:extLst>
+      <p:ext uri="{BB962C8B-B14F-4D97-AF65-F5344CB8AC3E}">
+        <p14:creationId xmlns:p14="http://schemas.microsoft.com/office/powerpoint/2010/main" val="832092564"/>
+      </p:ext>
+    </p:extLst>
+  </p:cSld>
+  <p:clrMapOvr>
+    <a:masterClrMapping/>
+  </p:clrMapOvr>
+  <p:timing>
+    <p:tnLst>
+      <p:par>
+        <p:cTn id="1" dur="indefinite" restart="never" nodeType="tmRoot"/>
+      </p:par>
+    </p:tnLst>
+  </p:timing>
+</p:sld>
+</file>
+
+<file path=ppt/slides/slide16.xml><?xml version="1.0" encoding="utf-8"?>
+<p:sld xmlns:a="http://schemas.openxmlformats.org/drawingml/2006/main" xmlns:r="http://schemas.openxmlformats.org/officeDocument/2006/relationships" xmlns:p="http://schemas.openxmlformats.org/presentationml/2006/main">
+  <p:cSld>
+    <p:spTree>
+      <p:nvGrpSpPr>
+        <p:cNvPr id="1" name=""/>
+        <p:cNvGrpSpPr/>
+        <p:nvPr/>
+      </p:nvGrpSpPr>
+      <p:grpSpPr>
+        <a:xfrm>
+          <a:off x="0" y="0"/>
+          <a:ext cx="0" cy="0"/>
+          <a:chOff x="0" y="0"/>
+          <a:chExt cx="0" cy="0"/>
+        </a:xfrm>
+      </p:grpSpPr>
+      <p:sp>
+        <p:nvSpPr>
+          <p:cNvPr id="2" name="Title 1"/>
+          <p:cNvSpPr>
+            <a:spLocks noGrp="1"/>
+          </p:cNvSpPr>
+          <p:nvPr>
+            <p:ph type="title"/>
+          </p:nvPr>
+        </p:nvSpPr>
+        <p:spPr/>
+        <p:txBody>
+          <a:bodyPr/>
+          <a:lstStyle/>
+          <a:p>
+            <a:r>
+              <a:rPr lang="en-ZA" dirty="0" smtClean="0"/>
               <a:t>Conclusion</a:t>
             </a:r>
             <a:endParaRPr lang="en-ZA" dirty="0"/>
@@ -4804,7 +6792,7 @@
           <a:p>
             <a:fld id="{960946CE-1557-8048-9DCC-53092B682325}" type="slidenum">
               <a:rPr lang="en-US" smtClean="0"/>
-              <a:t>15</a:t>
+              <a:t>16</a:t>
             </a:fld>
             <a:endParaRPr lang="en-US" dirty="0"/>
           </a:p>
@@ -4823,7 +6811,7 @@
   <p:timing>
     <p:tnLst>
       <p:par>
-        <p:cTn xmlns:p14="http://schemas.microsoft.com/office/powerpoint/2010/main" id="1" dur="indefinite" restart="never" nodeType="tmRoot"/>
+        <p:cTn id="1" dur="indefinite" restart="never" nodeType="tmRoot"/>
       </p:par>
     </p:tnLst>
   </p:timing>
@@ -4925,7 +6913,7 @@
   <p:timing>
     <p:tnLst>
       <p:par>
-        <p:cTn xmlns:p14="http://schemas.microsoft.com/office/powerpoint/2010/main" id="1" dur="indefinite" restart="never" nodeType="tmRoot"/>
+        <p:cTn id="1" dur="indefinite" restart="never" nodeType="tmRoot"/>
       </p:par>
     </p:tnLst>
   </p:timing>
@@ -4982,12 +6970,101 @@
             <p:ph idx="1"/>
           </p:nvPr>
         </p:nvSpPr>
-        <p:spPr/>
+        <p:spPr>
+          <a:xfrm>
+            <a:off x="776536" y="2209800"/>
+            <a:ext cx="8856984" cy="3352800"/>
+          </a:xfrm>
+        </p:spPr>
         <p:txBody>
           <a:bodyPr/>
           <a:lstStyle/>
           <a:p>
-            <a:endParaRPr lang="en-ZA"/>
+            <a:r>
+              <a:rPr lang="en-ZA" b="0" dirty="0" smtClean="0"/>
+              <a:t>To develop a low cost </a:t>
+            </a:r>
+            <a:r>
+              <a:rPr lang="en-ZA" b="0" dirty="0"/>
+              <a:t>hearing </a:t>
+            </a:r>
+            <a:r>
+              <a:rPr lang="en-ZA" b="0" dirty="0" smtClean="0"/>
+              <a:t>aid</a:t>
+            </a:r>
+          </a:p>
+          <a:p>
+            <a:r>
+              <a:rPr lang="en-ZA" b="0" dirty="0" smtClean="0"/>
+              <a:t>Functionality:</a:t>
+            </a:r>
+            <a:endParaRPr lang="en-ZA" b="0" dirty="0"/>
+          </a:p>
+          <a:p>
+            <a:pPr lvl="1"/>
+            <a:r>
+              <a:rPr lang="en-ZA" b="0" dirty="0" smtClean="0"/>
+              <a:t>Amplifying </a:t>
+            </a:r>
+            <a:r>
+              <a:rPr lang="en-ZA" b="0" dirty="0"/>
+              <a:t>specific frequency bands according to a person’s </a:t>
+            </a:r>
+            <a:r>
+              <a:rPr lang="en-ZA" b="0" dirty="0" smtClean="0"/>
+              <a:t>audiogram</a:t>
+            </a:r>
+          </a:p>
+          <a:p>
+            <a:pPr lvl="1"/>
+            <a:r>
+              <a:rPr lang="en-ZA" b="0" dirty="0" smtClean="0"/>
+              <a:t>User tuneable directionality</a:t>
+            </a:r>
+            <a:endParaRPr lang="en-ZA" b="0" dirty="0"/>
+          </a:p>
+          <a:p>
+            <a:r>
+              <a:rPr lang="en-ZA" b="0" dirty="0" smtClean="0"/>
+              <a:t>Done in the form of:</a:t>
+            </a:r>
+            <a:endParaRPr lang="en-ZA" b="0" dirty="0"/>
+          </a:p>
+          <a:p>
+            <a:pPr lvl="1"/>
+            <a:r>
+              <a:rPr lang="en-ZA" b="0" dirty="0"/>
+              <a:t> </a:t>
+            </a:r>
+            <a:r>
+              <a:rPr lang="en-ZA" b="0" dirty="0" smtClean="0"/>
+              <a:t>Software simulation</a:t>
+            </a:r>
+            <a:endParaRPr lang="en-ZA" b="0" dirty="0"/>
+          </a:p>
+          <a:p>
+            <a:pPr lvl="1"/>
+            <a:r>
+              <a:rPr lang="en-ZA" b="0" dirty="0"/>
+              <a:t> </a:t>
+            </a:r>
+            <a:r>
+              <a:rPr lang="en-ZA" b="0" dirty="0"/>
+              <a:t>H</a:t>
+            </a:r>
+            <a:r>
+              <a:rPr lang="en-ZA" b="0" dirty="0" smtClean="0"/>
+              <a:t>ardware </a:t>
+            </a:r>
+            <a:r>
+              <a:rPr lang="en-ZA" b="0" dirty="0"/>
+              <a:t>proof of </a:t>
+            </a:r>
+            <a:r>
+              <a:rPr lang="en-ZA" b="0" dirty="0" smtClean="0"/>
+              <a:t>concept</a:t>
+            </a:r>
+            <a:endParaRPr lang="en-ZA" dirty="0"/>
           </a:p>
         </p:txBody>
       </p:sp>
@@ -5027,7 +7104,7 @@
   <p:timing>
     <p:tnLst>
       <p:par>
-        <p:cTn xmlns:p14="http://schemas.microsoft.com/office/powerpoint/2010/main" id="1" dur="indefinite" restart="never" nodeType="tmRoot"/>
+        <p:cTn id="1" dur="indefinite" restart="never" nodeType="tmRoot"/>
       </p:par>
     </p:tnLst>
   </p:timing>
@@ -5140,7 +7217,7 @@
   <p:timing>
     <p:tnLst>
       <p:par>
-        <p:cTn xmlns:p14="http://schemas.microsoft.com/office/powerpoint/2010/main" id="1" dur="indefinite" restart="never" nodeType="tmRoot"/>
+        <p:cTn id="1" dur="indefinite" restart="never" nodeType="tmRoot"/>
       </p:par>
     </p:tnLst>
   </p:timing>
@@ -5216,21 +7293,21 @@
                 <a:gridCol w="2880319">
                   <a:extLst>
                     <a:ext uri="{9D8B030D-6E8A-4147-A177-3AD203B41FA5}">
-                      <a16:colId xmlns:a16="http://schemas.microsoft.com/office/drawing/2014/main" xmlns="" val="1205949033"/>
+                      <a16:colId xmlns:a16="http://schemas.microsoft.com/office/drawing/2014/main" val="1205949033"/>
                     </a:ext>
                   </a:extLst>
                 </a:gridCol>
                 <a:gridCol w="2448272">
                   <a:extLst>
                     <a:ext uri="{9D8B030D-6E8A-4147-A177-3AD203B41FA5}">
-                      <a16:colId xmlns:a16="http://schemas.microsoft.com/office/drawing/2014/main" xmlns="" val="3234676645"/>
+                      <a16:colId xmlns:a16="http://schemas.microsoft.com/office/drawing/2014/main" val="3234676645"/>
                     </a:ext>
                   </a:extLst>
                 </a:gridCol>
                 <a:gridCol w="3168351">
                   <a:extLst>
                     <a:ext uri="{9D8B030D-6E8A-4147-A177-3AD203B41FA5}">
-                      <a16:colId xmlns:a16="http://schemas.microsoft.com/office/drawing/2014/main" xmlns="" val="497167739"/>
+                      <a16:colId xmlns:a16="http://schemas.microsoft.com/office/drawing/2014/main" val="497167739"/>
                     </a:ext>
                   </a:extLst>
                 </a:gridCol>
@@ -5283,7 +7360,7 @@
                 </a:tc>
                 <a:extLst>
                   <a:ext uri="{0D108BD9-81ED-4DB2-BD59-A6C34878D82A}">
-                    <a16:rowId xmlns:a16="http://schemas.microsoft.com/office/drawing/2014/main" xmlns="" val="3709011960"/>
+                    <a16:rowId xmlns:a16="http://schemas.microsoft.com/office/drawing/2014/main" val="3709011960"/>
                   </a:ext>
                 </a:extLst>
               </a:tr>
@@ -5339,7 +7416,7 @@
                 </a:tc>
                 <a:extLst>
                   <a:ext uri="{0D108BD9-81ED-4DB2-BD59-A6C34878D82A}">
-                    <a16:rowId xmlns:a16="http://schemas.microsoft.com/office/drawing/2014/main" xmlns="" val="4214479577"/>
+                    <a16:rowId xmlns:a16="http://schemas.microsoft.com/office/drawing/2014/main" val="4214479577"/>
                   </a:ext>
                 </a:extLst>
               </a:tr>
@@ -5431,7 +7508,7 @@
                 </a:tc>
                 <a:extLst>
                   <a:ext uri="{0D108BD9-81ED-4DB2-BD59-A6C34878D82A}">
-                    <a16:rowId xmlns:a16="http://schemas.microsoft.com/office/drawing/2014/main" xmlns="" val="3266579009"/>
+                    <a16:rowId xmlns:a16="http://schemas.microsoft.com/office/drawing/2014/main" val="3266579009"/>
                   </a:ext>
                 </a:extLst>
               </a:tr>
@@ -5483,7 +7560,7 @@
                 </a:tc>
                 <a:extLst>
                   <a:ext uri="{0D108BD9-81ED-4DB2-BD59-A6C34878D82A}">
-                    <a16:rowId xmlns:a16="http://schemas.microsoft.com/office/drawing/2014/main" xmlns="" val="282706019"/>
+                    <a16:rowId xmlns:a16="http://schemas.microsoft.com/office/drawing/2014/main" val="282706019"/>
                   </a:ext>
                 </a:extLst>
               </a:tr>
@@ -5535,7 +7612,7 @@
                 </a:tc>
                 <a:extLst>
                   <a:ext uri="{0D108BD9-81ED-4DB2-BD59-A6C34878D82A}">
-                    <a16:rowId xmlns:a16="http://schemas.microsoft.com/office/drawing/2014/main" xmlns="" val="10004"/>
+                    <a16:rowId xmlns:a16="http://schemas.microsoft.com/office/drawing/2014/main" val="10004"/>
                   </a:ext>
                 </a:extLst>
               </a:tr>
@@ -5591,7 +7668,7 @@
                 </a:tc>
                 <a:extLst>
                   <a:ext uri="{0D108BD9-81ED-4DB2-BD59-A6C34878D82A}">
-                    <a16:rowId xmlns:a16="http://schemas.microsoft.com/office/drawing/2014/main" xmlns="" val="1081411160"/>
+                    <a16:rowId xmlns:a16="http://schemas.microsoft.com/office/drawing/2014/main" val="1081411160"/>
                   </a:ext>
                 </a:extLst>
               </a:tr>
@@ -5658,7 +7735,7 @@
                 </a:tc>
                 <a:extLst>
                   <a:ext uri="{0D108BD9-81ED-4DB2-BD59-A6C34878D82A}">
-                    <a16:rowId xmlns:a16="http://schemas.microsoft.com/office/drawing/2014/main" xmlns="" val="2210005012"/>
+                    <a16:rowId xmlns:a16="http://schemas.microsoft.com/office/drawing/2014/main" val="2210005012"/>
                   </a:ext>
                 </a:extLst>
               </a:tr>
@@ -5778,7 +7855,7 @@
                 </a:tc>
                 <a:extLst>
                   <a:ext uri="{0D108BD9-81ED-4DB2-BD59-A6C34878D82A}">
-                    <a16:rowId xmlns:a16="http://schemas.microsoft.com/office/drawing/2014/main" xmlns="" val="1840919378"/>
+                    <a16:rowId xmlns:a16="http://schemas.microsoft.com/office/drawing/2014/main" val="1840919378"/>
                   </a:ext>
                 </a:extLst>
               </a:tr>
@@ -5834,7 +7911,7 @@
                 </a:tc>
                 <a:extLst>
                   <a:ext uri="{0D108BD9-81ED-4DB2-BD59-A6C34878D82A}">
-                    <a16:rowId xmlns:a16="http://schemas.microsoft.com/office/drawing/2014/main" xmlns="" val="1275340913"/>
+                    <a16:rowId xmlns:a16="http://schemas.microsoft.com/office/drawing/2014/main" val="1275340913"/>
                   </a:ext>
                 </a:extLst>
               </a:tr>
@@ -5878,7 +7955,7 @@
   <p:timing>
     <p:tnLst>
       <p:par>
-        <p:cTn xmlns:p14="http://schemas.microsoft.com/office/powerpoint/2010/main" id="1" dur="indefinite" restart="never" nodeType="tmRoot"/>
+        <p:cTn id="1" dur="indefinite" restart="never" nodeType="tmRoot"/>
       </p:par>
     </p:tnLst>
   </p:timing>
@@ -5935,10 +8012,41 @@
             <p:ph idx="1"/>
           </p:nvPr>
         </p:nvSpPr>
-        <p:spPr/>
+        <p:spPr>
+          <a:xfrm>
+            <a:off x="776536" y="2209800"/>
+            <a:ext cx="8136904" cy="3352800"/>
+          </a:xfrm>
+        </p:spPr>
         <p:txBody>
           <a:bodyPr/>
           <a:lstStyle/>
+          <a:p>
+            <a:r>
+              <a:rPr lang="en-ZA" dirty="0" smtClean="0"/>
+              <a:t>Dependent on audiogram</a:t>
+            </a:r>
+          </a:p>
+          <a:p>
+            <a:r>
+              <a:rPr lang="en-ZA" dirty="0" smtClean="0"/>
+              <a:t>Audiogram matching</a:t>
+            </a:r>
+          </a:p>
+          <a:p>
+            <a:pPr lvl="1"/>
+            <a:r>
+              <a:rPr lang="en-ZA" dirty="0" smtClean="0"/>
+              <a:t>Audiogram interpolation</a:t>
+            </a:r>
+          </a:p>
+          <a:p>
+            <a:pPr lvl="1"/>
+            <a:r>
+              <a:rPr lang="en-ZA" dirty="0" smtClean="0"/>
+              <a:t>Separate frequency band amplification</a:t>
+            </a:r>
+          </a:p>
           <a:p>
             <a:endParaRPr lang="en-ZA" dirty="0"/>
           </a:p>
@@ -5980,7 +8088,7 @@
   <p:timing>
     <p:tnLst>
       <p:par>
-        <p:cTn xmlns:p14="http://schemas.microsoft.com/office/powerpoint/2010/main" id="1" dur="indefinite" restart="never" nodeType="tmRoot"/>
+        <p:cTn id="1" dur="indefinite" restart="never" nodeType="tmRoot"/>
       </p:par>
     </p:tnLst>
   </p:timing>
@@ -6129,7 +8237,7 @@
   <p:timing>
     <p:tnLst>
       <p:par>
-        <p:cTn xmlns:p14="http://schemas.microsoft.com/office/powerpoint/2010/main" id="1" dur="indefinite" restart="never" nodeType="tmRoot"/>
+        <p:cTn id="1" dur="indefinite" restart="never" nodeType="tmRoot"/>
       </p:par>
     </p:tnLst>
   </p:timing>
@@ -6205,14 +8313,14 @@
                 <a:gridCol w="4108973">
                   <a:extLst>
                     <a:ext uri="{9D8B030D-6E8A-4147-A177-3AD203B41FA5}">
-                      <a16:colId xmlns:a16="http://schemas.microsoft.com/office/drawing/2014/main" xmlns="" val="641060483"/>
+                      <a16:colId xmlns:a16="http://schemas.microsoft.com/office/drawing/2014/main" val="641060483"/>
                     </a:ext>
                   </a:extLst>
                 </a:gridCol>
                 <a:gridCol w="1758427">
                   <a:extLst>
                     <a:ext uri="{9D8B030D-6E8A-4147-A177-3AD203B41FA5}">
-                      <a16:colId xmlns:a16="http://schemas.microsoft.com/office/drawing/2014/main" xmlns="" val="1147500092"/>
+                      <a16:colId xmlns:a16="http://schemas.microsoft.com/office/drawing/2014/main" val="1147500092"/>
                     </a:ext>
                   </a:extLst>
                 </a:gridCol>
@@ -6248,7 +8356,7 @@
                 </a:tc>
                 <a:extLst>
                   <a:ext uri="{0D108BD9-81ED-4DB2-BD59-A6C34878D82A}">
-                    <a16:rowId xmlns:a16="http://schemas.microsoft.com/office/drawing/2014/main" xmlns="" val="1100728770"/>
+                    <a16:rowId xmlns:a16="http://schemas.microsoft.com/office/drawing/2014/main" val="1100728770"/>
                   </a:ext>
                 </a:extLst>
               </a:tr>
@@ -6283,7 +8391,7 @@
                 </a:tc>
                 <a:extLst>
                   <a:ext uri="{0D108BD9-81ED-4DB2-BD59-A6C34878D82A}">
-                    <a16:rowId xmlns:a16="http://schemas.microsoft.com/office/drawing/2014/main" xmlns="" val="1538700946"/>
+                    <a16:rowId xmlns:a16="http://schemas.microsoft.com/office/drawing/2014/main" val="1538700946"/>
                   </a:ext>
                 </a:extLst>
               </a:tr>
@@ -6318,7 +8426,7 @@
                 </a:tc>
                 <a:extLst>
                   <a:ext uri="{0D108BD9-81ED-4DB2-BD59-A6C34878D82A}">
-                    <a16:rowId xmlns:a16="http://schemas.microsoft.com/office/drawing/2014/main" xmlns="" val="3854310482"/>
+                    <a16:rowId xmlns:a16="http://schemas.microsoft.com/office/drawing/2014/main" val="3854310482"/>
                   </a:ext>
                 </a:extLst>
               </a:tr>
@@ -6353,7 +8461,7 @@
                 </a:tc>
                 <a:extLst>
                   <a:ext uri="{0D108BD9-81ED-4DB2-BD59-A6C34878D82A}">
-                    <a16:rowId xmlns:a16="http://schemas.microsoft.com/office/drawing/2014/main" xmlns="" val="4094742816"/>
+                    <a16:rowId xmlns:a16="http://schemas.microsoft.com/office/drawing/2014/main" val="4094742816"/>
                   </a:ext>
                 </a:extLst>
               </a:tr>
@@ -6388,7 +8496,7 @@
                 </a:tc>
                 <a:extLst>
                   <a:ext uri="{0D108BD9-81ED-4DB2-BD59-A6C34878D82A}">
-                    <a16:rowId xmlns:a16="http://schemas.microsoft.com/office/drawing/2014/main" xmlns="" val="3540657552"/>
+                    <a16:rowId xmlns:a16="http://schemas.microsoft.com/office/drawing/2014/main" val="3540657552"/>
                   </a:ext>
                 </a:extLst>
               </a:tr>
@@ -6423,7 +8531,7 @@
                 </a:tc>
                 <a:extLst>
                   <a:ext uri="{0D108BD9-81ED-4DB2-BD59-A6C34878D82A}">
-                    <a16:rowId xmlns:a16="http://schemas.microsoft.com/office/drawing/2014/main" xmlns="" val="2626417538"/>
+                    <a16:rowId xmlns:a16="http://schemas.microsoft.com/office/drawing/2014/main" val="2626417538"/>
                   </a:ext>
                 </a:extLst>
               </a:tr>
@@ -6458,7 +8566,7 @@
                 </a:tc>
                 <a:extLst>
                   <a:ext uri="{0D108BD9-81ED-4DB2-BD59-A6C34878D82A}">
-                    <a16:rowId xmlns:a16="http://schemas.microsoft.com/office/drawing/2014/main" xmlns="" val="1235677700"/>
+                    <a16:rowId xmlns:a16="http://schemas.microsoft.com/office/drawing/2014/main" val="1235677700"/>
                   </a:ext>
                 </a:extLst>
               </a:tr>
@@ -6493,7 +8601,7 @@
                 </a:tc>
                 <a:extLst>
                   <a:ext uri="{0D108BD9-81ED-4DB2-BD59-A6C34878D82A}">
-                    <a16:rowId xmlns:a16="http://schemas.microsoft.com/office/drawing/2014/main" xmlns="" val="2755522816"/>
+                    <a16:rowId xmlns:a16="http://schemas.microsoft.com/office/drawing/2014/main" val="2755522816"/>
                   </a:ext>
                 </a:extLst>
               </a:tr>
@@ -6528,7 +8636,7 @@
                 </a:tc>
                 <a:extLst>
                   <a:ext uri="{0D108BD9-81ED-4DB2-BD59-A6C34878D82A}">
-                    <a16:rowId xmlns:a16="http://schemas.microsoft.com/office/drawing/2014/main" xmlns="" val="754826805"/>
+                    <a16:rowId xmlns:a16="http://schemas.microsoft.com/office/drawing/2014/main" val="754826805"/>
                   </a:ext>
                 </a:extLst>
               </a:tr>
@@ -6563,7 +8671,7 @@
                 </a:tc>
                 <a:extLst>
                   <a:ext uri="{0D108BD9-81ED-4DB2-BD59-A6C34878D82A}">
-                    <a16:rowId xmlns:a16="http://schemas.microsoft.com/office/drawing/2014/main" xmlns="" val="2456114939"/>
+                    <a16:rowId xmlns:a16="http://schemas.microsoft.com/office/drawing/2014/main" val="2456114939"/>
                   </a:ext>
                 </a:extLst>
               </a:tr>
@@ -6598,7 +8706,7 @@
                 </a:tc>
                 <a:extLst>
                   <a:ext uri="{0D108BD9-81ED-4DB2-BD59-A6C34878D82A}">
-                    <a16:rowId xmlns:a16="http://schemas.microsoft.com/office/drawing/2014/main" xmlns="" val="2549029190"/>
+                    <a16:rowId xmlns:a16="http://schemas.microsoft.com/office/drawing/2014/main" val="2549029190"/>
                   </a:ext>
                 </a:extLst>
               </a:tr>
@@ -6633,7 +8741,7 @@
                 </a:tc>
                 <a:extLst>
                   <a:ext uri="{0D108BD9-81ED-4DB2-BD59-A6C34878D82A}">
-                    <a16:rowId xmlns:a16="http://schemas.microsoft.com/office/drawing/2014/main" xmlns="" val="56862053"/>
+                    <a16:rowId xmlns:a16="http://schemas.microsoft.com/office/drawing/2014/main" val="56862053"/>
                   </a:ext>
                 </a:extLst>
               </a:tr>
@@ -6677,7 +8785,7 @@
   <p:timing>
     <p:tnLst>
       <p:par>
-        <p:cTn xmlns:p14="http://schemas.microsoft.com/office/powerpoint/2010/main" id="1" dur="indefinite" restart="never" nodeType="tmRoot"/>
+        <p:cTn id="1" dur="indefinite" restart="never" nodeType="tmRoot"/>
       </p:par>
     </p:tnLst>
   </p:timing>
@@ -6897,7 +9005,7 @@
           <a:ln/>
           <a:extLst>
             <a:ext uri="{91240B29-F687-4f45-9708-019B960494DF}">
-              <a14:hiddenLine xmlns:a14="http://schemas.microsoft.com/office/drawing/2010/main" w="9525" cap="flat" cmpd="sng" algn="ctr">
+              <a14:hiddenLine xmlns:a14="http://schemas.microsoft.com/office/drawing/2010/main" xmlns="" w="9525" cap="flat" cmpd="sng" algn="ctr">
                 <a:solidFill>
                   <a:schemeClr val="tx1"/>
                 </a:solidFill>
@@ -6908,7 +9016,7 @@
               </a14:hiddenLine>
             </a:ext>
             <a:ext uri="{AF507438-7753-43e0-B8FC-AC1667EBCBE1}">
-              <a14:hiddenEffects xmlns:a14="http://schemas.microsoft.com/office/drawing/2010/main">
+              <a14:hiddenEffects xmlns:a14="http://schemas.microsoft.com/office/drawing/2010/main" xmlns="">
                 <a:effectLst>
                   <a:outerShdw dist="35921" dir="2700000" algn="ctr" rotWithShape="0">
                     <a:schemeClr val="bg2"/>
@@ -6946,7 +9054,7 @@
   <p:timing>
     <p:tnLst>
       <p:par>
-        <p:cTn xmlns:p14="http://schemas.microsoft.com/office/powerpoint/2010/main" id="1" dur="indefinite" restart="never" nodeType="tmRoot"/>
+        <p:cTn id="1" dur="indefinite" restart="never" nodeType="tmRoot"/>
       </p:par>
     </p:tnLst>
   </p:timing>
@@ -7197,7 +9305,7 @@
         <a:effectLst/>
         <a:extLst>
           <a:ext uri="{91240B29-F687-4f45-9708-019B960494DF}">
-            <a14:hiddenLine xmlns:a14="http://schemas.microsoft.com/office/drawing/2010/main" w="9525" cap="flat" cmpd="sng" algn="ctr">
+            <a14:hiddenLine xmlns:a14="http://schemas.microsoft.com/office/drawing/2010/main" xmlns="" w="9525" cap="flat" cmpd="sng" algn="ctr">
               <a:solidFill>
                 <a:schemeClr val="tx1"/>
               </a:solidFill>
@@ -7208,7 +9316,7 @@
             </a14:hiddenLine>
           </a:ext>
           <a:ext uri="{AF507438-7753-43e0-B8FC-AC1667EBCBE1}">
-            <a14:hiddenEffects xmlns:a14="http://schemas.microsoft.com/office/drawing/2010/main">
+            <a14:hiddenEffects xmlns:a14="http://schemas.microsoft.com/office/drawing/2010/main" xmlns="">
               <a:effectLst>
                 <a:outerShdw dist="35921" dir="2700000" algn="ctr" rotWithShape="0">
                   <a:schemeClr val="bg2"/>
@@ -7275,7 +9383,7 @@
         <a:effectLst/>
         <a:extLst>
           <a:ext uri="{91240B29-F687-4f45-9708-019B960494DF}">
-            <a14:hiddenLine xmlns:a14="http://schemas.microsoft.com/office/drawing/2010/main" w="9525" cap="flat" cmpd="sng" algn="ctr">
+            <a14:hiddenLine xmlns:a14="http://schemas.microsoft.com/office/drawing/2010/main" xmlns="" w="9525" cap="flat" cmpd="sng" algn="ctr">
               <a:solidFill>
                 <a:schemeClr val="tx1"/>
               </a:solidFill>
@@ -7286,7 +9394,7 @@
             </a14:hiddenLine>
           </a:ext>
           <a:ext uri="{AF507438-7753-43e0-B8FC-AC1667EBCBE1}">
-            <a14:hiddenEffects xmlns:a14="http://schemas.microsoft.com/office/drawing/2010/main">
+            <a14:hiddenEffects xmlns:a14="http://schemas.microsoft.com/office/drawing/2010/main" xmlns="">
               <a:effectLst>
                 <a:outerShdw dist="35921" dir="2700000" algn="ctr" rotWithShape="0">
                   <a:schemeClr val="bg2"/>

--- a/Presentation/Lab Project Presentation.pptx
+++ b/Presentation/Lab Project Presentation.pptx
@@ -127,7 +127,7 @@
   </p:defaultTextStyle>
   <p:extLst>
     <p:ext uri="{EFAFB233-063F-42B5-8137-9DF3F51BA10A}">
-      <p15:sldGuideLst xmlns:p15="http://schemas.microsoft.com/office/powerpoint/2012/main">
+      <p15:sldGuideLst xmlns="" xmlns:p15="http://schemas.microsoft.com/office/powerpoint/2012/main">
         <p15:guide id="1" orient="horz" pos="2160">
           <p15:clr>
             <a:srgbClr val="A4A3A4"/>
@@ -231,7 +231,7 @@
           <a:p>
             <a:fld id="{3FA6FDA4-907F-C840-8573-33F4849B33D4}" type="datetimeFigureOut">
               <a:rPr lang="en-US" smtClean="0"/>
-              <a:t>9/4/2018</a:t>
+              <a:t>18/09/04</a:t>
             </a:fld>
             <a:endParaRPr lang="en-US"/>
           </a:p>
@@ -397,7 +397,7 @@
           <a:p>
             <a:fld id="{290492DD-1613-8B48-9182-1ECEE9190ABB}" type="datetimeFigureOut">
               <a:rPr lang="en-US" smtClean="0"/>
-              <a:t>9/4/2018</a:t>
+              <a:t>18/09/04</a:t>
             </a:fld>
             <a:endParaRPr lang="en-US"/>
           </a:p>
@@ -666,6 +666,227 @@
 </p:notesMaster>
 </file>
 
+<file path=ppt/notesSlides/notesSlide1.xml><?xml version="1.0" encoding="utf-8"?>
+<p:notes xmlns:a="http://schemas.openxmlformats.org/drawingml/2006/main" xmlns:r="http://schemas.openxmlformats.org/officeDocument/2006/relationships" xmlns:p="http://schemas.openxmlformats.org/presentationml/2006/main">
+  <p:cSld>
+    <p:spTree>
+      <p:nvGrpSpPr>
+        <p:cNvPr id="1" name=""/>
+        <p:cNvGrpSpPr/>
+        <p:nvPr/>
+      </p:nvGrpSpPr>
+      <p:grpSpPr>
+        <a:xfrm>
+          <a:off x="0" y="0"/>
+          <a:ext cx="0" cy="0"/>
+          <a:chOff x="0" y="0"/>
+          <a:chExt cx="0" cy="0"/>
+        </a:xfrm>
+      </p:grpSpPr>
+      <p:sp>
+        <p:nvSpPr>
+          <p:cNvPr id="2" name="Slide Image Placeholder 1"/>
+          <p:cNvSpPr>
+            <a:spLocks noGrp="1" noRot="1" noChangeAspect="1"/>
+          </p:cNvSpPr>
+          <p:nvPr>
+            <p:ph type="sldImg"/>
+          </p:nvPr>
+        </p:nvSpPr>
+        <p:spPr/>
+      </p:sp>
+      <p:sp>
+        <p:nvSpPr>
+          <p:cNvPr id="3" name="Notes Placeholder 2"/>
+          <p:cNvSpPr>
+            <a:spLocks noGrp="1"/>
+          </p:cNvSpPr>
+          <p:nvPr>
+            <p:ph type="body" idx="1"/>
+          </p:nvPr>
+        </p:nvSpPr>
+        <p:spPr/>
+        <p:txBody>
+          <a:bodyPr/>
+          <a:lstStyle/>
+          <a:p>
+            <a:r>
+              <a:rPr lang="en-US" dirty="0" smtClean="0"/>
+              <a:t>Independent amplification</a:t>
+            </a:r>
+          </a:p>
+          <a:p>
+            <a:pPr lvl="1"/>
+            <a:r>
+              <a:rPr lang="en-US" dirty="0" smtClean="0"/>
+              <a:t>Band-by-band basis</a:t>
+            </a:r>
+          </a:p>
+          <a:p>
+            <a:r>
+              <a:rPr lang="en-US" dirty="0" smtClean="0"/>
+              <a:t>Audiogram matching</a:t>
+            </a:r>
+          </a:p>
+          <a:p>
+            <a:pPr lvl="1"/>
+            <a:r>
+              <a:rPr lang="en-US" dirty="0" smtClean="0"/>
+              <a:t>Requires interpolation of audiogram</a:t>
+            </a:r>
+          </a:p>
+          <a:p>
+            <a:pPr lvl="1"/>
+            <a:r>
+              <a:rPr lang="en-US" dirty="0" smtClean="0"/>
+              <a:t>Unique for an individual</a:t>
+            </a:r>
+          </a:p>
+          <a:p>
+            <a:endParaRPr lang="en-US" dirty="0"/>
+          </a:p>
+        </p:txBody>
+      </p:sp>
+      <p:sp>
+        <p:nvSpPr>
+          <p:cNvPr id="4" name="Slide Number Placeholder 3"/>
+          <p:cNvSpPr>
+            <a:spLocks noGrp="1"/>
+          </p:cNvSpPr>
+          <p:nvPr>
+            <p:ph type="sldNum" sz="quarter" idx="10"/>
+          </p:nvPr>
+        </p:nvSpPr>
+        <p:spPr/>
+        <p:txBody>
+          <a:bodyPr/>
+          <a:lstStyle/>
+          <a:p>
+            <a:fld id="{36236DF1-55A4-5143-AE5D-F9A532F68BCC}" type="slidenum">
+              <a:rPr lang="en-US" smtClean="0"/>
+              <a:t>6</a:t>
+            </a:fld>
+            <a:endParaRPr lang="en-US"/>
+          </a:p>
+        </p:txBody>
+      </p:sp>
+    </p:spTree>
+    <p:extLst>
+      <p:ext uri="{BB962C8B-B14F-4D97-AF65-F5344CB8AC3E}">
+        <p14:creationId xmlns:p14="http://schemas.microsoft.com/office/powerpoint/2010/main" val="903335089"/>
+      </p:ext>
+    </p:extLst>
+  </p:cSld>
+  <p:clrMapOvr>
+    <a:masterClrMapping/>
+  </p:clrMapOvr>
+</p:notes>
+</file>
+
+<file path=ppt/notesSlides/notesSlide2.xml><?xml version="1.0" encoding="utf-8"?>
+<p:notes xmlns:a="http://schemas.openxmlformats.org/drawingml/2006/main" xmlns:r="http://schemas.openxmlformats.org/officeDocument/2006/relationships" xmlns:p="http://schemas.openxmlformats.org/presentationml/2006/main">
+  <p:cSld>
+    <p:spTree>
+      <p:nvGrpSpPr>
+        <p:cNvPr id="1" name=""/>
+        <p:cNvGrpSpPr/>
+        <p:nvPr/>
+      </p:nvGrpSpPr>
+      <p:grpSpPr>
+        <a:xfrm>
+          <a:off x="0" y="0"/>
+          <a:ext cx="0" cy="0"/>
+          <a:chOff x="0" y="0"/>
+          <a:chExt cx="0" cy="0"/>
+        </a:xfrm>
+      </p:grpSpPr>
+      <p:sp>
+        <p:nvSpPr>
+          <p:cNvPr id="2" name="Slide Image Placeholder 1"/>
+          <p:cNvSpPr>
+            <a:spLocks noGrp="1" noRot="1" noChangeAspect="1"/>
+          </p:cNvSpPr>
+          <p:nvPr>
+            <p:ph type="sldImg"/>
+          </p:nvPr>
+        </p:nvSpPr>
+        <p:spPr/>
+      </p:sp>
+      <p:sp>
+        <p:nvSpPr>
+          <p:cNvPr id="3" name="Notes Placeholder 2"/>
+          <p:cNvSpPr>
+            <a:spLocks noGrp="1"/>
+          </p:cNvSpPr>
+          <p:nvPr>
+            <p:ph type="body" idx="1"/>
+          </p:nvPr>
+        </p:nvSpPr>
+        <p:spPr/>
+        <p:txBody>
+          <a:bodyPr/>
+          <a:lstStyle/>
+          <a:p>
+            <a:r>
+              <a:rPr lang="en-US" dirty="0" smtClean="0"/>
+              <a:t>Large</a:t>
+            </a:r>
+            <a:r>
+              <a:rPr lang="en-US" baseline="0" dirty="0" smtClean="0"/>
+              <a:t> </a:t>
+            </a:r>
+            <a:r>
+              <a:rPr lang="en-US" baseline="0" dirty="0" err="1" smtClean="0"/>
+              <a:t>omni</a:t>
+            </a:r>
+            <a:r>
+              <a:rPr lang="en-US" baseline="0" dirty="0" smtClean="0"/>
+              <a:t> error due to </a:t>
+            </a:r>
+            <a:r>
+              <a:rPr lang="en-US" baseline="0" dirty="0" err="1" smtClean="0"/>
+              <a:t>mics</a:t>
+            </a:r>
+            <a:endParaRPr lang="en-US" dirty="0"/>
+          </a:p>
+        </p:txBody>
+      </p:sp>
+      <p:sp>
+        <p:nvSpPr>
+          <p:cNvPr id="4" name="Slide Number Placeholder 3"/>
+          <p:cNvSpPr>
+            <a:spLocks noGrp="1"/>
+          </p:cNvSpPr>
+          <p:nvPr>
+            <p:ph type="sldNum" sz="quarter" idx="10"/>
+          </p:nvPr>
+        </p:nvSpPr>
+        <p:spPr/>
+        <p:txBody>
+          <a:bodyPr/>
+          <a:lstStyle/>
+          <a:p>
+            <a:fld id="{36236DF1-55A4-5143-AE5D-F9A532F68BCC}" type="slidenum">
+              <a:rPr lang="en-US" smtClean="0"/>
+              <a:t>14</a:t>
+            </a:fld>
+            <a:endParaRPr lang="en-US"/>
+          </a:p>
+        </p:txBody>
+      </p:sp>
+    </p:spTree>
+    <p:extLst>
+      <p:ext uri="{BB962C8B-B14F-4D97-AF65-F5344CB8AC3E}">
+        <p14:creationId xmlns:p14="http://schemas.microsoft.com/office/powerpoint/2010/main" val="3258243237"/>
+      </p:ext>
+    </p:extLst>
+  </p:cSld>
+  <p:clrMapOvr>
+    <a:masterClrMapping/>
+  </p:clrMapOvr>
+</p:notes>
+</file>
+
 <file path=ppt/slideLayouts/slideLayout1.xml><?xml version="1.0" encoding="utf-8"?>
 <p:sldLayout xmlns:a="http://schemas.openxmlformats.org/drawingml/2006/main" xmlns:r="http://schemas.openxmlformats.org/officeDocument/2006/relationships" xmlns:p="http://schemas.openxmlformats.org/presentationml/2006/main" type="title" preserve="1">
   <p:cSld name="Title Slide">
@@ -2596,7 +2817,7 @@
           </a:ln>
           <a:extLst>
             <a:ext uri="{909E8E84-426E-40dd-AFC4-6F175D3DCCD1}">
-              <a14:hiddenFill xmlns:a14="http://schemas.microsoft.com/office/drawing/2010/main" xmlns="">
+              <a14:hiddenFill xmlns:a14="http://schemas.microsoft.com/office/drawing/2010/main">
                 <a:noFill/>
               </a14:hiddenFill>
             </a:ext>
@@ -2634,14 +2855,14 @@
           </a:ln>
           <a:extLst>
             <a:ext uri="{909E8E84-426E-40dd-AFC4-6F175D3DCCD1}">
-              <a14:hiddenFill xmlns:a14="http://schemas.microsoft.com/office/drawing/2010/main" xmlns="">
+              <a14:hiddenFill xmlns:a14="http://schemas.microsoft.com/office/drawing/2010/main">
                 <a:solidFill>
                   <a:srgbClr val="FFFFFF"/>
                 </a:solidFill>
               </a14:hiddenFill>
             </a:ext>
             <a:ext uri="{91240B29-F687-4f45-9708-019B960494DF}">
-              <a14:hiddenLine xmlns:a14="http://schemas.microsoft.com/office/drawing/2010/main" xmlns="" w="9525">
+              <a14:hiddenLine xmlns:a14="http://schemas.microsoft.com/office/drawing/2010/main" w="9525">
                 <a:solidFill>
                   <a:srgbClr val="000000"/>
                 </a:solidFill>
@@ -2651,7 +2872,7 @@
               </a14:hiddenLine>
             </a:ext>
             <a:ext uri="{FAA26D3D-D897-4be2-8F04-BA451C77F1D7}">
-              <ma14:placeholderFlag xmlns:ma14="http://schemas.microsoft.com/office/mac/drawingml/2011/main" xmlns="" val="1"/>
+              <ma14:placeholderFlag xmlns:ma14="http://schemas.microsoft.com/office/mac/drawingml/2011/main" val="1"/>
             </a:ext>
           </a:extLst>
         </p:spPr>
@@ -2699,7 +2920,7 @@
           </a:ln>
           <a:extLst>
             <a:ext uri="{909E8E84-426E-40dd-AFC4-6F175D3DCCD1}">
-              <a14:hiddenFill xmlns:a14="http://schemas.microsoft.com/office/drawing/2010/main" xmlns="">
+              <a14:hiddenFill xmlns:a14="http://schemas.microsoft.com/office/drawing/2010/main">
                 <a:noFill/>
               </a14:hiddenFill>
             </a:ext>
@@ -2735,14 +2956,14 @@
           </a:ln>
           <a:extLst>
             <a:ext uri="{909E8E84-426E-40dd-AFC4-6F175D3DCCD1}">
-              <a14:hiddenFill xmlns:a14="http://schemas.microsoft.com/office/drawing/2010/main" xmlns="">
+              <a14:hiddenFill xmlns:a14="http://schemas.microsoft.com/office/drawing/2010/main">
                 <a:solidFill>
                   <a:srgbClr val="FFFFFF"/>
                 </a:solidFill>
               </a14:hiddenFill>
             </a:ext>
             <a:ext uri="{91240B29-F687-4f45-9708-019B960494DF}">
-              <a14:hiddenLine xmlns:a14="http://schemas.microsoft.com/office/drawing/2010/main" xmlns="" w="9525">
+              <a14:hiddenLine xmlns:a14="http://schemas.microsoft.com/office/drawing/2010/main" w="9525">
                 <a:solidFill>
                   <a:srgbClr val="000000"/>
                 </a:solidFill>
@@ -2899,14 +3120,14 @@
           </a:ln>
           <a:extLst>
             <a:ext uri="{909E8E84-426E-40dd-AFC4-6F175D3DCCD1}">
-              <a14:hiddenFill xmlns:a14="http://schemas.microsoft.com/office/drawing/2010/main" xmlns="">
+              <a14:hiddenFill xmlns:a14="http://schemas.microsoft.com/office/drawing/2010/main">
                 <a:solidFill>
                   <a:srgbClr val="FFFFFF"/>
                 </a:solidFill>
               </a14:hiddenFill>
             </a:ext>
             <a:ext uri="{91240B29-F687-4f45-9708-019B960494DF}">
-              <a14:hiddenLine xmlns:a14="http://schemas.microsoft.com/office/drawing/2010/main" xmlns="" w="9525">
+              <a14:hiddenLine xmlns:a14="http://schemas.microsoft.com/office/drawing/2010/main" w="9525">
                 <a:solidFill>
                   <a:srgbClr val="000000"/>
                 </a:solidFill>
@@ -2916,7 +3137,7 @@
               </a14:hiddenLine>
             </a:ext>
             <a:ext uri="{FAA26D3D-D897-4be2-8F04-BA451C77F1D7}">
-              <ma14:placeholderFlag xmlns:ma14="http://schemas.microsoft.com/office/mac/drawingml/2011/main" xmlns="" val="1"/>
+              <ma14:placeholderFlag xmlns:ma14="http://schemas.microsoft.com/office/mac/drawingml/2011/main" val="1"/>
             </a:ext>
           </a:extLst>
         </p:spPr>
@@ -3568,14 +3789,14 @@
           </a:ln>
           <a:extLst>
             <a:ext uri="{909E8E84-426E-40dd-AFC4-6F175D3DCCD1}">
-              <a14:hiddenFill xmlns:a14="http://schemas.microsoft.com/office/drawing/2010/main" xmlns="">
+              <a14:hiddenFill xmlns:a14="http://schemas.microsoft.com/office/drawing/2010/main">
                 <a:solidFill>
                   <a:srgbClr val="FFFFFF"/>
                 </a:solidFill>
               </a14:hiddenFill>
             </a:ext>
             <a:ext uri="{91240B29-F687-4f45-9708-019B960494DF}">
-              <a14:hiddenLine xmlns:a14="http://schemas.microsoft.com/office/drawing/2010/main" xmlns="" w="9525">
+              <a14:hiddenLine xmlns:a14="http://schemas.microsoft.com/office/drawing/2010/main" w="9525">
                 <a:solidFill>
                   <a:srgbClr val="000000"/>
                 </a:solidFill>
@@ -3712,7 +3933,7 @@
   <p:timing>
     <p:tnLst>
       <p:par>
-        <p:cTn id="1" dur="indefinite" restart="never" nodeType="tmRoot"/>
+        <p:cTn xmlns:p14="http://schemas.microsoft.com/office/powerpoint/2010/main" id="1" dur="indefinite" restart="never" nodeType="tmRoot"/>
       </p:par>
     </p:tnLst>
   </p:timing>
@@ -3833,14 +4054,14 @@
           </a:ln>
           <a:extLst>
             <a:ext uri="{909E8E84-426E-40dd-AFC4-6F175D3DCCD1}">
-              <a14:hiddenFill xmlns:a14="http://schemas.microsoft.com/office/drawing/2010/main" xmlns="">
+              <a14:hiddenFill xmlns:a14="http://schemas.microsoft.com/office/drawing/2010/main">
                 <a:solidFill>
                   <a:srgbClr val="FFFFFF"/>
                 </a:solidFill>
               </a14:hiddenFill>
             </a:ext>
             <a:ext uri="{91240B29-F687-4f45-9708-019B960494DF}">
-              <a14:hiddenLine xmlns:a14="http://schemas.microsoft.com/office/drawing/2010/main" xmlns="" w="9525">
+              <a14:hiddenLine xmlns:a14="http://schemas.microsoft.com/office/drawing/2010/main" w="9525">
                 <a:solidFill>
                   <a:srgbClr val="000000"/>
                 </a:solidFill>
@@ -3850,7 +4071,7 @@
               </a14:hiddenLine>
             </a:ext>
             <a:ext uri="{FAA26D3D-D897-4be2-8F04-BA451C77F1D7}">
-              <ma14:placeholderFlag xmlns:ma14="http://schemas.microsoft.com/office/mac/drawingml/2011/main" xmlns="" val="1"/>
+              <ma14:placeholderFlag xmlns:ma14="http://schemas.microsoft.com/office/mac/drawingml/2011/main" val="1"/>
             </a:ext>
           </a:extLst>
         </p:spPr>
@@ -4106,7 +4327,7 @@
   <p:timing>
     <p:tnLst>
       <p:par>
-        <p:cTn id="1" dur="indefinite" restart="never" nodeType="tmRoot"/>
+        <p:cTn xmlns:p14="http://schemas.microsoft.com/office/powerpoint/2010/main" id="1" dur="indefinite" restart="never" nodeType="tmRoot"/>
       </p:par>
     </p:tnLst>
   </p:timing>
@@ -4259,10 +4480,16 @@
           <a:p>
             <a:r>
               <a:rPr lang="en-ZA" sz="3200" dirty="0" smtClean="0">
+                <a:cs typeface="Times New Roman" panose="02020603050405020304" pitchFamily="18" charset="0"/>
+              </a:rPr>
+              <a:t>60</a:t>
+            </a:r>
+            <a:r>
+              <a:rPr lang="en-ZA" sz="3200" dirty="0" smtClean="0">
                 <a:latin typeface="Times New Roman" panose="02020603050405020304" pitchFamily="18" charset="0"/>
                 <a:cs typeface="Times New Roman" panose="02020603050405020304" pitchFamily="18" charset="0"/>
               </a:rPr>
-              <a:t>60°</a:t>
+              <a:t>°</a:t>
             </a:r>
             <a:endParaRPr lang="en-ZA" sz="3200" dirty="0">
               <a:latin typeface="Times New Roman" panose="02020603050405020304" pitchFamily="18" charset="0"/>
@@ -4295,17 +4522,22 @@
           <a:p>
             <a:r>
               <a:rPr lang="en-ZA" sz="3200" dirty="0">
-                <a:latin typeface="Times New Roman" panose="02020603050405020304" pitchFamily="18" charset="0"/>
                 <a:cs typeface="Times New Roman" panose="02020603050405020304" pitchFamily="18" charset="0"/>
               </a:rPr>
               <a:t>9</a:t>
+            </a:r>
+            <a:r>
+              <a:rPr lang="en-ZA" sz="3200" dirty="0" smtClean="0">
+                <a:cs typeface="Times New Roman" panose="02020603050405020304" pitchFamily="18" charset="0"/>
+              </a:rPr>
+              <a:t>0</a:t>
             </a:r>
             <a:r>
               <a:rPr lang="en-ZA" sz="3200" dirty="0" smtClean="0">
                 <a:latin typeface="Times New Roman" panose="02020603050405020304" pitchFamily="18" charset="0"/>
                 <a:cs typeface="Times New Roman" panose="02020603050405020304" pitchFamily="18" charset="0"/>
               </a:rPr>
-              <a:t>0°</a:t>
+              <a:t>°</a:t>
             </a:r>
             <a:endParaRPr lang="en-ZA" sz="3200" dirty="0">
               <a:latin typeface="Times New Roman" panose="02020603050405020304" pitchFamily="18" charset="0"/>
@@ -4314,520 +4546,9 @@
           </a:p>
         </p:txBody>
       </p:sp>
-      <mc:AlternateContent xmlns:mc="http://schemas.openxmlformats.org/markup-compatibility/2006">
-        <mc:Choice xmlns:a14="http://schemas.microsoft.com/office/drawing/2010/main" Requires="a14">
-          <p:sp>
-            <p:nvSpPr>
-              <p:cNvPr id="11" name="Content Placeholder 2"/>
-              <p:cNvSpPr txBox="1">
-                <a:spLocks/>
-              </p:cNvSpPr>
-              <p:nvPr/>
-            </p:nvSpPr>
-            <p:spPr bwMode="auto">
-              <a:xfrm>
-                <a:off x="210721" y="1971841"/>
-                <a:ext cx="3878183" cy="4248472"/>
-              </a:xfrm>
-              <a:prstGeom prst="rect">
-                <a:avLst/>
-              </a:prstGeom>
-              <a:noFill/>
-              <a:ln>
-                <a:noFill/>
-              </a:ln>
-              <a:extLst>
-                <a:ext uri="{909E8E84-426E-40dd-AFC4-6F175D3DCCD1}">
-                  <a14:hiddenFill xmlns="">
-                    <a:solidFill>
-                      <a:srgbClr val="FFFFFF"/>
-                    </a:solidFill>
-                  </a14:hiddenFill>
-                </a:ext>
-                <a:ext uri="{91240B29-F687-4f45-9708-019B960494DF}">
-                  <a14:hiddenLine xmlns="" w="9525">
-                    <a:solidFill>
-                      <a:srgbClr val="000000"/>
-                    </a:solidFill>
-                    <a:miter lim="800000"/>
-                    <a:headEnd/>
-                    <a:tailEnd/>
-                  </a14:hiddenLine>
-                </a:ext>
-                <a:ext uri="{FAA26D3D-D897-4be2-8F04-BA451C77F1D7}">
-                  <ma14:placeholderFlag xmlns:ma14="http://schemas.microsoft.com/office/mac/drawingml/2011/main" xmlns="" val="1"/>
-                </a:ext>
-              </a:extLst>
-            </p:spPr>
-            <p:txBody>
-              <a:bodyPr vert="horz" wrap="square" lIns="92075" tIns="46038" rIns="92075" bIns="46038" numCol="1" anchor="t" anchorCtr="0" compatLnSpc="1">
-                <a:prstTxWarp prst="textNoShape">
-                  <a:avLst/>
-                </a:prstTxWarp>
-              </a:bodyPr>
-              <a:lstStyle>
-                <a:lvl1pPr marL="762000" indent="-571500" algn="l" defTabSz="762000" rtl="0" eaLnBrk="1" fontAlgn="base" hangingPunct="1">
-                  <a:spcBef>
-                    <a:spcPct val="70000"/>
-                  </a:spcBef>
-                  <a:spcAft>
-                    <a:spcPct val="0"/>
-                  </a:spcAft>
-                  <a:buClr>
-                    <a:srgbClr val="154E7E"/>
-                  </a:buClr>
-                  <a:buSzPct val="100000"/>
-                  <a:buFont typeface="Wingdings" charset="0"/>
-                  <a:buChar char="l"/>
-                  <a:defRPr sz="2400" b="1">
-                    <a:solidFill>
-                      <a:schemeClr val="tx1"/>
-                    </a:solidFill>
-                    <a:latin typeface="+mn-lt"/>
-                    <a:ea typeface="MS PGothic" panose="020B0600070205080204" pitchFamily="34" charset="-128"/>
-                    <a:cs typeface="MS PGothic" charset="0"/>
-                  </a:defRPr>
-                </a:lvl1pPr>
-                <a:lvl2pPr marL="1524000" indent="-381000" algn="l" defTabSz="762000" rtl="0" eaLnBrk="1" fontAlgn="base" hangingPunct="1">
-                  <a:lnSpc>
-                    <a:spcPct val="90000"/>
-                  </a:lnSpc>
-                  <a:spcBef>
-                    <a:spcPct val="30000"/>
-                  </a:spcBef>
-                  <a:spcAft>
-                    <a:spcPct val="0"/>
-                  </a:spcAft>
-                  <a:buClr>
-                    <a:srgbClr val="154E7E"/>
-                  </a:buClr>
-                  <a:buSzPct val="100000"/>
-                  <a:buFont typeface="Wingdings" charset="0"/>
-                  <a:buChar char="Ø"/>
-                  <a:defRPr sz="2000" b="1">
-                    <a:solidFill>
-                      <a:schemeClr val="tx1"/>
-                    </a:solidFill>
-                    <a:latin typeface="+mn-lt"/>
-                    <a:ea typeface="MS PGothic" panose="020B0600070205080204" pitchFamily="34" charset="-128"/>
-                    <a:cs typeface="MS PGothic" charset="0"/>
-                  </a:defRPr>
-                </a:lvl2pPr>
-                <a:lvl3pPr marL="2190750" indent="-285750" algn="l" defTabSz="762000" rtl="0" eaLnBrk="1" fontAlgn="base" hangingPunct="1">
-                  <a:lnSpc>
-                    <a:spcPct val="90000"/>
-                  </a:lnSpc>
-                  <a:spcBef>
-                    <a:spcPct val="30000"/>
-                  </a:spcBef>
-                  <a:spcAft>
-                    <a:spcPct val="0"/>
-                  </a:spcAft>
-                  <a:buClr>
-                    <a:srgbClr val="154E7E"/>
-                  </a:buClr>
-                  <a:buSzPct val="100000"/>
-                  <a:buFont typeface="Wingdings" charset="0"/>
-                  <a:buChar char="§"/>
-                  <a:defRPr b="1">
-                    <a:solidFill>
-                      <a:schemeClr val="tx1"/>
-                    </a:solidFill>
-                    <a:latin typeface="+mn-lt"/>
-                    <a:ea typeface="MS PGothic" panose="020B0600070205080204" pitchFamily="34" charset="-128"/>
-                    <a:cs typeface="MS PGothic" charset="0"/>
-                  </a:defRPr>
-                </a:lvl3pPr>
-                <a:lvl4pPr marL="2647950" indent="-171450" algn="l" defTabSz="762000" rtl="0" eaLnBrk="1" fontAlgn="base" hangingPunct="1">
-                  <a:lnSpc>
-                    <a:spcPct val="90000"/>
-                  </a:lnSpc>
-                  <a:spcBef>
-                    <a:spcPct val="30000"/>
-                  </a:spcBef>
-                  <a:spcAft>
-                    <a:spcPct val="0"/>
-                  </a:spcAft>
-                  <a:buClr>
-                    <a:srgbClr val="FAFD00"/>
-                  </a:buClr>
-                  <a:buSzPct val="100000"/>
-                  <a:buFont typeface="Arial" charset="0"/>
-                  <a:buChar char="•"/>
-                  <a:defRPr sz="1400" b="1">
-                    <a:solidFill>
-                      <a:schemeClr val="tx1"/>
-                    </a:solidFill>
-                    <a:latin typeface="+mn-lt"/>
-                    <a:ea typeface="MS PGothic" panose="020B0600070205080204" pitchFamily="34" charset="-128"/>
-                    <a:cs typeface="MS PGothic" charset="0"/>
-                  </a:defRPr>
-                </a:lvl4pPr>
-                <a:lvl5pPr marL="3009900" indent="-171450" algn="l" defTabSz="762000" rtl="0" eaLnBrk="1" fontAlgn="base" hangingPunct="1">
-                  <a:lnSpc>
-                    <a:spcPct val="90000"/>
-                  </a:lnSpc>
-                  <a:spcBef>
-                    <a:spcPct val="30000"/>
-                  </a:spcBef>
-                  <a:spcAft>
-                    <a:spcPct val="0"/>
-                  </a:spcAft>
-                  <a:buClr>
-                    <a:srgbClr val="FAFD00"/>
-                  </a:buClr>
-                  <a:buSzPct val="100000"/>
-                  <a:buFont typeface="Arial" charset="0"/>
-                  <a:buChar char="•"/>
-                  <a:defRPr sz="1400" b="1">
-                    <a:solidFill>
-                      <a:schemeClr val="tx1"/>
-                    </a:solidFill>
-                    <a:latin typeface="+mn-lt"/>
-                    <a:ea typeface="MS PGothic" panose="020B0600070205080204" pitchFamily="34" charset="-128"/>
-                    <a:cs typeface="MS PGothic" charset="0"/>
-                  </a:defRPr>
-                </a:lvl5pPr>
-                <a:lvl6pPr marL="3467100" indent="-171450" algn="l" defTabSz="762000" rtl="0" eaLnBrk="1" fontAlgn="base" hangingPunct="1">
-                  <a:lnSpc>
-                    <a:spcPct val="90000"/>
-                  </a:lnSpc>
-                  <a:spcBef>
-                    <a:spcPct val="30000"/>
-                  </a:spcBef>
-                  <a:spcAft>
-                    <a:spcPct val="0"/>
-                  </a:spcAft>
-                  <a:buClr>
-                    <a:srgbClr val="FAFD00"/>
-                  </a:buClr>
-                  <a:buSzPct val="100000"/>
-                  <a:buFont typeface="Arial" charset="0"/>
-                  <a:buChar char="•"/>
-                  <a:defRPr sz="1400" b="1">
-                    <a:solidFill>
-                      <a:schemeClr val="tx1"/>
-                    </a:solidFill>
-                    <a:latin typeface="+mn-lt"/>
-                  </a:defRPr>
-                </a:lvl6pPr>
-                <a:lvl7pPr marL="3924300" indent="-171450" algn="l" defTabSz="762000" rtl="0" eaLnBrk="1" fontAlgn="base" hangingPunct="1">
-                  <a:lnSpc>
-                    <a:spcPct val="90000"/>
-                  </a:lnSpc>
-                  <a:spcBef>
-                    <a:spcPct val="30000"/>
-                  </a:spcBef>
-                  <a:spcAft>
-                    <a:spcPct val="0"/>
-                  </a:spcAft>
-                  <a:buClr>
-                    <a:srgbClr val="FAFD00"/>
-                  </a:buClr>
-                  <a:buSzPct val="100000"/>
-                  <a:buFont typeface="Arial" charset="0"/>
-                  <a:buChar char="•"/>
-                  <a:defRPr sz="1400" b="1">
-                    <a:solidFill>
-                      <a:schemeClr val="tx1"/>
-                    </a:solidFill>
-                    <a:latin typeface="+mn-lt"/>
-                  </a:defRPr>
-                </a:lvl7pPr>
-                <a:lvl8pPr marL="4381500" indent="-171450" algn="l" defTabSz="762000" rtl="0" eaLnBrk="1" fontAlgn="base" hangingPunct="1">
-                  <a:lnSpc>
-                    <a:spcPct val="90000"/>
-                  </a:lnSpc>
-                  <a:spcBef>
-                    <a:spcPct val="30000"/>
-                  </a:spcBef>
-                  <a:spcAft>
-                    <a:spcPct val="0"/>
-                  </a:spcAft>
-                  <a:buClr>
-                    <a:srgbClr val="FAFD00"/>
-                  </a:buClr>
-                  <a:buSzPct val="100000"/>
-                  <a:buFont typeface="Arial" charset="0"/>
-                  <a:buChar char="•"/>
-                  <a:defRPr sz="1400" b="1">
-                    <a:solidFill>
-                      <a:schemeClr val="tx1"/>
-                    </a:solidFill>
-                    <a:latin typeface="+mn-lt"/>
-                  </a:defRPr>
-                </a:lvl8pPr>
-                <a:lvl9pPr marL="4838700" indent="-171450" algn="l" defTabSz="762000" rtl="0" eaLnBrk="1" fontAlgn="base" hangingPunct="1">
-                  <a:lnSpc>
-                    <a:spcPct val="90000"/>
-                  </a:lnSpc>
-                  <a:spcBef>
-                    <a:spcPct val="30000"/>
-                  </a:spcBef>
-                  <a:spcAft>
-                    <a:spcPct val="0"/>
-                  </a:spcAft>
-                  <a:buClr>
-                    <a:srgbClr val="FAFD00"/>
-                  </a:buClr>
-                  <a:buSzPct val="100000"/>
-                  <a:buFont typeface="Arial" charset="0"/>
-                  <a:buChar char="•"/>
-                  <a:defRPr sz="1400" b="1">
-                    <a:solidFill>
-                      <a:schemeClr val="tx1"/>
-                    </a:solidFill>
-                    <a:latin typeface="+mn-lt"/>
-                  </a:defRPr>
-                </a:lvl9pPr>
-              </a:lstStyle>
-              <a:p>
-                <a:r>
-                  <a:rPr lang="en-ZA" kern="0" dirty="0" smtClean="0"/>
-                  <a:t>Most precise steering at 3.15 kHz</a:t>
-                </a:r>
-              </a:p>
-              <a:p>
-                <a:r>
-                  <a:rPr lang="en-ZA" kern="0" dirty="0" smtClean="0"/>
-                  <a:t>Spatial aliasing </a:t>
-                </a:r>
-              </a:p>
-              <a:p>
-                <a:pPr lvl="1"/>
-                <a14:m/>
-              </a:p>
-              <a:p>
-                <a:pPr lvl="1"/>
-                <a:endParaRPr lang="en-ZA" kern="0" dirty="0" smtClean="0"/>
-              </a:p>
-              <a:p>
-                <a:pPr lvl="1"/>
-                <a14:m>
-                  <m:oMath xmlns:m="http://schemas.openxmlformats.org/officeDocument/2006/math">
-                    <m:sSub>
-                      <m:sSubPr>
-                        <m:ctrlPr>
-                          <a:rPr lang="en-ZA" i="1" kern="0" smtClean="0">
-                            <a:latin typeface="Cambria Math" panose="02040503050406030204" pitchFamily="18" charset="0"/>
-                          </a:rPr>
-                        </m:ctrlPr>
-                      </m:sSubPr>
-                      <m:e>
-                        <m:r>
-                          <m:rPr>
-                            <m:sty m:val="p"/>
-                          </m:rPr>
-                          <a:rPr lang="el-GR" i="1" kern="0">
-                            <a:latin typeface="Cambria Math" panose="02040503050406030204" pitchFamily="18" charset="0"/>
-                          </a:rPr>
-                          <m:t>λ</m:t>
-                        </m:r>
-                      </m:e>
-                      <m:sub>
-                        <m:r>
-                          <a:rPr lang="en-ZA" b="1" i="1" kern="0" smtClean="0">
-                            <a:latin typeface="Cambria Math" panose="02040503050406030204" pitchFamily="18" charset="0"/>
-                          </a:rPr>
-                          <m:t>𝒎𝒊𝒏</m:t>
-                        </m:r>
-                      </m:sub>
-                    </m:sSub>
-                    <m:r>
-                      <a:rPr lang="en-ZA" b="1" i="1" kern="0" smtClean="0">
-                        <a:latin typeface="Cambria Math" panose="02040503050406030204" pitchFamily="18" charset="0"/>
-                      </a:rPr>
-                      <m:t> </m:t>
-                    </m:r>
-                  </m:oMath>
-                </a14:m>
-                <a:r>
-                  <a:rPr lang="en-ZA" kern="0" dirty="0" smtClean="0"/>
-                  <a:t>= wavelength of maximum frequency</a:t>
-                </a:r>
-              </a:p>
-            </p:txBody>
-          </p:sp>
-        </mc:Choice>
-        <mc:Fallback>
-          <p:sp>
-            <p:nvSpPr>
-              <p:cNvPr id="11" name="Content Placeholder 2"/>
-              <p:cNvSpPr txBox="1">
-                <a:spLocks noRot="1" noChangeAspect="1" noMove="1" noResize="1" noEditPoints="1" noAdjustHandles="1" noChangeArrowheads="1" noChangeShapeType="1" noTextEdit="1"/>
-              </p:cNvSpPr>
-              <p:nvPr/>
-            </p:nvSpPr>
-            <p:spPr bwMode="auto">
-              <a:xfrm>
-                <a:off x="210721" y="1971841"/>
-                <a:ext cx="3878183" cy="4248472"/>
-              </a:xfrm>
-              <a:prstGeom prst="rect">
-                <a:avLst/>
-              </a:prstGeom>
-              <a:blipFill>
-                <a:blip r:embed="rId4"/>
-                <a:stretch>
-                  <a:fillRect t="-861" r="-2830"/>
-                </a:stretch>
-              </a:blipFill>
-              <a:ln>
-                <a:noFill/>
-              </a:ln>
-              <a:extLst>
-                <a:ext uri="{909E8E84-426E-40dd-AFC4-6F175D3DCCD1}">
-                  <a14:hiddenFill xmlns:a14="http://schemas.microsoft.com/office/drawing/2010/main" xmlns="">
-                    <a:solidFill>
-                      <a:srgbClr val="FFFFFF"/>
-                    </a:solidFill>
-                  </a14:hiddenFill>
-                </a:ext>
-                <a:ext uri="{91240B29-F687-4f45-9708-019B960494DF}">
-                  <a14:hiddenLine xmlns:a14="http://schemas.microsoft.com/office/drawing/2010/main" xmlns="" w="9525">
-                    <a:solidFill>
-                      <a:srgbClr val="000000"/>
-                    </a:solidFill>
-                    <a:miter lim="800000"/>
-                    <a:headEnd/>
-                    <a:tailEnd/>
-                  </a14:hiddenLine>
-                </a:ext>
-                <a:ext uri="{FAA26D3D-D897-4be2-8F04-BA451C77F1D7}">
-                  <ma14:placeholderFlag xmlns:ma14="http://schemas.microsoft.com/office/mac/drawingml/2011/main" xmlns="" val="1"/>
-                </a:ext>
-              </a:extLst>
-            </p:spPr>
-            <p:txBody>
-              <a:bodyPr/>
-              <a:lstStyle/>
-              <a:p>
-                <a:r>
-                  <a:rPr lang="en-ZA">
-                    <a:noFill/>
-                  </a:rPr>
-                  <a:t> </a:t>
-                </a:r>
-              </a:p>
-            </p:txBody>
-          </p:sp>
-        </mc:Fallback>
-      </mc:AlternateContent>
-    </p:spTree>
-    <p:extLst>
-      <p:ext uri="{BB962C8B-B14F-4D97-AF65-F5344CB8AC3E}">
-        <p14:creationId xmlns:p14="http://schemas.microsoft.com/office/powerpoint/2010/main" val="2517507658"/>
-      </p:ext>
-    </p:extLst>
-  </p:cSld>
-  <p:clrMapOvr>
-    <a:masterClrMapping/>
-  </p:clrMapOvr>
-  <p:timing>
-    <p:tnLst>
-      <p:par>
-        <p:cTn id="1" dur="indefinite" restart="never" nodeType="tmRoot"/>
-      </p:par>
-    </p:tnLst>
-  </p:timing>
-</p:sld>
-</file>
-
-<file path=ppt/slides/slide12.xml><?xml version="1.0" encoding="utf-8"?>
-<p:sld xmlns:a="http://schemas.openxmlformats.org/drawingml/2006/main" xmlns:r="http://schemas.openxmlformats.org/officeDocument/2006/relationships" xmlns:p="http://schemas.openxmlformats.org/presentationml/2006/main">
-  <p:cSld>
-    <p:spTree>
-      <p:nvGrpSpPr>
-        <p:cNvPr id="1" name=""/>
-        <p:cNvGrpSpPr/>
-        <p:nvPr/>
-      </p:nvGrpSpPr>
-      <p:grpSpPr>
-        <a:xfrm>
-          <a:off x="0" y="0"/>
-          <a:ext cx="0" cy="0"/>
-          <a:chOff x="0" y="0"/>
-          <a:chExt cx="0" cy="0"/>
-        </a:xfrm>
-      </p:grpSpPr>
       <p:sp>
         <p:nvSpPr>
-          <p:cNvPr id="2" name="Title 1"/>
-          <p:cNvSpPr>
-            <a:spLocks noGrp="1"/>
-          </p:cNvSpPr>
-          <p:nvPr>
-            <p:ph type="title"/>
-          </p:nvPr>
-        </p:nvSpPr>
-        <p:spPr/>
-        <p:txBody>
-          <a:bodyPr/>
-          <a:lstStyle/>
-          <a:p>
-            <a:r>
-              <a:rPr lang="en-ZA" dirty="0" smtClean="0"/>
-              <a:t>Results: Hardware</a:t>
-            </a:r>
-            <a:endParaRPr lang="en-ZA" dirty="0"/>
-          </a:p>
-        </p:txBody>
-      </p:sp>
-      <p:pic>
-        <p:nvPicPr>
-          <p:cNvPr id="5" name="Content Placeholder 4"/>
-          <p:cNvPicPr>
-            <a:picLocks noGrp="1" noChangeAspect="1"/>
-          </p:cNvPicPr>
-          <p:nvPr>
-            <p:ph idx="1"/>
-          </p:nvPr>
-        </p:nvPicPr>
-        <p:blipFill>
-          <a:blip r:embed="rId2">
-            <a:extLst>
-              <a:ext uri="{28A0092B-C50C-407E-A947-70E740481C1C}">
-                <a14:useLocalDpi xmlns:a14="http://schemas.microsoft.com/office/drawing/2010/main" val="0"/>
-              </a:ext>
-            </a:extLst>
-          </a:blip>
-          <a:stretch>
-            <a:fillRect/>
-          </a:stretch>
-        </p:blipFill>
-        <p:spPr>
-          <a:xfrm>
-            <a:off x="3600792" y="2780928"/>
-            <a:ext cx="5801826" cy="3426113"/>
-          </a:xfrm>
-        </p:spPr>
-      </p:pic>
-      <p:sp>
-        <p:nvSpPr>
-          <p:cNvPr id="4" name="Slide Number Placeholder 3"/>
-          <p:cNvSpPr>
-            <a:spLocks noGrp="1"/>
-          </p:cNvSpPr>
-          <p:nvPr>
-            <p:ph type="sldNum" sz="quarter" idx="10"/>
-          </p:nvPr>
-        </p:nvSpPr>
-        <p:spPr/>
-        <p:txBody>
-          <a:bodyPr/>
-          <a:lstStyle/>
-          <a:p>
-            <a:fld id="{960946CE-1557-8048-9DCC-53092B682325}" type="slidenum">
-              <a:rPr lang="en-US" smtClean="0"/>
-              <a:t>12</a:t>
-            </a:fld>
-            <a:endParaRPr lang="en-US" dirty="0"/>
-          </a:p>
-        </p:txBody>
-      </p:sp>
-      <p:sp>
-        <p:nvSpPr>
-          <p:cNvPr id="6" name="Content Placeholder 2"/>
+          <p:cNvPr id="11" name="Content Placeholder 2"/>
           <p:cNvSpPr txBox="1">
             <a:spLocks/>
           </p:cNvSpPr>
@@ -4835,8 +4556,8 @@
         </p:nvSpPr>
         <p:spPr bwMode="auto">
           <a:xfrm>
-            <a:off x="210721" y="1755805"/>
-            <a:ext cx="8846735" cy="1025123"/>
+            <a:off x="210721" y="1971841"/>
+            <a:ext cx="3878183" cy="4248472"/>
           </a:xfrm>
           <a:prstGeom prst="rect">
             <a:avLst/>
@@ -4847,14 +4568,14 @@
           </a:ln>
           <a:extLst>
             <a:ext uri="{909E8E84-426E-40dd-AFC4-6F175D3DCCD1}">
-              <a14:hiddenFill xmlns:a14="http://schemas.microsoft.com/office/drawing/2010/main" xmlns="">
+              <a14:hiddenFill xmlns:a14="http://schemas.microsoft.com/office/drawing/2010/main">
                 <a:solidFill>
                   <a:srgbClr val="FFFFFF"/>
                 </a:solidFill>
               </a14:hiddenFill>
             </a:ext>
             <a:ext uri="{91240B29-F687-4f45-9708-019B960494DF}">
-              <a14:hiddenLine xmlns:a14="http://schemas.microsoft.com/office/drawing/2010/main" xmlns="" w="9525">
+              <a14:hiddenLine xmlns:a14="http://schemas.microsoft.com/office/drawing/2010/main" w="9525">
                 <a:solidFill>
                   <a:srgbClr val="000000"/>
                 </a:solidFill>
@@ -4864,7 +4585,7 @@
               </a14:hiddenLine>
             </a:ext>
             <a:ext uri="{FAA26D3D-D897-4be2-8F04-BA451C77F1D7}">
-              <ma14:placeholderFlag xmlns:ma14="http://schemas.microsoft.com/office/mac/drawingml/2011/main" xmlns="" val="1"/>
+              <ma14:placeholderFlag xmlns:ma14="http://schemas.microsoft.com/office/mac/drawingml/2011/main" val="1"/>
             </a:ext>
           </a:extLst>
         </p:spPr>
@@ -5093,43 +4814,36 @@
           <a:p>
             <a:r>
               <a:rPr lang="en-ZA" kern="0" dirty="0" smtClean="0"/>
-              <a:t>Input sound frequency: 3.15 kHz</a:t>
+              <a:t>Most precise steering at 3.15 kHz</a:t>
             </a:r>
           </a:p>
           <a:p>
             <a:r>
               <a:rPr lang="en-ZA" kern="0" dirty="0" smtClean="0"/>
-              <a:t>Effects of amplification of one band are seen across the frequency                                                                  spectrum</a:t>
+              <a:t>Spatial aliasing </a:t>
             </a:r>
           </a:p>
           <a:p>
             <a:pPr lvl="1"/>
+            <a:endParaRPr lang="en-ZA" kern="0" dirty="0" smtClean="0"/>
+          </a:p>
+          <a:p>
+            <a:pPr lvl="1"/>
+            <a:endParaRPr lang="en-ZA" kern="0" dirty="0" smtClean="0"/>
+          </a:p>
+          <a:p>
+            <a:pPr lvl="1"/>
             <a:r>
               <a:rPr lang="en-ZA" kern="0" dirty="0" smtClean="0"/>
-              <a:t>Filter order</a:t>
-            </a:r>
-          </a:p>
-          <a:p>
-            <a:r>
-              <a:rPr lang="en-ZA" kern="0" dirty="0" smtClean="0"/>
-              <a:t>Error caused by                                                    interaction of                                                                 stop-bands</a:t>
-            </a:r>
-          </a:p>
-          <a:p>
-            <a:pPr marL="190500" indent="0">
-              <a:buNone/>
-            </a:pPr>
-            <a:endParaRPr lang="en-ZA" kern="0" dirty="0" smtClean="0"/>
-          </a:p>
-          <a:p>
-            <a:endParaRPr lang="en-ZA" kern="0" dirty="0" smtClean="0"/>
+              <a:t>= wavelength of maximum frequency</a:t>
+            </a:r>
           </a:p>
         </p:txBody>
       </p:sp>
     </p:spTree>
     <p:extLst>
       <p:ext uri="{BB962C8B-B14F-4D97-AF65-F5344CB8AC3E}">
-        <p14:creationId xmlns:p14="http://schemas.microsoft.com/office/powerpoint/2010/main" val="16925167"/>
+        <p14:creationId xmlns:p14="http://schemas.microsoft.com/office/powerpoint/2010/main" val="2517507658"/>
       </p:ext>
     </p:extLst>
   </p:cSld>
@@ -5139,14 +4853,14 @@
   <p:timing>
     <p:tnLst>
       <p:par>
-        <p:cTn id="1" dur="indefinite" restart="never" nodeType="tmRoot"/>
+        <p:cTn xmlns:p14="http://schemas.microsoft.com/office/powerpoint/2010/main" id="1" dur="indefinite" restart="never" nodeType="tmRoot"/>
       </p:par>
     </p:tnLst>
   </p:timing>
 </p:sld>
 </file>
 
-<file path=ppt/slides/slide13.xml><?xml version="1.0" encoding="utf-8"?>
+<file path=ppt/slides/slide12.xml><?xml version="1.0" encoding="utf-8"?>
 <p:sld xmlns:a="http://schemas.openxmlformats.org/drawingml/2006/main" xmlns:r="http://schemas.openxmlformats.org/officeDocument/2006/relationships" xmlns:p="http://schemas.openxmlformats.org/presentationml/2006/main">
   <p:cSld>
     <p:spTree>
@@ -5210,8 +4924,8 @@
         </p:blipFill>
         <p:spPr>
           <a:xfrm>
-            <a:off x="6668630" y="1891384"/>
-            <a:ext cx="3237370" cy="3083942"/>
+            <a:off x="3600792" y="2780928"/>
+            <a:ext cx="5801826" cy="3426113"/>
           </a:xfrm>
         </p:spPr>
       </p:pic>
@@ -5232,117 +4946,15 @@
           <a:p>
             <a:fld id="{960946CE-1557-8048-9DCC-53092B682325}" type="slidenum">
               <a:rPr lang="en-US" smtClean="0"/>
-              <a:t>13</a:t>
+              <a:t>12</a:t>
             </a:fld>
             <a:endParaRPr lang="en-US" dirty="0"/>
-          </a:p>
-        </p:txBody>
-      </p:sp>
-      <p:pic>
-        <p:nvPicPr>
-          <p:cNvPr id="6" name="Picture 5"/>
-          <p:cNvPicPr>
-            <a:picLocks noChangeAspect="1"/>
-          </p:cNvPicPr>
-          <p:nvPr/>
-        </p:nvPicPr>
-        <p:blipFill>
-          <a:blip r:embed="rId3">
-            <a:extLst>
-              <a:ext uri="{28A0092B-C50C-407E-A947-70E740481C1C}">
-                <a14:useLocalDpi xmlns:a14="http://schemas.microsoft.com/office/drawing/2010/main" val="0"/>
-              </a:ext>
-            </a:extLst>
-          </a:blip>
-          <a:stretch>
-            <a:fillRect/>
-          </a:stretch>
-        </p:blipFill>
-        <p:spPr>
-          <a:xfrm>
-            <a:off x="3607795" y="1861603"/>
-            <a:ext cx="3224808" cy="3083942"/>
-          </a:xfrm>
-          <a:prstGeom prst="rect">
-            <a:avLst/>
-          </a:prstGeom>
-        </p:spPr>
-      </p:pic>
-      <p:sp>
-        <p:nvSpPr>
-          <p:cNvPr id="9" name="TextBox 8"/>
-          <p:cNvSpPr txBox="1"/>
-          <p:nvPr/>
-        </p:nvSpPr>
-        <p:spPr>
-          <a:xfrm>
-            <a:off x="7977336" y="4931163"/>
-            <a:ext cx="2376264" cy="584775"/>
-          </a:xfrm>
-          <a:prstGeom prst="rect">
-            <a:avLst/>
-          </a:prstGeom>
-          <a:noFill/>
-        </p:spPr>
-        <p:txBody>
-          <a:bodyPr wrap="square" rtlCol="0">
-            <a:spAutoFit/>
-          </a:bodyPr>
-          <a:lstStyle/>
-          <a:p>
-            <a:r>
-              <a:rPr lang="en-ZA" sz="3200" dirty="0" smtClean="0">
-                <a:latin typeface="Times New Roman" panose="02020603050405020304" pitchFamily="18" charset="0"/>
-                <a:cs typeface="Times New Roman" panose="02020603050405020304" pitchFamily="18" charset="0"/>
-              </a:rPr>
-              <a:t>90°</a:t>
-            </a:r>
-            <a:endParaRPr lang="en-ZA" sz="3200" dirty="0">
-              <a:latin typeface="Times New Roman" panose="02020603050405020304" pitchFamily="18" charset="0"/>
-              <a:cs typeface="Times New Roman" panose="02020603050405020304" pitchFamily="18" charset="0"/>
-            </a:endParaRPr>
           </a:p>
         </p:txBody>
       </p:sp>
       <p:sp>
         <p:nvSpPr>
-          <p:cNvPr id="10" name="TextBox 9"/>
-          <p:cNvSpPr txBox="1"/>
-          <p:nvPr/>
-        </p:nvSpPr>
-        <p:spPr>
-          <a:xfrm>
-            <a:off x="4804905" y="4885983"/>
-            <a:ext cx="2376264" cy="584775"/>
-          </a:xfrm>
-          <a:prstGeom prst="rect">
-            <a:avLst/>
-          </a:prstGeom>
-          <a:noFill/>
-        </p:spPr>
-        <p:txBody>
-          <a:bodyPr wrap="square" rtlCol="0">
-            <a:spAutoFit/>
-          </a:bodyPr>
-          <a:lstStyle/>
-          <a:p>
-            <a:r>
-              <a:rPr lang="en-ZA" sz="3200" dirty="0" smtClean="0">
-                <a:latin typeface="Times New Roman" panose="02020603050405020304" pitchFamily="18" charset="0"/>
-                <a:cs typeface="Times New Roman" panose="02020603050405020304" pitchFamily="18" charset="0"/>
-              </a:rPr>
-              <a:t>60°</a:t>
-            </a:r>
-            <a:endParaRPr lang="en-ZA" sz="3200" dirty="0">
-              <a:latin typeface="Times New Roman" panose="02020603050405020304" pitchFamily="18" charset="0"/>
-              <a:cs typeface="Times New Roman" panose="02020603050405020304" pitchFamily="18" charset="0"/>
-            </a:endParaRPr>
-          </a:p>
-        </p:txBody>
-      </p:sp>
-      <p:sp>
-        <p:nvSpPr>
-          <p:cNvPr id="12" name="Content Placeholder 2"/>
+          <p:cNvPr id="6" name="Content Placeholder 2"/>
           <p:cNvSpPr txBox="1">
             <a:spLocks/>
           </p:cNvSpPr>
@@ -5350,8 +4962,8 @@
         </p:nvSpPr>
         <p:spPr bwMode="auto">
           <a:xfrm>
-            <a:off x="210721" y="1971841"/>
-            <a:ext cx="4146584" cy="4248472"/>
+            <a:off x="210721" y="1755805"/>
+            <a:ext cx="8846735" cy="1025123"/>
           </a:xfrm>
           <a:prstGeom prst="rect">
             <a:avLst/>
@@ -5362,14 +4974,14 @@
           </a:ln>
           <a:extLst>
             <a:ext uri="{909E8E84-426E-40dd-AFC4-6F175D3DCCD1}">
-              <a14:hiddenFill xmlns:a14="http://schemas.microsoft.com/office/drawing/2010/main" xmlns="">
+              <a14:hiddenFill xmlns:a14="http://schemas.microsoft.com/office/drawing/2010/main">
                 <a:solidFill>
                   <a:srgbClr val="FFFFFF"/>
                 </a:solidFill>
               </a14:hiddenFill>
             </a:ext>
             <a:ext uri="{91240B29-F687-4f45-9708-019B960494DF}">
-              <a14:hiddenLine xmlns:a14="http://schemas.microsoft.com/office/drawing/2010/main" xmlns="" w="9525">
+              <a14:hiddenLine xmlns:a14="http://schemas.microsoft.com/office/drawing/2010/main" w="9525">
                 <a:solidFill>
                   <a:srgbClr val="000000"/>
                 </a:solidFill>
@@ -5379,7 +4991,7 @@
               </a14:hiddenLine>
             </a:ext>
             <a:ext uri="{FAA26D3D-D897-4be2-8F04-BA451C77F1D7}">
-              <ma14:placeholderFlag xmlns:ma14="http://schemas.microsoft.com/office/mac/drawingml/2011/main" xmlns="" val="1"/>
+              <ma14:placeholderFlag xmlns:ma14="http://schemas.microsoft.com/office/mac/drawingml/2011/main" val="1"/>
             </a:ext>
           </a:extLst>
         </p:spPr>
@@ -5608,6 +5220,521 @@
           <a:p>
             <a:r>
               <a:rPr lang="en-ZA" kern="0" dirty="0" smtClean="0"/>
+              <a:t>Input sound frequency: 3.15 kHz</a:t>
+            </a:r>
+          </a:p>
+          <a:p>
+            <a:r>
+              <a:rPr lang="en-ZA" kern="0" dirty="0" smtClean="0"/>
+              <a:t>Effects of amplification of one band are seen across the frequency                                                                  spectrum</a:t>
+            </a:r>
+          </a:p>
+          <a:p>
+            <a:pPr lvl="1"/>
+            <a:r>
+              <a:rPr lang="en-ZA" kern="0" dirty="0" smtClean="0"/>
+              <a:t>Filter order</a:t>
+            </a:r>
+          </a:p>
+          <a:p>
+            <a:r>
+              <a:rPr lang="en-ZA" kern="0" dirty="0" smtClean="0"/>
+              <a:t>Error caused by                                                    interaction of                                                                 stop-bands</a:t>
+            </a:r>
+          </a:p>
+          <a:p>
+            <a:pPr marL="190500" indent="0">
+              <a:buNone/>
+            </a:pPr>
+            <a:endParaRPr lang="en-ZA" kern="0" dirty="0" smtClean="0"/>
+          </a:p>
+          <a:p>
+            <a:endParaRPr lang="en-ZA" kern="0" dirty="0" smtClean="0"/>
+          </a:p>
+        </p:txBody>
+      </p:sp>
+    </p:spTree>
+    <p:extLst>
+      <p:ext uri="{BB962C8B-B14F-4D97-AF65-F5344CB8AC3E}">
+        <p14:creationId xmlns:p14="http://schemas.microsoft.com/office/powerpoint/2010/main" val="16925167"/>
+      </p:ext>
+    </p:extLst>
+  </p:cSld>
+  <p:clrMapOvr>
+    <a:masterClrMapping/>
+  </p:clrMapOvr>
+  <p:timing>
+    <p:tnLst>
+      <p:par>
+        <p:cTn xmlns:p14="http://schemas.microsoft.com/office/powerpoint/2010/main" id="1" dur="indefinite" restart="never" nodeType="tmRoot"/>
+      </p:par>
+    </p:tnLst>
+  </p:timing>
+</p:sld>
+</file>
+
+<file path=ppt/slides/slide13.xml><?xml version="1.0" encoding="utf-8"?>
+<p:sld xmlns:a="http://schemas.openxmlformats.org/drawingml/2006/main" xmlns:r="http://schemas.openxmlformats.org/officeDocument/2006/relationships" xmlns:p="http://schemas.openxmlformats.org/presentationml/2006/main">
+  <p:cSld>
+    <p:spTree>
+      <p:nvGrpSpPr>
+        <p:cNvPr id="1" name=""/>
+        <p:cNvGrpSpPr/>
+        <p:nvPr/>
+      </p:nvGrpSpPr>
+      <p:grpSpPr>
+        <a:xfrm>
+          <a:off x="0" y="0"/>
+          <a:ext cx="0" cy="0"/>
+          <a:chOff x="0" y="0"/>
+          <a:chExt cx="0" cy="0"/>
+        </a:xfrm>
+      </p:grpSpPr>
+      <p:sp>
+        <p:nvSpPr>
+          <p:cNvPr id="2" name="Title 1"/>
+          <p:cNvSpPr>
+            <a:spLocks noGrp="1"/>
+          </p:cNvSpPr>
+          <p:nvPr>
+            <p:ph type="title"/>
+          </p:nvPr>
+        </p:nvSpPr>
+        <p:spPr/>
+        <p:txBody>
+          <a:bodyPr/>
+          <a:lstStyle/>
+          <a:p>
+            <a:r>
+              <a:rPr lang="en-ZA" dirty="0" smtClean="0"/>
+              <a:t>Results: Hardware</a:t>
+            </a:r>
+            <a:endParaRPr lang="en-ZA" dirty="0"/>
+          </a:p>
+        </p:txBody>
+      </p:sp>
+      <p:pic>
+        <p:nvPicPr>
+          <p:cNvPr id="5" name="Content Placeholder 4"/>
+          <p:cNvPicPr>
+            <a:picLocks noGrp="1" noChangeAspect="1"/>
+          </p:cNvPicPr>
+          <p:nvPr>
+            <p:ph idx="1"/>
+          </p:nvPr>
+        </p:nvPicPr>
+        <p:blipFill>
+          <a:blip r:embed="rId2">
+            <a:extLst>
+              <a:ext uri="{28A0092B-C50C-407E-A947-70E740481C1C}">
+                <a14:useLocalDpi xmlns:a14="http://schemas.microsoft.com/office/drawing/2010/main" val="0"/>
+              </a:ext>
+            </a:extLst>
+          </a:blip>
+          <a:stretch>
+            <a:fillRect/>
+          </a:stretch>
+        </p:blipFill>
+        <p:spPr>
+          <a:xfrm>
+            <a:off x="6668630" y="1891384"/>
+            <a:ext cx="3237370" cy="3083942"/>
+          </a:xfrm>
+        </p:spPr>
+      </p:pic>
+      <p:sp>
+        <p:nvSpPr>
+          <p:cNvPr id="4" name="Slide Number Placeholder 3"/>
+          <p:cNvSpPr>
+            <a:spLocks noGrp="1"/>
+          </p:cNvSpPr>
+          <p:nvPr>
+            <p:ph type="sldNum" sz="quarter" idx="10"/>
+          </p:nvPr>
+        </p:nvSpPr>
+        <p:spPr/>
+        <p:txBody>
+          <a:bodyPr/>
+          <a:lstStyle/>
+          <a:p>
+            <a:fld id="{960946CE-1557-8048-9DCC-53092B682325}" type="slidenum">
+              <a:rPr lang="en-US" smtClean="0"/>
+              <a:t>13</a:t>
+            </a:fld>
+            <a:endParaRPr lang="en-US" dirty="0"/>
+          </a:p>
+        </p:txBody>
+      </p:sp>
+      <p:pic>
+        <p:nvPicPr>
+          <p:cNvPr id="6" name="Picture 5"/>
+          <p:cNvPicPr>
+            <a:picLocks noChangeAspect="1"/>
+          </p:cNvPicPr>
+          <p:nvPr/>
+        </p:nvPicPr>
+        <p:blipFill>
+          <a:blip r:embed="rId3">
+            <a:extLst>
+              <a:ext uri="{28A0092B-C50C-407E-A947-70E740481C1C}">
+                <a14:useLocalDpi xmlns:a14="http://schemas.microsoft.com/office/drawing/2010/main" val="0"/>
+              </a:ext>
+            </a:extLst>
+          </a:blip>
+          <a:stretch>
+            <a:fillRect/>
+          </a:stretch>
+        </p:blipFill>
+        <p:spPr>
+          <a:xfrm>
+            <a:off x="3607795" y="1861603"/>
+            <a:ext cx="3224808" cy="3083942"/>
+          </a:xfrm>
+          <a:prstGeom prst="rect">
+            <a:avLst/>
+          </a:prstGeom>
+        </p:spPr>
+      </p:pic>
+      <p:sp>
+        <p:nvSpPr>
+          <p:cNvPr id="9" name="TextBox 8"/>
+          <p:cNvSpPr txBox="1"/>
+          <p:nvPr/>
+        </p:nvSpPr>
+        <p:spPr>
+          <a:xfrm>
+            <a:off x="7977336" y="4931163"/>
+            <a:ext cx="2376264" cy="584775"/>
+          </a:xfrm>
+          <a:prstGeom prst="rect">
+            <a:avLst/>
+          </a:prstGeom>
+          <a:noFill/>
+        </p:spPr>
+        <p:txBody>
+          <a:bodyPr wrap="square" rtlCol="0">
+            <a:spAutoFit/>
+          </a:bodyPr>
+          <a:lstStyle/>
+          <a:p>
+            <a:r>
+              <a:rPr lang="en-ZA" sz="3200" dirty="0" smtClean="0">
+                <a:latin typeface="Times New Roman" panose="02020603050405020304" pitchFamily="18" charset="0"/>
+                <a:cs typeface="Times New Roman" panose="02020603050405020304" pitchFamily="18" charset="0"/>
+              </a:rPr>
+              <a:t>90°</a:t>
+            </a:r>
+            <a:endParaRPr lang="en-ZA" sz="3200" dirty="0">
+              <a:latin typeface="Times New Roman" panose="02020603050405020304" pitchFamily="18" charset="0"/>
+              <a:cs typeface="Times New Roman" panose="02020603050405020304" pitchFamily="18" charset="0"/>
+            </a:endParaRPr>
+          </a:p>
+        </p:txBody>
+      </p:sp>
+      <p:sp>
+        <p:nvSpPr>
+          <p:cNvPr id="10" name="TextBox 9"/>
+          <p:cNvSpPr txBox="1"/>
+          <p:nvPr/>
+        </p:nvSpPr>
+        <p:spPr>
+          <a:xfrm>
+            <a:off x="4804905" y="4885983"/>
+            <a:ext cx="2376264" cy="584775"/>
+          </a:xfrm>
+          <a:prstGeom prst="rect">
+            <a:avLst/>
+          </a:prstGeom>
+          <a:noFill/>
+        </p:spPr>
+        <p:txBody>
+          <a:bodyPr wrap="square" rtlCol="0">
+            <a:spAutoFit/>
+          </a:bodyPr>
+          <a:lstStyle/>
+          <a:p>
+            <a:r>
+              <a:rPr lang="en-ZA" sz="3200" dirty="0" smtClean="0">
+                <a:latin typeface="Times New Roman" panose="02020603050405020304" pitchFamily="18" charset="0"/>
+                <a:cs typeface="Times New Roman" panose="02020603050405020304" pitchFamily="18" charset="0"/>
+              </a:rPr>
+              <a:t>60°</a:t>
+            </a:r>
+            <a:endParaRPr lang="en-ZA" sz="3200" dirty="0">
+              <a:latin typeface="Times New Roman" panose="02020603050405020304" pitchFamily="18" charset="0"/>
+              <a:cs typeface="Times New Roman" panose="02020603050405020304" pitchFamily="18" charset="0"/>
+            </a:endParaRPr>
+          </a:p>
+        </p:txBody>
+      </p:sp>
+      <p:sp>
+        <p:nvSpPr>
+          <p:cNvPr id="12" name="Content Placeholder 2"/>
+          <p:cNvSpPr txBox="1">
+            <a:spLocks/>
+          </p:cNvSpPr>
+          <p:nvPr/>
+        </p:nvSpPr>
+        <p:spPr bwMode="auto">
+          <a:xfrm>
+            <a:off x="210721" y="1971841"/>
+            <a:ext cx="4146584" cy="4248472"/>
+          </a:xfrm>
+          <a:prstGeom prst="rect">
+            <a:avLst/>
+          </a:prstGeom>
+          <a:noFill/>
+          <a:ln>
+            <a:noFill/>
+          </a:ln>
+          <a:extLst>
+            <a:ext uri="{909E8E84-426E-40dd-AFC4-6F175D3DCCD1}">
+              <a14:hiddenFill xmlns:a14="http://schemas.microsoft.com/office/drawing/2010/main">
+                <a:solidFill>
+                  <a:srgbClr val="FFFFFF"/>
+                </a:solidFill>
+              </a14:hiddenFill>
+            </a:ext>
+            <a:ext uri="{91240B29-F687-4f45-9708-019B960494DF}">
+              <a14:hiddenLine xmlns:a14="http://schemas.microsoft.com/office/drawing/2010/main" w="9525">
+                <a:solidFill>
+                  <a:srgbClr val="000000"/>
+                </a:solidFill>
+                <a:miter lim="800000"/>
+                <a:headEnd/>
+                <a:tailEnd/>
+              </a14:hiddenLine>
+            </a:ext>
+            <a:ext uri="{FAA26D3D-D897-4be2-8F04-BA451C77F1D7}">
+              <ma14:placeholderFlag xmlns:ma14="http://schemas.microsoft.com/office/mac/drawingml/2011/main" val="1"/>
+            </a:ext>
+          </a:extLst>
+        </p:spPr>
+        <p:txBody>
+          <a:bodyPr vert="horz" wrap="square" lIns="92075" tIns="46038" rIns="92075" bIns="46038" numCol="1" anchor="t" anchorCtr="0" compatLnSpc="1">
+            <a:prstTxWarp prst="textNoShape">
+              <a:avLst/>
+            </a:prstTxWarp>
+          </a:bodyPr>
+          <a:lstStyle>
+            <a:lvl1pPr marL="762000" indent="-571500" algn="l" defTabSz="762000" rtl="0" eaLnBrk="1" fontAlgn="base" hangingPunct="1">
+              <a:spcBef>
+                <a:spcPct val="70000"/>
+              </a:spcBef>
+              <a:spcAft>
+                <a:spcPct val="0"/>
+              </a:spcAft>
+              <a:buClr>
+                <a:srgbClr val="154E7E"/>
+              </a:buClr>
+              <a:buSzPct val="100000"/>
+              <a:buFont typeface="Wingdings" charset="0"/>
+              <a:buChar char="l"/>
+              <a:defRPr sz="2400" b="1">
+                <a:solidFill>
+                  <a:schemeClr val="tx1"/>
+                </a:solidFill>
+                <a:latin typeface="+mn-lt"/>
+                <a:ea typeface="MS PGothic" panose="020B0600070205080204" pitchFamily="34" charset="-128"/>
+                <a:cs typeface="MS PGothic" charset="0"/>
+              </a:defRPr>
+            </a:lvl1pPr>
+            <a:lvl2pPr marL="1524000" indent="-381000" algn="l" defTabSz="762000" rtl="0" eaLnBrk="1" fontAlgn="base" hangingPunct="1">
+              <a:lnSpc>
+                <a:spcPct val="90000"/>
+              </a:lnSpc>
+              <a:spcBef>
+                <a:spcPct val="30000"/>
+              </a:spcBef>
+              <a:spcAft>
+                <a:spcPct val="0"/>
+              </a:spcAft>
+              <a:buClr>
+                <a:srgbClr val="154E7E"/>
+              </a:buClr>
+              <a:buSzPct val="100000"/>
+              <a:buFont typeface="Wingdings" charset="0"/>
+              <a:buChar char="Ø"/>
+              <a:defRPr sz="2000" b="1">
+                <a:solidFill>
+                  <a:schemeClr val="tx1"/>
+                </a:solidFill>
+                <a:latin typeface="+mn-lt"/>
+                <a:ea typeface="MS PGothic" panose="020B0600070205080204" pitchFamily="34" charset="-128"/>
+                <a:cs typeface="MS PGothic" charset="0"/>
+              </a:defRPr>
+            </a:lvl2pPr>
+            <a:lvl3pPr marL="2190750" indent="-285750" algn="l" defTabSz="762000" rtl="0" eaLnBrk="1" fontAlgn="base" hangingPunct="1">
+              <a:lnSpc>
+                <a:spcPct val="90000"/>
+              </a:lnSpc>
+              <a:spcBef>
+                <a:spcPct val="30000"/>
+              </a:spcBef>
+              <a:spcAft>
+                <a:spcPct val="0"/>
+              </a:spcAft>
+              <a:buClr>
+                <a:srgbClr val="154E7E"/>
+              </a:buClr>
+              <a:buSzPct val="100000"/>
+              <a:buFont typeface="Wingdings" charset="0"/>
+              <a:buChar char="§"/>
+              <a:defRPr b="1">
+                <a:solidFill>
+                  <a:schemeClr val="tx1"/>
+                </a:solidFill>
+                <a:latin typeface="+mn-lt"/>
+                <a:ea typeface="MS PGothic" panose="020B0600070205080204" pitchFamily="34" charset="-128"/>
+                <a:cs typeface="MS PGothic" charset="0"/>
+              </a:defRPr>
+            </a:lvl3pPr>
+            <a:lvl4pPr marL="2647950" indent="-171450" algn="l" defTabSz="762000" rtl="0" eaLnBrk="1" fontAlgn="base" hangingPunct="1">
+              <a:lnSpc>
+                <a:spcPct val="90000"/>
+              </a:lnSpc>
+              <a:spcBef>
+                <a:spcPct val="30000"/>
+              </a:spcBef>
+              <a:spcAft>
+                <a:spcPct val="0"/>
+              </a:spcAft>
+              <a:buClr>
+                <a:srgbClr val="FAFD00"/>
+              </a:buClr>
+              <a:buSzPct val="100000"/>
+              <a:buFont typeface="Arial" charset="0"/>
+              <a:buChar char="•"/>
+              <a:defRPr sz="1400" b="1">
+                <a:solidFill>
+                  <a:schemeClr val="tx1"/>
+                </a:solidFill>
+                <a:latin typeface="+mn-lt"/>
+                <a:ea typeface="MS PGothic" panose="020B0600070205080204" pitchFamily="34" charset="-128"/>
+                <a:cs typeface="MS PGothic" charset="0"/>
+              </a:defRPr>
+            </a:lvl4pPr>
+            <a:lvl5pPr marL="3009900" indent="-171450" algn="l" defTabSz="762000" rtl="0" eaLnBrk="1" fontAlgn="base" hangingPunct="1">
+              <a:lnSpc>
+                <a:spcPct val="90000"/>
+              </a:lnSpc>
+              <a:spcBef>
+                <a:spcPct val="30000"/>
+              </a:spcBef>
+              <a:spcAft>
+                <a:spcPct val="0"/>
+              </a:spcAft>
+              <a:buClr>
+                <a:srgbClr val="FAFD00"/>
+              </a:buClr>
+              <a:buSzPct val="100000"/>
+              <a:buFont typeface="Arial" charset="0"/>
+              <a:buChar char="•"/>
+              <a:defRPr sz="1400" b="1">
+                <a:solidFill>
+                  <a:schemeClr val="tx1"/>
+                </a:solidFill>
+                <a:latin typeface="+mn-lt"/>
+                <a:ea typeface="MS PGothic" panose="020B0600070205080204" pitchFamily="34" charset="-128"/>
+                <a:cs typeface="MS PGothic" charset="0"/>
+              </a:defRPr>
+            </a:lvl5pPr>
+            <a:lvl6pPr marL="3467100" indent="-171450" algn="l" defTabSz="762000" rtl="0" eaLnBrk="1" fontAlgn="base" hangingPunct="1">
+              <a:lnSpc>
+                <a:spcPct val="90000"/>
+              </a:lnSpc>
+              <a:spcBef>
+                <a:spcPct val="30000"/>
+              </a:spcBef>
+              <a:spcAft>
+                <a:spcPct val="0"/>
+              </a:spcAft>
+              <a:buClr>
+                <a:srgbClr val="FAFD00"/>
+              </a:buClr>
+              <a:buSzPct val="100000"/>
+              <a:buFont typeface="Arial" charset="0"/>
+              <a:buChar char="•"/>
+              <a:defRPr sz="1400" b="1">
+                <a:solidFill>
+                  <a:schemeClr val="tx1"/>
+                </a:solidFill>
+                <a:latin typeface="+mn-lt"/>
+              </a:defRPr>
+            </a:lvl6pPr>
+            <a:lvl7pPr marL="3924300" indent="-171450" algn="l" defTabSz="762000" rtl="0" eaLnBrk="1" fontAlgn="base" hangingPunct="1">
+              <a:lnSpc>
+                <a:spcPct val="90000"/>
+              </a:lnSpc>
+              <a:spcBef>
+                <a:spcPct val="30000"/>
+              </a:spcBef>
+              <a:spcAft>
+                <a:spcPct val="0"/>
+              </a:spcAft>
+              <a:buClr>
+                <a:srgbClr val="FAFD00"/>
+              </a:buClr>
+              <a:buSzPct val="100000"/>
+              <a:buFont typeface="Arial" charset="0"/>
+              <a:buChar char="•"/>
+              <a:defRPr sz="1400" b="1">
+                <a:solidFill>
+                  <a:schemeClr val="tx1"/>
+                </a:solidFill>
+                <a:latin typeface="+mn-lt"/>
+              </a:defRPr>
+            </a:lvl7pPr>
+            <a:lvl8pPr marL="4381500" indent="-171450" algn="l" defTabSz="762000" rtl="0" eaLnBrk="1" fontAlgn="base" hangingPunct="1">
+              <a:lnSpc>
+                <a:spcPct val="90000"/>
+              </a:lnSpc>
+              <a:spcBef>
+                <a:spcPct val="30000"/>
+              </a:spcBef>
+              <a:spcAft>
+                <a:spcPct val="0"/>
+              </a:spcAft>
+              <a:buClr>
+                <a:srgbClr val="FAFD00"/>
+              </a:buClr>
+              <a:buSzPct val="100000"/>
+              <a:buFont typeface="Arial" charset="0"/>
+              <a:buChar char="•"/>
+              <a:defRPr sz="1400" b="1">
+                <a:solidFill>
+                  <a:schemeClr val="tx1"/>
+                </a:solidFill>
+                <a:latin typeface="+mn-lt"/>
+              </a:defRPr>
+            </a:lvl8pPr>
+            <a:lvl9pPr marL="4838700" indent="-171450" algn="l" defTabSz="762000" rtl="0" eaLnBrk="1" fontAlgn="base" hangingPunct="1">
+              <a:lnSpc>
+                <a:spcPct val="90000"/>
+              </a:lnSpc>
+              <a:spcBef>
+                <a:spcPct val="30000"/>
+              </a:spcBef>
+              <a:spcAft>
+                <a:spcPct val="0"/>
+              </a:spcAft>
+              <a:buClr>
+                <a:srgbClr val="FAFD00"/>
+              </a:buClr>
+              <a:buSzPct val="100000"/>
+              <a:buFont typeface="Arial" charset="0"/>
+              <a:buChar char="•"/>
+              <a:defRPr sz="1400" b="1">
+                <a:solidFill>
+                  <a:schemeClr val="tx1"/>
+                </a:solidFill>
+                <a:latin typeface="+mn-lt"/>
+              </a:defRPr>
+            </a:lvl9pPr>
+          </a:lstStyle>
+          <a:p>
+            <a:r>
+              <a:rPr lang="en-ZA" kern="0" dirty="0" smtClean="0"/>
               <a:t>Most accurate at 90°</a:t>
             </a:r>
             <a:endParaRPr lang="en-ZA" kern="0" dirty="0"/>
@@ -5653,7 +5780,7 @@
   <p:timing>
     <p:tnLst>
       <p:par>
-        <p:cTn id="1" dur="indefinite" restart="never" nodeType="tmRoot"/>
+        <p:cTn xmlns:p14="http://schemas.microsoft.com/office/powerpoint/2010/main" id="1" dur="indefinite" restart="never" nodeType="tmRoot"/>
       </p:par>
     </p:tnLst>
   </p:timing>
@@ -5694,7 +5821,7 @@
           <a:p>
             <a:r>
               <a:rPr lang="en-ZA" dirty="0" smtClean="0"/>
-              <a:t>Error</a:t>
+              <a:t>System Error Analysis</a:t>
             </a:r>
             <a:endParaRPr lang="en-ZA" dirty="0"/>
           </a:p>
@@ -5710,14 +5837,14 @@
             <p:ph idx="1"/>
             <p:extLst>
               <p:ext uri="{D42A27DB-BD31-4B8C-83A1-F6EECF244321}">
-                <p14:modId xmlns:p14="http://schemas.microsoft.com/office/powerpoint/2010/main" val="909663035"/>
+                <p14:modId xmlns:p14="http://schemas.microsoft.com/office/powerpoint/2010/main" val="310380979"/>
               </p:ext>
             </p:extLst>
           </p:nvPr>
         </p:nvGraphicFramePr>
         <p:xfrm>
-          <a:off x="2385107" y="1613235"/>
-          <a:ext cx="5664235" cy="2123440"/>
+          <a:off x="1712448" y="1684967"/>
+          <a:ext cx="6768943" cy="1920240"/>
         </p:xfrm>
         <a:graphic>
           <a:graphicData uri="http://schemas.openxmlformats.org/drawingml/2006/table">
@@ -5726,29 +5853,72 @@
                 <a:tableStyleId>{5C22544A-7EE6-4342-B048-85BDC9FD1C3A}</a:tableStyleId>
               </a:tblPr>
               <a:tblGrid>
-                <a:gridCol w="2396112">
+                <a:gridCol w="2054210"/>
+                <a:gridCol w="1917260">
                   <a:extLst>
                     <a:ext uri="{9D8B030D-6E8A-4147-A177-3AD203B41FA5}">
-                      <a16:colId xmlns:a16="http://schemas.microsoft.com/office/drawing/2014/main" val="1220490089"/>
+                      <a16:colId xmlns="" xmlns:a16="http://schemas.microsoft.com/office/drawing/2014/main" val="1220490089"/>
                     </a:ext>
                   </a:extLst>
                 </a:gridCol>
-                <a:gridCol w="1774124">
+                <a:gridCol w="1506419">
                   <a:extLst>
                     <a:ext uri="{9D8B030D-6E8A-4147-A177-3AD203B41FA5}">
-                      <a16:colId xmlns:a16="http://schemas.microsoft.com/office/drawing/2014/main" val="67218977"/>
+                      <a16:colId xmlns="" xmlns:a16="http://schemas.microsoft.com/office/drawing/2014/main" val="67218977"/>
                     </a:ext>
                   </a:extLst>
                 </a:gridCol>
-                <a:gridCol w="1493999">
+                <a:gridCol w="1291054">
                   <a:extLst>
                     <a:ext uri="{9D8B030D-6E8A-4147-A177-3AD203B41FA5}">
-                      <a16:colId xmlns:a16="http://schemas.microsoft.com/office/drawing/2014/main" val="3056518911"/>
+                      <a16:colId xmlns="" xmlns:a16="http://schemas.microsoft.com/office/drawing/2014/main" val="3056518911"/>
                     </a:ext>
                   </a:extLst>
                 </a:gridCol>
               </a:tblGrid>
-              <a:tr h="370840">
+              <a:tr h="514284">
+                <a:tc rowSpan="5">
+                  <a:txBody>
+                    <a:bodyPr/>
+                    <a:lstStyle/>
+                    <a:p>
+                      <a:pPr algn="ctr"/>
+                      <a:r>
+                        <a:rPr lang="en-ZA" sz="1600" dirty="0" smtClean="0"/>
+                        <a:t>Compensatory Amplification</a:t>
+                      </a:r>
+                      <a:endParaRPr lang="en-ZA" sz="1600" dirty="0"/>
+                    </a:p>
+                  </a:txBody>
+                  <a:tcPr>
+                    <a:lnL w="12700" cmpd="sng">
+                      <a:noFill/>
+                    </a:lnL>
+                    <a:lnR w="28575" cap="flat" cmpd="sng" algn="ctr">
+                      <a:solidFill>
+                        <a:srgbClr val="FFFFFF"/>
+                      </a:solidFill>
+                      <a:prstDash val="solid"/>
+                      <a:round/>
+                      <a:headEnd type="none" w="med" len="med"/>
+                      <a:tailEnd type="none" w="med" len="med"/>
+                    </a:lnR>
+                    <a:lnT w="12700" cmpd="sng">
+                      <a:noFill/>
+                    </a:lnT>
+                    <a:lnB w="38100" cmpd="sng">
+                      <a:noFill/>
+                    </a:lnB>
+                    <a:lnTlToBr w="12700" cmpd="sng">
+                      <a:noFill/>
+                      <a:prstDash val="solid"/>
+                    </a:lnTlToBr>
+                    <a:lnBlToTr w="12700" cmpd="sng">
+                      <a:noFill/>
+                      <a:prstDash val="solid"/>
+                    </a:lnBlToTr>
+                  </a:tcPr>
+                </a:tc>
                 <a:tc>
                   <a:txBody>
                     <a:bodyPr/>
@@ -5756,13 +5926,71 @@
                     <a:p>
                       <a:pPr algn="ctr"/>
                       <a:r>
-                        <a:rPr lang="en-ZA" dirty="0" smtClean="0"/>
+                        <a:rPr lang="en-ZA" sz="1600" dirty="0" smtClean="0"/>
                         <a:t>Applied Frequency</a:t>
                       </a:r>
                       <a:r>
-                        <a:rPr lang="en-ZA" baseline="0" dirty="0" smtClean="0"/>
+                        <a:rPr lang="en-ZA" sz="1600" baseline="0" dirty="0" smtClean="0"/>
                         <a:t> (kHz)</a:t>
                       </a:r>
+                      <a:endParaRPr lang="en-ZA" sz="1600" dirty="0"/>
+                    </a:p>
+                  </a:txBody>
+                  <a:tcPr>
+                    <a:lnL w="28575" cap="flat" cmpd="sng" algn="ctr">
+                      <a:solidFill>
+                        <a:srgbClr val="FFFFFF"/>
+                      </a:solidFill>
+                      <a:prstDash val="solid"/>
+                      <a:round/>
+                      <a:headEnd type="none" w="med" len="med"/>
+                      <a:tailEnd type="none" w="med" len="med"/>
+                    </a:lnL>
+                  </a:tcPr>
+                </a:tc>
+                <a:tc>
+                  <a:txBody>
+                    <a:bodyPr/>
+                    <a:lstStyle/>
+                    <a:p>
+                      <a:pPr algn="ctr"/>
+                      <a:r>
+                        <a:rPr lang="en-ZA" sz="1600" dirty="0" smtClean="0"/>
+                        <a:t>Frequency Band (kHz)</a:t>
+                      </a:r>
+                      <a:endParaRPr lang="en-ZA" sz="1600" dirty="0"/>
+                    </a:p>
+                  </a:txBody>
+                  <a:tcPr/>
+                </a:tc>
+                <a:tc>
+                  <a:txBody>
+                    <a:bodyPr/>
+                    <a:lstStyle/>
+                    <a:p>
+                      <a:pPr algn="ctr"/>
+                      <a:r>
+                        <a:rPr lang="en-ZA" sz="1600" dirty="0" smtClean="0"/>
+                        <a:t>Error (%)</a:t>
+                      </a:r>
+                      <a:endParaRPr lang="en-ZA" sz="1600" dirty="0"/>
+                    </a:p>
+                  </a:txBody>
+                  <a:tcPr/>
+                </a:tc>
+                <a:extLst>
+                  <a:ext uri="{0D108BD9-81ED-4DB2-BD59-A6C34878D82A}">
+                    <a16:rowId xmlns="" xmlns:a16="http://schemas.microsoft.com/office/drawing/2014/main" val="3871997748"/>
+                  </a:ext>
+                </a:extLst>
+              </a:tr>
+              <a:tr h="297958">
+                <a:tc vMerge="1">
+                  <a:txBody>
+                    <a:bodyPr/>
+                    <a:lstStyle/>
+                    <a:p>
+                      <a:pPr algn="ctr"/>
                       <a:endParaRPr lang="en-ZA" dirty="0"/>
                     </a:p>
                   </a:txBody>
@@ -5775,9 +6003,67 @@
                     <a:p>
                       <a:pPr algn="ctr"/>
                       <a:r>
-                        <a:rPr lang="en-ZA" dirty="0" smtClean="0"/>
-                        <a:t>Frequency Band (kHz)</a:t>
+                        <a:rPr lang="en-ZA" sz="1600" dirty="0" smtClean="0"/>
+                        <a:t>3.15</a:t>
                       </a:r>
+                      <a:endParaRPr lang="en-ZA" sz="1600" dirty="0"/>
+                    </a:p>
+                  </a:txBody>
+                  <a:tcPr>
+                    <a:lnL w="28575" cap="flat" cmpd="sng" algn="ctr">
+                      <a:solidFill>
+                        <a:srgbClr val="FFFFFF"/>
+                      </a:solidFill>
+                      <a:prstDash val="solid"/>
+                      <a:round/>
+                      <a:headEnd type="none" w="med" len="med"/>
+                      <a:tailEnd type="none" w="med" len="med"/>
+                    </a:lnL>
+                  </a:tcPr>
+                </a:tc>
+                <a:tc>
+                  <a:txBody>
+                    <a:bodyPr/>
+                    <a:lstStyle/>
+                    <a:p>
+                      <a:pPr algn="ctr"/>
+                      <a:r>
+                        <a:rPr lang="en-ZA" sz="1600" dirty="0" smtClean="0"/>
+                        <a:t>2.82-3.55</a:t>
+                      </a:r>
+                      <a:endParaRPr lang="en-ZA" sz="1600" dirty="0"/>
+                    </a:p>
+                  </a:txBody>
+                  <a:tcPr/>
+                </a:tc>
+                <a:tc>
+                  <a:txBody>
+                    <a:bodyPr/>
+                    <a:lstStyle/>
+                    <a:p>
+                      <a:pPr algn="ctr"/>
+                      <a:r>
+                        <a:rPr lang="en-ZA" sz="1600" dirty="0" smtClean="0"/>
+                        <a:t>0.81</a:t>
+                      </a:r>
+                      <a:endParaRPr lang="en-ZA" sz="1600" dirty="0"/>
+                    </a:p>
+                  </a:txBody>
+                  <a:tcPr/>
+                </a:tc>
+                <a:extLst>
+                  <a:ext uri="{0D108BD9-81ED-4DB2-BD59-A6C34878D82A}">
+                    <a16:rowId xmlns="" xmlns:a16="http://schemas.microsoft.com/office/drawing/2014/main" val="373921578"/>
+                  </a:ext>
+                </a:extLst>
+              </a:tr>
+              <a:tr h="297958">
+                <a:tc vMerge="1">
+                  <a:txBody>
+                    <a:bodyPr/>
+                    <a:lstStyle/>
+                    <a:p>
+                      <a:pPr algn="ctr"/>
                       <a:endParaRPr lang="en-ZA" dirty="0"/>
                     </a:p>
                   </a:txBody>
@@ -5790,87 +6076,23 @@
                     <a:p>
                       <a:pPr algn="ctr"/>
                       <a:r>
-                        <a:rPr lang="en-ZA" dirty="0" smtClean="0"/>
-                        <a:t>Error (%)</a:t>
+                        <a:rPr lang="en-ZA" sz="1600" dirty="0" smtClean="0"/>
+                        <a:t>6.30</a:t>
                       </a:r>
-                      <a:endParaRPr lang="en-ZA" dirty="0"/>
+                      <a:endParaRPr lang="en-ZA" sz="1600" dirty="0"/>
                     </a:p>
                   </a:txBody>
-                  <a:tcPr/>
-                </a:tc>
-                <a:extLst>
-                  <a:ext uri="{0D108BD9-81ED-4DB2-BD59-A6C34878D82A}">
-                    <a16:rowId xmlns:a16="http://schemas.microsoft.com/office/drawing/2014/main" val="3871997748"/>
-                  </a:ext>
-                </a:extLst>
-              </a:tr>
-              <a:tr h="370840">
-                <a:tc>
-                  <a:txBody>
-                    <a:bodyPr/>
-                    <a:lstStyle/>
-                    <a:p>
-                      <a:pPr algn="ctr"/>
-                      <a:r>
-                        <a:rPr lang="en-ZA" dirty="0" smtClean="0"/>
-                        <a:t>3.15</a:t>
-                      </a:r>
-                      <a:endParaRPr lang="en-ZA" dirty="0"/>
-                    </a:p>
-                  </a:txBody>
-                  <a:tcPr/>
-                </a:tc>
-                <a:tc>
-                  <a:txBody>
-                    <a:bodyPr/>
-                    <a:lstStyle/>
-                    <a:p>
-                      <a:pPr algn="ctr"/>
-                      <a:r>
-                        <a:rPr lang="en-ZA" dirty="0" smtClean="0"/>
-                        <a:t>2.82-3.55</a:t>
-                      </a:r>
-                      <a:endParaRPr lang="en-ZA" dirty="0"/>
-                    </a:p>
-                  </a:txBody>
-                  <a:tcPr/>
-                </a:tc>
-                <a:tc>
-                  <a:txBody>
-                    <a:bodyPr/>
-                    <a:lstStyle/>
-                    <a:p>
-                      <a:pPr algn="ctr"/>
-                      <a:r>
-                        <a:rPr lang="en-ZA" dirty="0" smtClean="0"/>
-                        <a:t>0.81</a:t>
-                      </a:r>
-                      <a:endParaRPr lang="en-ZA" dirty="0"/>
-                    </a:p>
-                  </a:txBody>
-                  <a:tcPr/>
-                </a:tc>
-                <a:extLst>
-                  <a:ext uri="{0D108BD9-81ED-4DB2-BD59-A6C34878D82A}">
-                    <a16:rowId xmlns:a16="http://schemas.microsoft.com/office/drawing/2014/main" val="373921578"/>
-                  </a:ext>
-                </a:extLst>
-              </a:tr>
-              <a:tr h="370840">
-                <a:tc>
-                  <a:txBody>
-                    <a:bodyPr/>
-                    <a:lstStyle/>
-                    <a:p>
-                      <a:pPr algn="ctr"/>
-                      <a:r>
-                        <a:rPr lang="en-ZA" dirty="0" smtClean="0"/>
-                        <a:t>6.30</a:t>
-                      </a:r>
-                      <a:endParaRPr lang="en-ZA" dirty="0"/>
-                    </a:p>
-                  </a:txBody>
-                  <a:tcPr/>
+                  <a:tcPr>
+                    <a:lnL w="28575" cap="flat" cmpd="sng" algn="ctr">
+                      <a:solidFill>
+                        <a:srgbClr val="FFFFFF"/>
+                      </a:solidFill>
+                      <a:prstDash val="solid"/>
+                      <a:round/>
+                      <a:headEnd type="none" w="med" len="med"/>
+                      <a:tailEnd type="none" w="med" len="med"/>
+                    </a:lnL>
+                  </a:tcPr>
                 </a:tc>
                 <a:tc>
                   <a:txBody>
@@ -5895,7 +6117,7 @@
                         <a:defRPr/>
                       </a:pPr>
                       <a:r>
-                        <a:rPr lang="en-ZA" dirty="0" smtClean="0"/>
+                        <a:rPr lang="en-ZA" sz="1600" dirty="0" smtClean="0"/>
                         <a:t>2.82-3.55</a:t>
                       </a:r>
                     </a:p>
@@ -5909,31 +6131,27 @@
                     <a:p>
                       <a:pPr algn="ctr"/>
                       <a:r>
-                        <a:rPr lang="en-ZA" dirty="0" smtClean="0"/>
+                        <a:rPr lang="en-ZA" sz="1600" dirty="0" smtClean="0"/>
                         <a:t>15.34</a:t>
                       </a:r>
-                      <a:endParaRPr lang="en-ZA" dirty="0"/>
+                      <a:endParaRPr lang="en-ZA" sz="1600" dirty="0"/>
                     </a:p>
                   </a:txBody>
                   <a:tcPr/>
                 </a:tc>
                 <a:extLst>
                   <a:ext uri="{0D108BD9-81ED-4DB2-BD59-A6C34878D82A}">
-                    <a16:rowId xmlns:a16="http://schemas.microsoft.com/office/drawing/2014/main" val="3868297120"/>
+                    <a16:rowId xmlns="" xmlns:a16="http://schemas.microsoft.com/office/drawing/2014/main" val="3868297120"/>
                   </a:ext>
                 </a:extLst>
               </a:tr>
-              <a:tr h="370840">
-                <a:tc>
+              <a:tr h="297958">
+                <a:tc vMerge="1">
                   <a:txBody>
                     <a:bodyPr/>
                     <a:lstStyle/>
                     <a:p>
                       <a:pPr algn="ctr"/>
-                      <a:r>
-                        <a:rPr lang="en-ZA" dirty="0" smtClean="0"/>
-                        <a:t>3.15</a:t>
-                      </a:r>
                       <a:endParaRPr lang="en-ZA" dirty="0"/>
                     </a:p>
                   </a:txBody>
@@ -5946,9 +6164,67 @@
                     <a:p>
                       <a:pPr algn="ctr"/>
                       <a:r>
-                        <a:rPr lang="en-ZA" dirty="0" smtClean="0"/>
+                        <a:rPr lang="en-ZA" sz="1600" dirty="0" smtClean="0"/>
+                        <a:t>3.15</a:t>
+                      </a:r>
+                      <a:endParaRPr lang="en-ZA" sz="1600" dirty="0"/>
+                    </a:p>
+                  </a:txBody>
+                  <a:tcPr>
+                    <a:lnL w="28575" cap="flat" cmpd="sng" algn="ctr">
+                      <a:solidFill>
+                        <a:srgbClr val="FFFFFF"/>
+                      </a:solidFill>
+                      <a:prstDash val="solid"/>
+                      <a:round/>
+                      <a:headEnd type="none" w="med" len="med"/>
+                      <a:tailEnd type="none" w="med" len="med"/>
+                    </a:lnL>
+                  </a:tcPr>
+                </a:tc>
+                <a:tc>
+                  <a:txBody>
+                    <a:bodyPr/>
+                    <a:lstStyle/>
+                    <a:p>
+                      <a:pPr algn="ctr"/>
+                      <a:r>
+                        <a:rPr lang="en-ZA" sz="1600" dirty="0" smtClean="0"/>
                         <a:t>5.62-7.08</a:t>
                       </a:r>
+                      <a:endParaRPr lang="en-ZA" sz="1600" dirty="0"/>
+                    </a:p>
+                  </a:txBody>
+                  <a:tcPr/>
+                </a:tc>
+                <a:tc>
+                  <a:txBody>
+                    <a:bodyPr/>
+                    <a:lstStyle/>
+                    <a:p>
+                      <a:pPr algn="ctr"/>
+                      <a:r>
+                        <a:rPr lang="en-ZA" sz="1600" dirty="0" smtClean="0"/>
+                        <a:t>19.56</a:t>
+                      </a:r>
+                      <a:endParaRPr lang="en-ZA" sz="1600" dirty="0"/>
+                    </a:p>
+                  </a:txBody>
+                  <a:tcPr/>
+                </a:tc>
+                <a:extLst>
+                  <a:ext uri="{0D108BD9-81ED-4DB2-BD59-A6C34878D82A}">
+                    <a16:rowId xmlns="" xmlns:a16="http://schemas.microsoft.com/office/drawing/2014/main" val="3602717608"/>
+                  </a:ext>
+                </a:extLst>
+              </a:tr>
+              <a:tr h="297958">
+                <a:tc vMerge="1">
+                  <a:txBody>
+                    <a:bodyPr/>
+                    <a:lstStyle/>
+                    <a:p>
+                      <a:pPr algn="ctr"/>
                       <a:endParaRPr lang="en-ZA" dirty="0"/>
                     </a:p>
                   </a:txBody>
@@ -5961,35 +6237,23 @@
                     <a:p>
                       <a:pPr algn="ctr"/>
                       <a:r>
-                        <a:rPr lang="en-ZA" dirty="0" smtClean="0"/>
-                        <a:t>19.56</a:t>
+                        <a:rPr lang="en-ZA" sz="1600" dirty="0" smtClean="0"/>
+                        <a:t>6.30</a:t>
                       </a:r>
-                      <a:endParaRPr lang="en-ZA" dirty="0"/>
+                      <a:endParaRPr lang="en-ZA" sz="1600" dirty="0"/>
                     </a:p>
                   </a:txBody>
-                  <a:tcPr/>
-                </a:tc>
-                <a:extLst>
-                  <a:ext uri="{0D108BD9-81ED-4DB2-BD59-A6C34878D82A}">
-                    <a16:rowId xmlns:a16="http://schemas.microsoft.com/office/drawing/2014/main" val="3602717608"/>
-                  </a:ext>
-                </a:extLst>
-              </a:tr>
-              <a:tr h="370840">
-                <a:tc>
-                  <a:txBody>
-                    <a:bodyPr/>
-                    <a:lstStyle/>
-                    <a:p>
-                      <a:pPr algn="ctr"/>
-                      <a:r>
-                        <a:rPr lang="en-ZA" dirty="0" smtClean="0"/>
-                        <a:t>6.30</a:t>
-                      </a:r>
-                      <a:endParaRPr lang="en-ZA" dirty="0"/>
-                    </a:p>
-                  </a:txBody>
-                  <a:tcPr/>
+                  <a:tcPr>
+                    <a:lnL w="28575" cap="flat" cmpd="sng" algn="ctr">
+                      <a:solidFill>
+                        <a:srgbClr val="FFFFFF"/>
+                      </a:solidFill>
+                      <a:prstDash val="solid"/>
+                      <a:round/>
+                      <a:headEnd type="none" w="med" len="med"/>
+                      <a:tailEnd type="none" w="med" len="med"/>
+                    </a:lnL>
+                  </a:tcPr>
                 </a:tc>
                 <a:tc>
                   <a:txBody>
@@ -6014,7 +6278,7 @@
                         <a:defRPr/>
                       </a:pPr>
                       <a:r>
-                        <a:rPr lang="en-ZA" dirty="0" smtClean="0"/>
+                        <a:rPr lang="en-ZA" sz="1600" dirty="0" smtClean="0"/>
                         <a:t>5.62-7.08</a:t>
                       </a:r>
                     </a:p>
@@ -6028,17 +6292,17 @@
                     <a:p>
                       <a:pPr algn="ctr"/>
                       <a:r>
-                        <a:rPr lang="en-ZA" dirty="0" smtClean="0"/>
+                        <a:rPr lang="en-ZA" sz="1600" dirty="0" smtClean="0"/>
                         <a:t>3.67</a:t>
                       </a:r>
-                      <a:endParaRPr lang="en-ZA" dirty="0"/>
+                      <a:endParaRPr lang="en-ZA" sz="1600" dirty="0"/>
                     </a:p>
                   </a:txBody>
                   <a:tcPr/>
                 </a:tc>
                 <a:extLst>
                   <a:ext uri="{0D108BD9-81ED-4DB2-BD59-A6C34878D82A}">
-                    <a16:rowId xmlns:a16="http://schemas.microsoft.com/office/drawing/2014/main" val="684964139"/>
+                    <a16:rowId xmlns="" xmlns:a16="http://schemas.microsoft.com/office/drawing/2014/main" val="684964139"/>
                   </a:ext>
                 </a:extLst>
               </a:tr>
@@ -6078,14 +6342,14 @@
           <p:nvPr>
             <p:extLst>
               <p:ext uri="{D42A27DB-BD31-4B8C-83A1-F6EECF244321}">
-                <p14:modId xmlns:p14="http://schemas.microsoft.com/office/powerpoint/2010/main" val="359993736"/>
+                <p14:modId xmlns:p14="http://schemas.microsoft.com/office/powerpoint/2010/main" val="396874633"/>
               </p:ext>
             </p:extLst>
           </p:nvPr>
         </p:nvGraphicFramePr>
         <p:xfrm>
-          <a:off x="2385108" y="3738737"/>
-          <a:ext cx="5664235" cy="2595880"/>
+          <a:off x="1712640" y="3573016"/>
+          <a:ext cx="6768752" cy="2626120"/>
         </p:xfrm>
         <a:graphic>
           <a:graphicData uri="http://schemas.openxmlformats.org/drawingml/2006/table">
@@ -6094,38 +6358,71 @@
                 <a:tableStyleId>{5C22544A-7EE6-4342-B048-85BDC9FD1C3A}</a:tableStyleId>
               </a:tblPr>
               <a:tblGrid>
-                <a:gridCol w="2592727">
+                <a:gridCol w="2054150"/>
+                <a:gridCol w="3423583">
                   <a:extLst>
                     <a:ext uri="{9D8B030D-6E8A-4147-A177-3AD203B41FA5}">
-                      <a16:colId xmlns:a16="http://schemas.microsoft.com/office/drawing/2014/main" val="3160404703"/>
+                      <a16:colId xmlns="" xmlns:a16="http://schemas.microsoft.com/office/drawing/2014/main" val="3160404703"/>
                     </a:ext>
                   </a:extLst>
                 </a:gridCol>
-                <a:gridCol w="3071508">
+                <a:gridCol w="1291019">
                   <a:extLst>
                     <a:ext uri="{9D8B030D-6E8A-4147-A177-3AD203B41FA5}">
-                      <a16:colId xmlns:a16="http://schemas.microsoft.com/office/drawing/2014/main" val="2004772524"/>
+                      <a16:colId xmlns="" xmlns:a16="http://schemas.microsoft.com/office/drawing/2014/main" val="2004772524"/>
                     </a:ext>
                   </a:extLst>
                 </a:gridCol>
               </a:tblGrid>
-              <a:tr h="370840">
-                <a:tc>
+              <a:tr h="560943">
+                <a:tc rowSpan="7">
                   <a:txBody>
                     <a:bodyPr/>
                     <a:lstStyle/>
                     <a:p>
                       <a:pPr algn="ctr"/>
                       <a:r>
-                        <a:rPr lang="en-ZA" dirty="0" smtClean="0"/>
-                        <a:t>Dial Angle (°)</a:t>
+                        <a:rPr lang="en-ZA" sz="1600" dirty="0" smtClean="0"/>
+                        <a:t>Directionality</a:t>
                       </a:r>
-                      <a:endParaRPr lang="en-ZA" dirty="0"/>
+                      <a:endParaRPr lang="en-ZA" sz="1600" dirty="0"/>
                     </a:p>
                   </a:txBody>
                   <a:tcPr>
+                    <a:lnL w="12700" cmpd="sng">
+                      <a:noFill/>
+                    </a:lnL>
+                    <a:lnR w="28575" cap="flat" cmpd="sng" algn="ctr">
+                      <a:solidFill>
+                        <a:srgbClr val="FFFFFF"/>
+                      </a:solidFill>
+                      <a:prstDash val="solid"/>
+                      <a:round/>
+                      <a:headEnd type="none" w="med" len="med"/>
+                      <a:tailEnd type="none" w="med" len="med"/>
+                    </a:lnR>
+                    <a:lnT w="28575" cap="flat" cmpd="sng" algn="ctr">
+                      <a:solidFill>
+                        <a:srgbClr val="FFFFFF"/>
+                      </a:solidFill>
+                      <a:prstDash val="solid"/>
+                      <a:round/>
+                      <a:headEnd type="none" w="med" len="med"/>
+                      <a:tailEnd type="none" w="med" len="med"/>
+                    </a:lnT>
+                    <a:lnB w="38100" cmpd="sng">
+                      <a:noFill/>
+                    </a:lnB>
+                    <a:lnTlToBr w="12700" cmpd="sng">
+                      <a:noFill/>
+                      <a:prstDash val="solid"/>
+                    </a:lnTlToBr>
+                    <a:lnBlToTr w="12700" cmpd="sng">
+                      <a:noFill/>
+                      <a:prstDash val="solid"/>
+                    </a:lnBlToTr>
                     <a:solidFill>
-                      <a:srgbClr val="42BBBE"/>
+                      <a:schemeClr val="accent1"/>
                     </a:solidFill>
                   </a:tcPr>
                 </a:tc>
@@ -6136,29 +6433,36 @@
                     <a:p>
                       <a:pPr algn="ctr"/>
                       <a:r>
-                        <a:rPr lang="en-ZA" dirty="0" smtClean="0"/>
-                        <a:t>Average</a:t>
+                        <a:rPr lang="en-ZA" sz="1600" dirty="0" smtClean="0"/>
+                        <a:t>Dial Angle (°)</a:t>
                       </a:r>
-                      <a:r>
-                        <a:rPr lang="en-ZA" baseline="0" dirty="0" smtClean="0"/>
-                        <a:t> Error (%)</a:t>
-                      </a:r>
-                      <a:endParaRPr lang="en-ZA" dirty="0"/>
+                      <a:endParaRPr lang="en-ZA" sz="1600" dirty="0"/>
                     </a:p>
                   </a:txBody>
                   <a:tcPr>
+                    <a:lnL w="28575" cap="flat" cmpd="sng" algn="ctr">
+                      <a:solidFill>
+                        <a:srgbClr val="FFFFFF"/>
+                      </a:solidFill>
+                      <a:prstDash val="solid"/>
+                      <a:round/>
+                      <a:headEnd type="none" w="med" len="med"/>
+                      <a:tailEnd type="none" w="med" len="med"/>
+                    </a:lnL>
+                    <a:lnT w="28575" cap="flat" cmpd="sng" algn="ctr">
+                      <a:solidFill>
+                        <a:srgbClr val="FFFFFF"/>
+                      </a:solidFill>
+                      <a:prstDash val="solid"/>
+                      <a:round/>
+                      <a:headEnd type="none" w="med" len="med"/>
+                      <a:tailEnd type="none" w="med" len="med"/>
+                    </a:lnT>
                     <a:solidFill>
-                      <a:srgbClr val="42BBBE"/>
+                      <a:srgbClr val="3399FF"/>
                     </a:solidFill>
                   </a:tcPr>
                 </a:tc>
-                <a:extLst>
-                  <a:ext uri="{0D108BD9-81ED-4DB2-BD59-A6C34878D82A}">
-                    <a16:rowId xmlns:a16="http://schemas.microsoft.com/office/drawing/2014/main" val="3857195092"/>
-                  </a:ext>
-                </a:extLst>
-              </a:tr>
-              <a:tr h="370840">
                 <a:tc>
                   <a:txBody>
                     <a:bodyPr/>
@@ -6166,9 +6470,44 @@
                     <a:p>
                       <a:pPr algn="ctr"/>
                       <a:r>
-                        <a:rPr lang="en-ZA" dirty="0" smtClean="0"/>
-                        <a:t>0</a:t>
+                        <a:rPr lang="en-ZA" sz="1600" dirty="0" smtClean="0"/>
+                        <a:t>Average</a:t>
                       </a:r>
+                      <a:r>
+                        <a:rPr lang="en-ZA" sz="1600" baseline="0" dirty="0" smtClean="0"/>
+                        <a:t> Error (%)</a:t>
+                      </a:r>
+                      <a:endParaRPr lang="en-ZA" sz="1600" dirty="0"/>
+                    </a:p>
+                  </a:txBody>
+                  <a:tcPr>
+                    <a:lnT w="28575" cap="flat" cmpd="sng" algn="ctr">
+                      <a:solidFill>
+                        <a:srgbClr val="FFFFFF"/>
+                      </a:solidFill>
+                      <a:prstDash val="solid"/>
+                      <a:round/>
+                      <a:headEnd type="none" w="med" len="med"/>
+                      <a:tailEnd type="none" w="med" len="med"/>
+                    </a:lnT>
+                    <a:solidFill>
+                      <a:srgbClr val="3399FF"/>
+                    </a:solidFill>
+                  </a:tcPr>
+                </a:tc>
+                <a:extLst>
+                  <a:ext uri="{0D108BD9-81ED-4DB2-BD59-A6C34878D82A}">
+                    <a16:rowId xmlns="" xmlns:a16="http://schemas.microsoft.com/office/drawing/2014/main" val="3857195092"/>
+                  </a:ext>
+                </a:extLst>
+              </a:tr>
+              <a:tr h="324756">
+                <a:tc vMerge="1">
+                  <a:txBody>
+                    <a:bodyPr/>
+                    <a:lstStyle/>
+                    <a:p>
+                      <a:pPr algn="ctr"/>
                       <a:endParaRPr lang="en-ZA" dirty="0"/>
                     </a:p>
                   </a:txBody>
@@ -6181,21 +6520,24 @@
                     <a:p>
                       <a:pPr algn="ctr"/>
                       <a:r>
-                        <a:rPr lang="en-ZA" dirty="0" smtClean="0"/>
-                        <a:t>46.6</a:t>
+                        <a:rPr lang="en-ZA" sz="1600" dirty="0" smtClean="0"/>
+                        <a:t>0</a:t>
                       </a:r>
-                      <a:endParaRPr lang="en-ZA" dirty="0"/>
+                      <a:endParaRPr lang="en-ZA" sz="1600" dirty="0"/>
                     </a:p>
                   </a:txBody>
-                  <a:tcPr/>
+                  <a:tcPr>
+                    <a:lnL w="28575" cap="flat" cmpd="sng" algn="ctr">
+                      <a:solidFill>
+                        <a:srgbClr val="FFFFFF"/>
+                      </a:solidFill>
+                      <a:prstDash val="solid"/>
+                      <a:round/>
+                      <a:headEnd type="none" w="med" len="med"/>
+                      <a:tailEnd type="none" w="med" len="med"/>
+                    </a:lnL>
+                  </a:tcPr>
                 </a:tc>
-                <a:extLst>
-                  <a:ext uri="{0D108BD9-81ED-4DB2-BD59-A6C34878D82A}">
-                    <a16:rowId xmlns:a16="http://schemas.microsoft.com/office/drawing/2014/main" val="1176978316"/>
-                  </a:ext>
-                </a:extLst>
-              </a:tr>
-              <a:tr h="370840">
                 <a:tc>
                   <a:txBody>
                     <a:bodyPr/>
@@ -6203,9 +6545,27 @@
                     <a:p>
                       <a:pPr algn="ctr"/>
                       <a:r>
-                        <a:rPr lang="en-ZA" dirty="0" smtClean="0"/>
-                        <a:t>60</a:t>
+                        <a:rPr lang="en-ZA" sz="1600" dirty="0" smtClean="0"/>
+                        <a:t>46.6</a:t>
                       </a:r>
+                      <a:endParaRPr lang="en-ZA" sz="1600" dirty="0"/>
+                    </a:p>
+                  </a:txBody>
+                  <a:tcPr/>
+                </a:tc>
+                <a:extLst>
+                  <a:ext uri="{0D108BD9-81ED-4DB2-BD59-A6C34878D82A}">
+                    <a16:rowId xmlns="" xmlns:a16="http://schemas.microsoft.com/office/drawing/2014/main" val="1176978316"/>
+                  </a:ext>
+                </a:extLst>
+              </a:tr>
+              <a:tr h="324756">
+                <a:tc vMerge="1">
+                  <a:txBody>
+                    <a:bodyPr/>
+                    <a:lstStyle/>
+                    <a:p>
+                      <a:pPr algn="ctr"/>
                       <a:endParaRPr lang="en-ZA" dirty="0"/>
                     </a:p>
                   </a:txBody>
@@ -6218,21 +6578,24 @@
                     <a:p>
                       <a:pPr algn="ctr"/>
                       <a:r>
-                        <a:rPr lang="en-ZA" dirty="0" smtClean="0"/>
-                        <a:t>30.7</a:t>
+                        <a:rPr lang="en-ZA" sz="1600" dirty="0" smtClean="0"/>
+                        <a:t>60</a:t>
                       </a:r>
-                      <a:endParaRPr lang="en-ZA" dirty="0"/>
+                      <a:endParaRPr lang="en-ZA" sz="1600" dirty="0"/>
                     </a:p>
                   </a:txBody>
-                  <a:tcPr/>
+                  <a:tcPr>
+                    <a:lnL w="28575" cap="flat" cmpd="sng" algn="ctr">
+                      <a:solidFill>
+                        <a:srgbClr val="FFFFFF"/>
+                      </a:solidFill>
+                      <a:prstDash val="solid"/>
+                      <a:round/>
+                      <a:headEnd type="none" w="med" len="med"/>
+                      <a:tailEnd type="none" w="med" len="med"/>
+                    </a:lnL>
+                  </a:tcPr>
                 </a:tc>
-                <a:extLst>
-                  <a:ext uri="{0D108BD9-81ED-4DB2-BD59-A6C34878D82A}">
-                    <a16:rowId xmlns:a16="http://schemas.microsoft.com/office/drawing/2014/main" val="1271360358"/>
-                  </a:ext>
-                </a:extLst>
-              </a:tr>
-              <a:tr h="370840">
                 <a:tc>
                   <a:txBody>
                     <a:bodyPr/>
@@ -6240,9 +6603,27 @@
                     <a:p>
                       <a:pPr algn="ctr"/>
                       <a:r>
-                        <a:rPr lang="en-ZA" dirty="0" smtClean="0"/>
-                        <a:t>90</a:t>
+                        <a:rPr lang="en-ZA" sz="1600" dirty="0" smtClean="0"/>
+                        <a:t>30.7</a:t>
                       </a:r>
+                      <a:endParaRPr lang="en-ZA" sz="1600" dirty="0"/>
+                    </a:p>
+                  </a:txBody>
+                  <a:tcPr/>
+                </a:tc>
+                <a:extLst>
+                  <a:ext uri="{0D108BD9-81ED-4DB2-BD59-A6C34878D82A}">
+                    <a16:rowId xmlns="" xmlns:a16="http://schemas.microsoft.com/office/drawing/2014/main" val="1271360358"/>
+                  </a:ext>
+                </a:extLst>
+              </a:tr>
+              <a:tr h="324756">
+                <a:tc vMerge="1">
+                  <a:txBody>
+                    <a:bodyPr/>
+                    <a:lstStyle/>
+                    <a:p>
+                      <a:pPr algn="ctr"/>
                       <a:endParaRPr lang="en-ZA" dirty="0"/>
                     </a:p>
                   </a:txBody>
@@ -6255,21 +6636,24 @@
                     <a:p>
                       <a:pPr algn="ctr"/>
                       <a:r>
-                        <a:rPr lang="en-ZA" dirty="0" smtClean="0"/>
-                        <a:t>12.7</a:t>
+                        <a:rPr lang="en-ZA" sz="1600" dirty="0" smtClean="0"/>
+                        <a:t>90</a:t>
                       </a:r>
-                      <a:endParaRPr lang="en-ZA" dirty="0"/>
+                      <a:endParaRPr lang="en-ZA" sz="1600" dirty="0"/>
                     </a:p>
                   </a:txBody>
-                  <a:tcPr/>
+                  <a:tcPr>
+                    <a:lnL w="28575" cap="flat" cmpd="sng" algn="ctr">
+                      <a:solidFill>
+                        <a:srgbClr val="FFFFFF"/>
+                      </a:solidFill>
+                      <a:prstDash val="solid"/>
+                      <a:round/>
+                      <a:headEnd type="none" w="med" len="med"/>
+                      <a:tailEnd type="none" w="med" len="med"/>
+                    </a:lnL>
+                  </a:tcPr>
                 </a:tc>
-                <a:extLst>
-                  <a:ext uri="{0D108BD9-81ED-4DB2-BD59-A6C34878D82A}">
-                    <a16:rowId xmlns:a16="http://schemas.microsoft.com/office/drawing/2014/main" val="2734475198"/>
-                  </a:ext>
-                </a:extLst>
-              </a:tr>
-              <a:tr h="370840">
                 <a:tc>
                   <a:txBody>
                     <a:bodyPr/>
@@ -6277,9 +6661,27 @@
                     <a:p>
                       <a:pPr algn="ctr"/>
                       <a:r>
-                        <a:rPr lang="en-ZA" dirty="0" smtClean="0"/>
-                        <a:t>120</a:t>
+                        <a:rPr lang="en-ZA" sz="1600" dirty="0" smtClean="0"/>
+                        <a:t>12.7</a:t>
                       </a:r>
+                      <a:endParaRPr lang="en-ZA" sz="1600" dirty="0"/>
+                    </a:p>
+                  </a:txBody>
+                  <a:tcPr/>
+                </a:tc>
+                <a:extLst>
+                  <a:ext uri="{0D108BD9-81ED-4DB2-BD59-A6C34878D82A}">
+                    <a16:rowId xmlns="" xmlns:a16="http://schemas.microsoft.com/office/drawing/2014/main" val="2734475198"/>
+                  </a:ext>
+                </a:extLst>
+              </a:tr>
+              <a:tr h="324756">
+                <a:tc vMerge="1">
+                  <a:txBody>
+                    <a:bodyPr/>
+                    <a:lstStyle/>
+                    <a:p>
+                      <a:pPr algn="ctr"/>
                       <a:endParaRPr lang="en-ZA" dirty="0"/>
                     </a:p>
                   </a:txBody>
@@ -6292,21 +6694,24 @@
                     <a:p>
                       <a:pPr algn="ctr"/>
                       <a:r>
-                        <a:rPr lang="en-ZA" dirty="0" smtClean="0"/>
-                        <a:t>22.7</a:t>
+                        <a:rPr lang="en-ZA" sz="1600" dirty="0" smtClean="0"/>
+                        <a:t>120</a:t>
                       </a:r>
-                      <a:endParaRPr lang="en-ZA" dirty="0"/>
+                      <a:endParaRPr lang="en-ZA" sz="1600" dirty="0"/>
                     </a:p>
                   </a:txBody>
-                  <a:tcPr/>
+                  <a:tcPr>
+                    <a:lnL w="28575" cap="flat" cmpd="sng" algn="ctr">
+                      <a:solidFill>
+                        <a:srgbClr val="FFFFFF"/>
+                      </a:solidFill>
+                      <a:prstDash val="solid"/>
+                      <a:round/>
+                      <a:headEnd type="none" w="med" len="med"/>
+                      <a:tailEnd type="none" w="med" len="med"/>
+                    </a:lnL>
+                  </a:tcPr>
                 </a:tc>
-                <a:extLst>
-                  <a:ext uri="{0D108BD9-81ED-4DB2-BD59-A6C34878D82A}">
-                    <a16:rowId xmlns:a16="http://schemas.microsoft.com/office/drawing/2014/main" val="1320419717"/>
-                  </a:ext>
-                </a:extLst>
-              </a:tr>
-              <a:tr h="370840">
                 <a:tc>
                   <a:txBody>
                     <a:bodyPr/>
@@ -6314,9 +6719,27 @@
                     <a:p>
                       <a:pPr algn="ctr"/>
                       <a:r>
-                        <a:rPr lang="en-ZA" dirty="0" smtClean="0"/>
-                        <a:t>180</a:t>
+                        <a:rPr lang="en-ZA" sz="1600" dirty="0" smtClean="0"/>
+                        <a:t>22.7</a:t>
                       </a:r>
+                      <a:endParaRPr lang="en-ZA" sz="1600" dirty="0"/>
+                    </a:p>
+                  </a:txBody>
+                  <a:tcPr/>
+                </a:tc>
+                <a:extLst>
+                  <a:ext uri="{0D108BD9-81ED-4DB2-BD59-A6C34878D82A}">
+                    <a16:rowId xmlns="" xmlns:a16="http://schemas.microsoft.com/office/drawing/2014/main" val="1320419717"/>
+                  </a:ext>
+                </a:extLst>
+              </a:tr>
+              <a:tr h="324756">
+                <a:tc vMerge="1">
+                  <a:txBody>
+                    <a:bodyPr/>
+                    <a:lstStyle/>
+                    <a:p>
+                      <a:pPr algn="ctr"/>
                       <a:endParaRPr lang="en-ZA" dirty="0"/>
                     </a:p>
                   </a:txBody>
@@ -6329,21 +6752,24 @@
                     <a:p>
                       <a:pPr algn="ctr"/>
                       <a:r>
-                        <a:rPr lang="en-ZA" dirty="0" smtClean="0"/>
-                        <a:t>51.7</a:t>
+                        <a:rPr lang="en-ZA" sz="1600" dirty="0" smtClean="0"/>
+                        <a:t>180</a:t>
                       </a:r>
-                      <a:endParaRPr lang="en-ZA" dirty="0"/>
+                      <a:endParaRPr lang="en-ZA" sz="1600" dirty="0"/>
                     </a:p>
                   </a:txBody>
-                  <a:tcPr/>
+                  <a:tcPr>
+                    <a:lnL w="28575" cap="flat" cmpd="sng" algn="ctr">
+                      <a:solidFill>
+                        <a:srgbClr val="FFFFFF"/>
+                      </a:solidFill>
+                      <a:prstDash val="solid"/>
+                      <a:round/>
+                      <a:headEnd type="none" w="med" len="med"/>
+                      <a:tailEnd type="none" w="med" len="med"/>
+                    </a:lnL>
+                  </a:tcPr>
                 </a:tc>
-                <a:extLst>
-                  <a:ext uri="{0D108BD9-81ED-4DB2-BD59-A6C34878D82A}">
-                    <a16:rowId xmlns:a16="http://schemas.microsoft.com/office/drawing/2014/main" val="2814437447"/>
-                  </a:ext>
-                </a:extLst>
-              </a:tr>
-              <a:tr h="370840">
                 <a:tc>
                   <a:txBody>
                     <a:bodyPr/>
@@ -6351,9 +6777,27 @@
                     <a:p>
                       <a:pPr algn="ctr"/>
                       <a:r>
-                        <a:rPr lang="en-ZA" dirty="0" smtClean="0"/>
-                        <a:t>Omni-directional</a:t>
+                        <a:rPr lang="en-ZA" sz="1600" dirty="0" smtClean="0"/>
+                        <a:t>51.7</a:t>
                       </a:r>
+                      <a:endParaRPr lang="en-ZA" sz="1600" dirty="0"/>
+                    </a:p>
+                  </a:txBody>
+                  <a:tcPr/>
+                </a:tc>
+                <a:extLst>
+                  <a:ext uri="{0D108BD9-81ED-4DB2-BD59-A6C34878D82A}">
+                    <a16:rowId xmlns="" xmlns:a16="http://schemas.microsoft.com/office/drawing/2014/main" val="2814437447"/>
+                  </a:ext>
+                </a:extLst>
+              </a:tr>
+              <a:tr h="370600">
+                <a:tc vMerge="1">
+                  <a:txBody>
+                    <a:bodyPr/>
+                    <a:lstStyle/>
+                    <a:p>
+                      <a:pPr algn="ctr"/>
                       <a:endParaRPr lang="en-ZA" dirty="0"/>
                     </a:p>
                   </a:txBody>
@@ -6366,58 +6810,24 @@
                     <a:p>
                       <a:pPr algn="ctr"/>
                       <a:r>
-                        <a:rPr lang="en-ZA" dirty="0" smtClean="0"/>
-                        <a:t>42.7</a:t>
+                        <a:rPr lang="en-ZA" sz="1600" dirty="0" smtClean="0"/>
+                        <a:t>Omni-directional</a:t>
                       </a:r>
-                      <a:endParaRPr lang="en-ZA" dirty="0"/>
+                      <a:endParaRPr lang="en-ZA" sz="1600" dirty="0"/>
                     </a:p>
                   </a:txBody>
-                  <a:tcPr/>
+                  <a:tcPr>
+                    <a:lnL w="28575" cap="flat" cmpd="sng" algn="ctr">
+                      <a:solidFill>
+                        <a:srgbClr val="FFFFFF"/>
+                      </a:solidFill>
+                      <a:prstDash val="solid"/>
+                      <a:round/>
+                      <a:headEnd type="none" w="med" len="med"/>
+                      <a:tailEnd type="none" w="med" len="med"/>
+                    </a:lnL>
+                  </a:tcPr>
                 </a:tc>
-                <a:extLst>
-                  <a:ext uri="{0D108BD9-81ED-4DB2-BD59-A6C34878D82A}">
-                    <a16:rowId xmlns:a16="http://schemas.microsoft.com/office/drawing/2014/main" val="3814854473"/>
-                  </a:ext>
-                </a:extLst>
-              </a:tr>
-            </a:tbl>
-          </a:graphicData>
-        </a:graphic>
-      </p:graphicFrame>
-      <p:graphicFrame>
-        <p:nvGraphicFramePr>
-          <p:cNvPr id="7" name="Table 6"/>
-          <p:cNvGraphicFramePr>
-            <a:graphicFrameLocks noGrp="1"/>
-          </p:cNvGraphicFramePr>
-          <p:nvPr>
-            <p:extLst>
-              <p:ext uri="{D42A27DB-BD31-4B8C-83A1-F6EECF244321}">
-                <p14:modId xmlns:p14="http://schemas.microsoft.com/office/powerpoint/2010/main" val="3524645174"/>
-              </p:ext>
-            </p:extLst>
-          </p:nvPr>
-        </p:nvGraphicFramePr>
-        <p:xfrm>
-          <a:off x="342900" y="1613235"/>
-          <a:ext cx="2042206" cy="4696085"/>
-        </p:xfrm>
-        <a:graphic>
-          <a:graphicData uri="http://schemas.openxmlformats.org/drawingml/2006/table">
-            <a:tbl>
-              <a:tblPr firstRow="1" bandRow="1">
-                <a:tableStyleId>{5C22544A-7EE6-4342-B048-85BDC9FD1C3A}</a:tableStyleId>
-              </a:tblPr>
-              <a:tblGrid>
-                <a:gridCol w="2042206">
-                  <a:extLst>
-                    <a:ext uri="{9D8B030D-6E8A-4147-A177-3AD203B41FA5}">
-                      <a16:colId xmlns:a16="http://schemas.microsoft.com/office/drawing/2014/main" val="2519371752"/>
-                    </a:ext>
-                  </a:extLst>
-                </a:gridCol>
-              </a:tblGrid>
-              <a:tr h="2095189">
                 <a:tc>
                   <a:txBody>
                     <a:bodyPr/>
@@ -6425,51 +6835,17 @@
                     <a:p>
                       <a:pPr algn="ctr"/>
                       <a:r>
-                        <a:rPr lang="en-ZA" dirty="0" smtClean="0"/>
-                        <a:t>Compensatory gain</a:t>
+                        <a:rPr lang="en-ZA" sz="1600" dirty="0" smtClean="0"/>
+                        <a:t>42.7</a:t>
                       </a:r>
-                      <a:endParaRPr lang="en-ZA" dirty="0"/>
+                      <a:endParaRPr lang="en-ZA" sz="1600" dirty="0"/>
                     </a:p>
                   </a:txBody>
                   <a:tcPr/>
                 </a:tc>
                 <a:extLst>
                   <a:ext uri="{0D108BD9-81ED-4DB2-BD59-A6C34878D82A}">
-                    <a16:rowId xmlns:a16="http://schemas.microsoft.com/office/drawing/2014/main" val="1666516480"/>
-                  </a:ext>
-                </a:extLst>
-              </a:tr>
-              <a:tr h="2600896">
-                <a:tc>
-                  <a:txBody>
-                    <a:bodyPr/>
-                    <a:lstStyle/>
-                    <a:p>
-                      <a:pPr algn="ctr"/>
-                      <a:r>
-                        <a:rPr lang="en-ZA" b="1" dirty="0" smtClean="0">
-                          <a:solidFill>
-                            <a:schemeClr val="bg1"/>
-                          </a:solidFill>
-                        </a:rPr>
-                        <a:t>Directionality</a:t>
-                      </a:r>
-                      <a:endParaRPr lang="en-ZA" b="1" dirty="0">
-                        <a:solidFill>
-                          <a:schemeClr val="bg1"/>
-                        </a:solidFill>
-                      </a:endParaRPr>
-                    </a:p>
-                  </a:txBody>
-                  <a:tcPr>
-                    <a:solidFill>
-                      <a:srgbClr val="42BBBE"/>
-                    </a:solidFill>
-                  </a:tcPr>
-                </a:tc>
-                <a:extLst>
-                  <a:ext uri="{0D108BD9-81ED-4DB2-BD59-A6C34878D82A}">
-                    <a16:rowId xmlns:a16="http://schemas.microsoft.com/office/drawing/2014/main" val="1255144714"/>
+                    <a16:rowId xmlns="" xmlns:a16="http://schemas.microsoft.com/office/drawing/2014/main" val="3814854473"/>
                   </a:ext>
                 </a:extLst>
               </a:tr>
@@ -6487,6 +6863,13 @@
   <p:clrMapOvr>
     <a:masterClrMapping/>
   </p:clrMapOvr>
+  <p:timing>
+    <p:tnLst>
+      <p:par>
+        <p:cTn xmlns:p14="http://schemas.microsoft.com/office/powerpoint/2010/main" id="1" dur="indefinite" restart="never" nodeType="tmRoot"/>
+      </p:par>
+    </p:tnLst>
+  </p:timing>
 </p:sld>
 </file>
 
@@ -6709,7 +7092,7 @@
   <p:timing>
     <p:tnLst>
       <p:par>
-        <p:cTn id="1" dur="indefinite" restart="never" nodeType="tmRoot"/>
+        <p:cTn xmlns:p14="http://schemas.microsoft.com/office/powerpoint/2010/main" id="1" dur="indefinite" restart="never" nodeType="tmRoot"/>
       </p:par>
     </p:tnLst>
   </p:timing>
@@ -6811,7 +7194,7 @@
   <p:timing>
     <p:tnLst>
       <p:par>
-        <p:cTn id="1" dur="indefinite" restart="never" nodeType="tmRoot"/>
+        <p:cTn xmlns:p14="http://schemas.microsoft.com/office/powerpoint/2010/main" id="1" dur="indefinite" restart="never" nodeType="tmRoot"/>
       </p:par>
     </p:tnLst>
   </p:timing>
@@ -6852,7 +7235,7 @@
           <a:p>
             <a:r>
               <a:rPr lang="en-US" dirty="0" smtClean="0"/>
-              <a:t>Overview</a:t>
+              <a:t>Outline</a:t>
             </a:r>
             <a:endParaRPr lang="en-US" dirty="0"/>
           </a:p>
@@ -6868,12 +7251,87 @@
             <p:ph idx="1"/>
           </p:nvPr>
         </p:nvSpPr>
-        <p:spPr/>
+        <p:spPr>
+          <a:xfrm>
+            <a:off x="342900" y="1993902"/>
+            <a:ext cx="9067800" cy="4727573"/>
+          </a:xfrm>
+        </p:spPr>
         <p:txBody>
           <a:bodyPr/>
           <a:lstStyle/>
           <a:p>
-            <a:endParaRPr lang="en-US"/>
+            <a:r>
+              <a:rPr lang="en-ZA" dirty="0"/>
+              <a:t>Objectives and </a:t>
+            </a:r>
+            <a:r>
+              <a:rPr lang="en-ZA" dirty="0" smtClean="0"/>
+              <a:t>Specifications</a:t>
+            </a:r>
+          </a:p>
+          <a:p>
+            <a:r>
+              <a:rPr lang="en-ZA" dirty="0" smtClean="0"/>
+              <a:t>System Block Diagram</a:t>
+            </a:r>
+          </a:p>
+          <a:p>
+            <a:r>
+              <a:rPr lang="en-ZA" dirty="0"/>
+              <a:t>Simulated vs Hardware Hearing </a:t>
+            </a:r>
+            <a:r>
+              <a:rPr lang="en-ZA" dirty="0" smtClean="0"/>
+              <a:t>Aid</a:t>
+            </a:r>
+          </a:p>
+          <a:p>
+            <a:r>
+              <a:rPr lang="en-ZA" dirty="0" smtClean="0"/>
+              <a:t>Hearing </a:t>
+            </a:r>
+            <a:r>
+              <a:rPr lang="en-ZA" dirty="0" smtClean="0"/>
+              <a:t>Aid </a:t>
+            </a:r>
+            <a:r>
+              <a:rPr lang="en-ZA" dirty="0"/>
+              <a:t>F</a:t>
+            </a:r>
+            <a:r>
+              <a:rPr lang="en-ZA" dirty="0" smtClean="0"/>
+              <a:t>unctionality</a:t>
+            </a:r>
+            <a:endParaRPr lang="en-ZA" dirty="0" smtClean="0"/>
+          </a:p>
+          <a:p>
+            <a:r>
+              <a:rPr lang="en-ZA" dirty="0" smtClean="0"/>
+              <a:t>Cost Breakdown</a:t>
+            </a:r>
+          </a:p>
+          <a:p>
+            <a:r>
+              <a:rPr lang="en-ZA" dirty="0" smtClean="0"/>
+              <a:t>Results</a:t>
+            </a:r>
+          </a:p>
+          <a:p>
+            <a:r>
+              <a:rPr lang="en-ZA" dirty="0" smtClean="0"/>
+              <a:t>Future Work and Conclusion</a:t>
+            </a:r>
+            <a:endParaRPr lang="en-ZA" dirty="0" smtClean="0"/>
+          </a:p>
+          <a:p>
+            <a:endParaRPr lang="en-ZA" dirty="0" smtClean="0"/>
+          </a:p>
+          <a:p>
+            <a:endParaRPr lang="en-ZA" dirty="0" smtClean="0"/>
+          </a:p>
+          <a:p>
+            <a:endParaRPr lang="en-US" dirty="0"/>
           </a:p>
         </p:txBody>
       </p:sp>
@@ -6913,7 +7371,7 @@
   <p:timing>
     <p:tnLst>
       <p:par>
-        <p:cTn id="1" dur="indefinite" restart="never" nodeType="tmRoot"/>
+        <p:cTn xmlns:p14="http://schemas.microsoft.com/office/powerpoint/2010/main" id="1" dur="indefinite" restart="never" nodeType="tmRoot"/>
       </p:par>
     </p:tnLst>
   </p:timing>
@@ -6981,87 +7439,83 @@
           <a:lstStyle/>
           <a:p>
             <a:r>
-              <a:rPr lang="en-ZA" b="0" dirty="0" smtClean="0"/>
+              <a:rPr lang="en-ZA" dirty="0" smtClean="0"/>
               <a:t>To develop a low cost </a:t>
             </a:r>
             <a:r>
-              <a:rPr lang="en-ZA" b="0" dirty="0"/>
+              <a:rPr lang="en-ZA" dirty="0"/>
               <a:t>hearing </a:t>
             </a:r>
             <a:r>
-              <a:rPr lang="en-ZA" b="0" dirty="0" smtClean="0"/>
+              <a:rPr lang="en-ZA" dirty="0" smtClean="0"/>
               <a:t>aid</a:t>
             </a:r>
           </a:p>
           <a:p>
             <a:r>
-              <a:rPr lang="en-ZA" b="0" dirty="0" smtClean="0"/>
+              <a:rPr lang="en-ZA" dirty="0" smtClean="0"/>
               <a:t>Functionality:</a:t>
             </a:r>
-            <a:endParaRPr lang="en-ZA" b="0" dirty="0"/>
+            <a:endParaRPr lang="en-ZA" dirty="0"/>
           </a:p>
           <a:p>
             <a:pPr lvl="1"/>
             <a:r>
-              <a:rPr lang="en-ZA" b="0" dirty="0" smtClean="0"/>
+              <a:rPr lang="en-ZA" dirty="0" smtClean="0"/>
               <a:t>Amplifying </a:t>
             </a:r>
             <a:r>
-              <a:rPr lang="en-ZA" b="0" dirty="0"/>
+              <a:rPr lang="en-ZA" dirty="0"/>
               <a:t>specific frequency bands according to a person’s </a:t>
             </a:r>
             <a:r>
-              <a:rPr lang="en-ZA" b="0" dirty="0" smtClean="0"/>
+              <a:rPr lang="en-ZA" dirty="0" smtClean="0"/>
               <a:t>audiogram</a:t>
             </a:r>
           </a:p>
           <a:p>
             <a:pPr lvl="1"/>
             <a:r>
-              <a:rPr lang="en-ZA" b="0" dirty="0" smtClean="0"/>
+              <a:rPr lang="en-ZA" dirty="0" smtClean="0"/>
               <a:t>User tuneable directionality</a:t>
             </a:r>
-            <a:endParaRPr lang="en-ZA" b="0" dirty="0"/>
-          </a:p>
-          <a:p>
-            <a:r>
-              <a:rPr lang="en-ZA" b="0" dirty="0" smtClean="0"/>
+            <a:endParaRPr lang="en-ZA" dirty="0"/>
+          </a:p>
+          <a:p>
+            <a:r>
+              <a:rPr lang="en-ZA" dirty="0" smtClean="0"/>
               <a:t>Done in the form of:</a:t>
             </a:r>
-            <a:endParaRPr lang="en-ZA" b="0" dirty="0"/>
+            <a:endParaRPr lang="en-ZA" dirty="0"/>
           </a:p>
           <a:p>
             <a:pPr lvl="1"/>
             <a:r>
-              <a:rPr lang="en-ZA" b="0" dirty="0"/>
+              <a:rPr lang="en-ZA" dirty="0"/>
               <a:t> </a:t>
             </a:r>
             <a:r>
-              <a:rPr lang="en-ZA" b="0" dirty="0" smtClean="0"/>
+              <a:rPr lang="en-ZA" dirty="0" smtClean="0"/>
               <a:t>Software simulation</a:t>
             </a:r>
-            <a:endParaRPr lang="en-ZA" b="0" dirty="0"/>
+            <a:endParaRPr lang="en-ZA" dirty="0"/>
           </a:p>
           <a:p>
             <a:pPr lvl="1"/>
             <a:r>
-              <a:rPr lang="en-ZA" b="0" dirty="0"/>
-              <a:t> </a:t>
-            </a:r>
-            <a:r>
-              <a:rPr lang="en-ZA" b="0" dirty="0"/>
-              <a:t>H</a:t>
-            </a:r>
-            <a:r>
-              <a:rPr lang="en-ZA" b="0" dirty="0" smtClean="0"/>
+              <a:rPr lang="en-ZA" dirty="0"/>
+              <a:t> H</a:t>
+            </a:r>
+            <a:r>
+              <a:rPr lang="en-ZA" dirty="0" smtClean="0"/>
               <a:t>ardware </a:t>
             </a:r>
             <a:r>
-              <a:rPr lang="en-ZA" b="0" dirty="0"/>
+              <a:rPr lang="en-ZA" dirty="0"/>
               <a:t>proof of </a:t>
             </a:r>
             <a:r>
-              <a:rPr lang="en-ZA" b="0" dirty="0" smtClean="0"/>
+              <a:rPr lang="en-ZA" dirty="0" smtClean="0"/>
               <a:t>concept</a:t>
             </a:r>
             <a:endParaRPr lang="en-ZA" dirty="0"/>
@@ -7104,7 +7558,7 @@
   <p:timing>
     <p:tnLst>
       <p:par>
-        <p:cTn id="1" dur="indefinite" restart="never" nodeType="tmRoot"/>
+        <p:cTn xmlns:p14="http://schemas.microsoft.com/office/powerpoint/2010/main" id="1" dur="indefinite" restart="never" nodeType="tmRoot"/>
       </p:par>
     </p:tnLst>
   </p:timing>
@@ -7217,7 +7671,7 @@
   <p:timing>
     <p:tnLst>
       <p:par>
-        <p:cTn id="1" dur="indefinite" restart="never" nodeType="tmRoot"/>
+        <p:cTn xmlns:p14="http://schemas.microsoft.com/office/powerpoint/2010/main" id="1" dur="indefinite" restart="never" nodeType="tmRoot"/>
       </p:par>
     </p:tnLst>
   </p:timing>
@@ -7293,21 +7747,21 @@
                 <a:gridCol w="2880319">
                   <a:extLst>
                     <a:ext uri="{9D8B030D-6E8A-4147-A177-3AD203B41FA5}">
-                      <a16:colId xmlns:a16="http://schemas.microsoft.com/office/drawing/2014/main" val="1205949033"/>
+                      <a16:colId xmlns="" xmlns:a16="http://schemas.microsoft.com/office/drawing/2014/main" val="1205949033"/>
                     </a:ext>
                   </a:extLst>
                 </a:gridCol>
                 <a:gridCol w="2448272">
                   <a:extLst>
                     <a:ext uri="{9D8B030D-6E8A-4147-A177-3AD203B41FA5}">
-                      <a16:colId xmlns:a16="http://schemas.microsoft.com/office/drawing/2014/main" val="3234676645"/>
+                      <a16:colId xmlns="" xmlns:a16="http://schemas.microsoft.com/office/drawing/2014/main" val="3234676645"/>
                     </a:ext>
                   </a:extLst>
                 </a:gridCol>
                 <a:gridCol w="3168351">
                   <a:extLst>
                     <a:ext uri="{9D8B030D-6E8A-4147-A177-3AD203B41FA5}">
-                      <a16:colId xmlns:a16="http://schemas.microsoft.com/office/drawing/2014/main" val="497167739"/>
+                      <a16:colId xmlns="" xmlns:a16="http://schemas.microsoft.com/office/drawing/2014/main" val="497167739"/>
                     </a:ext>
                   </a:extLst>
                 </a:gridCol>
@@ -7360,7 +7814,7 @@
                 </a:tc>
                 <a:extLst>
                   <a:ext uri="{0D108BD9-81ED-4DB2-BD59-A6C34878D82A}">
-                    <a16:rowId xmlns:a16="http://schemas.microsoft.com/office/drawing/2014/main" val="3709011960"/>
+                    <a16:rowId xmlns="" xmlns:a16="http://schemas.microsoft.com/office/drawing/2014/main" val="3709011960"/>
                   </a:ext>
                 </a:extLst>
               </a:tr>
@@ -7416,7 +7870,7 @@
                 </a:tc>
                 <a:extLst>
                   <a:ext uri="{0D108BD9-81ED-4DB2-BD59-A6C34878D82A}">
-                    <a16:rowId xmlns:a16="http://schemas.microsoft.com/office/drawing/2014/main" val="4214479577"/>
+                    <a16:rowId xmlns="" xmlns:a16="http://schemas.microsoft.com/office/drawing/2014/main" val="4214479577"/>
                   </a:ext>
                 </a:extLst>
               </a:tr>
@@ -7508,7 +7962,7 @@
                 </a:tc>
                 <a:extLst>
                   <a:ext uri="{0D108BD9-81ED-4DB2-BD59-A6C34878D82A}">
-                    <a16:rowId xmlns:a16="http://schemas.microsoft.com/office/drawing/2014/main" val="3266579009"/>
+                    <a16:rowId xmlns="" xmlns:a16="http://schemas.microsoft.com/office/drawing/2014/main" val="3266579009"/>
                   </a:ext>
                 </a:extLst>
               </a:tr>
@@ -7560,7 +8014,7 @@
                 </a:tc>
                 <a:extLst>
                   <a:ext uri="{0D108BD9-81ED-4DB2-BD59-A6C34878D82A}">
-                    <a16:rowId xmlns:a16="http://schemas.microsoft.com/office/drawing/2014/main" val="282706019"/>
+                    <a16:rowId xmlns="" xmlns:a16="http://schemas.microsoft.com/office/drawing/2014/main" val="282706019"/>
                   </a:ext>
                 </a:extLst>
               </a:tr>
@@ -7612,7 +8066,7 @@
                 </a:tc>
                 <a:extLst>
                   <a:ext uri="{0D108BD9-81ED-4DB2-BD59-A6C34878D82A}">
-                    <a16:rowId xmlns:a16="http://schemas.microsoft.com/office/drawing/2014/main" val="10004"/>
+                    <a16:rowId xmlns="" xmlns:a16="http://schemas.microsoft.com/office/drawing/2014/main" val="10004"/>
                   </a:ext>
                 </a:extLst>
               </a:tr>
@@ -7668,7 +8122,7 @@
                 </a:tc>
                 <a:extLst>
                   <a:ext uri="{0D108BD9-81ED-4DB2-BD59-A6C34878D82A}">
-                    <a16:rowId xmlns:a16="http://schemas.microsoft.com/office/drawing/2014/main" val="1081411160"/>
+                    <a16:rowId xmlns="" xmlns:a16="http://schemas.microsoft.com/office/drawing/2014/main" val="1081411160"/>
                   </a:ext>
                 </a:extLst>
               </a:tr>
@@ -7735,7 +8189,7 @@
                 </a:tc>
                 <a:extLst>
                   <a:ext uri="{0D108BD9-81ED-4DB2-BD59-A6C34878D82A}">
-                    <a16:rowId xmlns:a16="http://schemas.microsoft.com/office/drawing/2014/main" val="2210005012"/>
+                    <a16:rowId xmlns="" xmlns:a16="http://schemas.microsoft.com/office/drawing/2014/main" val="2210005012"/>
                   </a:ext>
                 </a:extLst>
               </a:tr>
@@ -7855,7 +8309,7 @@
                 </a:tc>
                 <a:extLst>
                   <a:ext uri="{0D108BD9-81ED-4DB2-BD59-A6C34878D82A}">
-                    <a16:rowId xmlns:a16="http://schemas.microsoft.com/office/drawing/2014/main" val="1840919378"/>
+                    <a16:rowId xmlns="" xmlns:a16="http://schemas.microsoft.com/office/drawing/2014/main" val="1840919378"/>
                   </a:ext>
                 </a:extLst>
               </a:tr>
@@ -7911,7 +8365,7 @@
                 </a:tc>
                 <a:extLst>
                   <a:ext uri="{0D108BD9-81ED-4DB2-BD59-A6C34878D82A}">
-                    <a16:rowId xmlns:a16="http://schemas.microsoft.com/office/drawing/2014/main" val="1275340913"/>
+                    <a16:rowId xmlns="" xmlns:a16="http://schemas.microsoft.com/office/drawing/2014/main" val="1275340913"/>
                   </a:ext>
                 </a:extLst>
               </a:tr>
@@ -7955,7 +8409,7 @@
   <p:timing>
     <p:tnLst>
       <p:par>
-        <p:cTn id="1" dur="indefinite" restart="never" nodeType="tmRoot"/>
+        <p:cTn xmlns:p14="http://schemas.microsoft.com/office/powerpoint/2010/main" id="1" dur="indefinite" restart="never" nodeType="tmRoot"/>
       </p:par>
     </p:tnLst>
   </p:timing>
@@ -8004,56 +8458,6 @@
       </p:sp>
       <p:sp>
         <p:nvSpPr>
-          <p:cNvPr id="3" name="Content Placeholder 2"/>
-          <p:cNvSpPr>
-            <a:spLocks noGrp="1"/>
-          </p:cNvSpPr>
-          <p:nvPr>
-            <p:ph idx="1"/>
-          </p:nvPr>
-        </p:nvSpPr>
-        <p:spPr>
-          <a:xfrm>
-            <a:off x="776536" y="2209800"/>
-            <a:ext cx="8136904" cy="3352800"/>
-          </a:xfrm>
-        </p:spPr>
-        <p:txBody>
-          <a:bodyPr/>
-          <a:lstStyle/>
-          <a:p>
-            <a:r>
-              <a:rPr lang="en-ZA" dirty="0" smtClean="0"/>
-              <a:t>Dependent on audiogram</a:t>
-            </a:r>
-          </a:p>
-          <a:p>
-            <a:r>
-              <a:rPr lang="en-ZA" dirty="0" smtClean="0"/>
-              <a:t>Audiogram matching</a:t>
-            </a:r>
-          </a:p>
-          <a:p>
-            <a:pPr lvl="1"/>
-            <a:r>
-              <a:rPr lang="en-ZA" dirty="0" smtClean="0"/>
-              <a:t>Audiogram interpolation</a:t>
-            </a:r>
-          </a:p>
-          <a:p>
-            <a:pPr lvl="1"/>
-            <a:r>
-              <a:rPr lang="en-ZA" dirty="0" smtClean="0"/>
-              <a:t>Separate frequency band amplification</a:t>
-            </a:r>
-          </a:p>
-          <a:p>
-            <a:endParaRPr lang="en-ZA" dirty="0"/>
-          </a:p>
-        </p:txBody>
-      </p:sp>
-      <p:sp>
-        <p:nvSpPr>
           <p:cNvPr id="4" name="Slide Number Placeholder 3"/>
           <p:cNvSpPr>
             <a:spLocks noGrp="1"/>
@@ -8075,6 +8479,105 @@
           </a:p>
         </p:txBody>
       </p:sp>
+      <p:sp>
+        <p:nvSpPr>
+          <p:cNvPr id="6" name="Content Placeholder 5"/>
+          <p:cNvSpPr>
+            <a:spLocks noGrp="1"/>
+          </p:cNvSpPr>
+          <p:nvPr>
+            <p:ph idx="1"/>
+          </p:nvPr>
+        </p:nvSpPr>
+        <p:spPr>
+          <a:xfrm>
+            <a:off x="342900" y="1683274"/>
+            <a:ext cx="9362628" cy="3811488"/>
+          </a:xfrm>
+        </p:spPr>
+        <p:txBody>
+          <a:bodyPr/>
+          <a:lstStyle/>
+          <a:p>
+            <a:r>
+              <a:rPr lang="en-US" dirty="0" smtClean="0"/>
+              <a:t>Audiogram matching: requires amplification of individual frequency bands</a:t>
+            </a:r>
+          </a:p>
+        </p:txBody>
+      </p:sp>
+      <p:sp>
+        <p:nvSpPr>
+          <p:cNvPr id="9" name="Rectangle 8"/>
+          <p:cNvSpPr/>
+          <p:nvPr/>
+        </p:nvSpPr>
+        <p:spPr bwMode="auto">
+          <a:xfrm>
+            <a:off x="377536" y="5746527"/>
+            <a:ext cx="9327992" cy="609823"/>
+          </a:xfrm>
+          <a:prstGeom prst="rect">
+            <a:avLst/>
+          </a:prstGeom>
+          <a:solidFill>
+            <a:schemeClr val="bg1"/>
+          </a:solidFill>
+          <a:ln>
+            <a:solidFill>
+              <a:schemeClr val="bg1"/>
+            </a:solidFill>
+          </a:ln>
+          <a:effectLst/>
+          <a:extLst/>
+        </p:spPr>
+        <p:txBody>
+          <a:bodyPr/>
+          <a:lstStyle/>
+          <a:p>
+            <a:endParaRPr lang="en-US">
+              <a:ln>
+                <a:solidFill>
+                  <a:schemeClr val="bg1"/>
+                </a:solidFill>
+              </a:ln>
+              <a:solidFill>
+                <a:schemeClr val="bg1"/>
+              </a:solidFill>
+            </a:endParaRPr>
+          </a:p>
+        </p:txBody>
+      </p:sp>
+      <p:pic>
+        <p:nvPicPr>
+          <p:cNvPr id="7" name="Picture 6" descr="filterBank.png"/>
+          <p:cNvPicPr>
+            <a:picLocks noChangeAspect="1"/>
+          </p:cNvPicPr>
+          <p:nvPr/>
+        </p:nvPicPr>
+        <p:blipFill>
+          <a:blip r:embed="rId3">
+            <a:extLst>
+              <a:ext uri="{28A0092B-C50C-407E-A947-70E740481C1C}">
+                <a14:useLocalDpi xmlns:a14="http://schemas.microsoft.com/office/drawing/2010/main" val="0"/>
+              </a:ext>
+            </a:extLst>
+          </a:blip>
+          <a:stretch>
+            <a:fillRect/>
+          </a:stretch>
+        </p:blipFill>
+        <p:spPr>
+          <a:xfrm>
+            <a:off x="1478614" y="2541061"/>
+            <a:ext cx="6948772" cy="4316939"/>
+          </a:xfrm>
+          <a:prstGeom prst="rect">
+            <a:avLst/>
+          </a:prstGeom>
+        </p:spPr>
+      </p:pic>
     </p:spTree>
     <p:extLst>
       <p:ext uri="{BB962C8B-B14F-4D97-AF65-F5344CB8AC3E}">
@@ -8088,7 +8591,7 @@
   <p:timing>
     <p:tnLst>
       <p:par>
-        <p:cTn id="1" dur="indefinite" restart="never" nodeType="tmRoot"/>
+        <p:cTn xmlns:p14="http://schemas.microsoft.com/office/powerpoint/2010/main" id="1" dur="indefinite" restart="never" nodeType="tmRoot"/>
       </p:par>
     </p:tnLst>
   </p:timing>
@@ -8237,7 +8740,7 @@
   <p:timing>
     <p:tnLst>
       <p:par>
-        <p:cTn id="1" dur="indefinite" restart="never" nodeType="tmRoot"/>
+        <p:cTn xmlns:p14="http://schemas.microsoft.com/office/powerpoint/2010/main" id="1" dur="indefinite" restart="never" nodeType="tmRoot"/>
       </p:par>
     </p:tnLst>
   </p:timing>
@@ -8313,14 +8816,14 @@
                 <a:gridCol w="4108973">
                   <a:extLst>
                     <a:ext uri="{9D8B030D-6E8A-4147-A177-3AD203B41FA5}">
-                      <a16:colId xmlns:a16="http://schemas.microsoft.com/office/drawing/2014/main" val="641060483"/>
+                      <a16:colId xmlns="" xmlns:a16="http://schemas.microsoft.com/office/drawing/2014/main" val="641060483"/>
                     </a:ext>
                   </a:extLst>
                 </a:gridCol>
                 <a:gridCol w="1758427">
                   <a:extLst>
                     <a:ext uri="{9D8B030D-6E8A-4147-A177-3AD203B41FA5}">
-                      <a16:colId xmlns:a16="http://schemas.microsoft.com/office/drawing/2014/main" val="1147500092"/>
+                      <a16:colId xmlns="" xmlns:a16="http://schemas.microsoft.com/office/drawing/2014/main" val="1147500092"/>
                     </a:ext>
                   </a:extLst>
                 </a:gridCol>
@@ -8356,7 +8859,7 @@
                 </a:tc>
                 <a:extLst>
                   <a:ext uri="{0D108BD9-81ED-4DB2-BD59-A6C34878D82A}">
-                    <a16:rowId xmlns:a16="http://schemas.microsoft.com/office/drawing/2014/main" val="1100728770"/>
+                    <a16:rowId xmlns="" xmlns:a16="http://schemas.microsoft.com/office/drawing/2014/main" val="1100728770"/>
                   </a:ext>
                 </a:extLst>
               </a:tr>
@@ -8391,7 +8894,7 @@
                 </a:tc>
                 <a:extLst>
                   <a:ext uri="{0D108BD9-81ED-4DB2-BD59-A6C34878D82A}">
-                    <a16:rowId xmlns:a16="http://schemas.microsoft.com/office/drawing/2014/main" val="1538700946"/>
+                    <a16:rowId xmlns="" xmlns:a16="http://schemas.microsoft.com/office/drawing/2014/main" val="1538700946"/>
                   </a:ext>
                 </a:extLst>
               </a:tr>
@@ -8426,7 +8929,7 @@
                 </a:tc>
                 <a:extLst>
                   <a:ext uri="{0D108BD9-81ED-4DB2-BD59-A6C34878D82A}">
-                    <a16:rowId xmlns:a16="http://schemas.microsoft.com/office/drawing/2014/main" val="3854310482"/>
+                    <a16:rowId xmlns="" xmlns:a16="http://schemas.microsoft.com/office/drawing/2014/main" val="3854310482"/>
                   </a:ext>
                 </a:extLst>
               </a:tr>
@@ -8461,7 +8964,7 @@
                 </a:tc>
                 <a:extLst>
                   <a:ext uri="{0D108BD9-81ED-4DB2-BD59-A6C34878D82A}">
-                    <a16:rowId xmlns:a16="http://schemas.microsoft.com/office/drawing/2014/main" val="4094742816"/>
+                    <a16:rowId xmlns="" xmlns:a16="http://schemas.microsoft.com/office/drawing/2014/main" val="4094742816"/>
                   </a:ext>
                 </a:extLst>
               </a:tr>
@@ -8496,7 +8999,7 @@
                 </a:tc>
                 <a:extLst>
                   <a:ext uri="{0D108BD9-81ED-4DB2-BD59-A6C34878D82A}">
-                    <a16:rowId xmlns:a16="http://schemas.microsoft.com/office/drawing/2014/main" val="3540657552"/>
+                    <a16:rowId xmlns="" xmlns:a16="http://schemas.microsoft.com/office/drawing/2014/main" val="3540657552"/>
                   </a:ext>
                 </a:extLst>
               </a:tr>
@@ -8531,7 +9034,7 @@
                 </a:tc>
                 <a:extLst>
                   <a:ext uri="{0D108BD9-81ED-4DB2-BD59-A6C34878D82A}">
-                    <a16:rowId xmlns:a16="http://schemas.microsoft.com/office/drawing/2014/main" val="2626417538"/>
+                    <a16:rowId xmlns="" xmlns:a16="http://schemas.microsoft.com/office/drawing/2014/main" val="2626417538"/>
                   </a:ext>
                 </a:extLst>
               </a:tr>
@@ -8566,7 +9069,7 @@
                 </a:tc>
                 <a:extLst>
                   <a:ext uri="{0D108BD9-81ED-4DB2-BD59-A6C34878D82A}">
-                    <a16:rowId xmlns:a16="http://schemas.microsoft.com/office/drawing/2014/main" val="1235677700"/>
+                    <a16:rowId xmlns="" xmlns:a16="http://schemas.microsoft.com/office/drawing/2014/main" val="1235677700"/>
                   </a:ext>
                 </a:extLst>
               </a:tr>
@@ -8601,7 +9104,7 @@
                 </a:tc>
                 <a:extLst>
                   <a:ext uri="{0D108BD9-81ED-4DB2-BD59-A6C34878D82A}">
-                    <a16:rowId xmlns:a16="http://schemas.microsoft.com/office/drawing/2014/main" val="2755522816"/>
+                    <a16:rowId xmlns="" xmlns:a16="http://schemas.microsoft.com/office/drawing/2014/main" val="2755522816"/>
                   </a:ext>
                 </a:extLst>
               </a:tr>
@@ -8636,7 +9139,7 @@
                 </a:tc>
                 <a:extLst>
                   <a:ext uri="{0D108BD9-81ED-4DB2-BD59-A6C34878D82A}">
-                    <a16:rowId xmlns:a16="http://schemas.microsoft.com/office/drawing/2014/main" val="754826805"/>
+                    <a16:rowId xmlns="" xmlns:a16="http://schemas.microsoft.com/office/drawing/2014/main" val="754826805"/>
                   </a:ext>
                 </a:extLst>
               </a:tr>
@@ -8671,7 +9174,7 @@
                 </a:tc>
                 <a:extLst>
                   <a:ext uri="{0D108BD9-81ED-4DB2-BD59-A6C34878D82A}">
-                    <a16:rowId xmlns:a16="http://schemas.microsoft.com/office/drawing/2014/main" val="2456114939"/>
+                    <a16:rowId xmlns="" xmlns:a16="http://schemas.microsoft.com/office/drawing/2014/main" val="2456114939"/>
                   </a:ext>
                 </a:extLst>
               </a:tr>
@@ -8706,7 +9209,7 @@
                 </a:tc>
                 <a:extLst>
                   <a:ext uri="{0D108BD9-81ED-4DB2-BD59-A6C34878D82A}">
-                    <a16:rowId xmlns:a16="http://schemas.microsoft.com/office/drawing/2014/main" val="2549029190"/>
+                    <a16:rowId xmlns="" xmlns:a16="http://schemas.microsoft.com/office/drawing/2014/main" val="2549029190"/>
                   </a:ext>
                 </a:extLst>
               </a:tr>
@@ -8741,7 +9244,7 @@
                 </a:tc>
                 <a:extLst>
                   <a:ext uri="{0D108BD9-81ED-4DB2-BD59-A6C34878D82A}">
-                    <a16:rowId xmlns:a16="http://schemas.microsoft.com/office/drawing/2014/main" val="56862053"/>
+                    <a16:rowId xmlns="" xmlns:a16="http://schemas.microsoft.com/office/drawing/2014/main" val="56862053"/>
                   </a:ext>
                 </a:extLst>
               </a:tr>
@@ -8785,7 +9288,7 @@
   <p:timing>
     <p:tnLst>
       <p:par>
-        <p:cTn id="1" dur="indefinite" restart="never" nodeType="tmRoot"/>
+        <p:cTn xmlns:p14="http://schemas.microsoft.com/office/powerpoint/2010/main" id="1" dur="indefinite" restart="never" nodeType="tmRoot"/>
       </p:par>
     </p:tnLst>
   </p:timing>
@@ -9005,7 +9508,7 @@
           <a:ln/>
           <a:extLst>
             <a:ext uri="{91240B29-F687-4f45-9708-019B960494DF}">
-              <a14:hiddenLine xmlns:a14="http://schemas.microsoft.com/office/drawing/2010/main" xmlns="" w="9525" cap="flat" cmpd="sng" algn="ctr">
+              <a14:hiddenLine xmlns:a14="http://schemas.microsoft.com/office/drawing/2010/main" w="9525" cap="flat" cmpd="sng" algn="ctr">
                 <a:solidFill>
                   <a:schemeClr val="tx1"/>
                 </a:solidFill>
@@ -9016,7 +9519,7 @@
               </a14:hiddenLine>
             </a:ext>
             <a:ext uri="{AF507438-7753-43e0-B8FC-AC1667EBCBE1}">
-              <a14:hiddenEffects xmlns:a14="http://schemas.microsoft.com/office/drawing/2010/main" xmlns="">
+              <a14:hiddenEffects xmlns:a14="http://schemas.microsoft.com/office/drawing/2010/main">
                 <a:effectLst>
                   <a:outerShdw dist="35921" dir="2700000" algn="ctr" rotWithShape="0">
                     <a:schemeClr val="bg2"/>
@@ -9054,7 +9557,7 @@
   <p:timing>
     <p:tnLst>
       <p:par>
-        <p:cTn id="1" dur="indefinite" restart="never" nodeType="tmRoot"/>
+        <p:cTn xmlns:p14="http://schemas.microsoft.com/office/powerpoint/2010/main" id="1" dur="indefinite" restart="never" nodeType="tmRoot"/>
       </p:par>
     </p:tnLst>
   </p:timing>
@@ -9305,7 +9808,7 @@
         <a:effectLst/>
         <a:extLst>
           <a:ext uri="{91240B29-F687-4f45-9708-019B960494DF}">
-            <a14:hiddenLine xmlns:a14="http://schemas.microsoft.com/office/drawing/2010/main" xmlns="" w="9525" cap="flat" cmpd="sng" algn="ctr">
+            <a14:hiddenLine xmlns:a14="http://schemas.microsoft.com/office/drawing/2010/main" w="9525" cap="flat" cmpd="sng" algn="ctr">
               <a:solidFill>
                 <a:schemeClr val="tx1"/>
               </a:solidFill>
@@ -9316,7 +9819,7 @@
             </a14:hiddenLine>
           </a:ext>
           <a:ext uri="{AF507438-7753-43e0-B8FC-AC1667EBCBE1}">
-            <a14:hiddenEffects xmlns:a14="http://schemas.microsoft.com/office/drawing/2010/main" xmlns="">
+            <a14:hiddenEffects xmlns:a14="http://schemas.microsoft.com/office/drawing/2010/main">
               <a:effectLst>
                 <a:outerShdw dist="35921" dir="2700000" algn="ctr" rotWithShape="0">
                   <a:schemeClr val="bg2"/>
@@ -9383,7 +9886,7 @@
         <a:effectLst/>
         <a:extLst>
           <a:ext uri="{91240B29-F687-4f45-9708-019B960494DF}">
-            <a14:hiddenLine xmlns:a14="http://schemas.microsoft.com/office/drawing/2010/main" xmlns="" w="9525" cap="flat" cmpd="sng" algn="ctr">
+            <a14:hiddenLine xmlns:a14="http://schemas.microsoft.com/office/drawing/2010/main" w="9525" cap="flat" cmpd="sng" algn="ctr">
               <a:solidFill>
                 <a:schemeClr val="tx1"/>
               </a:solidFill>
@@ -9394,7 +9897,7 @@
             </a14:hiddenLine>
           </a:ext>
           <a:ext uri="{AF507438-7753-43e0-B8FC-AC1667EBCBE1}">
-            <a14:hiddenEffects xmlns:a14="http://schemas.microsoft.com/office/drawing/2010/main" xmlns="">
+            <a14:hiddenEffects xmlns:a14="http://schemas.microsoft.com/office/drawing/2010/main">
               <a:effectLst>
                 <a:outerShdw dist="35921" dir="2700000" algn="ctr" rotWithShape="0">
                   <a:schemeClr val="bg2"/>

--- a/Presentation/Lab Project Presentation.pptx
+++ b/Presentation/Lab Project Presentation.pptx
@@ -5,10 +5,10 @@
     <p:sldMasterId id="2147483660" r:id="rId1"/>
   </p:sldMasterIdLst>
   <p:notesMasterIdLst>
-    <p:notesMasterId r:id="rId18"/>
+    <p:notesMasterId r:id="rId20"/>
   </p:notesMasterIdLst>
   <p:handoutMasterIdLst>
-    <p:handoutMasterId r:id="rId19"/>
+    <p:handoutMasterId r:id="rId21"/>
   </p:handoutMasterIdLst>
   <p:sldIdLst>
     <p:sldId id="256" r:id="rId2"/>
@@ -27,6 +27,8 @@
     <p:sldId id="271" r:id="rId15"/>
     <p:sldId id="266" r:id="rId16"/>
     <p:sldId id="267" r:id="rId17"/>
+    <p:sldId id="272" r:id="rId18"/>
+    <p:sldId id="273" r:id="rId19"/>
   </p:sldIdLst>
   <p:sldSz cx="9906000" cy="6858000" type="A4"/>
   <p:notesSz cx="6858000" cy="9144000"/>
@@ -127,7 +129,7 @@
   </p:defaultTextStyle>
   <p:extLst>
     <p:ext uri="{EFAFB233-063F-42B5-8137-9DF3F51BA10A}">
-      <p15:sldGuideLst xmlns="" xmlns:p15="http://schemas.microsoft.com/office/powerpoint/2012/main">
+      <p15:sldGuideLst xmlns:p15="http://schemas.microsoft.com/office/powerpoint/2012/main">
         <p15:guide id="1" orient="horz" pos="2160">
           <p15:clr>
             <a:srgbClr val="A4A3A4"/>
@@ -231,7 +233,7 @@
           <a:p>
             <a:fld id="{3FA6FDA4-907F-C840-8573-33F4849B33D4}" type="datetimeFigureOut">
               <a:rPr lang="en-US" smtClean="0"/>
-              <a:t>18/09/04</a:t>
+              <a:t>9/4/2018</a:t>
             </a:fld>
             <a:endParaRPr lang="en-US"/>
           </a:p>
@@ -397,7 +399,7 @@
           <a:p>
             <a:fld id="{290492DD-1613-8B48-9182-1ECEE9190ABB}" type="datetimeFigureOut">
               <a:rPr lang="en-US" smtClean="0"/>
-              <a:t>18/09/04</a:t>
+              <a:t>9/4/2018</a:t>
             </a:fld>
             <a:endParaRPr lang="en-US"/>
           </a:p>
@@ -2817,7 +2819,7 @@
           </a:ln>
           <a:extLst>
             <a:ext uri="{909E8E84-426E-40dd-AFC4-6F175D3DCCD1}">
-              <a14:hiddenFill xmlns:a14="http://schemas.microsoft.com/office/drawing/2010/main">
+              <a14:hiddenFill xmlns:a14="http://schemas.microsoft.com/office/drawing/2010/main" xmlns="">
                 <a:noFill/>
               </a14:hiddenFill>
             </a:ext>
@@ -2855,14 +2857,14 @@
           </a:ln>
           <a:extLst>
             <a:ext uri="{909E8E84-426E-40dd-AFC4-6F175D3DCCD1}">
-              <a14:hiddenFill xmlns:a14="http://schemas.microsoft.com/office/drawing/2010/main">
+              <a14:hiddenFill xmlns:a14="http://schemas.microsoft.com/office/drawing/2010/main" xmlns="">
                 <a:solidFill>
                   <a:srgbClr val="FFFFFF"/>
                 </a:solidFill>
               </a14:hiddenFill>
             </a:ext>
             <a:ext uri="{91240B29-F687-4f45-9708-019B960494DF}">
-              <a14:hiddenLine xmlns:a14="http://schemas.microsoft.com/office/drawing/2010/main" w="9525">
+              <a14:hiddenLine xmlns:a14="http://schemas.microsoft.com/office/drawing/2010/main" xmlns="" w="9525">
                 <a:solidFill>
                   <a:srgbClr val="000000"/>
                 </a:solidFill>
@@ -2872,7 +2874,7 @@
               </a14:hiddenLine>
             </a:ext>
             <a:ext uri="{FAA26D3D-D897-4be2-8F04-BA451C77F1D7}">
-              <ma14:placeholderFlag xmlns:ma14="http://schemas.microsoft.com/office/mac/drawingml/2011/main" val="1"/>
+              <ma14:placeholderFlag xmlns:ma14="http://schemas.microsoft.com/office/mac/drawingml/2011/main" xmlns="" val="1"/>
             </a:ext>
           </a:extLst>
         </p:spPr>
@@ -2920,7 +2922,7 @@
           </a:ln>
           <a:extLst>
             <a:ext uri="{909E8E84-426E-40dd-AFC4-6F175D3DCCD1}">
-              <a14:hiddenFill xmlns:a14="http://schemas.microsoft.com/office/drawing/2010/main">
+              <a14:hiddenFill xmlns:a14="http://schemas.microsoft.com/office/drawing/2010/main" xmlns="">
                 <a:noFill/>
               </a14:hiddenFill>
             </a:ext>
@@ -2956,14 +2958,14 @@
           </a:ln>
           <a:extLst>
             <a:ext uri="{909E8E84-426E-40dd-AFC4-6F175D3DCCD1}">
-              <a14:hiddenFill xmlns:a14="http://schemas.microsoft.com/office/drawing/2010/main">
+              <a14:hiddenFill xmlns:a14="http://schemas.microsoft.com/office/drawing/2010/main" xmlns="">
                 <a:solidFill>
                   <a:srgbClr val="FFFFFF"/>
                 </a:solidFill>
               </a14:hiddenFill>
             </a:ext>
             <a:ext uri="{91240B29-F687-4f45-9708-019B960494DF}">
-              <a14:hiddenLine xmlns:a14="http://schemas.microsoft.com/office/drawing/2010/main" w="9525">
+              <a14:hiddenLine xmlns:a14="http://schemas.microsoft.com/office/drawing/2010/main" xmlns="" w="9525">
                 <a:solidFill>
                   <a:srgbClr val="000000"/>
                 </a:solidFill>
@@ -3120,14 +3122,14 @@
           </a:ln>
           <a:extLst>
             <a:ext uri="{909E8E84-426E-40dd-AFC4-6F175D3DCCD1}">
-              <a14:hiddenFill xmlns:a14="http://schemas.microsoft.com/office/drawing/2010/main">
+              <a14:hiddenFill xmlns:a14="http://schemas.microsoft.com/office/drawing/2010/main" xmlns="">
                 <a:solidFill>
                   <a:srgbClr val="FFFFFF"/>
                 </a:solidFill>
               </a14:hiddenFill>
             </a:ext>
             <a:ext uri="{91240B29-F687-4f45-9708-019B960494DF}">
-              <a14:hiddenLine xmlns:a14="http://schemas.microsoft.com/office/drawing/2010/main" w="9525">
+              <a14:hiddenLine xmlns:a14="http://schemas.microsoft.com/office/drawing/2010/main" xmlns="" w="9525">
                 <a:solidFill>
                   <a:srgbClr val="000000"/>
                 </a:solidFill>
@@ -3137,7 +3139,7 @@
               </a14:hiddenLine>
             </a:ext>
             <a:ext uri="{FAA26D3D-D897-4be2-8F04-BA451C77F1D7}">
-              <ma14:placeholderFlag xmlns:ma14="http://schemas.microsoft.com/office/mac/drawingml/2011/main" val="1"/>
+              <ma14:placeholderFlag xmlns:ma14="http://schemas.microsoft.com/office/mac/drawingml/2011/main" xmlns="" val="1"/>
             </a:ext>
           </a:extLst>
         </p:spPr>
@@ -3789,14 +3791,14 @@
           </a:ln>
           <a:extLst>
             <a:ext uri="{909E8E84-426E-40dd-AFC4-6F175D3DCCD1}">
-              <a14:hiddenFill xmlns:a14="http://schemas.microsoft.com/office/drawing/2010/main">
+              <a14:hiddenFill xmlns:a14="http://schemas.microsoft.com/office/drawing/2010/main" xmlns="">
                 <a:solidFill>
                   <a:srgbClr val="FFFFFF"/>
                 </a:solidFill>
               </a14:hiddenFill>
             </a:ext>
             <a:ext uri="{91240B29-F687-4f45-9708-019B960494DF}">
-              <a14:hiddenLine xmlns:a14="http://schemas.microsoft.com/office/drawing/2010/main" w="9525">
+              <a14:hiddenLine xmlns:a14="http://schemas.microsoft.com/office/drawing/2010/main" xmlns="" w="9525">
                 <a:solidFill>
                   <a:srgbClr val="000000"/>
                 </a:solidFill>
@@ -3933,7 +3935,7 @@
   <p:timing>
     <p:tnLst>
       <p:par>
-        <p:cTn xmlns:p14="http://schemas.microsoft.com/office/powerpoint/2010/main" id="1" dur="indefinite" restart="never" nodeType="tmRoot"/>
+        <p:cTn id="1" dur="indefinite" restart="never" nodeType="tmRoot"/>
       </p:par>
     </p:tnLst>
   </p:timing>
@@ -4054,14 +4056,14 @@
           </a:ln>
           <a:extLst>
             <a:ext uri="{909E8E84-426E-40dd-AFC4-6F175D3DCCD1}">
-              <a14:hiddenFill xmlns:a14="http://schemas.microsoft.com/office/drawing/2010/main">
+              <a14:hiddenFill xmlns:a14="http://schemas.microsoft.com/office/drawing/2010/main" xmlns="">
                 <a:solidFill>
                   <a:srgbClr val="FFFFFF"/>
                 </a:solidFill>
               </a14:hiddenFill>
             </a:ext>
             <a:ext uri="{91240B29-F687-4f45-9708-019B960494DF}">
-              <a14:hiddenLine xmlns:a14="http://schemas.microsoft.com/office/drawing/2010/main" w="9525">
+              <a14:hiddenLine xmlns:a14="http://schemas.microsoft.com/office/drawing/2010/main" xmlns="" w="9525">
                 <a:solidFill>
                   <a:srgbClr val="000000"/>
                 </a:solidFill>
@@ -4071,7 +4073,7 @@
               </a14:hiddenLine>
             </a:ext>
             <a:ext uri="{FAA26D3D-D897-4be2-8F04-BA451C77F1D7}">
-              <ma14:placeholderFlag xmlns:ma14="http://schemas.microsoft.com/office/mac/drawingml/2011/main" val="1"/>
+              <ma14:placeholderFlag xmlns:ma14="http://schemas.microsoft.com/office/mac/drawingml/2011/main" xmlns="" val="1"/>
             </a:ext>
           </a:extLst>
         </p:spPr>
@@ -4327,7 +4329,7 @@
   <p:timing>
     <p:tnLst>
       <p:par>
-        <p:cTn xmlns:p14="http://schemas.microsoft.com/office/powerpoint/2010/main" id="1" dur="indefinite" restart="never" nodeType="tmRoot"/>
+        <p:cTn id="1" dur="indefinite" restart="never" nodeType="tmRoot"/>
       </p:par>
     </p:tnLst>
   </p:timing>
@@ -4465,7 +4467,7 @@
         <p:spPr>
           <a:xfrm>
             <a:off x="4752915" y="5023460"/>
-            <a:ext cx="2376264" cy="584775"/>
+            <a:ext cx="2376264" cy="461665"/>
           </a:xfrm>
           <a:prstGeom prst="rect">
             <a:avLst/>
@@ -4479,19 +4481,19 @@
           <a:lstStyle/>
           <a:p>
             <a:r>
-              <a:rPr lang="en-ZA" sz="3200" dirty="0" smtClean="0">
+              <a:rPr lang="en-ZA" sz="2400" b="1" dirty="0" smtClean="0">
                 <a:cs typeface="Times New Roman" panose="02020603050405020304" pitchFamily="18" charset="0"/>
               </a:rPr>
               <a:t>60</a:t>
             </a:r>
             <a:r>
-              <a:rPr lang="en-ZA" sz="3200" dirty="0" smtClean="0">
+              <a:rPr lang="en-ZA" sz="2400" b="1" dirty="0" smtClean="0">
                 <a:latin typeface="Times New Roman" panose="02020603050405020304" pitchFamily="18" charset="0"/>
                 <a:cs typeface="Times New Roman" panose="02020603050405020304" pitchFamily="18" charset="0"/>
               </a:rPr>
               <a:t>°</a:t>
             </a:r>
-            <a:endParaRPr lang="en-ZA" sz="3200" dirty="0">
+            <a:endParaRPr lang="en-ZA" sz="2400" b="1" dirty="0">
               <a:latin typeface="Times New Roman" panose="02020603050405020304" pitchFamily="18" charset="0"/>
               <a:cs typeface="Times New Roman" panose="02020603050405020304" pitchFamily="18" charset="0"/>
             </a:endParaRPr>
@@ -4507,7 +4509,7 @@
         <p:spPr>
           <a:xfrm>
             <a:off x="8049344" y="5105130"/>
-            <a:ext cx="2376264" cy="584775"/>
+            <a:ext cx="2376264" cy="461665"/>
           </a:xfrm>
           <a:prstGeom prst="rect">
             <a:avLst/>
@@ -4521,34 +4523,620 @@
           <a:lstStyle/>
           <a:p>
             <a:r>
-              <a:rPr lang="en-ZA" sz="3200" dirty="0">
+              <a:rPr lang="en-ZA" sz="2400" b="1" dirty="0">
                 <a:cs typeface="Times New Roman" panose="02020603050405020304" pitchFamily="18" charset="0"/>
               </a:rPr>
               <a:t>9</a:t>
             </a:r>
             <a:r>
-              <a:rPr lang="en-ZA" sz="3200" dirty="0" smtClean="0">
+              <a:rPr lang="en-ZA" sz="2400" b="1" dirty="0" smtClean="0">
                 <a:cs typeface="Times New Roman" panose="02020603050405020304" pitchFamily="18" charset="0"/>
               </a:rPr>
               <a:t>0</a:t>
             </a:r>
             <a:r>
-              <a:rPr lang="en-ZA" sz="3200" dirty="0" smtClean="0">
+              <a:rPr lang="en-ZA" sz="2400" b="1" dirty="0" smtClean="0">
                 <a:latin typeface="Times New Roman" panose="02020603050405020304" pitchFamily="18" charset="0"/>
                 <a:cs typeface="Times New Roman" panose="02020603050405020304" pitchFamily="18" charset="0"/>
               </a:rPr>
               <a:t>°</a:t>
             </a:r>
-            <a:endParaRPr lang="en-ZA" sz="3200" dirty="0">
+            <a:endParaRPr lang="en-ZA" sz="2400" b="1" dirty="0">
               <a:latin typeface="Times New Roman" panose="02020603050405020304" pitchFamily="18" charset="0"/>
               <a:cs typeface="Times New Roman" panose="02020603050405020304" pitchFamily="18" charset="0"/>
             </a:endParaRPr>
+          </a:p>
+        </p:txBody>
+      </p:sp>
+      <mc:AlternateContent xmlns:mc="http://schemas.openxmlformats.org/markup-compatibility/2006">
+        <mc:Choice xmlns:a14="http://schemas.microsoft.com/office/drawing/2010/main" Requires="a14">
+          <p:sp>
+            <p:nvSpPr>
+              <p:cNvPr id="11" name="Content Placeholder 2"/>
+              <p:cNvSpPr txBox="1">
+                <a:spLocks/>
+              </p:cNvSpPr>
+              <p:nvPr/>
+            </p:nvSpPr>
+            <p:spPr bwMode="auto">
+              <a:xfrm>
+                <a:off x="210721" y="1971841"/>
+                <a:ext cx="3878183" cy="4248472"/>
+              </a:xfrm>
+              <a:prstGeom prst="rect">
+                <a:avLst/>
+              </a:prstGeom>
+              <a:noFill/>
+              <a:ln>
+                <a:noFill/>
+              </a:ln>
+              <a:extLst>
+                <a:ext uri="{909E8E84-426E-40dd-AFC4-6F175D3DCCD1}">
+                  <a14:hiddenFill xmlns="">
+                    <a:solidFill>
+                      <a:srgbClr val="FFFFFF"/>
+                    </a:solidFill>
+                  </a14:hiddenFill>
+                </a:ext>
+                <a:ext uri="{91240B29-F687-4f45-9708-019B960494DF}">
+                  <a14:hiddenLine xmlns="" w="9525">
+                    <a:solidFill>
+                      <a:srgbClr val="000000"/>
+                    </a:solidFill>
+                    <a:miter lim="800000"/>
+                    <a:headEnd/>
+                    <a:tailEnd/>
+                  </a14:hiddenLine>
+                </a:ext>
+                <a:ext uri="{FAA26D3D-D897-4be2-8F04-BA451C77F1D7}">
+                  <ma14:placeholderFlag xmlns:ma14="http://schemas.microsoft.com/office/mac/drawingml/2011/main" xmlns="" val="1"/>
+                </a:ext>
+              </a:extLst>
+            </p:spPr>
+            <p:txBody>
+              <a:bodyPr vert="horz" wrap="square" lIns="92075" tIns="46038" rIns="92075" bIns="46038" numCol="1" anchor="t" anchorCtr="0" compatLnSpc="1">
+                <a:prstTxWarp prst="textNoShape">
+                  <a:avLst/>
+                </a:prstTxWarp>
+              </a:bodyPr>
+              <a:lstStyle>
+                <a:lvl1pPr marL="762000" indent="-571500" algn="l" defTabSz="762000" rtl="0" eaLnBrk="1" fontAlgn="base" hangingPunct="1">
+                  <a:spcBef>
+                    <a:spcPct val="70000"/>
+                  </a:spcBef>
+                  <a:spcAft>
+                    <a:spcPct val="0"/>
+                  </a:spcAft>
+                  <a:buClr>
+                    <a:srgbClr val="154E7E"/>
+                  </a:buClr>
+                  <a:buSzPct val="100000"/>
+                  <a:buFont typeface="Wingdings" charset="0"/>
+                  <a:buChar char="l"/>
+                  <a:defRPr sz="2400" b="1">
+                    <a:solidFill>
+                      <a:schemeClr val="tx1"/>
+                    </a:solidFill>
+                    <a:latin typeface="+mn-lt"/>
+                    <a:ea typeface="MS PGothic" panose="020B0600070205080204" pitchFamily="34" charset="-128"/>
+                    <a:cs typeface="MS PGothic" charset="0"/>
+                  </a:defRPr>
+                </a:lvl1pPr>
+                <a:lvl2pPr marL="1524000" indent="-381000" algn="l" defTabSz="762000" rtl="0" eaLnBrk="1" fontAlgn="base" hangingPunct="1">
+                  <a:lnSpc>
+                    <a:spcPct val="90000"/>
+                  </a:lnSpc>
+                  <a:spcBef>
+                    <a:spcPct val="30000"/>
+                  </a:spcBef>
+                  <a:spcAft>
+                    <a:spcPct val="0"/>
+                  </a:spcAft>
+                  <a:buClr>
+                    <a:srgbClr val="154E7E"/>
+                  </a:buClr>
+                  <a:buSzPct val="100000"/>
+                  <a:buFont typeface="Wingdings" charset="0"/>
+                  <a:buChar char="Ø"/>
+                  <a:defRPr sz="2000" b="1">
+                    <a:solidFill>
+                      <a:schemeClr val="tx1"/>
+                    </a:solidFill>
+                    <a:latin typeface="+mn-lt"/>
+                    <a:ea typeface="MS PGothic" panose="020B0600070205080204" pitchFamily="34" charset="-128"/>
+                    <a:cs typeface="MS PGothic" charset="0"/>
+                  </a:defRPr>
+                </a:lvl2pPr>
+                <a:lvl3pPr marL="2190750" indent="-285750" algn="l" defTabSz="762000" rtl="0" eaLnBrk="1" fontAlgn="base" hangingPunct="1">
+                  <a:lnSpc>
+                    <a:spcPct val="90000"/>
+                  </a:lnSpc>
+                  <a:spcBef>
+                    <a:spcPct val="30000"/>
+                  </a:spcBef>
+                  <a:spcAft>
+                    <a:spcPct val="0"/>
+                  </a:spcAft>
+                  <a:buClr>
+                    <a:srgbClr val="154E7E"/>
+                  </a:buClr>
+                  <a:buSzPct val="100000"/>
+                  <a:buFont typeface="Wingdings" charset="0"/>
+                  <a:buChar char="§"/>
+                  <a:defRPr b="1">
+                    <a:solidFill>
+                      <a:schemeClr val="tx1"/>
+                    </a:solidFill>
+                    <a:latin typeface="+mn-lt"/>
+                    <a:ea typeface="MS PGothic" panose="020B0600070205080204" pitchFamily="34" charset="-128"/>
+                    <a:cs typeface="MS PGothic" charset="0"/>
+                  </a:defRPr>
+                </a:lvl3pPr>
+                <a:lvl4pPr marL="2647950" indent="-171450" algn="l" defTabSz="762000" rtl="0" eaLnBrk="1" fontAlgn="base" hangingPunct="1">
+                  <a:lnSpc>
+                    <a:spcPct val="90000"/>
+                  </a:lnSpc>
+                  <a:spcBef>
+                    <a:spcPct val="30000"/>
+                  </a:spcBef>
+                  <a:spcAft>
+                    <a:spcPct val="0"/>
+                  </a:spcAft>
+                  <a:buClr>
+                    <a:srgbClr val="FAFD00"/>
+                  </a:buClr>
+                  <a:buSzPct val="100000"/>
+                  <a:buFont typeface="Arial" charset="0"/>
+                  <a:buChar char="•"/>
+                  <a:defRPr sz="1400" b="1">
+                    <a:solidFill>
+                      <a:schemeClr val="tx1"/>
+                    </a:solidFill>
+                    <a:latin typeface="+mn-lt"/>
+                    <a:ea typeface="MS PGothic" panose="020B0600070205080204" pitchFamily="34" charset="-128"/>
+                    <a:cs typeface="MS PGothic" charset="0"/>
+                  </a:defRPr>
+                </a:lvl4pPr>
+                <a:lvl5pPr marL="3009900" indent="-171450" algn="l" defTabSz="762000" rtl="0" eaLnBrk="1" fontAlgn="base" hangingPunct="1">
+                  <a:lnSpc>
+                    <a:spcPct val="90000"/>
+                  </a:lnSpc>
+                  <a:spcBef>
+                    <a:spcPct val="30000"/>
+                  </a:spcBef>
+                  <a:spcAft>
+                    <a:spcPct val="0"/>
+                  </a:spcAft>
+                  <a:buClr>
+                    <a:srgbClr val="FAFD00"/>
+                  </a:buClr>
+                  <a:buSzPct val="100000"/>
+                  <a:buFont typeface="Arial" charset="0"/>
+                  <a:buChar char="•"/>
+                  <a:defRPr sz="1400" b="1">
+                    <a:solidFill>
+                      <a:schemeClr val="tx1"/>
+                    </a:solidFill>
+                    <a:latin typeface="+mn-lt"/>
+                    <a:ea typeface="MS PGothic" panose="020B0600070205080204" pitchFamily="34" charset="-128"/>
+                    <a:cs typeface="MS PGothic" charset="0"/>
+                  </a:defRPr>
+                </a:lvl5pPr>
+                <a:lvl6pPr marL="3467100" indent="-171450" algn="l" defTabSz="762000" rtl="0" eaLnBrk="1" fontAlgn="base" hangingPunct="1">
+                  <a:lnSpc>
+                    <a:spcPct val="90000"/>
+                  </a:lnSpc>
+                  <a:spcBef>
+                    <a:spcPct val="30000"/>
+                  </a:spcBef>
+                  <a:spcAft>
+                    <a:spcPct val="0"/>
+                  </a:spcAft>
+                  <a:buClr>
+                    <a:srgbClr val="FAFD00"/>
+                  </a:buClr>
+                  <a:buSzPct val="100000"/>
+                  <a:buFont typeface="Arial" charset="0"/>
+                  <a:buChar char="•"/>
+                  <a:defRPr sz="1400" b="1">
+                    <a:solidFill>
+                      <a:schemeClr val="tx1"/>
+                    </a:solidFill>
+                    <a:latin typeface="+mn-lt"/>
+                  </a:defRPr>
+                </a:lvl6pPr>
+                <a:lvl7pPr marL="3924300" indent="-171450" algn="l" defTabSz="762000" rtl="0" eaLnBrk="1" fontAlgn="base" hangingPunct="1">
+                  <a:lnSpc>
+                    <a:spcPct val="90000"/>
+                  </a:lnSpc>
+                  <a:spcBef>
+                    <a:spcPct val="30000"/>
+                  </a:spcBef>
+                  <a:spcAft>
+                    <a:spcPct val="0"/>
+                  </a:spcAft>
+                  <a:buClr>
+                    <a:srgbClr val="FAFD00"/>
+                  </a:buClr>
+                  <a:buSzPct val="100000"/>
+                  <a:buFont typeface="Arial" charset="0"/>
+                  <a:buChar char="•"/>
+                  <a:defRPr sz="1400" b="1">
+                    <a:solidFill>
+                      <a:schemeClr val="tx1"/>
+                    </a:solidFill>
+                    <a:latin typeface="+mn-lt"/>
+                  </a:defRPr>
+                </a:lvl7pPr>
+                <a:lvl8pPr marL="4381500" indent="-171450" algn="l" defTabSz="762000" rtl="0" eaLnBrk="1" fontAlgn="base" hangingPunct="1">
+                  <a:lnSpc>
+                    <a:spcPct val="90000"/>
+                  </a:lnSpc>
+                  <a:spcBef>
+                    <a:spcPct val="30000"/>
+                  </a:spcBef>
+                  <a:spcAft>
+                    <a:spcPct val="0"/>
+                  </a:spcAft>
+                  <a:buClr>
+                    <a:srgbClr val="FAFD00"/>
+                  </a:buClr>
+                  <a:buSzPct val="100000"/>
+                  <a:buFont typeface="Arial" charset="0"/>
+                  <a:buChar char="•"/>
+                  <a:defRPr sz="1400" b="1">
+                    <a:solidFill>
+                      <a:schemeClr val="tx1"/>
+                    </a:solidFill>
+                    <a:latin typeface="+mn-lt"/>
+                  </a:defRPr>
+                </a:lvl8pPr>
+                <a:lvl9pPr marL="4838700" indent="-171450" algn="l" defTabSz="762000" rtl="0" eaLnBrk="1" fontAlgn="base" hangingPunct="1">
+                  <a:lnSpc>
+                    <a:spcPct val="90000"/>
+                  </a:lnSpc>
+                  <a:spcBef>
+                    <a:spcPct val="30000"/>
+                  </a:spcBef>
+                  <a:spcAft>
+                    <a:spcPct val="0"/>
+                  </a:spcAft>
+                  <a:buClr>
+                    <a:srgbClr val="FAFD00"/>
+                  </a:buClr>
+                  <a:buSzPct val="100000"/>
+                  <a:buFont typeface="Arial" charset="0"/>
+                  <a:buChar char="•"/>
+                  <a:defRPr sz="1400" b="1">
+                    <a:solidFill>
+                      <a:schemeClr val="tx1"/>
+                    </a:solidFill>
+                    <a:latin typeface="+mn-lt"/>
+                  </a:defRPr>
+                </a:lvl9pPr>
+              </a:lstStyle>
+              <a:p>
+                <a:r>
+                  <a:rPr lang="en-ZA" kern="0" dirty="0" smtClean="0"/>
+                  <a:t>Most precise steering at 3.15 kHz</a:t>
+                </a:r>
+              </a:p>
+              <a:p>
+                <a:r>
+                  <a:rPr lang="en-ZA" kern="0" dirty="0" smtClean="0"/>
+                  <a:t>Spatial aliasing </a:t>
+                </a:r>
+              </a:p>
+              <a:p>
+                <a:pPr lvl="1"/>
+                <a14:m>
+                  <m:oMath xmlns:m="http://schemas.openxmlformats.org/officeDocument/2006/math">
+                    <m:r>
+                      <a:rPr lang="en-ZA" b="1" i="1" kern="0" smtClean="0">
+                        <a:latin typeface="Cambria Math" panose="02040503050406030204" pitchFamily="18" charset="0"/>
+                      </a:rPr>
+                      <m:t>𝒅</m:t>
+                    </m:r>
+                    <m:r>
+                      <a:rPr lang="en-ZA" b="1" i="1" kern="0" smtClean="0">
+                        <a:latin typeface="Cambria Math" panose="02040503050406030204" pitchFamily="18" charset="0"/>
+                      </a:rPr>
+                      <m:t>&lt;</m:t>
+                    </m:r>
+                    <m:f>
+                      <m:fPr>
+                        <m:ctrlPr>
+                          <a:rPr lang="en-ZA" b="1" i="1" kern="0" smtClean="0">
+                            <a:latin typeface="Cambria Math" panose="02040503050406030204" pitchFamily="18" charset="0"/>
+                          </a:rPr>
+                        </m:ctrlPr>
+                      </m:fPr>
+                      <m:num>
+                        <m:sSub>
+                          <m:sSubPr>
+                            <m:ctrlPr>
+                              <a:rPr lang="en-ZA" b="1" i="1" kern="0" smtClean="0">
+                                <a:latin typeface="Cambria Math" panose="02040503050406030204" pitchFamily="18" charset="0"/>
+                              </a:rPr>
+                            </m:ctrlPr>
+                          </m:sSubPr>
+                          <m:e>
+                            <m:r>
+                              <m:rPr>
+                                <m:sty m:val="p"/>
+                              </m:rPr>
+                              <a:rPr lang="el-GR" b="1" i="1" kern="0" smtClean="0">
+                                <a:latin typeface="Cambria Math" panose="02040503050406030204" pitchFamily="18" charset="0"/>
+                              </a:rPr>
+                              <m:t>λ</m:t>
+                            </m:r>
+                          </m:e>
+                          <m:sub>
+                            <m:r>
+                              <a:rPr lang="en-ZA" b="1" i="1" kern="0" smtClean="0">
+                                <a:latin typeface="Cambria Math" panose="02040503050406030204" pitchFamily="18" charset="0"/>
+                              </a:rPr>
+                              <m:t>𝒎𝒊𝒏</m:t>
+                            </m:r>
+                          </m:sub>
+                        </m:sSub>
+                      </m:num>
+                      <m:den>
+                        <m:r>
+                          <a:rPr lang="en-ZA" b="1" i="1" kern="0" smtClean="0">
+                            <a:latin typeface="Cambria Math" panose="02040503050406030204" pitchFamily="18" charset="0"/>
+                          </a:rPr>
+                          <m:t>𝟐</m:t>
+                        </m:r>
+                      </m:den>
+                    </m:f>
+                  </m:oMath>
+                </a14:m>
+                <a:endParaRPr lang="en-ZA" kern="0" dirty="0" smtClean="0"/>
+              </a:p>
+              <a:p>
+                <a:pPr lvl="1"/>
+                <a14:m>
+                  <m:oMath xmlns:m="http://schemas.openxmlformats.org/officeDocument/2006/math">
+                    <m:r>
+                      <a:rPr lang="en-ZA" b="1" i="1" kern="0" smtClean="0">
+                        <a:latin typeface="Cambria Math" panose="02040503050406030204" pitchFamily="18" charset="0"/>
+                      </a:rPr>
+                      <m:t>𝒅</m:t>
+                    </m:r>
+                  </m:oMath>
+                </a14:m>
+                <a:r>
+                  <a:rPr lang="en-ZA" kern="0" dirty="0" smtClean="0"/>
+                  <a:t>= 5cm</a:t>
+                </a:r>
+                <a:endParaRPr lang="en-ZA" kern="0" dirty="0" smtClean="0"/>
+              </a:p>
+              <a:p>
+                <a:pPr lvl="1"/>
+                <a14:m>
+                  <m:oMath xmlns:m="http://schemas.openxmlformats.org/officeDocument/2006/math">
+                    <m:sSub>
+                      <m:sSubPr>
+                        <m:ctrlPr>
+                          <a:rPr lang="en-ZA" i="1" kern="0" smtClean="0">
+                            <a:latin typeface="Cambria Math" panose="02040503050406030204" pitchFamily="18" charset="0"/>
+                          </a:rPr>
+                        </m:ctrlPr>
+                      </m:sSubPr>
+                      <m:e>
+                        <m:r>
+                          <m:rPr>
+                            <m:sty m:val="p"/>
+                          </m:rPr>
+                          <a:rPr lang="el-GR" i="1" kern="0">
+                            <a:latin typeface="Cambria Math" panose="02040503050406030204" pitchFamily="18" charset="0"/>
+                          </a:rPr>
+                          <m:t>λ</m:t>
+                        </m:r>
+                      </m:e>
+                      <m:sub>
+                        <m:r>
+                          <a:rPr lang="en-ZA" b="1" i="1" kern="0" smtClean="0">
+                            <a:latin typeface="Cambria Math" panose="02040503050406030204" pitchFamily="18" charset="0"/>
+                          </a:rPr>
+                          <m:t>𝒎𝒊𝒏</m:t>
+                        </m:r>
+                      </m:sub>
+                    </m:sSub>
+                  </m:oMath>
+                </a14:m>
+                <a:r>
+                  <a:rPr lang="en-ZA" kern="0" dirty="0" smtClean="0"/>
+                  <a:t>= </a:t>
+                </a:r>
+                <a:r>
+                  <a:rPr lang="en-ZA" kern="0" dirty="0" smtClean="0"/>
+                  <a:t>wavelength of maximum frequency</a:t>
+                </a:r>
+              </a:p>
+            </p:txBody>
+          </p:sp>
+        </mc:Choice>
+        <mc:Fallback>
+          <p:sp>
+            <p:nvSpPr>
+              <p:cNvPr id="11" name="Content Placeholder 2"/>
+              <p:cNvSpPr txBox="1">
+                <a:spLocks noRot="1" noChangeAspect="1" noMove="1" noResize="1" noEditPoints="1" noAdjustHandles="1" noChangeArrowheads="1" noChangeShapeType="1" noTextEdit="1"/>
+              </p:cNvSpPr>
+              <p:nvPr/>
+            </p:nvSpPr>
+            <p:spPr bwMode="auto">
+              <a:xfrm>
+                <a:off x="210721" y="1971841"/>
+                <a:ext cx="3878183" cy="4248472"/>
+              </a:xfrm>
+              <a:prstGeom prst="rect">
+                <a:avLst/>
+              </a:prstGeom>
+              <a:blipFill>
+                <a:blip r:embed="rId4"/>
+                <a:stretch>
+                  <a:fillRect t="-861" r="-1415"/>
+                </a:stretch>
+              </a:blipFill>
+              <a:ln>
+                <a:noFill/>
+              </a:ln>
+              <a:extLst>
+                <a:ext uri="{909E8E84-426E-40dd-AFC4-6F175D3DCCD1}">
+                  <a14:hiddenFill xmlns:a14="http://schemas.microsoft.com/office/drawing/2010/main" xmlns="">
+                    <a:solidFill>
+                      <a:srgbClr val="FFFFFF"/>
+                    </a:solidFill>
+                  </a14:hiddenFill>
+                </a:ext>
+                <a:ext uri="{91240B29-F687-4f45-9708-019B960494DF}">
+                  <a14:hiddenLine xmlns:a14="http://schemas.microsoft.com/office/drawing/2010/main" xmlns="" w="9525">
+                    <a:solidFill>
+                      <a:srgbClr val="000000"/>
+                    </a:solidFill>
+                    <a:miter lim="800000"/>
+                    <a:headEnd/>
+                    <a:tailEnd/>
+                  </a14:hiddenLine>
+                </a:ext>
+                <a:ext uri="{FAA26D3D-D897-4be2-8F04-BA451C77F1D7}">
+                  <ma14:placeholderFlag xmlns:ma14="http://schemas.microsoft.com/office/mac/drawingml/2011/main" xmlns="" val="1"/>
+                </a:ext>
+              </a:extLst>
+            </p:spPr>
+            <p:txBody>
+              <a:bodyPr/>
+              <a:lstStyle/>
+              <a:p>
+                <a:r>
+                  <a:rPr lang="en-ZA">
+                    <a:noFill/>
+                  </a:rPr>
+                  <a:t> </a:t>
+                </a:r>
+              </a:p>
+            </p:txBody>
+          </p:sp>
+        </mc:Fallback>
+      </mc:AlternateContent>
+    </p:spTree>
+    <p:extLst>
+      <p:ext uri="{BB962C8B-B14F-4D97-AF65-F5344CB8AC3E}">
+        <p14:creationId xmlns:p14="http://schemas.microsoft.com/office/powerpoint/2010/main" val="2517507658"/>
+      </p:ext>
+    </p:extLst>
+  </p:cSld>
+  <p:clrMapOvr>
+    <a:masterClrMapping/>
+  </p:clrMapOvr>
+  <p:timing>
+    <p:tnLst>
+      <p:par>
+        <p:cTn id="1" dur="indefinite" restart="never" nodeType="tmRoot"/>
+      </p:par>
+    </p:tnLst>
+  </p:timing>
+</p:sld>
+</file>
+
+<file path=ppt/slides/slide12.xml><?xml version="1.0" encoding="utf-8"?>
+<p:sld xmlns:a="http://schemas.openxmlformats.org/drawingml/2006/main" xmlns:r="http://schemas.openxmlformats.org/officeDocument/2006/relationships" xmlns:p="http://schemas.openxmlformats.org/presentationml/2006/main">
+  <p:cSld>
+    <p:spTree>
+      <p:nvGrpSpPr>
+        <p:cNvPr id="1" name=""/>
+        <p:cNvGrpSpPr/>
+        <p:nvPr/>
+      </p:nvGrpSpPr>
+      <p:grpSpPr>
+        <a:xfrm>
+          <a:off x="0" y="0"/>
+          <a:ext cx="0" cy="0"/>
+          <a:chOff x="0" y="0"/>
+          <a:chExt cx="0" cy="0"/>
+        </a:xfrm>
+      </p:grpSpPr>
+      <p:sp>
+        <p:nvSpPr>
+          <p:cNvPr id="2" name="Title 1"/>
+          <p:cNvSpPr>
+            <a:spLocks noGrp="1"/>
+          </p:cNvSpPr>
+          <p:nvPr>
+            <p:ph type="title"/>
+          </p:nvPr>
+        </p:nvSpPr>
+        <p:spPr/>
+        <p:txBody>
+          <a:bodyPr/>
+          <a:lstStyle/>
+          <a:p>
+            <a:r>
+              <a:rPr lang="en-ZA" dirty="0" smtClean="0"/>
+              <a:t>Results: Hardware</a:t>
+            </a:r>
+            <a:endParaRPr lang="en-ZA" dirty="0"/>
+          </a:p>
+        </p:txBody>
+      </p:sp>
+      <p:pic>
+        <p:nvPicPr>
+          <p:cNvPr id="5" name="Content Placeholder 4"/>
+          <p:cNvPicPr>
+            <a:picLocks noGrp="1" noChangeAspect="1"/>
+          </p:cNvPicPr>
+          <p:nvPr>
+            <p:ph idx="1"/>
+          </p:nvPr>
+        </p:nvPicPr>
+        <p:blipFill>
+          <a:blip r:embed="rId2">
+            <a:extLst>
+              <a:ext uri="{28A0092B-C50C-407E-A947-70E740481C1C}">
+                <a14:useLocalDpi xmlns:a14="http://schemas.microsoft.com/office/drawing/2010/main" val="0"/>
+              </a:ext>
+            </a:extLst>
+          </a:blip>
+          <a:stretch>
+            <a:fillRect/>
+          </a:stretch>
+        </p:blipFill>
+        <p:spPr>
+          <a:xfrm>
+            <a:off x="3494477" y="2420888"/>
+            <a:ext cx="6411523" cy="3786153"/>
+          </a:xfrm>
+        </p:spPr>
+      </p:pic>
+      <p:sp>
+        <p:nvSpPr>
+          <p:cNvPr id="4" name="Slide Number Placeholder 3"/>
+          <p:cNvSpPr>
+            <a:spLocks noGrp="1"/>
+          </p:cNvSpPr>
+          <p:nvPr>
+            <p:ph type="sldNum" sz="quarter" idx="10"/>
+          </p:nvPr>
+        </p:nvSpPr>
+        <p:spPr/>
+        <p:txBody>
+          <a:bodyPr/>
+          <a:lstStyle/>
+          <a:p>
+            <a:fld id="{960946CE-1557-8048-9DCC-53092B682325}" type="slidenum">
+              <a:rPr lang="en-US" smtClean="0"/>
+              <a:t>12</a:t>
+            </a:fld>
+            <a:endParaRPr lang="en-US" dirty="0"/>
           </a:p>
         </p:txBody>
       </p:sp>
       <p:sp>
         <p:nvSpPr>
-          <p:cNvPr id="11" name="Content Placeholder 2"/>
+          <p:cNvPr id="6" name="Content Placeholder 2"/>
           <p:cNvSpPr txBox="1">
             <a:spLocks/>
           </p:cNvSpPr>
@@ -4556,8 +5144,8 @@
         </p:nvSpPr>
         <p:spPr bwMode="auto">
           <a:xfrm>
-            <a:off x="210721" y="1971841"/>
-            <a:ext cx="3878183" cy="4248472"/>
+            <a:off x="210721" y="1755805"/>
+            <a:ext cx="8846735" cy="1025123"/>
           </a:xfrm>
           <a:prstGeom prst="rect">
             <a:avLst/>
@@ -4568,14 +5156,14 @@
           </a:ln>
           <a:extLst>
             <a:ext uri="{909E8E84-426E-40dd-AFC4-6F175D3DCCD1}">
-              <a14:hiddenFill xmlns:a14="http://schemas.microsoft.com/office/drawing/2010/main">
+              <a14:hiddenFill xmlns:a14="http://schemas.microsoft.com/office/drawing/2010/main" xmlns="">
                 <a:solidFill>
                   <a:srgbClr val="FFFFFF"/>
                 </a:solidFill>
               </a14:hiddenFill>
             </a:ext>
             <a:ext uri="{91240B29-F687-4f45-9708-019B960494DF}">
-              <a14:hiddenLine xmlns:a14="http://schemas.microsoft.com/office/drawing/2010/main" w="9525">
+              <a14:hiddenLine xmlns:a14="http://schemas.microsoft.com/office/drawing/2010/main" xmlns="" w="9525">
                 <a:solidFill>
                   <a:srgbClr val="000000"/>
                 </a:solidFill>
@@ -4585,7 +5173,7 @@
               </a14:hiddenLine>
             </a:ext>
             <a:ext uri="{FAA26D3D-D897-4be2-8F04-BA451C77F1D7}">
-              <ma14:placeholderFlag xmlns:ma14="http://schemas.microsoft.com/office/mac/drawingml/2011/main" val="1"/>
+              <ma14:placeholderFlag xmlns:ma14="http://schemas.microsoft.com/office/mac/drawingml/2011/main" xmlns="" val="1"/>
             </a:ext>
           </a:extLst>
         </p:spPr>
@@ -4814,36 +5402,38 @@
           <a:p>
             <a:r>
               <a:rPr lang="en-ZA" kern="0" dirty="0" smtClean="0"/>
-              <a:t>Most precise steering at 3.15 kHz</a:t>
+              <a:t>Input sound frequency: 3.15 kHz</a:t>
             </a:r>
           </a:p>
           <a:p>
             <a:r>
               <a:rPr lang="en-ZA" kern="0" dirty="0" smtClean="0"/>
-              <a:t>Spatial aliasing </a:t>
+              <a:t>Error caused by                                                  interaction of                                                                 stop-bands</a:t>
             </a:r>
           </a:p>
           <a:p>
             <a:pPr lvl="1"/>
+            <a:r>
+              <a:rPr lang="en-ZA" kern="0" dirty="0" smtClean="0"/>
+              <a:t>Due to filter                                                                               order</a:t>
+            </a:r>
             <a:endParaRPr lang="en-ZA" kern="0" dirty="0" smtClean="0"/>
           </a:p>
           <a:p>
-            <a:pPr lvl="1"/>
+            <a:pPr marL="190500" indent="0">
+              <a:buNone/>
+            </a:pPr>
             <a:endParaRPr lang="en-ZA" kern="0" dirty="0" smtClean="0"/>
           </a:p>
           <a:p>
-            <a:pPr lvl="1"/>
-            <a:r>
-              <a:rPr lang="en-ZA" kern="0" dirty="0" smtClean="0"/>
-              <a:t>= wavelength of maximum frequency</a:t>
-            </a:r>
+            <a:endParaRPr lang="en-ZA" kern="0" dirty="0" smtClean="0"/>
           </a:p>
         </p:txBody>
       </p:sp>
     </p:spTree>
     <p:extLst>
       <p:ext uri="{BB962C8B-B14F-4D97-AF65-F5344CB8AC3E}">
-        <p14:creationId xmlns:p14="http://schemas.microsoft.com/office/powerpoint/2010/main" val="2517507658"/>
+        <p14:creationId xmlns:p14="http://schemas.microsoft.com/office/powerpoint/2010/main" val="16925167"/>
       </p:ext>
     </p:extLst>
   </p:cSld>
@@ -4853,14 +5443,14 @@
   <p:timing>
     <p:tnLst>
       <p:par>
-        <p:cTn xmlns:p14="http://schemas.microsoft.com/office/powerpoint/2010/main" id="1" dur="indefinite" restart="never" nodeType="tmRoot"/>
+        <p:cTn id="1" dur="indefinite" restart="never" nodeType="tmRoot"/>
       </p:par>
     </p:tnLst>
   </p:timing>
 </p:sld>
 </file>
 
-<file path=ppt/slides/slide12.xml><?xml version="1.0" encoding="utf-8"?>
+<file path=ppt/slides/slide13.xml><?xml version="1.0" encoding="utf-8"?>
 <p:sld xmlns:a="http://schemas.openxmlformats.org/drawingml/2006/main" xmlns:r="http://schemas.openxmlformats.org/officeDocument/2006/relationships" xmlns:p="http://schemas.openxmlformats.org/presentationml/2006/main">
   <p:cSld>
     <p:spTree>
@@ -4924,8 +5514,8 @@
         </p:blipFill>
         <p:spPr>
           <a:xfrm>
-            <a:off x="3600792" y="2780928"/>
-            <a:ext cx="5801826" cy="3426113"/>
+            <a:off x="6668630" y="1891384"/>
+            <a:ext cx="3237370" cy="3083942"/>
           </a:xfrm>
         </p:spPr>
       </p:pic>
@@ -4946,15 +5536,117 @@
           <a:p>
             <a:fld id="{960946CE-1557-8048-9DCC-53092B682325}" type="slidenum">
               <a:rPr lang="en-US" smtClean="0"/>
-              <a:t>12</a:t>
+              <a:t>13</a:t>
             </a:fld>
             <a:endParaRPr lang="en-US" dirty="0"/>
+          </a:p>
+        </p:txBody>
+      </p:sp>
+      <p:pic>
+        <p:nvPicPr>
+          <p:cNvPr id="6" name="Picture 5"/>
+          <p:cNvPicPr>
+            <a:picLocks noChangeAspect="1"/>
+          </p:cNvPicPr>
+          <p:nvPr/>
+        </p:nvPicPr>
+        <p:blipFill>
+          <a:blip r:embed="rId3">
+            <a:extLst>
+              <a:ext uri="{28A0092B-C50C-407E-A947-70E740481C1C}">
+                <a14:useLocalDpi xmlns:a14="http://schemas.microsoft.com/office/drawing/2010/main" val="0"/>
+              </a:ext>
+            </a:extLst>
+          </a:blip>
+          <a:stretch>
+            <a:fillRect/>
+          </a:stretch>
+        </p:blipFill>
+        <p:spPr>
+          <a:xfrm>
+            <a:off x="3607795" y="1861603"/>
+            <a:ext cx="3224808" cy="3083942"/>
+          </a:xfrm>
+          <a:prstGeom prst="rect">
+            <a:avLst/>
+          </a:prstGeom>
+        </p:spPr>
+      </p:pic>
+      <p:sp>
+        <p:nvSpPr>
+          <p:cNvPr id="9" name="TextBox 8"/>
+          <p:cNvSpPr txBox="1"/>
+          <p:nvPr/>
+        </p:nvSpPr>
+        <p:spPr>
+          <a:xfrm>
+            <a:off x="7977336" y="4931163"/>
+            <a:ext cx="2376264" cy="461665"/>
+          </a:xfrm>
+          <a:prstGeom prst="rect">
+            <a:avLst/>
+          </a:prstGeom>
+          <a:noFill/>
+        </p:spPr>
+        <p:txBody>
+          <a:bodyPr wrap="square" rtlCol="0">
+            <a:spAutoFit/>
+          </a:bodyPr>
+          <a:lstStyle/>
+          <a:p>
+            <a:r>
+              <a:rPr lang="en-ZA" sz="2400" b="1" dirty="0" smtClean="0">
+                <a:latin typeface="+mj-lt"/>
+                <a:cs typeface="Times New Roman" panose="02020603050405020304" pitchFamily="18" charset="0"/>
+              </a:rPr>
+              <a:t>90°</a:t>
+            </a:r>
+            <a:endParaRPr lang="en-ZA" sz="2400" b="1" dirty="0">
+              <a:latin typeface="+mj-lt"/>
+              <a:cs typeface="Times New Roman" panose="02020603050405020304" pitchFamily="18" charset="0"/>
+            </a:endParaRPr>
           </a:p>
         </p:txBody>
       </p:sp>
       <p:sp>
         <p:nvSpPr>
-          <p:cNvPr id="6" name="Content Placeholder 2"/>
+          <p:cNvPr id="10" name="TextBox 9"/>
+          <p:cNvSpPr txBox="1"/>
+          <p:nvPr/>
+        </p:nvSpPr>
+        <p:spPr>
+          <a:xfrm>
+            <a:off x="4804905" y="4885983"/>
+            <a:ext cx="2376264" cy="461665"/>
+          </a:xfrm>
+          <a:prstGeom prst="rect">
+            <a:avLst/>
+          </a:prstGeom>
+          <a:noFill/>
+        </p:spPr>
+        <p:txBody>
+          <a:bodyPr wrap="square" rtlCol="0">
+            <a:spAutoFit/>
+          </a:bodyPr>
+          <a:lstStyle/>
+          <a:p>
+            <a:r>
+              <a:rPr lang="en-ZA" sz="2400" b="1" dirty="0" smtClean="0">
+                <a:latin typeface="+mj-lt"/>
+                <a:cs typeface="Times New Roman" panose="02020603050405020304" pitchFamily="18" charset="0"/>
+              </a:rPr>
+              <a:t>60°</a:t>
+            </a:r>
+            <a:endParaRPr lang="en-ZA" sz="2400" b="1" dirty="0">
+              <a:latin typeface="+mj-lt"/>
+              <a:cs typeface="Times New Roman" panose="02020603050405020304" pitchFamily="18" charset="0"/>
+            </a:endParaRPr>
+          </a:p>
+        </p:txBody>
+      </p:sp>
+      <p:sp>
+        <p:nvSpPr>
+          <p:cNvPr id="12" name="Content Placeholder 2"/>
           <p:cNvSpPr txBox="1">
             <a:spLocks/>
           </p:cNvSpPr>
@@ -4962,8 +5654,8 @@
         </p:nvSpPr>
         <p:spPr bwMode="auto">
           <a:xfrm>
-            <a:off x="210721" y="1755805"/>
-            <a:ext cx="8846735" cy="1025123"/>
+            <a:off x="210721" y="1971841"/>
+            <a:ext cx="4146584" cy="4248472"/>
           </a:xfrm>
           <a:prstGeom prst="rect">
             <a:avLst/>
@@ -4974,14 +5666,14 @@
           </a:ln>
           <a:extLst>
             <a:ext uri="{909E8E84-426E-40dd-AFC4-6F175D3DCCD1}">
-              <a14:hiddenFill xmlns:a14="http://schemas.microsoft.com/office/drawing/2010/main">
+              <a14:hiddenFill xmlns:a14="http://schemas.microsoft.com/office/drawing/2010/main" xmlns="">
                 <a:solidFill>
                   <a:srgbClr val="FFFFFF"/>
                 </a:solidFill>
               </a14:hiddenFill>
             </a:ext>
             <a:ext uri="{91240B29-F687-4f45-9708-019B960494DF}">
-              <a14:hiddenLine xmlns:a14="http://schemas.microsoft.com/office/drawing/2010/main" w="9525">
+              <a14:hiddenLine xmlns:a14="http://schemas.microsoft.com/office/drawing/2010/main" xmlns="" w="9525">
                 <a:solidFill>
                   <a:srgbClr val="000000"/>
                 </a:solidFill>
@@ -4991,7 +5683,7 @@
               </a14:hiddenLine>
             </a:ext>
             <a:ext uri="{FAA26D3D-D897-4be2-8F04-BA451C77F1D7}">
-              <ma14:placeholderFlag xmlns:ma14="http://schemas.microsoft.com/office/mac/drawingml/2011/main" val="1"/>
+              <ma14:placeholderFlag xmlns:ma14="http://schemas.microsoft.com/office/mac/drawingml/2011/main" xmlns="" val="1"/>
             </a:ext>
           </a:extLst>
         </p:spPr>
@@ -5220,521 +5912,6 @@
           <a:p>
             <a:r>
               <a:rPr lang="en-ZA" kern="0" dirty="0" smtClean="0"/>
-              <a:t>Input sound frequency: 3.15 kHz</a:t>
-            </a:r>
-          </a:p>
-          <a:p>
-            <a:r>
-              <a:rPr lang="en-ZA" kern="0" dirty="0" smtClean="0"/>
-              <a:t>Effects of amplification of one band are seen across the frequency                                                                  spectrum</a:t>
-            </a:r>
-          </a:p>
-          <a:p>
-            <a:pPr lvl="1"/>
-            <a:r>
-              <a:rPr lang="en-ZA" kern="0" dirty="0" smtClean="0"/>
-              <a:t>Filter order</a:t>
-            </a:r>
-          </a:p>
-          <a:p>
-            <a:r>
-              <a:rPr lang="en-ZA" kern="0" dirty="0" smtClean="0"/>
-              <a:t>Error caused by                                                    interaction of                                                                 stop-bands</a:t>
-            </a:r>
-          </a:p>
-          <a:p>
-            <a:pPr marL="190500" indent="0">
-              <a:buNone/>
-            </a:pPr>
-            <a:endParaRPr lang="en-ZA" kern="0" dirty="0" smtClean="0"/>
-          </a:p>
-          <a:p>
-            <a:endParaRPr lang="en-ZA" kern="0" dirty="0" smtClean="0"/>
-          </a:p>
-        </p:txBody>
-      </p:sp>
-    </p:spTree>
-    <p:extLst>
-      <p:ext uri="{BB962C8B-B14F-4D97-AF65-F5344CB8AC3E}">
-        <p14:creationId xmlns:p14="http://schemas.microsoft.com/office/powerpoint/2010/main" val="16925167"/>
-      </p:ext>
-    </p:extLst>
-  </p:cSld>
-  <p:clrMapOvr>
-    <a:masterClrMapping/>
-  </p:clrMapOvr>
-  <p:timing>
-    <p:tnLst>
-      <p:par>
-        <p:cTn xmlns:p14="http://schemas.microsoft.com/office/powerpoint/2010/main" id="1" dur="indefinite" restart="never" nodeType="tmRoot"/>
-      </p:par>
-    </p:tnLst>
-  </p:timing>
-</p:sld>
-</file>
-
-<file path=ppt/slides/slide13.xml><?xml version="1.0" encoding="utf-8"?>
-<p:sld xmlns:a="http://schemas.openxmlformats.org/drawingml/2006/main" xmlns:r="http://schemas.openxmlformats.org/officeDocument/2006/relationships" xmlns:p="http://schemas.openxmlformats.org/presentationml/2006/main">
-  <p:cSld>
-    <p:spTree>
-      <p:nvGrpSpPr>
-        <p:cNvPr id="1" name=""/>
-        <p:cNvGrpSpPr/>
-        <p:nvPr/>
-      </p:nvGrpSpPr>
-      <p:grpSpPr>
-        <a:xfrm>
-          <a:off x="0" y="0"/>
-          <a:ext cx="0" cy="0"/>
-          <a:chOff x="0" y="0"/>
-          <a:chExt cx="0" cy="0"/>
-        </a:xfrm>
-      </p:grpSpPr>
-      <p:sp>
-        <p:nvSpPr>
-          <p:cNvPr id="2" name="Title 1"/>
-          <p:cNvSpPr>
-            <a:spLocks noGrp="1"/>
-          </p:cNvSpPr>
-          <p:nvPr>
-            <p:ph type="title"/>
-          </p:nvPr>
-        </p:nvSpPr>
-        <p:spPr/>
-        <p:txBody>
-          <a:bodyPr/>
-          <a:lstStyle/>
-          <a:p>
-            <a:r>
-              <a:rPr lang="en-ZA" dirty="0" smtClean="0"/>
-              <a:t>Results: Hardware</a:t>
-            </a:r>
-            <a:endParaRPr lang="en-ZA" dirty="0"/>
-          </a:p>
-        </p:txBody>
-      </p:sp>
-      <p:pic>
-        <p:nvPicPr>
-          <p:cNvPr id="5" name="Content Placeholder 4"/>
-          <p:cNvPicPr>
-            <a:picLocks noGrp="1" noChangeAspect="1"/>
-          </p:cNvPicPr>
-          <p:nvPr>
-            <p:ph idx="1"/>
-          </p:nvPr>
-        </p:nvPicPr>
-        <p:blipFill>
-          <a:blip r:embed="rId2">
-            <a:extLst>
-              <a:ext uri="{28A0092B-C50C-407E-A947-70E740481C1C}">
-                <a14:useLocalDpi xmlns:a14="http://schemas.microsoft.com/office/drawing/2010/main" val="0"/>
-              </a:ext>
-            </a:extLst>
-          </a:blip>
-          <a:stretch>
-            <a:fillRect/>
-          </a:stretch>
-        </p:blipFill>
-        <p:spPr>
-          <a:xfrm>
-            <a:off x="6668630" y="1891384"/>
-            <a:ext cx="3237370" cy="3083942"/>
-          </a:xfrm>
-        </p:spPr>
-      </p:pic>
-      <p:sp>
-        <p:nvSpPr>
-          <p:cNvPr id="4" name="Slide Number Placeholder 3"/>
-          <p:cNvSpPr>
-            <a:spLocks noGrp="1"/>
-          </p:cNvSpPr>
-          <p:nvPr>
-            <p:ph type="sldNum" sz="quarter" idx="10"/>
-          </p:nvPr>
-        </p:nvSpPr>
-        <p:spPr/>
-        <p:txBody>
-          <a:bodyPr/>
-          <a:lstStyle/>
-          <a:p>
-            <a:fld id="{960946CE-1557-8048-9DCC-53092B682325}" type="slidenum">
-              <a:rPr lang="en-US" smtClean="0"/>
-              <a:t>13</a:t>
-            </a:fld>
-            <a:endParaRPr lang="en-US" dirty="0"/>
-          </a:p>
-        </p:txBody>
-      </p:sp>
-      <p:pic>
-        <p:nvPicPr>
-          <p:cNvPr id="6" name="Picture 5"/>
-          <p:cNvPicPr>
-            <a:picLocks noChangeAspect="1"/>
-          </p:cNvPicPr>
-          <p:nvPr/>
-        </p:nvPicPr>
-        <p:blipFill>
-          <a:blip r:embed="rId3">
-            <a:extLst>
-              <a:ext uri="{28A0092B-C50C-407E-A947-70E740481C1C}">
-                <a14:useLocalDpi xmlns:a14="http://schemas.microsoft.com/office/drawing/2010/main" val="0"/>
-              </a:ext>
-            </a:extLst>
-          </a:blip>
-          <a:stretch>
-            <a:fillRect/>
-          </a:stretch>
-        </p:blipFill>
-        <p:spPr>
-          <a:xfrm>
-            <a:off x="3607795" y="1861603"/>
-            <a:ext cx="3224808" cy="3083942"/>
-          </a:xfrm>
-          <a:prstGeom prst="rect">
-            <a:avLst/>
-          </a:prstGeom>
-        </p:spPr>
-      </p:pic>
-      <p:sp>
-        <p:nvSpPr>
-          <p:cNvPr id="9" name="TextBox 8"/>
-          <p:cNvSpPr txBox="1"/>
-          <p:nvPr/>
-        </p:nvSpPr>
-        <p:spPr>
-          <a:xfrm>
-            <a:off x="7977336" y="4931163"/>
-            <a:ext cx="2376264" cy="584775"/>
-          </a:xfrm>
-          <a:prstGeom prst="rect">
-            <a:avLst/>
-          </a:prstGeom>
-          <a:noFill/>
-        </p:spPr>
-        <p:txBody>
-          <a:bodyPr wrap="square" rtlCol="0">
-            <a:spAutoFit/>
-          </a:bodyPr>
-          <a:lstStyle/>
-          <a:p>
-            <a:r>
-              <a:rPr lang="en-ZA" sz="3200" dirty="0" smtClean="0">
-                <a:latin typeface="Times New Roman" panose="02020603050405020304" pitchFamily="18" charset="0"/>
-                <a:cs typeface="Times New Roman" panose="02020603050405020304" pitchFamily="18" charset="0"/>
-              </a:rPr>
-              <a:t>90°</a:t>
-            </a:r>
-            <a:endParaRPr lang="en-ZA" sz="3200" dirty="0">
-              <a:latin typeface="Times New Roman" panose="02020603050405020304" pitchFamily="18" charset="0"/>
-              <a:cs typeface="Times New Roman" panose="02020603050405020304" pitchFamily="18" charset="0"/>
-            </a:endParaRPr>
-          </a:p>
-        </p:txBody>
-      </p:sp>
-      <p:sp>
-        <p:nvSpPr>
-          <p:cNvPr id="10" name="TextBox 9"/>
-          <p:cNvSpPr txBox="1"/>
-          <p:nvPr/>
-        </p:nvSpPr>
-        <p:spPr>
-          <a:xfrm>
-            <a:off x="4804905" y="4885983"/>
-            <a:ext cx="2376264" cy="584775"/>
-          </a:xfrm>
-          <a:prstGeom prst="rect">
-            <a:avLst/>
-          </a:prstGeom>
-          <a:noFill/>
-        </p:spPr>
-        <p:txBody>
-          <a:bodyPr wrap="square" rtlCol="0">
-            <a:spAutoFit/>
-          </a:bodyPr>
-          <a:lstStyle/>
-          <a:p>
-            <a:r>
-              <a:rPr lang="en-ZA" sz="3200" dirty="0" smtClean="0">
-                <a:latin typeface="Times New Roman" panose="02020603050405020304" pitchFamily="18" charset="0"/>
-                <a:cs typeface="Times New Roman" panose="02020603050405020304" pitchFamily="18" charset="0"/>
-              </a:rPr>
-              <a:t>60°</a:t>
-            </a:r>
-            <a:endParaRPr lang="en-ZA" sz="3200" dirty="0">
-              <a:latin typeface="Times New Roman" panose="02020603050405020304" pitchFamily="18" charset="0"/>
-              <a:cs typeface="Times New Roman" panose="02020603050405020304" pitchFamily="18" charset="0"/>
-            </a:endParaRPr>
-          </a:p>
-        </p:txBody>
-      </p:sp>
-      <p:sp>
-        <p:nvSpPr>
-          <p:cNvPr id="12" name="Content Placeholder 2"/>
-          <p:cNvSpPr txBox="1">
-            <a:spLocks/>
-          </p:cNvSpPr>
-          <p:nvPr/>
-        </p:nvSpPr>
-        <p:spPr bwMode="auto">
-          <a:xfrm>
-            <a:off x="210721" y="1971841"/>
-            <a:ext cx="4146584" cy="4248472"/>
-          </a:xfrm>
-          <a:prstGeom prst="rect">
-            <a:avLst/>
-          </a:prstGeom>
-          <a:noFill/>
-          <a:ln>
-            <a:noFill/>
-          </a:ln>
-          <a:extLst>
-            <a:ext uri="{909E8E84-426E-40dd-AFC4-6F175D3DCCD1}">
-              <a14:hiddenFill xmlns:a14="http://schemas.microsoft.com/office/drawing/2010/main">
-                <a:solidFill>
-                  <a:srgbClr val="FFFFFF"/>
-                </a:solidFill>
-              </a14:hiddenFill>
-            </a:ext>
-            <a:ext uri="{91240B29-F687-4f45-9708-019B960494DF}">
-              <a14:hiddenLine xmlns:a14="http://schemas.microsoft.com/office/drawing/2010/main" w="9525">
-                <a:solidFill>
-                  <a:srgbClr val="000000"/>
-                </a:solidFill>
-                <a:miter lim="800000"/>
-                <a:headEnd/>
-                <a:tailEnd/>
-              </a14:hiddenLine>
-            </a:ext>
-            <a:ext uri="{FAA26D3D-D897-4be2-8F04-BA451C77F1D7}">
-              <ma14:placeholderFlag xmlns:ma14="http://schemas.microsoft.com/office/mac/drawingml/2011/main" val="1"/>
-            </a:ext>
-          </a:extLst>
-        </p:spPr>
-        <p:txBody>
-          <a:bodyPr vert="horz" wrap="square" lIns="92075" tIns="46038" rIns="92075" bIns="46038" numCol="1" anchor="t" anchorCtr="0" compatLnSpc="1">
-            <a:prstTxWarp prst="textNoShape">
-              <a:avLst/>
-            </a:prstTxWarp>
-          </a:bodyPr>
-          <a:lstStyle>
-            <a:lvl1pPr marL="762000" indent="-571500" algn="l" defTabSz="762000" rtl="0" eaLnBrk="1" fontAlgn="base" hangingPunct="1">
-              <a:spcBef>
-                <a:spcPct val="70000"/>
-              </a:spcBef>
-              <a:spcAft>
-                <a:spcPct val="0"/>
-              </a:spcAft>
-              <a:buClr>
-                <a:srgbClr val="154E7E"/>
-              </a:buClr>
-              <a:buSzPct val="100000"/>
-              <a:buFont typeface="Wingdings" charset="0"/>
-              <a:buChar char="l"/>
-              <a:defRPr sz="2400" b="1">
-                <a:solidFill>
-                  <a:schemeClr val="tx1"/>
-                </a:solidFill>
-                <a:latin typeface="+mn-lt"/>
-                <a:ea typeface="MS PGothic" panose="020B0600070205080204" pitchFamily="34" charset="-128"/>
-                <a:cs typeface="MS PGothic" charset="0"/>
-              </a:defRPr>
-            </a:lvl1pPr>
-            <a:lvl2pPr marL="1524000" indent="-381000" algn="l" defTabSz="762000" rtl="0" eaLnBrk="1" fontAlgn="base" hangingPunct="1">
-              <a:lnSpc>
-                <a:spcPct val="90000"/>
-              </a:lnSpc>
-              <a:spcBef>
-                <a:spcPct val="30000"/>
-              </a:spcBef>
-              <a:spcAft>
-                <a:spcPct val="0"/>
-              </a:spcAft>
-              <a:buClr>
-                <a:srgbClr val="154E7E"/>
-              </a:buClr>
-              <a:buSzPct val="100000"/>
-              <a:buFont typeface="Wingdings" charset="0"/>
-              <a:buChar char="Ø"/>
-              <a:defRPr sz="2000" b="1">
-                <a:solidFill>
-                  <a:schemeClr val="tx1"/>
-                </a:solidFill>
-                <a:latin typeface="+mn-lt"/>
-                <a:ea typeface="MS PGothic" panose="020B0600070205080204" pitchFamily="34" charset="-128"/>
-                <a:cs typeface="MS PGothic" charset="0"/>
-              </a:defRPr>
-            </a:lvl2pPr>
-            <a:lvl3pPr marL="2190750" indent="-285750" algn="l" defTabSz="762000" rtl="0" eaLnBrk="1" fontAlgn="base" hangingPunct="1">
-              <a:lnSpc>
-                <a:spcPct val="90000"/>
-              </a:lnSpc>
-              <a:spcBef>
-                <a:spcPct val="30000"/>
-              </a:spcBef>
-              <a:spcAft>
-                <a:spcPct val="0"/>
-              </a:spcAft>
-              <a:buClr>
-                <a:srgbClr val="154E7E"/>
-              </a:buClr>
-              <a:buSzPct val="100000"/>
-              <a:buFont typeface="Wingdings" charset="0"/>
-              <a:buChar char="§"/>
-              <a:defRPr b="1">
-                <a:solidFill>
-                  <a:schemeClr val="tx1"/>
-                </a:solidFill>
-                <a:latin typeface="+mn-lt"/>
-                <a:ea typeface="MS PGothic" panose="020B0600070205080204" pitchFamily="34" charset="-128"/>
-                <a:cs typeface="MS PGothic" charset="0"/>
-              </a:defRPr>
-            </a:lvl3pPr>
-            <a:lvl4pPr marL="2647950" indent="-171450" algn="l" defTabSz="762000" rtl="0" eaLnBrk="1" fontAlgn="base" hangingPunct="1">
-              <a:lnSpc>
-                <a:spcPct val="90000"/>
-              </a:lnSpc>
-              <a:spcBef>
-                <a:spcPct val="30000"/>
-              </a:spcBef>
-              <a:spcAft>
-                <a:spcPct val="0"/>
-              </a:spcAft>
-              <a:buClr>
-                <a:srgbClr val="FAFD00"/>
-              </a:buClr>
-              <a:buSzPct val="100000"/>
-              <a:buFont typeface="Arial" charset="0"/>
-              <a:buChar char="•"/>
-              <a:defRPr sz="1400" b="1">
-                <a:solidFill>
-                  <a:schemeClr val="tx1"/>
-                </a:solidFill>
-                <a:latin typeface="+mn-lt"/>
-                <a:ea typeface="MS PGothic" panose="020B0600070205080204" pitchFamily="34" charset="-128"/>
-                <a:cs typeface="MS PGothic" charset="0"/>
-              </a:defRPr>
-            </a:lvl4pPr>
-            <a:lvl5pPr marL="3009900" indent="-171450" algn="l" defTabSz="762000" rtl="0" eaLnBrk="1" fontAlgn="base" hangingPunct="1">
-              <a:lnSpc>
-                <a:spcPct val="90000"/>
-              </a:lnSpc>
-              <a:spcBef>
-                <a:spcPct val="30000"/>
-              </a:spcBef>
-              <a:spcAft>
-                <a:spcPct val="0"/>
-              </a:spcAft>
-              <a:buClr>
-                <a:srgbClr val="FAFD00"/>
-              </a:buClr>
-              <a:buSzPct val="100000"/>
-              <a:buFont typeface="Arial" charset="0"/>
-              <a:buChar char="•"/>
-              <a:defRPr sz="1400" b="1">
-                <a:solidFill>
-                  <a:schemeClr val="tx1"/>
-                </a:solidFill>
-                <a:latin typeface="+mn-lt"/>
-                <a:ea typeface="MS PGothic" panose="020B0600070205080204" pitchFamily="34" charset="-128"/>
-                <a:cs typeface="MS PGothic" charset="0"/>
-              </a:defRPr>
-            </a:lvl5pPr>
-            <a:lvl6pPr marL="3467100" indent="-171450" algn="l" defTabSz="762000" rtl="0" eaLnBrk="1" fontAlgn="base" hangingPunct="1">
-              <a:lnSpc>
-                <a:spcPct val="90000"/>
-              </a:lnSpc>
-              <a:spcBef>
-                <a:spcPct val="30000"/>
-              </a:spcBef>
-              <a:spcAft>
-                <a:spcPct val="0"/>
-              </a:spcAft>
-              <a:buClr>
-                <a:srgbClr val="FAFD00"/>
-              </a:buClr>
-              <a:buSzPct val="100000"/>
-              <a:buFont typeface="Arial" charset="0"/>
-              <a:buChar char="•"/>
-              <a:defRPr sz="1400" b="1">
-                <a:solidFill>
-                  <a:schemeClr val="tx1"/>
-                </a:solidFill>
-                <a:latin typeface="+mn-lt"/>
-              </a:defRPr>
-            </a:lvl6pPr>
-            <a:lvl7pPr marL="3924300" indent="-171450" algn="l" defTabSz="762000" rtl="0" eaLnBrk="1" fontAlgn="base" hangingPunct="1">
-              <a:lnSpc>
-                <a:spcPct val="90000"/>
-              </a:lnSpc>
-              <a:spcBef>
-                <a:spcPct val="30000"/>
-              </a:spcBef>
-              <a:spcAft>
-                <a:spcPct val="0"/>
-              </a:spcAft>
-              <a:buClr>
-                <a:srgbClr val="FAFD00"/>
-              </a:buClr>
-              <a:buSzPct val="100000"/>
-              <a:buFont typeface="Arial" charset="0"/>
-              <a:buChar char="•"/>
-              <a:defRPr sz="1400" b="1">
-                <a:solidFill>
-                  <a:schemeClr val="tx1"/>
-                </a:solidFill>
-                <a:latin typeface="+mn-lt"/>
-              </a:defRPr>
-            </a:lvl7pPr>
-            <a:lvl8pPr marL="4381500" indent="-171450" algn="l" defTabSz="762000" rtl="0" eaLnBrk="1" fontAlgn="base" hangingPunct="1">
-              <a:lnSpc>
-                <a:spcPct val="90000"/>
-              </a:lnSpc>
-              <a:spcBef>
-                <a:spcPct val="30000"/>
-              </a:spcBef>
-              <a:spcAft>
-                <a:spcPct val="0"/>
-              </a:spcAft>
-              <a:buClr>
-                <a:srgbClr val="FAFD00"/>
-              </a:buClr>
-              <a:buSzPct val="100000"/>
-              <a:buFont typeface="Arial" charset="0"/>
-              <a:buChar char="•"/>
-              <a:defRPr sz="1400" b="1">
-                <a:solidFill>
-                  <a:schemeClr val="tx1"/>
-                </a:solidFill>
-                <a:latin typeface="+mn-lt"/>
-              </a:defRPr>
-            </a:lvl8pPr>
-            <a:lvl9pPr marL="4838700" indent="-171450" algn="l" defTabSz="762000" rtl="0" eaLnBrk="1" fontAlgn="base" hangingPunct="1">
-              <a:lnSpc>
-                <a:spcPct val="90000"/>
-              </a:lnSpc>
-              <a:spcBef>
-                <a:spcPct val="30000"/>
-              </a:spcBef>
-              <a:spcAft>
-                <a:spcPct val="0"/>
-              </a:spcAft>
-              <a:buClr>
-                <a:srgbClr val="FAFD00"/>
-              </a:buClr>
-              <a:buSzPct val="100000"/>
-              <a:buFont typeface="Arial" charset="0"/>
-              <a:buChar char="•"/>
-              <a:defRPr sz="1400" b="1">
-                <a:solidFill>
-                  <a:schemeClr val="tx1"/>
-                </a:solidFill>
-                <a:latin typeface="+mn-lt"/>
-              </a:defRPr>
-            </a:lvl9pPr>
-          </a:lstStyle>
-          <a:p>
-            <a:r>
-              <a:rPr lang="en-ZA" kern="0" dirty="0" smtClean="0"/>
               <a:t>Most accurate at 90°</a:t>
             </a:r>
             <a:endParaRPr lang="en-ZA" kern="0" dirty="0"/>
@@ -5780,7 +5957,7 @@
   <p:timing>
     <p:tnLst>
       <p:par>
-        <p:cTn xmlns:p14="http://schemas.microsoft.com/office/powerpoint/2010/main" id="1" dur="indefinite" restart="never" nodeType="tmRoot"/>
+        <p:cTn id="1" dur="indefinite" restart="never" nodeType="tmRoot"/>
       </p:par>
     </p:tnLst>
   </p:timing>
@@ -5853,25 +6030,31 @@
                 <a:tableStyleId>{5C22544A-7EE6-4342-B048-85BDC9FD1C3A}</a:tableStyleId>
               </a:tblPr>
               <a:tblGrid>
-                <a:gridCol w="2054210"/>
+                <a:gridCol w="2054210">
+                  <a:extLst>
+                    <a:ext uri="{9D8B030D-6E8A-4147-A177-3AD203B41FA5}">
+                      <a16:colId xmlns:a16="http://schemas.microsoft.com/office/drawing/2014/main" val="20000"/>
+                    </a:ext>
+                  </a:extLst>
+                </a:gridCol>
                 <a:gridCol w="1917260">
                   <a:extLst>
                     <a:ext uri="{9D8B030D-6E8A-4147-A177-3AD203B41FA5}">
-                      <a16:colId xmlns="" xmlns:a16="http://schemas.microsoft.com/office/drawing/2014/main" val="1220490089"/>
+                      <a16:colId xmlns:a16="http://schemas.microsoft.com/office/drawing/2014/main" val="1220490089"/>
                     </a:ext>
                   </a:extLst>
                 </a:gridCol>
                 <a:gridCol w="1506419">
                   <a:extLst>
                     <a:ext uri="{9D8B030D-6E8A-4147-A177-3AD203B41FA5}">
-                      <a16:colId xmlns="" xmlns:a16="http://schemas.microsoft.com/office/drawing/2014/main" val="67218977"/>
+                      <a16:colId xmlns:a16="http://schemas.microsoft.com/office/drawing/2014/main" val="67218977"/>
                     </a:ext>
                   </a:extLst>
                 </a:gridCol>
                 <a:gridCol w="1291054">
                   <a:extLst>
                     <a:ext uri="{9D8B030D-6E8A-4147-A177-3AD203B41FA5}">
-                      <a16:colId xmlns="" xmlns:a16="http://schemas.microsoft.com/office/drawing/2014/main" val="3056518911"/>
+                      <a16:colId xmlns:a16="http://schemas.microsoft.com/office/drawing/2014/main" val="3056518911"/>
                     </a:ext>
                   </a:extLst>
                 </a:gridCol>
@@ -5980,7 +6163,7 @@
                 </a:tc>
                 <a:extLst>
                   <a:ext uri="{0D108BD9-81ED-4DB2-BD59-A6C34878D82A}">
-                    <a16:rowId xmlns="" xmlns:a16="http://schemas.microsoft.com/office/drawing/2014/main" val="3871997748"/>
+                    <a16:rowId xmlns:a16="http://schemas.microsoft.com/office/drawing/2014/main" val="3871997748"/>
                   </a:ext>
                 </a:extLst>
               </a:tr>
@@ -6053,7 +6236,7 @@
                 </a:tc>
                 <a:extLst>
                   <a:ext uri="{0D108BD9-81ED-4DB2-BD59-A6C34878D82A}">
-                    <a16:rowId xmlns="" xmlns:a16="http://schemas.microsoft.com/office/drawing/2014/main" val="373921578"/>
+                    <a16:rowId xmlns:a16="http://schemas.microsoft.com/office/drawing/2014/main" val="373921578"/>
                   </a:ext>
                 </a:extLst>
               </a:tr>
@@ -6141,7 +6324,7 @@
                 </a:tc>
                 <a:extLst>
                   <a:ext uri="{0D108BD9-81ED-4DB2-BD59-A6C34878D82A}">
-                    <a16:rowId xmlns="" xmlns:a16="http://schemas.microsoft.com/office/drawing/2014/main" val="3868297120"/>
+                    <a16:rowId xmlns:a16="http://schemas.microsoft.com/office/drawing/2014/main" val="3868297120"/>
                   </a:ext>
                 </a:extLst>
               </a:tr>
@@ -6214,7 +6397,7 @@
                 </a:tc>
                 <a:extLst>
                   <a:ext uri="{0D108BD9-81ED-4DB2-BD59-A6C34878D82A}">
-                    <a16:rowId xmlns="" xmlns:a16="http://schemas.microsoft.com/office/drawing/2014/main" val="3602717608"/>
+                    <a16:rowId xmlns:a16="http://schemas.microsoft.com/office/drawing/2014/main" val="3602717608"/>
                   </a:ext>
                 </a:extLst>
               </a:tr>
@@ -6302,7 +6485,7 @@
                 </a:tc>
                 <a:extLst>
                   <a:ext uri="{0D108BD9-81ED-4DB2-BD59-A6C34878D82A}">
-                    <a16:rowId xmlns="" xmlns:a16="http://schemas.microsoft.com/office/drawing/2014/main" val="684964139"/>
+                    <a16:rowId xmlns:a16="http://schemas.microsoft.com/office/drawing/2014/main" val="684964139"/>
                   </a:ext>
                 </a:extLst>
               </a:tr>
@@ -6358,18 +6541,24 @@
                 <a:tableStyleId>{5C22544A-7EE6-4342-B048-85BDC9FD1C3A}</a:tableStyleId>
               </a:tblPr>
               <a:tblGrid>
-                <a:gridCol w="2054150"/>
+                <a:gridCol w="2054150">
+                  <a:extLst>
+                    <a:ext uri="{9D8B030D-6E8A-4147-A177-3AD203B41FA5}">
+                      <a16:colId xmlns:a16="http://schemas.microsoft.com/office/drawing/2014/main" val="20000"/>
+                    </a:ext>
+                  </a:extLst>
+                </a:gridCol>
                 <a:gridCol w="3423583">
                   <a:extLst>
                     <a:ext uri="{9D8B030D-6E8A-4147-A177-3AD203B41FA5}">
-                      <a16:colId xmlns="" xmlns:a16="http://schemas.microsoft.com/office/drawing/2014/main" val="3160404703"/>
+                      <a16:colId xmlns:a16="http://schemas.microsoft.com/office/drawing/2014/main" val="3160404703"/>
                     </a:ext>
                   </a:extLst>
                 </a:gridCol>
                 <a:gridCol w="1291019">
                   <a:extLst>
                     <a:ext uri="{9D8B030D-6E8A-4147-A177-3AD203B41FA5}">
-                      <a16:colId xmlns="" xmlns:a16="http://schemas.microsoft.com/office/drawing/2014/main" val="2004772524"/>
+                      <a16:colId xmlns:a16="http://schemas.microsoft.com/office/drawing/2014/main" val="2004772524"/>
                     </a:ext>
                   </a:extLst>
                 </a:gridCol>
@@ -6497,7 +6686,7 @@
                 </a:tc>
                 <a:extLst>
                   <a:ext uri="{0D108BD9-81ED-4DB2-BD59-A6C34878D82A}">
-                    <a16:rowId xmlns="" xmlns:a16="http://schemas.microsoft.com/office/drawing/2014/main" val="3857195092"/>
+                    <a16:rowId xmlns:a16="http://schemas.microsoft.com/office/drawing/2014/main" val="3857195092"/>
                   </a:ext>
                 </a:extLst>
               </a:tr>
@@ -6555,7 +6744,7 @@
                 </a:tc>
                 <a:extLst>
                   <a:ext uri="{0D108BD9-81ED-4DB2-BD59-A6C34878D82A}">
-                    <a16:rowId xmlns="" xmlns:a16="http://schemas.microsoft.com/office/drawing/2014/main" val="1176978316"/>
+                    <a16:rowId xmlns:a16="http://schemas.microsoft.com/office/drawing/2014/main" val="1176978316"/>
                   </a:ext>
                 </a:extLst>
               </a:tr>
@@ -6613,7 +6802,7 @@
                 </a:tc>
                 <a:extLst>
                   <a:ext uri="{0D108BD9-81ED-4DB2-BD59-A6C34878D82A}">
-                    <a16:rowId xmlns="" xmlns:a16="http://schemas.microsoft.com/office/drawing/2014/main" val="1271360358"/>
+                    <a16:rowId xmlns:a16="http://schemas.microsoft.com/office/drawing/2014/main" val="1271360358"/>
                   </a:ext>
                 </a:extLst>
               </a:tr>
@@ -6671,7 +6860,7 @@
                 </a:tc>
                 <a:extLst>
                   <a:ext uri="{0D108BD9-81ED-4DB2-BD59-A6C34878D82A}">
-                    <a16:rowId xmlns="" xmlns:a16="http://schemas.microsoft.com/office/drawing/2014/main" val="2734475198"/>
+                    <a16:rowId xmlns:a16="http://schemas.microsoft.com/office/drawing/2014/main" val="2734475198"/>
                   </a:ext>
                 </a:extLst>
               </a:tr>
@@ -6729,7 +6918,7 @@
                 </a:tc>
                 <a:extLst>
                   <a:ext uri="{0D108BD9-81ED-4DB2-BD59-A6C34878D82A}">
-                    <a16:rowId xmlns="" xmlns:a16="http://schemas.microsoft.com/office/drawing/2014/main" val="1320419717"/>
+                    <a16:rowId xmlns:a16="http://schemas.microsoft.com/office/drawing/2014/main" val="1320419717"/>
                   </a:ext>
                 </a:extLst>
               </a:tr>
@@ -6787,7 +6976,7 @@
                 </a:tc>
                 <a:extLst>
                   <a:ext uri="{0D108BD9-81ED-4DB2-BD59-A6C34878D82A}">
-                    <a16:rowId xmlns="" xmlns:a16="http://schemas.microsoft.com/office/drawing/2014/main" val="2814437447"/>
+                    <a16:rowId xmlns:a16="http://schemas.microsoft.com/office/drawing/2014/main" val="2814437447"/>
                   </a:ext>
                 </a:extLst>
               </a:tr>
@@ -6845,7 +7034,7 @@
                 </a:tc>
                 <a:extLst>
                   <a:ext uri="{0D108BD9-81ED-4DB2-BD59-A6C34878D82A}">
-                    <a16:rowId xmlns="" xmlns:a16="http://schemas.microsoft.com/office/drawing/2014/main" val="3814854473"/>
+                    <a16:rowId xmlns:a16="http://schemas.microsoft.com/office/drawing/2014/main" val="3814854473"/>
                   </a:ext>
                 </a:extLst>
               </a:tr>
@@ -6866,7 +7055,7 @@
   <p:timing>
     <p:tnLst>
       <p:par>
-        <p:cTn xmlns:p14="http://schemas.microsoft.com/office/powerpoint/2010/main" id="1" dur="indefinite" restart="never" nodeType="tmRoot"/>
+        <p:cTn id="1" dur="indefinite" restart="never" nodeType="tmRoot"/>
       </p:par>
     </p:tnLst>
   </p:timing>
@@ -7092,7 +7281,7 @@
   <p:timing>
     <p:tnLst>
       <p:par>
-        <p:cTn xmlns:p14="http://schemas.microsoft.com/office/powerpoint/2010/main" id="1" dur="indefinite" restart="never" nodeType="tmRoot"/>
+        <p:cTn id="1" dur="indefinite" restart="never" nodeType="tmRoot"/>
       </p:par>
     </p:tnLst>
   </p:timing>
@@ -7149,12 +7338,64 @@
             <p:ph idx="1"/>
           </p:nvPr>
         </p:nvSpPr>
-        <p:spPr/>
+        <p:spPr>
+          <a:xfrm>
+            <a:off x="488504" y="2209800"/>
+            <a:ext cx="8424936" cy="3883496"/>
+          </a:xfrm>
+        </p:spPr>
         <p:txBody>
           <a:bodyPr/>
           <a:lstStyle/>
           <a:p>
-            <a:endParaRPr lang="en-ZA"/>
+            <a:r>
+              <a:rPr lang="en-ZA" dirty="0" smtClean="0"/>
+              <a:t>Objectives and specifications have been met</a:t>
+            </a:r>
+          </a:p>
+          <a:p>
+            <a:r>
+              <a:rPr lang="en-ZA" dirty="0" smtClean="0"/>
+              <a:t>Low cost – under R1500</a:t>
+            </a:r>
+          </a:p>
+          <a:p>
+            <a:r>
+              <a:rPr lang="en-ZA" dirty="0" smtClean="0"/>
+              <a:t>Full hearing aid simulation</a:t>
+            </a:r>
+          </a:p>
+          <a:p>
+            <a:pPr lvl="1"/>
+            <a:r>
+              <a:rPr lang="en-ZA" dirty="0"/>
+              <a:t>Compensatory amplification</a:t>
+            </a:r>
+          </a:p>
+          <a:p>
+            <a:pPr lvl="1"/>
+            <a:r>
+              <a:rPr lang="en-ZA" dirty="0"/>
+              <a:t>Steerable </a:t>
+            </a:r>
+            <a:r>
+              <a:rPr lang="en-ZA" dirty="0" smtClean="0"/>
+              <a:t>directionality</a:t>
+            </a:r>
+            <a:endParaRPr lang="en-ZA" dirty="0" smtClean="0"/>
+          </a:p>
+          <a:p>
+            <a:r>
+              <a:rPr lang="en-ZA" dirty="0" smtClean="0"/>
+              <a:t>Concepts proven in hardware</a:t>
+            </a:r>
+            <a:endParaRPr lang="en-ZA" dirty="0" smtClean="0"/>
+          </a:p>
+          <a:p>
+            <a:endParaRPr lang="en-ZA" dirty="0" smtClean="0"/>
+          </a:p>
+          <a:p>
+            <a:endParaRPr lang="en-ZA" dirty="0"/>
           </a:p>
         </p:txBody>
       </p:sp>
@@ -7194,7 +7435,262 @@
   <p:timing>
     <p:tnLst>
       <p:par>
-        <p:cTn xmlns:p14="http://schemas.microsoft.com/office/powerpoint/2010/main" id="1" dur="indefinite" restart="never" nodeType="tmRoot"/>
+        <p:cTn id="1" dur="indefinite" restart="never" nodeType="tmRoot"/>
+      </p:par>
+    </p:tnLst>
+  </p:timing>
+</p:sld>
+</file>
+
+<file path=ppt/slides/slide17.xml><?xml version="1.0" encoding="utf-8"?>
+<p:sld xmlns:a="http://schemas.openxmlformats.org/drawingml/2006/main" xmlns:r="http://schemas.openxmlformats.org/officeDocument/2006/relationships" xmlns:p="http://schemas.openxmlformats.org/presentationml/2006/main">
+  <p:cSld>
+    <p:spTree>
+      <p:nvGrpSpPr>
+        <p:cNvPr id="1" name=""/>
+        <p:cNvGrpSpPr/>
+        <p:nvPr/>
+      </p:nvGrpSpPr>
+      <p:grpSpPr>
+        <a:xfrm>
+          <a:off x="0" y="0"/>
+          <a:ext cx="0" cy="0"/>
+          <a:chOff x="0" y="0"/>
+          <a:chExt cx="0" cy="0"/>
+        </a:xfrm>
+      </p:grpSpPr>
+      <p:sp>
+        <p:nvSpPr>
+          <p:cNvPr id="2" name="Title 1"/>
+          <p:cNvSpPr>
+            <a:spLocks noGrp="1"/>
+          </p:cNvSpPr>
+          <p:nvPr>
+            <p:ph type="title"/>
+          </p:nvPr>
+        </p:nvSpPr>
+        <p:spPr/>
+        <p:txBody>
+          <a:bodyPr/>
+          <a:lstStyle/>
+          <a:p>
+            <a:r>
+              <a:rPr lang="en-ZA" dirty="0" smtClean="0"/>
+              <a:t>Questions?</a:t>
+            </a:r>
+            <a:endParaRPr lang="en-ZA" dirty="0"/>
+          </a:p>
+        </p:txBody>
+      </p:sp>
+      <p:sp>
+        <p:nvSpPr>
+          <p:cNvPr id="3" name="Content Placeholder 2"/>
+          <p:cNvSpPr>
+            <a:spLocks noGrp="1"/>
+          </p:cNvSpPr>
+          <p:nvPr>
+            <p:ph idx="1"/>
+          </p:nvPr>
+        </p:nvSpPr>
+        <p:spPr/>
+        <p:txBody>
+          <a:bodyPr/>
+          <a:lstStyle/>
+          <a:p>
+            <a:pPr marL="190500" indent="0">
+              <a:buNone/>
+            </a:pPr>
+            <a:endParaRPr lang="en-ZA" dirty="0"/>
+          </a:p>
+        </p:txBody>
+      </p:sp>
+      <p:sp>
+        <p:nvSpPr>
+          <p:cNvPr id="4" name="Slide Number Placeholder 3"/>
+          <p:cNvSpPr>
+            <a:spLocks noGrp="1"/>
+          </p:cNvSpPr>
+          <p:nvPr>
+            <p:ph type="sldNum" sz="quarter" idx="10"/>
+          </p:nvPr>
+        </p:nvSpPr>
+        <p:spPr/>
+        <p:txBody>
+          <a:bodyPr/>
+          <a:lstStyle/>
+          <a:p>
+            <a:fld id="{960946CE-1557-8048-9DCC-53092B682325}" type="slidenum">
+              <a:rPr lang="en-US" smtClean="0"/>
+              <a:t>17</a:t>
+            </a:fld>
+            <a:endParaRPr lang="en-US" dirty="0"/>
+          </a:p>
+        </p:txBody>
+      </p:sp>
+    </p:spTree>
+    <p:extLst>
+      <p:ext uri="{BB962C8B-B14F-4D97-AF65-F5344CB8AC3E}">
+        <p14:creationId xmlns:p14="http://schemas.microsoft.com/office/powerpoint/2010/main" val="3836966826"/>
+      </p:ext>
+    </p:extLst>
+  </p:cSld>
+  <p:clrMapOvr>
+    <a:masterClrMapping/>
+  </p:clrMapOvr>
+  <p:timing>
+    <p:tnLst>
+      <p:par>
+        <p:cTn id="1" dur="indefinite" restart="never" nodeType="tmRoot"/>
+      </p:par>
+    </p:tnLst>
+  </p:timing>
+</p:sld>
+</file>
+
+<file path=ppt/slides/slide18.xml><?xml version="1.0" encoding="utf-8"?>
+<p:sld xmlns:a="http://schemas.openxmlformats.org/drawingml/2006/main" xmlns:r="http://schemas.openxmlformats.org/officeDocument/2006/relationships" xmlns:p="http://schemas.openxmlformats.org/presentationml/2006/main">
+  <p:cSld>
+    <p:spTree>
+      <p:nvGrpSpPr>
+        <p:cNvPr id="1" name=""/>
+        <p:cNvGrpSpPr/>
+        <p:nvPr/>
+      </p:nvGrpSpPr>
+      <p:grpSpPr>
+        <a:xfrm>
+          <a:off x="0" y="0"/>
+          <a:ext cx="0" cy="0"/>
+          <a:chOff x="0" y="0"/>
+          <a:chExt cx="0" cy="0"/>
+        </a:xfrm>
+      </p:grpSpPr>
+      <p:sp>
+        <p:nvSpPr>
+          <p:cNvPr id="2" name="Title 1"/>
+          <p:cNvSpPr>
+            <a:spLocks noGrp="1"/>
+          </p:cNvSpPr>
+          <p:nvPr>
+            <p:ph type="title"/>
+          </p:nvPr>
+        </p:nvSpPr>
+        <p:spPr/>
+        <p:txBody>
+          <a:bodyPr/>
+          <a:lstStyle/>
+          <a:p>
+            <a:r>
+              <a:rPr lang="en-ZA" dirty="0" smtClean="0"/>
+              <a:t>References</a:t>
+            </a:r>
+            <a:endParaRPr lang="en-ZA" dirty="0"/>
+          </a:p>
+        </p:txBody>
+      </p:sp>
+      <p:sp>
+        <p:nvSpPr>
+          <p:cNvPr id="3" name="Content Placeholder 2"/>
+          <p:cNvSpPr>
+            <a:spLocks noGrp="1"/>
+          </p:cNvSpPr>
+          <p:nvPr>
+            <p:ph idx="1"/>
+          </p:nvPr>
+        </p:nvSpPr>
+        <p:spPr/>
+        <p:txBody>
+          <a:bodyPr/>
+          <a:lstStyle/>
+          <a:p>
+            <a:r>
+              <a:rPr lang="en-ZA" b="0" dirty="0"/>
+              <a:t>L. Tiete et al. </a:t>
+            </a:r>
+            <a:r>
+              <a:rPr lang="en-ZA" b="0" dirty="0" smtClean="0"/>
+              <a:t>“Detecting Laterality and Nasality </a:t>
+            </a:r>
+            <a:r>
+              <a:rPr lang="en-ZA" b="0" dirty="0"/>
+              <a:t>in Speech with the Use of a </a:t>
+            </a:r>
+            <a:r>
+              <a:rPr lang="en-ZA" b="0" dirty="0" smtClean="0"/>
+              <a:t>Multi-Channel </a:t>
+            </a:r>
+            <a:r>
+              <a:rPr lang="de-DE" b="0" dirty="0" err="1" smtClean="0"/>
+              <a:t>recorder</a:t>
+            </a:r>
+            <a:r>
+              <a:rPr lang="de-DE" b="0" smtClean="0"/>
+              <a:t>.““ </a:t>
+            </a:r>
+            <a:r>
+              <a:rPr lang="de-DE" b="0" dirty="0"/>
+              <a:t>Sensors (Basel, </a:t>
+            </a:r>
+            <a:r>
+              <a:rPr lang="de-DE" b="0" dirty="0" err="1"/>
+              <a:t>Switzerland</a:t>
+            </a:r>
+            <a:r>
+              <a:rPr lang="de-DE" b="0" dirty="0"/>
+              <a:t>), vol. </a:t>
+            </a:r>
+            <a:r>
+              <a:rPr lang="de-DE" b="0" dirty="0" smtClean="0"/>
+              <a:t>14,</a:t>
+            </a:r>
+            <a:r>
+              <a:rPr lang="en-ZA" b="0" dirty="0" smtClean="0"/>
+              <a:t>pp</a:t>
+            </a:r>
+            <a:r>
+              <a:rPr lang="en-ZA" b="0" dirty="0"/>
+              <a:t>. 1918{49, 02 2014.</a:t>
+            </a:r>
+            <a:endParaRPr lang="en-ZA" dirty="0"/>
+          </a:p>
+        </p:txBody>
+      </p:sp>
+      <p:sp>
+        <p:nvSpPr>
+          <p:cNvPr id="4" name="Slide Number Placeholder 3"/>
+          <p:cNvSpPr>
+            <a:spLocks noGrp="1"/>
+          </p:cNvSpPr>
+          <p:nvPr>
+            <p:ph type="sldNum" sz="quarter" idx="10"/>
+          </p:nvPr>
+        </p:nvSpPr>
+        <p:spPr/>
+        <p:txBody>
+          <a:bodyPr/>
+          <a:lstStyle/>
+          <a:p>
+            <a:fld id="{960946CE-1557-8048-9DCC-53092B682325}" type="slidenum">
+              <a:rPr lang="en-US" smtClean="0"/>
+              <a:t>18</a:t>
+            </a:fld>
+            <a:endParaRPr lang="en-US" dirty="0"/>
+          </a:p>
+        </p:txBody>
+      </p:sp>
+    </p:spTree>
+    <p:extLst>
+      <p:ext uri="{BB962C8B-B14F-4D97-AF65-F5344CB8AC3E}">
+        <p14:creationId xmlns:p14="http://schemas.microsoft.com/office/powerpoint/2010/main" val="1274193584"/>
+      </p:ext>
+    </p:extLst>
+  </p:cSld>
+  <p:clrMapOvr>
+    <a:masterClrMapping/>
+  </p:clrMapOvr>
+  <p:timing>
+    <p:tnLst>
+      <p:par>
+        <p:cTn id="1" dur="indefinite" restart="never" nodeType="tmRoot"/>
       </p:par>
     </p:tnLst>
   </p:timing>
@@ -7289,11 +7785,7 @@
           <a:p>
             <a:r>
               <a:rPr lang="en-ZA" dirty="0" smtClean="0"/>
-              <a:t>Hearing </a:t>
-            </a:r>
-            <a:r>
-              <a:rPr lang="en-ZA" dirty="0" smtClean="0"/>
-              <a:t>Aid </a:t>
+              <a:t>Hearing Aid </a:t>
             </a:r>
             <a:r>
               <a:rPr lang="en-ZA" dirty="0"/>
@@ -7303,7 +7795,6 @@
               <a:rPr lang="en-ZA" dirty="0" smtClean="0"/>
               <a:t>unctionality</a:t>
             </a:r>
-            <a:endParaRPr lang="en-ZA" dirty="0" smtClean="0"/>
           </a:p>
           <a:p>
             <a:r>
@@ -7322,7 +7813,6 @@
               <a:rPr lang="en-ZA" dirty="0" smtClean="0"/>
               <a:t>Future Work and Conclusion</a:t>
             </a:r>
-            <a:endParaRPr lang="en-ZA" dirty="0" smtClean="0"/>
           </a:p>
           <a:p>
             <a:endParaRPr lang="en-ZA" dirty="0" smtClean="0"/>
@@ -7371,7 +7861,7 @@
   <p:timing>
     <p:tnLst>
       <p:par>
-        <p:cTn xmlns:p14="http://schemas.microsoft.com/office/powerpoint/2010/main" id="1" dur="indefinite" restart="never" nodeType="tmRoot"/>
+        <p:cTn id="1" dur="indefinite" restart="never" nodeType="tmRoot"/>
       </p:par>
     </p:tnLst>
   </p:timing>
@@ -7558,7 +8048,7 @@
   <p:timing>
     <p:tnLst>
       <p:par>
-        <p:cTn xmlns:p14="http://schemas.microsoft.com/office/powerpoint/2010/main" id="1" dur="indefinite" restart="never" nodeType="tmRoot"/>
+        <p:cTn id="1" dur="indefinite" restart="never" nodeType="tmRoot"/>
       </p:par>
     </p:tnLst>
   </p:timing>
@@ -7671,7 +8161,7 @@
   <p:timing>
     <p:tnLst>
       <p:par>
-        <p:cTn xmlns:p14="http://schemas.microsoft.com/office/powerpoint/2010/main" id="1" dur="indefinite" restart="never" nodeType="tmRoot"/>
+        <p:cTn id="1" dur="indefinite" restart="never" nodeType="tmRoot"/>
       </p:par>
     </p:tnLst>
   </p:timing>
@@ -7747,21 +8237,21 @@
                 <a:gridCol w="2880319">
                   <a:extLst>
                     <a:ext uri="{9D8B030D-6E8A-4147-A177-3AD203B41FA5}">
-                      <a16:colId xmlns="" xmlns:a16="http://schemas.microsoft.com/office/drawing/2014/main" val="1205949033"/>
+                      <a16:colId xmlns:a16="http://schemas.microsoft.com/office/drawing/2014/main" val="1205949033"/>
                     </a:ext>
                   </a:extLst>
                 </a:gridCol>
                 <a:gridCol w="2448272">
                   <a:extLst>
                     <a:ext uri="{9D8B030D-6E8A-4147-A177-3AD203B41FA5}">
-                      <a16:colId xmlns="" xmlns:a16="http://schemas.microsoft.com/office/drawing/2014/main" val="3234676645"/>
+                      <a16:colId xmlns:a16="http://schemas.microsoft.com/office/drawing/2014/main" val="3234676645"/>
                     </a:ext>
                   </a:extLst>
                 </a:gridCol>
                 <a:gridCol w="3168351">
                   <a:extLst>
                     <a:ext uri="{9D8B030D-6E8A-4147-A177-3AD203B41FA5}">
-                      <a16:colId xmlns="" xmlns:a16="http://schemas.microsoft.com/office/drawing/2014/main" val="497167739"/>
+                      <a16:colId xmlns:a16="http://schemas.microsoft.com/office/drawing/2014/main" val="497167739"/>
                     </a:ext>
                   </a:extLst>
                 </a:gridCol>
@@ -7814,7 +8304,7 @@
                 </a:tc>
                 <a:extLst>
                   <a:ext uri="{0D108BD9-81ED-4DB2-BD59-A6C34878D82A}">
-                    <a16:rowId xmlns="" xmlns:a16="http://schemas.microsoft.com/office/drawing/2014/main" val="3709011960"/>
+                    <a16:rowId xmlns:a16="http://schemas.microsoft.com/office/drawing/2014/main" val="3709011960"/>
                   </a:ext>
                 </a:extLst>
               </a:tr>
@@ -7870,7 +8360,7 @@
                 </a:tc>
                 <a:extLst>
                   <a:ext uri="{0D108BD9-81ED-4DB2-BD59-A6C34878D82A}">
-                    <a16:rowId xmlns="" xmlns:a16="http://schemas.microsoft.com/office/drawing/2014/main" val="4214479577"/>
+                    <a16:rowId xmlns:a16="http://schemas.microsoft.com/office/drawing/2014/main" val="4214479577"/>
                   </a:ext>
                 </a:extLst>
               </a:tr>
@@ -7962,7 +8452,7 @@
                 </a:tc>
                 <a:extLst>
                   <a:ext uri="{0D108BD9-81ED-4DB2-BD59-A6C34878D82A}">
-                    <a16:rowId xmlns="" xmlns:a16="http://schemas.microsoft.com/office/drawing/2014/main" val="3266579009"/>
+                    <a16:rowId xmlns:a16="http://schemas.microsoft.com/office/drawing/2014/main" val="3266579009"/>
                   </a:ext>
                 </a:extLst>
               </a:tr>
@@ -8014,7 +8504,7 @@
                 </a:tc>
                 <a:extLst>
                   <a:ext uri="{0D108BD9-81ED-4DB2-BD59-A6C34878D82A}">
-                    <a16:rowId xmlns="" xmlns:a16="http://schemas.microsoft.com/office/drawing/2014/main" val="282706019"/>
+                    <a16:rowId xmlns:a16="http://schemas.microsoft.com/office/drawing/2014/main" val="282706019"/>
                   </a:ext>
                 </a:extLst>
               </a:tr>
@@ -8066,7 +8556,7 @@
                 </a:tc>
                 <a:extLst>
                   <a:ext uri="{0D108BD9-81ED-4DB2-BD59-A6C34878D82A}">
-                    <a16:rowId xmlns="" xmlns:a16="http://schemas.microsoft.com/office/drawing/2014/main" val="10004"/>
+                    <a16:rowId xmlns:a16="http://schemas.microsoft.com/office/drawing/2014/main" val="10004"/>
                   </a:ext>
                 </a:extLst>
               </a:tr>
@@ -8122,7 +8612,7 @@
                 </a:tc>
                 <a:extLst>
                   <a:ext uri="{0D108BD9-81ED-4DB2-BD59-A6C34878D82A}">
-                    <a16:rowId xmlns="" xmlns:a16="http://schemas.microsoft.com/office/drawing/2014/main" val="1081411160"/>
+                    <a16:rowId xmlns:a16="http://schemas.microsoft.com/office/drawing/2014/main" val="1081411160"/>
                   </a:ext>
                 </a:extLst>
               </a:tr>
@@ -8189,7 +8679,7 @@
                 </a:tc>
                 <a:extLst>
                   <a:ext uri="{0D108BD9-81ED-4DB2-BD59-A6C34878D82A}">
-                    <a16:rowId xmlns="" xmlns:a16="http://schemas.microsoft.com/office/drawing/2014/main" val="2210005012"/>
+                    <a16:rowId xmlns:a16="http://schemas.microsoft.com/office/drawing/2014/main" val="2210005012"/>
                   </a:ext>
                 </a:extLst>
               </a:tr>
@@ -8309,7 +8799,7 @@
                 </a:tc>
                 <a:extLst>
                   <a:ext uri="{0D108BD9-81ED-4DB2-BD59-A6C34878D82A}">
-                    <a16:rowId xmlns="" xmlns:a16="http://schemas.microsoft.com/office/drawing/2014/main" val="1840919378"/>
+                    <a16:rowId xmlns:a16="http://schemas.microsoft.com/office/drawing/2014/main" val="1840919378"/>
                   </a:ext>
                 </a:extLst>
               </a:tr>
@@ -8365,7 +8855,7 @@
                 </a:tc>
                 <a:extLst>
                   <a:ext uri="{0D108BD9-81ED-4DB2-BD59-A6C34878D82A}">
-                    <a16:rowId xmlns="" xmlns:a16="http://schemas.microsoft.com/office/drawing/2014/main" val="1275340913"/>
+                    <a16:rowId xmlns:a16="http://schemas.microsoft.com/office/drawing/2014/main" val="1275340913"/>
                   </a:ext>
                 </a:extLst>
               </a:tr>
@@ -8409,7 +8899,7 @@
   <p:timing>
     <p:tnLst>
       <p:par>
-        <p:cTn xmlns:p14="http://schemas.microsoft.com/office/powerpoint/2010/main" id="1" dur="indefinite" restart="never" nodeType="tmRoot"/>
+        <p:cTn id="1" dur="indefinite" restart="never" nodeType="tmRoot"/>
       </p:par>
     </p:tnLst>
   </p:timing>
@@ -8591,7 +9081,7 @@
   <p:timing>
     <p:tnLst>
       <p:par>
-        <p:cTn xmlns:p14="http://schemas.microsoft.com/office/powerpoint/2010/main" id="1" dur="indefinite" restart="never" nodeType="tmRoot"/>
+        <p:cTn id="1" dur="indefinite" restart="never" nodeType="tmRoot"/>
       </p:par>
     </p:tnLst>
   </p:timing>
@@ -8740,7 +9230,7 @@
   <p:timing>
     <p:tnLst>
       <p:par>
-        <p:cTn xmlns:p14="http://schemas.microsoft.com/office/powerpoint/2010/main" id="1" dur="indefinite" restart="never" nodeType="tmRoot"/>
+        <p:cTn id="1" dur="indefinite" restart="never" nodeType="tmRoot"/>
       </p:par>
     </p:tnLst>
   </p:timing>
@@ -8816,14 +9306,14 @@
                 <a:gridCol w="4108973">
                   <a:extLst>
                     <a:ext uri="{9D8B030D-6E8A-4147-A177-3AD203B41FA5}">
-                      <a16:colId xmlns="" xmlns:a16="http://schemas.microsoft.com/office/drawing/2014/main" val="641060483"/>
+                      <a16:colId xmlns:a16="http://schemas.microsoft.com/office/drawing/2014/main" val="641060483"/>
                     </a:ext>
                   </a:extLst>
                 </a:gridCol>
                 <a:gridCol w="1758427">
                   <a:extLst>
                     <a:ext uri="{9D8B030D-6E8A-4147-A177-3AD203B41FA5}">
-                      <a16:colId xmlns="" xmlns:a16="http://schemas.microsoft.com/office/drawing/2014/main" val="1147500092"/>
+                      <a16:colId xmlns:a16="http://schemas.microsoft.com/office/drawing/2014/main" val="1147500092"/>
                     </a:ext>
                   </a:extLst>
                 </a:gridCol>
@@ -8859,7 +9349,7 @@
                 </a:tc>
                 <a:extLst>
                   <a:ext uri="{0D108BD9-81ED-4DB2-BD59-A6C34878D82A}">
-                    <a16:rowId xmlns="" xmlns:a16="http://schemas.microsoft.com/office/drawing/2014/main" val="1100728770"/>
+                    <a16:rowId xmlns:a16="http://schemas.microsoft.com/office/drawing/2014/main" val="1100728770"/>
                   </a:ext>
                 </a:extLst>
               </a:tr>
@@ -8894,7 +9384,7 @@
                 </a:tc>
                 <a:extLst>
                   <a:ext uri="{0D108BD9-81ED-4DB2-BD59-A6C34878D82A}">
-                    <a16:rowId xmlns="" xmlns:a16="http://schemas.microsoft.com/office/drawing/2014/main" val="1538700946"/>
+                    <a16:rowId xmlns:a16="http://schemas.microsoft.com/office/drawing/2014/main" val="1538700946"/>
                   </a:ext>
                 </a:extLst>
               </a:tr>
@@ -8929,7 +9419,7 @@
                 </a:tc>
                 <a:extLst>
                   <a:ext uri="{0D108BD9-81ED-4DB2-BD59-A6C34878D82A}">
-                    <a16:rowId xmlns="" xmlns:a16="http://schemas.microsoft.com/office/drawing/2014/main" val="3854310482"/>
+                    <a16:rowId xmlns:a16="http://schemas.microsoft.com/office/drawing/2014/main" val="3854310482"/>
                   </a:ext>
                 </a:extLst>
               </a:tr>
@@ -8964,7 +9454,7 @@
                 </a:tc>
                 <a:extLst>
                   <a:ext uri="{0D108BD9-81ED-4DB2-BD59-A6C34878D82A}">
-                    <a16:rowId xmlns="" xmlns:a16="http://schemas.microsoft.com/office/drawing/2014/main" val="4094742816"/>
+                    <a16:rowId xmlns:a16="http://schemas.microsoft.com/office/drawing/2014/main" val="4094742816"/>
                   </a:ext>
                 </a:extLst>
               </a:tr>
@@ -8999,7 +9489,7 @@
                 </a:tc>
                 <a:extLst>
                   <a:ext uri="{0D108BD9-81ED-4DB2-BD59-A6C34878D82A}">
-                    <a16:rowId xmlns="" xmlns:a16="http://schemas.microsoft.com/office/drawing/2014/main" val="3540657552"/>
+                    <a16:rowId xmlns:a16="http://schemas.microsoft.com/office/drawing/2014/main" val="3540657552"/>
                   </a:ext>
                 </a:extLst>
               </a:tr>
@@ -9034,7 +9524,7 @@
                 </a:tc>
                 <a:extLst>
                   <a:ext uri="{0D108BD9-81ED-4DB2-BD59-A6C34878D82A}">
-                    <a16:rowId xmlns="" xmlns:a16="http://schemas.microsoft.com/office/drawing/2014/main" val="2626417538"/>
+                    <a16:rowId xmlns:a16="http://schemas.microsoft.com/office/drawing/2014/main" val="2626417538"/>
                   </a:ext>
                 </a:extLst>
               </a:tr>
@@ -9069,7 +9559,7 @@
                 </a:tc>
                 <a:extLst>
                   <a:ext uri="{0D108BD9-81ED-4DB2-BD59-A6C34878D82A}">
-                    <a16:rowId xmlns="" xmlns:a16="http://schemas.microsoft.com/office/drawing/2014/main" val="1235677700"/>
+                    <a16:rowId xmlns:a16="http://schemas.microsoft.com/office/drawing/2014/main" val="1235677700"/>
                   </a:ext>
                 </a:extLst>
               </a:tr>
@@ -9104,7 +9594,7 @@
                 </a:tc>
                 <a:extLst>
                   <a:ext uri="{0D108BD9-81ED-4DB2-BD59-A6C34878D82A}">
-                    <a16:rowId xmlns="" xmlns:a16="http://schemas.microsoft.com/office/drawing/2014/main" val="2755522816"/>
+                    <a16:rowId xmlns:a16="http://schemas.microsoft.com/office/drawing/2014/main" val="2755522816"/>
                   </a:ext>
                 </a:extLst>
               </a:tr>
@@ -9139,7 +9629,7 @@
                 </a:tc>
                 <a:extLst>
                   <a:ext uri="{0D108BD9-81ED-4DB2-BD59-A6C34878D82A}">
-                    <a16:rowId xmlns="" xmlns:a16="http://schemas.microsoft.com/office/drawing/2014/main" val="754826805"/>
+                    <a16:rowId xmlns:a16="http://schemas.microsoft.com/office/drawing/2014/main" val="754826805"/>
                   </a:ext>
                 </a:extLst>
               </a:tr>
@@ -9174,7 +9664,7 @@
                 </a:tc>
                 <a:extLst>
                   <a:ext uri="{0D108BD9-81ED-4DB2-BD59-A6C34878D82A}">
-                    <a16:rowId xmlns="" xmlns:a16="http://schemas.microsoft.com/office/drawing/2014/main" val="2456114939"/>
+                    <a16:rowId xmlns:a16="http://schemas.microsoft.com/office/drawing/2014/main" val="2456114939"/>
                   </a:ext>
                 </a:extLst>
               </a:tr>
@@ -9209,7 +9699,7 @@
                 </a:tc>
                 <a:extLst>
                   <a:ext uri="{0D108BD9-81ED-4DB2-BD59-A6C34878D82A}">
-                    <a16:rowId xmlns="" xmlns:a16="http://schemas.microsoft.com/office/drawing/2014/main" val="2549029190"/>
+                    <a16:rowId xmlns:a16="http://schemas.microsoft.com/office/drawing/2014/main" val="2549029190"/>
                   </a:ext>
                 </a:extLst>
               </a:tr>
@@ -9244,7 +9734,7 @@
                 </a:tc>
                 <a:extLst>
                   <a:ext uri="{0D108BD9-81ED-4DB2-BD59-A6C34878D82A}">
-                    <a16:rowId xmlns="" xmlns:a16="http://schemas.microsoft.com/office/drawing/2014/main" val="56862053"/>
+                    <a16:rowId xmlns:a16="http://schemas.microsoft.com/office/drawing/2014/main" val="56862053"/>
                   </a:ext>
                 </a:extLst>
               </a:tr>
@@ -9288,7 +9778,7 @@
   <p:timing>
     <p:tnLst>
       <p:par>
-        <p:cTn xmlns:p14="http://schemas.microsoft.com/office/powerpoint/2010/main" id="1" dur="indefinite" restart="never" nodeType="tmRoot"/>
+        <p:cTn id="1" dur="indefinite" restart="never" nodeType="tmRoot"/>
       </p:par>
     </p:tnLst>
   </p:timing>
@@ -9396,7 +9886,7 @@
         <p:spPr>
           <a:xfrm>
             <a:off x="5759125" y="5832712"/>
-            <a:ext cx="3528392" cy="461665"/>
+            <a:ext cx="3528392" cy="400110"/>
           </a:xfrm>
           <a:prstGeom prst="rect">
             <a:avLst/>
@@ -9411,14 +9901,14 @@
           <a:p>
             <a:pPr algn="ctr"/>
             <a:r>
-              <a:rPr lang="en-ZA" sz="2400" dirty="0" smtClean="0">
-                <a:latin typeface="Times New Roman" panose="02020603050405020304" pitchFamily="18" charset="0"/>
+              <a:rPr lang="en-ZA" sz="2000" b="1" dirty="0" smtClean="0">
+                <a:latin typeface="+mj-lt"/>
                 <a:cs typeface="Times New Roman" panose="02020603050405020304" pitchFamily="18" charset="0"/>
               </a:rPr>
               <a:t>Directionality</a:t>
             </a:r>
-            <a:endParaRPr lang="en-ZA" sz="2400" dirty="0">
-              <a:latin typeface="Times New Roman" panose="02020603050405020304" pitchFamily="18" charset="0"/>
+            <a:endParaRPr lang="en-ZA" sz="2400" b="1" dirty="0">
+              <a:latin typeface="+mj-lt"/>
               <a:cs typeface="Times New Roman" panose="02020603050405020304" pitchFamily="18" charset="0"/>
             </a:endParaRPr>
           </a:p>
@@ -9463,7 +9953,7 @@
         <p:spPr>
           <a:xfrm>
             <a:off x="824694" y="5832712"/>
-            <a:ext cx="3528392" cy="461665"/>
+            <a:ext cx="3528392" cy="400110"/>
           </a:xfrm>
           <a:prstGeom prst="rect">
             <a:avLst/>
@@ -9478,14 +9968,12 @@
           <a:p>
             <a:pPr algn="ctr"/>
             <a:r>
-              <a:rPr lang="en-ZA" sz="2400" dirty="0" smtClean="0">
-                <a:latin typeface="Times New Roman" panose="02020603050405020304" pitchFamily="18" charset="0"/>
+              <a:rPr lang="en-ZA" sz="2000" b="1" dirty="0" smtClean="0">
                 <a:cs typeface="Times New Roman" panose="02020603050405020304" pitchFamily="18" charset="0"/>
               </a:rPr>
               <a:t>Compensatory gain</a:t>
             </a:r>
-            <a:endParaRPr lang="en-ZA" sz="2400" dirty="0">
-              <a:latin typeface="Times New Roman" panose="02020603050405020304" pitchFamily="18" charset="0"/>
+            <a:endParaRPr lang="en-ZA" sz="2000" b="1" dirty="0">
               <a:cs typeface="Times New Roman" panose="02020603050405020304" pitchFamily="18" charset="0"/>
             </a:endParaRPr>
           </a:p>
@@ -9508,7 +9996,7 @@
           <a:ln/>
           <a:extLst>
             <a:ext uri="{91240B29-F687-4f45-9708-019B960494DF}">
-              <a14:hiddenLine xmlns:a14="http://schemas.microsoft.com/office/drawing/2010/main" w="9525" cap="flat" cmpd="sng" algn="ctr">
+              <a14:hiddenLine xmlns:a14="http://schemas.microsoft.com/office/drawing/2010/main" xmlns="" w="9525" cap="flat" cmpd="sng" algn="ctr">
                 <a:solidFill>
                   <a:schemeClr val="tx1"/>
                 </a:solidFill>
@@ -9519,7 +10007,7 @@
               </a14:hiddenLine>
             </a:ext>
             <a:ext uri="{AF507438-7753-43e0-B8FC-AC1667EBCBE1}">
-              <a14:hiddenEffects xmlns:a14="http://schemas.microsoft.com/office/drawing/2010/main">
+              <a14:hiddenEffects xmlns:a14="http://schemas.microsoft.com/office/drawing/2010/main" xmlns="">
                 <a:effectLst>
                   <a:outerShdw dist="35921" dir="2700000" algn="ctr" rotWithShape="0">
                     <a:schemeClr val="bg2"/>
@@ -9557,7 +10045,7 @@
   <p:timing>
     <p:tnLst>
       <p:par>
-        <p:cTn xmlns:p14="http://schemas.microsoft.com/office/powerpoint/2010/main" id="1" dur="indefinite" restart="never" nodeType="tmRoot"/>
+        <p:cTn id="1" dur="indefinite" restart="never" nodeType="tmRoot"/>
       </p:par>
     </p:tnLst>
   </p:timing>
@@ -9808,7 +10296,7 @@
         <a:effectLst/>
         <a:extLst>
           <a:ext uri="{91240B29-F687-4f45-9708-019B960494DF}">
-            <a14:hiddenLine xmlns:a14="http://schemas.microsoft.com/office/drawing/2010/main" w="9525" cap="flat" cmpd="sng" algn="ctr">
+            <a14:hiddenLine xmlns:a14="http://schemas.microsoft.com/office/drawing/2010/main" xmlns="" w="9525" cap="flat" cmpd="sng" algn="ctr">
               <a:solidFill>
                 <a:schemeClr val="tx1"/>
               </a:solidFill>
@@ -9819,7 +10307,7 @@
             </a14:hiddenLine>
           </a:ext>
           <a:ext uri="{AF507438-7753-43e0-B8FC-AC1667EBCBE1}">
-            <a14:hiddenEffects xmlns:a14="http://schemas.microsoft.com/office/drawing/2010/main">
+            <a14:hiddenEffects xmlns:a14="http://schemas.microsoft.com/office/drawing/2010/main" xmlns="">
               <a:effectLst>
                 <a:outerShdw dist="35921" dir="2700000" algn="ctr" rotWithShape="0">
                   <a:schemeClr val="bg2"/>
@@ -9886,7 +10374,7 @@
         <a:effectLst/>
         <a:extLst>
           <a:ext uri="{91240B29-F687-4f45-9708-019B960494DF}">
-            <a14:hiddenLine xmlns:a14="http://schemas.microsoft.com/office/drawing/2010/main" w="9525" cap="flat" cmpd="sng" algn="ctr">
+            <a14:hiddenLine xmlns:a14="http://schemas.microsoft.com/office/drawing/2010/main" xmlns="" w="9525" cap="flat" cmpd="sng" algn="ctr">
               <a:solidFill>
                 <a:schemeClr val="tx1"/>
               </a:solidFill>
@@ -9897,7 +10385,7 @@
             </a14:hiddenLine>
           </a:ext>
           <a:ext uri="{AF507438-7753-43e0-B8FC-AC1667EBCBE1}">
-            <a14:hiddenEffects xmlns:a14="http://schemas.microsoft.com/office/drawing/2010/main">
+            <a14:hiddenEffects xmlns:a14="http://schemas.microsoft.com/office/drawing/2010/main" xmlns="">
               <a:effectLst>
                 <a:outerShdw dist="35921" dir="2700000" algn="ctr" rotWithShape="0">
                   <a:schemeClr val="bg2"/>

--- a/Presentation/Lab Project Presentation.pptx
+++ b/Presentation/Lab Project Presentation.pptx
@@ -27,8 +27,8 @@
     <p:sldId id="271" r:id="rId15"/>
     <p:sldId id="266" r:id="rId16"/>
     <p:sldId id="267" r:id="rId17"/>
-    <p:sldId id="272" r:id="rId18"/>
-    <p:sldId id="273" r:id="rId19"/>
+    <p:sldId id="273" r:id="rId18"/>
+    <p:sldId id="272" r:id="rId19"/>
   </p:sldIdLst>
   <p:sldSz cx="9906000" cy="6858000" type="A4"/>
   <p:notesSz cx="6858000" cy="9144000"/>
@@ -129,7 +129,7 @@
   </p:defaultTextStyle>
   <p:extLst>
     <p:ext uri="{EFAFB233-063F-42B5-8137-9DF3F51BA10A}">
-      <p15:sldGuideLst xmlns:p15="http://schemas.microsoft.com/office/powerpoint/2012/main">
+      <p15:sldGuideLst xmlns:p15="http://schemas.microsoft.com/office/powerpoint/2012/main" xmlns="">
         <p15:guide id="1" orient="horz" pos="2160">
           <p15:clr>
             <a:srgbClr val="A4A3A4"/>
@@ -233,7 +233,7 @@
           <a:p>
             <a:fld id="{3FA6FDA4-907F-C840-8573-33F4849B33D4}" type="datetimeFigureOut">
               <a:rPr lang="en-US" smtClean="0"/>
-              <a:t>9/4/2018</a:t>
+              <a:t>18/09/04</a:t>
             </a:fld>
             <a:endParaRPr lang="en-US"/>
           </a:p>
@@ -399,7 +399,7 @@
           <a:p>
             <a:fld id="{290492DD-1613-8B48-9182-1ECEE9190ABB}" type="datetimeFigureOut">
               <a:rPr lang="en-US" smtClean="0"/>
-              <a:t>9/4/2018</a:t>
+              <a:t>18/09/04</a:t>
             </a:fld>
             <a:endParaRPr lang="en-US"/>
           </a:p>
@@ -829,6 +829,113 @@
           <a:bodyPr/>
           <a:lstStyle/>
           <a:p>
+            <a:pPr marL="0" marR="0" indent="0" algn="l" defTabSz="457200" rtl="0" eaLnBrk="1" fontAlgn="auto" latinLnBrk="0" hangingPunct="1">
+              <a:lnSpc>
+                <a:spcPct val="100000"/>
+              </a:lnSpc>
+              <a:spcBef>
+                <a:spcPts val="0"/>
+              </a:spcBef>
+              <a:spcAft>
+                <a:spcPts val="0"/>
+              </a:spcAft>
+              <a:buClrTx/>
+              <a:buSzTx/>
+              <a:buFontTx/>
+              <a:buNone/>
+              <a:tabLst/>
+              <a:defRPr/>
+            </a:pPr>
+            <a:r>
+              <a:rPr lang="en-ZA" kern="0" dirty="0" smtClean="0"/>
+              <a:t>Effect of amplifying one band is seen across the frequency spectrum- due to the order of the filter</a:t>
+            </a:r>
+          </a:p>
+          <a:p>
+            <a:endParaRPr lang="en-US" dirty="0"/>
+          </a:p>
+        </p:txBody>
+      </p:sp>
+      <p:sp>
+        <p:nvSpPr>
+          <p:cNvPr id="4" name="Slide Number Placeholder 3"/>
+          <p:cNvSpPr>
+            <a:spLocks noGrp="1"/>
+          </p:cNvSpPr>
+          <p:nvPr>
+            <p:ph type="sldNum" sz="quarter" idx="10"/>
+          </p:nvPr>
+        </p:nvSpPr>
+        <p:spPr/>
+        <p:txBody>
+          <a:bodyPr/>
+          <a:lstStyle/>
+          <a:p>
+            <a:fld id="{36236DF1-55A4-5143-AE5D-F9A532F68BCC}" type="slidenum">
+              <a:rPr lang="en-US" smtClean="0"/>
+              <a:t>12</a:t>
+            </a:fld>
+            <a:endParaRPr lang="en-US"/>
+          </a:p>
+        </p:txBody>
+      </p:sp>
+    </p:spTree>
+    <p:extLst>
+      <p:ext uri="{BB962C8B-B14F-4D97-AF65-F5344CB8AC3E}">
+        <p14:creationId xmlns:p14="http://schemas.microsoft.com/office/powerpoint/2010/main" val="450748968"/>
+      </p:ext>
+    </p:extLst>
+  </p:cSld>
+  <p:clrMapOvr>
+    <a:masterClrMapping/>
+  </p:clrMapOvr>
+</p:notes>
+</file>
+
+<file path=ppt/notesSlides/notesSlide3.xml><?xml version="1.0" encoding="utf-8"?>
+<p:notes xmlns:a="http://schemas.openxmlformats.org/drawingml/2006/main" xmlns:r="http://schemas.openxmlformats.org/officeDocument/2006/relationships" xmlns:p="http://schemas.openxmlformats.org/presentationml/2006/main">
+  <p:cSld>
+    <p:spTree>
+      <p:nvGrpSpPr>
+        <p:cNvPr id="1" name=""/>
+        <p:cNvGrpSpPr/>
+        <p:nvPr/>
+      </p:nvGrpSpPr>
+      <p:grpSpPr>
+        <a:xfrm>
+          <a:off x="0" y="0"/>
+          <a:ext cx="0" cy="0"/>
+          <a:chOff x="0" y="0"/>
+          <a:chExt cx="0" cy="0"/>
+        </a:xfrm>
+      </p:grpSpPr>
+      <p:sp>
+        <p:nvSpPr>
+          <p:cNvPr id="2" name="Slide Image Placeholder 1"/>
+          <p:cNvSpPr>
+            <a:spLocks noGrp="1" noRot="1" noChangeAspect="1"/>
+          </p:cNvSpPr>
+          <p:nvPr>
+            <p:ph type="sldImg"/>
+          </p:nvPr>
+        </p:nvSpPr>
+        <p:spPr/>
+      </p:sp>
+      <p:sp>
+        <p:nvSpPr>
+          <p:cNvPr id="3" name="Notes Placeholder 2"/>
+          <p:cNvSpPr>
+            <a:spLocks noGrp="1"/>
+          </p:cNvSpPr>
+          <p:nvPr>
+            <p:ph type="body" idx="1"/>
+          </p:nvPr>
+        </p:nvSpPr>
+        <p:spPr/>
+        <p:txBody>
+          <a:bodyPr/>
+          <a:lstStyle/>
+          <a:p>
             <a:r>
               <a:rPr lang="en-US" dirty="0" smtClean="0"/>
               <a:t>Large</a:t>
@@ -2819,7 +2926,7 @@
           </a:ln>
           <a:extLst>
             <a:ext uri="{909E8E84-426E-40dd-AFC4-6F175D3DCCD1}">
-              <a14:hiddenFill xmlns:a14="http://schemas.microsoft.com/office/drawing/2010/main" xmlns="">
+              <a14:hiddenFill xmlns:a14="http://schemas.microsoft.com/office/drawing/2010/main">
                 <a:noFill/>
               </a14:hiddenFill>
             </a:ext>
@@ -2857,14 +2964,14 @@
           </a:ln>
           <a:extLst>
             <a:ext uri="{909E8E84-426E-40dd-AFC4-6F175D3DCCD1}">
-              <a14:hiddenFill xmlns:a14="http://schemas.microsoft.com/office/drawing/2010/main" xmlns="">
+              <a14:hiddenFill xmlns:a14="http://schemas.microsoft.com/office/drawing/2010/main">
                 <a:solidFill>
                   <a:srgbClr val="FFFFFF"/>
                 </a:solidFill>
               </a14:hiddenFill>
             </a:ext>
             <a:ext uri="{91240B29-F687-4f45-9708-019B960494DF}">
-              <a14:hiddenLine xmlns:a14="http://schemas.microsoft.com/office/drawing/2010/main" xmlns="" w="9525">
+              <a14:hiddenLine xmlns:a14="http://schemas.microsoft.com/office/drawing/2010/main" w="9525">
                 <a:solidFill>
                   <a:srgbClr val="000000"/>
                 </a:solidFill>
@@ -2874,7 +2981,7 @@
               </a14:hiddenLine>
             </a:ext>
             <a:ext uri="{FAA26D3D-D897-4be2-8F04-BA451C77F1D7}">
-              <ma14:placeholderFlag xmlns:ma14="http://schemas.microsoft.com/office/mac/drawingml/2011/main" xmlns="" val="1"/>
+              <ma14:placeholderFlag xmlns:ma14="http://schemas.microsoft.com/office/mac/drawingml/2011/main" val="1"/>
             </a:ext>
           </a:extLst>
         </p:spPr>
@@ -2922,7 +3029,7 @@
           </a:ln>
           <a:extLst>
             <a:ext uri="{909E8E84-426E-40dd-AFC4-6F175D3DCCD1}">
-              <a14:hiddenFill xmlns:a14="http://schemas.microsoft.com/office/drawing/2010/main" xmlns="">
+              <a14:hiddenFill xmlns:a14="http://schemas.microsoft.com/office/drawing/2010/main">
                 <a:noFill/>
               </a14:hiddenFill>
             </a:ext>
@@ -2958,14 +3065,14 @@
           </a:ln>
           <a:extLst>
             <a:ext uri="{909E8E84-426E-40dd-AFC4-6F175D3DCCD1}">
-              <a14:hiddenFill xmlns:a14="http://schemas.microsoft.com/office/drawing/2010/main" xmlns="">
+              <a14:hiddenFill xmlns:a14="http://schemas.microsoft.com/office/drawing/2010/main">
                 <a:solidFill>
                   <a:srgbClr val="FFFFFF"/>
                 </a:solidFill>
               </a14:hiddenFill>
             </a:ext>
             <a:ext uri="{91240B29-F687-4f45-9708-019B960494DF}">
-              <a14:hiddenLine xmlns:a14="http://schemas.microsoft.com/office/drawing/2010/main" xmlns="" w="9525">
+              <a14:hiddenLine xmlns:a14="http://schemas.microsoft.com/office/drawing/2010/main" w="9525">
                 <a:solidFill>
                   <a:srgbClr val="000000"/>
                 </a:solidFill>
@@ -3122,14 +3229,14 @@
           </a:ln>
           <a:extLst>
             <a:ext uri="{909E8E84-426E-40dd-AFC4-6F175D3DCCD1}">
-              <a14:hiddenFill xmlns:a14="http://schemas.microsoft.com/office/drawing/2010/main" xmlns="">
+              <a14:hiddenFill xmlns:a14="http://schemas.microsoft.com/office/drawing/2010/main">
                 <a:solidFill>
                   <a:srgbClr val="FFFFFF"/>
                 </a:solidFill>
               </a14:hiddenFill>
             </a:ext>
             <a:ext uri="{91240B29-F687-4f45-9708-019B960494DF}">
-              <a14:hiddenLine xmlns:a14="http://schemas.microsoft.com/office/drawing/2010/main" xmlns="" w="9525">
+              <a14:hiddenLine xmlns:a14="http://schemas.microsoft.com/office/drawing/2010/main" w="9525">
                 <a:solidFill>
                   <a:srgbClr val="000000"/>
                 </a:solidFill>
@@ -3139,7 +3246,7 @@
               </a14:hiddenLine>
             </a:ext>
             <a:ext uri="{FAA26D3D-D897-4be2-8F04-BA451C77F1D7}">
-              <ma14:placeholderFlag xmlns:ma14="http://schemas.microsoft.com/office/mac/drawingml/2011/main" xmlns="" val="1"/>
+              <ma14:placeholderFlag xmlns:ma14="http://schemas.microsoft.com/office/mac/drawingml/2011/main" val="1"/>
             </a:ext>
           </a:extLst>
         </p:spPr>
@@ -3791,14 +3898,14 @@
           </a:ln>
           <a:extLst>
             <a:ext uri="{909E8E84-426E-40dd-AFC4-6F175D3DCCD1}">
-              <a14:hiddenFill xmlns:a14="http://schemas.microsoft.com/office/drawing/2010/main" xmlns="">
+              <a14:hiddenFill xmlns:a14="http://schemas.microsoft.com/office/drawing/2010/main">
                 <a:solidFill>
                   <a:srgbClr val="FFFFFF"/>
                 </a:solidFill>
               </a14:hiddenFill>
             </a:ext>
             <a:ext uri="{91240B29-F687-4f45-9708-019B960494DF}">
-              <a14:hiddenLine xmlns:a14="http://schemas.microsoft.com/office/drawing/2010/main" xmlns="" w="9525">
+              <a14:hiddenLine xmlns:a14="http://schemas.microsoft.com/office/drawing/2010/main" w="9525">
                 <a:solidFill>
                   <a:srgbClr val="000000"/>
                 </a:solidFill>
@@ -3935,7 +4042,7 @@
   <p:timing>
     <p:tnLst>
       <p:par>
-        <p:cTn id="1" dur="indefinite" restart="never" nodeType="tmRoot"/>
+        <p:cTn xmlns:p14="http://schemas.microsoft.com/office/powerpoint/2010/main" id="1" dur="indefinite" restart="never" nodeType="tmRoot"/>
       </p:par>
     </p:tnLst>
   </p:timing>
@@ -4056,14 +4163,14 @@
           </a:ln>
           <a:extLst>
             <a:ext uri="{909E8E84-426E-40dd-AFC4-6F175D3DCCD1}">
-              <a14:hiddenFill xmlns:a14="http://schemas.microsoft.com/office/drawing/2010/main" xmlns="">
+              <a14:hiddenFill xmlns:a14="http://schemas.microsoft.com/office/drawing/2010/main">
                 <a:solidFill>
                   <a:srgbClr val="FFFFFF"/>
                 </a:solidFill>
               </a14:hiddenFill>
             </a:ext>
             <a:ext uri="{91240B29-F687-4f45-9708-019B960494DF}">
-              <a14:hiddenLine xmlns:a14="http://schemas.microsoft.com/office/drawing/2010/main" xmlns="" w="9525">
+              <a14:hiddenLine xmlns:a14="http://schemas.microsoft.com/office/drawing/2010/main" w="9525">
                 <a:solidFill>
                   <a:srgbClr val="000000"/>
                 </a:solidFill>
@@ -4073,7 +4180,7 @@
               </a14:hiddenLine>
             </a:ext>
             <a:ext uri="{FAA26D3D-D897-4be2-8F04-BA451C77F1D7}">
-              <ma14:placeholderFlag xmlns:ma14="http://schemas.microsoft.com/office/mac/drawingml/2011/main" xmlns="" val="1"/>
+              <ma14:placeholderFlag xmlns:ma14="http://schemas.microsoft.com/office/mac/drawingml/2011/main" val="1"/>
             </a:ext>
           </a:extLst>
         </p:spPr>
@@ -4329,7 +4436,7 @@
   <p:timing>
     <p:tnLst>
       <p:par>
-        <p:cTn id="1" dur="indefinite" restart="never" nodeType="tmRoot"/>
+        <p:cTn xmlns:p14="http://schemas.microsoft.com/office/powerpoint/2010/main" id="1" dur="indefinite" restart="never" nodeType="tmRoot"/>
       </p:par>
     </p:tnLst>
   </p:timing>
@@ -4548,8 +4655,8 @@
           </a:p>
         </p:txBody>
       </p:sp>
-      <mc:AlternateContent xmlns:mc="http://schemas.openxmlformats.org/markup-compatibility/2006">
-        <mc:Choice xmlns:a14="http://schemas.microsoft.com/office/drawing/2010/main" Requires="a14">
+      <mc:AlternateContent xmlns:mc="http://schemas.openxmlformats.org/markup-compatibility/2006" xmlns:a14="http://schemas.microsoft.com/office/drawing/2010/main">
+        <mc:Choice Requires="a14">
           <p:sp>
             <p:nvSpPr>
               <p:cNvPr id="11" name="Content Placeholder 2"/>
@@ -4572,14 +4679,14 @@
               </a:ln>
               <a:extLst>
                 <a:ext uri="{909E8E84-426E-40dd-AFC4-6F175D3DCCD1}">
-                  <a14:hiddenFill xmlns="">
+                  <a14:hiddenFill>
                     <a:solidFill>
                       <a:srgbClr val="FFFFFF"/>
                     </a:solidFill>
                   </a14:hiddenFill>
                 </a:ext>
                 <a:ext uri="{91240B29-F687-4f45-9708-019B960494DF}">
-                  <a14:hiddenLine xmlns="" w="9525">
+                  <a14:hiddenLine w="9525">
                     <a:solidFill>
                       <a:srgbClr val="000000"/>
                     </a:solidFill>
@@ -4589,7 +4696,7 @@
                   </a14:hiddenLine>
                 </a:ext>
                 <a:ext uri="{FAA26D3D-D897-4be2-8F04-BA451C77F1D7}">
-                  <ma14:placeholderFlag xmlns:ma14="http://schemas.microsoft.com/office/mac/drawingml/2011/main" xmlns="" val="1"/>
+                  <ma14:placeholderFlag xmlns:ma14="http://schemas.microsoft.com/office/mac/drawingml/2011/main" val="1"/>
                 </a:ext>
               </a:extLst>
             </p:spPr>
@@ -4830,7 +4937,7 @@
               <a:p>
                 <a:pPr lvl="1"/>
                 <a14:m>
-                  <m:oMath xmlns:m="http://schemas.openxmlformats.org/officeDocument/2006/math">
+                  <m:oMath xmlns:m="http://schemas.openxmlformats.org/officeDocument/2006/math" xmlns="">
                     <m:r>
                       <a:rPr lang="en-ZA" b="1" i="1" kern="0" smtClean="0">
                         <a:latin typeface="Cambria Math" panose="02040503050406030204" pitchFamily="18" charset="0"/>
@@ -4897,7 +5004,7 @@
               <a:p>
                 <a:pPr lvl="1"/>
                 <a14:m>
-                  <m:oMath xmlns:m="http://schemas.openxmlformats.org/officeDocument/2006/math">
+                  <m:oMath xmlns:m="http://schemas.openxmlformats.org/officeDocument/2006/math" xmlns="">
                     <m:r>
                       <a:rPr lang="en-ZA" b="1" i="1" kern="0" smtClean="0">
                         <a:latin typeface="Cambria Math" panose="02040503050406030204" pitchFamily="18" charset="0"/>
@@ -4910,12 +5017,11 @@
                   <a:rPr lang="en-ZA" kern="0" dirty="0" smtClean="0"/>
                   <a:t>= 5cm</a:t>
                 </a:r>
-                <a:endParaRPr lang="en-ZA" kern="0" dirty="0" smtClean="0"/>
               </a:p>
               <a:p>
                 <a:pPr lvl="1"/>
                 <a14:m>
-                  <m:oMath xmlns:m="http://schemas.openxmlformats.org/officeDocument/2006/math">
+                  <m:oMath xmlns:m="http://schemas.openxmlformats.org/officeDocument/2006/math" xmlns="">
                     <m:sSub>
                       <m:sSubPr>
                         <m:ctrlPr>
@@ -4948,17 +5054,13 @@
                 </a14:m>
                 <a:r>
                   <a:rPr lang="en-ZA" kern="0" dirty="0" smtClean="0"/>
-                  <a:t>= </a:t>
-                </a:r>
-                <a:r>
-                  <a:rPr lang="en-ZA" kern="0" dirty="0" smtClean="0"/>
-                  <a:t>wavelength of maximum frequency</a:t>
+                  <a:t>= wavelength of maximum frequency</a:t>
                 </a:r>
               </a:p>
             </p:txBody>
           </p:sp>
         </mc:Choice>
-        <mc:Fallback>
+        <mc:Fallback xmlns="">
           <p:sp>
             <p:nvSpPr>
               <p:cNvPr id="11" name="Content Placeholder 2"/>
@@ -5035,7 +5137,7 @@
   <p:timing>
     <p:tnLst>
       <p:par>
-        <p:cTn id="1" dur="indefinite" restart="never" nodeType="tmRoot"/>
+        <p:cTn xmlns:p14="http://schemas.microsoft.com/office/powerpoint/2010/main" id="1" dur="indefinite" restart="never" nodeType="tmRoot"/>
       </p:par>
     </p:tnLst>
   </p:timing>
@@ -5093,7 +5195,7 @@
           </p:nvPr>
         </p:nvPicPr>
         <p:blipFill>
-          <a:blip r:embed="rId2">
+          <a:blip r:embed="rId3">
             <a:extLst>
               <a:ext uri="{28A0092B-C50C-407E-A947-70E740481C1C}">
                 <a14:useLocalDpi xmlns:a14="http://schemas.microsoft.com/office/drawing/2010/main" val="0"/>
@@ -5156,14 +5258,14 @@
           </a:ln>
           <a:extLst>
             <a:ext uri="{909E8E84-426E-40dd-AFC4-6F175D3DCCD1}">
-              <a14:hiddenFill xmlns:a14="http://schemas.microsoft.com/office/drawing/2010/main" xmlns="">
+              <a14:hiddenFill xmlns:a14="http://schemas.microsoft.com/office/drawing/2010/main">
                 <a:solidFill>
                   <a:srgbClr val="FFFFFF"/>
                 </a:solidFill>
               </a14:hiddenFill>
             </a:ext>
             <a:ext uri="{91240B29-F687-4f45-9708-019B960494DF}">
-              <a14:hiddenLine xmlns:a14="http://schemas.microsoft.com/office/drawing/2010/main" xmlns="" w="9525">
+              <a14:hiddenLine xmlns:a14="http://schemas.microsoft.com/office/drawing/2010/main" w="9525">
                 <a:solidFill>
                   <a:srgbClr val="000000"/>
                 </a:solidFill>
@@ -5173,7 +5275,7 @@
               </a14:hiddenLine>
             </a:ext>
             <a:ext uri="{FAA26D3D-D897-4be2-8F04-BA451C77F1D7}">
-              <ma14:placeholderFlag xmlns:ma14="http://schemas.microsoft.com/office/mac/drawingml/2011/main" xmlns="" val="1"/>
+              <ma14:placeholderFlag xmlns:ma14="http://schemas.microsoft.com/office/mac/drawingml/2011/main" val="1"/>
             </a:ext>
           </a:extLst>
         </p:spPr>
@@ -5417,7 +5519,6 @@
               <a:rPr lang="en-ZA" kern="0" dirty="0" smtClean="0"/>
               <a:t>Due to filter                                                                               order</a:t>
             </a:r>
-            <a:endParaRPr lang="en-ZA" kern="0" dirty="0" smtClean="0"/>
           </a:p>
           <a:p>
             <a:pPr marL="190500" indent="0">
@@ -5443,7 +5544,7 @@
   <p:timing>
     <p:tnLst>
       <p:par>
-        <p:cTn id="1" dur="indefinite" restart="never" nodeType="tmRoot"/>
+        <p:cTn xmlns:p14="http://schemas.microsoft.com/office/powerpoint/2010/main" id="1" dur="indefinite" restart="never" nodeType="tmRoot"/>
       </p:par>
     </p:tnLst>
   </p:timing>
@@ -5666,14 +5767,14 @@
           </a:ln>
           <a:extLst>
             <a:ext uri="{909E8E84-426E-40dd-AFC4-6F175D3DCCD1}">
-              <a14:hiddenFill xmlns:a14="http://schemas.microsoft.com/office/drawing/2010/main" xmlns="">
+              <a14:hiddenFill xmlns:a14="http://schemas.microsoft.com/office/drawing/2010/main">
                 <a:solidFill>
                   <a:srgbClr val="FFFFFF"/>
                 </a:solidFill>
               </a14:hiddenFill>
             </a:ext>
             <a:ext uri="{91240B29-F687-4f45-9708-019B960494DF}">
-              <a14:hiddenLine xmlns:a14="http://schemas.microsoft.com/office/drawing/2010/main" xmlns="" w="9525">
+              <a14:hiddenLine xmlns:a14="http://schemas.microsoft.com/office/drawing/2010/main" w="9525">
                 <a:solidFill>
                   <a:srgbClr val="000000"/>
                 </a:solidFill>
@@ -5683,7 +5784,7 @@
               </a14:hiddenLine>
             </a:ext>
             <a:ext uri="{FAA26D3D-D897-4be2-8F04-BA451C77F1D7}">
-              <ma14:placeholderFlag xmlns:ma14="http://schemas.microsoft.com/office/mac/drawingml/2011/main" xmlns="" val="1"/>
+              <ma14:placeholderFlag xmlns:ma14="http://schemas.microsoft.com/office/mac/drawingml/2011/main" val="1"/>
             </a:ext>
           </a:extLst>
         </p:spPr>
@@ -5957,7 +6058,7 @@
   <p:timing>
     <p:tnLst>
       <p:par>
-        <p:cTn id="1" dur="indefinite" restart="never" nodeType="tmRoot"/>
+        <p:cTn xmlns:p14="http://schemas.microsoft.com/office/powerpoint/2010/main" id="1" dur="indefinite" restart="never" nodeType="tmRoot"/>
       </p:par>
     </p:tnLst>
   </p:timing>
@@ -6033,28 +6134,28 @@
                 <a:gridCol w="2054210">
                   <a:extLst>
                     <a:ext uri="{9D8B030D-6E8A-4147-A177-3AD203B41FA5}">
-                      <a16:colId xmlns:a16="http://schemas.microsoft.com/office/drawing/2014/main" val="20000"/>
+                      <a16:colId xmlns:a16="http://schemas.microsoft.com/office/drawing/2014/main" xmlns="" val="20000"/>
                     </a:ext>
                   </a:extLst>
                 </a:gridCol>
                 <a:gridCol w="1917260">
                   <a:extLst>
                     <a:ext uri="{9D8B030D-6E8A-4147-A177-3AD203B41FA5}">
-                      <a16:colId xmlns:a16="http://schemas.microsoft.com/office/drawing/2014/main" val="1220490089"/>
+                      <a16:colId xmlns:a16="http://schemas.microsoft.com/office/drawing/2014/main" xmlns="" val="1220490089"/>
                     </a:ext>
                   </a:extLst>
                 </a:gridCol>
                 <a:gridCol w="1506419">
                   <a:extLst>
                     <a:ext uri="{9D8B030D-6E8A-4147-A177-3AD203B41FA5}">
-                      <a16:colId xmlns:a16="http://schemas.microsoft.com/office/drawing/2014/main" val="67218977"/>
+                      <a16:colId xmlns:a16="http://schemas.microsoft.com/office/drawing/2014/main" xmlns="" val="67218977"/>
                     </a:ext>
                   </a:extLst>
                 </a:gridCol>
                 <a:gridCol w="1291054">
                   <a:extLst>
                     <a:ext uri="{9D8B030D-6E8A-4147-A177-3AD203B41FA5}">
-                      <a16:colId xmlns:a16="http://schemas.microsoft.com/office/drawing/2014/main" val="3056518911"/>
+                      <a16:colId xmlns:a16="http://schemas.microsoft.com/office/drawing/2014/main" xmlns="" val="3056518911"/>
                     </a:ext>
                   </a:extLst>
                 </a:gridCol>
@@ -6163,7 +6264,7 @@
                 </a:tc>
                 <a:extLst>
                   <a:ext uri="{0D108BD9-81ED-4DB2-BD59-A6C34878D82A}">
-                    <a16:rowId xmlns:a16="http://schemas.microsoft.com/office/drawing/2014/main" val="3871997748"/>
+                    <a16:rowId xmlns:a16="http://schemas.microsoft.com/office/drawing/2014/main" xmlns="" val="3871997748"/>
                   </a:ext>
                 </a:extLst>
               </a:tr>
@@ -6236,7 +6337,7 @@
                 </a:tc>
                 <a:extLst>
                   <a:ext uri="{0D108BD9-81ED-4DB2-BD59-A6C34878D82A}">
-                    <a16:rowId xmlns:a16="http://schemas.microsoft.com/office/drawing/2014/main" val="373921578"/>
+                    <a16:rowId xmlns:a16="http://schemas.microsoft.com/office/drawing/2014/main" xmlns="" val="373921578"/>
                   </a:ext>
                 </a:extLst>
               </a:tr>
@@ -6324,7 +6425,7 @@
                 </a:tc>
                 <a:extLst>
                   <a:ext uri="{0D108BD9-81ED-4DB2-BD59-A6C34878D82A}">
-                    <a16:rowId xmlns:a16="http://schemas.microsoft.com/office/drawing/2014/main" val="3868297120"/>
+                    <a16:rowId xmlns:a16="http://schemas.microsoft.com/office/drawing/2014/main" xmlns="" val="3868297120"/>
                   </a:ext>
                 </a:extLst>
               </a:tr>
@@ -6397,7 +6498,7 @@
                 </a:tc>
                 <a:extLst>
                   <a:ext uri="{0D108BD9-81ED-4DB2-BD59-A6C34878D82A}">
-                    <a16:rowId xmlns:a16="http://schemas.microsoft.com/office/drawing/2014/main" val="3602717608"/>
+                    <a16:rowId xmlns:a16="http://schemas.microsoft.com/office/drawing/2014/main" xmlns="" val="3602717608"/>
                   </a:ext>
                 </a:extLst>
               </a:tr>
@@ -6485,7 +6586,7 @@
                 </a:tc>
                 <a:extLst>
                   <a:ext uri="{0D108BD9-81ED-4DB2-BD59-A6C34878D82A}">
-                    <a16:rowId xmlns:a16="http://schemas.microsoft.com/office/drawing/2014/main" val="684964139"/>
+                    <a16:rowId xmlns:a16="http://schemas.microsoft.com/office/drawing/2014/main" xmlns="" val="684964139"/>
                   </a:ext>
                 </a:extLst>
               </a:tr>
@@ -6544,21 +6645,21 @@
                 <a:gridCol w="2054150">
                   <a:extLst>
                     <a:ext uri="{9D8B030D-6E8A-4147-A177-3AD203B41FA5}">
-                      <a16:colId xmlns:a16="http://schemas.microsoft.com/office/drawing/2014/main" val="20000"/>
+                      <a16:colId xmlns:a16="http://schemas.microsoft.com/office/drawing/2014/main" xmlns="" val="20000"/>
                     </a:ext>
                   </a:extLst>
                 </a:gridCol>
                 <a:gridCol w="3423583">
                   <a:extLst>
                     <a:ext uri="{9D8B030D-6E8A-4147-A177-3AD203B41FA5}">
-                      <a16:colId xmlns:a16="http://schemas.microsoft.com/office/drawing/2014/main" val="3160404703"/>
+                      <a16:colId xmlns:a16="http://schemas.microsoft.com/office/drawing/2014/main" xmlns="" val="3160404703"/>
                     </a:ext>
                   </a:extLst>
                 </a:gridCol>
                 <a:gridCol w="1291019">
                   <a:extLst>
                     <a:ext uri="{9D8B030D-6E8A-4147-A177-3AD203B41FA5}">
-                      <a16:colId xmlns:a16="http://schemas.microsoft.com/office/drawing/2014/main" val="2004772524"/>
+                      <a16:colId xmlns:a16="http://schemas.microsoft.com/office/drawing/2014/main" xmlns="" val="2004772524"/>
                     </a:ext>
                   </a:extLst>
                 </a:gridCol>
@@ -6686,7 +6787,7 @@
                 </a:tc>
                 <a:extLst>
                   <a:ext uri="{0D108BD9-81ED-4DB2-BD59-A6C34878D82A}">
-                    <a16:rowId xmlns:a16="http://schemas.microsoft.com/office/drawing/2014/main" val="3857195092"/>
+                    <a16:rowId xmlns:a16="http://schemas.microsoft.com/office/drawing/2014/main" xmlns="" val="3857195092"/>
                   </a:ext>
                 </a:extLst>
               </a:tr>
@@ -6744,7 +6845,7 @@
                 </a:tc>
                 <a:extLst>
                   <a:ext uri="{0D108BD9-81ED-4DB2-BD59-A6C34878D82A}">
-                    <a16:rowId xmlns:a16="http://schemas.microsoft.com/office/drawing/2014/main" val="1176978316"/>
+                    <a16:rowId xmlns:a16="http://schemas.microsoft.com/office/drawing/2014/main" xmlns="" val="1176978316"/>
                   </a:ext>
                 </a:extLst>
               </a:tr>
@@ -6802,7 +6903,7 @@
                 </a:tc>
                 <a:extLst>
                   <a:ext uri="{0D108BD9-81ED-4DB2-BD59-A6C34878D82A}">
-                    <a16:rowId xmlns:a16="http://schemas.microsoft.com/office/drawing/2014/main" val="1271360358"/>
+                    <a16:rowId xmlns:a16="http://schemas.microsoft.com/office/drawing/2014/main" xmlns="" val="1271360358"/>
                   </a:ext>
                 </a:extLst>
               </a:tr>
@@ -6860,7 +6961,7 @@
                 </a:tc>
                 <a:extLst>
                   <a:ext uri="{0D108BD9-81ED-4DB2-BD59-A6C34878D82A}">
-                    <a16:rowId xmlns:a16="http://schemas.microsoft.com/office/drawing/2014/main" val="2734475198"/>
+                    <a16:rowId xmlns:a16="http://schemas.microsoft.com/office/drawing/2014/main" xmlns="" val="2734475198"/>
                   </a:ext>
                 </a:extLst>
               </a:tr>
@@ -6918,7 +7019,7 @@
                 </a:tc>
                 <a:extLst>
                   <a:ext uri="{0D108BD9-81ED-4DB2-BD59-A6C34878D82A}">
-                    <a16:rowId xmlns:a16="http://schemas.microsoft.com/office/drawing/2014/main" val="1320419717"/>
+                    <a16:rowId xmlns:a16="http://schemas.microsoft.com/office/drawing/2014/main" xmlns="" val="1320419717"/>
                   </a:ext>
                 </a:extLst>
               </a:tr>
@@ -6976,7 +7077,7 @@
                 </a:tc>
                 <a:extLst>
                   <a:ext uri="{0D108BD9-81ED-4DB2-BD59-A6C34878D82A}">
-                    <a16:rowId xmlns:a16="http://schemas.microsoft.com/office/drawing/2014/main" val="2814437447"/>
+                    <a16:rowId xmlns:a16="http://schemas.microsoft.com/office/drawing/2014/main" xmlns="" val="2814437447"/>
                   </a:ext>
                 </a:extLst>
               </a:tr>
@@ -7034,7 +7135,7 @@
                 </a:tc>
                 <a:extLst>
                   <a:ext uri="{0D108BD9-81ED-4DB2-BD59-A6C34878D82A}">
-                    <a16:rowId xmlns:a16="http://schemas.microsoft.com/office/drawing/2014/main" val="3814854473"/>
+                    <a16:rowId xmlns:a16="http://schemas.microsoft.com/office/drawing/2014/main" xmlns="" val="3814854473"/>
                   </a:ext>
                 </a:extLst>
               </a:tr>
@@ -7055,7 +7156,7 @@
   <p:timing>
     <p:tnLst>
       <p:par>
-        <p:cTn id="1" dur="indefinite" restart="never" nodeType="tmRoot"/>
+        <p:cTn xmlns:p14="http://schemas.microsoft.com/office/powerpoint/2010/main" id="1" dur="indefinite" restart="never" nodeType="tmRoot"/>
       </p:par>
     </p:tnLst>
   </p:timing>
@@ -7204,8 +7305,12 @@
               <a:t>Emdedding </a:t>
             </a:r>
             <a:r>
+              <a:rPr lang="en-ZA" dirty="0" smtClean="0"/>
+              <a:t>circuitry </a:t>
+            </a:r>
+            <a:r>
               <a:rPr lang="en-ZA" dirty="0"/>
-              <a:t>the microphones and circuitry into </a:t>
+              <a:t>into </a:t>
             </a:r>
             <a:r>
               <a:rPr lang="en-ZA" dirty="0" smtClean="0"/>
@@ -7281,7 +7386,7 @@
   <p:timing>
     <p:tnLst>
       <p:par>
-        <p:cTn id="1" dur="indefinite" restart="never" nodeType="tmRoot"/>
+        <p:cTn xmlns:p14="http://schemas.microsoft.com/office/powerpoint/2010/main" id="1" dur="indefinite" restart="never" nodeType="tmRoot"/>
       </p:par>
     </p:tnLst>
   </p:timing>
@@ -7382,14 +7487,12 @@
               <a:rPr lang="en-ZA" dirty="0" smtClean="0"/>
               <a:t>directionality</a:t>
             </a:r>
-            <a:endParaRPr lang="en-ZA" dirty="0" smtClean="0"/>
           </a:p>
           <a:p>
             <a:r>
               <a:rPr lang="en-ZA" dirty="0" smtClean="0"/>
               <a:t>Concepts proven in hardware</a:t>
             </a:r>
-            <a:endParaRPr lang="en-ZA" dirty="0" smtClean="0"/>
           </a:p>
           <a:p>
             <a:endParaRPr lang="en-ZA" dirty="0" smtClean="0"/>
@@ -7435,7 +7538,7 @@
   <p:timing>
     <p:tnLst>
       <p:par>
-        <p:cTn id="1" dur="indefinite" restart="never" nodeType="tmRoot"/>
+        <p:cTn xmlns:p14="http://schemas.microsoft.com/office/powerpoint/2010/main" id="1" dur="indefinite" restart="never" nodeType="tmRoot"/>
       </p:par>
     </p:tnLst>
   </p:timing>
@@ -7476,7 +7579,7 @@
           <a:p>
             <a:r>
               <a:rPr lang="en-ZA" dirty="0" smtClean="0"/>
-              <a:t>Questions?</a:t>
+              <a:t>References</a:t>
             </a:r>
             <a:endParaRPr lang="en-ZA" dirty="0"/>
           </a:p>
@@ -7492,7 +7595,12 @@
             <p:ph idx="1"/>
           </p:nvPr>
         </p:nvSpPr>
-        <p:spPr/>
+        <p:spPr>
+          <a:xfrm>
+            <a:off x="342900" y="2209800"/>
+            <a:ext cx="9067800" cy="3352800"/>
+          </a:xfrm>
+        </p:spPr>
         <p:txBody>
           <a:bodyPr/>
           <a:lstStyle/>
@@ -7500,6 +7608,110 @@
             <a:pPr marL="190500" indent="0">
               <a:buNone/>
             </a:pPr>
+            <a:r>
+              <a:rPr lang="en-ZA" b="0" dirty="0" smtClean="0"/>
+              <a:t>[1]	L</a:t>
+            </a:r>
+            <a:r>
+              <a:rPr lang="en-ZA" b="0" dirty="0"/>
+              <a:t>. Tiete et al. </a:t>
+            </a:r>
+            <a:r>
+              <a:rPr lang="en-ZA" b="0" dirty="0" smtClean="0"/>
+              <a:t>“</a:t>
+            </a:r>
+            <a:r>
+              <a:rPr lang="en-ZA" b="0" dirty="0"/>
+              <a:t>Detecting Laterality </a:t>
+            </a:r>
+            <a:r>
+              <a:rPr lang="en-ZA" b="0" dirty="0" smtClean="0"/>
+              <a:t>and </a:t>
+            </a:r>
+            <a:r>
+              <a:rPr lang="en-ZA" b="0" dirty="0"/>
+              <a:t>Nasality in </a:t>
+            </a:r>
+            <a:r>
+              <a:rPr lang="en-ZA" b="0" dirty="0" smtClean="0"/>
+              <a:t>Speech 	with </a:t>
+            </a:r>
+            <a:r>
+              <a:rPr lang="en-ZA" b="0" dirty="0"/>
+              <a:t>the Use </a:t>
+            </a:r>
+            <a:r>
+              <a:rPr lang="en-ZA" b="0" dirty="0" smtClean="0"/>
+              <a:t>of </a:t>
+            </a:r>
+            <a:r>
+              <a:rPr lang="en-ZA" b="0" dirty="0"/>
+              <a:t>a Multi-Channel </a:t>
+            </a:r>
+            <a:r>
+              <a:rPr lang="de-DE" b="0" dirty="0" err="1"/>
+              <a:t>recorder</a:t>
+            </a:r>
+            <a:r>
+              <a:rPr lang="de-DE" b="0" dirty="0" smtClean="0"/>
+              <a:t>.</a:t>
+            </a:r>
+            <a:r>
+              <a:rPr lang="en-ZA" b="0" dirty="0" smtClean="0"/>
+              <a:t>” </a:t>
+            </a:r>
+            <a:r>
+              <a:rPr lang="de-DE" b="0" i="1" dirty="0" smtClean="0"/>
+              <a:t>Sensors </a:t>
+            </a:r>
+            <a:r>
+              <a:rPr lang="de-DE" b="0" i="1" dirty="0"/>
+              <a:t>(Basel, </a:t>
+            </a:r>
+            <a:r>
+              <a:rPr lang="de-DE" b="0" i="1" dirty="0" smtClean="0"/>
+              <a:t>	</a:t>
+            </a:r>
+            <a:r>
+              <a:rPr lang="de-DE" b="0" i="1" dirty="0" err="1" smtClean="0"/>
+              <a:t>Switzerland</a:t>
+            </a:r>
+            <a:r>
+              <a:rPr lang="de-DE" b="0" i="1" dirty="0"/>
+              <a:t>)</a:t>
+            </a:r>
+            <a:r>
+              <a:rPr lang="de-DE" b="0" dirty="0"/>
+              <a:t>, vol. </a:t>
+            </a:r>
+            <a:r>
+              <a:rPr lang="de-DE" b="0" dirty="0" smtClean="0"/>
+              <a:t>14, </a:t>
+            </a:r>
+            <a:r>
+              <a:rPr lang="en-ZA" b="0" dirty="0" smtClean="0"/>
+              <a:t>pp</a:t>
+            </a:r>
+            <a:r>
+              <a:rPr lang="en-ZA" b="0" dirty="0"/>
+              <a:t>. </a:t>
+            </a:r>
+            <a:r>
+              <a:rPr lang="en-ZA" b="0" dirty="0" smtClean="0"/>
+              <a:t>1918-1949</a:t>
+            </a:r>
+            <a:r>
+              <a:rPr lang="en-ZA" b="0" dirty="0"/>
+              <a:t>, 02 </a:t>
+            </a:r>
+            <a:r>
+              <a:rPr lang="en-ZA" b="0" dirty="0" smtClean="0"/>
+              <a:t>2014</a:t>
+            </a:r>
+            <a:r>
+              <a:rPr lang="en-ZA" b="0" dirty="0"/>
+              <a:t>.</a:t>
+            </a:r>
             <a:endParaRPr lang="en-ZA" dirty="0"/>
           </a:p>
         </p:txBody>
@@ -7530,7 +7742,7 @@
     </p:spTree>
     <p:extLst>
       <p:ext uri="{BB962C8B-B14F-4D97-AF65-F5344CB8AC3E}">
-        <p14:creationId xmlns:p14="http://schemas.microsoft.com/office/powerpoint/2010/main" val="3836966826"/>
+        <p14:creationId xmlns:p14="http://schemas.microsoft.com/office/powerpoint/2010/main" val="1274193584"/>
       </p:ext>
     </p:extLst>
   </p:cSld>
@@ -7540,7 +7752,7 @@
   <p:timing>
     <p:tnLst>
       <p:par>
-        <p:cTn id="1" dur="indefinite" restart="never" nodeType="tmRoot"/>
+        <p:cTn xmlns:p14="http://schemas.microsoft.com/office/powerpoint/2010/main" id="1" dur="indefinite" restart="never" nodeType="tmRoot"/>
       </p:par>
     </p:tnLst>
   </p:timing>
@@ -7581,7 +7793,7 @@
           <a:p>
             <a:r>
               <a:rPr lang="en-ZA" dirty="0" smtClean="0"/>
-              <a:t>References</a:t>
+              <a:t>Questions?</a:t>
             </a:r>
             <a:endParaRPr lang="en-ZA" dirty="0"/>
           </a:p>
@@ -7602,54 +7814,9 @@
           <a:bodyPr/>
           <a:lstStyle/>
           <a:p>
-            <a:r>
-              <a:rPr lang="en-ZA" b="0" dirty="0"/>
-              <a:t>L. Tiete et al. </a:t>
-            </a:r>
-            <a:r>
-              <a:rPr lang="en-ZA" b="0" dirty="0" smtClean="0"/>
-              <a:t>“Detecting Laterality and Nasality </a:t>
-            </a:r>
-            <a:r>
-              <a:rPr lang="en-ZA" b="0" dirty="0"/>
-              <a:t>in Speech with the Use of a </a:t>
-            </a:r>
-            <a:r>
-              <a:rPr lang="en-ZA" b="0" dirty="0" smtClean="0"/>
-              <a:t>Multi-Channel </a:t>
-            </a:r>
-            <a:r>
-              <a:rPr lang="de-DE" b="0" dirty="0" err="1" smtClean="0"/>
-              <a:t>recorder</a:t>
-            </a:r>
-            <a:r>
-              <a:rPr lang="de-DE" b="0" smtClean="0"/>
-              <a:t>.““ </a:t>
-            </a:r>
-            <a:r>
-              <a:rPr lang="de-DE" b="0" dirty="0"/>
-              <a:t>Sensors (Basel, </a:t>
-            </a:r>
-            <a:r>
-              <a:rPr lang="de-DE" b="0" dirty="0" err="1"/>
-              <a:t>Switzerland</a:t>
-            </a:r>
-            <a:r>
-              <a:rPr lang="de-DE" b="0" dirty="0"/>
-              <a:t>), vol. </a:t>
-            </a:r>
-            <a:r>
-              <a:rPr lang="de-DE" b="0" dirty="0" smtClean="0"/>
-              <a:t>14,</a:t>
-            </a:r>
-            <a:r>
-              <a:rPr lang="en-ZA" b="0" dirty="0" smtClean="0"/>
-              <a:t>pp</a:t>
-            </a:r>
-            <a:r>
-              <a:rPr lang="en-ZA" b="0" dirty="0"/>
-              <a:t>. 1918{49, 02 2014.</a:t>
-            </a:r>
+            <a:pPr marL="190500" indent="0">
+              <a:buNone/>
+            </a:pPr>
             <a:endParaRPr lang="en-ZA" dirty="0"/>
           </a:p>
         </p:txBody>
@@ -7680,7 +7847,7 @@
     </p:spTree>
     <p:extLst>
       <p:ext uri="{BB962C8B-B14F-4D97-AF65-F5344CB8AC3E}">
-        <p14:creationId xmlns:p14="http://schemas.microsoft.com/office/powerpoint/2010/main" val="1274193584"/>
+        <p14:creationId xmlns:p14="http://schemas.microsoft.com/office/powerpoint/2010/main" val="3836966826"/>
       </p:ext>
     </p:extLst>
   </p:cSld>
@@ -7690,7 +7857,7 @@
   <p:timing>
     <p:tnLst>
       <p:par>
-        <p:cTn id="1" dur="indefinite" restart="never" nodeType="tmRoot"/>
+        <p:cTn xmlns:p14="http://schemas.microsoft.com/office/powerpoint/2010/main" id="1" dur="indefinite" restart="never" nodeType="tmRoot"/>
       </p:par>
     </p:tnLst>
   </p:timing>
@@ -7861,7 +8028,7 @@
   <p:timing>
     <p:tnLst>
       <p:par>
-        <p:cTn id="1" dur="indefinite" restart="never" nodeType="tmRoot"/>
+        <p:cTn xmlns:p14="http://schemas.microsoft.com/office/powerpoint/2010/main" id="1" dur="indefinite" restart="never" nodeType="tmRoot"/>
       </p:par>
     </p:tnLst>
   </p:timing>
@@ -8048,7 +8215,7 @@
   <p:timing>
     <p:tnLst>
       <p:par>
-        <p:cTn id="1" dur="indefinite" restart="never" nodeType="tmRoot"/>
+        <p:cTn xmlns:p14="http://schemas.microsoft.com/office/powerpoint/2010/main" id="1" dur="indefinite" restart="never" nodeType="tmRoot"/>
       </p:par>
     </p:tnLst>
   </p:timing>
@@ -8161,7 +8328,7 @@
   <p:timing>
     <p:tnLst>
       <p:par>
-        <p:cTn id="1" dur="indefinite" restart="never" nodeType="tmRoot"/>
+        <p:cTn xmlns:p14="http://schemas.microsoft.com/office/powerpoint/2010/main" id="1" dur="indefinite" restart="never" nodeType="tmRoot"/>
       </p:par>
     </p:tnLst>
   </p:timing>
@@ -8237,21 +8404,21 @@
                 <a:gridCol w="2880319">
                   <a:extLst>
                     <a:ext uri="{9D8B030D-6E8A-4147-A177-3AD203B41FA5}">
-                      <a16:colId xmlns:a16="http://schemas.microsoft.com/office/drawing/2014/main" val="1205949033"/>
+                      <a16:colId xmlns:a16="http://schemas.microsoft.com/office/drawing/2014/main" xmlns="" val="1205949033"/>
                     </a:ext>
                   </a:extLst>
                 </a:gridCol>
                 <a:gridCol w="2448272">
                   <a:extLst>
                     <a:ext uri="{9D8B030D-6E8A-4147-A177-3AD203B41FA5}">
-                      <a16:colId xmlns:a16="http://schemas.microsoft.com/office/drawing/2014/main" val="3234676645"/>
+                      <a16:colId xmlns:a16="http://schemas.microsoft.com/office/drawing/2014/main" xmlns="" val="3234676645"/>
                     </a:ext>
                   </a:extLst>
                 </a:gridCol>
                 <a:gridCol w="3168351">
                   <a:extLst>
                     <a:ext uri="{9D8B030D-6E8A-4147-A177-3AD203B41FA5}">
-                      <a16:colId xmlns:a16="http://schemas.microsoft.com/office/drawing/2014/main" val="497167739"/>
+                      <a16:colId xmlns:a16="http://schemas.microsoft.com/office/drawing/2014/main" xmlns="" val="497167739"/>
                     </a:ext>
                   </a:extLst>
                 </a:gridCol>
@@ -8304,7 +8471,7 @@
                 </a:tc>
                 <a:extLst>
                   <a:ext uri="{0D108BD9-81ED-4DB2-BD59-A6C34878D82A}">
-                    <a16:rowId xmlns:a16="http://schemas.microsoft.com/office/drawing/2014/main" val="3709011960"/>
+                    <a16:rowId xmlns:a16="http://schemas.microsoft.com/office/drawing/2014/main" xmlns="" val="3709011960"/>
                   </a:ext>
                 </a:extLst>
               </a:tr>
@@ -8360,7 +8527,7 @@
                 </a:tc>
                 <a:extLst>
                   <a:ext uri="{0D108BD9-81ED-4DB2-BD59-A6C34878D82A}">
-                    <a16:rowId xmlns:a16="http://schemas.microsoft.com/office/drawing/2014/main" val="4214479577"/>
+                    <a16:rowId xmlns:a16="http://schemas.microsoft.com/office/drawing/2014/main" xmlns="" val="4214479577"/>
                   </a:ext>
                 </a:extLst>
               </a:tr>
@@ -8452,7 +8619,7 @@
                 </a:tc>
                 <a:extLst>
                   <a:ext uri="{0D108BD9-81ED-4DB2-BD59-A6C34878D82A}">
-                    <a16:rowId xmlns:a16="http://schemas.microsoft.com/office/drawing/2014/main" val="3266579009"/>
+                    <a16:rowId xmlns:a16="http://schemas.microsoft.com/office/drawing/2014/main" xmlns="" val="3266579009"/>
                   </a:ext>
                 </a:extLst>
               </a:tr>
@@ -8504,7 +8671,7 @@
                 </a:tc>
                 <a:extLst>
                   <a:ext uri="{0D108BD9-81ED-4DB2-BD59-A6C34878D82A}">
-                    <a16:rowId xmlns:a16="http://schemas.microsoft.com/office/drawing/2014/main" val="282706019"/>
+                    <a16:rowId xmlns:a16="http://schemas.microsoft.com/office/drawing/2014/main" xmlns="" val="282706019"/>
                   </a:ext>
                 </a:extLst>
               </a:tr>
@@ -8556,7 +8723,7 @@
                 </a:tc>
                 <a:extLst>
                   <a:ext uri="{0D108BD9-81ED-4DB2-BD59-A6C34878D82A}">
-                    <a16:rowId xmlns:a16="http://schemas.microsoft.com/office/drawing/2014/main" val="10004"/>
+                    <a16:rowId xmlns:a16="http://schemas.microsoft.com/office/drawing/2014/main" xmlns="" val="10004"/>
                   </a:ext>
                 </a:extLst>
               </a:tr>
@@ -8612,7 +8779,7 @@
                 </a:tc>
                 <a:extLst>
                   <a:ext uri="{0D108BD9-81ED-4DB2-BD59-A6C34878D82A}">
-                    <a16:rowId xmlns:a16="http://schemas.microsoft.com/office/drawing/2014/main" val="1081411160"/>
+                    <a16:rowId xmlns:a16="http://schemas.microsoft.com/office/drawing/2014/main" xmlns="" val="1081411160"/>
                   </a:ext>
                 </a:extLst>
               </a:tr>
@@ -8679,7 +8846,7 @@
                 </a:tc>
                 <a:extLst>
                   <a:ext uri="{0D108BD9-81ED-4DB2-BD59-A6C34878D82A}">
-                    <a16:rowId xmlns:a16="http://schemas.microsoft.com/office/drawing/2014/main" val="2210005012"/>
+                    <a16:rowId xmlns:a16="http://schemas.microsoft.com/office/drawing/2014/main" xmlns="" val="2210005012"/>
                   </a:ext>
                 </a:extLst>
               </a:tr>
@@ -8799,7 +8966,7 @@
                 </a:tc>
                 <a:extLst>
                   <a:ext uri="{0D108BD9-81ED-4DB2-BD59-A6C34878D82A}">
-                    <a16:rowId xmlns:a16="http://schemas.microsoft.com/office/drawing/2014/main" val="1840919378"/>
+                    <a16:rowId xmlns:a16="http://schemas.microsoft.com/office/drawing/2014/main" xmlns="" val="1840919378"/>
                   </a:ext>
                 </a:extLst>
               </a:tr>
@@ -8855,7 +9022,7 @@
                 </a:tc>
                 <a:extLst>
                   <a:ext uri="{0D108BD9-81ED-4DB2-BD59-A6C34878D82A}">
-                    <a16:rowId xmlns:a16="http://schemas.microsoft.com/office/drawing/2014/main" val="1275340913"/>
+                    <a16:rowId xmlns:a16="http://schemas.microsoft.com/office/drawing/2014/main" xmlns="" val="1275340913"/>
                   </a:ext>
                 </a:extLst>
               </a:tr>
@@ -8899,7 +9066,7 @@
   <p:timing>
     <p:tnLst>
       <p:par>
-        <p:cTn id="1" dur="indefinite" restart="never" nodeType="tmRoot"/>
+        <p:cTn xmlns:p14="http://schemas.microsoft.com/office/powerpoint/2010/main" id="1" dur="indefinite" restart="never" nodeType="tmRoot"/>
       </p:par>
     </p:tnLst>
   </p:timing>
@@ -9081,7 +9248,7 @@
   <p:timing>
     <p:tnLst>
       <p:par>
-        <p:cTn id="1" dur="indefinite" restart="never" nodeType="tmRoot"/>
+        <p:cTn xmlns:p14="http://schemas.microsoft.com/office/powerpoint/2010/main" id="1" dur="indefinite" restart="never" nodeType="tmRoot"/>
       </p:par>
     </p:tnLst>
   </p:timing>
@@ -9217,6 +9384,36 @@
           </a:prstGeom>
         </p:spPr>
       </p:pic>
+      <p:sp>
+        <p:nvSpPr>
+          <p:cNvPr id="5" name="TextBox 4"/>
+          <p:cNvSpPr txBox="1"/>
+          <p:nvPr/>
+        </p:nvSpPr>
+        <p:spPr>
+          <a:xfrm>
+            <a:off x="7977336" y="5923335"/>
+            <a:ext cx="2222094" cy="369332"/>
+          </a:xfrm>
+          <a:prstGeom prst="rect">
+            <a:avLst/>
+          </a:prstGeom>
+          <a:noFill/>
+        </p:spPr>
+        <p:txBody>
+          <a:bodyPr wrap="square" rtlCol="0">
+            <a:spAutoFit/>
+          </a:bodyPr>
+          <a:lstStyle/>
+          <a:p>
+            <a:r>
+              <a:rPr lang="en-US" b="1" dirty="0" smtClean="0"/>
+              <a:t>Adapted from [1]</a:t>
+            </a:r>
+            <a:endParaRPr lang="en-US" b="1" dirty="0"/>
+          </a:p>
+        </p:txBody>
+      </p:sp>
     </p:spTree>
     <p:extLst>
       <p:ext uri="{BB962C8B-B14F-4D97-AF65-F5344CB8AC3E}">
@@ -9230,7 +9427,7 @@
   <p:timing>
     <p:tnLst>
       <p:par>
-        <p:cTn id="1" dur="indefinite" restart="never" nodeType="tmRoot"/>
+        <p:cTn xmlns:p14="http://schemas.microsoft.com/office/powerpoint/2010/main" id="1" dur="indefinite" restart="never" nodeType="tmRoot"/>
       </p:par>
     </p:tnLst>
   </p:timing>
@@ -9306,14 +9503,14 @@
                 <a:gridCol w="4108973">
                   <a:extLst>
                     <a:ext uri="{9D8B030D-6E8A-4147-A177-3AD203B41FA5}">
-                      <a16:colId xmlns:a16="http://schemas.microsoft.com/office/drawing/2014/main" val="641060483"/>
+                      <a16:colId xmlns:a16="http://schemas.microsoft.com/office/drawing/2014/main" xmlns="" val="641060483"/>
                     </a:ext>
                   </a:extLst>
                 </a:gridCol>
                 <a:gridCol w="1758427">
                   <a:extLst>
                     <a:ext uri="{9D8B030D-6E8A-4147-A177-3AD203B41FA5}">
-                      <a16:colId xmlns:a16="http://schemas.microsoft.com/office/drawing/2014/main" val="1147500092"/>
+                      <a16:colId xmlns:a16="http://schemas.microsoft.com/office/drawing/2014/main" xmlns="" val="1147500092"/>
                     </a:ext>
                   </a:extLst>
                 </a:gridCol>
@@ -9349,7 +9546,7 @@
                 </a:tc>
                 <a:extLst>
                   <a:ext uri="{0D108BD9-81ED-4DB2-BD59-A6C34878D82A}">
-                    <a16:rowId xmlns:a16="http://schemas.microsoft.com/office/drawing/2014/main" val="1100728770"/>
+                    <a16:rowId xmlns:a16="http://schemas.microsoft.com/office/drawing/2014/main" xmlns="" val="1100728770"/>
                   </a:ext>
                 </a:extLst>
               </a:tr>
@@ -9384,7 +9581,7 @@
                 </a:tc>
                 <a:extLst>
                   <a:ext uri="{0D108BD9-81ED-4DB2-BD59-A6C34878D82A}">
-                    <a16:rowId xmlns:a16="http://schemas.microsoft.com/office/drawing/2014/main" val="1538700946"/>
+                    <a16:rowId xmlns:a16="http://schemas.microsoft.com/office/drawing/2014/main" xmlns="" val="1538700946"/>
                   </a:ext>
                 </a:extLst>
               </a:tr>
@@ -9419,7 +9616,7 @@
                 </a:tc>
                 <a:extLst>
                   <a:ext uri="{0D108BD9-81ED-4DB2-BD59-A6C34878D82A}">
-                    <a16:rowId xmlns:a16="http://schemas.microsoft.com/office/drawing/2014/main" val="3854310482"/>
+                    <a16:rowId xmlns:a16="http://schemas.microsoft.com/office/drawing/2014/main" xmlns="" val="3854310482"/>
                   </a:ext>
                 </a:extLst>
               </a:tr>
@@ -9454,7 +9651,7 @@
                 </a:tc>
                 <a:extLst>
                   <a:ext uri="{0D108BD9-81ED-4DB2-BD59-A6C34878D82A}">
-                    <a16:rowId xmlns:a16="http://schemas.microsoft.com/office/drawing/2014/main" val="4094742816"/>
+                    <a16:rowId xmlns:a16="http://schemas.microsoft.com/office/drawing/2014/main" xmlns="" val="4094742816"/>
                   </a:ext>
                 </a:extLst>
               </a:tr>
@@ -9489,7 +9686,7 @@
                 </a:tc>
                 <a:extLst>
                   <a:ext uri="{0D108BD9-81ED-4DB2-BD59-A6C34878D82A}">
-                    <a16:rowId xmlns:a16="http://schemas.microsoft.com/office/drawing/2014/main" val="3540657552"/>
+                    <a16:rowId xmlns:a16="http://schemas.microsoft.com/office/drawing/2014/main" xmlns="" val="3540657552"/>
                   </a:ext>
                 </a:extLst>
               </a:tr>
@@ -9524,7 +9721,7 @@
                 </a:tc>
                 <a:extLst>
                   <a:ext uri="{0D108BD9-81ED-4DB2-BD59-A6C34878D82A}">
-                    <a16:rowId xmlns:a16="http://schemas.microsoft.com/office/drawing/2014/main" val="2626417538"/>
+                    <a16:rowId xmlns:a16="http://schemas.microsoft.com/office/drawing/2014/main" xmlns="" val="2626417538"/>
                   </a:ext>
                 </a:extLst>
               </a:tr>
@@ -9559,7 +9756,7 @@
                 </a:tc>
                 <a:extLst>
                   <a:ext uri="{0D108BD9-81ED-4DB2-BD59-A6C34878D82A}">
-                    <a16:rowId xmlns:a16="http://schemas.microsoft.com/office/drawing/2014/main" val="1235677700"/>
+                    <a16:rowId xmlns:a16="http://schemas.microsoft.com/office/drawing/2014/main" xmlns="" val="1235677700"/>
                   </a:ext>
                 </a:extLst>
               </a:tr>
@@ -9594,7 +9791,7 @@
                 </a:tc>
                 <a:extLst>
                   <a:ext uri="{0D108BD9-81ED-4DB2-BD59-A6C34878D82A}">
-                    <a16:rowId xmlns:a16="http://schemas.microsoft.com/office/drawing/2014/main" val="2755522816"/>
+                    <a16:rowId xmlns:a16="http://schemas.microsoft.com/office/drawing/2014/main" xmlns="" val="2755522816"/>
                   </a:ext>
                 </a:extLst>
               </a:tr>
@@ -9629,7 +9826,7 @@
                 </a:tc>
                 <a:extLst>
                   <a:ext uri="{0D108BD9-81ED-4DB2-BD59-A6C34878D82A}">
-                    <a16:rowId xmlns:a16="http://schemas.microsoft.com/office/drawing/2014/main" val="754826805"/>
+                    <a16:rowId xmlns:a16="http://schemas.microsoft.com/office/drawing/2014/main" xmlns="" val="754826805"/>
                   </a:ext>
                 </a:extLst>
               </a:tr>
@@ -9664,7 +9861,7 @@
                 </a:tc>
                 <a:extLst>
                   <a:ext uri="{0D108BD9-81ED-4DB2-BD59-A6C34878D82A}">
-                    <a16:rowId xmlns:a16="http://schemas.microsoft.com/office/drawing/2014/main" val="2456114939"/>
+                    <a16:rowId xmlns:a16="http://schemas.microsoft.com/office/drawing/2014/main" xmlns="" val="2456114939"/>
                   </a:ext>
                 </a:extLst>
               </a:tr>
@@ -9699,7 +9896,7 @@
                 </a:tc>
                 <a:extLst>
                   <a:ext uri="{0D108BD9-81ED-4DB2-BD59-A6C34878D82A}">
-                    <a16:rowId xmlns:a16="http://schemas.microsoft.com/office/drawing/2014/main" val="2549029190"/>
+                    <a16:rowId xmlns:a16="http://schemas.microsoft.com/office/drawing/2014/main" xmlns="" val="2549029190"/>
                   </a:ext>
                 </a:extLst>
               </a:tr>
@@ -9734,7 +9931,7 @@
                 </a:tc>
                 <a:extLst>
                   <a:ext uri="{0D108BD9-81ED-4DB2-BD59-A6C34878D82A}">
-                    <a16:rowId xmlns:a16="http://schemas.microsoft.com/office/drawing/2014/main" val="56862053"/>
+                    <a16:rowId xmlns:a16="http://schemas.microsoft.com/office/drawing/2014/main" xmlns="" val="56862053"/>
                   </a:ext>
                 </a:extLst>
               </a:tr>
@@ -9778,7 +9975,7 @@
   <p:timing>
     <p:tnLst>
       <p:par>
-        <p:cTn id="1" dur="indefinite" restart="never" nodeType="tmRoot"/>
+        <p:cTn xmlns:p14="http://schemas.microsoft.com/office/powerpoint/2010/main" id="1" dur="indefinite" restart="never" nodeType="tmRoot"/>
       </p:par>
     </p:tnLst>
   </p:timing>
@@ -9996,7 +10193,7 @@
           <a:ln/>
           <a:extLst>
             <a:ext uri="{91240B29-F687-4f45-9708-019B960494DF}">
-              <a14:hiddenLine xmlns:a14="http://schemas.microsoft.com/office/drawing/2010/main" xmlns="" w="9525" cap="flat" cmpd="sng" algn="ctr">
+              <a14:hiddenLine xmlns:a14="http://schemas.microsoft.com/office/drawing/2010/main" w="9525" cap="flat" cmpd="sng" algn="ctr">
                 <a:solidFill>
                   <a:schemeClr val="tx1"/>
                 </a:solidFill>
@@ -10007,7 +10204,7 @@
               </a14:hiddenLine>
             </a:ext>
             <a:ext uri="{AF507438-7753-43e0-B8FC-AC1667EBCBE1}">
-              <a14:hiddenEffects xmlns:a14="http://schemas.microsoft.com/office/drawing/2010/main" xmlns="">
+              <a14:hiddenEffects xmlns:a14="http://schemas.microsoft.com/office/drawing/2010/main">
                 <a:effectLst>
                   <a:outerShdw dist="35921" dir="2700000" algn="ctr" rotWithShape="0">
                     <a:schemeClr val="bg2"/>
@@ -10045,7 +10242,7 @@
   <p:timing>
     <p:tnLst>
       <p:par>
-        <p:cTn id="1" dur="indefinite" restart="never" nodeType="tmRoot"/>
+        <p:cTn xmlns:p14="http://schemas.microsoft.com/office/powerpoint/2010/main" id="1" dur="indefinite" restart="never" nodeType="tmRoot"/>
       </p:par>
     </p:tnLst>
   </p:timing>
@@ -10296,7 +10493,7 @@
         <a:effectLst/>
         <a:extLst>
           <a:ext uri="{91240B29-F687-4f45-9708-019B960494DF}">
-            <a14:hiddenLine xmlns:a14="http://schemas.microsoft.com/office/drawing/2010/main" xmlns="" w="9525" cap="flat" cmpd="sng" algn="ctr">
+            <a14:hiddenLine xmlns:a14="http://schemas.microsoft.com/office/drawing/2010/main" w="9525" cap="flat" cmpd="sng" algn="ctr">
               <a:solidFill>
                 <a:schemeClr val="tx1"/>
               </a:solidFill>
@@ -10307,7 +10504,7 @@
             </a14:hiddenLine>
           </a:ext>
           <a:ext uri="{AF507438-7753-43e0-B8FC-AC1667EBCBE1}">
-            <a14:hiddenEffects xmlns:a14="http://schemas.microsoft.com/office/drawing/2010/main" xmlns="">
+            <a14:hiddenEffects xmlns:a14="http://schemas.microsoft.com/office/drawing/2010/main">
               <a:effectLst>
                 <a:outerShdw dist="35921" dir="2700000" algn="ctr" rotWithShape="0">
                   <a:schemeClr val="bg2"/>
@@ -10374,7 +10571,7 @@
         <a:effectLst/>
         <a:extLst>
           <a:ext uri="{91240B29-F687-4f45-9708-019B960494DF}">
-            <a14:hiddenLine xmlns:a14="http://schemas.microsoft.com/office/drawing/2010/main" xmlns="" w="9525" cap="flat" cmpd="sng" algn="ctr">
+            <a14:hiddenLine xmlns:a14="http://schemas.microsoft.com/office/drawing/2010/main" w="9525" cap="flat" cmpd="sng" algn="ctr">
               <a:solidFill>
                 <a:schemeClr val="tx1"/>
               </a:solidFill>
@@ -10385,7 +10582,7 @@
             </a14:hiddenLine>
           </a:ext>
           <a:ext uri="{AF507438-7753-43e0-B8FC-AC1667EBCBE1}">
-            <a14:hiddenEffects xmlns:a14="http://schemas.microsoft.com/office/drawing/2010/main" xmlns="">
+            <a14:hiddenEffects xmlns:a14="http://schemas.microsoft.com/office/drawing/2010/main">
               <a:effectLst>
                 <a:outerShdw dist="35921" dir="2700000" algn="ctr" rotWithShape="0">
                   <a:schemeClr val="bg2"/>

--- a/Presentation/Lab Project Presentation.pptx
+++ b/Presentation/Lab Project Presentation.pptx
@@ -129,7 +129,7 @@
   </p:defaultTextStyle>
   <p:extLst>
     <p:ext uri="{EFAFB233-063F-42B5-8137-9DF3F51BA10A}">
-      <p15:sldGuideLst xmlns:p15="http://schemas.microsoft.com/office/powerpoint/2012/main" xmlns="">
+      <p15:sldGuideLst xmlns="" xmlns:p15="http://schemas.microsoft.com/office/powerpoint/2012/main">
         <p15:guide id="1" orient="horz" pos="2160">
           <p15:clr>
             <a:srgbClr val="A4A3A4"/>
@@ -233,7 +233,7 @@
           <a:p>
             <a:fld id="{3FA6FDA4-907F-C840-8573-33F4849B33D4}" type="datetimeFigureOut">
               <a:rPr lang="en-US" smtClean="0"/>
-              <a:t>18/09/04</a:t>
+              <a:t>18/09/09</a:t>
             </a:fld>
             <a:endParaRPr lang="en-US"/>
           </a:p>
@@ -399,7 +399,7 @@
           <a:p>
             <a:fld id="{290492DD-1613-8B48-9182-1ECEE9190ABB}" type="datetimeFigureOut">
               <a:rPr lang="en-US" smtClean="0"/>
-              <a:t>18/09/04</a:t>
+              <a:t>18/09/09</a:t>
             </a:fld>
             <a:endParaRPr lang="en-US"/>
           </a:p>
@@ -4415,7 +4415,19 @@
           <a:p>
             <a:r>
               <a:rPr lang="en-ZA" kern="0" dirty="0" smtClean="0"/>
-              <a:t>Average error per frequency band: 1.41%</a:t>
+              <a:t>Average error per frequency band: </a:t>
+            </a:r>
+            <a:r>
+              <a:rPr lang="en-ZA" kern="0" dirty="0"/>
+              <a:t> </a:t>
+            </a:r>
+            <a:r>
+              <a:rPr lang="en-ZA" kern="0" dirty="0" smtClean="0"/>
+              <a:t>1.41</a:t>
+            </a:r>
+            <a:r>
+              <a:rPr lang="en-ZA" kern="0" dirty="0" smtClean="0"/>
+              <a:t>%</a:t>
             </a:r>
           </a:p>
           <a:p>
@@ -4937,7 +4949,7 @@
               <a:p>
                 <a:pPr lvl="1"/>
                 <a14:m>
-                  <m:oMath xmlns:m="http://schemas.openxmlformats.org/officeDocument/2006/math" xmlns="">
+                  <m:oMath xmlns="" xmlns:m="http://schemas.openxmlformats.org/officeDocument/2006/math">
                     <m:r>
                       <a:rPr lang="en-ZA" b="1" i="1" kern="0" smtClean="0">
                         <a:latin typeface="Cambria Math" panose="02040503050406030204" pitchFamily="18" charset="0"/>
@@ -5004,7 +5016,7 @@
               <a:p>
                 <a:pPr lvl="1"/>
                 <a14:m>
-                  <m:oMath xmlns:m="http://schemas.openxmlformats.org/officeDocument/2006/math" xmlns="">
+                  <m:oMath xmlns="" xmlns:m="http://schemas.openxmlformats.org/officeDocument/2006/math">
                     <m:r>
                       <a:rPr lang="en-ZA" b="1" i="1" kern="0" smtClean="0">
                         <a:latin typeface="Cambria Math" panose="02040503050406030204" pitchFamily="18" charset="0"/>
@@ -5021,7 +5033,7 @@
               <a:p>
                 <a:pPr lvl="1"/>
                 <a14:m>
-                  <m:oMath xmlns:m="http://schemas.openxmlformats.org/officeDocument/2006/math" xmlns="">
+                  <m:oMath xmlns="" xmlns:m="http://schemas.openxmlformats.org/officeDocument/2006/math">
                     <m:sSub>
                       <m:sSubPr>
                         <m:ctrlPr>
@@ -6134,28 +6146,28 @@
                 <a:gridCol w="2054210">
                   <a:extLst>
                     <a:ext uri="{9D8B030D-6E8A-4147-A177-3AD203B41FA5}">
-                      <a16:colId xmlns:a16="http://schemas.microsoft.com/office/drawing/2014/main" xmlns="" val="20000"/>
+                      <a16:colId xmlns="" xmlns:a16="http://schemas.microsoft.com/office/drawing/2014/main" val="20000"/>
                     </a:ext>
                   </a:extLst>
                 </a:gridCol>
                 <a:gridCol w="1917260">
                   <a:extLst>
                     <a:ext uri="{9D8B030D-6E8A-4147-A177-3AD203B41FA5}">
-                      <a16:colId xmlns:a16="http://schemas.microsoft.com/office/drawing/2014/main" xmlns="" val="1220490089"/>
+                      <a16:colId xmlns="" xmlns:a16="http://schemas.microsoft.com/office/drawing/2014/main" val="1220490089"/>
                     </a:ext>
                   </a:extLst>
                 </a:gridCol>
                 <a:gridCol w="1506419">
                   <a:extLst>
                     <a:ext uri="{9D8B030D-6E8A-4147-A177-3AD203B41FA5}">
-                      <a16:colId xmlns:a16="http://schemas.microsoft.com/office/drawing/2014/main" xmlns="" val="67218977"/>
+                      <a16:colId xmlns="" xmlns:a16="http://schemas.microsoft.com/office/drawing/2014/main" val="67218977"/>
                     </a:ext>
                   </a:extLst>
                 </a:gridCol>
                 <a:gridCol w="1291054">
                   <a:extLst>
                     <a:ext uri="{9D8B030D-6E8A-4147-A177-3AD203B41FA5}">
-                      <a16:colId xmlns:a16="http://schemas.microsoft.com/office/drawing/2014/main" xmlns="" val="3056518911"/>
+                      <a16:colId xmlns="" xmlns:a16="http://schemas.microsoft.com/office/drawing/2014/main" val="3056518911"/>
                     </a:ext>
                   </a:extLst>
                 </a:gridCol>
@@ -6264,7 +6276,7 @@
                 </a:tc>
                 <a:extLst>
                   <a:ext uri="{0D108BD9-81ED-4DB2-BD59-A6C34878D82A}">
-                    <a16:rowId xmlns:a16="http://schemas.microsoft.com/office/drawing/2014/main" xmlns="" val="3871997748"/>
+                    <a16:rowId xmlns="" xmlns:a16="http://schemas.microsoft.com/office/drawing/2014/main" val="3871997748"/>
                   </a:ext>
                 </a:extLst>
               </a:tr>
@@ -6337,7 +6349,7 @@
                 </a:tc>
                 <a:extLst>
                   <a:ext uri="{0D108BD9-81ED-4DB2-BD59-A6C34878D82A}">
-                    <a16:rowId xmlns:a16="http://schemas.microsoft.com/office/drawing/2014/main" xmlns="" val="373921578"/>
+                    <a16:rowId xmlns="" xmlns:a16="http://schemas.microsoft.com/office/drawing/2014/main" val="373921578"/>
                   </a:ext>
                 </a:extLst>
               </a:tr>
@@ -6425,7 +6437,7 @@
                 </a:tc>
                 <a:extLst>
                   <a:ext uri="{0D108BD9-81ED-4DB2-BD59-A6C34878D82A}">
-                    <a16:rowId xmlns:a16="http://schemas.microsoft.com/office/drawing/2014/main" xmlns="" val="3868297120"/>
+                    <a16:rowId xmlns="" xmlns:a16="http://schemas.microsoft.com/office/drawing/2014/main" val="3868297120"/>
                   </a:ext>
                 </a:extLst>
               </a:tr>
@@ -6498,7 +6510,7 @@
                 </a:tc>
                 <a:extLst>
                   <a:ext uri="{0D108BD9-81ED-4DB2-BD59-A6C34878D82A}">
-                    <a16:rowId xmlns:a16="http://schemas.microsoft.com/office/drawing/2014/main" xmlns="" val="3602717608"/>
+                    <a16:rowId xmlns="" xmlns:a16="http://schemas.microsoft.com/office/drawing/2014/main" val="3602717608"/>
                   </a:ext>
                 </a:extLst>
               </a:tr>
@@ -6586,7 +6598,7 @@
                 </a:tc>
                 <a:extLst>
                   <a:ext uri="{0D108BD9-81ED-4DB2-BD59-A6C34878D82A}">
-                    <a16:rowId xmlns:a16="http://schemas.microsoft.com/office/drawing/2014/main" xmlns="" val="684964139"/>
+                    <a16:rowId xmlns="" xmlns:a16="http://schemas.microsoft.com/office/drawing/2014/main" val="684964139"/>
                   </a:ext>
                 </a:extLst>
               </a:tr>
@@ -6645,21 +6657,21 @@
                 <a:gridCol w="2054150">
                   <a:extLst>
                     <a:ext uri="{9D8B030D-6E8A-4147-A177-3AD203B41FA5}">
-                      <a16:colId xmlns:a16="http://schemas.microsoft.com/office/drawing/2014/main" xmlns="" val="20000"/>
+                      <a16:colId xmlns="" xmlns:a16="http://schemas.microsoft.com/office/drawing/2014/main" val="20000"/>
                     </a:ext>
                   </a:extLst>
                 </a:gridCol>
                 <a:gridCol w="3423583">
                   <a:extLst>
                     <a:ext uri="{9D8B030D-6E8A-4147-A177-3AD203B41FA5}">
-                      <a16:colId xmlns:a16="http://schemas.microsoft.com/office/drawing/2014/main" xmlns="" val="3160404703"/>
+                      <a16:colId xmlns="" xmlns:a16="http://schemas.microsoft.com/office/drawing/2014/main" val="3160404703"/>
                     </a:ext>
                   </a:extLst>
                 </a:gridCol>
                 <a:gridCol w="1291019">
                   <a:extLst>
                     <a:ext uri="{9D8B030D-6E8A-4147-A177-3AD203B41FA5}">
-                      <a16:colId xmlns:a16="http://schemas.microsoft.com/office/drawing/2014/main" xmlns="" val="2004772524"/>
+                      <a16:colId xmlns="" xmlns:a16="http://schemas.microsoft.com/office/drawing/2014/main" val="2004772524"/>
                     </a:ext>
                   </a:extLst>
                 </a:gridCol>
@@ -6787,7 +6799,7 @@
                 </a:tc>
                 <a:extLst>
                   <a:ext uri="{0D108BD9-81ED-4DB2-BD59-A6C34878D82A}">
-                    <a16:rowId xmlns:a16="http://schemas.microsoft.com/office/drawing/2014/main" xmlns="" val="3857195092"/>
+                    <a16:rowId xmlns="" xmlns:a16="http://schemas.microsoft.com/office/drawing/2014/main" val="3857195092"/>
                   </a:ext>
                 </a:extLst>
               </a:tr>
@@ -6845,7 +6857,7 @@
                 </a:tc>
                 <a:extLst>
                   <a:ext uri="{0D108BD9-81ED-4DB2-BD59-A6C34878D82A}">
-                    <a16:rowId xmlns:a16="http://schemas.microsoft.com/office/drawing/2014/main" xmlns="" val="1176978316"/>
+                    <a16:rowId xmlns="" xmlns:a16="http://schemas.microsoft.com/office/drawing/2014/main" val="1176978316"/>
                   </a:ext>
                 </a:extLst>
               </a:tr>
@@ -6903,7 +6915,7 @@
                 </a:tc>
                 <a:extLst>
                   <a:ext uri="{0D108BD9-81ED-4DB2-BD59-A6C34878D82A}">
-                    <a16:rowId xmlns:a16="http://schemas.microsoft.com/office/drawing/2014/main" xmlns="" val="1271360358"/>
+                    <a16:rowId xmlns="" xmlns:a16="http://schemas.microsoft.com/office/drawing/2014/main" val="1271360358"/>
                   </a:ext>
                 </a:extLst>
               </a:tr>
@@ -6961,7 +6973,7 @@
                 </a:tc>
                 <a:extLst>
                   <a:ext uri="{0D108BD9-81ED-4DB2-BD59-A6C34878D82A}">
-                    <a16:rowId xmlns:a16="http://schemas.microsoft.com/office/drawing/2014/main" xmlns="" val="2734475198"/>
+                    <a16:rowId xmlns="" xmlns:a16="http://schemas.microsoft.com/office/drawing/2014/main" val="2734475198"/>
                   </a:ext>
                 </a:extLst>
               </a:tr>
@@ -7019,7 +7031,7 @@
                 </a:tc>
                 <a:extLst>
                   <a:ext uri="{0D108BD9-81ED-4DB2-BD59-A6C34878D82A}">
-                    <a16:rowId xmlns:a16="http://schemas.microsoft.com/office/drawing/2014/main" xmlns="" val="1320419717"/>
+                    <a16:rowId xmlns="" xmlns:a16="http://schemas.microsoft.com/office/drawing/2014/main" val="1320419717"/>
                   </a:ext>
                 </a:extLst>
               </a:tr>
@@ -7077,7 +7089,7 @@
                 </a:tc>
                 <a:extLst>
                   <a:ext uri="{0D108BD9-81ED-4DB2-BD59-A6C34878D82A}">
-                    <a16:rowId xmlns:a16="http://schemas.microsoft.com/office/drawing/2014/main" xmlns="" val="2814437447"/>
+                    <a16:rowId xmlns="" xmlns:a16="http://schemas.microsoft.com/office/drawing/2014/main" val="2814437447"/>
                   </a:ext>
                 </a:extLst>
               </a:tr>
@@ -7135,7 +7147,7 @@
                 </a:tc>
                 <a:extLst>
                   <a:ext uri="{0D108BD9-81ED-4DB2-BD59-A6C34878D82A}">
-                    <a16:rowId xmlns:a16="http://schemas.microsoft.com/office/drawing/2014/main" xmlns="" val="3814854473"/>
+                    <a16:rowId xmlns="" xmlns:a16="http://schemas.microsoft.com/office/drawing/2014/main" val="3814854473"/>
                   </a:ext>
                 </a:extLst>
               </a:tr>
@@ -7302,11 +7314,7 @@
           <a:p>
             <a:r>
               <a:rPr lang="en-ZA" dirty="0" smtClean="0"/>
-              <a:t>Emdedding </a:t>
-            </a:r>
-            <a:r>
-              <a:rPr lang="en-ZA" dirty="0" smtClean="0"/>
-              <a:t>circuitry </a:t>
+              <a:t>Emdedding circuitry </a:t>
             </a:r>
             <a:r>
               <a:rPr lang="en-ZA" dirty="0"/>
@@ -8404,21 +8412,21 @@
                 <a:gridCol w="2880319">
                   <a:extLst>
                     <a:ext uri="{9D8B030D-6E8A-4147-A177-3AD203B41FA5}">
-                      <a16:colId xmlns:a16="http://schemas.microsoft.com/office/drawing/2014/main" xmlns="" val="1205949033"/>
+                      <a16:colId xmlns="" xmlns:a16="http://schemas.microsoft.com/office/drawing/2014/main" val="1205949033"/>
                     </a:ext>
                   </a:extLst>
                 </a:gridCol>
                 <a:gridCol w="2448272">
                   <a:extLst>
                     <a:ext uri="{9D8B030D-6E8A-4147-A177-3AD203B41FA5}">
-                      <a16:colId xmlns:a16="http://schemas.microsoft.com/office/drawing/2014/main" xmlns="" val="3234676645"/>
+                      <a16:colId xmlns="" xmlns:a16="http://schemas.microsoft.com/office/drawing/2014/main" val="3234676645"/>
                     </a:ext>
                   </a:extLst>
                 </a:gridCol>
                 <a:gridCol w="3168351">
                   <a:extLst>
                     <a:ext uri="{9D8B030D-6E8A-4147-A177-3AD203B41FA5}">
-                      <a16:colId xmlns:a16="http://schemas.microsoft.com/office/drawing/2014/main" xmlns="" val="497167739"/>
+                      <a16:colId xmlns="" xmlns:a16="http://schemas.microsoft.com/office/drawing/2014/main" val="497167739"/>
                     </a:ext>
                   </a:extLst>
                 </a:gridCol>
@@ -8471,7 +8479,7 @@
                 </a:tc>
                 <a:extLst>
                   <a:ext uri="{0D108BD9-81ED-4DB2-BD59-A6C34878D82A}">
-                    <a16:rowId xmlns:a16="http://schemas.microsoft.com/office/drawing/2014/main" xmlns="" val="3709011960"/>
+                    <a16:rowId xmlns="" xmlns:a16="http://schemas.microsoft.com/office/drawing/2014/main" val="3709011960"/>
                   </a:ext>
                 </a:extLst>
               </a:tr>
@@ -8527,7 +8535,7 @@
                 </a:tc>
                 <a:extLst>
                   <a:ext uri="{0D108BD9-81ED-4DB2-BD59-A6C34878D82A}">
-                    <a16:rowId xmlns:a16="http://schemas.microsoft.com/office/drawing/2014/main" xmlns="" val="4214479577"/>
+                    <a16:rowId xmlns="" xmlns:a16="http://schemas.microsoft.com/office/drawing/2014/main" val="4214479577"/>
                   </a:ext>
                 </a:extLst>
               </a:tr>
@@ -8619,7 +8627,7 @@
                 </a:tc>
                 <a:extLst>
                   <a:ext uri="{0D108BD9-81ED-4DB2-BD59-A6C34878D82A}">
-                    <a16:rowId xmlns:a16="http://schemas.microsoft.com/office/drawing/2014/main" xmlns="" val="3266579009"/>
+                    <a16:rowId xmlns="" xmlns:a16="http://schemas.microsoft.com/office/drawing/2014/main" val="3266579009"/>
                   </a:ext>
                 </a:extLst>
               </a:tr>
@@ -8671,7 +8679,7 @@
                 </a:tc>
                 <a:extLst>
                   <a:ext uri="{0D108BD9-81ED-4DB2-BD59-A6C34878D82A}">
-                    <a16:rowId xmlns:a16="http://schemas.microsoft.com/office/drawing/2014/main" xmlns="" val="282706019"/>
+                    <a16:rowId xmlns="" xmlns:a16="http://schemas.microsoft.com/office/drawing/2014/main" val="282706019"/>
                   </a:ext>
                 </a:extLst>
               </a:tr>
@@ -8723,7 +8731,7 @@
                 </a:tc>
                 <a:extLst>
                   <a:ext uri="{0D108BD9-81ED-4DB2-BD59-A6C34878D82A}">
-                    <a16:rowId xmlns:a16="http://schemas.microsoft.com/office/drawing/2014/main" xmlns="" val="10004"/>
+                    <a16:rowId xmlns="" xmlns:a16="http://schemas.microsoft.com/office/drawing/2014/main" val="10004"/>
                   </a:ext>
                 </a:extLst>
               </a:tr>
@@ -8779,7 +8787,7 @@
                 </a:tc>
                 <a:extLst>
                   <a:ext uri="{0D108BD9-81ED-4DB2-BD59-A6C34878D82A}">
-                    <a16:rowId xmlns:a16="http://schemas.microsoft.com/office/drawing/2014/main" xmlns="" val="1081411160"/>
+                    <a16:rowId xmlns="" xmlns:a16="http://schemas.microsoft.com/office/drawing/2014/main" val="1081411160"/>
                   </a:ext>
                 </a:extLst>
               </a:tr>
@@ -8846,7 +8854,7 @@
                 </a:tc>
                 <a:extLst>
                   <a:ext uri="{0D108BD9-81ED-4DB2-BD59-A6C34878D82A}">
-                    <a16:rowId xmlns:a16="http://schemas.microsoft.com/office/drawing/2014/main" xmlns="" val="2210005012"/>
+                    <a16:rowId xmlns="" xmlns:a16="http://schemas.microsoft.com/office/drawing/2014/main" val="2210005012"/>
                   </a:ext>
                 </a:extLst>
               </a:tr>
@@ -8966,7 +8974,7 @@
                 </a:tc>
                 <a:extLst>
                   <a:ext uri="{0D108BD9-81ED-4DB2-BD59-A6C34878D82A}">
-                    <a16:rowId xmlns:a16="http://schemas.microsoft.com/office/drawing/2014/main" xmlns="" val="1840919378"/>
+                    <a16:rowId xmlns="" xmlns:a16="http://schemas.microsoft.com/office/drawing/2014/main" val="1840919378"/>
                   </a:ext>
                 </a:extLst>
               </a:tr>
@@ -9022,7 +9030,7 @@
                 </a:tc>
                 <a:extLst>
                   <a:ext uri="{0D108BD9-81ED-4DB2-BD59-A6C34878D82A}">
-                    <a16:rowId xmlns:a16="http://schemas.microsoft.com/office/drawing/2014/main" xmlns="" val="1275340913"/>
+                    <a16:rowId xmlns="" xmlns:a16="http://schemas.microsoft.com/office/drawing/2014/main" val="1275340913"/>
                   </a:ext>
                 </a:extLst>
               </a:tr>
@@ -9503,14 +9511,14 @@
                 <a:gridCol w="4108973">
                   <a:extLst>
                     <a:ext uri="{9D8B030D-6E8A-4147-A177-3AD203B41FA5}">
-                      <a16:colId xmlns:a16="http://schemas.microsoft.com/office/drawing/2014/main" xmlns="" val="641060483"/>
+                      <a16:colId xmlns="" xmlns:a16="http://schemas.microsoft.com/office/drawing/2014/main" val="641060483"/>
                     </a:ext>
                   </a:extLst>
                 </a:gridCol>
                 <a:gridCol w="1758427">
                   <a:extLst>
                     <a:ext uri="{9D8B030D-6E8A-4147-A177-3AD203B41FA5}">
-                      <a16:colId xmlns:a16="http://schemas.microsoft.com/office/drawing/2014/main" xmlns="" val="1147500092"/>
+                      <a16:colId xmlns="" xmlns:a16="http://schemas.microsoft.com/office/drawing/2014/main" val="1147500092"/>
                     </a:ext>
                   </a:extLst>
                 </a:gridCol>
@@ -9546,7 +9554,7 @@
                 </a:tc>
                 <a:extLst>
                   <a:ext uri="{0D108BD9-81ED-4DB2-BD59-A6C34878D82A}">
-                    <a16:rowId xmlns:a16="http://schemas.microsoft.com/office/drawing/2014/main" xmlns="" val="1100728770"/>
+                    <a16:rowId xmlns="" xmlns:a16="http://schemas.microsoft.com/office/drawing/2014/main" val="1100728770"/>
                   </a:ext>
                 </a:extLst>
               </a:tr>
@@ -9581,7 +9589,7 @@
                 </a:tc>
                 <a:extLst>
                   <a:ext uri="{0D108BD9-81ED-4DB2-BD59-A6C34878D82A}">
-                    <a16:rowId xmlns:a16="http://schemas.microsoft.com/office/drawing/2014/main" xmlns="" val="1538700946"/>
+                    <a16:rowId xmlns="" xmlns:a16="http://schemas.microsoft.com/office/drawing/2014/main" val="1538700946"/>
                   </a:ext>
                 </a:extLst>
               </a:tr>
@@ -9616,7 +9624,7 @@
                 </a:tc>
                 <a:extLst>
                   <a:ext uri="{0D108BD9-81ED-4DB2-BD59-A6C34878D82A}">
-                    <a16:rowId xmlns:a16="http://schemas.microsoft.com/office/drawing/2014/main" xmlns="" val="3854310482"/>
+                    <a16:rowId xmlns="" xmlns:a16="http://schemas.microsoft.com/office/drawing/2014/main" val="3854310482"/>
                   </a:ext>
                 </a:extLst>
               </a:tr>
@@ -9651,7 +9659,7 @@
                 </a:tc>
                 <a:extLst>
                   <a:ext uri="{0D108BD9-81ED-4DB2-BD59-A6C34878D82A}">
-                    <a16:rowId xmlns:a16="http://schemas.microsoft.com/office/drawing/2014/main" xmlns="" val="4094742816"/>
+                    <a16:rowId xmlns="" xmlns:a16="http://schemas.microsoft.com/office/drawing/2014/main" val="4094742816"/>
                   </a:ext>
                 </a:extLst>
               </a:tr>
@@ -9686,7 +9694,7 @@
                 </a:tc>
                 <a:extLst>
                   <a:ext uri="{0D108BD9-81ED-4DB2-BD59-A6C34878D82A}">
-                    <a16:rowId xmlns:a16="http://schemas.microsoft.com/office/drawing/2014/main" xmlns="" val="3540657552"/>
+                    <a16:rowId xmlns="" xmlns:a16="http://schemas.microsoft.com/office/drawing/2014/main" val="3540657552"/>
                   </a:ext>
                 </a:extLst>
               </a:tr>
@@ -9721,7 +9729,7 @@
                 </a:tc>
                 <a:extLst>
                   <a:ext uri="{0D108BD9-81ED-4DB2-BD59-A6C34878D82A}">
-                    <a16:rowId xmlns:a16="http://schemas.microsoft.com/office/drawing/2014/main" xmlns="" val="2626417538"/>
+                    <a16:rowId xmlns="" xmlns:a16="http://schemas.microsoft.com/office/drawing/2014/main" val="2626417538"/>
                   </a:ext>
                 </a:extLst>
               </a:tr>
@@ -9756,7 +9764,7 @@
                 </a:tc>
                 <a:extLst>
                   <a:ext uri="{0D108BD9-81ED-4DB2-BD59-A6C34878D82A}">
-                    <a16:rowId xmlns:a16="http://schemas.microsoft.com/office/drawing/2014/main" xmlns="" val="1235677700"/>
+                    <a16:rowId xmlns="" xmlns:a16="http://schemas.microsoft.com/office/drawing/2014/main" val="1235677700"/>
                   </a:ext>
                 </a:extLst>
               </a:tr>
@@ -9791,7 +9799,7 @@
                 </a:tc>
                 <a:extLst>
                   <a:ext uri="{0D108BD9-81ED-4DB2-BD59-A6C34878D82A}">
-                    <a16:rowId xmlns:a16="http://schemas.microsoft.com/office/drawing/2014/main" xmlns="" val="2755522816"/>
+                    <a16:rowId xmlns="" xmlns:a16="http://schemas.microsoft.com/office/drawing/2014/main" val="2755522816"/>
                   </a:ext>
                 </a:extLst>
               </a:tr>
@@ -9826,7 +9834,7 @@
                 </a:tc>
                 <a:extLst>
                   <a:ext uri="{0D108BD9-81ED-4DB2-BD59-A6C34878D82A}">
-                    <a16:rowId xmlns:a16="http://schemas.microsoft.com/office/drawing/2014/main" xmlns="" val="754826805"/>
+                    <a16:rowId xmlns="" xmlns:a16="http://schemas.microsoft.com/office/drawing/2014/main" val="754826805"/>
                   </a:ext>
                 </a:extLst>
               </a:tr>
@@ -9861,7 +9869,7 @@
                 </a:tc>
                 <a:extLst>
                   <a:ext uri="{0D108BD9-81ED-4DB2-BD59-A6C34878D82A}">
-                    <a16:rowId xmlns:a16="http://schemas.microsoft.com/office/drawing/2014/main" xmlns="" val="2456114939"/>
+                    <a16:rowId xmlns="" xmlns:a16="http://schemas.microsoft.com/office/drawing/2014/main" val="2456114939"/>
                   </a:ext>
                 </a:extLst>
               </a:tr>
@@ -9896,7 +9904,7 @@
                 </a:tc>
                 <a:extLst>
                   <a:ext uri="{0D108BD9-81ED-4DB2-BD59-A6C34878D82A}">
-                    <a16:rowId xmlns:a16="http://schemas.microsoft.com/office/drawing/2014/main" xmlns="" val="2549029190"/>
+                    <a16:rowId xmlns="" xmlns:a16="http://schemas.microsoft.com/office/drawing/2014/main" val="2549029190"/>
                   </a:ext>
                 </a:extLst>
               </a:tr>
@@ -9931,7 +9939,7 @@
                 </a:tc>
                 <a:extLst>
                   <a:ext uri="{0D108BD9-81ED-4DB2-BD59-A6C34878D82A}">
-                    <a16:rowId xmlns:a16="http://schemas.microsoft.com/office/drawing/2014/main" xmlns="" val="56862053"/>
+                    <a16:rowId xmlns="" xmlns:a16="http://schemas.microsoft.com/office/drawing/2014/main" val="56862053"/>
                   </a:ext>
                 </a:extLst>
               </a:tr>

--- a/Presentation/Lab Project Presentation.pptx
+++ b/Presentation/Lab Project Presentation.pptx
@@ -5,10 +5,10 @@
     <p:sldMasterId id="2147483660" r:id="rId1"/>
   </p:sldMasterIdLst>
   <p:notesMasterIdLst>
-    <p:notesMasterId r:id="rId20"/>
+    <p:notesMasterId r:id="rId19"/>
   </p:notesMasterIdLst>
   <p:handoutMasterIdLst>
-    <p:handoutMasterId r:id="rId21"/>
+    <p:handoutMasterId r:id="rId20"/>
   </p:handoutMasterIdLst>
   <p:sldIdLst>
     <p:sldId id="256" r:id="rId2"/>
@@ -18,17 +18,16 @@
     <p:sldId id="265" r:id="rId6"/>
     <p:sldId id="259" r:id="rId7"/>
     <p:sldId id="260" r:id="rId8"/>
-    <p:sldId id="268" r:id="rId9"/>
-    <p:sldId id="261" r:id="rId10"/>
-    <p:sldId id="270" r:id="rId11"/>
-    <p:sldId id="262" r:id="rId12"/>
-    <p:sldId id="269" r:id="rId13"/>
-    <p:sldId id="263" r:id="rId14"/>
-    <p:sldId id="271" r:id="rId15"/>
-    <p:sldId id="266" r:id="rId16"/>
-    <p:sldId id="267" r:id="rId17"/>
-    <p:sldId id="273" r:id="rId18"/>
-    <p:sldId id="272" r:id="rId19"/>
+    <p:sldId id="261" r:id="rId9"/>
+    <p:sldId id="270" r:id="rId10"/>
+    <p:sldId id="262" r:id="rId11"/>
+    <p:sldId id="269" r:id="rId12"/>
+    <p:sldId id="263" r:id="rId13"/>
+    <p:sldId id="271" r:id="rId14"/>
+    <p:sldId id="266" r:id="rId15"/>
+    <p:sldId id="267" r:id="rId16"/>
+    <p:sldId id="273" r:id="rId17"/>
+    <p:sldId id="272" r:id="rId18"/>
   </p:sldIdLst>
   <p:sldSz cx="9906000" cy="6858000" type="A4"/>
   <p:notesSz cx="6858000" cy="9144000"/>
@@ -129,7 +128,7 @@
   </p:defaultTextStyle>
   <p:extLst>
     <p:ext uri="{EFAFB233-063F-42B5-8137-9DF3F51BA10A}">
-      <p15:sldGuideLst xmlns="" xmlns:p15="http://schemas.microsoft.com/office/powerpoint/2012/main">
+      <p15:sldGuideLst xmlns:p15="http://schemas.microsoft.com/office/powerpoint/2012/main" xmlns="">
         <p15:guide id="1" orient="horz" pos="2160">
           <p15:clr>
             <a:srgbClr val="A4A3A4"/>
@@ -233,7 +232,7 @@
           <a:p>
             <a:fld id="{3FA6FDA4-907F-C840-8573-33F4849B33D4}" type="datetimeFigureOut">
               <a:rPr lang="en-US" smtClean="0"/>
-              <a:t>18/09/09</a:t>
+              <a:t>18/09/10</a:t>
             </a:fld>
             <a:endParaRPr lang="en-US"/>
           </a:p>
@@ -399,7 +398,7 @@
           <a:p>
             <a:fld id="{290492DD-1613-8B48-9182-1ECEE9190ABB}" type="datetimeFigureOut">
               <a:rPr lang="en-US" smtClean="0"/>
-              <a:t>18/09/09</a:t>
+              <a:t>18/09/10</a:t>
             </a:fld>
             <a:endParaRPr lang="en-US"/>
           </a:p>
@@ -873,7 +872,7 @@
           <a:p>
             <a:fld id="{36236DF1-55A4-5143-AE5D-F9A532F68BCC}" type="slidenum">
               <a:rPr lang="en-US" smtClean="0"/>
-              <a:t>12</a:t>
+              <a:t>11</a:t>
             </a:fld>
             <a:endParaRPr lang="en-US"/>
           </a:p>
@@ -977,7 +976,7 @@
           <a:p>
             <a:fld id="{36236DF1-55A4-5143-AE5D-F9A532F68BCC}" type="slidenum">
               <a:rPr lang="en-US" smtClean="0"/>
-              <a:t>14</a:t>
+              <a:t>13</a:t>
             </a:fld>
             <a:endParaRPr lang="en-US"/>
           </a:p>
@@ -4113,8 +4112,8 @@
         </p:blipFill>
         <p:spPr>
           <a:xfrm>
-            <a:off x="1424608" y="3212976"/>
-            <a:ext cx="6808230" cy="3029014"/>
+            <a:off x="3577904" y="2036664"/>
+            <a:ext cx="3298704" cy="3069834"/>
           </a:xfrm>
         </p:spPr>
       </p:pic>
@@ -4136,412 +4135,6 @@
             <a:fld id="{960946CE-1557-8048-9DCC-53092B682325}" type="slidenum">
               <a:rPr lang="en-US" smtClean="0"/>
               <a:t>10</a:t>
-            </a:fld>
-            <a:endParaRPr lang="en-US" dirty="0"/>
-          </a:p>
-        </p:txBody>
-      </p:sp>
-      <p:sp>
-        <p:nvSpPr>
-          <p:cNvPr id="6" name="Content Placeholder 2"/>
-          <p:cNvSpPr txBox="1">
-            <a:spLocks/>
-          </p:cNvSpPr>
-          <p:nvPr/>
-        </p:nvSpPr>
-        <p:spPr bwMode="auto">
-          <a:xfrm>
-            <a:off x="210721" y="1755805"/>
-            <a:ext cx="8846735" cy="1025123"/>
-          </a:xfrm>
-          <a:prstGeom prst="rect">
-            <a:avLst/>
-          </a:prstGeom>
-          <a:noFill/>
-          <a:ln>
-            <a:noFill/>
-          </a:ln>
-          <a:extLst>
-            <a:ext uri="{909E8E84-426E-40dd-AFC4-6F175D3DCCD1}">
-              <a14:hiddenFill xmlns:a14="http://schemas.microsoft.com/office/drawing/2010/main">
-                <a:solidFill>
-                  <a:srgbClr val="FFFFFF"/>
-                </a:solidFill>
-              </a14:hiddenFill>
-            </a:ext>
-            <a:ext uri="{91240B29-F687-4f45-9708-019B960494DF}">
-              <a14:hiddenLine xmlns:a14="http://schemas.microsoft.com/office/drawing/2010/main" w="9525">
-                <a:solidFill>
-                  <a:srgbClr val="000000"/>
-                </a:solidFill>
-                <a:miter lim="800000"/>
-                <a:headEnd/>
-                <a:tailEnd/>
-              </a14:hiddenLine>
-            </a:ext>
-            <a:ext uri="{FAA26D3D-D897-4be2-8F04-BA451C77F1D7}">
-              <ma14:placeholderFlag xmlns:ma14="http://schemas.microsoft.com/office/mac/drawingml/2011/main" val="1"/>
-            </a:ext>
-          </a:extLst>
-        </p:spPr>
-        <p:txBody>
-          <a:bodyPr vert="horz" wrap="square" lIns="92075" tIns="46038" rIns="92075" bIns="46038" numCol="1" anchor="t" anchorCtr="0" compatLnSpc="1">
-            <a:prstTxWarp prst="textNoShape">
-              <a:avLst/>
-            </a:prstTxWarp>
-          </a:bodyPr>
-          <a:lstStyle>
-            <a:lvl1pPr marL="762000" indent="-571500" algn="l" defTabSz="762000" rtl="0" eaLnBrk="1" fontAlgn="base" hangingPunct="1">
-              <a:spcBef>
-                <a:spcPct val="70000"/>
-              </a:spcBef>
-              <a:spcAft>
-                <a:spcPct val="0"/>
-              </a:spcAft>
-              <a:buClr>
-                <a:srgbClr val="154E7E"/>
-              </a:buClr>
-              <a:buSzPct val="100000"/>
-              <a:buFont typeface="Wingdings" charset="0"/>
-              <a:buChar char="l"/>
-              <a:defRPr sz="2400" b="1">
-                <a:solidFill>
-                  <a:schemeClr val="tx1"/>
-                </a:solidFill>
-                <a:latin typeface="+mn-lt"/>
-                <a:ea typeface="MS PGothic" panose="020B0600070205080204" pitchFamily="34" charset="-128"/>
-                <a:cs typeface="MS PGothic" charset="0"/>
-              </a:defRPr>
-            </a:lvl1pPr>
-            <a:lvl2pPr marL="1524000" indent="-381000" algn="l" defTabSz="762000" rtl="0" eaLnBrk="1" fontAlgn="base" hangingPunct="1">
-              <a:lnSpc>
-                <a:spcPct val="90000"/>
-              </a:lnSpc>
-              <a:spcBef>
-                <a:spcPct val="30000"/>
-              </a:spcBef>
-              <a:spcAft>
-                <a:spcPct val="0"/>
-              </a:spcAft>
-              <a:buClr>
-                <a:srgbClr val="154E7E"/>
-              </a:buClr>
-              <a:buSzPct val="100000"/>
-              <a:buFont typeface="Wingdings" charset="0"/>
-              <a:buChar char="Ø"/>
-              <a:defRPr sz="2000" b="1">
-                <a:solidFill>
-                  <a:schemeClr val="tx1"/>
-                </a:solidFill>
-                <a:latin typeface="+mn-lt"/>
-                <a:ea typeface="MS PGothic" panose="020B0600070205080204" pitchFamily="34" charset="-128"/>
-                <a:cs typeface="MS PGothic" charset="0"/>
-              </a:defRPr>
-            </a:lvl2pPr>
-            <a:lvl3pPr marL="2190750" indent="-285750" algn="l" defTabSz="762000" rtl="0" eaLnBrk="1" fontAlgn="base" hangingPunct="1">
-              <a:lnSpc>
-                <a:spcPct val="90000"/>
-              </a:lnSpc>
-              <a:spcBef>
-                <a:spcPct val="30000"/>
-              </a:spcBef>
-              <a:spcAft>
-                <a:spcPct val="0"/>
-              </a:spcAft>
-              <a:buClr>
-                <a:srgbClr val="154E7E"/>
-              </a:buClr>
-              <a:buSzPct val="100000"/>
-              <a:buFont typeface="Wingdings" charset="0"/>
-              <a:buChar char="§"/>
-              <a:defRPr b="1">
-                <a:solidFill>
-                  <a:schemeClr val="tx1"/>
-                </a:solidFill>
-                <a:latin typeface="+mn-lt"/>
-                <a:ea typeface="MS PGothic" panose="020B0600070205080204" pitchFamily="34" charset="-128"/>
-                <a:cs typeface="MS PGothic" charset="0"/>
-              </a:defRPr>
-            </a:lvl3pPr>
-            <a:lvl4pPr marL="2647950" indent="-171450" algn="l" defTabSz="762000" rtl="0" eaLnBrk="1" fontAlgn="base" hangingPunct="1">
-              <a:lnSpc>
-                <a:spcPct val="90000"/>
-              </a:lnSpc>
-              <a:spcBef>
-                <a:spcPct val="30000"/>
-              </a:spcBef>
-              <a:spcAft>
-                <a:spcPct val="0"/>
-              </a:spcAft>
-              <a:buClr>
-                <a:srgbClr val="FAFD00"/>
-              </a:buClr>
-              <a:buSzPct val="100000"/>
-              <a:buFont typeface="Arial" charset="0"/>
-              <a:buChar char="•"/>
-              <a:defRPr sz="1400" b="1">
-                <a:solidFill>
-                  <a:schemeClr val="tx1"/>
-                </a:solidFill>
-                <a:latin typeface="+mn-lt"/>
-                <a:ea typeface="MS PGothic" panose="020B0600070205080204" pitchFamily="34" charset="-128"/>
-                <a:cs typeface="MS PGothic" charset="0"/>
-              </a:defRPr>
-            </a:lvl4pPr>
-            <a:lvl5pPr marL="3009900" indent="-171450" algn="l" defTabSz="762000" rtl="0" eaLnBrk="1" fontAlgn="base" hangingPunct="1">
-              <a:lnSpc>
-                <a:spcPct val="90000"/>
-              </a:lnSpc>
-              <a:spcBef>
-                <a:spcPct val="30000"/>
-              </a:spcBef>
-              <a:spcAft>
-                <a:spcPct val="0"/>
-              </a:spcAft>
-              <a:buClr>
-                <a:srgbClr val="FAFD00"/>
-              </a:buClr>
-              <a:buSzPct val="100000"/>
-              <a:buFont typeface="Arial" charset="0"/>
-              <a:buChar char="•"/>
-              <a:defRPr sz="1400" b="1">
-                <a:solidFill>
-                  <a:schemeClr val="tx1"/>
-                </a:solidFill>
-                <a:latin typeface="+mn-lt"/>
-                <a:ea typeface="MS PGothic" panose="020B0600070205080204" pitchFamily="34" charset="-128"/>
-                <a:cs typeface="MS PGothic" charset="0"/>
-              </a:defRPr>
-            </a:lvl5pPr>
-            <a:lvl6pPr marL="3467100" indent="-171450" algn="l" defTabSz="762000" rtl="0" eaLnBrk="1" fontAlgn="base" hangingPunct="1">
-              <a:lnSpc>
-                <a:spcPct val="90000"/>
-              </a:lnSpc>
-              <a:spcBef>
-                <a:spcPct val="30000"/>
-              </a:spcBef>
-              <a:spcAft>
-                <a:spcPct val="0"/>
-              </a:spcAft>
-              <a:buClr>
-                <a:srgbClr val="FAFD00"/>
-              </a:buClr>
-              <a:buSzPct val="100000"/>
-              <a:buFont typeface="Arial" charset="0"/>
-              <a:buChar char="•"/>
-              <a:defRPr sz="1400" b="1">
-                <a:solidFill>
-                  <a:schemeClr val="tx1"/>
-                </a:solidFill>
-                <a:latin typeface="+mn-lt"/>
-              </a:defRPr>
-            </a:lvl6pPr>
-            <a:lvl7pPr marL="3924300" indent="-171450" algn="l" defTabSz="762000" rtl="0" eaLnBrk="1" fontAlgn="base" hangingPunct="1">
-              <a:lnSpc>
-                <a:spcPct val="90000"/>
-              </a:lnSpc>
-              <a:spcBef>
-                <a:spcPct val="30000"/>
-              </a:spcBef>
-              <a:spcAft>
-                <a:spcPct val="0"/>
-              </a:spcAft>
-              <a:buClr>
-                <a:srgbClr val="FAFD00"/>
-              </a:buClr>
-              <a:buSzPct val="100000"/>
-              <a:buFont typeface="Arial" charset="0"/>
-              <a:buChar char="•"/>
-              <a:defRPr sz="1400" b="1">
-                <a:solidFill>
-                  <a:schemeClr val="tx1"/>
-                </a:solidFill>
-                <a:latin typeface="+mn-lt"/>
-              </a:defRPr>
-            </a:lvl7pPr>
-            <a:lvl8pPr marL="4381500" indent="-171450" algn="l" defTabSz="762000" rtl="0" eaLnBrk="1" fontAlgn="base" hangingPunct="1">
-              <a:lnSpc>
-                <a:spcPct val="90000"/>
-              </a:lnSpc>
-              <a:spcBef>
-                <a:spcPct val="30000"/>
-              </a:spcBef>
-              <a:spcAft>
-                <a:spcPct val="0"/>
-              </a:spcAft>
-              <a:buClr>
-                <a:srgbClr val="FAFD00"/>
-              </a:buClr>
-              <a:buSzPct val="100000"/>
-              <a:buFont typeface="Arial" charset="0"/>
-              <a:buChar char="•"/>
-              <a:defRPr sz="1400" b="1">
-                <a:solidFill>
-                  <a:schemeClr val="tx1"/>
-                </a:solidFill>
-                <a:latin typeface="+mn-lt"/>
-              </a:defRPr>
-            </a:lvl8pPr>
-            <a:lvl9pPr marL="4838700" indent="-171450" algn="l" defTabSz="762000" rtl="0" eaLnBrk="1" fontAlgn="base" hangingPunct="1">
-              <a:lnSpc>
-                <a:spcPct val="90000"/>
-              </a:lnSpc>
-              <a:spcBef>
-                <a:spcPct val="30000"/>
-              </a:spcBef>
-              <a:spcAft>
-                <a:spcPct val="0"/>
-              </a:spcAft>
-              <a:buClr>
-                <a:srgbClr val="FAFD00"/>
-              </a:buClr>
-              <a:buSzPct val="100000"/>
-              <a:buFont typeface="Arial" charset="0"/>
-              <a:buChar char="•"/>
-              <a:defRPr sz="1400" b="1">
-                <a:solidFill>
-                  <a:schemeClr val="tx1"/>
-                </a:solidFill>
-                <a:latin typeface="+mn-lt"/>
-              </a:defRPr>
-            </a:lvl9pPr>
-          </a:lstStyle>
-          <a:p>
-            <a:r>
-              <a:rPr lang="en-ZA" kern="0" dirty="0" smtClean="0"/>
-              <a:t>Matched to an audiogram</a:t>
-            </a:r>
-          </a:p>
-          <a:p>
-            <a:r>
-              <a:rPr lang="en-ZA" kern="0" dirty="0" smtClean="0"/>
-              <a:t>Average error per frequency band: </a:t>
-            </a:r>
-            <a:r>
-              <a:rPr lang="en-ZA" kern="0" dirty="0"/>
-              <a:t> </a:t>
-            </a:r>
-            <a:r>
-              <a:rPr lang="en-ZA" kern="0" dirty="0" smtClean="0"/>
-              <a:t>1.41</a:t>
-            </a:r>
-            <a:r>
-              <a:rPr lang="en-ZA" kern="0" dirty="0" smtClean="0"/>
-              <a:t>%</a:t>
-            </a:r>
-          </a:p>
-          <a:p>
-            <a:endParaRPr lang="en-ZA" kern="0" dirty="0" smtClean="0"/>
-          </a:p>
-        </p:txBody>
-      </p:sp>
-    </p:spTree>
-    <p:extLst>
-      <p:ext uri="{BB962C8B-B14F-4D97-AF65-F5344CB8AC3E}">
-        <p14:creationId xmlns:p14="http://schemas.microsoft.com/office/powerpoint/2010/main" val="242225206"/>
-      </p:ext>
-    </p:extLst>
-  </p:cSld>
-  <p:clrMapOvr>
-    <a:masterClrMapping/>
-  </p:clrMapOvr>
-  <p:timing>
-    <p:tnLst>
-      <p:par>
-        <p:cTn xmlns:p14="http://schemas.microsoft.com/office/powerpoint/2010/main" id="1" dur="indefinite" restart="never" nodeType="tmRoot"/>
-      </p:par>
-    </p:tnLst>
-  </p:timing>
-</p:sld>
-</file>
-
-<file path=ppt/slides/slide11.xml><?xml version="1.0" encoding="utf-8"?>
-<p:sld xmlns:a="http://schemas.openxmlformats.org/drawingml/2006/main" xmlns:r="http://schemas.openxmlformats.org/officeDocument/2006/relationships" xmlns:p="http://schemas.openxmlformats.org/presentationml/2006/main">
-  <p:cSld>
-    <p:spTree>
-      <p:nvGrpSpPr>
-        <p:cNvPr id="1" name=""/>
-        <p:cNvGrpSpPr/>
-        <p:nvPr/>
-      </p:nvGrpSpPr>
-      <p:grpSpPr>
-        <a:xfrm>
-          <a:off x="0" y="0"/>
-          <a:ext cx="0" cy="0"/>
-          <a:chOff x="0" y="0"/>
-          <a:chExt cx="0" cy="0"/>
-        </a:xfrm>
-      </p:grpSpPr>
-      <p:sp>
-        <p:nvSpPr>
-          <p:cNvPr id="2" name="Title 1"/>
-          <p:cNvSpPr>
-            <a:spLocks noGrp="1"/>
-          </p:cNvSpPr>
-          <p:nvPr>
-            <p:ph type="title"/>
-          </p:nvPr>
-        </p:nvSpPr>
-        <p:spPr/>
-        <p:txBody>
-          <a:bodyPr/>
-          <a:lstStyle/>
-          <a:p>
-            <a:r>
-              <a:rPr lang="en-ZA" dirty="0" smtClean="0"/>
-              <a:t>Results: Simulation</a:t>
-            </a:r>
-            <a:endParaRPr lang="en-ZA" dirty="0"/>
-          </a:p>
-        </p:txBody>
-      </p:sp>
-      <p:pic>
-        <p:nvPicPr>
-          <p:cNvPr id="5" name="Content Placeholder 4"/>
-          <p:cNvPicPr>
-            <a:picLocks noGrp="1" noChangeAspect="1"/>
-          </p:cNvPicPr>
-          <p:nvPr>
-            <p:ph idx="1"/>
-          </p:nvPr>
-        </p:nvPicPr>
-        <p:blipFill>
-          <a:blip r:embed="rId2">
-            <a:extLst>
-              <a:ext uri="{28A0092B-C50C-407E-A947-70E740481C1C}">
-                <a14:useLocalDpi xmlns:a14="http://schemas.microsoft.com/office/drawing/2010/main" val="0"/>
-              </a:ext>
-            </a:extLst>
-          </a:blip>
-          <a:stretch>
-            <a:fillRect/>
-          </a:stretch>
-        </p:blipFill>
-        <p:spPr>
-          <a:xfrm>
-            <a:off x="3577904" y="2036664"/>
-            <a:ext cx="3298704" cy="3069834"/>
-          </a:xfrm>
-        </p:spPr>
-      </p:pic>
-      <p:sp>
-        <p:nvSpPr>
-          <p:cNvPr id="4" name="Slide Number Placeholder 3"/>
-          <p:cNvSpPr>
-            <a:spLocks noGrp="1"/>
-          </p:cNvSpPr>
-          <p:nvPr>
-            <p:ph type="sldNum" sz="quarter" idx="10"/>
-          </p:nvPr>
-        </p:nvSpPr>
-        <p:spPr/>
-        <p:txBody>
-          <a:bodyPr/>
-          <a:lstStyle/>
-          <a:p>
-            <a:fld id="{960946CE-1557-8048-9DCC-53092B682325}" type="slidenum">
-              <a:rPr lang="en-US" smtClean="0"/>
-              <a:t>11</a:t>
             </a:fld>
             <a:endParaRPr lang="en-US" dirty="0"/>
           </a:p>
@@ -4667,8 +4260,8 @@
           </a:p>
         </p:txBody>
       </p:sp>
-      <mc:AlternateContent xmlns:mc="http://schemas.openxmlformats.org/markup-compatibility/2006" xmlns:a14="http://schemas.microsoft.com/office/drawing/2010/main">
-        <mc:Choice Requires="a14">
+      <mc:AlternateContent xmlns:mc="http://schemas.openxmlformats.org/markup-compatibility/2006">
+        <mc:Choice xmlns:a14="http://schemas.microsoft.com/office/drawing/2010/main" Requires="a14">
           <p:sp>
             <p:nvSpPr>
               <p:cNvPr id="11" name="Content Placeholder 2"/>
@@ -4679,8 +4272,8 @@
             </p:nvSpPr>
             <p:spPr bwMode="auto">
               <a:xfrm>
-                <a:off x="210721" y="1971841"/>
-                <a:ext cx="3878183" cy="4248472"/>
+                <a:off x="138713" y="1748267"/>
+                <a:ext cx="3878183" cy="4673319"/>
               </a:xfrm>
               <a:prstGeom prst="rect">
                 <a:avLst/>
@@ -4949,7 +4542,7 @@
               <a:p>
                 <a:pPr lvl="1"/>
                 <a14:m>
-                  <m:oMath xmlns="" xmlns:m="http://schemas.openxmlformats.org/officeDocument/2006/math">
+                  <m:oMath xmlns:m="http://schemas.openxmlformats.org/officeDocument/2006/math" xmlns="">
                     <m:r>
                       <a:rPr lang="en-ZA" b="1" i="1" kern="0" smtClean="0">
                         <a:latin typeface="Cambria Math" panose="02040503050406030204" pitchFamily="18" charset="0"/>
@@ -5016,7 +4609,7 @@
               <a:p>
                 <a:pPr lvl="1"/>
                 <a14:m>
-                  <m:oMath xmlns="" xmlns:m="http://schemas.openxmlformats.org/officeDocument/2006/math">
+                  <m:oMath xmlns:m="http://schemas.openxmlformats.org/officeDocument/2006/math" xmlns="">
                     <m:r>
                       <a:rPr lang="en-ZA" b="1" i="1" kern="0" smtClean="0">
                         <a:latin typeface="Cambria Math" panose="02040503050406030204" pitchFamily="18" charset="0"/>
@@ -5033,7 +4626,7 @@
               <a:p>
                 <a:pPr lvl="1"/>
                 <a14:m>
-                  <m:oMath xmlns="" xmlns:m="http://schemas.openxmlformats.org/officeDocument/2006/math">
+                  <m:oMath xmlns:m="http://schemas.openxmlformats.org/officeDocument/2006/math" xmlns="">
                     <m:sSub>
                       <m:sSubPr>
                         <m:ctrlPr>
@@ -5072,7 +4665,7 @@
             </p:txBody>
           </p:sp>
         </mc:Choice>
-        <mc:Fallback xmlns="">
+        <mc:Fallback>
           <p:sp>
             <p:nvSpPr>
               <p:cNvPr id="11" name="Content Placeholder 2"/>
@@ -5083,16 +4676,16 @@
             </p:nvSpPr>
             <p:spPr bwMode="auto">
               <a:xfrm>
-                <a:off x="210721" y="1971841"/>
-                <a:ext cx="3878183" cy="4248472"/>
+                <a:off x="138713" y="1748267"/>
+                <a:ext cx="3878183" cy="4673319"/>
               </a:xfrm>
               <a:prstGeom prst="rect">
                 <a:avLst/>
               </a:prstGeom>
-              <a:blipFill>
+              <a:blipFill rotWithShape="1">
                 <a:blip r:embed="rId4"/>
                 <a:stretch>
-                  <a:fillRect t="-861" r="-1415"/>
+                  <a:fillRect/>
                 </a:stretch>
               </a:blipFill>
               <a:ln>
@@ -5100,14 +4693,14 @@
               </a:ln>
               <a:extLst>
                 <a:ext uri="{909E8E84-426E-40dd-AFC4-6F175D3DCCD1}">
-                  <a14:hiddenFill xmlns:a14="http://schemas.microsoft.com/office/drawing/2010/main" xmlns="">
+                  <a14:hiddenFill xmlns:a14="http://schemas.microsoft.com/office/drawing/2010/main">
                     <a:solidFill>
                       <a:srgbClr val="FFFFFF"/>
                     </a:solidFill>
                   </a14:hiddenFill>
                 </a:ext>
                 <a:ext uri="{91240B29-F687-4f45-9708-019B960494DF}">
-                  <a14:hiddenLine xmlns:a14="http://schemas.microsoft.com/office/drawing/2010/main" xmlns="" w="9525">
+                  <a14:hiddenLine xmlns:a14="http://schemas.microsoft.com/office/drawing/2010/main" w="9525">
                     <a:solidFill>
                       <a:srgbClr val="000000"/>
                     </a:solidFill>
@@ -5117,7 +4710,7 @@
                   </a14:hiddenLine>
                 </a:ext>
                 <a:ext uri="{FAA26D3D-D897-4be2-8F04-BA451C77F1D7}">
-                  <ma14:placeholderFlag xmlns:ma14="http://schemas.microsoft.com/office/mac/drawingml/2011/main" xmlns="" val="1"/>
+                  <ma14:placeholderFlag xmlns:ma14="http://schemas.microsoft.com/office/mac/drawingml/2011/main" val="1"/>
                 </a:ext>
               </a:extLst>
             </p:spPr>
@@ -5126,7 +4719,7 @@
               <a:lstStyle/>
               <a:p>
                 <a:r>
-                  <a:rPr lang="en-ZA">
+                  <a:rPr lang="en-US">
                     <a:noFill/>
                   </a:rPr>
                   <a:t> </a:t>
@@ -5156,7 +4749,7 @@
 </p:sld>
 </file>
 
-<file path=ppt/slides/slide12.xml><?xml version="1.0" encoding="utf-8"?>
+<file path=ppt/slides/slide11.xml><?xml version="1.0" encoding="utf-8"?>
 <p:sld xmlns:a="http://schemas.openxmlformats.org/drawingml/2006/main" xmlns:r="http://schemas.openxmlformats.org/officeDocument/2006/relationships" xmlns:p="http://schemas.openxmlformats.org/presentationml/2006/main">
   <p:cSld>
     <p:spTree>
@@ -5242,7 +4835,7 @@
           <a:p>
             <a:fld id="{960946CE-1557-8048-9DCC-53092B682325}" type="slidenum">
               <a:rPr lang="en-US" smtClean="0"/>
-              <a:t>12</a:t>
+              <a:t>11</a:t>
             </a:fld>
             <a:endParaRPr lang="en-US" dirty="0"/>
           </a:p>
@@ -5258,7 +4851,7 @@
         </p:nvSpPr>
         <p:spPr bwMode="auto">
           <a:xfrm>
-            <a:off x="210721" y="1755805"/>
+            <a:off x="128464" y="1755805"/>
             <a:ext cx="8846735" cy="1025123"/>
           </a:xfrm>
           <a:prstGeom prst="rect">
@@ -5516,7 +5109,25 @@
           <a:p>
             <a:r>
               <a:rPr lang="en-ZA" kern="0" dirty="0" smtClean="0"/>
-              <a:t>Input sound frequency: 3.15 kHz</a:t>
+              <a:t>Total cost: R1462.61</a:t>
+            </a:r>
+          </a:p>
+          <a:p>
+            <a:r>
+              <a:rPr lang="en-ZA" kern="0" dirty="0" smtClean="0"/>
+              <a:t>Input sound                                                       frequency</a:t>
+            </a:r>
+            <a:r>
+              <a:rPr lang="en-ZA" kern="0" dirty="0" smtClean="0"/>
+              <a:t>: </a:t>
+            </a:r>
+            <a:r>
+              <a:rPr lang="en-ZA" kern="0" dirty="0" smtClean="0"/>
+              <a:t>                                                                       3.15 </a:t>
+            </a:r>
+            <a:r>
+              <a:rPr lang="en-ZA" kern="0" dirty="0" smtClean="0"/>
+              <a:t>kHz</a:t>
             </a:r>
           </a:p>
           <a:p>
@@ -5563,7 +5174,7 @@
 </p:sld>
 </file>
 
-<file path=ppt/slides/slide13.xml><?xml version="1.0" encoding="utf-8"?>
+<file path=ppt/slides/slide12.xml><?xml version="1.0" encoding="utf-8"?>
 <p:sld xmlns:a="http://schemas.openxmlformats.org/drawingml/2006/main" xmlns:r="http://schemas.openxmlformats.org/officeDocument/2006/relationships" xmlns:p="http://schemas.openxmlformats.org/presentationml/2006/main">
   <p:cSld>
     <p:spTree>
@@ -5649,7 +5260,7 @@
           <a:p>
             <a:fld id="{960946CE-1557-8048-9DCC-53092B682325}" type="slidenum">
               <a:rPr lang="en-US" smtClean="0"/>
-              <a:t>13</a:t>
+              <a:t>12</a:t>
             </a:fld>
             <a:endParaRPr lang="en-US" dirty="0"/>
           </a:p>
@@ -5677,7 +5288,7 @@
         </p:blipFill>
         <p:spPr>
           <a:xfrm>
-            <a:off x="3607795" y="1861603"/>
+            <a:off x="3607795" y="1881214"/>
             <a:ext cx="3224808" cy="3083942"/>
           </a:xfrm>
           <a:prstGeom prst="rect">
@@ -5767,7 +5378,7 @@
         </p:nvSpPr>
         <p:spPr bwMode="auto">
           <a:xfrm>
-            <a:off x="210721" y="1971841"/>
+            <a:off x="144046" y="1747866"/>
             <a:ext cx="4146584" cy="4248472"/>
           </a:xfrm>
           <a:prstGeom prst="rect">
@@ -6077,7 +5688,7 @@
 </p:sld>
 </file>
 
-<file path=ppt/slides/slide14.xml><?xml version="1.0" encoding="utf-8"?>
+<file path=ppt/slides/slide13.xml><?xml version="1.0" encoding="utf-8"?>
 <p:sld xmlns:a="http://schemas.openxmlformats.org/drawingml/2006/main" xmlns:r="http://schemas.openxmlformats.org/officeDocument/2006/relationships" xmlns:p="http://schemas.openxmlformats.org/presentationml/2006/main">
   <p:cSld>
     <p:spTree>
@@ -6127,7 +5738,7 @@
             <p:ph idx="1"/>
             <p:extLst>
               <p:ext uri="{D42A27DB-BD31-4B8C-83A1-F6EECF244321}">
-                <p14:modId xmlns:p14="http://schemas.microsoft.com/office/powerpoint/2010/main" val="310380979"/>
+                <p14:modId xmlns:p14="http://schemas.microsoft.com/office/powerpoint/2010/main" val="4132841849"/>
               </p:ext>
             </p:extLst>
           </p:nvPr>
@@ -6146,28 +5757,28 @@
                 <a:gridCol w="2054210">
                   <a:extLst>
                     <a:ext uri="{9D8B030D-6E8A-4147-A177-3AD203B41FA5}">
-                      <a16:colId xmlns="" xmlns:a16="http://schemas.microsoft.com/office/drawing/2014/main" val="20000"/>
+                      <a16:colId xmlns:a16="http://schemas.microsoft.com/office/drawing/2014/main" xmlns="" val="20000"/>
                     </a:ext>
                   </a:extLst>
                 </a:gridCol>
                 <a:gridCol w="1917260">
                   <a:extLst>
                     <a:ext uri="{9D8B030D-6E8A-4147-A177-3AD203B41FA5}">
-                      <a16:colId xmlns="" xmlns:a16="http://schemas.microsoft.com/office/drawing/2014/main" val="1220490089"/>
+                      <a16:colId xmlns:a16="http://schemas.microsoft.com/office/drawing/2014/main" xmlns="" val="1220490089"/>
                     </a:ext>
                   </a:extLst>
                 </a:gridCol>
                 <a:gridCol w="1506419">
                   <a:extLst>
                     <a:ext uri="{9D8B030D-6E8A-4147-A177-3AD203B41FA5}">
-                      <a16:colId xmlns="" xmlns:a16="http://schemas.microsoft.com/office/drawing/2014/main" val="67218977"/>
+                      <a16:colId xmlns:a16="http://schemas.microsoft.com/office/drawing/2014/main" xmlns="" val="67218977"/>
                     </a:ext>
                   </a:extLst>
                 </a:gridCol>
                 <a:gridCol w="1291054">
                   <a:extLst>
                     <a:ext uri="{9D8B030D-6E8A-4147-A177-3AD203B41FA5}">
-                      <a16:colId xmlns="" xmlns:a16="http://schemas.microsoft.com/office/drawing/2014/main" val="3056518911"/>
+                      <a16:colId xmlns:a16="http://schemas.microsoft.com/office/drawing/2014/main" xmlns="" val="3056518911"/>
                     </a:ext>
                   </a:extLst>
                 </a:gridCol>
@@ -6276,7 +5887,7 @@
                 </a:tc>
                 <a:extLst>
                   <a:ext uri="{0D108BD9-81ED-4DB2-BD59-A6C34878D82A}">
-                    <a16:rowId xmlns="" xmlns:a16="http://schemas.microsoft.com/office/drawing/2014/main" val="3871997748"/>
+                    <a16:rowId xmlns:a16="http://schemas.microsoft.com/office/drawing/2014/main" xmlns="" val="3871997748"/>
                   </a:ext>
                 </a:extLst>
               </a:tr>
@@ -6325,7 +5936,7 @@
                       <a:pPr algn="ctr"/>
                       <a:r>
                         <a:rPr lang="en-ZA" sz="1600" dirty="0" smtClean="0"/>
-                        <a:t>2.82-3.55</a:t>
+                        <a:t>2.82 - 3.55</a:t>
                       </a:r>
                       <a:endParaRPr lang="en-ZA" sz="1600" dirty="0"/>
                     </a:p>
@@ -6349,7 +5960,7 @@
                 </a:tc>
                 <a:extLst>
                   <a:ext uri="{0D108BD9-81ED-4DB2-BD59-A6C34878D82A}">
-                    <a16:rowId xmlns="" xmlns:a16="http://schemas.microsoft.com/office/drawing/2014/main" val="373921578"/>
+                    <a16:rowId xmlns:a16="http://schemas.microsoft.com/office/drawing/2014/main" xmlns="" val="373921578"/>
                   </a:ext>
                 </a:extLst>
               </a:tr>
@@ -6414,8 +6025,9 @@
                       </a:pPr>
                       <a:r>
                         <a:rPr lang="en-ZA" sz="1600" dirty="0" smtClean="0"/>
-                        <a:t>2.82-3.55</a:t>
+                        <a:t>2.82 - 3.55</a:t>
                       </a:r>
+                      <a:endParaRPr lang="en-ZA" sz="1600" dirty="0" smtClean="0"/>
                     </a:p>
                   </a:txBody>
                   <a:tcPr/>
@@ -6437,7 +6049,7 @@
                 </a:tc>
                 <a:extLst>
                   <a:ext uri="{0D108BD9-81ED-4DB2-BD59-A6C34878D82A}">
-                    <a16:rowId xmlns="" xmlns:a16="http://schemas.microsoft.com/office/drawing/2014/main" val="3868297120"/>
+                    <a16:rowId xmlns:a16="http://schemas.microsoft.com/office/drawing/2014/main" xmlns="" val="3868297120"/>
                   </a:ext>
                 </a:extLst>
               </a:tr>
@@ -6486,7 +6098,7 @@
                       <a:pPr algn="ctr"/>
                       <a:r>
                         <a:rPr lang="en-ZA" sz="1600" dirty="0" smtClean="0"/>
-                        <a:t>5.62-7.08</a:t>
+                        <a:t>5.62 - 7.08</a:t>
                       </a:r>
                       <a:endParaRPr lang="en-ZA" sz="1600" dirty="0"/>
                     </a:p>
@@ -6510,7 +6122,7 @@
                 </a:tc>
                 <a:extLst>
                   <a:ext uri="{0D108BD9-81ED-4DB2-BD59-A6C34878D82A}">
-                    <a16:rowId xmlns="" xmlns:a16="http://schemas.microsoft.com/office/drawing/2014/main" val="3602717608"/>
+                    <a16:rowId xmlns:a16="http://schemas.microsoft.com/office/drawing/2014/main" xmlns="" val="3602717608"/>
                   </a:ext>
                 </a:extLst>
               </a:tr>
@@ -6575,8 +6187,9 @@
                       </a:pPr>
                       <a:r>
                         <a:rPr lang="en-ZA" sz="1600" dirty="0" smtClean="0"/>
-                        <a:t>5.62-7.08</a:t>
+                        <a:t>5.62 - 7.08</a:t>
                       </a:r>
+                      <a:endParaRPr lang="en-ZA" sz="1600" dirty="0" smtClean="0"/>
                     </a:p>
                   </a:txBody>
                   <a:tcPr/>
@@ -6598,7 +6211,7 @@
                 </a:tc>
                 <a:extLst>
                   <a:ext uri="{0D108BD9-81ED-4DB2-BD59-A6C34878D82A}">
-                    <a16:rowId xmlns="" xmlns:a16="http://schemas.microsoft.com/office/drawing/2014/main" val="684964139"/>
+                    <a16:rowId xmlns:a16="http://schemas.microsoft.com/office/drawing/2014/main" xmlns="" val="684964139"/>
                   </a:ext>
                 </a:extLst>
               </a:tr>
@@ -6623,7 +6236,7 @@
           <a:p>
             <a:fld id="{960946CE-1557-8048-9DCC-53092B682325}" type="slidenum">
               <a:rPr lang="en-US" smtClean="0"/>
-              <a:t>14</a:t>
+              <a:t>13</a:t>
             </a:fld>
             <a:endParaRPr lang="en-US" dirty="0"/>
           </a:p>
@@ -6657,21 +6270,21 @@
                 <a:gridCol w="2054150">
                   <a:extLst>
                     <a:ext uri="{9D8B030D-6E8A-4147-A177-3AD203B41FA5}">
-                      <a16:colId xmlns="" xmlns:a16="http://schemas.microsoft.com/office/drawing/2014/main" val="20000"/>
+                      <a16:colId xmlns:a16="http://schemas.microsoft.com/office/drawing/2014/main" xmlns="" val="20000"/>
                     </a:ext>
                   </a:extLst>
                 </a:gridCol>
                 <a:gridCol w="3423583">
                   <a:extLst>
                     <a:ext uri="{9D8B030D-6E8A-4147-A177-3AD203B41FA5}">
-                      <a16:colId xmlns="" xmlns:a16="http://schemas.microsoft.com/office/drawing/2014/main" val="3160404703"/>
+                      <a16:colId xmlns:a16="http://schemas.microsoft.com/office/drawing/2014/main" xmlns="" val="3160404703"/>
                     </a:ext>
                   </a:extLst>
                 </a:gridCol>
                 <a:gridCol w="1291019">
                   <a:extLst>
                     <a:ext uri="{9D8B030D-6E8A-4147-A177-3AD203B41FA5}">
-                      <a16:colId xmlns="" xmlns:a16="http://schemas.microsoft.com/office/drawing/2014/main" val="2004772524"/>
+                      <a16:colId xmlns:a16="http://schemas.microsoft.com/office/drawing/2014/main" xmlns="" val="2004772524"/>
                     </a:ext>
                   </a:extLst>
                 </a:gridCol>
@@ -6799,7 +6412,7 @@
                 </a:tc>
                 <a:extLst>
                   <a:ext uri="{0D108BD9-81ED-4DB2-BD59-A6C34878D82A}">
-                    <a16:rowId xmlns="" xmlns:a16="http://schemas.microsoft.com/office/drawing/2014/main" val="3857195092"/>
+                    <a16:rowId xmlns:a16="http://schemas.microsoft.com/office/drawing/2014/main" xmlns="" val="3857195092"/>
                   </a:ext>
                 </a:extLst>
               </a:tr>
@@ -6857,7 +6470,7 @@
                 </a:tc>
                 <a:extLst>
                   <a:ext uri="{0D108BD9-81ED-4DB2-BD59-A6C34878D82A}">
-                    <a16:rowId xmlns="" xmlns:a16="http://schemas.microsoft.com/office/drawing/2014/main" val="1176978316"/>
+                    <a16:rowId xmlns:a16="http://schemas.microsoft.com/office/drawing/2014/main" xmlns="" val="1176978316"/>
                   </a:ext>
                 </a:extLst>
               </a:tr>
@@ -6915,7 +6528,7 @@
                 </a:tc>
                 <a:extLst>
                   <a:ext uri="{0D108BD9-81ED-4DB2-BD59-A6C34878D82A}">
-                    <a16:rowId xmlns="" xmlns:a16="http://schemas.microsoft.com/office/drawing/2014/main" val="1271360358"/>
+                    <a16:rowId xmlns:a16="http://schemas.microsoft.com/office/drawing/2014/main" xmlns="" val="1271360358"/>
                   </a:ext>
                 </a:extLst>
               </a:tr>
@@ -6973,7 +6586,7 @@
                 </a:tc>
                 <a:extLst>
                   <a:ext uri="{0D108BD9-81ED-4DB2-BD59-A6C34878D82A}">
-                    <a16:rowId xmlns="" xmlns:a16="http://schemas.microsoft.com/office/drawing/2014/main" val="2734475198"/>
+                    <a16:rowId xmlns:a16="http://schemas.microsoft.com/office/drawing/2014/main" xmlns="" val="2734475198"/>
                   </a:ext>
                 </a:extLst>
               </a:tr>
@@ -7031,7 +6644,7 @@
                 </a:tc>
                 <a:extLst>
                   <a:ext uri="{0D108BD9-81ED-4DB2-BD59-A6C34878D82A}">
-                    <a16:rowId xmlns="" xmlns:a16="http://schemas.microsoft.com/office/drawing/2014/main" val="1320419717"/>
+                    <a16:rowId xmlns:a16="http://schemas.microsoft.com/office/drawing/2014/main" xmlns="" val="1320419717"/>
                   </a:ext>
                 </a:extLst>
               </a:tr>
@@ -7089,7 +6702,7 @@
                 </a:tc>
                 <a:extLst>
                   <a:ext uri="{0D108BD9-81ED-4DB2-BD59-A6C34878D82A}">
-                    <a16:rowId xmlns="" xmlns:a16="http://schemas.microsoft.com/office/drawing/2014/main" val="2814437447"/>
+                    <a16:rowId xmlns:a16="http://schemas.microsoft.com/office/drawing/2014/main" xmlns="" val="2814437447"/>
                   </a:ext>
                 </a:extLst>
               </a:tr>
@@ -7147,7 +6760,7 @@
                 </a:tc>
                 <a:extLst>
                   <a:ext uri="{0D108BD9-81ED-4DB2-BD59-A6C34878D82A}">
-                    <a16:rowId xmlns="" xmlns:a16="http://schemas.microsoft.com/office/drawing/2014/main" val="3814854473"/>
+                    <a16:rowId xmlns:a16="http://schemas.microsoft.com/office/drawing/2014/main" xmlns="" val="3814854473"/>
                   </a:ext>
                 </a:extLst>
               </a:tr>
@@ -7159,6 +6772,240 @@
     <p:extLst>
       <p:ext uri="{BB962C8B-B14F-4D97-AF65-F5344CB8AC3E}">
         <p14:creationId xmlns:p14="http://schemas.microsoft.com/office/powerpoint/2010/main" val="3781627902"/>
+      </p:ext>
+    </p:extLst>
+  </p:cSld>
+  <p:clrMapOvr>
+    <a:masterClrMapping/>
+  </p:clrMapOvr>
+  <p:timing>
+    <p:tnLst>
+      <p:par>
+        <p:cTn xmlns:p14="http://schemas.microsoft.com/office/powerpoint/2010/main" id="1" dur="indefinite" restart="never" nodeType="tmRoot"/>
+      </p:par>
+    </p:tnLst>
+  </p:timing>
+</p:sld>
+</file>
+
+<file path=ppt/slides/slide14.xml><?xml version="1.0" encoding="utf-8"?>
+<p:sld xmlns:a="http://schemas.openxmlformats.org/drawingml/2006/main" xmlns:r="http://schemas.openxmlformats.org/officeDocument/2006/relationships" xmlns:p="http://schemas.openxmlformats.org/presentationml/2006/main">
+  <p:cSld>
+    <p:spTree>
+      <p:nvGrpSpPr>
+        <p:cNvPr id="1" name=""/>
+        <p:cNvGrpSpPr/>
+        <p:nvPr/>
+      </p:nvGrpSpPr>
+      <p:grpSpPr>
+        <a:xfrm>
+          <a:off x="0" y="0"/>
+          <a:ext cx="0" cy="0"/>
+          <a:chOff x="0" y="0"/>
+          <a:chExt cx="0" cy="0"/>
+        </a:xfrm>
+      </p:grpSpPr>
+      <p:sp>
+        <p:nvSpPr>
+          <p:cNvPr id="2" name="Title 1"/>
+          <p:cNvSpPr>
+            <a:spLocks noGrp="1"/>
+          </p:cNvSpPr>
+          <p:nvPr>
+            <p:ph type="title"/>
+          </p:nvPr>
+        </p:nvSpPr>
+        <p:spPr/>
+        <p:txBody>
+          <a:bodyPr/>
+          <a:lstStyle/>
+          <a:p>
+            <a:r>
+              <a:rPr lang="en-ZA" dirty="0" smtClean="0"/>
+              <a:t>Future Work</a:t>
+            </a:r>
+            <a:endParaRPr lang="en-ZA" dirty="0"/>
+          </a:p>
+        </p:txBody>
+      </p:sp>
+      <p:sp>
+        <p:nvSpPr>
+          <p:cNvPr id="3" name="Content Placeholder 2"/>
+          <p:cNvSpPr>
+            <a:spLocks noGrp="1"/>
+          </p:cNvSpPr>
+          <p:nvPr>
+            <p:ph idx="1"/>
+          </p:nvPr>
+        </p:nvSpPr>
+        <p:spPr>
+          <a:xfrm>
+            <a:off x="128464" y="1756941"/>
+            <a:ext cx="10065568" cy="4248472"/>
+          </a:xfrm>
+        </p:spPr>
+        <p:txBody>
+          <a:bodyPr/>
+          <a:lstStyle/>
+          <a:p>
+            <a:r>
+              <a:rPr lang="en-ZA" dirty="0"/>
+              <a:t>H</a:t>
+            </a:r>
+            <a:r>
+              <a:rPr lang="en-ZA" dirty="0" smtClean="0"/>
+              <a:t>igher </a:t>
+            </a:r>
+            <a:r>
+              <a:rPr lang="en-ZA" dirty="0"/>
+              <a:t>quality omni-directional </a:t>
+            </a:r>
+            <a:r>
+              <a:rPr lang="en-ZA" dirty="0" smtClean="0"/>
+              <a:t>microphones</a:t>
+            </a:r>
+          </a:p>
+          <a:p>
+            <a:r>
+              <a:rPr lang="en-ZA" dirty="0" smtClean="0"/>
+              <a:t>More microphones </a:t>
+            </a:r>
+          </a:p>
+          <a:p>
+            <a:pPr lvl="1"/>
+            <a:r>
+              <a:rPr lang="en-ZA" dirty="0"/>
+              <a:t>I</a:t>
+            </a:r>
+            <a:r>
+              <a:rPr lang="en-ZA" dirty="0" smtClean="0"/>
+              <a:t>mprove </a:t>
+            </a:r>
+            <a:r>
+              <a:rPr lang="en-ZA" dirty="0"/>
+              <a:t>the precision of the beam </a:t>
+            </a:r>
+            <a:r>
+              <a:rPr lang="en-ZA" dirty="0" smtClean="0"/>
+              <a:t>steering</a:t>
+            </a:r>
+          </a:p>
+          <a:p>
+            <a:r>
+              <a:rPr lang="en-ZA" dirty="0"/>
+              <a:t>I</a:t>
+            </a:r>
+            <a:r>
+              <a:rPr lang="en-ZA" dirty="0" smtClean="0"/>
+              <a:t>ntegrated </a:t>
+            </a:r>
+            <a:r>
+              <a:rPr lang="en-ZA" dirty="0"/>
+              <a:t>circuit chip </a:t>
+            </a:r>
+            <a:endParaRPr lang="en-ZA" dirty="0" smtClean="0"/>
+          </a:p>
+          <a:p>
+            <a:pPr lvl="1"/>
+            <a:r>
+              <a:rPr lang="en-ZA" dirty="0"/>
+              <a:t>P</a:t>
+            </a:r>
+            <a:r>
+              <a:rPr lang="en-ZA" dirty="0" smtClean="0"/>
+              <a:t>reprocessing </a:t>
+            </a:r>
+            <a:r>
+              <a:rPr lang="en-ZA" dirty="0"/>
+              <a:t>of the audio </a:t>
+            </a:r>
+            <a:r>
+              <a:rPr lang="en-ZA" dirty="0" smtClean="0"/>
+              <a:t>signals</a:t>
+            </a:r>
+          </a:p>
+          <a:p>
+            <a:r>
+              <a:rPr lang="en-ZA" dirty="0" smtClean="0"/>
+              <a:t>Embedding </a:t>
+            </a:r>
+            <a:r>
+              <a:rPr lang="en-ZA" dirty="0" smtClean="0"/>
+              <a:t>circuitry </a:t>
+            </a:r>
+            <a:r>
+              <a:rPr lang="en-ZA" dirty="0"/>
+              <a:t>into </a:t>
+            </a:r>
+            <a:r>
+              <a:rPr lang="en-ZA" dirty="0" smtClean="0"/>
+              <a:t>headphones</a:t>
+            </a:r>
+          </a:p>
+          <a:p>
+            <a:pPr lvl="1"/>
+            <a:r>
+              <a:rPr lang="en-ZA" dirty="0"/>
+              <a:t>R</a:t>
+            </a:r>
+            <a:r>
+              <a:rPr lang="en-ZA" dirty="0" smtClean="0"/>
+              <a:t>educe </a:t>
+            </a:r>
+            <a:r>
+              <a:rPr lang="en-ZA" dirty="0"/>
+              <a:t>the size of the </a:t>
+            </a:r>
+            <a:r>
+              <a:rPr lang="en-ZA" dirty="0" smtClean="0"/>
+              <a:t>device</a:t>
+            </a:r>
+          </a:p>
+          <a:p>
+            <a:pPr lvl="1"/>
+            <a:r>
+              <a:rPr lang="en-ZA" dirty="0"/>
+              <a:t>M</a:t>
+            </a:r>
+            <a:r>
+              <a:rPr lang="en-ZA" dirty="0" smtClean="0"/>
+              <a:t>ake the device more user </a:t>
+            </a:r>
+            <a:r>
+              <a:rPr lang="en-ZA" dirty="0" smtClean="0"/>
+              <a:t>friendly</a:t>
+            </a:r>
+            <a:endParaRPr lang="en-ZA" dirty="0"/>
+          </a:p>
+        </p:txBody>
+      </p:sp>
+      <p:sp>
+        <p:nvSpPr>
+          <p:cNvPr id="4" name="Slide Number Placeholder 3"/>
+          <p:cNvSpPr>
+            <a:spLocks noGrp="1"/>
+          </p:cNvSpPr>
+          <p:nvPr>
+            <p:ph type="sldNum" sz="quarter" idx="10"/>
+          </p:nvPr>
+        </p:nvSpPr>
+        <p:spPr/>
+        <p:txBody>
+          <a:bodyPr/>
+          <a:lstStyle/>
+          <a:p>
+            <a:fld id="{960946CE-1557-8048-9DCC-53092B682325}" type="slidenum">
+              <a:rPr lang="en-US" smtClean="0"/>
+              <a:t>14</a:t>
+            </a:fld>
+            <a:endParaRPr lang="en-US" dirty="0"/>
+          </a:p>
+        </p:txBody>
+      </p:sp>
+    </p:spTree>
+    <p:extLst>
+      <p:ext uri="{BB962C8B-B14F-4D97-AF65-F5344CB8AC3E}">
+        <p14:creationId xmlns:p14="http://schemas.microsoft.com/office/powerpoint/2010/main" val="832092564"/>
       </p:ext>
     </p:extLst>
   </p:cSld>
@@ -7209,7 +7056,7 @@
           <a:p>
             <a:r>
               <a:rPr lang="en-ZA" dirty="0" smtClean="0"/>
-              <a:t>Future Work</a:t>
+              <a:t>Conclusion</a:t>
             </a:r>
             <a:endParaRPr lang="en-ZA" dirty="0"/>
           </a:p>
@@ -7227,8 +7074,8 @@
         </p:nvSpPr>
         <p:spPr>
           <a:xfrm>
-            <a:off x="128464" y="1844824"/>
-            <a:ext cx="10065568" cy="4248472"/>
+            <a:off x="128464" y="1746002"/>
+            <a:ext cx="8424936" cy="3883496"/>
           </a:xfrm>
         </p:spPr>
         <p:txBody>
@@ -7236,124 +7083,50 @@
           <a:lstStyle/>
           <a:p>
             <a:r>
+              <a:rPr lang="en-ZA" dirty="0" smtClean="0"/>
+              <a:t>Objectives and specifications have been met</a:t>
+            </a:r>
+          </a:p>
+          <a:p>
+            <a:r>
+              <a:rPr lang="en-ZA" dirty="0" smtClean="0"/>
+              <a:t>Low cost – under R1500</a:t>
+            </a:r>
+          </a:p>
+          <a:p>
+            <a:r>
+              <a:rPr lang="en-ZA" dirty="0" smtClean="0"/>
+              <a:t>Full hearing aid simulation</a:t>
+            </a:r>
+          </a:p>
+          <a:p>
+            <a:pPr lvl="1"/>
+            <a:r>
               <a:rPr lang="en-ZA" dirty="0"/>
-              <a:t>H</a:t>
+              <a:t>Compensatory amplification</a:t>
+            </a:r>
+          </a:p>
+          <a:p>
+            <a:pPr lvl="1"/>
+            <a:r>
+              <a:rPr lang="en-ZA" dirty="0"/>
+              <a:t>Steerable </a:t>
             </a:r>
             <a:r>
               <a:rPr lang="en-ZA" dirty="0" smtClean="0"/>
-              <a:t>igher </a:t>
-            </a:r>
-            <a:r>
-              <a:rPr lang="en-ZA" dirty="0"/>
-              <a:t>quality omni-directional </a:t>
-            </a:r>
+              <a:t>directionality</a:t>
+            </a:r>
+          </a:p>
+          <a:p>
             <a:r>
               <a:rPr lang="en-ZA" dirty="0" smtClean="0"/>
-              <a:t>microphones</a:t>
-            </a:r>
-          </a:p>
-          <a:p>
-            <a:r>
-              <a:rPr lang="en-ZA" dirty="0" smtClean="0"/>
-              <a:t>More microphones </a:t>
-            </a:r>
-          </a:p>
-          <a:p>
-            <a:pPr lvl="1"/>
-            <a:r>
-              <a:rPr lang="en-ZA" dirty="0"/>
-              <a:t>I</a:t>
-            </a:r>
-            <a:r>
-              <a:rPr lang="en-ZA" dirty="0" smtClean="0"/>
-              <a:t>mprove </a:t>
-            </a:r>
-            <a:r>
-              <a:rPr lang="en-ZA" dirty="0"/>
-              <a:t>the precision of the beam </a:t>
-            </a:r>
-            <a:r>
-              <a:rPr lang="en-ZA" dirty="0" smtClean="0"/>
-              <a:t>steering</a:t>
-            </a:r>
-          </a:p>
-          <a:p>
-            <a:r>
-              <a:rPr lang="en-ZA" dirty="0"/>
-              <a:t>I</a:t>
-            </a:r>
-            <a:r>
-              <a:rPr lang="en-ZA" dirty="0" smtClean="0"/>
-              <a:t>ntegrated </a:t>
-            </a:r>
-            <a:r>
-              <a:rPr lang="en-ZA" dirty="0"/>
-              <a:t>circuit chip </a:t>
-            </a:r>
+              <a:t>Concepts proven in hardware</a:t>
+            </a:r>
+          </a:p>
+          <a:p>
             <a:endParaRPr lang="en-ZA" dirty="0" smtClean="0"/>
           </a:p>
           <a:p>
-            <a:pPr lvl="1"/>
-            <a:r>
-              <a:rPr lang="en-ZA" dirty="0"/>
-              <a:t>P</a:t>
-            </a:r>
-            <a:r>
-              <a:rPr lang="en-ZA" dirty="0" smtClean="0"/>
-              <a:t>reprocessing </a:t>
-            </a:r>
-            <a:r>
-              <a:rPr lang="en-ZA" dirty="0"/>
-              <a:t>of the audio </a:t>
-            </a:r>
-            <a:r>
-              <a:rPr lang="en-ZA" dirty="0" smtClean="0"/>
-              <a:t>signals</a:t>
-            </a:r>
-          </a:p>
-          <a:p>
-            <a:r>
-              <a:rPr lang="en-ZA" dirty="0" smtClean="0"/>
-              <a:t>Emdedding circuitry </a:t>
-            </a:r>
-            <a:r>
-              <a:rPr lang="en-ZA" dirty="0"/>
-              <a:t>into </a:t>
-            </a:r>
-            <a:r>
-              <a:rPr lang="en-ZA" dirty="0" smtClean="0"/>
-              <a:t>headphones</a:t>
-            </a:r>
-          </a:p>
-          <a:p>
-            <a:pPr lvl="1"/>
-            <a:r>
-              <a:rPr lang="en-ZA" dirty="0"/>
-              <a:t>R</a:t>
-            </a:r>
-            <a:r>
-              <a:rPr lang="en-ZA" dirty="0" smtClean="0"/>
-              <a:t>educe </a:t>
-            </a:r>
-            <a:r>
-              <a:rPr lang="en-ZA" dirty="0"/>
-              <a:t>the size of the </a:t>
-            </a:r>
-            <a:r>
-              <a:rPr lang="en-ZA" dirty="0" smtClean="0"/>
-              <a:t>device</a:t>
-            </a:r>
-          </a:p>
-          <a:p>
-            <a:pPr lvl="1"/>
-            <a:r>
-              <a:rPr lang="en-ZA" dirty="0"/>
-              <a:t>M</a:t>
-            </a:r>
-            <a:r>
-              <a:rPr lang="en-ZA" dirty="0" smtClean="0"/>
-              <a:t>ake the device more user friendly</a:t>
-            </a:r>
             <a:endParaRPr lang="en-ZA" dirty="0"/>
           </a:p>
         </p:txBody>
@@ -7384,7 +7157,7 @@
     </p:spTree>
     <p:extLst>
       <p:ext uri="{BB962C8B-B14F-4D97-AF65-F5344CB8AC3E}">
-        <p14:creationId xmlns:p14="http://schemas.microsoft.com/office/powerpoint/2010/main" val="832092564"/>
+        <p14:creationId xmlns:p14="http://schemas.microsoft.com/office/powerpoint/2010/main" val="2491983680"/>
       </p:ext>
     </p:extLst>
   </p:cSld>
@@ -7435,7 +7208,7 @@
           <a:p>
             <a:r>
               <a:rPr lang="en-ZA" dirty="0" smtClean="0"/>
-              <a:t>Conclusion</a:t>
+              <a:t>References</a:t>
             </a:r>
             <a:endParaRPr lang="en-ZA" dirty="0"/>
           </a:p>
@@ -7453,59 +7226,121 @@
         </p:nvSpPr>
         <p:spPr>
           <a:xfrm>
-            <a:off x="488504" y="2209800"/>
-            <a:ext cx="8424936" cy="3883496"/>
+            <a:off x="342900" y="2209800"/>
+            <a:ext cx="9067800" cy="3352800"/>
           </a:xfrm>
         </p:spPr>
         <p:txBody>
           <a:bodyPr/>
           <a:lstStyle/>
           <a:p>
-            <a:r>
-              <a:rPr lang="en-ZA" dirty="0" smtClean="0"/>
-              <a:t>Objectives and specifications have been met</a:t>
-            </a:r>
-          </a:p>
-          <a:p>
-            <a:r>
-              <a:rPr lang="en-ZA" dirty="0" smtClean="0"/>
-              <a:t>Low cost – under R1500</a:t>
-            </a:r>
-          </a:p>
-          <a:p>
-            <a:r>
-              <a:rPr lang="en-ZA" dirty="0" smtClean="0"/>
-              <a:t>Full hearing aid simulation</a:t>
-            </a:r>
-          </a:p>
-          <a:p>
-            <a:pPr lvl="1"/>
-            <a:r>
-              <a:rPr lang="en-ZA" dirty="0"/>
-              <a:t>Compensatory amplification</a:t>
-            </a:r>
-          </a:p>
-          <a:p>
-            <a:pPr lvl="1"/>
-            <a:r>
-              <a:rPr lang="en-ZA" dirty="0"/>
-              <a:t>Steerable </a:t>
-            </a:r>
-            <a:r>
-              <a:rPr lang="en-ZA" dirty="0" smtClean="0"/>
-              <a:t>directionality</a:t>
-            </a:r>
-          </a:p>
-          <a:p>
-            <a:r>
-              <a:rPr lang="en-ZA" dirty="0" smtClean="0"/>
-              <a:t>Concepts proven in hardware</a:t>
-            </a:r>
-          </a:p>
-          <a:p>
-            <a:endParaRPr lang="en-ZA" dirty="0" smtClean="0"/>
-          </a:p>
-          <a:p>
+            <a:pPr marL="190500" indent="0">
+              <a:buNone/>
+            </a:pPr>
+            <a:r>
+              <a:rPr lang="en-ZA" b="0" dirty="0" smtClean="0"/>
+              <a:t>[1]	L</a:t>
+            </a:r>
+            <a:r>
+              <a:rPr lang="en-ZA" b="0" dirty="0"/>
+              <a:t>. Tiete et al. </a:t>
+            </a:r>
+            <a:r>
+              <a:rPr lang="en-ZA" b="0" dirty="0" smtClean="0"/>
+              <a:t>“</a:t>
+            </a:r>
+            <a:r>
+              <a:rPr lang="en-ZA" b="0" dirty="0"/>
+              <a:t>Detecting Laterality </a:t>
+            </a:r>
+            <a:r>
+              <a:rPr lang="en-ZA" b="0" dirty="0" smtClean="0"/>
+              <a:t>and </a:t>
+            </a:r>
+            <a:r>
+              <a:rPr lang="en-ZA" b="0" dirty="0"/>
+              <a:t>Nasality in </a:t>
+            </a:r>
+            <a:r>
+              <a:rPr lang="en-ZA" b="0" dirty="0" smtClean="0"/>
+              <a:t>Speech 	with </a:t>
+            </a:r>
+            <a:r>
+              <a:rPr lang="en-ZA" b="0" dirty="0"/>
+              <a:t>the Use </a:t>
+            </a:r>
+            <a:r>
+              <a:rPr lang="en-ZA" b="0" dirty="0" smtClean="0"/>
+              <a:t>of </a:t>
+            </a:r>
+            <a:r>
+              <a:rPr lang="en-ZA" b="0" dirty="0"/>
+              <a:t>a Multi-Channel </a:t>
+            </a:r>
+            <a:r>
+              <a:rPr lang="de-DE" b="0" dirty="0" err="1"/>
+              <a:t>recorder</a:t>
+            </a:r>
+            <a:r>
+              <a:rPr lang="de-DE" b="0" dirty="0" smtClean="0"/>
+              <a:t>.</a:t>
+            </a:r>
+            <a:r>
+              <a:rPr lang="en-ZA" b="0" dirty="0" smtClean="0"/>
+              <a:t>” </a:t>
+            </a:r>
+            <a:r>
+              <a:rPr lang="de-DE" b="0" i="1" dirty="0" smtClean="0"/>
+              <a:t>Sensors </a:t>
+            </a:r>
+            <a:r>
+              <a:rPr lang="de-DE" b="0" i="1" dirty="0"/>
+              <a:t>(Basel, </a:t>
+            </a:r>
+            <a:r>
+              <a:rPr lang="de-DE" b="0" i="1" dirty="0" smtClean="0"/>
+              <a:t>	</a:t>
+            </a:r>
+            <a:r>
+              <a:rPr lang="de-DE" b="0" i="1" dirty="0" err="1" smtClean="0"/>
+              <a:t>Switzerland</a:t>
+            </a:r>
+            <a:r>
+              <a:rPr lang="de-DE" b="0" i="1" dirty="0"/>
+              <a:t>)</a:t>
+            </a:r>
+            <a:r>
+              <a:rPr lang="de-DE" b="0" dirty="0"/>
+              <a:t>, vol. </a:t>
+            </a:r>
+            <a:r>
+              <a:rPr lang="de-DE" b="0" dirty="0" smtClean="0"/>
+              <a:t>14, </a:t>
+            </a:r>
+            <a:r>
+              <a:rPr lang="en-ZA" b="0" dirty="0" smtClean="0"/>
+              <a:t>pp</a:t>
+            </a:r>
+            <a:r>
+              <a:rPr lang="en-ZA" b="0" dirty="0"/>
+              <a:t>. </a:t>
+            </a:r>
+            <a:r>
+              <a:rPr lang="en-ZA" b="0" dirty="0" smtClean="0"/>
+              <a:t>1918-1949</a:t>
+            </a:r>
+            <a:r>
+              <a:rPr lang="en-ZA" b="0" dirty="0"/>
+              <a:t>, 02 </a:t>
+            </a:r>
+            <a:r>
+              <a:rPr lang="en-ZA" b="0" dirty="0" smtClean="0"/>
+              <a:t>2014</a:t>
+            </a:r>
+            <a:r>
+              <a:rPr lang="en-ZA" b="0" dirty="0"/>
+              <a:t>.</a:t>
+            </a:r>
             <a:endParaRPr lang="en-ZA" dirty="0"/>
           </a:p>
         </p:txBody>
@@ -7536,7 +7371,7 @@
     </p:spTree>
     <p:extLst>
       <p:ext uri="{BB962C8B-B14F-4D97-AF65-F5344CB8AC3E}">
-        <p14:creationId xmlns:p14="http://schemas.microsoft.com/office/powerpoint/2010/main" val="2491983680"/>
+        <p14:creationId xmlns:p14="http://schemas.microsoft.com/office/powerpoint/2010/main" val="1274193584"/>
       </p:ext>
     </p:extLst>
   </p:cSld>
@@ -7587,7 +7422,7 @@
           <a:p>
             <a:r>
               <a:rPr lang="en-ZA" dirty="0" smtClean="0"/>
-              <a:t>References</a:t>
+              <a:t>Questions?</a:t>
             </a:r>
             <a:endParaRPr lang="en-ZA" dirty="0"/>
           </a:p>
@@ -7603,12 +7438,7 @@
             <p:ph idx="1"/>
           </p:nvPr>
         </p:nvSpPr>
-        <p:spPr>
-          <a:xfrm>
-            <a:off x="342900" y="2209800"/>
-            <a:ext cx="9067800" cy="3352800"/>
-          </a:xfrm>
-        </p:spPr>
+        <p:spPr/>
         <p:txBody>
           <a:bodyPr/>
           <a:lstStyle/>
@@ -7616,110 +7446,6 @@
             <a:pPr marL="190500" indent="0">
               <a:buNone/>
             </a:pPr>
-            <a:r>
-              <a:rPr lang="en-ZA" b="0" dirty="0" smtClean="0"/>
-              <a:t>[1]	L</a:t>
-            </a:r>
-            <a:r>
-              <a:rPr lang="en-ZA" b="0" dirty="0"/>
-              <a:t>. Tiete et al. </a:t>
-            </a:r>
-            <a:r>
-              <a:rPr lang="en-ZA" b="0" dirty="0" smtClean="0"/>
-              <a:t>“</a:t>
-            </a:r>
-            <a:r>
-              <a:rPr lang="en-ZA" b="0" dirty="0"/>
-              <a:t>Detecting Laterality </a:t>
-            </a:r>
-            <a:r>
-              <a:rPr lang="en-ZA" b="0" dirty="0" smtClean="0"/>
-              <a:t>and </a:t>
-            </a:r>
-            <a:r>
-              <a:rPr lang="en-ZA" b="0" dirty="0"/>
-              <a:t>Nasality in </a:t>
-            </a:r>
-            <a:r>
-              <a:rPr lang="en-ZA" b="0" dirty="0" smtClean="0"/>
-              <a:t>Speech 	with </a:t>
-            </a:r>
-            <a:r>
-              <a:rPr lang="en-ZA" b="0" dirty="0"/>
-              <a:t>the Use </a:t>
-            </a:r>
-            <a:r>
-              <a:rPr lang="en-ZA" b="0" dirty="0" smtClean="0"/>
-              <a:t>of </a:t>
-            </a:r>
-            <a:r>
-              <a:rPr lang="en-ZA" b="0" dirty="0"/>
-              <a:t>a Multi-Channel </a:t>
-            </a:r>
-            <a:r>
-              <a:rPr lang="de-DE" b="0" dirty="0" err="1"/>
-              <a:t>recorder</a:t>
-            </a:r>
-            <a:r>
-              <a:rPr lang="de-DE" b="0" dirty="0" smtClean="0"/>
-              <a:t>.</a:t>
-            </a:r>
-            <a:r>
-              <a:rPr lang="en-ZA" b="0" dirty="0" smtClean="0"/>
-              <a:t>” </a:t>
-            </a:r>
-            <a:r>
-              <a:rPr lang="de-DE" b="0" i="1" dirty="0" smtClean="0"/>
-              <a:t>Sensors </a:t>
-            </a:r>
-            <a:r>
-              <a:rPr lang="de-DE" b="0" i="1" dirty="0"/>
-              <a:t>(Basel, </a:t>
-            </a:r>
-            <a:r>
-              <a:rPr lang="de-DE" b="0" i="1" dirty="0" smtClean="0"/>
-              <a:t>	</a:t>
-            </a:r>
-            <a:r>
-              <a:rPr lang="de-DE" b="0" i="1" dirty="0" err="1" smtClean="0"/>
-              <a:t>Switzerland</a:t>
-            </a:r>
-            <a:r>
-              <a:rPr lang="de-DE" b="0" i="1" dirty="0"/>
-              <a:t>)</a:t>
-            </a:r>
-            <a:r>
-              <a:rPr lang="de-DE" b="0" dirty="0"/>
-              <a:t>, vol. </a:t>
-            </a:r>
-            <a:r>
-              <a:rPr lang="de-DE" b="0" dirty="0" smtClean="0"/>
-              <a:t>14, </a:t>
-            </a:r>
-            <a:r>
-              <a:rPr lang="en-ZA" b="0" dirty="0" smtClean="0"/>
-              <a:t>pp</a:t>
-            </a:r>
-            <a:r>
-              <a:rPr lang="en-ZA" b="0" dirty="0"/>
-              <a:t>. </a:t>
-            </a:r>
-            <a:r>
-              <a:rPr lang="en-ZA" b="0" dirty="0" smtClean="0"/>
-              <a:t>1918-1949</a:t>
-            </a:r>
-            <a:r>
-              <a:rPr lang="en-ZA" b="0" dirty="0"/>
-              <a:t>, 02 </a:t>
-            </a:r>
-            <a:r>
-              <a:rPr lang="en-ZA" b="0" dirty="0" smtClean="0"/>
-              <a:t>2014</a:t>
-            </a:r>
-            <a:r>
-              <a:rPr lang="en-ZA" b="0" dirty="0"/>
-              <a:t>.</a:t>
-            </a:r>
             <a:endParaRPr lang="en-ZA" dirty="0"/>
           </a:p>
         </p:txBody>
@@ -7742,111 +7468,6 @@
             <a:fld id="{960946CE-1557-8048-9DCC-53092B682325}" type="slidenum">
               <a:rPr lang="en-US" smtClean="0"/>
               <a:t>17</a:t>
-            </a:fld>
-            <a:endParaRPr lang="en-US" dirty="0"/>
-          </a:p>
-        </p:txBody>
-      </p:sp>
-    </p:spTree>
-    <p:extLst>
-      <p:ext uri="{BB962C8B-B14F-4D97-AF65-F5344CB8AC3E}">
-        <p14:creationId xmlns:p14="http://schemas.microsoft.com/office/powerpoint/2010/main" val="1274193584"/>
-      </p:ext>
-    </p:extLst>
-  </p:cSld>
-  <p:clrMapOvr>
-    <a:masterClrMapping/>
-  </p:clrMapOvr>
-  <p:timing>
-    <p:tnLst>
-      <p:par>
-        <p:cTn xmlns:p14="http://schemas.microsoft.com/office/powerpoint/2010/main" id="1" dur="indefinite" restart="never" nodeType="tmRoot"/>
-      </p:par>
-    </p:tnLst>
-  </p:timing>
-</p:sld>
-</file>
-
-<file path=ppt/slides/slide18.xml><?xml version="1.0" encoding="utf-8"?>
-<p:sld xmlns:a="http://schemas.openxmlformats.org/drawingml/2006/main" xmlns:r="http://schemas.openxmlformats.org/officeDocument/2006/relationships" xmlns:p="http://schemas.openxmlformats.org/presentationml/2006/main">
-  <p:cSld>
-    <p:spTree>
-      <p:nvGrpSpPr>
-        <p:cNvPr id="1" name=""/>
-        <p:cNvGrpSpPr/>
-        <p:nvPr/>
-      </p:nvGrpSpPr>
-      <p:grpSpPr>
-        <a:xfrm>
-          <a:off x="0" y="0"/>
-          <a:ext cx="0" cy="0"/>
-          <a:chOff x="0" y="0"/>
-          <a:chExt cx="0" cy="0"/>
-        </a:xfrm>
-      </p:grpSpPr>
-      <p:sp>
-        <p:nvSpPr>
-          <p:cNvPr id="2" name="Title 1"/>
-          <p:cNvSpPr>
-            <a:spLocks noGrp="1"/>
-          </p:cNvSpPr>
-          <p:nvPr>
-            <p:ph type="title"/>
-          </p:nvPr>
-        </p:nvSpPr>
-        <p:spPr/>
-        <p:txBody>
-          <a:bodyPr/>
-          <a:lstStyle/>
-          <a:p>
-            <a:r>
-              <a:rPr lang="en-ZA" dirty="0" smtClean="0"/>
-              <a:t>Questions?</a:t>
-            </a:r>
-            <a:endParaRPr lang="en-ZA" dirty="0"/>
-          </a:p>
-        </p:txBody>
-      </p:sp>
-      <p:sp>
-        <p:nvSpPr>
-          <p:cNvPr id="3" name="Content Placeholder 2"/>
-          <p:cNvSpPr>
-            <a:spLocks noGrp="1"/>
-          </p:cNvSpPr>
-          <p:nvPr>
-            <p:ph idx="1"/>
-          </p:nvPr>
-        </p:nvSpPr>
-        <p:spPr/>
-        <p:txBody>
-          <a:bodyPr/>
-          <a:lstStyle/>
-          <a:p>
-            <a:pPr marL="190500" indent="0">
-              <a:buNone/>
-            </a:pPr>
-            <a:endParaRPr lang="en-ZA" dirty="0"/>
-          </a:p>
-        </p:txBody>
-      </p:sp>
-      <p:sp>
-        <p:nvSpPr>
-          <p:cNvPr id="4" name="Slide Number Placeholder 3"/>
-          <p:cNvSpPr>
-            <a:spLocks noGrp="1"/>
-          </p:cNvSpPr>
-          <p:nvPr>
-            <p:ph type="sldNum" sz="quarter" idx="10"/>
-          </p:nvPr>
-        </p:nvSpPr>
-        <p:spPr/>
-        <p:txBody>
-          <a:bodyPr/>
-          <a:lstStyle/>
-          <a:p>
-            <a:fld id="{960946CE-1557-8048-9DCC-53092B682325}" type="slidenum">
-              <a:rPr lang="en-US" smtClean="0"/>
-              <a:t>18</a:t>
             </a:fld>
             <a:endParaRPr lang="en-US" dirty="0"/>
           </a:p>
@@ -7924,7 +7545,7 @@
         </p:nvSpPr>
         <p:spPr>
           <a:xfrm>
-            <a:off x="342900" y="1993902"/>
+            <a:off x="128464" y="1756941"/>
             <a:ext cx="9067800" cy="4727573"/>
           </a:xfrm>
         </p:spPr>
@@ -8095,7 +7716,7 @@
         </p:nvSpPr>
         <p:spPr>
           <a:xfrm>
-            <a:off x="776536" y="2209800"/>
+            <a:off x="128464" y="1756941"/>
             <a:ext cx="8856984" cy="3352800"/>
           </a:xfrm>
         </p:spPr>
@@ -8412,21 +8033,21 @@
                 <a:gridCol w="2880319">
                   <a:extLst>
                     <a:ext uri="{9D8B030D-6E8A-4147-A177-3AD203B41FA5}">
-                      <a16:colId xmlns="" xmlns:a16="http://schemas.microsoft.com/office/drawing/2014/main" val="1205949033"/>
+                      <a16:colId xmlns:a16="http://schemas.microsoft.com/office/drawing/2014/main" xmlns="" val="1205949033"/>
                     </a:ext>
                   </a:extLst>
                 </a:gridCol>
                 <a:gridCol w="2448272">
                   <a:extLst>
                     <a:ext uri="{9D8B030D-6E8A-4147-A177-3AD203B41FA5}">
-                      <a16:colId xmlns="" xmlns:a16="http://schemas.microsoft.com/office/drawing/2014/main" val="3234676645"/>
+                      <a16:colId xmlns:a16="http://schemas.microsoft.com/office/drawing/2014/main" xmlns="" val="3234676645"/>
                     </a:ext>
                   </a:extLst>
                 </a:gridCol>
                 <a:gridCol w="3168351">
                   <a:extLst>
                     <a:ext uri="{9D8B030D-6E8A-4147-A177-3AD203B41FA5}">
-                      <a16:colId xmlns="" xmlns:a16="http://schemas.microsoft.com/office/drawing/2014/main" val="497167739"/>
+                      <a16:colId xmlns:a16="http://schemas.microsoft.com/office/drawing/2014/main" xmlns="" val="497167739"/>
                     </a:ext>
                   </a:extLst>
                 </a:gridCol>
@@ -8479,7 +8100,7 @@
                 </a:tc>
                 <a:extLst>
                   <a:ext uri="{0D108BD9-81ED-4DB2-BD59-A6C34878D82A}">
-                    <a16:rowId xmlns="" xmlns:a16="http://schemas.microsoft.com/office/drawing/2014/main" val="3709011960"/>
+                    <a16:rowId xmlns:a16="http://schemas.microsoft.com/office/drawing/2014/main" xmlns="" val="3709011960"/>
                   </a:ext>
                 </a:extLst>
               </a:tr>
@@ -8535,7 +8156,7 @@
                 </a:tc>
                 <a:extLst>
                   <a:ext uri="{0D108BD9-81ED-4DB2-BD59-A6C34878D82A}">
-                    <a16:rowId xmlns="" xmlns:a16="http://schemas.microsoft.com/office/drawing/2014/main" val="4214479577"/>
+                    <a16:rowId xmlns:a16="http://schemas.microsoft.com/office/drawing/2014/main" xmlns="" val="4214479577"/>
                   </a:ext>
                 </a:extLst>
               </a:tr>
@@ -8627,7 +8248,7 @@
                 </a:tc>
                 <a:extLst>
                   <a:ext uri="{0D108BD9-81ED-4DB2-BD59-A6C34878D82A}">
-                    <a16:rowId xmlns="" xmlns:a16="http://schemas.microsoft.com/office/drawing/2014/main" val="3266579009"/>
+                    <a16:rowId xmlns:a16="http://schemas.microsoft.com/office/drawing/2014/main" xmlns="" val="3266579009"/>
                   </a:ext>
                 </a:extLst>
               </a:tr>
@@ -8679,7 +8300,7 @@
                 </a:tc>
                 <a:extLst>
                   <a:ext uri="{0D108BD9-81ED-4DB2-BD59-A6C34878D82A}">
-                    <a16:rowId xmlns="" xmlns:a16="http://schemas.microsoft.com/office/drawing/2014/main" val="282706019"/>
+                    <a16:rowId xmlns:a16="http://schemas.microsoft.com/office/drawing/2014/main" xmlns="" val="282706019"/>
                   </a:ext>
                 </a:extLst>
               </a:tr>
@@ -8731,7 +8352,7 @@
                 </a:tc>
                 <a:extLst>
                   <a:ext uri="{0D108BD9-81ED-4DB2-BD59-A6C34878D82A}">
-                    <a16:rowId xmlns="" xmlns:a16="http://schemas.microsoft.com/office/drawing/2014/main" val="10004"/>
+                    <a16:rowId xmlns:a16="http://schemas.microsoft.com/office/drawing/2014/main" xmlns="" val="10004"/>
                   </a:ext>
                 </a:extLst>
               </a:tr>
@@ -8787,7 +8408,7 @@
                 </a:tc>
                 <a:extLst>
                   <a:ext uri="{0D108BD9-81ED-4DB2-BD59-A6C34878D82A}">
-                    <a16:rowId xmlns="" xmlns:a16="http://schemas.microsoft.com/office/drawing/2014/main" val="1081411160"/>
+                    <a16:rowId xmlns:a16="http://schemas.microsoft.com/office/drawing/2014/main" xmlns="" val="1081411160"/>
                   </a:ext>
                 </a:extLst>
               </a:tr>
@@ -8854,7 +8475,7 @@
                 </a:tc>
                 <a:extLst>
                   <a:ext uri="{0D108BD9-81ED-4DB2-BD59-A6C34878D82A}">
-                    <a16:rowId xmlns="" xmlns:a16="http://schemas.microsoft.com/office/drawing/2014/main" val="2210005012"/>
+                    <a16:rowId xmlns:a16="http://schemas.microsoft.com/office/drawing/2014/main" xmlns="" val="2210005012"/>
                   </a:ext>
                 </a:extLst>
               </a:tr>
@@ -8974,7 +8595,7 @@
                 </a:tc>
                 <a:extLst>
                   <a:ext uri="{0D108BD9-81ED-4DB2-BD59-A6C34878D82A}">
-                    <a16:rowId xmlns="" xmlns:a16="http://schemas.microsoft.com/office/drawing/2014/main" val="1840919378"/>
+                    <a16:rowId xmlns:a16="http://schemas.microsoft.com/office/drawing/2014/main" xmlns="" val="1840919378"/>
                   </a:ext>
                 </a:extLst>
               </a:tr>
@@ -9030,7 +8651,7 @@
                 </a:tc>
                 <a:extLst>
                   <a:ext uri="{0D108BD9-81ED-4DB2-BD59-A6C34878D82A}">
-                    <a16:rowId xmlns="" xmlns:a16="http://schemas.microsoft.com/office/drawing/2014/main" val="1275340913"/>
+                    <a16:rowId xmlns:a16="http://schemas.microsoft.com/office/drawing/2014/main" xmlns="" val="1275340913"/>
                   </a:ext>
                 </a:extLst>
               </a:tr>
@@ -9156,7 +8777,7 @@
         </p:nvSpPr>
         <p:spPr>
           <a:xfrm>
-            <a:off x="342900" y="1683274"/>
+            <a:off x="126876" y="1753369"/>
             <a:ext cx="9362628" cy="3811488"/>
           </a:xfrm>
         </p:spPr>
@@ -9338,7 +8959,7 @@
         </p:nvSpPr>
         <p:spPr>
           <a:xfrm>
-            <a:off x="342901" y="1965038"/>
+            <a:off x="126876" y="1756767"/>
             <a:ext cx="9218612" cy="3352800"/>
           </a:xfrm>
         </p:spPr>
@@ -9476,554 +9097,6 @@
           <a:p>
             <a:r>
               <a:rPr lang="en-ZA" dirty="0" smtClean="0"/>
-              <a:t>Cost Breakdown</a:t>
-            </a:r>
-            <a:endParaRPr lang="en-ZA" dirty="0"/>
-          </a:p>
-        </p:txBody>
-      </p:sp>
-      <p:graphicFrame>
-        <p:nvGraphicFramePr>
-          <p:cNvPr id="5" name="Content Placeholder 4"/>
-          <p:cNvGraphicFramePr>
-            <a:graphicFrameLocks noGrp="1"/>
-          </p:cNvGraphicFramePr>
-          <p:nvPr>
-            <p:ph idx="1"/>
-            <p:extLst>
-              <p:ext uri="{D42A27DB-BD31-4B8C-83A1-F6EECF244321}">
-                <p14:modId xmlns:p14="http://schemas.microsoft.com/office/powerpoint/2010/main" val="3312312482"/>
-              </p:ext>
-            </p:extLst>
-          </p:nvPr>
-        </p:nvGraphicFramePr>
-        <p:xfrm>
-          <a:off x="1852139" y="1663413"/>
-          <a:ext cx="5867400" cy="4450080"/>
-        </p:xfrm>
-        <a:graphic>
-          <a:graphicData uri="http://schemas.openxmlformats.org/drawingml/2006/table">
-            <a:tbl>
-              <a:tblPr firstRow="1" bandRow="1">
-                <a:tableStyleId>{5C22544A-7EE6-4342-B048-85BDC9FD1C3A}</a:tableStyleId>
-              </a:tblPr>
-              <a:tblGrid>
-                <a:gridCol w="4108973">
-                  <a:extLst>
-                    <a:ext uri="{9D8B030D-6E8A-4147-A177-3AD203B41FA5}">
-                      <a16:colId xmlns="" xmlns:a16="http://schemas.microsoft.com/office/drawing/2014/main" val="641060483"/>
-                    </a:ext>
-                  </a:extLst>
-                </a:gridCol>
-                <a:gridCol w="1758427">
-                  <a:extLst>
-                    <a:ext uri="{9D8B030D-6E8A-4147-A177-3AD203B41FA5}">
-                      <a16:colId xmlns="" xmlns:a16="http://schemas.microsoft.com/office/drawing/2014/main" val="1147500092"/>
-                    </a:ext>
-                  </a:extLst>
-                </a:gridCol>
-              </a:tblGrid>
-              <a:tr h="370840">
-                <a:tc>
-                  <a:txBody>
-                    <a:bodyPr/>
-                    <a:lstStyle/>
-                    <a:p>
-                      <a:r>
-                        <a:rPr lang="en-ZA" dirty="0" smtClean="0"/>
-                        <a:t>Component</a:t>
-                      </a:r>
-                      <a:endParaRPr lang="en-ZA" dirty="0"/>
-                    </a:p>
-                  </a:txBody>
-                  <a:tcPr/>
-                </a:tc>
-                <a:tc>
-                  <a:txBody>
-                    <a:bodyPr/>
-                    <a:lstStyle/>
-                    <a:p>
-                      <a:r>
-                        <a:rPr lang="en-ZA" dirty="0" smtClean="0"/>
-                        <a:t>Cost (R)</a:t>
-                      </a:r>
-                      <a:endParaRPr lang="en-ZA" dirty="0"/>
-                    </a:p>
-                  </a:txBody>
-                  <a:tcPr/>
-                </a:tc>
-                <a:extLst>
-                  <a:ext uri="{0D108BD9-81ED-4DB2-BD59-A6C34878D82A}">
-                    <a16:rowId xmlns="" xmlns:a16="http://schemas.microsoft.com/office/drawing/2014/main" val="1100728770"/>
-                  </a:ext>
-                </a:extLst>
-              </a:tr>
-              <a:tr h="370840">
-                <a:tc>
-                  <a:txBody>
-                    <a:bodyPr/>
-                    <a:lstStyle/>
-                    <a:p>
-                      <a:r>
-                        <a:rPr lang="en-ZA" dirty="0" smtClean="0"/>
-                        <a:t>Arduino Due</a:t>
-                      </a:r>
-                      <a:endParaRPr lang="en-ZA" dirty="0"/>
-                    </a:p>
-                  </a:txBody>
-                  <a:tcPr/>
-                </a:tc>
-                <a:tc>
-                  <a:txBody>
-                    <a:bodyPr/>
-                    <a:lstStyle/>
-                    <a:p>
-                      <a:r>
-                        <a:rPr lang="en-ZA" dirty="0" smtClean="0"/>
-                        <a:t>569.00</a:t>
-                      </a:r>
-                      <a:endParaRPr lang="en-ZA" dirty="0"/>
-                    </a:p>
-                  </a:txBody>
-                  <a:tcPr/>
-                </a:tc>
-                <a:extLst>
-                  <a:ext uri="{0D108BD9-81ED-4DB2-BD59-A6C34878D82A}">
-                    <a16:rowId xmlns="" xmlns:a16="http://schemas.microsoft.com/office/drawing/2014/main" val="1538700946"/>
-                  </a:ext>
-                </a:extLst>
-              </a:tr>
-              <a:tr h="370840">
-                <a:tc>
-                  <a:txBody>
-                    <a:bodyPr/>
-                    <a:lstStyle/>
-                    <a:p>
-                      <a:r>
-                        <a:rPr lang="en-ZA" dirty="0" smtClean="0"/>
-                        <a:t>MAX9814 Microphone Amplifier x4</a:t>
-                      </a:r>
-                      <a:endParaRPr lang="en-ZA" dirty="0"/>
-                    </a:p>
-                  </a:txBody>
-                  <a:tcPr/>
-                </a:tc>
-                <a:tc>
-                  <a:txBody>
-                    <a:bodyPr/>
-                    <a:lstStyle/>
-                    <a:p>
-                      <a:r>
-                        <a:rPr lang="en-ZA" dirty="0" smtClean="0"/>
-                        <a:t>546.00</a:t>
-                      </a:r>
-                      <a:endParaRPr lang="en-ZA" dirty="0"/>
-                    </a:p>
-                  </a:txBody>
-                  <a:tcPr/>
-                </a:tc>
-                <a:extLst>
-                  <a:ext uri="{0D108BD9-81ED-4DB2-BD59-A6C34878D82A}">
-                    <a16:rowId xmlns="" xmlns:a16="http://schemas.microsoft.com/office/drawing/2014/main" val="3854310482"/>
-                  </a:ext>
-                </a:extLst>
-              </a:tr>
-              <a:tr h="370840">
-                <a:tc>
-                  <a:txBody>
-                    <a:bodyPr/>
-                    <a:lstStyle/>
-                    <a:p>
-                      <a:r>
-                        <a:rPr lang="en-ZA" dirty="0" smtClean="0"/>
-                        <a:t>LM358 x5</a:t>
-                      </a:r>
-                      <a:endParaRPr lang="en-ZA" dirty="0"/>
-                    </a:p>
-                  </a:txBody>
-                  <a:tcPr/>
-                </a:tc>
-                <a:tc>
-                  <a:txBody>
-                    <a:bodyPr/>
-                    <a:lstStyle/>
-                    <a:p>
-                      <a:r>
-                        <a:rPr lang="en-ZA" dirty="0" smtClean="0"/>
-                        <a:t>16.05</a:t>
-                      </a:r>
-                      <a:endParaRPr lang="en-ZA" dirty="0"/>
-                    </a:p>
-                  </a:txBody>
-                  <a:tcPr/>
-                </a:tc>
-                <a:extLst>
-                  <a:ext uri="{0D108BD9-81ED-4DB2-BD59-A6C34878D82A}">
-                    <a16:rowId xmlns="" xmlns:a16="http://schemas.microsoft.com/office/drawing/2014/main" val="4094742816"/>
-                  </a:ext>
-                </a:extLst>
-              </a:tr>
-              <a:tr h="370840">
-                <a:tc>
-                  <a:txBody>
-                    <a:bodyPr/>
-                    <a:lstStyle/>
-                    <a:p>
-                      <a:r>
-                        <a:rPr lang="en-ZA" dirty="0" smtClean="0"/>
-                        <a:t>LM386 </a:t>
-                      </a:r>
-                      <a:endParaRPr lang="en-ZA" dirty="0"/>
-                    </a:p>
-                  </a:txBody>
-                  <a:tcPr/>
-                </a:tc>
-                <a:tc>
-                  <a:txBody>
-                    <a:bodyPr/>
-                    <a:lstStyle/>
-                    <a:p>
-                      <a:r>
-                        <a:rPr lang="en-ZA" dirty="0" smtClean="0"/>
-                        <a:t>15.75</a:t>
-                      </a:r>
-                      <a:endParaRPr lang="en-ZA" dirty="0"/>
-                    </a:p>
-                  </a:txBody>
-                  <a:tcPr/>
-                </a:tc>
-                <a:extLst>
-                  <a:ext uri="{0D108BD9-81ED-4DB2-BD59-A6C34878D82A}">
-                    <a16:rowId xmlns="" xmlns:a16="http://schemas.microsoft.com/office/drawing/2014/main" val="3540657552"/>
-                  </a:ext>
-                </a:extLst>
-              </a:tr>
-              <a:tr h="370840">
-                <a:tc>
-                  <a:txBody>
-                    <a:bodyPr/>
-                    <a:lstStyle/>
-                    <a:p>
-                      <a:r>
-                        <a:rPr lang="en-ZA" dirty="0" smtClean="0"/>
-                        <a:t>Headphone Jack</a:t>
-                      </a:r>
-                      <a:endParaRPr lang="en-ZA" dirty="0"/>
-                    </a:p>
-                  </a:txBody>
-                  <a:tcPr/>
-                </a:tc>
-                <a:tc>
-                  <a:txBody>
-                    <a:bodyPr/>
-                    <a:lstStyle/>
-                    <a:p>
-                      <a:r>
-                        <a:rPr lang="en-ZA" dirty="0" smtClean="0"/>
-                        <a:t>16.31</a:t>
-                      </a:r>
-                      <a:endParaRPr lang="en-ZA" dirty="0"/>
-                    </a:p>
-                  </a:txBody>
-                  <a:tcPr/>
-                </a:tc>
-                <a:extLst>
-                  <a:ext uri="{0D108BD9-81ED-4DB2-BD59-A6C34878D82A}">
-                    <a16:rowId xmlns="" xmlns:a16="http://schemas.microsoft.com/office/drawing/2014/main" val="2626417538"/>
-                  </a:ext>
-                </a:extLst>
-              </a:tr>
-              <a:tr h="370840">
-                <a:tc>
-                  <a:txBody>
-                    <a:bodyPr/>
-                    <a:lstStyle/>
-                    <a:p>
-                      <a:r>
-                        <a:rPr lang="en-ZA" dirty="0" smtClean="0"/>
-                        <a:t>9V Battery</a:t>
-                      </a:r>
-                      <a:endParaRPr lang="en-ZA" dirty="0"/>
-                    </a:p>
-                  </a:txBody>
-                  <a:tcPr/>
-                </a:tc>
-                <a:tc>
-                  <a:txBody>
-                    <a:bodyPr/>
-                    <a:lstStyle/>
-                    <a:p>
-                      <a:r>
-                        <a:rPr lang="en-ZA" dirty="0" smtClean="0"/>
-                        <a:t>70.00</a:t>
-                      </a:r>
-                      <a:endParaRPr lang="en-ZA" dirty="0"/>
-                    </a:p>
-                  </a:txBody>
-                  <a:tcPr/>
-                </a:tc>
-                <a:extLst>
-                  <a:ext uri="{0D108BD9-81ED-4DB2-BD59-A6C34878D82A}">
-                    <a16:rowId xmlns="" xmlns:a16="http://schemas.microsoft.com/office/drawing/2014/main" val="1235677700"/>
-                  </a:ext>
-                </a:extLst>
-              </a:tr>
-              <a:tr h="370840">
-                <a:tc>
-                  <a:txBody>
-                    <a:bodyPr/>
-                    <a:lstStyle/>
-                    <a:p>
-                      <a:r>
-                        <a:rPr lang="en-ZA" dirty="0" err="1" smtClean="0"/>
-                        <a:t>Veroboard</a:t>
-                      </a:r>
-                      <a:endParaRPr lang="en-ZA" dirty="0"/>
-                    </a:p>
-                  </a:txBody>
-                  <a:tcPr/>
-                </a:tc>
-                <a:tc>
-                  <a:txBody>
-                    <a:bodyPr/>
-                    <a:lstStyle/>
-                    <a:p>
-                      <a:r>
-                        <a:rPr lang="en-ZA" dirty="0" smtClean="0"/>
-                        <a:t>49.70</a:t>
-                      </a:r>
-                      <a:endParaRPr lang="en-ZA" dirty="0"/>
-                    </a:p>
-                  </a:txBody>
-                  <a:tcPr/>
-                </a:tc>
-                <a:extLst>
-                  <a:ext uri="{0D108BD9-81ED-4DB2-BD59-A6C34878D82A}">
-                    <a16:rowId xmlns="" xmlns:a16="http://schemas.microsoft.com/office/drawing/2014/main" val="2755522816"/>
-                  </a:ext>
-                </a:extLst>
-              </a:tr>
-              <a:tr h="370840">
-                <a:tc>
-                  <a:txBody>
-                    <a:bodyPr/>
-                    <a:lstStyle/>
-                    <a:p>
-                      <a:r>
-                        <a:rPr lang="en-ZA" dirty="0" smtClean="0"/>
-                        <a:t>Headphones </a:t>
-                      </a:r>
-                      <a:endParaRPr lang="en-ZA" dirty="0"/>
-                    </a:p>
-                  </a:txBody>
-                  <a:tcPr/>
-                </a:tc>
-                <a:tc>
-                  <a:txBody>
-                    <a:bodyPr/>
-                    <a:lstStyle/>
-                    <a:p>
-                      <a:r>
-                        <a:rPr lang="en-ZA" dirty="0" smtClean="0"/>
-                        <a:t>69.90</a:t>
-                      </a:r>
-                      <a:endParaRPr lang="en-ZA" dirty="0"/>
-                    </a:p>
-                  </a:txBody>
-                  <a:tcPr/>
-                </a:tc>
-                <a:extLst>
-                  <a:ext uri="{0D108BD9-81ED-4DB2-BD59-A6C34878D82A}">
-                    <a16:rowId xmlns="" xmlns:a16="http://schemas.microsoft.com/office/drawing/2014/main" val="754826805"/>
-                  </a:ext>
-                </a:extLst>
-              </a:tr>
-              <a:tr h="370840">
-                <a:tc>
-                  <a:txBody>
-                    <a:bodyPr/>
-                    <a:lstStyle/>
-                    <a:p>
-                      <a:r>
-                        <a:rPr lang="en-ZA" dirty="0" smtClean="0"/>
-                        <a:t>Casing</a:t>
-                      </a:r>
-                      <a:endParaRPr lang="en-ZA" dirty="0"/>
-                    </a:p>
-                  </a:txBody>
-                  <a:tcPr/>
-                </a:tc>
-                <a:tc>
-                  <a:txBody>
-                    <a:bodyPr/>
-                    <a:lstStyle/>
-                    <a:p>
-                      <a:r>
-                        <a:rPr lang="en-ZA" dirty="0" smtClean="0"/>
-                        <a:t>59.90</a:t>
-                      </a:r>
-                      <a:endParaRPr lang="en-ZA" dirty="0"/>
-                    </a:p>
-                  </a:txBody>
-                  <a:tcPr/>
-                </a:tc>
-                <a:extLst>
-                  <a:ext uri="{0D108BD9-81ED-4DB2-BD59-A6C34878D82A}">
-                    <a16:rowId xmlns="" xmlns:a16="http://schemas.microsoft.com/office/drawing/2014/main" val="2456114939"/>
-                  </a:ext>
-                </a:extLst>
-              </a:tr>
-              <a:tr h="370840">
-                <a:tc>
-                  <a:txBody>
-                    <a:bodyPr/>
-                    <a:lstStyle/>
-                    <a:p>
-                      <a:r>
-                        <a:rPr lang="en-ZA" dirty="0" err="1" smtClean="0"/>
-                        <a:t>Miscellanous</a:t>
-                      </a:r>
-                      <a:endParaRPr lang="en-ZA" dirty="0"/>
-                    </a:p>
-                  </a:txBody>
-                  <a:tcPr/>
-                </a:tc>
-                <a:tc>
-                  <a:txBody>
-                    <a:bodyPr/>
-                    <a:lstStyle/>
-                    <a:p>
-                      <a:r>
-                        <a:rPr lang="en-ZA" dirty="0" smtClean="0"/>
-                        <a:t>50.00</a:t>
-                      </a:r>
-                      <a:endParaRPr lang="en-ZA" dirty="0"/>
-                    </a:p>
-                  </a:txBody>
-                  <a:tcPr/>
-                </a:tc>
-                <a:extLst>
-                  <a:ext uri="{0D108BD9-81ED-4DB2-BD59-A6C34878D82A}">
-                    <a16:rowId xmlns="" xmlns:a16="http://schemas.microsoft.com/office/drawing/2014/main" val="2549029190"/>
-                  </a:ext>
-                </a:extLst>
-              </a:tr>
-              <a:tr h="370840">
-                <a:tc>
-                  <a:txBody>
-                    <a:bodyPr/>
-                    <a:lstStyle/>
-                    <a:p>
-                      <a:r>
-                        <a:rPr lang="en-ZA" b="1" dirty="0" smtClean="0"/>
-                        <a:t>Total</a:t>
-                      </a:r>
-                      <a:endParaRPr lang="en-ZA" b="1" dirty="0"/>
-                    </a:p>
-                  </a:txBody>
-                  <a:tcPr/>
-                </a:tc>
-                <a:tc>
-                  <a:txBody>
-                    <a:bodyPr/>
-                    <a:lstStyle/>
-                    <a:p>
-                      <a:r>
-                        <a:rPr lang="en-ZA" b="1" dirty="0" smtClean="0"/>
-                        <a:t>1462.61</a:t>
-                      </a:r>
-                      <a:endParaRPr lang="en-ZA" b="1" dirty="0"/>
-                    </a:p>
-                  </a:txBody>
-                  <a:tcPr/>
-                </a:tc>
-                <a:extLst>
-                  <a:ext uri="{0D108BD9-81ED-4DB2-BD59-A6C34878D82A}">
-                    <a16:rowId xmlns="" xmlns:a16="http://schemas.microsoft.com/office/drawing/2014/main" val="56862053"/>
-                  </a:ext>
-                </a:extLst>
-              </a:tr>
-            </a:tbl>
-          </a:graphicData>
-        </a:graphic>
-      </p:graphicFrame>
-      <p:sp>
-        <p:nvSpPr>
-          <p:cNvPr id="4" name="Slide Number Placeholder 3"/>
-          <p:cNvSpPr>
-            <a:spLocks noGrp="1"/>
-          </p:cNvSpPr>
-          <p:nvPr>
-            <p:ph type="sldNum" sz="quarter" idx="10"/>
-          </p:nvPr>
-        </p:nvSpPr>
-        <p:spPr/>
-        <p:txBody>
-          <a:bodyPr/>
-          <a:lstStyle/>
-          <a:p>
-            <a:fld id="{960946CE-1557-8048-9DCC-53092B682325}" type="slidenum">
-              <a:rPr lang="en-US" smtClean="0"/>
-              <a:t>8</a:t>
-            </a:fld>
-            <a:endParaRPr lang="en-US" dirty="0"/>
-          </a:p>
-        </p:txBody>
-      </p:sp>
-    </p:spTree>
-    <p:extLst>
-      <p:ext uri="{BB962C8B-B14F-4D97-AF65-F5344CB8AC3E}">
-        <p14:creationId xmlns:p14="http://schemas.microsoft.com/office/powerpoint/2010/main" val="849973715"/>
-      </p:ext>
-    </p:extLst>
-  </p:cSld>
-  <p:clrMapOvr>
-    <a:masterClrMapping/>
-  </p:clrMapOvr>
-  <p:timing>
-    <p:tnLst>
-      <p:par>
-        <p:cTn xmlns:p14="http://schemas.microsoft.com/office/powerpoint/2010/main" id="1" dur="indefinite" restart="never" nodeType="tmRoot"/>
-      </p:par>
-    </p:tnLst>
-  </p:timing>
-</p:sld>
-</file>
-
-<file path=ppt/slides/slide9.xml><?xml version="1.0" encoding="utf-8"?>
-<p:sld xmlns:a="http://schemas.openxmlformats.org/drawingml/2006/main" xmlns:r="http://schemas.openxmlformats.org/officeDocument/2006/relationships" xmlns:p="http://schemas.openxmlformats.org/presentationml/2006/main">
-  <p:cSld>
-    <p:spTree>
-      <p:nvGrpSpPr>
-        <p:cNvPr id="1" name=""/>
-        <p:cNvGrpSpPr/>
-        <p:nvPr/>
-      </p:nvGrpSpPr>
-      <p:grpSpPr>
-        <a:xfrm>
-          <a:off x="0" y="0"/>
-          <a:ext cx="0" cy="0"/>
-          <a:chOff x="0" y="0"/>
-          <a:chExt cx="0" cy="0"/>
-        </a:xfrm>
-      </p:grpSpPr>
-      <p:sp>
-        <p:nvSpPr>
-          <p:cNvPr id="2" name="Title 1"/>
-          <p:cNvSpPr>
-            <a:spLocks noGrp="1"/>
-          </p:cNvSpPr>
-          <p:nvPr>
-            <p:ph type="title"/>
-          </p:nvPr>
-        </p:nvSpPr>
-        <p:spPr/>
-        <p:txBody>
-          <a:bodyPr/>
-          <a:lstStyle/>
-          <a:p>
-            <a:r>
-              <a:rPr lang="en-ZA" dirty="0" smtClean="0"/>
               <a:t>Testing</a:t>
             </a:r>
             <a:endParaRPr lang="en-ZA" dirty="0"/>
@@ -10076,7 +9149,7 @@
           <a:p>
             <a:fld id="{960946CE-1557-8048-9DCC-53092B682325}" type="slidenum">
               <a:rPr lang="en-US" smtClean="0"/>
-              <a:t>9</a:t>
+              <a:t>8</a:t>
             </a:fld>
             <a:endParaRPr lang="en-US" dirty="0"/>
           </a:p>
@@ -10241,6 +9314,408 @@
     <p:extLst>
       <p:ext uri="{BB962C8B-B14F-4D97-AF65-F5344CB8AC3E}">
         <p14:creationId xmlns:p14="http://schemas.microsoft.com/office/powerpoint/2010/main" val="1369921732"/>
+      </p:ext>
+    </p:extLst>
+  </p:cSld>
+  <p:clrMapOvr>
+    <a:masterClrMapping/>
+  </p:clrMapOvr>
+  <p:timing>
+    <p:tnLst>
+      <p:par>
+        <p:cTn xmlns:p14="http://schemas.microsoft.com/office/powerpoint/2010/main" id="1" dur="indefinite" restart="never" nodeType="tmRoot"/>
+      </p:par>
+    </p:tnLst>
+  </p:timing>
+</p:sld>
+</file>
+
+<file path=ppt/slides/slide9.xml><?xml version="1.0" encoding="utf-8"?>
+<p:sld xmlns:a="http://schemas.openxmlformats.org/drawingml/2006/main" xmlns:r="http://schemas.openxmlformats.org/officeDocument/2006/relationships" xmlns:p="http://schemas.openxmlformats.org/presentationml/2006/main">
+  <p:cSld>
+    <p:spTree>
+      <p:nvGrpSpPr>
+        <p:cNvPr id="1" name=""/>
+        <p:cNvGrpSpPr/>
+        <p:nvPr/>
+      </p:nvGrpSpPr>
+      <p:grpSpPr>
+        <a:xfrm>
+          <a:off x="0" y="0"/>
+          <a:ext cx="0" cy="0"/>
+          <a:chOff x="0" y="0"/>
+          <a:chExt cx="0" cy="0"/>
+        </a:xfrm>
+      </p:grpSpPr>
+      <p:sp>
+        <p:nvSpPr>
+          <p:cNvPr id="2" name="Title 1"/>
+          <p:cNvSpPr>
+            <a:spLocks noGrp="1"/>
+          </p:cNvSpPr>
+          <p:nvPr>
+            <p:ph type="title"/>
+          </p:nvPr>
+        </p:nvSpPr>
+        <p:spPr/>
+        <p:txBody>
+          <a:bodyPr/>
+          <a:lstStyle/>
+          <a:p>
+            <a:r>
+              <a:rPr lang="en-ZA" dirty="0" smtClean="0"/>
+              <a:t>Results: Simulation</a:t>
+            </a:r>
+            <a:endParaRPr lang="en-ZA" dirty="0"/>
+          </a:p>
+        </p:txBody>
+      </p:sp>
+      <p:pic>
+        <p:nvPicPr>
+          <p:cNvPr id="5" name="Content Placeholder 4"/>
+          <p:cNvPicPr>
+            <a:picLocks noGrp="1" noChangeAspect="1"/>
+          </p:cNvPicPr>
+          <p:nvPr>
+            <p:ph idx="1"/>
+          </p:nvPr>
+        </p:nvPicPr>
+        <p:blipFill>
+          <a:blip r:embed="rId2">
+            <a:extLst>
+              <a:ext uri="{28A0092B-C50C-407E-A947-70E740481C1C}">
+                <a14:useLocalDpi xmlns:a14="http://schemas.microsoft.com/office/drawing/2010/main" val="0"/>
+              </a:ext>
+            </a:extLst>
+          </a:blip>
+          <a:stretch>
+            <a:fillRect/>
+          </a:stretch>
+        </p:blipFill>
+        <p:spPr>
+          <a:xfrm>
+            <a:off x="1424608" y="3212976"/>
+            <a:ext cx="6808230" cy="3029014"/>
+          </a:xfrm>
+        </p:spPr>
+      </p:pic>
+      <p:sp>
+        <p:nvSpPr>
+          <p:cNvPr id="4" name="Slide Number Placeholder 3"/>
+          <p:cNvSpPr>
+            <a:spLocks noGrp="1"/>
+          </p:cNvSpPr>
+          <p:nvPr>
+            <p:ph type="sldNum" sz="quarter" idx="10"/>
+          </p:nvPr>
+        </p:nvSpPr>
+        <p:spPr/>
+        <p:txBody>
+          <a:bodyPr/>
+          <a:lstStyle/>
+          <a:p>
+            <a:fld id="{960946CE-1557-8048-9DCC-53092B682325}" type="slidenum">
+              <a:rPr lang="en-US" smtClean="0"/>
+              <a:t>9</a:t>
+            </a:fld>
+            <a:endParaRPr lang="en-US" dirty="0"/>
+          </a:p>
+        </p:txBody>
+      </p:sp>
+      <p:sp>
+        <p:nvSpPr>
+          <p:cNvPr id="6" name="Content Placeholder 2"/>
+          <p:cNvSpPr txBox="1">
+            <a:spLocks/>
+          </p:cNvSpPr>
+          <p:nvPr/>
+        </p:nvSpPr>
+        <p:spPr bwMode="auto">
+          <a:xfrm>
+            <a:off x="128464" y="1755805"/>
+            <a:ext cx="8846735" cy="1025123"/>
+          </a:xfrm>
+          <a:prstGeom prst="rect">
+            <a:avLst/>
+          </a:prstGeom>
+          <a:noFill/>
+          <a:ln>
+            <a:noFill/>
+          </a:ln>
+          <a:extLst>
+            <a:ext uri="{909E8E84-426E-40dd-AFC4-6F175D3DCCD1}">
+              <a14:hiddenFill xmlns:a14="http://schemas.microsoft.com/office/drawing/2010/main">
+                <a:solidFill>
+                  <a:srgbClr val="FFFFFF"/>
+                </a:solidFill>
+              </a14:hiddenFill>
+            </a:ext>
+            <a:ext uri="{91240B29-F687-4f45-9708-019B960494DF}">
+              <a14:hiddenLine xmlns:a14="http://schemas.microsoft.com/office/drawing/2010/main" w="9525">
+                <a:solidFill>
+                  <a:srgbClr val="000000"/>
+                </a:solidFill>
+                <a:miter lim="800000"/>
+                <a:headEnd/>
+                <a:tailEnd/>
+              </a14:hiddenLine>
+            </a:ext>
+            <a:ext uri="{FAA26D3D-D897-4be2-8F04-BA451C77F1D7}">
+              <ma14:placeholderFlag xmlns:ma14="http://schemas.microsoft.com/office/mac/drawingml/2011/main" val="1"/>
+            </a:ext>
+          </a:extLst>
+        </p:spPr>
+        <p:txBody>
+          <a:bodyPr vert="horz" wrap="square" lIns="92075" tIns="46038" rIns="92075" bIns="46038" numCol="1" anchor="t" anchorCtr="0" compatLnSpc="1">
+            <a:prstTxWarp prst="textNoShape">
+              <a:avLst/>
+            </a:prstTxWarp>
+          </a:bodyPr>
+          <a:lstStyle>
+            <a:lvl1pPr marL="762000" indent="-571500" algn="l" defTabSz="762000" rtl="0" eaLnBrk="1" fontAlgn="base" hangingPunct="1">
+              <a:spcBef>
+                <a:spcPct val="70000"/>
+              </a:spcBef>
+              <a:spcAft>
+                <a:spcPct val="0"/>
+              </a:spcAft>
+              <a:buClr>
+                <a:srgbClr val="154E7E"/>
+              </a:buClr>
+              <a:buSzPct val="100000"/>
+              <a:buFont typeface="Wingdings" charset="0"/>
+              <a:buChar char="l"/>
+              <a:defRPr sz="2400" b="1">
+                <a:solidFill>
+                  <a:schemeClr val="tx1"/>
+                </a:solidFill>
+                <a:latin typeface="+mn-lt"/>
+                <a:ea typeface="MS PGothic" panose="020B0600070205080204" pitchFamily="34" charset="-128"/>
+                <a:cs typeface="MS PGothic" charset="0"/>
+              </a:defRPr>
+            </a:lvl1pPr>
+            <a:lvl2pPr marL="1524000" indent="-381000" algn="l" defTabSz="762000" rtl="0" eaLnBrk="1" fontAlgn="base" hangingPunct="1">
+              <a:lnSpc>
+                <a:spcPct val="90000"/>
+              </a:lnSpc>
+              <a:spcBef>
+                <a:spcPct val="30000"/>
+              </a:spcBef>
+              <a:spcAft>
+                <a:spcPct val="0"/>
+              </a:spcAft>
+              <a:buClr>
+                <a:srgbClr val="154E7E"/>
+              </a:buClr>
+              <a:buSzPct val="100000"/>
+              <a:buFont typeface="Wingdings" charset="0"/>
+              <a:buChar char="Ø"/>
+              <a:defRPr sz="2000" b="1">
+                <a:solidFill>
+                  <a:schemeClr val="tx1"/>
+                </a:solidFill>
+                <a:latin typeface="+mn-lt"/>
+                <a:ea typeface="MS PGothic" panose="020B0600070205080204" pitchFamily="34" charset="-128"/>
+                <a:cs typeface="MS PGothic" charset="0"/>
+              </a:defRPr>
+            </a:lvl2pPr>
+            <a:lvl3pPr marL="2190750" indent="-285750" algn="l" defTabSz="762000" rtl="0" eaLnBrk="1" fontAlgn="base" hangingPunct="1">
+              <a:lnSpc>
+                <a:spcPct val="90000"/>
+              </a:lnSpc>
+              <a:spcBef>
+                <a:spcPct val="30000"/>
+              </a:spcBef>
+              <a:spcAft>
+                <a:spcPct val="0"/>
+              </a:spcAft>
+              <a:buClr>
+                <a:srgbClr val="154E7E"/>
+              </a:buClr>
+              <a:buSzPct val="100000"/>
+              <a:buFont typeface="Wingdings" charset="0"/>
+              <a:buChar char="§"/>
+              <a:defRPr b="1">
+                <a:solidFill>
+                  <a:schemeClr val="tx1"/>
+                </a:solidFill>
+                <a:latin typeface="+mn-lt"/>
+                <a:ea typeface="MS PGothic" panose="020B0600070205080204" pitchFamily="34" charset="-128"/>
+                <a:cs typeface="MS PGothic" charset="0"/>
+              </a:defRPr>
+            </a:lvl3pPr>
+            <a:lvl4pPr marL="2647950" indent="-171450" algn="l" defTabSz="762000" rtl="0" eaLnBrk="1" fontAlgn="base" hangingPunct="1">
+              <a:lnSpc>
+                <a:spcPct val="90000"/>
+              </a:lnSpc>
+              <a:spcBef>
+                <a:spcPct val="30000"/>
+              </a:spcBef>
+              <a:spcAft>
+                <a:spcPct val="0"/>
+              </a:spcAft>
+              <a:buClr>
+                <a:srgbClr val="FAFD00"/>
+              </a:buClr>
+              <a:buSzPct val="100000"/>
+              <a:buFont typeface="Arial" charset="0"/>
+              <a:buChar char="•"/>
+              <a:defRPr sz="1400" b="1">
+                <a:solidFill>
+                  <a:schemeClr val="tx1"/>
+                </a:solidFill>
+                <a:latin typeface="+mn-lt"/>
+                <a:ea typeface="MS PGothic" panose="020B0600070205080204" pitchFamily="34" charset="-128"/>
+                <a:cs typeface="MS PGothic" charset="0"/>
+              </a:defRPr>
+            </a:lvl4pPr>
+            <a:lvl5pPr marL="3009900" indent="-171450" algn="l" defTabSz="762000" rtl="0" eaLnBrk="1" fontAlgn="base" hangingPunct="1">
+              <a:lnSpc>
+                <a:spcPct val="90000"/>
+              </a:lnSpc>
+              <a:spcBef>
+                <a:spcPct val="30000"/>
+              </a:spcBef>
+              <a:spcAft>
+                <a:spcPct val="0"/>
+              </a:spcAft>
+              <a:buClr>
+                <a:srgbClr val="FAFD00"/>
+              </a:buClr>
+              <a:buSzPct val="100000"/>
+              <a:buFont typeface="Arial" charset="0"/>
+              <a:buChar char="•"/>
+              <a:defRPr sz="1400" b="1">
+                <a:solidFill>
+                  <a:schemeClr val="tx1"/>
+                </a:solidFill>
+                <a:latin typeface="+mn-lt"/>
+                <a:ea typeface="MS PGothic" panose="020B0600070205080204" pitchFamily="34" charset="-128"/>
+                <a:cs typeface="MS PGothic" charset="0"/>
+              </a:defRPr>
+            </a:lvl5pPr>
+            <a:lvl6pPr marL="3467100" indent="-171450" algn="l" defTabSz="762000" rtl="0" eaLnBrk="1" fontAlgn="base" hangingPunct="1">
+              <a:lnSpc>
+                <a:spcPct val="90000"/>
+              </a:lnSpc>
+              <a:spcBef>
+                <a:spcPct val="30000"/>
+              </a:spcBef>
+              <a:spcAft>
+                <a:spcPct val="0"/>
+              </a:spcAft>
+              <a:buClr>
+                <a:srgbClr val="FAFD00"/>
+              </a:buClr>
+              <a:buSzPct val="100000"/>
+              <a:buFont typeface="Arial" charset="0"/>
+              <a:buChar char="•"/>
+              <a:defRPr sz="1400" b="1">
+                <a:solidFill>
+                  <a:schemeClr val="tx1"/>
+                </a:solidFill>
+                <a:latin typeface="+mn-lt"/>
+              </a:defRPr>
+            </a:lvl6pPr>
+            <a:lvl7pPr marL="3924300" indent="-171450" algn="l" defTabSz="762000" rtl="0" eaLnBrk="1" fontAlgn="base" hangingPunct="1">
+              <a:lnSpc>
+                <a:spcPct val="90000"/>
+              </a:lnSpc>
+              <a:spcBef>
+                <a:spcPct val="30000"/>
+              </a:spcBef>
+              <a:spcAft>
+                <a:spcPct val="0"/>
+              </a:spcAft>
+              <a:buClr>
+                <a:srgbClr val="FAFD00"/>
+              </a:buClr>
+              <a:buSzPct val="100000"/>
+              <a:buFont typeface="Arial" charset="0"/>
+              <a:buChar char="•"/>
+              <a:defRPr sz="1400" b="1">
+                <a:solidFill>
+                  <a:schemeClr val="tx1"/>
+                </a:solidFill>
+                <a:latin typeface="+mn-lt"/>
+              </a:defRPr>
+            </a:lvl7pPr>
+            <a:lvl8pPr marL="4381500" indent="-171450" algn="l" defTabSz="762000" rtl="0" eaLnBrk="1" fontAlgn="base" hangingPunct="1">
+              <a:lnSpc>
+                <a:spcPct val="90000"/>
+              </a:lnSpc>
+              <a:spcBef>
+                <a:spcPct val="30000"/>
+              </a:spcBef>
+              <a:spcAft>
+                <a:spcPct val="0"/>
+              </a:spcAft>
+              <a:buClr>
+                <a:srgbClr val="FAFD00"/>
+              </a:buClr>
+              <a:buSzPct val="100000"/>
+              <a:buFont typeface="Arial" charset="0"/>
+              <a:buChar char="•"/>
+              <a:defRPr sz="1400" b="1">
+                <a:solidFill>
+                  <a:schemeClr val="tx1"/>
+                </a:solidFill>
+                <a:latin typeface="+mn-lt"/>
+              </a:defRPr>
+            </a:lvl8pPr>
+            <a:lvl9pPr marL="4838700" indent="-171450" algn="l" defTabSz="762000" rtl="0" eaLnBrk="1" fontAlgn="base" hangingPunct="1">
+              <a:lnSpc>
+                <a:spcPct val="90000"/>
+              </a:lnSpc>
+              <a:spcBef>
+                <a:spcPct val="30000"/>
+              </a:spcBef>
+              <a:spcAft>
+                <a:spcPct val="0"/>
+              </a:spcAft>
+              <a:buClr>
+                <a:srgbClr val="FAFD00"/>
+              </a:buClr>
+              <a:buSzPct val="100000"/>
+              <a:buFont typeface="Arial" charset="0"/>
+              <a:buChar char="•"/>
+              <a:defRPr sz="1400" b="1">
+                <a:solidFill>
+                  <a:schemeClr val="tx1"/>
+                </a:solidFill>
+                <a:latin typeface="+mn-lt"/>
+              </a:defRPr>
+            </a:lvl9pPr>
+          </a:lstStyle>
+          <a:p>
+            <a:r>
+              <a:rPr lang="en-ZA" kern="0" dirty="0" smtClean="0"/>
+              <a:t>Matched to an audiogram</a:t>
+            </a:r>
+          </a:p>
+          <a:p>
+            <a:r>
+              <a:rPr lang="en-ZA" kern="0" dirty="0" smtClean="0"/>
+              <a:t>Average error per frequency band: </a:t>
+            </a:r>
+            <a:r>
+              <a:rPr lang="en-ZA" kern="0" dirty="0"/>
+              <a:t> </a:t>
+            </a:r>
+            <a:r>
+              <a:rPr lang="en-ZA" kern="0" dirty="0" smtClean="0"/>
+              <a:t>1.41%</a:t>
+            </a:r>
+          </a:p>
+          <a:p>
+            <a:endParaRPr lang="en-ZA" kern="0" dirty="0" smtClean="0"/>
+          </a:p>
+        </p:txBody>
+      </p:sp>
+    </p:spTree>
+    <p:extLst>
+      <p:ext uri="{BB962C8B-B14F-4D97-AF65-F5344CB8AC3E}">
+        <p14:creationId xmlns:p14="http://schemas.microsoft.com/office/powerpoint/2010/main" val="242225206"/>
       </p:ext>
     </p:extLst>
   </p:cSld>

--- a/Presentation/Lab Project Presentation.pptx
+++ b/Presentation/Lab Project Presentation.pptx
@@ -7595,14 +7595,9 @@
           <a:p>
             <a:r>
               <a:rPr lang="en-ZA" dirty="0" smtClean="0"/>
-              <a:t>Cost Breakdown</a:t>
-            </a:r>
-          </a:p>
-          <a:p>
-            <a:r>
-              <a:rPr lang="en-ZA" dirty="0" smtClean="0"/>
               <a:t>Results</a:t>
             </a:r>
+            <a:endParaRPr lang="en-ZA" dirty="0" smtClean="0"/>
           </a:p>
           <a:p>
             <a:r>
@@ -9040,6 +9035,42 @@
               <a:t>Adapted from [1]</a:t>
             </a:r>
             <a:endParaRPr lang="en-US" b="1" dirty="0"/>
+          </a:p>
+        </p:txBody>
+      </p:sp>
+      <p:sp>
+        <p:nvSpPr>
+          <p:cNvPr id="3" name="TextBox 2"/>
+          <p:cNvSpPr txBox="1"/>
+          <p:nvPr/>
+        </p:nvSpPr>
+        <p:spPr>
+          <a:xfrm>
+            <a:off x="256977" y="3491011"/>
+            <a:ext cx="937692" cy="307777"/>
+          </a:xfrm>
+          <a:prstGeom prst="rect">
+            <a:avLst/>
+          </a:prstGeom>
+          <a:noFill/>
+        </p:spPr>
+        <p:txBody>
+          <a:bodyPr wrap="square" rtlCol="0">
+            <a:spAutoFit/>
+          </a:bodyPr>
+          <a:lstStyle/>
+          <a:p>
+            <a:r>
+              <a:rPr lang="en-US" sz="1400" b="1" dirty="0" smtClean="0">
+                <a:latin typeface="Times New Roman"/>
+                <a:cs typeface="Times New Roman"/>
+              </a:rPr>
+              <a:t>Source</a:t>
+            </a:r>
+            <a:endParaRPr lang="en-US" sz="1400" b="1" dirty="0">
+              <a:latin typeface="Times New Roman"/>
+              <a:cs typeface="Times New Roman"/>
+            </a:endParaRPr>
           </a:p>
         </p:txBody>
       </p:sp>

--- a/Presentation/Lab Project Presentation.pptx
+++ b/Presentation/Lab Project Presentation.pptx
@@ -128,7 +128,7 @@
   </p:defaultTextStyle>
   <p:extLst>
     <p:ext uri="{EFAFB233-063F-42B5-8137-9DF3F51BA10A}">
-      <p15:sldGuideLst xmlns:p15="http://schemas.microsoft.com/office/powerpoint/2012/main" xmlns="">
+      <p15:sldGuideLst xmlns:p15="http://schemas.microsoft.com/office/powerpoint/2012/main">
         <p15:guide id="1" orient="horz" pos="2160">
           <p15:clr>
             <a:srgbClr val="A4A3A4"/>
@@ -140,6 +140,21 @@
           </p15:clr>
         </p15:guide>
         <p15:guide id="3" orient="horz" pos="2296">
+          <p15:clr>
+            <a:srgbClr val="A4A3A4"/>
+          </p15:clr>
+        </p15:guide>
+        <p15:guide id="4" orient="horz" pos="845">
+          <p15:clr>
+            <a:srgbClr val="A4A3A4"/>
+          </p15:clr>
+        </p15:guide>
+        <p15:guide id="5" orient="horz" pos="1842">
+          <p15:clr>
+            <a:srgbClr val="A4A3A4"/>
+          </p15:clr>
+        </p15:guide>
+        <p15:guide id="6" pos="172">
           <p15:clr>
             <a:srgbClr val="A4A3A4"/>
           </p15:clr>
@@ -232,7 +247,7 @@
           <a:p>
             <a:fld id="{3FA6FDA4-907F-C840-8573-33F4849B33D4}" type="datetimeFigureOut">
               <a:rPr lang="en-US" smtClean="0"/>
-              <a:t>18/09/10</a:t>
+              <a:t>9/10/2018</a:t>
             </a:fld>
             <a:endParaRPr lang="en-US"/>
           </a:p>
@@ -398,7 +413,7 @@
           <a:p>
             <a:fld id="{290492DD-1613-8B48-9182-1ECEE9190ABB}" type="datetimeFigureOut">
               <a:rPr lang="en-US" smtClean="0"/>
-              <a:t>18/09/10</a:t>
+              <a:t>9/10/2018</a:t>
             </a:fld>
             <a:endParaRPr lang="en-US"/>
           </a:p>
@@ -2925,7 +2940,7 @@
           </a:ln>
           <a:extLst>
             <a:ext uri="{909E8E84-426E-40dd-AFC4-6F175D3DCCD1}">
-              <a14:hiddenFill xmlns:a14="http://schemas.microsoft.com/office/drawing/2010/main">
+              <a14:hiddenFill xmlns:a14="http://schemas.microsoft.com/office/drawing/2010/main" xmlns="">
                 <a:noFill/>
               </a14:hiddenFill>
             </a:ext>
@@ -2963,14 +2978,14 @@
           </a:ln>
           <a:extLst>
             <a:ext uri="{909E8E84-426E-40dd-AFC4-6F175D3DCCD1}">
-              <a14:hiddenFill xmlns:a14="http://schemas.microsoft.com/office/drawing/2010/main">
+              <a14:hiddenFill xmlns:a14="http://schemas.microsoft.com/office/drawing/2010/main" xmlns="">
                 <a:solidFill>
                   <a:srgbClr val="FFFFFF"/>
                 </a:solidFill>
               </a14:hiddenFill>
             </a:ext>
             <a:ext uri="{91240B29-F687-4f45-9708-019B960494DF}">
-              <a14:hiddenLine xmlns:a14="http://schemas.microsoft.com/office/drawing/2010/main" w="9525">
+              <a14:hiddenLine xmlns:a14="http://schemas.microsoft.com/office/drawing/2010/main" xmlns="" w="9525">
                 <a:solidFill>
                   <a:srgbClr val="000000"/>
                 </a:solidFill>
@@ -2980,7 +2995,7 @@
               </a14:hiddenLine>
             </a:ext>
             <a:ext uri="{FAA26D3D-D897-4be2-8F04-BA451C77F1D7}">
-              <ma14:placeholderFlag xmlns:ma14="http://schemas.microsoft.com/office/mac/drawingml/2011/main" val="1"/>
+              <ma14:placeholderFlag xmlns:ma14="http://schemas.microsoft.com/office/mac/drawingml/2011/main" xmlns="" val="1"/>
             </a:ext>
           </a:extLst>
         </p:spPr>
@@ -3028,7 +3043,7 @@
           </a:ln>
           <a:extLst>
             <a:ext uri="{909E8E84-426E-40dd-AFC4-6F175D3DCCD1}">
-              <a14:hiddenFill xmlns:a14="http://schemas.microsoft.com/office/drawing/2010/main">
+              <a14:hiddenFill xmlns:a14="http://schemas.microsoft.com/office/drawing/2010/main" xmlns="">
                 <a:noFill/>
               </a14:hiddenFill>
             </a:ext>
@@ -3064,14 +3079,14 @@
           </a:ln>
           <a:extLst>
             <a:ext uri="{909E8E84-426E-40dd-AFC4-6F175D3DCCD1}">
-              <a14:hiddenFill xmlns:a14="http://schemas.microsoft.com/office/drawing/2010/main">
+              <a14:hiddenFill xmlns:a14="http://schemas.microsoft.com/office/drawing/2010/main" xmlns="">
                 <a:solidFill>
                   <a:srgbClr val="FFFFFF"/>
                 </a:solidFill>
               </a14:hiddenFill>
             </a:ext>
             <a:ext uri="{91240B29-F687-4f45-9708-019B960494DF}">
-              <a14:hiddenLine xmlns:a14="http://schemas.microsoft.com/office/drawing/2010/main" w="9525">
+              <a14:hiddenLine xmlns:a14="http://schemas.microsoft.com/office/drawing/2010/main" xmlns="" w="9525">
                 <a:solidFill>
                   <a:srgbClr val="000000"/>
                 </a:solidFill>
@@ -3228,14 +3243,14 @@
           </a:ln>
           <a:extLst>
             <a:ext uri="{909E8E84-426E-40dd-AFC4-6F175D3DCCD1}">
-              <a14:hiddenFill xmlns:a14="http://schemas.microsoft.com/office/drawing/2010/main">
+              <a14:hiddenFill xmlns:a14="http://schemas.microsoft.com/office/drawing/2010/main" xmlns="">
                 <a:solidFill>
                   <a:srgbClr val="FFFFFF"/>
                 </a:solidFill>
               </a14:hiddenFill>
             </a:ext>
             <a:ext uri="{91240B29-F687-4f45-9708-019B960494DF}">
-              <a14:hiddenLine xmlns:a14="http://schemas.microsoft.com/office/drawing/2010/main" w="9525">
+              <a14:hiddenLine xmlns:a14="http://schemas.microsoft.com/office/drawing/2010/main" xmlns="" w="9525">
                 <a:solidFill>
                   <a:srgbClr val="000000"/>
                 </a:solidFill>
@@ -3245,7 +3260,7 @@
               </a14:hiddenLine>
             </a:ext>
             <a:ext uri="{FAA26D3D-D897-4be2-8F04-BA451C77F1D7}">
-              <ma14:placeholderFlag xmlns:ma14="http://schemas.microsoft.com/office/mac/drawingml/2011/main" val="1"/>
+              <ma14:placeholderFlag xmlns:ma14="http://schemas.microsoft.com/office/mac/drawingml/2011/main" xmlns="" val="1"/>
             </a:ext>
           </a:extLst>
         </p:spPr>
@@ -3897,14 +3912,14 @@
           </a:ln>
           <a:extLst>
             <a:ext uri="{909E8E84-426E-40dd-AFC4-6F175D3DCCD1}">
-              <a14:hiddenFill xmlns:a14="http://schemas.microsoft.com/office/drawing/2010/main">
+              <a14:hiddenFill xmlns:a14="http://schemas.microsoft.com/office/drawing/2010/main" xmlns="">
                 <a:solidFill>
                   <a:srgbClr val="FFFFFF"/>
                 </a:solidFill>
               </a14:hiddenFill>
             </a:ext>
             <a:ext uri="{91240B29-F687-4f45-9708-019B960494DF}">
-              <a14:hiddenLine xmlns:a14="http://schemas.microsoft.com/office/drawing/2010/main" w="9525">
+              <a14:hiddenLine xmlns:a14="http://schemas.microsoft.com/office/drawing/2010/main" xmlns="" w="9525">
                 <a:solidFill>
                   <a:srgbClr val="000000"/>
                 </a:solidFill>
@@ -4041,7 +4056,7 @@
   <p:timing>
     <p:tnLst>
       <p:par>
-        <p:cTn xmlns:p14="http://schemas.microsoft.com/office/powerpoint/2010/main" id="1" dur="indefinite" restart="never" nodeType="tmRoot"/>
+        <p:cTn id="1" dur="indefinite" restart="never" nodeType="tmRoot"/>
       </p:par>
     </p:tnLst>
   </p:timing>
@@ -4260,8 +4275,8 @@
           </a:p>
         </p:txBody>
       </p:sp>
-      <mc:AlternateContent xmlns:mc="http://schemas.openxmlformats.org/markup-compatibility/2006">
-        <mc:Choice xmlns:a14="http://schemas.microsoft.com/office/drawing/2010/main" Requires="a14">
+      <mc:AlternateContent xmlns:mc="http://schemas.openxmlformats.org/markup-compatibility/2006" xmlns:a14="http://schemas.microsoft.com/office/drawing/2010/main">
+        <mc:Choice Requires="a14">
           <p:sp>
             <p:nvSpPr>
               <p:cNvPr id="11" name="Content Placeholder 2"/>
@@ -4284,14 +4299,14 @@
               </a:ln>
               <a:extLst>
                 <a:ext uri="{909E8E84-426E-40dd-AFC4-6F175D3DCCD1}">
-                  <a14:hiddenFill>
+                  <a14:hiddenFill xmlns="">
                     <a:solidFill>
                       <a:srgbClr val="FFFFFF"/>
                     </a:solidFill>
                   </a14:hiddenFill>
                 </a:ext>
                 <a:ext uri="{91240B29-F687-4f45-9708-019B960494DF}">
-                  <a14:hiddenLine w="9525">
+                  <a14:hiddenLine xmlns="" w="9525">
                     <a:solidFill>
                       <a:srgbClr val="000000"/>
                     </a:solidFill>
@@ -4301,7 +4316,7 @@
                   </a14:hiddenLine>
                 </a:ext>
                 <a:ext uri="{FAA26D3D-D897-4be2-8F04-BA451C77F1D7}">
-                  <ma14:placeholderFlag xmlns:ma14="http://schemas.microsoft.com/office/mac/drawingml/2011/main" val="1"/>
+                  <ma14:placeholderFlag xmlns:ma14="http://schemas.microsoft.com/office/mac/drawingml/2011/main" xmlns="" val="1"/>
                 </a:ext>
               </a:extLst>
             </p:spPr>
@@ -4542,7 +4557,7 @@
               <a:p>
                 <a:pPr lvl="1"/>
                 <a14:m>
-                  <m:oMath xmlns:m="http://schemas.openxmlformats.org/officeDocument/2006/math" xmlns="">
+                  <m:oMath xmlns:m="http://schemas.openxmlformats.org/officeDocument/2006/math">
                     <m:r>
                       <a:rPr lang="en-ZA" b="1" i="1" kern="0" smtClean="0">
                         <a:latin typeface="Cambria Math" panose="02040503050406030204" pitchFamily="18" charset="0"/>
@@ -4609,7 +4624,7 @@
               <a:p>
                 <a:pPr lvl="1"/>
                 <a14:m>
-                  <m:oMath xmlns:m="http://schemas.openxmlformats.org/officeDocument/2006/math" xmlns="">
+                  <m:oMath xmlns:m="http://schemas.openxmlformats.org/officeDocument/2006/math">
                     <m:r>
                       <a:rPr lang="en-ZA" b="1" i="1" kern="0" smtClean="0">
                         <a:latin typeface="Cambria Math" panose="02040503050406030204" pitchFamily="18" charset="0"/>
@@ -4626,7 +4641,7 @@
               <a:p>
                 <a:pPr lvl="1"/>
                 <a14:m>
-                  <m:oMath xmlns:m="http://schemas.openxmlformats.org/officeDocument/2006/math" xmlns="">
+                  <m:oMath xmlns:m="http://schemas.openxmlformats.org/officeDocument/2006/math">
                     <m:sSub>
                       <m:sSubPr>
                         <m:ctrlPr>
@@ -4665,7 +4680,7 @@
             </p:txBody>
           </p:sp>
         </mc:Choice>
-        <mc:Fallback>
+        <mc:Fallback xmlns="">
           <p:sp>
             <p:nvSpPr>
               <p:cNvPr id="11" name="Content Placeholder 2"/>
@@ -4742,7 +4757,7 @@
   <p:timing>
     <p:tnLst>
       <p:par>
-        <p:cTn xmlns:p14="http://schemas.microsoft.com/office/powerpoint/2010/main" id="1" dur="indefinite" restart="never" nodeType="tmRoot"/>
+        <p:cTn id="1" dur="indefinite" restart="never" nodeType="tmRoot"/>
       </p:par>
     </p:tnLst>
   </p:timing>
@@ -4863,14 +4878,14 @@
           </a:ln>
           <a:extLst>
             <a:ext uri="{909E8E84-426E-40dd-AFC4-6F175D3DCCD1}">
-              <a14:hiddenFill xmlns:a14="http://schemas.microsoft.com/office/drawing/2010/main">
+              <a14:hiddenFill xmlns:a14="http://schemas.microsoft.com/office/drawing/2010/main" xmlns="">
                 <a:solidFill>
                   <a:srgbClr val="FFFFFF"/>
                 </a:solidFill>
               </a14:hiddenFill>
             </a:ext>
             <a:ext uri="{91240B29-F687-4f45-9708-019B960494DF}">
-              <a14:hiddenLine xmlns:a14="http://schemas.microsoft.com/office/drawing/2010/main" w="9525">
+              <a14:hiddenLine xmlns:a14="http://schemas.microsoft.com/office/drawing/2010/main" xmlns="" w="9525">
                 <a:solidFill>
                   <a:srgbClr val="000000"/>
                 </a:solidFill>
@@ -4880,7 +4895,7 @@
               </a14:hiddenLine>
             </a:ext>
             <a:ext uri="{FAA26D3D-D897-4be2-8F04-BA451C77F1D7}">
-              <ma14:placeholderFlag xmlns:ma14="http://schemas.microsoft.com/office/mac/drawingml/2011/main" val="1"/>
+              <ma14:placeholderFlag xmlns:ma14="http://schemas.microsoft.com/office/mac/drawingml/2011/main" xmlns="" val="1"/>
             </a:ext>
           </a:extLst>
         </p:spPr>
@@ -5115,19 +5130,7 @@
           <a:p>
             <a:r>
               <a:rPr lang="en-ZA" kern="0" dirty="0" smtClean="0"/>
-              <a:t>Input sound                                                       frequency</a:t>
-            </a:r>
-            <a:r>
-              <a:rPr lang="en-ZA" kern="0" dirty="0" smtClean="0"/>
-              <a:t>: </a:t>
-            </a:r>
-            <a:r>
-              <a:rPr lang="en-ZA" kern="0" dirty="0" smtClean="0"/>
-              <a:t>                                                                       3.15 </a:t>
-            </a:r>
-            <a:r>
-              <a:rPr lang="en-ZA" kern="0" dirty="0" smtClean="0"/>
-              <a:t>kHz</a:t>
+              <a:t>Input sound                                                       frequency:                                                                        3.15 kHz</a:t>
             </a:r>
           </a:p>
           <a:p>
@@ -5167,7 +5170,7 @@
   <p:timing>
     <p:tnLst>
       <p:par>
-        <p:cTn xmlns:p14="http://schemas.microsoft.com/office/powerpoint/2010/main" id="1" dur="indefinite" restart="never" nodeType="tmRoot"/>
+        <p:cTn id="1" dur="indefinite" restart="never" nodeType="tmRoot"/>
       </p:par>
     </p:tnLst>
   </p:timing>
@@ -5390,14 +5393,14 @@
           </a:ln>
           <a:extLst>
             <a:ext uri="{909E8E84-426E-40dd-AFC4-6F175D3DCCD1}">
-              <a14:hiddenFill xmlns:a14="http://schemas.microsoft.com/office/drawing/2010/main">
+              <a14:hiddenFill xmlns:a14="http://schemas.microsoft.com/office/drawing/2010/main" xmlns="">
                 <a:solidFill>
                   <a:srgbClr val="FFFFFF"/>
                 </a:solidFill>
               </a14:hiddenFill>
             </a:ext>
             <a:ext uri="{91240B29-F687-4f45-9708-019B960494DF}">
-              <a14:hiddenLine xmlns:a14="http://schemas.microsoft.com/office/drawing/2010/main" w="9525">
+              <a14:hiddenLine xmlns:a14="http://schemas.microsoft.com/office/drawing/2010/main" xmlns="" w="9525">
                 <a:solidFill>
                   <a:srgbClr val="000000"/>
                 </a:solidFill>
@@ -5407,7 +5410,7 @@
               </a14:hiddenLine>
             </a:ext>
             <a:ext uri="{FAA26D3D-D897-4be2-8F04-BA451C77F1D7}">
-              <ma14:placeholderFlag xmlns:ma14="http://schemas.microsoft.com/office/mac/drawingml/2011/main" val="1"/>
+              <ma14:placeholderFlag xmlns:ma14="http://schemas.microsoft.com/office/mac/drawingml/2011/main" xmlns="" val="1"/>
             </a:ext>
           </a:extLst>
         </p:spPr>
@@ -5681,7 +5684,7 @@
   <p:timing>
     <p:tnLst>
       <p:par>
-        <p:cTn xmlns:p14="http://schemas.microsoft.com/office/powerpoint/2010/main" id="1" dur="indefinite" restart="never" nodeType="tmRoot"/>
+        <p:cTn id="1" dur="indefinite" restart="never" nodeType="tmRoot"/>
       </p:par>
     </p:tnLst>
   </p:timing>
@@ -5757,28 +5760,28 @@
                 <a:gridCol w="2054210">
                   <a:extLst>
                     <a:ext uri="{9D8B030D-6E8A-4147-A177-3AD203B41FA5}">
-                      <a16:colId xmlns:a16="http://schemas.microsoft.com/office/drawing/2014/main" xmlns="" val="20000"/>
+                      <a16:colId xmlns:a16="http://schemas.microsoft.com/office/drawing/2014/main" val="20000"/>
                     </a:ext>
                   </a:extLst>
                 </a:gridCol>
                 <a:gridCol w="1917260">
                   <a:extLst>
                     <a:ext uri="{9D8B030D-6E8A-4147-A177-3AD203B41FA5}">
-                      <a16:colId xmlns:a16="http://schemas.microsoft.com/office/drawing/2014/main" xmlns="" val="1220490089"/>
+                      <a16:colId xmlns:a16="http://schemas.microsoft.com/office/drawing/2014/main" val="1220490089"/>
                     </a:ext>
                   </a:extLst>
                 </a:gridCol>
                 <a:gridCol w="1506419">
                   <a:extLst>
                     <a:ext uri="{9D8B030D-6E8A-4147-A177-3AD203B41FA5}">
-                      <a16:colId xmlns:a16="http://schemas.microsoft.com/office/drawing/2014/main" xmlns="" val="67218977"/>
+                      <a16:colId xmlns:a16="http://schemas.microsoft.com/office/drawing/2014/main" val="67218977"/>
                     </a:ext>
                   </a:extLst>
                 </a:gridCol>
                 <a:gridCol w="1291054">
                   <a:extLst>
                     <a:ext uri="{9D8B030D-6E8A-4147-A177-3AD203B41FA5}">
-                      <a16:colId xmlns:a16="http://schemas.microsoft.com/office/drawing/2014/main" xmlns="" val="3056518911"/>
+                      <a16:colId xmlns:a16="http://schemas.microsoft.com/office/drawing/2014/main" val="3056518911"/>
                     </a:ext>
                   </a:extLst>
                 </a:gridCol>
@@ -5887,7 +5890,7 @@
                 </a:tc>
                 <a:extLst>
                   <a:ext uri="{0D108BD9-81ED-4DB2-BD59-A6C34878D82A}">
-                    <a16:rowId xmlns:a16="http://schemas.microsoft.com/office/drawing/2014/main" xmlns="" val="3871997748"/>
+                    <a16:rowId xmlns:a16="http://schemas.microsoft.com/office/drawing/2014/main" val="3871997748"/>
                   </a:ext>
                 </a:extLst>
               </a:tr>
@@ -5960,7 +5963,7 @@
                 </a:tc>
                 <a:extLst>
                   <a:ext uri="{0D108BD9-81ED-4DB2-BD59-A6C34878D82A}">
-                    <a16:rowId xmlns:a16="http://schemas.microsoft.com/office/drawing/2014/main" xmlns="" val="373921578"/>
+                    <a16:rowId xmlns:a16="http://schemas.microsoft.com/office/drawing/2014/main" val="373921578"/>
                   </a:ext>
                 </a:extLst>
               </a:tr>
@@ -6027,7 +6030,6 @@
                         <a:rPr lang="en-ZA" sz="1600" dirty="0" smtClean="0"/>
                         <a:t>2.82 - 3.55</a:t>
                       </a:r>
-                      <a:endParaRPr lang="en-ZA" sz="1600" dirty="0" smtClean="0"/>
                     </a:p>
                   </a:txBody>
                   <a:tcPr/>
@@ -6049,7 +6051,7 @@
                 </a:tc>
                 <a:extLst>
                   <a:ext uri="{0D108BD9-81ED-4DB2-BD59-A6C34878D82A}">
-                    <a16:rowId xmlns:a16="http://schemas.microsoft.com/office/drawing/2014/main" xmlns="" val="3868297120"/>
+                    <a16:rowId xmlns:a16="http://schemas.microsoft.com/office/drawing/2014/main" val="3868297120"/>
                   </a:ext>
                 </a:extLst>
               </a:tr>
@@ -6122,7 +6124,7 @@
                 </a:tc>
                 <a:extLst>
                   <a:ext uri="{0D108BD9-81ED-4DB2-BD59-A6C34878D82A}">
-                    <a16:rowId xmlns:a16="http://schemas.microsoft.com/office/drawing/2014/main" xmlns="" val="3602717608"/>
+                    <a16:rowId xmlns:a16="http://schemas.microsoft.com/office/drawing/2014/main" val="3602717608"/>
                   </a:ext>
                 </a:extLst>
               </a:tr>
@@ -6189,7 +6191,6 @@
                         <a:rPr lang="en-ZA" sz="1600" dirty="0" smtClean="0"/>
                         <a:t>5.62 - 7.08</a:t>
                       </a:r>
-                      <a:endParaRPr lang="en-ZA" sz="1600" dirty="0" smtClean="0"/>
                     </a:p>
                   </a:txBody>
                   <a:tcPr/>
@@ -6211,7 +6212,7 @@
                 </a:tc>
                 <a:extLst>
                   <a:ext uri="{0D108BD9-81ED-4DB2-BD59-A6C34878D82A}">
-                    <a16:rowId xmlns:a16="http://schemas.microsoft.com/office/drawing/2014/main" xmlns="" val="684964139"/>
+                    <a16:rowId xmlns:a16="http://schemas.microsoft.com/office/drawing/2014/main" val="684964139"/>
                   </a:ext>
                 </a:extLst>
               </a:tr>
@@ -6270,21 +6271,21 @@
                 <a:gridCol w="2054150">
                   <a:extLst>
                     <a:ext uri="{9D8B030D-6E8A-4147-A177-3AD203B41FA5}">
-                      <a16:colId xmlns:a16="http://schemas.microsoft.com/office/drawing/2014/main" xmlns="" val="20000"/>
+                      <a16:colId xmlns:a16="http://schemas.microsoft.com/office/drawing/2014/main" val="20000"/>
                     </a:ext>
                   </a:extLst>
                 </a:gridCol>
                 <a:gridCol w="3423583">
                   <a:extLst>
                     <a:ext uri="{9D8B030D-6E8A-4147-A177-3AD203B41FA5}">
-                      <a16:colId xmlns:a16="http://schemas.microsoft.com/office/drawing/2014/main" xmlns="" val="3160404703"/>
+                      <a16:colId xmlns:a16="http://schemas.microsoft.com/office/drawing/2014/main" val="3160404703"/>
                     </a:ext>
                   </a:extLst>
                 </a:gridCol>
                 <a:gridCol w="1291019">
                   <a:extLst>
                     <a:ext uri="{9D8B030D-6E8A-4147-A177-3AD203B41FA5}">
-                      <a16:colId xmlns:a16="http://schemas.microsoft.com/office/drawing/2014/main" xmlns="" val="2004772524"/>
+                      <a16:colId xmlns:a16="http://schemas.microsoft.com/office/drawing/2014/main" val="2004772524"/>
                     </a:ext>
                   </a:extLst>
                 </a:gridCol>
@@ -6412,7 +6413,7 @@
                 </a:tc>
                 <a:extLst>
                   <a:ext uri="{0D108BD9-81ED-4DB2-BD59-A6C34878D82A}">
-                    <a16:rowId xmlns:a16="http://schemas.microsoft.com/office/drawing/2014/main" xmlns="" val="3857195092"/>
+                    <a16:rowId xmlns:a16="http://schemas.microsoft.com/office/drawing/2014/main" val="3857195092"/>
                   </a:ext>
                 </a:extLst>
               </a:tr>
@@ -6470,7 +6471,7 @@
                 </a:tc>
                 <a:extLst>
                   <a:ext uri="{0D108BD9-81ED-4DB2-BD59-A6C34878D82A}">
-                    <a16:rowId xmlns:a16="http://schemas.microsoft.com/office/drawing/2014/main" xmlns="" val="1176978316"/>
+                    <a16:rowId xmlns:a16="http://schemas.microsoft.com/office/drawing/2014/main" val="1176978316"/>
                   </a:ext>
                 </a:extLst>
               </a:tr>
@@ -6528,7 +6529,7 @@
                 </a:tc>
                 <a:extLst>
                   <a:ext uri="{0D108BD9-81ED-4DB2-BD59-A6C34878D82A}">
-                    <a16:rowId xmlns:a16="http://schemas.microsoft.com/office/drawing/2014/main" xmlns="" val="1271360358"/>
+                    <a16:rowId xmlns:a16="http://schemas.microsoft.com/office/drawing/2014/main" val="1271360358"/>
                   </a:ext>
                 </a:extLst>
               </a:tr>
@@ -6586,7 +6587,7 @@
                 </a:tc>
                 <a:extLst>
                   <a:ext uri="{0D108BD9-81ED-4DB2-BD59-A6C34878D82A}">
-                    <a16:rowId xmlns:a16="http://schemas.microsoft.com/office/drawing/2014/main" xmlns="" val="2734475198"/>
+                    <a16:rowId xmlns:a16="http://schemas.microsoft.com/office/drawing/2014/main" val="2734475198"/>
                   </a:ext>
                 </a:extLst>
               </a:tr>
@@ -6644,7 +6645,7 @@
                 </a:tc>
                 <a:extLst>
                   <a:ext uri="{0D108BD9-81ED-4DB2-BD59-A6C34878D82A}">
-                    <a16:rowId xmlns:a16="http://schemas.microsoft.com/office/drawing/2014/main" xmlns="" val="1320419717"/>
+                    <a16:rowId xmlns:a16="http://schemas.microsoft.com/office/drawing/2014/main" val="1320419717"/>
                   </a:ext>
                 </a:extLst>
               </a:tr>
@@ -6702,7 +6703,7 @@
                 </a:tc>
                 <a:extLst>
                   <a:ext uri="{0D108BD9-81ED-4DB2-BD59-A6C34878D82A}">
-                    <a16:rowId xmlns:a16="http://schemas.microsoft.com/office/drawing/2014/main" xmlns="" val="2814437447"/>
+                    <a16:rowId xmlns:a16="http://schemas.microsoft.com/office/drawing/2014/main" val="2814437447"/>
                   </a:ext>
                 </a:extLst>
               </a:tr>
@@ -6760,7 +6761,7 @@
                 </a:tc>
                 <a:extLst>
                   <a:ext uri="{0D108BD9-81ED-4DB2-BD59-A6C34878D82A}">
-                    <a16:rowId xmlns:a16="http://schemas.microsoft.com/office/drawing/2014/main" xmlns="" val="3814854473"/>
+                    <a16:rowId xmlns:a16="http://schemas.microsoft.com/office/drawing/2014/main" val="3814854473"/>
                   </a:ext>
                 </a:extLst>
               </a:tr>
@@ -6781,7 +6782,7 @@
   <p:timing>
     <p:tnLst>
       <p:par>
-        <p:cTn xmlns:p14="http://schemas.microsoft.com/office/powerpoint/2010/main" id="1" dur="indefinite" restart="never" nodeType="tmRoot"/>
+        <p:cTn id="1" dur="indefinite" restart="never" nodeType="tmRoot"/>
       </p:par>
     </p:tnLst>
   </p:timing>
@@ -6858,7 +6859,15 @@
             </a:r>
             <a:r>
               <a:rPr lang="en-ZA" dirty="0"/>
-              <a:t>quality omni-directional </a:t>
+              <a:t>quality </a:t>
+            </a:r>
+            <a:r>
+              <a:rPr lang="en-ZA" dirty="0" err="1"/>
+              <a:t>omni</a:t>
+            </a:r>
+            <a:r>
+              <a:rPr lang="en-ZA" dirty="0"/>
+              <a:t>-directional </a:t>
             </a:r>
             <a:r>
               <a:rPr lang="en-ZA" dirty="0" smtClean="0"/>
@@ -6867,53 +6876,15 @@
           </a:p>
           <a:p>
             <a:r>
+              <a:rPr lang="en-ZA" dirty="0"/>
+              <a:t>Integrated circuit chip </a:t>
+            </a:r>
+          </a:p>
+          <a:p>
+            <a:pPr lvl="1"/>
+            <a:r>
               <a:rPr lang="en-ZA" dirty="0" smtClean="0"/>
-              <a:t>More microphones </a:t>
-            </a:r>
-          </a:p>
-          <a:p>
-            <a:pPr lvl="1"/>
-            <a:r>
-              <a:rPr lang="en-ZA" dirty="0"/>
-              <a:t>I</a:t>
-            </a:r>
-            <a:r>
-              <a:rPr lang="en-ZA" dirty="0" smtClean="0"/>
-              <a:t>mprove </a:t>
-            </a:r>
-            <a:r>
-              <a:rPr lang="en-ZA" dirty="0"/>
-              <a:t>the precision of the beam </a:t>
-            </a:r>
-            <a:r>
-              <a:rPr lang="en-ZA" dirty="0" smtClean="0"/>
-              <a:t>steering</a:t>
-            </a:r>
-          </a:p>
-          <a:p>
-            <a:r>
-              <a:rPr lang="en-ZA" dirty="0"/>
-              <a:t>I</a:t>
-            </a:r>
-            <a:r>
-              <a:rPr lang="en-ZA" dirty="0" smtClean="0"/>
-              <a:t>ntegrated </a:t>
-            </a:r>
-            <a:r>
-              <a:rPr lang="en-ZA" dirty="0"/>
-              <a:t>circuit chip </a:t>
-            </a:r>
-            <a:endParaRPr lang="en-ZA" dirty="0" smtClean="0"/>
-          </a:p>
-          <a:p>
-            <a:pPr lvl="1"/>
-            <a:r>
-              <a:rPr lang="en-ZA" dirty="0"/>
-              <a:t>P</a:t>
-            </a:r>
-            <a:r>
-              <a:rPr lang="en-ZA" dirty="0" smtClean="0"/>
-              <a:t>reprocessing </a:t>
+              <a:t>Pre-processing </a:t>
             </a:r>
             <a:r>
               <a:rPr lang="en-ZA" dirty="0"/>
@@ -6923,6 +6894,7 @@
               <a:rPr lang="en-ZA" dirty="0" smtClean="0"/>
               <a:t>signals</a:t>
             </a:r>
+            <a:endParaRPr lang="en-ZA" dirty="0" smtClean="0"/>
           </a:p>
           <a:p>
             <a:r>
@@ -6969,11 +6941,7 @@
             </a:r>
             <a:r>
               <a:rPr lang="en-ZA" dirty="0" smtClean="0"/>
-              <a:t>ake the device more user </a:t>
-            </a:r>
-            <a:r>
-              <a:rPr lang="en-ZA" dirty="0" smtClean="0"/>
-              <a:t>friendly</a:t>
+              <a:t>ake the device more user friendly</a:t>
             </a:r>
             <a:endParaRPr lang="en-ZA" dirty="0"/>
           </a:p>
@@ -7015,7 +6983,7 @@
   <p:timing>
     <p:tnLst>
       <p:par>
-        <p:cTn xmlns:p14="http://schemas.microsoft.com/office/powerpoint/2010/main" id="1" dur="indefinite" restart="never" nodeType="tmRoot"/>
+        <p:cTn id="1" dur="indefinite" restart="never" nodeType="tmRoot"/>
       </p:par>
     </p:tnLst>
   </p:timing>
@@ -7167,7 +7135,7 @@
   <p:timing>
     <p:tnLst>
       <p:par>
-        <p:cTn xmlns:p14="http://schemas.microsoft.com/office/powerpoint/2010/main" id="1" dur="indefinite" restart="never" nodeType="tmRoot"/>
+        <p:cTn id="1" dur="indefinite" restart="never" nodeType="tmRoot"/>
       </p:par>
     </p:tnLst>
   </p:timing>
@@ -7381,7 +7349,7 @@
   <p:timing>
     <p:tnLst>
       <p:par>
-        <p:cTn xmlns:p14="http://schemas.microsoft.com/office/powerpoint/2010/main" id="1" dur="indefinite" restart="never" nodeType="tmRoot"/>
+        <p:cTn id="1" dur="indefinite" restart="never" nodeType="tmRoot"/>
       </p:par>
     </p:tnLst>
   </p:timing>
@@ -7486,7 +7454,7 @@
   <p:timing>
     <p:tnLst>
       <p:par>
-        <p:cTn xmlns:p14="http://schemas.microsoft.com/office/powerpoint/2010/main" id="1" dur="indefinite" restart="never" nodeType="tmRoot"/>
+        <p:cTn id="1" dur="indefinite" restart="never" nodeType="tmRoot"/>
       </p:par>
     </p:tnLst>
   </p:timing>
@@ -7597,7 +7565,6 @@
               <a:rPr lang="en-ZA" dirty="0" smtClean="0"/>
               <a:t>Results</a:t>
             </a:r>
-            <a:endParaRPr lang="en-ZA" dirty="0" smtClean="0"/>
           </a:p>
           <a:p>
             <a:r>
@@ -7652,7 +7619,7 @@
   <p:timing>
     <p:tnLst>
       <p:par>
-        <p:cTn xmlns:p14="http://schemas.microsoft.com/office/powerpoint/2010/main" id="1" dur="indefinite" restart="never" nodeType="tmRoot"/>
+        <p:cTn id="1" dur="indefinite" restart="never" nodeType="tmRoot"/>
       </p:par>
     </p:tnLst>
   </p:timing>
@@ -7839,7 +7806,7 @@
   <p:timing>
     <p:tnLst>
       <p:par>
-        <p:cTn xmlns:p14="http://schemas.microsoft.com/office/powerpoint/2010/main" id="1" dur="indefinite" restart="never" nodeType="tmRoot"/>
+        <p:cTn id="1" dur="indefinite" restart="never" nodeType="tmRoot"/>
       </p:par>
     </p:tnLst>
   </p:timing>
@@ -7952,7 +7919,7 @@
   <p:timing>
     <p:tnLst>
       <p:par>
-        <p:cTn xmlns:p14="http://schemas.microsoft.com/office/powerpoint/2010/main" id="1" dur="indefinite" restart="never" nodeType="tmRoot"/>
+        <p:cTn id="1" dur="indefinite" restart="never" nodeType="tmRoot"/>
       </p:par>
     </p:tnLst>
   </p:timing>
@@ -8028,21 +7995,21 @@
                 <a:gridCol w="2880319">
                   <a:extLst>
                     <a:ext uri="{9D8B030D-6E8A-4147-A177-3AD203B41FA5}">
-                      <a16:colId xmlns:a16="http://schemas.microsoft.com/office/drawing/2014/main" xmlns="" val="1205949033"/>
+                      <a16:colId xmlns:a16="http://schemas.microsoft.com/office/drawing/2014/main" val="1205949033"/>
                     </a:ext>
                   </a:extLst>
                 </a:gridCol>
                 <a:gridCol w="2448272">
                   <a:extLst>
                     <a:ext uri="{9D8B030D-6E8A-4147-A177-3AD203B41FA5}">
-                      <a16:colId xmlns:a16="http://schemas.microsoft.com/office/drawing/2014/main" xmlns="" val="3234676645"/>
+                      <a16:colId xmlns:a16="http://schemas.microsoft.com/office/drawing/2014/main" val="3234676645"/>
                     </a:ext>
                   </a:extLst>
                 </a:gridCol>
                 <a:gridCol w="3168351">
                   <a:extLst>
                     <a:ext uri="{9D8B030D-6E8A-4147-A177-3AD203B41FA5}">
-                      <a16:colId xmlns:a16="http://schemas.microsoft.com/office/drawing/2014/main" xmlns="" val="497167739"/>
+                      <a16:colId xmlns:a16="http://schemas.microsoft.com/office/drawing/2014/main" val="497167739"/>
                     </a:ext>
                   </a:extLst>
                 </a:gridCol>
@@ -8095,7 +8062,7 @@
                 </a:tc>
                 <a:extLst>
                   <a:ext uri="{0D108BD9-81ED-4DB2-BD59-A6C34878D82A}">
-                    <a16:rowId xmlns:a16="http://schemas.microsoft.com/office/drawing/2014/main" xmlns="" val="3709011960"/>
+                    <a16:rowId xmlns:a16="http://schemas.microsoft.com/office/drawing/2014/main" val="3709011960"/>
                   </a:ext>
                 </a:extLst>
               </a:tr>
@@ -8151,7 +8118,7 @@
                 </a:tc>
                 <a:extLst>
                   <a:ext uri="{0D108BD9-81ED-4DB2-BD59-A6C34878D82A}">
-                    <a16:rowId xmlns:a16="http://schemas.microsoft.com/office/drawing/2014/main" xmlns="" val="4214479577"/>
+                    <a16:rowId xmlns:a16="http://schemas.microsoft.com/office/drawing/2014/main" val="4214479577"/>
                   </a:ext>
                 </a:extLst>
               </a:tr>
@@ -8243,7 +8210,7 @@
                 </a:tc>
                 <a:extLst>
                   <a:ext uri="{0D108BD9-81ED-4DB2-BD59-A6C34878D82A}">
-                    <a16:rowId xmlns:a16="http://schemas.microsoft.com/office/drawing/2014/main" xmlns="" val="3266579009"/>
+                    <a16:rowId xmlns:a16="http://schemas.microsoft.com/office/drawing/2014/main" val="3266579009"/>
                   </a:ext>
                 </a:extLst>
               </a:tr>
@@ -8295,7 +8262,7 @@
                 </a:tc>
                 <a:extLst>
                   <a:ext uri="{0D108BD9-81ED-4DB2-BD59-A6C34878D82A}">
-                    <a16:rowId xmlns:a16="http://schemas.microsoft.com/office/drawing/2014/main" xmlns="" val="282706019"/>
+                    <a16:rowId xmlns:a16="http://schemas.microsoft.com/office/drawing/2014/main" val="282706019"/>
                   </a:ext>
                 </a:extLst>
               </a:tr>
@@ -8347,7 +8314,7 @@
                 </a:tc>
                 <a:extLst>
                   <a:ext uri="{0D108BD9-81ED-4DB2-BD59-A6C34878D82A}">
-                    <a16:rowId xmlns:a16="http://schemas.microsoft.com/office/drawing/2014/main" xmlns="" val="10004"/>
+                    <a16:rowId xmlns:a16="http://schemas.microsoft.com/office/drawing/2014/main" val="10004"/>
                   </a:ext>
                 </a:extLst>
               </a:tr>
@@ -8403,7 +8370,7 @@
                 </a:tc>
                 <a:extLst>
                   <a:ext uri="{0D108BD9-81ED-4DB2-BD59-A6C34878D82A}">
-                    <a16:rowId xmlns:a16="http://schemas.microsoft.com/office/drawing/2014/main" xmlns="" val="1081411160"/>
+                    <a16:rowId xmlns:a16="http://schemas.microsoft.com/office/drawing/2014/main" val="1081411160"/>
                   </a:ext>
                 </a:extLst>
               </a:tr>
@@ -8470,7 +8437,7 @@
                 </a:tc>
                 <a:extLst>
                   <a:ext uri="{0D108BD9-81ED-4DB2-BD59-A6C34878D82A}">
-                    <a16:rowId xmlns:a16="http://schemas.microsoft.com/office/drawing/2014/main" xmlns="" val="2210005012"/>
+                    <a16:rowId xmlns:a16="http://schemas.microsoft.com/office/drawing/2014/main" val="2210005012"/>
                   </a:ext>
                 </a:extLst>
               </a:tr>
@@ -8590,7 +8557,7 @@
                 </a:tc>
                 <a:extLst>
                   <a:ext uri="{0D108BD9-81ED-4DB2-BD59-A6C34878D82A}">
-                    <a16:rowId xmlns:a16="http://schemas.microsoft.com/office/drawing/2014/main" xmlns="" val="1840919378"/>
+                    <a16:rowId xmlns:a16="http://schemas.microsoft.com/office/drawing/2014/main" val="1840919378"/>
                   </a:ext>
                 </a:extLst>
               </a:tr>
@@ -8646,7 +8613,7 @@
                 </a:tc>
                 <a:extLst>
                   <a:ext uri="{0D108BD9-81ED-4DB2-BD59-A6C34878D82A}">
-                    <a16:rowId xmlns:a16="http://schemas.microsoft.com/office/drawing/2014/main" xmlns="" val="1275340913"/>
+                    <a16:rowId xmlns:a16="http://schemas.microsoft.com/office/drawing/2014/main" val="1275340913"/>
                   </a:ext>
                 </a:extLst>
               </a:tr>
@@ -8690,7 +8657,7 @@
   <p:timing>
     <p:tnLst>
       <p:par>
-        <p:cTn xmlns:p14="http://schemas.microsoft.com/office/powerpoint/2010/main" id="1" dur="indefinite" restart="never" nodeType="tmRoot"/>
+        <p:cTn id="1" dur="indefinite" restart="never" nodeType="tmRoot"/>
       </p:par>
     </p:tnLst>
   </p:timing>
@@ -8872,7 +8839,7 @@
   <p:timing>
     <p:tnLst>
       <p:par>
-        <p:cTn xmlns:p14="http://schemas.microsoft.com/office/powerpoint/2010/main" id="1" dur="indefinite" restart="never" nodeType="tmRoot"/>
+        <p:cTn id="1" dur="indefinite" restart="never" nodeType="tmRoot"/>
       </p:par>
     </p:tnLst>
   </p:timing>
@@ -9087,7 +9054,7 @@
   <p:timing>
     <p:tnLst>
       <p:par>
-        <p:cTn xmlns:p14="http://schemas.microsoft.com/office/powerpoint/2010/main" id="1" dur="indefinite" restart="never" nodeType="tmRoot"/>
+        <p:cTn id="1" dur="indefinite" restart="never" nodeType="tmRoot"/>
       </p:par>
     </p:tnLst>
   </p:timing>
@@ -9305,7 +9272,7 @@
           <a:ln/>
           <a:extLst>
             <a:ext uri="{91240B29-F687-4f45-9708-019B960494DF}">
-              <a14:hiddenLine xmlns:a14="http://schemas.microsoft.com/office/drawing/2010/main" w="9525" cap="flat" cmpd="sng" algn="ctr">
+              <a14:hiddenLine xmlns:a14="http://schemas.microsoft.com/office/drawing/2010/main" xmlns="" w="9525" cap="flat" cmpd="sng" algn="ctr">
                 <a:solidFill>
                   <a:schemeClr val="tx1"/>
                 </a:solidFill>
@@ -9316,7 +9283,7 @@
               </a14:hiddenLine>
             </a:ext>
             <a:ext uri="{AF507438-7753-43e0-B8FC-AC1667EBCBE1}">
-              <a14:hiddenEffects xmlns:a14="http://schemas.microsoft.com/office/drawing/2010/main">
+              <a14:hiddenEffects xmlns:a14="http://schemas.microsoft.com/office/drawing/2010/main" xmlns="">
                 <a:effectLst>
                   <a:outerShdw dist="35921" dir="2700000" algn="ctr" rotWithShape="0">
                     <a:schemeClr val="bg2"/>
@@ -9354,7 +9321,7 @@
   <p:timing>
     <p:tnLst>
       <p:par>
-        <p:cTn xmlns:p14="http://schemas.microsoft.com/office/powerpoint/2010/main" id="1" dur="indefinite" restart="never" nodeType="tmRoot"/>
+        <p:cTn id="1" dur="indefinite" restart="never" nodeType="tmRoot"/>
       </p:par>
     </p:tnLst>
   </p:timing>
@@ -9475,14 +9442,14 @@
           </a:ln>
           <a:extLst>
             <a:ext uri="{909E8E84-426E-40dd-AFC4-6F175D3DCCD1}">
-              <a14:hiddenFill xmlns:a14="http://schemas.microsoft.com/office/drawing/2010/main">
+              <a14:hiddenFill xmlns:a14="http://schemas.microsoft.com/office/drawing/2010/main" xmlns="">
                 <a:solidFill>
                   <a:srgbClr val="FFFFFF"/>
                 </a:solidFill>
               </a14:hiddenFill>
             </a:ext>
             <a:ext uri="{91240B29-F687-4f45-9708-019B960494DF}">
-              <a14:hiddenLine xmlns:a14="http://schemas.microsoft.com/office/drawing/2010/main" w="9525">
+              <a14:hiddenLine xmlns:a14="http://schemas.microsoft.com/office/drawing/2010/main" xmlns="" w="9525">
                 <a:solidFill>
                   <a:srgbClr val="000000"/>
                 </a:solidFill>
@@ -9492,7 +9459,7 @@
               </a14:hiddenLine>
             </a:ext>
             <a:ext uri="{FAA26D3D-D897-4be2-8F04-BA451C77F1D7}">
-              <ma14:placeholderFlag xmlns:ma14="http://schemas.microsoft.com/office/mac/drawingml/2011/main" val="1"/>
+              <ma14:placeholderFlag xmlns:ma14="http://schemas.microsoft.com/office/mac/drawingml/2011/main" xmlns="" val="1"/>
             </a:ext>
           </a:extLst>
         </p:spPr>
@@ -9756,7 +9723,7 @@
   <p:timing>
     <p:tnLst>
       <p:par>
-        <p:cTn xmlns:p14="http://schemas.microsoft.com/office/powerpoint/2010/main" id="1" dur="indefinite" restart="never" nodeType="tmRoot"/>
+        <p:cTn id="1" dur="indefinite" restart="never" nodeType="tmRoot"/>
       </p:par>
     </p:tnLst>
   </p:timing>
@@ -10007,7 +9974,7 @@
         <a:effectLst/>
         <a:extLst>
           <a:ext uri="{91240B29-F687-4f45-9708-019B960494DF}">
-            <a14:hiddenLine xmlns:a14="http://schemas.microsoft.com/office/drawing/2010/main" w="9525" cap="flat" cmpd="sng" algn="ctr">
+            <a14:hiddenLine xmlns:a14="http://schemas.microsoft.com/office/drawing/2010/main" xmlns="" w="9525" cap="flat" cmpd="sng" algn="ctr">
               <a:solidFill>
                 <a:schemeClr val="tx1"/>
               </a:solidFill>
@@ -10018,7 +9985,7 @@
             </a14:hiddenLine>
           </a:ext>
           <a:ext uri="{AF507438-7753-43e0-B8FC-AC1667EBCBE1}">
-            <a14:hiddenEffects xmlns:a14="http://schemas.microsoft.com/office/drawing/2010/main">
+            <a14:hiddenEffects xmlns:a14="http://schemas.microsoft.com/office/drawing/2010/main" xmlns="">
               <a:effectLst>
                 <a:outerShdw dist="35921" dir="2700000" algn="ctr" rotWithShape="0">
                   <a:schemeClr val="bg2"/>
@@ -10085,7 +10052,7 @@
         <a:effectLst/>
         <a:extLst>
           <a:ext uri="{91240B29-F687-4f45-9708-019B960494DF}">
-            <a14:hiddenLine xmlns:a14="http://schemas.microsoft.com/office/drawing/2010/main" w="9525" cap="flat" cmpd="sng" algn="ctr">
+            <a14:hiddenLine xmlns:a14="http://schemas.microsoft.com/office/drawing/2010/main" xmlns="" w="9525" cap="flat" cmpd="sng" algn="ctr">
               <a:solidFill>
                 <a:schemeClr val="tx1"/>
               </a:solidFill>
@@ -10096,7 +10063,7 @@
             </a14:hiddenLine>
           </a:ext>
           <a:ext uri="{AF507438-7753-43e0-B8FC-AC1667EBCBE1}">
-            <a14:hiddenEffects xmlns:a14="http://schemas.microsoft.com/office/drawing/2010/main">
+            <a14:hiddenEffects xmlns:a14="http://schemas.microsoft.com/office/drawing/2010/main" xmlns="">
               <a:effectLst>
                 <a:outerShdw dist="35921" dir="2700000" algn="ctr" rotWithShape="0">
                   <a:schemeClr val="bg2"/>

--- a/Presentation/Lab Project Presentation.pptx
+++ b/Presentation/Lab Project Presentation.pptx
@@ -128,7 +128,7 @@
   </p:defaultTextStyle>
   <p:extLst>
     <p:ext uri="{EFAFB233-063F-42B5-8137-9DF3F51BA10A}">
-      <p15:sldGuideLst xmlns:p15="http://schemas.microsoft.com/office/powerpoint/2012/main">
+      <p15:sldGuideLst xmlns:p15="http://schemas.microsoft.com/office/powerpoint/2012/main" xmlns="">
         <p15:guide id="1" orient="horz" pos="2160">
           <p15:clr>
             <a:srgbClr val="A4A3A4"/>
@@ -247,7 +247,7 @@
           <a:p>
             <a:fld id="{3FA6FDA4-907F-C840-8573-33F4849B33D4}" type="datetimeFigureOut">
               <a:rPr lang="en-US" smtClean="0"/>
-              <a:t>9/10/2018</a:t>
+              <a:t>18/09/11</a:t>
             </a:fld>
             <a:endParaRPr lang="en-US"/>
           </a:p>
@@ -413,7 +413,7 @@
           <a:p>
             <a:fld id="{290492DD-1613-8B48-9182-1ECEE9190ABB}" type="datetimeFigureOut">
               <a:rPr lang="en-US" smtClean="0"/>
-              <a:t>9/10/2018</a:t>
+              <a:t>18/09/11</a:t>
             </a:fld>
             <a:endParaRPr lang="en-US"/>
           </a:p>
@@ -2940,7 +2940,7 @@
           </a:ln>
           <a:extLst>
             <a:ext uri="{909E8E84-426E-40dd-AFC4-6F175D3DCCD1}">
-              <a14:hiddenFill xmlns:a14="http://schemas.microsoft.com/office/drawing/2010/main" xmlns="">
+              <a14:hiddenFill xmlns:a14="http://schemas.microsoft.com/office/drawing/2010/main">
                 <a:noFill/>
               </a14:hiddenFill>
             </a:ext>
@@ -2978,14 +2978,14 @@
           </a:ln>
           <a:extLst>
             <a:ext uri="{909E8E84-426E-40dd-AFC4-6F175D3DCCD1}">
-              <a14:hiddenFill xmlns:a14="http://schemas.microsoft.com/office/drawing/2010/main" xmlns="">
+              <a14:hiddenFill xmlns:a14="http://schemas.microsoft.com/office/drawing/2010/main">
                 <a:solidFill>
                   <a:srgbClr val="FFFFFF"/>
                 </a:solidFill>
               </a14:hiddenFill>
             </a:ext>
             <a:ext uri="{91240B29-F687-4f45-9708-019B960494DF}">
-              <a14:hiddenLine xmlns:a14="http://schemas.microsoft.com/office/drawing/2010/main" xmlns="" w="9525">
+              <a14:hiddenLine xmlns:a14="http://schemas.microsoft.com/office/drawing/2010/main" w="9525">
                 <a:solidFill>
                   <a:srgbClr val="000000"/>
                 </a:solidFill>
@@ -2995,7 +2995,7 @@
               </a14:hiddenLine>
             </a:ext>
             <a:ext uri="{FAA26D3D-D897-4be2-8F04-BA451C77F1D7}">
-              <ma14:placeholderFlag xmlns:ma14="http://schemas.microsoft.com/office/mac/drawingml/2011/main" xmlns="" val="1"/>
+              <ma14:placeholderFlag xmlns:ma14="http://schemas.microsoft.com/office/mac/drawingml/2011/main" val="1"/>
             </a:ext>
           </a:extLst>
         </p:spPr>
@@ -3043,7 +3043,7 @@
           </a:ln>
           <a:extLst>
             <a:ext uri="{909E8E84-426E-40dd-AFC4-6F175D3DCCD1}">
-              <a14:hiddenFill xmlns:a14="http://schemas.microsoft.com/office/drawing/2010/main" xmlns="">
+              <a14:hiddenFill xmlns:a14="http://schemas.microsoft.com/office/drawing/2010/main">
                 <a:noFill/>
               </a14:hiddenFill>
             </a:ext>
@@ -3079,14 +3079,14 @@
           </a:ln>
           <a:extLst>
             <a:ext uri="{909E8E84-426E-40dd-AFC4-6F175D3DCCD1}">
-              <a14:hiddenFill xmlns:a14="http://schemas.microsoft.com/office/drawing/2010/main" xmlns="">
+              <a14:hiddenFill xmlns:a14="http://schemas.microsoft.com/office/drawing/2010/main">
                 <a:solidFill>
                   <a:srgbClr val="FFFFFF"/>
                 </a:solidFill>
               </a14:hiddenFill>
             </a:ext>
             <a:ext uri="{91240B29-F687-4f45-9708-019B960494DF}">
-              <a14:hiddenLine xmlns:a14="http://schemas.microsoft.com/office/drawing/2010/main" xmlns="" w="9525">
+              <a14:hiddenLine xmlns:a14="http://schemas.microsoft.com/office/drawing/2010/main" w="9525">
                 <a:solidFill>
                   <a:srgbClr val="000000"/>
                 </a:solidFill>
@@ -3243,14 +3243,14 @@
           </a:ln>
           <a:extLst>
             <a:ext uri="{909E8E84-426E-40dd-AFC4-6F175D3DCCD1}">
-              <a14:hiddenFill xmlns:a14="http://schemas.microsoft.com/office/drawing/2010/main" xmlns="">
+              <a14:hiddenFill xmlns:a14="http://schemas.microsoft.com/office/drawing/2010/main">
                 <a:solidFill>
                   <a:srgbClr val="FFFFFF"/>
                 </a:solidFill>
               </a14:hiddenFill>
             </a:ext>
             <a:ext uri="{91240B29-F687-4f45-9708-019B960494DF}">
-              <a14:hiddenLine xmlns:a14="http://schemas.microsoft.com/office/drawing/2010/main" xmlns="" w="9525">
+              <a14:hiddenLine xmlns:a14="http://schemas.microsoft.com/office/drawing/2010/main" w="9525">
                 <a:solidFill>
                   <a:srgbClr val="000000"/>
                 </a:solidFill>
@@ -3260,7 +3260,7 @@
               </a14:hiddenLine>
             </a:ext>
             <a:ext uri="{FAA26D3D-D897-4be2-8F04-BA451C77F1D7}">
-              <ma14:placeholderFlag xmlns:ma14="http://schemas.microsoft.com/office/mac/drawingml/2011/main" xmlns="" val="1"/>
+              <ma14:placeholderFlag xmlns:ma14="http://schemas.microsoft.com/office/mac/drawingml/2011/main" val="1"/>
             </a:ext>
           </a:extLst>
         </p:spPr>
@@ -3912,14 +3912,14 @@
           </a:ln>
           <a:extLst>
             <a:ext uri="{909E8E84-426E-40dd-AFC4-6F175D3DCCD1}">
-              <a14:hiddenFill xmlns:a14="http://schemas.microsoft.com/office/drawing/2010/main" xmlns="">
+              <a14:hiddenFill xmlns:a14="http://schemas.microsoft.com/office/drawing/2010/main">
                 <a:solidFill>
                   <a:srgbClr val="FFFFFF"/>
                 </a:solidFill>
               </a14:hiddenFill>
             </a:ext>
             <a:ext uri="{91240B29-F687-4f45-9708-019B960494DF}">
-              <a14:hiddenLine xmlns:a14="http://schemas.microsoft.com/office/drawing/2010/main" xmlns="" w="9525">
+              <a14:hiddenLine xmlns:a14="http://schemas.microsoft.com/office/drawing/2010/main" w="9525">
                 <a:solidFill>
                   <a:srgbClr val="000000"/>
                 </a:solidFill>
@@ -4056,7 +4056,7 @@
   <p:timing>
     <p:tnLst>
       <p:par>
-        <p:cTn id="1" dur="indefinite" restart="never" nodeType="tmRoot"/>
+        <p:cTn xmlns:p14="http://schemas.microsoft.com/office/powerpoint/2010/main" id="1" dur="indefinite" restart="never" nodeType="tmRoot"/>
       </p:par>
     </p:tnLst>
   </p:timing>
@@ -4127,7 +4127,7 @@
         </p:blipFill>
         <p:spPr>
           <a:xfrm>
-            <a:off x="3577904" y="2036664"/>
+            <a:off x="3512840" y="2036664"/>
             <a:ext cx="3298704" cy="3069834"/>
           </a:xfrm>
         </p:spPr>
@@ -4299,14 +4299,14 @@
               </a:ln>
               <a:extLst>
                 <a:ext uri="{909E8E84-426E-40dd-AFC4-6F175D3DCCD1}">
-                  <a14:hiddenFill xmlns="">
+                  <a14:hiddenFill>
                     <a:solidFill>
                       <a:srgbClr val="FFFFFF"/>
                     </a:solidFill>
                   </a14:hiddenFill>
                 </a:ext>
                 <a:ext uri="{91240B29-F687-4f45-9708-019B960494DF}">
-                  <a14:hiddenLine xmlns="" w="9525">
+                  <a14:hiddenLine w="9525">
                     <a:solidFill>
                       <a:srgbClr val="000000"/>
                     </a:solidFill>
@@ -4316,7 +4316,7 @@
                   </a14:hiddenLine>
                 </a:ext>
                 <a:ext uri="{FAA26D3D-D897-4be2-8F04-BA451C77F1D7}">
-                  <ma14:placeholderFlag xmlns:ma14="http://schemas.microsoft.com/office/mac/drawingml/2011/main" xmlns="" val="1"/>
+                  <ma14:placeholderFlag xmlns:ma14="http://schemas.microsoft.com/office/mac/drawingml/2011/main" val="1"/>
                 </a:ext>
               </a:extLst>
             </p:spPr>
@@ -4557,7 +4557,7 @@
               <a:p>
                 <a:pPr lvl="1"/>
                 <a14:m>
-                  <m:oMath xmlns:m="http://schemas.openxmlformats.org/officeDocument/2006/math">
+                  <m:oMath xmlns:m="http://schemas.openxmlformats.org/officeDocument/2006/math" xmlns="">
                     <m:r>
                       <a:rPr lang="en-ZA" b="1" i="1" kern="0" smtClean="0">
                         <a:latin typeface="Cambria Math" panose="02040503050406030204" pitchFamily="18" charset="0"/>
@@ -4624,7 +4624,7 @@
               <a:p>
                 <a:pPr lvl="1"/>
                 <a14:m>
-                  <m:oMath xmlns:m="http://schemas.openxmlformats.org/officeDocument/2006/math">
+                  <m:oMath xmlns:m="http://schemas.openxmlformats.org/officeDocument/2006/math" xmlns="">
                     <m:r>
                       <a:rPr lang="en-ZA" b="1" i="1" kern="0" smtClean="0">
                         <a:latin typeface="Cambria Math" panose="02040503050406030204" pitchFamily="18" charset="0"/>
@@ -4641,7 +4641,7 @@
               <a:p>
                 <a:pPr lvl="1"/>
                 <a14:m>
-                  <m:oMath xmlns:m="http://schemas.openxmlformats.org/officeDocument/2006/math">
+                  <m:oMath xmlns:m="http://schemas.openxmlformats.org/officeDocument/2006/math" xmlns="">
                     <m:sSub>
                       <m:sSubPr>
                         <m:ctrlPr>
@@ -4757,7 +4757,7 @@
   <p:timing>
     <p:tnLst>
       <p:par>
-        <p:cTn id="1" dur="indefinite" restart="never" nodeType="tmRoot"/>
+        <p:cTn xmlns:p14="http://schemas.microsoft.com/office/powerpoint/2010/main" id="1" dur="indefinite" restart="never" nodeType="tmRoot"/>
       </p:par>
     </p:tnLst>
   </p:timing>
@@ -4878,14 +4878,14 @@
           </a:ln>
           <a:extLst>
             <a:ext uri="{909E8E84-426E-40dd-AFC4-6F175D3DCCD1}">
-              <a14:hiddenFill xmlns:a14="http://schemas.microsoft.com/office/drawing/2010/main" xmlns="">
+              <a14:hiddenFill xmlns:a14="http://schemas.microsoft.com/office/drawing/2010/main">
                 <a:solidFill>
                   <a:srgbClr val="FFFFFF"/>
                 </a:solidFill>
               </a14:hiddenFill>
             </a:ext>
             <a:ext uri="{91240B29-F687-4f45-9708-019B960494DF}">
-              <a14:hiddenLine xmlns:a14="http://schemas.microsoft.com/office/drawing/2010/main" xmlns="" w="9525">
+              <a14:hiddenLine xmlns:a14="http://schemas.microsoft.com/office/drawing/2010/main" w="9525">
                 <a:solidFill>
                   <a:srgbClr val="000000"/>
                 </a:solidFill>
@@ -4895,7 +4895,7 @@
               </a14:hiddenLine>
             </a:ext>
             <a:ext uri="{FAA26D3D-D897-4be2-8F04-BA451C77F1D7}">
-              <ma14:placeholderFlag xmlns:ma14="http://schemas.microsoft.com/office/mac/drawingml/2011/main" xmlns="" val="1"/>
+              <ma14:placeholderFlag xmlns:ma14="http://schemas.microsoft.com/office/mac/drawingml/2011/main" val="1"/>
             </a:ext>
           </a:extLst>
         </p:spPr>
@@ -5136,20 +5136,12 @@
           <a:p>
             <a:r>
               <a:rPr lang="en-ZA" kern="0" dirty="0" smtClean="0"/>
-              <a:t>Error caused by                                                  interaction of                                                                 stop-bands</a:t>
-            </a:r>
-          </a:p>
-          <a:p>
-            <a:pPr lvl="1"/>
+              <a:t>Error caused by                                                  interaction of                                                                 stop-</a:t>
+            </a:r>
             <a:r>
               <a:rPr lang="en-ZA" kern="0" dirty="0" smtClean="0"/>
-              <a:t>Due to filter                                                                               order</a:t>
-            </a:r>
-          </a:p>
-          <a:p>
-            <a:pPr marL="190500" indent="0">
-              <a:buNone/>
-            </a:pPr>
+              <a:t>bands</a:t>
+            </a:r>
             <a:endParaRPr lang="en-ZA" kern="0" dirty="0" smtClean="0"/>
           </a:p>
           <a:p>
@@ -5170,7 +5162,7 @@
   <p:timing>
     <p:tnLst>
       <p:par>
-        <p:cTn id="1" dur="indefinite" restart="never" nodeType="tmRoot"/>
+        <p:cTn xmlns:p14="http://schemas.microsoft.com/office/powerpoint/2010/main" id="1" dur="indefinite" restart="never" nodeType="tmRoot"/>
       </p:par>
     </p:tnLst>
   </p:timing>
@@ -5393,14 +5385,14 @@
           </a:ln>
           <a:extLst>
             <a:ext uri="{909E8E84-426E-40dd-AFC4-6F175D3DCCD1}">
-              <a14:hiddenFill xmlns:a14="http://schemas.microsoft.com/office/drawing/2010/main" xmlns="">
+              <a14:hiddenFill xmlns:a14="http://schemas.microsoft.com/office/drawing/2010/main">
                 <a:solidFill>
                   <a:srgbClr val="FFFFFF"/>
                 </a:solidFill>
               </a14:hiddenFill>
             </a:ext>
             <a:ext uri="{91240B29-F687-4f45-9708-019B960494DF}">
-              <a14:hiddenLine xmlns:a14="http://schemas.microsoft.com/office/drawing/2010/main" xmlns="" w="9525">
+              <a14:hiddenLine xmlns:a14="http://schemas.microsoft.com/office/drawing/2010/main" w="9525">
                 <a:solidFill>
                   <a:srgbClr val="000000"/>
                 </a:solidFill>
@@ -5410,7 +5402,7 @@
               </a14:hiddenLine>
             </a:ext>
             <a:ext uri="{FAA26D3D-D897-4be2-8F04-BA451C77F1D7}">
-              <ma14:placeholderFlag xmlns:ma14="http://schemas.microsoft.com/office/mac/drawingml/2011/main" xmlns="" val="1"/>
+              <ma14:placeholderFlag xmlns:ma14="http://schemas.microsoft.com/office/mac/drawingml/2011/main" val="1"/>
             </a:ext>
           </a:extLst>
         </p:spPr>
@@ -5653,21 +5645,24 @@
           <a:p>
             <a:r>
               <a:rPr lang="en-ZA" kern="0" dirty="0" smtClean="0"/>
-              <a:t>Increased error in other directions</a:t>
+              <a:t>Increased </a:t>
+            </a:r>
+            <a:r>
+              <a:rPr lang="en-ZA" kern="0" dirty="0" smtClean="0"/>
+              <a:t>error in other directions</a:t>
             </a:r>
           </a:p>
           <a:p>
             <a:pPr lvl="1"/>
             <a:r>
               <a:rPr lang="en-ZA" kern="0" dirty="0" smtClean="0"/>
-              <a:t>Integer number       of sample shifts</a:t>
-            </a:r>
-          </a:p>
-          <a:p>
+              <a:t>Integer number       of sample </a:t>
+            </a:r>
             <a:r>
               <a:rPr lang="en-ZA" kern="0" dirty="0" smtClean="0"/>
-              <a:t>Nulls not distinctive in measurements</a:t>
-            </a:r>
+              <a:t>shifts</a:t>
+            </a:r>
+            <a:endParaRPr lang="en-ZA" kern="0" dirty="0" smtClean="0"/>
           </a:p>
         </p:txBody>
       </p:sp>
@@ -5684,7 +5679,7 @@
   <p:timing>
     <p:tnLst>
       <p:par>
-        <p:cTn id="1" dur="indefinite" restart="never" nodeType="tmRoot"/>
+        <p:cTn xmlns:p14="http://schemas.microsoft.com/office/powerpoint/2010/main" id="1" dur="indefinite" restart="never" nodeType="tmRoot"/>
       </p:par>
     </p:tnLst>
   </p:timing>
@@ -5760,28 +5755,28 @@
                 <a:gridCol w="2054210">
                   <a:extLst>
                     <a:ext uri="{9D8B030D-6E8A-4147-A177-3AD203B41FA5}">
-                      <a16:colId xmlns:a16="http://schemas.microsoft.com/office/drawing/2014/main" val="20000"/>
+                      <a16:colId xmlns:a16="http://schemas.microsoft.com/office/drawing/2014/main" xmlns="" val="20000"/>
                     </a:ext>
                   </a:extLst>
                 </a:gridCol>
                 <a:gridCol w="1917260">
                   <a:extLst>
                     <a:ext uri="{9D8B030D-6E8A-4147-A177-3AD203B41FA5}">
-                      <a16:colId xmlns:a16="http://schemas.microsoft.com/office/drawing/2014/main" val="1220490089"/>
+                      <a16:colId xmlns:a16="http://schemas.microsoft.com/office/drawing/2014/main" xmlns="" val="1220490089"/>
                     </a:ext>
                   </a:extLst>
                 </a:gridCol>
                 <a:gridCol w="1506419">
                   <a:extLst>
                     <a:ext uri="{9D8B030D-6E8A-4147-A177-3AD203B41FA5}">
-                      <a16:colId xmlns:a16="http://schemas.microsoft.com/office/drawing/2014/main" val="67218977"/>
+                      <a16:colId xmlns:a16="http://schemas.microsoft.com/office/drawing/2014/main" xmlns="" val="67218977"/>
                     </a:ext>
                   </a:extLst>
                 </a:gridCol>
                 <a:gridCol w="1291054">
                   <a:extLst>
                     <a:ext uri="{9D8B030D-6E8A-4147-A177-3AD203B41FA5}">
-                      <a16:colId xmlns:a16="http://schemas.microsoft.com/office/drawing/2014/main" val="3056518911"/>
+                      <a16:colId xmlns:a16="http://schemas.microsoft.com/office/drawing/2014/main" xmlns="" val="3056518911"/>
                     </a:ext>
                   </a:extLst>
                 </a:gridCol>
@@ -5890,7 +5885,7 @@
                 </a:tc>
                 <a:extLst>
                   <a:ext uri="{0D108BD9-81ED-4DB2-BD59-A6C34878D82A}">
-                    <a16:rowId xmlns:a16="http://schemas.microsoft.com/office/drawing/2014/main" val="3871997748"/>
+                    <a16:rowId xmlns:a16="http://schemas.microsoft.com/office/drawing/2014/main" xmlns="" val="3871997748"/>
                   </a:ext>
                 </a:extLst>
               </a:tr>
@@ -5963,7 +5958,7 @@
                 </a:tc>
                 <a:extLst>
                   <a:ext uri="{0D108BD9-81ED-4DB2-BD59-A6C34878D82A}">
-                    <a16:rowId xmlns:a16="http://schemas.microsoft.com/office/drawing/2014/main" val="373921578"/>
+                    <a16:rowId xmlns:a16="http://schemas.microsoft.com/office/drawing/2014/main" xmlns="" val="373921578"/>
                   </a:ext>
                 </a:extLst>
               </a:tr>
@@ -6051,7 +6046,7 @@
                 </a:tc>
                 <a:extLst>
                   <a:ext uri="{0D108BD9-81ED-4DB2-BD59-A6C34878D82A}">
-                    <a16:rowId xmlns:a16="http://schemas.microsoft.com/office/drawing/2014/main" val="3868297120"/>
+                    <a16:rowId xmlns:a16="http://schemas.microsoft.com/office/drawing/2014/main" xmlns="" val="3868297120"/>
                   </a:ext>
                 </a:extLst>
               </a:tr>
@@ -6124,7 +6119,7 @@
                 </a:tc>
                 <a:extLst>
                   <a:ext uri="{0D108BD9-81ED-4DB2-BD59-A6C34878D82A}">
-                    <a16:rowId xmlns:a16="http://schemas.microsoft.com/office/drawing/2014/main" val="3602717608"/>
+                    <a16:rowId xmlns:a16="http://schemas.microsoft.com/office/drawing/2014/main" xmlns="" val="3602717608"/>
                   </a:ext>
                 </a:extLst>
               </a:tr>
@@ -6212,7 +6207,7 @@
                 </a:tc>
                 <a:extLst>
                   <a:ext uri="{0D108BD9-81ED-4DB2-BD59-A6C34878D82A}">
-                    <a16:rowId xmlns:a16="http://schemas.microsoft.com/office/drawing/2014/main" val="684964139"/>
+                    <a16:rowId xmlns:a16="http://schemas.microsoft.com/office/drawing/2014/main" xmlns="" val="684964139"/>
                   </a:ext>
                 </a:extLst>
               </a:tr>
@@ -6271,21 +6266,21 @@
                 <a:gridCol w="2054150">
                   <a:extLst>
                     <a:ext uri="{9D8B030D-6E8A-4147-A177-3AD203B41FA5}">
-                      <a16:colId xmlns:a16="http://schemas.microsoft.com/office/drawing/2014/main" val="20000"/>
+                      <a16:colId xmlns:a16="http://schemas.microsoft.com/office/drawing/2014/main" xmlns="" val="20000"/>
                     </a:ext>
                   </a:extLst>
                 </a:gridCol>
                 <a:gridCol w="3423583">
                   <a:extLst>
                     <a:ext uri="{9D8B030D-6E8A-4147-A177-3AD203B41FA5}">
-                      <a16:colId xmlns:a16="http://schemas.microsoft.com/office/drawing/2014/main" val="3160404703"/>
+                      <a16:colId xmlns:a16="http://schemas.microsoft.com/office/drawing/2014/main" xmlns="" val="3160404703"/>
                     </a:ext>
                   </a:extLst>
                 </a:gridCol>
                 <a:gridCol w="1291019">
                   <a:extLst>
                     <a:ext uri="{9D8B030D-6E8A-4147-A177-3AD203B41FA5}">
-                      <a16:colId xmlns:a16="http://schemas.microsoft.com/office/drawing/2014/main" val="2004772524"/>
+                      <a16:colId xmlns:a16="http://schemas.microsoft.com/office/drawing/2014/main" xmlns="" val="2004772524"/>
                     </a:ext>
                   </a:extLst>
                 </a:gridCol>
@@ -6413,7 +6408,7 @@
                 </a:tc>
                 <a:extLst>
                   <a:ext uri="{0D108BD9-81ED-4DB2-BD59-A6C34878D82A}">
-                    <a16:rowId xmlns:a16="http://schemas.microsoft.com/office/drawing/2014/main" val="3857195092"/>
+                    <a16:rowId xmlns:a16="http://schemas.microsoft.com/office/drawing/2014/main" xmlns="" val="3857195092"/>
                   </a:ext>
                 </a:extLst>
               </a:tr>
@@ -6471,7 +6466,7 @@
                 </a:tc>
                 <a:extLst>
                   <a:ext uri="{0D108BD9-81ED-4DB2-BD59-A6C34878D82A}">
-                    <a16:rowId xmlns:a16="http://schemas.microsoft.com/office/drawing/2014/main" val="1176978316"/>
+                    <a16:rowId xmlns:a16="http://schemas.microsoft.com/office/drawing/2014/main" xmlns="" val="1176978316"/>
                   </a:ext>
                 </a:extLst>
               </a:tr>
@@ -6529,7 +6524,7 @@
                 </a:tc>
                 <a:extLst>
                   <a:ext uri="{0D108BD9-81ED-4DB2-BD59-A6C34878D82A}">
-                    <a16:rowId xmlns:a16="http://schemas.microsoft.com/office/drawing/2014/main" val="1271360358"/>
+                    <a16:rowId xmlns:a16="http://schemas.microsoft.com/office/drawing/2014/main" xmlns="" val="1271360358"/>
                   </a:ext>
                 </a:extLst>
               </a:tr>
@@ -6587,7 +6582,7 @@
                 </a:tc>
                 <a:extLst>
                   <a:ext uri="{0D108BD9-81ED-4DB2-BD59-A6C34878D82A}">
-                    <a16:rowId xmlns:a16="http://schemas.microsoft.com/office/drawing/2014/main" val="2734475198"/>
+                    <a16:rowId xmlns:a16="http://schemas.microsoft.com/office/drawing/2014/main" xmlns="" val="2734475198"/>
                   </a:ext>
                 </a:extLst>
               </a:tr>
@@ -6645,7 +6640,7 @@
                 </a:tc>
                 <a:extLst>
                   <a:ext uri="{0D108BD9-81ED-4DB2-BD59-A6C34878D82A}">
-                    <a16:rowId xmlns:a16="http://schemas.microsoft.com/office/drawing/2014/main" val="1320419717"/>
+                    <a16:rowId xmlns:a16="http://schemas.microsoft.com/office/drawing/2014/main" xmlns="" val="1320419717"/>
                   </a:ext>
                 </a:extLst>
               </a:tr>
@@ -6703,7 +6698,7 @@
                 </a:tc>
                 <a:extLst>
                   <a:ext uri="{0D108BD9-81ED-4DB2-BD59-A6C34878D82A}">
-                    <a16:rowId xmlns:a16="http://schemas.microsoft.com/office/drawing/2014/main" val="2814437447"/>
+                    <a16:rowId xmlns:a16="http://schemas.microsoft.com/office/drawing/2014/main" xmlns="" val="2814437447"/>
                   </a:ext>
                 </a:extLst>
               </a:tr>
@@ -6761,7 +6756,7 @@
                 </a:tc>
                 <a:extLst>
                   <a:ext uri="{0D108BD9-81ED-4DB2-BD59-A6C34878D82A}">
-                    <a16:rowId xmlns:a16="http://schemas.microsoft.com/office/drawing/2014/main" val="3814854473"/>
+                    <a16:rowId xmlns:a16="http://schemas.microsoft.com/office/drawing/2014/main" xmlns="" val="3814854473"/>
                   </a:ext>
                 </a:extLst>
               </a:tr>
@@ -6782,7 +6777,7 @@
   <p:timing>
     <p:tnLst>
       <p:par>
-        <p:cTn id="1" dur="indefinite" restart="never" nodeType="tmRoot"/>
+        <p:cTn xmlns:p14="http://schemas.microsoft.com/office/powerpoint/2010/main" id="1" dur="indefinite" restart="never" nodeType="tmRoot"/>
       </p:par>
     </p:tnLst>
   </p:timing>
@@ -6894,16 +6889,11 @@
               <a:rPr lang="en-ZA" dirty="0" smtClean="0"/>
               <a:t>signals</a:t>
             </a:r>
-            <a:endParaRPr lang="en-ZA" dirty="0" smtClean="0"/>
           </a:p>
           <a:p>
             <a:r>
               <a:rPr lang="en-ZA" dirty="0" smtClean="0"/>
-              <a:t>Embedding </a:t>
-            </a:r>
-            <a:r>
-              <a:rPr lang="en-ZA" dirty="0" smtClean="0"/>
-              <a:t>circuitry </a:t>
+              <a:t>Embedding circuitry </a:t>
             </a:r>
             <a:r>
               <a:rPr lang="en-ZA" dirty="0"/>
@@ -6983,7 +6973,7 @@
   <p:timing>
     <p:tnLst>
       <p:par>
-        <p:cTn id="1" dur="indefinite" restart="never" nodeType="tmRoot"/>
+        <p:cTn xmlns:p14="http://schemas.microsoft.com/office/powerpoint/2010/main" id="1" dur="indefinite" restart="never" nodeType="tmRoot"/>
       </p:par>
     </p:tnLst>
   </p:timing>
@@ -7135,7 +7125,7 @@
   <p:timing>
     <p:tnLst>
       <p:par>
-        <p:cTn id="1" dur="indefinite" restart="never" nodeType="tmRoot"/>
+        <p:cTn xmlns:p14="http://schemas.microsoft.com/office/powerpoint/2010/main" id="1" dur="indefinite" restart="never" nodeType="tmRoot"/>
       </p:par>
     </p:tnLst>
   </p:timing>
@@ -7349,7 +7339,7 @@
   <p:timing>
     <p:tnLst>
       <p:par>
-        <p:cTn id="1" dur="indefinite" restart="never" nodeType="tmRoot"/>
+        <p:cTn xmlns:p14="http://schemas.microsoft.com/office/powerpoint/2010/main" id="1" dur="indefinite" restart="never" nodeType="tmRoot"/>
       </p:par>
     </p:tnLst>
   </p:timing>
@@ -7454,7 +7444,7 @@
   <p:timing>
     <p:tnLst>
       <p:par>
-        <p:cTn id="1" dur="indefinite" restart="never" nodeType="tmRoot"/>
+        <p:cTn xmlns:p14="http://schemas.microsoft.com/office/powerpoint/2010/main" id="1" dur="indefinite" restart="never" nodeType="tmRoot"/>
       </p:par>
     </p:tnLst>
   </p:timing>
@@ -7619,7 +7609,7 @@
   <p:timing>
     <p:tnLst>
       <p:par>
-        <p:cTn id="1" dur="indefinite" restart="never" nodeType="tmRoot"/>
+        <p:cTn xmlns:p14="http://schemas.microsoft.com/office/powerpoint/2010/main" id="1" dur="indefinite" restart="never" nodeType="tmRoot"/>
       </p:par>
     </p:tnLst>
   </p:timing>
@@ -7806,7 +7796,7 @@
   <p:timing>
     <p:tnLst>
       <p:par>
-        <p:cTn id="1" dur="indefinite" restart="never" nodeType="tmRoot"/>
+        <p:cTn xmlns:p14="http://schemas.microsoft.com/office/powerpoint/2010/main" id="1" dur="indefinite" restart="never" nodeType="tmRoot"/>
       </p:par>
     </p:tnLst>
   </p:timing>
@@ -7919,7 +7909,7 @@
   <p:timing>
     <p:tnLst>
       <p:par>
-        <p:cTn id="1" dur="indefinite" restart="never" nodeType="tmRoot"/>
+        <p:cTn xmlns:p14="http://schemas.microsoft.com/office/powerpoint/2010/main" id="1" dur="indefinite" restart="never" nodeType="tmRoot"/>
       </p:par>
     </p:tnLst>
   </p:timing>
@@ -7995,21 +7985,21 @@
                 <a:gridCol w="2880319">
                   <a:extLst>
                     <a:ext uri="{9D8B030D-6E8A-4147-A177-3AD203B41FA5}">
-                      <a16:colId xmlns:a16="http://schemas.microsoft.com/office/drawing/2014/main" val="1205949033"/>
+                      <a16:colId xmlns:a16="http://schemas.microsoft.com/office/drawing/2014/main" xmlns="" val="1205949033"/>
                     </a:ext>
                   </a:extLst>
                 </a:gridCol>
                 <a:gridCol w="2448272">
                   <a:extLst>
                     <a:ext uri="{9D8B030D-6E8A-4147-A177-3AD203B41FA5}">
-                      <a16:colId xmlns:a16="http://schemas.microsoft.com/office/drawing/2014/main" val="3234676645"/>
+                      <a16:colId xmlns:a16="http://schemas.microsoft.com/office/drawing/2014/main" xmlns="" val="3234676645"/>
                     </a:ext>
                   </a:extLst>
                 </a:gridCol>
                 <a:gridCol w="3168351">
                   <a:extLst>
                     <a:ext uri="{9D8B030D-6E8A-4147-A177-3AD203B41FA5}">
-                      <a16:colId xmlns:a16="http://schemas.microsoft.com/office/drawing/2014/main" val="497167739"/>
+                      <a16:colId xmlns:a16="http://schemas.microsoft.com/office/drawing/2014/main" xmlns="" val="497167739"/>
                     </a:ext>
                   </a:extLst>
                 </a:gridCol>
@@ -8062,7 +8052,7 @@
                 </a:tc>
                 <a:extLst>
                   <a:ext uri="{0D108BD9-81ED-4DB2-BD59-A6C34878D82A}">
-                    <a16:rowId xmlns:a16="http://schemas.microsoft.com/office/drawing/2014/main" val="3709011960"/>
+                    <a16:rowId xmlns:a16="http://schemas.microsoft.com/office/drawing/2014/main" xmlns="" val="3709011960"/>
                   </a:ext>
                 </a:extLst>
               </a:tr>
@@ -8118,7 +8108,7 @@
                 </a:tc>
                 <a:extLst>
                   <a:ext uri="{0D108BD9-81ED-4DB2-BD59-A6C34878D82A}">
-                    <a16:rowId xmlns:a16="http://schemas.microsoft.com/office/drawing/2014/main" val="4214479577"/>
+                    <a16:rowId xmlns:a16="http://schemas.microsoft.com/office/drawing/2014/main" xmlns="" val="4214479577"/>
                   </a:ext>
                 </a:extLst>
               </a:tr>
@@ -8210,7 +8200,7 @@
                 </a:tc>
                 <a:extLst>
                   <a:ext uri="{0D108BD9-81ED-4DB2-BD59-A6C34878D82A}">
-                    <a16:rowId xmlns:a16="http://schemas.microsoft.com/office/drawing/2014/main" val="3266579009"/>
+                    <a16:rowId xmlns:a16="http://schemas.microsoft.com/office/drawing/2014/main" xmlns="" val="3266579009"/>
                   </a:ext>
                 </a:extLst>
               </a:tr>
@@ -8262,7 +8252,7 @@
                 </a:tc>
                 <a:extLst>
                   <a:ext uri="{0D108BD9-81ED-4DB2-BD59-A6C34878D82A}">
-                    <a16:rowId xmlns:a16="http://schemas.microsoft.com/office/drawing/2014/main" val="282706019"/>
+                    <a16:rowId xmlns:a16="http://schemas.microsoft.com/office/drawing/2014/main" xmlns="" val="282706019"/>
                   </a:ext>
                 </a:extLst>
               </a:tr>
@@ -8314,7 +8304,7 @@
                 </a:tc>
                 <a:extLst>
                   <a:ext uri="{0D108BD9-81ED-4DB2-BD59-A6C34878D82A}">
-                    <a16:rowId xmlns:a16="http://schemas.microsoft.com/office/drawing/2014/main" val="10004"/>
+                    <a16:rowId xmlns:a16="http://schemas.microsoft.com/office/drawing/2014/main" xmlns="" val="10004"/>
                   </a:ext>
                 </a:extLst>
               </a:tr>
@@ -8370,7 +8360,7 @@
                 </a:tc>
                 <a:extLst>
                   <a:ext uri="{0D108BD9-81ED-4DB2-BD59-A6C34878D82A}">
-                    <a16:rowId xmlns:a16="http://schemas.microsoft.com/office/drawing/2014/main" val="1081411160"/>
+                    <a16:rowId xmlns:a16="http://schemas.microsoft.com/office/drawing/2014/main" xmlns="" val="1081411160"/>
                   </a:ext>
                 </a:extLst>
               </a:tr>
@@ -8437,7 +8427,7 @@
                 </a:tc>
                 <a:extLst>
                   <a:ext uri="{0D108BD9-81ED-4DB2-BD59-A6C34878D82A}">
-                    <a16:rowId xmlns:a16="http://schemas.microsoft.com/office/drawing/2014/main" val="2210005012"/>
+                    <a16:rowId xmlns:a16="http://schemas.microsoft.com/office/drawing/2014/main" xmlns="" val="2210005012"/>
                   </a:ext>
                 </a:extLst>
               </a:tr>
@@ -8557,7 +8547,7 @@
                 </a:tc>
                 <a:extLst>
                   <a:ext uri="{0D108BD9-81ED-4DB2-BD59-A6C34878D82A}">
-                    <a16:rowId xmlns:a16="http://schemas.microsoft.com/office/drawing/2014/main" val="1840919378"/>
+                    <a16:rowId xmlns:a16="http://schemas.microsoft.com/office/drawing/2014/main" xmlns="" val="1840919378"/>
                   </a:ext>
                 </a:extLst>
               </a:tr>
@@ -8613,7 +8603,7 @@
                 </a:tc>
                 <a:extLst>
                   <a:ext uri="{0D108BD9-81ED-4DB2-BD59-A6C34878D82A}">
-                    <a16:rowId xmlns:a16="http://schemas.microsoft.com/office/drawing/2014/main" val="1275340913"/>
+                    <a16:rowId xmlns:a16="http://schemas.microsoft.com/office/drawing/2014/main" xmlns="" val="1275340913"/>
                   </a:ext>
                 </a:extLst>
               </a:tr>
@@ -8657,7 +8647,7 @@
   <p:timing>
     <p:tnLst>
       <p:par>
-        <p:cTn id="1" dur="indefinite" restart="never" nodeType="tmRoot"/>
+        <p:cTn xmlns:p14="http://schemas.microsoft.com/office/powerpoint/2010/main" id="1" dur="indefinite" restart="never" nodeType="tmRoot"/>
       </p:par>
     </p:tnLst>
   </p:timing>
@@ -8839,7 +8829,7 @@
   <p:timing>
     <p:tnLst>
       <p:par>
-        <p:cTn id="1" dur="indefinite" restart="never" nodeType="tmRoot"/>
+        <p:cTn xmlns:p14="http://schemas.microsoft.com/office/powerpoint/2010/main" id="1" dur="indefinite" restart="never" nodeType="tmRoot"/>
       </p:par>
     </p:tnLst>
   </p:timing>
@@ -9054,7 +9044,7 @@
   <p:timing>
     <p:tnLst>
       <p:par>
-        <p:cTn id="1" dur="indefinite" restart="never" nodeType="tmRoot"/>
+        <p:cTn xmlns:p14="http://schemas.microsoft.com/office/powerpoint/2010/main" id="1" dur="indefinite" restart="never" nodeType="tmRoot"/>
       </p:par>
     </p:tnLst>
   </p:timing>
@@ -9272,7 +9262,7 @@
           <a:ln/>
           <a:extLst>
             <a:ext uri="{91240B29-F687-4f45-9708-019B960494DF}">
-              <a14:hiddenLine xmlns:a14="http://schemas.microsoft.com/office/drawing/2010/main" xmlns="" w="9525" cap="flat" cmpd="sng" algn="ctr">
+              <a14:hiddenLine xmlns:a14="http://schemas.microsoft.com/office/drawing/2010/main" w="9525" cap="flat" cmpd="sng" algn="ctr">
                 <a:solidFill>
                   <a:schemeClr val="tx1"/>
                 </a:solidFill>
@@ -9283,7 +9273,7 @@
               </a14:hiddenLine>
             </a:ext>
             <a:ext uri="{AF507438-7753-43e0-B8FC-AC1667EBCBE1}">
-              <a14:hiddenEffects xmlns:a14="http://schemas.microsoft.com/office/drawing/2010/main" xmlns="">
+              <a14:hiddenEffects xmlns:a14="http://schemas.microsoft.com/office/drawing/2010/main">
                 <a:effectLst>
                   <a:outerShdw dist="35921" dir="2700000" algn="ctr" rotWithShape="0">
                     <a:schemeClr val="bg2"/>
@@ -9321,7 +9311,7 @@
   <p:timing>
     <p:tnLst>
       <p:par>
-        <p:cTn id="1" dur="indefinite" restart="never" nodeType="tmRoot"/>
+        <p:cTn xmlns:p14="http://schemas.microsoft.com/office/powerpoint/2010/main" id="1" dur="indefinite" restart="never" nodeType="tmRoot"/>
       </p:par>
     </p:tnLst>
   </p:timing>
@@ -9442,14 +9432,14 @@
           </a:ln>
           <a:extLst>
             <a:ext uri="{909E8E84-426E-40dd-AFC4-6F175D3DCCD1}">
-              <a14:hiddenFill xmlns:a14="http://schemas.microsoft.com/office/drawing/2010/main" xmlns="">
+              <a14:hiddenFill xmlns:a14="http://schemas.microsoft.com/office/drawing/2010/main">
                 <a:solidFill>
                   <a:srgbClr val="FFFFFF"/>
                 </a:solidFill>
               </a14:hiddenFill>
             </a:ext>
             <a:ext uri="{91240B29-F687-4f45-9708-019B960494DF}">
-              <a14:hiddenLine xmlns:a14="http://schemas.microsoft.com/office/drawing/2010/main" xmlns="" w="9525">
+              <a14:hiddenLine xmlns:a14="http://schemas.microsoft.com/office/drawing/2010/main" w="9525">
                 <a:solidFill>
                   <a:srgbClr val="000000"/>
                 </a:solidFill>
@@ -9459,7 +9449,7 @@
               </a14:hiddenLine>
             </a:ext>
             <a:ext uri="{FAA26D3D-D897-4be2-8F04-BA451C77F1D7}">
-              <ma14:placeholderFlag xmlns:ma14="http://schemas.microsoft.com/office/mac/drawingml/2011/main" xmlns="" val="1"/>
+              <ma14:placeholderFlag xmlns:ma14="http://schemas.microsoft.com/office/mac/drawingml/2011/main" val="1"/>
             </a:ext>
           </a:extLst>
         </p:spPr>
@@ -9723,7 +9713,7 @@
   <p:timing>
     <p:tnLst>
       <p:par>
-        <p:cTn id="1" dur="indefinite" restart="never" nodeType="tmRoot"/>
+        <p:cTn xmlns:p14="http://schemas.microsoft.com/office/powerpoint/2010/main" id="1" dur="indefinite" restart="never" nodeType="tmRoot"/>
       </p:par>
     </p:tnLst>
   </p:timing>
@@ -9974,7 +9964,7 @@
         <a:effectLst/>
         <a:extLst>
           <a:ext uri="{91240B29-F687-4f45-9708-019B960494DF}">
-            <a14:hiddenLine xmlns:a14="http://schemas.microsoft.com/office/drawing/2010/main" xmlns="" w="9525" cap="flat" cmpd="sng" algn="ctr">
+            <a14:hiddenLine xmlns:a14="http://schemas.microsoft.com/office/drawing/2010/main" w="9525" cap="flat" cmpd="sng" algn="ctr">
               <a:solidFill>
                 <a:schemeClr val="tx1"/>
               </a:solidFill>
@@ -9985,7 +9975,7 @@
             </a14:hiddenLine>
           </a:ext>
           <a:ext uri="{AF507438-7753-43e0-B8FC-AC1667EBCBE1}">
-            <a14:hiddenEffects xmlns:a14="http://schemas.microsoft.com/office/drawing/2010/main" xmlns="">
+            <a14:hiddenEffects xmlns:a14="http://schemas.microsoft.com/office/drawing/2010/main">
               <a:effectLst>
                 <a:outerShdw dist="35921" dir="2700000" algn="ctr" rotWithShape="0">
                   <a:schemeClr val="bg2"/>
@@ -10052,7 +10042,7 @@
         <a:effectLst/>
         <a:extLst>
           <a:ext uri="{91240B29-F687-4f45-9708-019B960494DF}">
-            <a14:hiddenLine xmlns:a14="http://schemas.microsoft.com/office/drawing/2010/main" xmlns="" w="9525" cap="flat" cmpd="sng" algn="ctr">
+            <a14:hiddenLine xmlns:a14="http://schemas.microsoft.com/office/drawing/2010/main" w="9525" cap="flat" cmpd="sng" algn="ctr">
               <a:solidFill>
                 <a:schemeClr val="tx1"/>
               </a:solidFill>
@@ -10063,7 +10053,7 @@
             </a14:hiddenLine>
           </a:ext>
           <a:ext uri="{AF507438-7753-43e0-B8FC-AC1667EBCBE1}">
-            <a14:hiddenEffects xmlns:a14="http://schemas.microsoft.com/office/drawing/2010/main" xmlns="">
+            <a14:hiddenEffects xmlns:a14="http://schemas.microsoft.com/office/drawing/2010/main">
               <a:effectLst>
                 <a:outerShdw dist="35921" dir="2700000" algn="ctr" rotWithShape="0">
                   <a:schemeClr val="bg2"/>

--- a/Presentation/Lab Project Presentation.pptx
+++ b/Presentation/Lab Project Presentation.pptx
@@ -128,7 +128,7 @@
   </p:defaultTextStyle>
   <p:extLst>
     <p:ext uri="{EFAFB233-063F-42B5-8137-9DF3F51BA10A}">
-      <p15:sldGuideLst xmlns:p15="http://schemas.microsoft.com/office/powerpoint/2012/main" xmlns="">
+      <p15:sldGuideLst xmlns:p15="http://schemas.microsoft.com/office/powerpoint/2012/main">
         <p15:guide id="1" orient="horz" pos="2160">
           <p15:clr>
             <a:srgbClr val="A4A3A4"/>
@@ -247,7 +247,7 @@
           <a:p>
             <a:fld id="{3FA6FDA4-907F-C840-8573-33F4849B33D4}" type="datetimeFigureOut">
               <a:rPr lang="en-US" smtClean="0"/>
-              <a:t>18/09/11</a:t>
+              <a:t>9/12/2018</a:t>
             </a:fld>
             <a:endParaRPr lang="en-US"/>
           </a:p>
@@ -413,7 +413,7 @@
           <a:p>
             <a:fld id="{290492DD-1613-8B48-9182-1ECEE9190ABB}" type="datetimeFigureOut">
               <a:rPr lang="en-US" smtClean="0"/>
-              <a:t>18/09/11</a:t>
+              <a:t>9/12/2018</a:t>
             </a:fld>
             <a:endParaRPr lang="en-US"/>
           </a:p>
@@ -2940,7 +2940,7 @@
           </a:ln>
           <a:extLst>
             <a:ext uri="{909E8E84-426E-40dd-AFC4-6F175D3DCCD1}">
-              <a14:hiddenFill xmlns:a14="http://schemas.microsoft.com/office/drawing/2010/main">
+              <a14:hiddenFill xmlns:a14="http://schemas.microsoft.com/office/drawing/2010/main" xmlns="">
                 <a:noFill/>
               </a14:hiddenFill>
             </a:ext>
@@ -2978,14 +2978,14 @@
           </a:ln>
           <a:extLst>
             <a:ext uri="{909E8E84-426E-40dd-AFC4-6F175D3DCCD1}">
-              <a14:hiddenFill xmlns:a14="http://schemas.microsoft.com/office/drawing/2010/main">
+              <a14:hiddenFill xmlns:a14="http://schemas.microsoft.com/office/drawing/2010/main" xmlns="">
                 <a:solidFill>
                   <a:srgbClr val="FFFFFF"/>
                 </a:solidFill>
               </a14:hiddenFill>
             </a:ext>
             <a:ext uri="{91240B29-F687-4f45-9708-019B960494DF}">
-              <a14:hiddenLine xmlns:a14="http://schemas.microsoft.com/office/drawing/2010/main" w="9525">
+              <a14:hiddenLine xmlns:a14="http://schemas.microsoft.com/office/drawing/2010/main" xmlns="" w="9525">
                 <a:solidFill>
                   <a:srgbClr val="000000"/>
                 </a:solidFill>
@@ -2995,7 +2995,7 @@
               </a14:hiddenLine>
             </a:ext>
             <a:ext uri="{FAA26D3D-D897-4be2-8F04-BA451C77F1D7}">
-              <ma14:placeholderFlag xmlns:ma14="http://schemas.microsoft.com/office/mac/drawingml/2011/main" val="1"/>
+              <ma14:placeholderFlag xmlns:ma14="http://schemas.microsoft.com/office/mac/drawingml/2011/main" xmlns="" val="1"/>
             </a:ext>
           </a:extLst>
         </p:spPr>
@@ -3043,7 +3043,7 @@
           </a:ln>
           <a:extLst>
             <a:ext uri="{909E8E84-426E-40dd-AFC4-6F175D3DCCD1}">
-              <a14:hiddenFill xmlns:a14="http://schemas.microsoft.com/office/drawing/2010/main">
+              <a14:hiddenFill xmlns:a14="http://schemas.microsoft.com/office/drawing/2010/main" xmlns="">
                 <a:noFill/>
               </a14:hiddenFill>
             </a:ext>
@@ -3079,14 +3079,14 @@
           </a:ln>
           <a:extLst>
             <a:ext uri="{909E8E84-426E-40dd-AFC4-6F175D3DCCD1}">
-              <a14:hiddenFill xmlns:a14="http://schemas.microsoft.com/office/drawing/2010/main">
+              <a14:hiddenFill xmlns:a14="http://schemas.microsoft.com/office/drawing/2010/main" xmlns="">
                 <a:solidFill>
                   <a:srgbClr val="FFFFFF"/>
                 </a:solidFill>
               </a14:hiddenFill>
             </a:ext>
             <a:ext uri="{91240B29-F687-4f45-9708-019B960494DF}">
-              <a14:hiddenLine xmlns:a14="http://schemas.microsoft.com/office/drawing/2010/main" w="9525">
+              <a14:hiddenLine xmlns:a14="http://schemas.microsoft.com/office/drawing/2010/main" xmlns="" w="9525">
                 <a:solidFill>
                   <a:srgbClr val="000000"/>
                 </a:solidFill>
@@ -3243,14 +3243,14 @@
           </a:ln>
           <a:extLst>
             <a:ext uri="{909E8E84-426E-40dd-AFC4-6F175D3DCCD1}">
-              <a14:hiddenFill xmlns:a14="http://schemas.microsoft.com/office/drawing/2010/main">
+              <a14:hiddenFill xmlns:a14="http://schemas.microsoft.com/office/drawing/2010/main" xmlns="">
                 <a:solidFill>
                   <a:srgbClr val="FFFFFF"/>
                 </a:solidFill>
               </a14:hiddenFill>
             </a:ext>
             <a:ext uri="{91240B29-F687-4f45-9708-019B960494DF}">
-              <a14:hiddenLine xmlns:a14="http://schemas.microsoft.com/office/drawing/2010/main" w="9525">
+              <a14:hiddenLine xmlns:a14="http://schemas.microsoft.com/office/drawing/2010/main" xmlns="" w="9525">
                 <a:solidFill>
                   <a:srgbClr val="000000"/>
                 </a:solidFill>
@@ -3260,7 +3260,7 @@
               </a14:hiddenLine>
             </a:ext>
             <a:ext uri="{FAA26D3D-D897-4be2-8F04-BA451C77F1D7}">
-              <ma14:placeholderFlag xmlns:ma14="http://schemas.microsoft.com/office/mac/drawingml/2011/main" val="1"/>
+              <ma14:placeholderFlag xmlns:ma14="http://schemas.microsoft.com/office/mac/drawingml/2011/main" xmlns="" val="1"/>
             </a:ext>
           </a:extLst>
         </p:spPr>
@@ -3912,14 +3912,14 @@
           </a:ln>
           <a:extLst>
             <a:ext uri="{909E8E84-426E-40dd-AFC4-6F175D3DCCD1}">
-              <a14:hiddenFill xmlns:a14="http://schemas.microsoft.com/office/drawing/2010/main">
+              <a14:hiddenFill xmlns:a14="http://schemas.microsoft.com/office/drawing/2010/main" xmlns="">
                 <a:solidFill>
                   <a:srgbClr val="FFFFFF"/>
                 </a:solidFill>
               </a14:hiddenFill>
             </a:ext>
             <a:ext uri="{91240B29-F687-4f45-9708-019B960494DF}">
-              <a14:hiddenLine xmlns:a14="http://schemas.microsoft.com/office/drawing/2010/main" w="9525">
+              <a14:hiddenLine xmlns:a14="http://schemas.microsoft.com/office/drawing/2010/main" xmlns="" w="9525">
                 <a:solidFill>
                   <a:srgbClr val="000000"/>
                 </a:solidFill>
@@ -4056,7 +4056,7 @@
   <p:timing>
     <p:tnLst>
       <p:par>
-        <p:cTn xmlns:p14="http://schemas.microsoft.com/office/powerpoint/2010/main" id="1" dur="indefinite" restart="never" nodeType="tmRoot"/>
+        <p:cTn id="1" dur="indefinite" restart="never" nodeType="tmRoot"/>
       </p:par>
     </p:tnLst>
   </p:timing>
@@ -4275,8 +4275,8 @@
           </a:p>
         </p:txBody>
       </p:sp>
-      <mc:AlternateContent xmlns:mc="http://schemas.openxmlformats.org/markup-compatibility/2006" xmlns:a14="http://schemas.microsoft.com/office/drawing/2010/main">
-        <mc:Choice Requires="a14">
+      <mc:AlternateContent xmlns:mc="http://schemas.openxmlformats.org/markup-compatibility/2006">
+        <mc:Choice xmlns:a14="http://schemas.microsoft.com/office/drawing/2010/main" Requires="a14">
           <p:sp>
             <p:nvSpPr>
               <p:cNvPr id="11" name="Content Placeholder 2"/>
@@ -4288,7 +4288,7 @@
             <p:spPr bwMode="auto">
               <a:xfrm>
                 <a:off x="138713" y="1748267"/>
-                <a:ext cx="3878183" cy="4673319"/>
+                <a:ext cx="4094207" cy="4673319"/>
               </a:xfrm>
               <a:prstGeom prst="rect">
                 <a:avLst/>
@@ -4299,14 +4299,14 @@
               </a:ln>
               <a:extLst>
                 <a:ext uri="{909E8E84-426E-40dd-AFC4-6F175D3DCCD1}">
-                  <a14:hiddenFill>
+                  <a14:hiddenFill xmlns="">
                     <a:solidFill>
                       <a:srgbClr val="FFFFFF"/>
                     </a:solidFill>
                   </a14:hiddenFill>
                 </a:ext>
                 <a:ext uri="{91240B29-F687-4f45-9708-019B960494DF}">
-                  <a14:hiddenLine w="9525">
+                  <a14:hiddenLine xmlns="" w="9525">
                     <a:solidFill>
                       <a:srgbClr val="000000"/>
                     </a:solidFill>
@@ -4316,7 +4316,7 @@
                   </a14:hiddenLine>
                 </a:ext>
                 <a:ext uri="{FAA26D3D-D897-4be2-8F04-BA451C77F1D7}">
-                  <ma14:placeholderFlag xmlns:ma14="http://schemas.microsoft.com/office/mac/drawingml/2011/main" val="1"/>
+                  <ma14:placeholderFlag xmlns:ma14="http://schemas.microsoft.com/office/mac/drawingml/2011/main" xmlns="" val="1"/>
                 </a:ext>
               </a:extLst>
             </p:spPr>
@@ -4557,7 +4557,7 @@
               <a:p>
                 <a:pPr lvl="1"/>
                 <a14:m>
-                  <m:oMath xmlns:m="http://schemas.openxmlformats.org/officeDocument/2006/math" xmlns="">
+                  <m:oMath xmlns:m="http://schemas.openxmlformats.org/officeDocument/2006/math">
                     <m:r>
                       <a:rPr lang="en-ZA" b="1" i="1" kern="0" smtClean="0">
                         <a:latin typeface="Cambria Math" panose="02040503050406030204" pitchFamily="18" charset="0"/>
@@ -4624,7 +4624,7 @@
               <a:p>
                 <a:pPr lvl="1"/>
                 <a14:m>
-                  <m:oMath xmlns:m="http://schemas.openxmlformats.org/officeDocument/2006/math" xmlns="">
+                  <m:oMath xmlns:m="http://schemas.openxmlformats.org/officeDocument/2006/math">
                     <m:r>
                       <a:rPr lang="en-ZA" b="1" i="1" kern="0" smtClean="0">
                         <a:latin typeface="Cambria Math" panose="02040503050406030204" pitchFamily="18" charset="0"/>
@@ -4641,7 +4641,7 @@
               <a:p>
                 <a:pPr lvl="1"/>
                 <a14:m>
-                  <m:oMath xmlns:m="http://schemas.openxmlformats.org/officeDocument/2006/math" xmlns="">
+                  <m:oMath xmlns:m="http://schemas.openxmlformats.org/officeDocument/2006/math">
                     <m:sSub>
                       <m:sSubPr>
                         <m:ctrlPr>
@@ -4674,13 +4674,18 @@
                 </a14:m>
                 <a:r>
                   <a:rPr lang="en-ZA" kern="0" dirty="0" smtClean="0"/>
-                  <a:t>= wavelength of maximum frequency</a:t>
+                  <a:t>= wavelength of maximum </a:t>
                 </a:r>
+                <a:r>
+                  <a:rPr lang="en-ZA" kern="0" dirty="0" smtClean="0"/>
+                  <a:t>frequency (3.4 kHz)</a:t>
+                </a:r>
+                <a:endParaRPr lang="en-ZA" kern="0" dirty="0" smtClean="0"/>
               </a:p>
             </p:txBody>
           </p:sp>
         </mc:Choice>
-        <mc:Fallback xmlns="">
+        <mc:Fallback>
           <p:sp>
             <p:nvSpPr>
               <p:cNvPr id="11" name="Content Placeholder 2"/>
@@ -4692,15 +4697,15 @@
             <p:spPr bwMode="auto">
               <a:xfrm>
                 <a:off x="138713" y="1748267"/>
-                <a:ext cx="3878183" cy="4673319"/>
+                <a:ext cx="4094207" cy="4673319"/>
               </a:xfrm>
               <a:prstGeom prst="rect">
                 <a:avLst/>
               </a:prstGeom>
-              <a:blipFill rotWithShape="1">
+              <a:blipFill>
                 <a:blip r:embed="rId4"/>
                 <a:stretch>
-                  <a:fillRect/>
+                  <a:fillRect t="-914" r="-4024"/>
                 </a:stretch>
               </a:blipFill>
               <a:ln>
@@ -4708,14 +4713,14 @@
               </a:ln>
               <a:extLst>
                 <a:ext uri="{909E8E84-426E-40dd-AFC4-6F175D3DCCD1}">
-                  <a14:hiddenFill xmlns:a14="http://schemas.microsoft.com/office/drawing/2010/main">
+                  <a14:hiddenFill xmlns:a14="http://schemas.microsoft.com/office/drawing/2010/main" xmlns="">
                     <a:solidFill>
                       <a:srgbClr val="FFFFFF"/>
                     </a:solidFill>
                   </a14:hiddenFill>
                 </a:ext>
                 <a:ext uri="{91240B29-F687-4f45-9708-019B960494DF}">
-                  <a14:hiddenLine xmlns:a14="http://schemas.microsoft.com/office/drawing/2010/main" w="9525">
+                  <a14:hiddenLine xmlns:a14="http://schemas.microsoft.com/office/drawing/2010/main" xmlns="" w="9525">
                     <a:solidFill>
                       <a:srgbClr val="000000"/>
                     </a:solidFill>
@@ -4725,7 +4730,7 @@
                   </a14:hiddenLine>
                 </a:ext>
                 <a:ext uri="{FAA26D3D-D897-4be2-8F04-BA451C77F1D7}">
-                  <ma14:placeholderFlag xmlns:ma14="http://schemas.microsoft.com/office/mac/drawingml/2011/main" val="1"/>
+                  <ma14:placeholderFlag xmlns:ma14="http://schemas.microsoft.com/office/mac/drawingml/2011/main" xmlns:a14="http://schemas.microsoft.com/office/drawing/2010/main" xmlns="" val="1"/>
                 </a:ext>
               </a:extLst>
             </p:spPr>
@@ -4734,7 +4739,7 @@
               <a:lstStyle/>
               <a:p>
                 <a:r>
-                  <a:rPr lang="en-US">
+                  <a:rPr lang="en-ZA">
                     <a:noFill/>
                   </a:rPr>
                   <a:t> </a:t>
@@ -4757,7 +4762,7 @@
   <p:timing>
     <p:tnLst>
       <p:par>
-        <p:cTn xmlns:p14="http://schemas.microsoft.com/office/powerpoint/2010/main" id="1" dur="indefinite" restart="never" nodeType="tmRoot"/>
+        <p:cTn id="1" dur="indefinite" restart="never" nodeType="tmRoot"/>
       </p:par>
     </p:tnLst>
   </p:timing>
@@ -4878,14 +4883,14 @@
           </a:ln>
           <a:extLst>
             <a:ext uri="{909E8E84-426E-40dd-AFC4-6F175D3DCCD1}">
-              <a14:hiddenFill xmlns:a14="http://schemas.microsoft.com/office/drawing/2010/main">
+              <a14:hiddenFill xmlns:a14="http://schemas.microsoft.com/office/drawing/2010/main" xmlns="">
                 <a:solidFill>
                   <a:srgbClr val="FFFFFF"/>
                 </a:solidFill>
               </a14:hiddenFill>
             </a:ext>
             <a:ext uri="{91240B29-F687-4f45-9708-019B960494DF}">
-              <a14:hiddenLine xmlns:a14="http://schemas.microsoft.com/office/drawing/2010/main" w="9525">
+              <a14:hiddenLine xmlns:a14="http://schemas.microsoft.com/office/drawing/2010/main" xmlns="" w="9525">
                 <a:solidFill>
                   <a:srgbClr val="000000"/>
                 </a:solidFill>
@@ -4895,7 +4900,7 @@
               </a14:hiddenLine>
             </a:ext>
             <a:ext uri="{FAA26D3D-D897-4be2-8F04-BA451C77F1D7}">
-              <ma14:placeholderFlag xmlns:ma14="http://schemas.microsoft.com/office/mac/drawingml/2011/main" val="1"/>
+              <ma14:placeholderFlag xmlns:ma14="http://schemas.microsoft.com/office/mac/drawingml/2011/main" xmlns="" val="1"/>
             </a:ext>
           </a:extLst>
         </p:spPr>
@@ -5136,13 +5141,8 @@
           <a:p>
             <a:r>
               <a:rPr lang="en-ZA" kern="0" dirty="0" smtClean="0"/>
-              <a:t>Error caused by                                                  interaction of                                                                 stop-</a:t>
-            </a:r>
-            <a:r>
-              <a:rPr lang="en-ZA" kern="0" dirty="0" smtClean="0"/>
-              <a:t>bands</a:t>
-            </a:r>
-            <a:endParaRPr lang="en-ZA" kern="0" dirty="0" smtClean="0"/>
+              <a:t>Error caused by                                                  interaction of                                                                 stop-bands</a:t>
+            </a:r>
           </a:p>
           <a:p>
             <a:endParaRPr lang="en-ZA" kern="0" dirty="0" smtClean="0"/>
@@ -5162,7 +5162,7 @@
   <p:timing>
     <p:tnLst>
       <p:par>
-        <p:cTn xmlns:p14="http://schemas.microsoft.com/office/powerpoint/2010/main" id="1" dur="indefinite" restart="never" nodeType="tmRoot"/>
+        <p:cTn id="1" dur="indefinite" restart="never" nodeType="tmRoot"/>
       </p:par>
     </p:tnLst>
   </p:timing>
@@ -5385,14 +5385,14 @@
           </a:ln>
           <a:extLst>
             <a:ext uri="{909E8E84-426E-40dd-AFC4-6F175D3DCCD1}">
-              <a14:hiddenFill xmlns:a14="http://schemas.microsoft.com/office/drawing/2010/main">
+              <a14:hiddenFill xmlns:a14="http://schemas.microsoft.com/office/drawing/2010/main" xmlns="">
                 <a:solidFill>
                   <a:srgbClr val="FFFFFF"/>
                 </a:solidFill>
               </a14:hiddenFill>
             </a:ext>
             <a:ext uri="{91240B29-F687-4f45-9708-019B960494DF}">
-              <a14:hiddenLine xmlns:a14="http://schemas.microsoft.com/office/drawing/2010/main" w="9525">
+              <a14:hiddenLine xmlns:a14="http://schemas.microsoft.com/office/drawing/2010/main" xmlns="" w="9525">
                 <a:solidFill>
                   <a:srgbClr val="000000"/>
                 </a:solidFill>
@@ -5402,7 +5402,7 @@
               </a14:hiddenLine>
             </a:ext>
             <a:ext uri="{FAA26D3D-D897-4be2-8F04-BA451C77F1D7}">
-              <ma14:placeholderFlag xmlns:ma14="http://schemas.microsoft.com/office/mac/drawingml/2011/main" val="1"/>
+              <ma14:placeholderFlag xmlns:ma14="http://schemas.microsoft.com/office/mac/drawingml/2011/main" xmlns="" val="1"/>
             </a:ext>
           </a:extLst>
         </p:spPr>
@@ -5645,24 +5645,15 @@
           <a:p>
             <a:r>
               <a:rPr lang="en-ZA" kern="0" dirty="0" smtClean="0"/>
-              <a:t>Increased </a:t>
-            </a:r>
+              <a:t>Increased error in other directions</a:t>
+            </a:r>
+          </a:p>
+          <a:p>
+            <a:pPr lvl="1"/>
             <a:r>
               <a:rPr lang="en-ZA" kern="0" dirty="0" smtClean="0"/>
-              <a:t>error in other directions</a:t>
-            </a:r>
-          </a:p>
-          <a:p>
-            <a:pPr lvl="1"/>
-            <a:r>
-              <a:rPr lang="en-ZA" kern="0" dirty="0" smtClean="0"/>
-              <a:t>Integer number       of sample </a:t>
-            </a:r>
-            <a:r>
-              <a:rPr lang="en-ZA" kern="0" dirty="0" smtClean="0"/>
-              <a:t>shifts</a:t>
-            </a:r>
-            <a:endParaRPr lang="en-ZA" kern="0" dirty="0" smtClean="0"/>
+              <a:t>Integer number       of sample shifts</a:t>
+            </a:r>
           </a:p>
         </p:txBody>
       </p:sp>
@@ -5679,7 +5670,7 @@
   <p:timing>
     <p:tnLst>
       <p:par>
-        <p:cTn xmlns:p14="http://schemas.microsoft.com/office/powerpoint/2010/main" id="1" dur="indefinite" restart="never" nodeType="tmRoot"/>
+        <p:cTn id="1" dur="indefinite" restart="never" nodeType="tmRoot"/>
       </p:par>
     </p:tnLst>
   </p:timing>
@@ -5755,28 +5746,28 @@
                 <a:gridCol w="2054210">
                   <a:extLst>
                     <a:ext uri="{9D8B030D-6E8A-4147-A177-3AD203B41FA5}">
-                      <a16:colId xmlns:a16="http://schemas.microsoft.com/office/drawing/2014/main" xmlns="" val="20000"/>
+                      <a16:colId xmlns:a16="http://schemas.microsoft.com/office/drawing/2014/main" val="20000"/>
                     </a:ext>
                   </a:extLst>
                 </a:gridCol>
                 <a:gridCol w="1917260">
                   <a:extLst>
                     <a:ext uri="{9D8B030D-6E8A-4147-A177-3AD203B41FA5}">
-                      <a16:colId xmlns:a16="http://schemas.microsoft.com/office/drawing/2014/main" xmlns="" val="1220490089"/>
+                      <a16:colId xmlns:a16="http://schemas.microsoft.com/office/drawing/2014/main" val="1220490089"/>
                     </a:ext>
                   </a:extLst>
                 </a:gridCol>
                 <a:gridCol w="1506419">
                   <a:extLst>
                     <a:ext uri="{9D8B030D-6E8A-4147-A177-3AD203B41FA5}">
-                      <a16:colId xmlns:a16="http://schemas.microsoft.com/office/drawing/2014/main" xmlns="" val="67218977"/>
+                      <a16:colId xmlns:a16="http://schemas.microsoft.com/office/drawing/2014/main" val="67218977"/>
                     </a:ext>
                   </a:extLst>
                 </a:gridCol>
                 <a:gridCol w="1291054">
                   <a:extLst>
                     <a:ext uri="{9D8B030D-6E8A-4147-A177-3AD203B41FA5}">
-                      <a16:colId xmlns:a16="http://schemas.microsoft.com/office/drawing/2014/main" xmlns="" val="3056518911"/>
+                      <a16:colId xmlns:a16="http://schemas.microsoft.com/office/drawing/2014/main" val="3056518911"/>
                     </a:ext>
                   </a:extLst>
                 </a:gridCol>
@@ -5885,7 +5876,7 @@
                 </a:tc>
                 <a:extLst>
                   <a:ext uri="{0D108BD9-81ED-4DB2-BD59-A6C34878D82A}">
-                    <a16:rowId xmlns:a16="http://schemas.microsoft.com/office/drawing/2014/main" xmlns="" val="3871997748"/>
+                    <a16:rowId xmlns:a16="http://schemas.microsoft.com/office/drawing/2014/main" val="3871997748"/>
                   </a:ext>
                 </a:extLst>
               </a:tr>
@@ -5958,7 +5949,7 @@
                 </a:tc>
                 <a:extLst>
                   <a:ext uri="{0D108BD9-81ED-4DB2-BD59-A6C34878D82A}">
-                    <a16:rowId xmlns:a16="http://schemas.microsoft.com/office/drawing/2014/main" xmlns="" val="373921578"/>
+                    <a16:rowId xmlns:a16="http://schemas.microsoft.com/office/drawing/2014/main" val="373921578"/>
                   </a:ext>
                 </a:extLst>
               </a:tr>
@@ -6046,7 +6037,7 @@
                 </a:tc>
                 <a:extLst>
                   <a:ext uri="{0D108BD9-81ED-4DB2-BD59-A6C34878D82A}">
-                    <a16:rowId xmlns:a16="http://schemas.microsoft.com/office/drawing/2014/main" xmlns="" val="3868297120"/>
+                    <a16:rowId xmlns:a16="http://schemas.microsoft.com/office/drawing/2014/main" val="3868297120"/>
                   </a:ext>
                 </a:extLst>
               </a:tr>
@@ -6119,7 +6110,7 @@
                 </a:tc>
                 <a:extLst>
                   <a:ext uri="{0D108BD9-81ED-4DB2-BD59-A6C34878D82A}">
-                    <a16:rowId xmlns:a16="http://schemas.microsoft.com/office/drawing/2014/main" xmlns="" val="3602717608"/>
+                    <a16:rowId xmlns:a16="http://schemas.microsoft.com/office/drawing/2014/main" val="3602717608"/>
                   </a:ext>
                 </a:extLst>
               </a:tr>
@@ -6207,7 +6198,7 @@
                 </a:tc>
                 <a:extLst>
                   <a:ext uri="{0D108BD9-81ED-4DB2-BD59-A6C34878D82A}">
-                    <a16:rowId xmlns:a16="http://schemas.microsoft.com/office/drawing/2014/main" xmlns="" val="684964139"/>
+                    <a16:rowId xmlns:a16="http://schemas.microsoft.com/office/drawing/2014/main" val="684964139"/>
                   </a:ext>
                 </a:extLst>
               </a:tr>
@@ -6266,21 +6257,21 @@
                 <a:gridCol w="2054150">
                   <a:extLst>
                     <a:ext uri="{9D8B030D-6E8A-4147-A177-3AD203B41FA5}">
-                      <a16:colId xmlns:a16="http://schemas.microsoft.com/office/drawing/2014/main" xmlns="" val="20000"/>
+                      <a16:colId xmlns:a16="http://schemas.microsoft.com/office/drawing/2014/main" val="20000"/>
                     </a:ext>
                   </a:extLst>
                 </a:gridCol>
                 <a:gridCol w="3423583">
                   <a:extLst>
                     <a:ext uri="{9D8B030D-6E8A-4147-A177-3AD203B41FA5}">
-                      <a16:colId xmlns:a16="http://schemas.microsoft.com/office/drawing/2014/main" xmlns="" val="3160404703"/>
+                      <a16:colId xmlns:a16="http://schemas.microsoft.com/office/drawing/2014/main" val="3160404703"/>
                     </a:ext>
                   </a:extLst>
                 </a:gridCol>
                 <a:gridCol w="1291019">
                   <a:extLst>
                     <a:ext uri="{9D8B030D-6E8A-4147-A177-3AD203B41FA5}">
-                      <a16:colId xmlns:a16="http://schemas.microsoft.com/office/drawing/2014/main" xmlns="" val="2004772524"/>
+                      <a16:colId xmlns:a16="http://schemas.microsoft.com/office/drawing/2014/main" val="2004772524"/>
                     </a:ext>
                   </a:extLst>
                 </a:gridCol>
@@ -6408,7 +6399,7 @@
                 </a:tc>
                 <a:extLst>
                   <a:ext uri="{0D108BD9-81ED-4DB2-BD59-A6C34878D82A}">
-                    <a16:rowId xmlns:a16="http://schemas.microsoft.com/office/drawing/2014/main" xmlns="" val="3857195092"/>
+                    <a16:rowId xmlns:a16="http://schemas.microsoft.com/office/drawing/2014/main" val="3857195092"/>
                   </a:ext>
                 </a:extLst>
               </a:tr>
@@ -6466,7 +6457,7 @@
                 </a:tc>
                 <a:extLst>
                   <a:ext uri="{0D108BD9-81ED-4DB2-BD59-A6C34878D82A}">
-                    <a16:rowId xmlns:a16="http://schemas.microsoft.com/office/drawing/2014/main" xmlns="" val="1176978316"/>
+                    <a16:rowId xmlns:a16="http://schemas.microsoft.com/office/drawing/2014/main" val="1176978316"/>
                   </a:ext>
                 </a:extLst>
               </a:tr>
@@ -6524,7 +6515,7 @@
                 </a:tc>
                 <a:extLst>
                   <a:ext uri="{0D108BD9-81ED-4DB2-BD59-A6C34878D82A}">
-                    <a16:rowId xmlns:a16="http://schemas.microsoft.com/office/drawing/2014/main" xmlns="" val="1271360358"/>
+                    <a16:rowId xmlns:a16="http://schemas.microsoft.com/office/drawing/2014/main" val="1271360358"/>
                   </a:ext>
                 </a:extLst>
               </a:tr>
@@ -6582,7 +6573,7 @@
                 </a:tc>
                 <a:extLst>
                   <a:ext uri="{0D108BD9-81ED-4DB2-BD59-A6C34878D82A}">
-                    <a16:rowId xmlns:a16="http://schemas.microsoft.com/office/drawing/2014/main" xmlns="" val="2734475198"/>
+                    <a16:rowId xmlns:a16="http://schemas.microsoft.com/office/drawing/2014/main" val="2734475198"/>
                   </a:ext>
                 </a:extLst>
               </a:tr>
@@ -6640,7 +6631,7 @@
                 </a:tc>
                 <a:extLst>
                   <a:ext uri="{0D108BD9-81ED-4DB2-BD59-A6C34878D82A}">
-                    <a16:rowId xmlns:a16="http://schemas.microsoft.com/office/drawing/2014/main" xmlns="" val="1320419717"/>
+                    <a16:rowId xmlns:a16="http://schemas.microsoft.com/office/drawing/2014/main" val="1320419717"/>
                   </a:ext>
                 </a:extLst>
               </a:tr>
@@ -6698,7 +6689,7 @@
                 </a:tc>
                 <a:extLst>
                   <a:ext uri="{0D108BD9-81ED-4DB2-BD59-A6C34878D82A}">
-                    <a16:rowId xmlns:a16="http://schemas.microsoft.com/office/drawing/2014/main" xmlns="" val="2814437447"/>
+                    <a16:rowId xmlns:a16="http://schemas.microsoft.com/office/drawing/2014/main" val="2814437447"/>
                   </a:ext>
                 </a:extLst>
               </a:tr>
@@ -6756,7 +6747,7 @@
                 </a:tc>
                 <a:extLst>
                   <a:ext uri="{0D108BD9-81ED-4DB2-BD59-A6C34878D82A}">
-                    <a16:rowId xmlns:a16="http://schemas.microsoft.com/office/drawing/2014/main" xmlns="" val="3814854473"/>
+                    <a16:rowId xmlns:a16="http://schemas.microsoft.com/office/drawing/2014/main" val="3814854473"/>
                   </a:ext>
                 </a:extLst>
               </a:tr>
@@ -6777,7 +6768,7 @@
   <p:timing>
     <p:tnLst>
       <p:par>
-        <p:cTn xmlns:p14="http://schemas.microsoft.com/office/powerpoint/2010/main" id="1" dur="indefinite" restart="never" nodeType="tmRoot"/>
+        <p:cTn id="1" dur="indefinite" restart="never" nodeType="tmRoot"/>
       </p:par>
     </p:tnLst>
   </p:timing>
@@ -6973,7 +6964,7 @@
   <p:timing>
     <p:tnLst>
       <p:par>
-        <p:cTn xmlns:p14="http://schemas.microsoft.com/office/powerpoint/2010/main" id="1" dur="indefinite" restart="never" nodeType="tmRoot"/>
+        <p:cTn id="1" dur="indefinite" restart="never" nodeType="tmRoot"/>
       </p:par>
     </p:tnLst>
   </p:timing>
@@ -7125,7 +7116,7 @@
   <p:timing>
     <p:tnLst>
       <p:par>
-        <p:cTn xmlns:p14="http://schemas.microsoft.com/office/powerpoint/2010/main" id="1" dur="indefinite" restart="never" nodeType="tmRoot"/>
+        <p:cTn id="1" dur="indefinite" restart="never" nodeType="tmRoot"/>
       </p:par>
     </p:tnLst>
   </p:timing>
@@ -7339,7 +7330,7 @@
   <p:timing>
     <p:tnLst>
       <p:par>
-        <p:cTn xmlns:p14="http://schemas.microsoft.com/office/powerpoint/2010/main" id="1" dur="indefinite" restart="never" nodeType="tmRoot"/>
+        <p:cTn id="1" dur="indefinite" restart="never" nodeType="tmRoot"/>
       </p:par>
     </p:tnLst>
   </p:timing>
@@ -7444,7 +7435,7 @@
   <p:timing>
     <p:tnLst>
       <p:par>
-        <p:cTn xmlns:p14="http://schemas.microsoft.com/office/powerpoint/2010/main" id="1" dur="indefinite" restart="never" nodeType="tmRoot"/>
+        <p:cTn id="1" dur="indefinite" restart="never" nodeType="tmRoot"/>
       </p:par>
     </p:tnLst>
   </p:timing>
@@ -7609,7 +7600,7 @@
   <p:timing>
     <p:tnLst>
       <p:par>
-        <p:cTn xmlns:p14="http://schemas.microsoft.com/office/powerpoint/2010/main" id="1" dur="indefinite" restart="never" nodeType="tmRoot"/>
+        <p:cTn id="1" dur="indefinite" restart="never" nodeType="tmRoot"/>
       </p:par>
     </p:tnLst>
   </p:timing>
@@ -7796,7 +7787,7 @@
   <p:timing>
     <p:tnLst>
       <p:par>
-        <p:cTn xmlns:p14="http://schemas.microsoft.com/office/powerpoint/2010/main" id="1" dur="indefinite" restart="never" nodeType="tmRoot"/>
+        <p:cTn id="1" dur="indefinite" restart="never" nodeType="tmRoot"/>
       </p:par>
     </p:tnLst>
   </p:timing>
@@ -7909,7 +7900,7 @@
   <p:timing>
     <p:tnLst>
       <p:par>
-        <p:cTn xmlns:p14="http://schemas.microsoft.com/office/powerpoint/2010/main" id="1" dur="indefinite" restart="never" nodeType="tmRoot"/>
+        <p:cTn id="1" dur="indefinite" restart="never" nodeType="tmRoot"/>
       </p:par>
     </p:tnLst>
   </p:timing>
@@ -7985,21 +7976,21 @@
                 <a:gridCol w="2880319">
                   <a:extLst>
                     <a:ext uri="{9D8B030D-6E8A-4147-A177-3AD203B41FA5}">
-                      <a16:colId xmlns:a16="http://schemas.microsoft.com/office/drawing/2014/main" xmlns="" val="1205949033"/>
+                      <a16:colId xmlns:a16="http://schemas.microsoft.com/office/drawing/2014/main" val="1205949033"/>
                     </a:ext>
                   </a:extLst>
                 </a:gridCol>
                 <a:gridCol w="2448272">
                   <a:extLst>
                     <a:ext uri="{9D8B030D-6E8A-4147-A177-3AD203B41FA5}">
-                      <a16:colId xmlns:a16="http://schemas.microsoft.com/office/drawing/2014/main" xmlns="" val="3234676645"/>
+                      <a16:colId xmlns:a16="http://schemas.microsoft.com/office/drawing/2014/main" val="3234676645"/>
                     </a:ext>
                   </a:extLst>
                 </a:gridCol>
                 <a:gridCol w="3168351">
                   <a:extLst>
                     <a:ext uri="{9D8B030D-6E8A-4147-A177-3AD203B41FA5}">
-                      <a16:colId xmlns:a16="http://schemas.microsoft.com/office/drawing/2014/main" xmlns="" val="497167739"/>
+                      <a16:colId xmlns:a16="http://schemas.microsoft.com/office/drawing/2014/main" val="497167739"/>
                     </a:ext>
                   </a:extLst>
                 </a:gridCol>
@@ -8052,7 +8043,7 @@
                 </a:tc>
                 <a:extLst>
                   <a:ext uri="{0D108BD9-81ED-4DB2-BD59-A6C34878D82A}">
-                    <a16:rowId xmlns:a16="http://schemas.microsoft.com/office/drawing/2014/main" xmlns="" val="3709011960"/>
+                    <a16:rowId xmlns:a16="http://schemas.microsoft.com/office/drawing/2014/main" val="3709011960"/>
                   </a:ext>
                 </a:extLst>
               </a:tr>
@@ -8108,7 +8099,7 @@
                 </a:tc>
                 <a:extLst>
                   <a:ext uri="{0D108BD9-81ED-4DB2-BD59-A6C34878D82A}">
-                    <a16:rowId xmlns:a16="http://schemas.microsoft.com/office/drawing/2014/main" xmlns="" val="4214479577"/>
+                    <a16:rowId xmlns:a16="http://schemas.microsoft.com/office/drawing/2014/main" val="4214479577"/>
                   </a:ext>
                 </a:extLst>
               </a:tr>
@@ -8200,7 +8191,7 @@
                 </a:tc>
                 <a:extLst>
                   <a:ext uri="{0D108BD9-81ED-4DB2-BD59-A6C34878D82A}">
-                    <a16:rowId xmlns:a16="http://schemas.microsoft.com/office/drawing/2014/main" xmlns="" val="3266579009"/>
+                    <a16:rowId xmlns:a16="http://schemas.microsoft.com/office/drawing/2014/main" val="3266579009"/>
                   </a:ext>
                 </a:extLst>
               </a:tr>
@@ -8252,7 +8243,7 @@
                 </a:tc>
                 <a:extLst>
                   <a:ext uri="{0D108BD9-81ED-4DB2-BD59-A6C34878D82A}">
-                    <a16:rowId xmlns:a16="http://schemas.microsoft.com/office/drawing/2014/main" xmlns="" val="282706019"/>
+                    <a16:rowId xmlns:a16="http://schemas.microsoft.com/office/drawing/2014/main" val="282706019"/>
                   </a:ext>
                 </a:extLst>
               </a:tr>
@@ -8304,7 +8295,7 @@
                 </a:tc>
                 <a:extLst>
                   <a:ext uri="{0D108BD9-81ED-4DB2-BD59-A6C34878D82A}">
-                    <a16:rowId xmlns:a16="http://schemas.microsoft.com/office/drawing/2014/main" xmlns="" val="10004"/>
+                    <a16:rowId xmlns:a16="http://schemas.microsoft.com/office/drawing/2014/main" val="10004"/>
                   </a:ext>
                 </a:extLst>
               </a:tr>
@@ -8360,7 +8351,7 @@
                 </a:tc>
                 <a:extLst>
                   <a:ext uri="{0D108BD9-81ED-4DB2-BD59-A6C34878D82A}">
-                    <a16:rowId xmlns:a16="http://schemas.microsoft.com/office/drawing/2014/main" xmlns="" val="1081411160"/>
+                    <a16:rowId xmlns:a16="http://schemas.microsoft.com/office/drawing/2014/main" val="1081411160"/>
                   </a:ext>
                 </a:extLst>
               </a:tr>
@@ -8427,7 +8418,7 @@
                 </a:tc>
                 <a:extLst>
                   <a:ext uri="{0D108BD9-81ED-4DB2-BD59-A6C34878D82A}">
-                    <a16:rowId xmlns:a16="http://schemas.microsoft.com/office/drawing/2014/main" xmlns="" val="2210005012"/>
+                    <a16:rowId xmlns:a16="http://schemas.microsoft.com/office/drawing/2014/main" val="2210005012"/>
                   </a:ext>
                 </a:extLst>
               </a:tr>
@@ -8547,7 +8538,7 @@
                 </a:tc>
                 <a:extLst>
                   <a:ext uri="{0D108BD9-81ED-4DB2-BD59-A6C34878D82A}">
-                    <a16:rowId xmlns:a16="http://schemas.microsoft.com/office/drawing/2014/main" xmlns="" val="1840919378"/>
+                    <a16:rowId xmlns:a16="http://schemas.microsoft.com/office/drawing/2014/main" val="1840919378"/>
                   </a:ext>
                 </a:extLst>
               </a:tr>
@@ -8603,7 +8594,7 @@
                 </a:tc>
                 <a:extLst>
                   <a:ext uri="{0D108BD9-81ED-4DB2-BD59-A6C34878D82A}">
-                    <a16:rowId xmlns:a16="http://schemas.microsoft.com/office/drawing/2014/main" xmlns="" val="1275340913"/>
+                    <a16:rowId xmlns:a16="http://schemas.microsoft.com/office/drawing/2014/main" val="1275340913"/>
                   </a:ext>
                 </a:extLst>
               </a:tr>
@@ -8647,7 +8638,7 @@
   <p:timing>
     <p:tnLst>
       <p:par>
-        <p:cTn xmlns:p14="http://schemas.microsoft.com/office/powerpoint/2010/main" id="1" dur="indefinite" restart="never" nodeType="tmRoot"/>
+        <p:cTn id="1" dur="indefinite" restart="never" nodeType="tmRoot"/>
       </p:par>
     </p:tnLst>
   </p:timing>
@@ -8829,7 +8820,7 @@
   <p:timing>
     <p:tnLst>
       <p:par>
-        <p:cTn xmlns:p14="http://schemas.microsoft.com/office/powerpoint/2010/main" id="1" dur="indefinite" restart="never" nodeType="tmRoot"/>
+        <p:cTn id="1" dur="indefinite" restart="never" nodeType="tmRoot"/>
       </p:par>
     </p:tnLst>
   </p:timing>
@@ -9044,7 +9035,7 @@
   <p:timing>
     <p:tnLst>
       <p:par>
-        <p:cTn xmlns:p14="http://schemas.microsoft.com/office/powerpoint/2010/main" id="1" dur="indefinite" restart="never" nodeType="tmRoot"/>
+        <p:cTn id="1" dur="indefinite" restart="never" nodeType="tmRoot"/>
       </p:par>
     </p:tnLst>
   </p:timing>
@@ -9262,7 +9253,7 @@
           <a:ln/>
           <a:extLst>
             <a:ext uri="{91240B29-F687-4f45-9708-019B960494DF}">
-              <a14:hiddenLine xmlns:a14="http://schemas.microsoft.com/office/drawing/2010/main" w="9525" cap="flat" cmpd="sng" algn="ctr">
+              <a14:hiddenLine xmlns:a14="http://schemas.microsoft.com/office/drawing/2010/main" xmlns="" w="9525" cap="flat" cmpd="sng" algn="ctr">
                 <a:solidFill>
                   <a:schemeClr val="tx1"/>
                 </a:solidFill>
@@ -9273,7 +9264,7 @@
               </a14:hiddenLine>
             </a:ext>
             <a:ext uri="{AF507438-7753-43e0-B8FC-AC1667EBCBE1}">
-              <a14:hiddenEffects xmlns:a14="http://schemas.microsoft.com/office/drawing/2010/main">
+              <a14:hiddenEffects xmlns:a14="http://schemas.microsoft.com/office/drawing/2010/main" xmlns="">
                 <a:effectLst>
                   <a:outerShdw dist="35921" dir="2700000" algn="ctr" rotWithShape="0">
                     <a:schemeClr val="bg2"/>
@@ -9311,7 +9302,7 @@
   <p:timing>
     <p:tnLst>
       <p:par>
-        <p:cTn xmlns:p14="http://schemas.microsoft.com/office/powerpoint/2010/main" id="1" dur="indefinite" restart="never" nodeType="tmRoot"/>
+        <p:cTn id="1" dur="indefinite" restart="never" nodeType="tmRoot"/>
       </p:par>
     </p:tnLst>
   </p:timing>
@@ -9432,14 +9423,14 @@
           </a:ln>
           <a:extLst>
             <a:ext uri="{909E8E84-426E-40dd-AFC4-6F175D3DCCD1}">
-              <a14:hiddenFill xmlns:a14="http://schemas.microsoft.com/office/drawing/2010/main">
+              <a14:hiddenFill xmlns:a14="http://schemas.microsoft.com/office/drawing/2010/main" xmlns="">
                 <a:solidFill>
                   <a:srgbClr val="FFFFFF"/>
                 </a:solidFill>
               </a14:hiddenFill>
             </a:ext>
             <a:ext uri="{91240B29-F687-4f45-9708-019B960494DF}">
-              <a14:hiddenLine xmlns:a14="http://schemas.microsoft.com/office/drawing/2010/main" w="9525">
+              <a14:hiddenLine xmlns:a14="http://schemas.microsoft.com/office/drawing/2010/main" xmlns="" w="9525">
                 <a:solidFill>
                   <a:srgbClr val="000000"/>
                 </a:solidFill>
@@ -9449,7 +9440,7 @@
               </a14:hiddenLine>
             </a:ext>
             <a:ext uri="{FAA26D3D-D897-4be2-8F04-BA451C77F1D7}">
-              <ma14:placeholderFlag xmlns:ma14="http://schemas.microsoft.com/office/mac/drawingml/2011/main" val="1"/>
+              <ma14:placeholderFlag xmlns:ma14="http://schemas.microsoft.com/office/mac/drawingml/2011/main" xmlns="" val="1"/>
             </a:ext>
           </a:extLst>
         </p:spPr>
@@ -9713,7 +9704,7 @@
   <p:timing>
     <p:tnLst>
       <p:par>
-        <p:cTn xmlns:p14="http://schemas.microsoft.com/office/powerpoint/2010/main" id="1" dur="indefinite" restart="never" nodeType="tmRoot"/>
+        <p:cTn id="1" dur="indefinite" restart="never" nodeType="tmRoot"/>
       </p:par>
     </p:tnLst>
   </p:timing>
@@ -9964,7 +9955,7 @@
         <a:effectLst/>
         <a:extLst>
           <a:ext uri="{91240B29-F687-4f45-9708-019B960494DF}">
-            <a14:hiddenLine xmlns:a14="http://schemas.microsoft.com/office/drawing/2010/main" w="9525" cap="flat" cmpd="sng" algn="ctr">
+            <a14:hiddenLine xmlns:a14="http://schemas.microsoft.com/office/drawing/2010/main" xmlns="" w="9525" cap="flat" cmpd="sng" algn="ctr">
               <a:solidFill>
                 <a:schemeClr val="tx1"/>
               </a:solidFill>
@@ -9975,7 +9966,7 @@
             </a14:hiddenLine>
           </a:ext>
           <a:ext uri="{AF507438-7753-43e0-B8FC-AC1667EBCBE1}">
-            <a14:hiddenEffects xmlns:a14="http://schemas.microsoft.com/office/drawing/2010/main">
+            <a14:hiddenEffects xmlns:a14="http://schemas.microsoft.com/office/drawing/2010/main" xmlns="">
               <a:effectLst>
                 <a:outerShdw dist="35921" dir="2700000" algn="ctr" rotWithShape="0">
                   <a:schemeClr val="bg2"/>
@@ -10042,7 +10033,7 @@
         <a:effectLst/>
         <a:extLst>
           <a:ext uri="{91240B29-F687-4f45-9708-019B960494DF}">
-            <a14:hiddenLine xmlns:a14="http://schemas.microsoft.com/office/drawing/2010/main" w="9525" cap="flat" cmpd="sng" algn="ctr">
+            <a14:hiddenLine xmlns:a14="http://schemas.microsoft.com/office/drawing/2010/main" xmlns="" w="9525" cap="flat" cmpd="sng" algn="ctr">
               <a:solidFill>
                 <a:schemeClr val="tx1"/>
               </a:solidFill>
@@ -10053,7 +10044,7 @@
             </a14:hiddenLine>
           </a:ext>
           <a:ext uri="{AF507438-7753-43e0-B8FC-AC1667EBCBE1}">
-            <a14:hiddenEffects xmlns:a14="http://schemas.microsoft.com/office/drawing/2010/main">
+            <a14:hiddenEffects xmlns:a14="http://schemas.microsoft.com/office/drawing/2010/main" xmlns="">
               <a:effectLst>
                 <a:outerShdw dist="35921" dir="2700000" algn="ctr" rotWithShape="0">
                   <a:schemeClr val="bg2"/>

--- a/Presentation/Lab Project Presentation.pptx
+++ b/Presentation/Lab Project Presentation.pptx
@@ -2940,7 +2940,7 @@
           </a:ln>
           <a:extLst>
             <a:ext uri="{909E8E84-426E-40dd-AFC4-6F175D3DCCD1}">
-              <a14:hiddenFill xmlns:a14="http://schemas.microsoft.com/office/drawing/2010/main" xmlns="">
+              <a14:hiddenFill xmlns="" xmlns:a14="http://schemas.microsoft.com/office/drawing/2010/main">
                 <a:noFill/>
               </a14:hiddenFill>
             </a:ext>
@@ -2978,14 +2978,14 @@
           </a:ln>
           <a:extLst>
             <a:ext uri="{909E8E84-426E-40dd-AFC4-6F175D3DCCD1}">
-              <a14:hiddenFill xmlns:a14="http://schemas.microsoft.com/office/drawing/2010/main" xmlns="">
+              <a14:hiddenFill xmlns="" xmlns:a14="http://schemas.microsoft.com/office/drawing/2010/main">
                 <a:solidFill>
                   <a:srgbClr val="FFFFFF"/>
                 </a:solidFill>
               </a14:hiddenFill>
             </a:ext>
             <a:ext uri="{91240B29-F687-4f45-9708-019B960494DF}">
-              <a14:hiddenLine xmlns:a14="http://schemas.microsoft.com/office/drawing/2010/main" xmlns="" w="9525">
+              <a14:hiddenLine xmlns="" xmlns:a14="http://schemas.microsoft.com/office/drawing/2010/main" w="9525">
                 <a:solidFill>
                   <a:srgbClr val="000000"/>
                 </a:solidFill>
@@ -2995,7 +2995,7 @@
               </a14:hiddenLine>
             </a:ext>
             <a:ext uri="{FAA26D3D-D897-4be2-8F04-BA451C77F1D7}">
-              <ma14:placeholderFlag xmlns:ma14="http://schemas.microsoft.com/office/mac/drawingml/2011/main" xmlns="" val="1"/>
+              <ma14:placeholderFlag xmlns="" xmlns:ma14="http://schemas.microsoft.com/office/mac/drawingml/2011/main" val="1"/>
             </a:ext>
           </a:extLst>
         </p:spPr>
@@ -3043,7 +3043,7 @@
           </a:ln>
           <a:extLst>
             <a:ext uri="{909E8E84-426E-40dd-AFC4-6F175D3DCCD1}">
-              <a14:hiddenFill xmlns:a14="http://schemas.microsoft.com/office/drawing/2010/main" xmlns="">
+              <a14:hiddenFill xmlns="" xmlns:a14="http://schemas.microsoft.com/office/drawing/2010/main">
                 <a:noFill/>
               </a14:hiddenFill>
             </a:ext>
@@ -3079,14 +3079,14 @@
           </a:ln>
           <a:extLst>
             <a:ext uri="{909E8E84-426E-40dd-AFC4-6F175D3DCCD1}">
-              <a14:hiddenFill xmlns:a14="http://schemas.microsoft.com/office/drawing/2010/main" xmlns="">
+              <a14:hiddenFill xmlns="" xmlns:a14="http://schemas.microsoft.com/office/drawing/2010/main">
                 <a:solidFill>
                   <a:srgbClr val="FFFFFF"/>
                 </a:solidFill>
               </a14:hiddenFill>
             </a:ext>
             <a:ext uri="{91240B29-F687-4f45-9708-019B960494DF}">
-              <a14:hiddenLine xmlns:a14="http://schemas.microsoft.com/office/drawing/2010/main" xmlns="" w="9525">
+              <a14:hiddenLine xmlns="" xmlns:a14="http://schemas.microsoft.com/office/drawing/2010/main" w="9525">
                 <a:solidFill>
                   <a:srgbClr val="000000"/>
                 </a:solidFill>
@@ -3243,14 +3243,14 @@
           </a:ln>
           <a:extLst>
             <a:ext uri="{909E8E84-426E-40dd-AFC4-6F175D3DCCD1}">
-              <a14:hiddenFill xmlns:a14="http://schemas.microsoft.com/office/drawing/2010/main" xmlns="">
+              <a14:hiddenFill xmlns="" xmlns:a14="http://schemas.microsoft.com/office/drawing/2010/main">
                 <a:solidFill>
                   <a:srgbClr val="FFFFFF"/>
                 </a:solidFill>
               </a14:hiddenFill>
             </a:ext>
             <a:ext uri="{91240B29-F687-4f45-9708-019B960494DF}">
-              <a14:hiddenLine xmlns:a14="http://schemas.microsoft.com/office/drawing/2010/main" xmlns="" w="9525">
+              <a14:hiddenLine xmlns="" xmlns:a14="http://schemas.microsoft.com/office/drawing/2010/main" w="9525">
                 <a:solidFill>
                   <a:srgbClr val="000000"/>
                 </a:solidFill>
@@ -3260,7 +3260,7 @@
               </a14:hiddenLine>
             </a:ext>
             <a:ext uri="{FAA26D3D-D897-4be2-8F04-BA451C77F1D7}">
-              <ma14:placeholderFlag xmlns:ma14="http://schemas.microsoft.com/office/mac/drawingml/2011/main" xmlns="" val="1"/>
+              <ma14:placeholderFlag xmlns="" xmlns:ma14="http://schemas.microsoft.com/office/mac/drawingml/2011/main" val="1"/>
             </a:ext>
           </a:extLst>
         </p:spPr>
@@ -3912,14 +3912,14 @@
           </a:ln>
           <a:extLst>
             <a:ext uri="{909E8E84-426E-40dd-AFC4-6F175D3DCCD1}">
-              <a14:hiddenFill xmlns:a14="http://schemas.microsoft.com/office/drawing/2010/main" xmlns="">
+              <a14:hiddenFill xmlns="" xmlns:a14="http://schemas.microsoft.com/office/drawing/2010/main">
                 <a:solidFill>
                   <a:srgbClr val="FFFFFF"/>
                 </a:solidFill>
               </a14:hiddenFill>
             </a:ext>
             <a:ext uri="{91240B29-F687-4f45-9708-019B960494DF}">
-              <a14:hiddenLine xmlns:a14="http://schemas.microsoft.com/office/drawing/2010/main" xmlns="" w="9525">
+              <a14:hiddenLine xmlns="" xmlns:a14="http://schemas.microsoft.com/office/drawing/2010/main" w="9525">
                 <a:solidFill>
                   <a:srgbClr val="000000"/>
                 </a:solidFill>
@@ -4096,8 +4096,12 @@
           <a:lstStyle/>
           <a:p>
             <a:r>
+              <a:rPr lang="en-ZA" dirty="0"/>
+              <a:t>Simulation Results: </a:t>
+            </a:r>
+            <a:r>
               <a:rPr lang="en-ZA" dirty="0" smtClean="0"/>
-              <a:t>Results: Simulation</a:t>
+              <a:t>Directionality</a:t>
             </a:r>
             <a:endParaRPr lang="en-ZA" dirty="0"/>
           </a:p>
@@ -4275,8 +4279,8 @@
           </a:p>
         </p:txBody>
       </p:sp>
-      <mc:AlternateContent xmlns:mc="http://schemas.openxmlformats.org/markup-compatibility/2006">
-        <mc:Choice xmlns:a14="http://schemas.microsoft.com/office/drawing/2010/main" Requires="a14">
+      <mc:AlternateContent xmlns:mc="http://schemas.openxmlformats.org/markup-compatibility/2006" xmlns:a14="http://schemas.microsoft.com/office/drawing/2010/main">
+        <mc:Choice Requires="a14">
           <p:sp>
             <p:nvSpPr>
               <p:cNvPr id="11" name="Content Placeholder 2"/>
@@ -4316,7 +4320,7 @@
                   </a14:hiddenLine>
                 </a:ext>
                 <a:ext uri="{FAA26D3D-D897-4be2-8F04-BA451C77F1D7}">
-                  <ma14:placeholderFlag xmlns:ma14="http://schemas.microsoft.com/office/mac/drawingml/2011/main" xmlns="" val="1"/>
+                  <ma14:placeholderFlag xmlns="" xmlns:ma14="http://schemas.microsoft.com/office/mac/drawingml/2011/main" val="1"/>
                 </a:ext>
               </a:extLst>
             </p:spPr>
@@ -4674,18 +4678,13 @@
                 </a14:m>
                 <a:r>
                   <a:rPr lang="en-ZA" kern="0" dirty="0" smtClean="0"/>
-                  <a:t>= wavelength of maximum </a:t>
+                  <a:t>= wavelength of maximum frequency (3.4 kHz)</a:t>
                 </a:r>
-                <a:r>
-                  <a:rPr lang="en-ZA" kern="0" dirty="0" smtClean="0"/>
-                  <a:t>frequency (3.4 kHz)</a:t>
-                </a:r>
-                <a:endParaRPr lang="en-ZA" kern="0" dirty="0" smtClean="0"/>
               </a:p>
             </p:txBody>
           </p:sp>
         </mc:Choice>
-        <mc:Fallback>
+        <mc:Fallback xmlns="">
           <p:sp>
             <p:nvSpPr>
               <p:cNvPr id="11" name="Content Placeholder 2"/>
@@ -4803,7 +4802,11 @@
           <a:p>
             <a:r>
               <a:rPr lang="en-ZA" dirty="0" smtClean="0"/>
-              <a:t>Results: Hardware</a:t>
+              <a:t>Hardware </a:t>
+            </a:r>
+            <a:r>
+              <a:rPr lang="en-ZA" dirty="0"/>
+              <a:t>Results: Amplification</a:t>
             </a:r>
             <a:endParaRPr lang="en-ZA" dirty="0"/>
           </a:p>
@@ -4883,14 +4886,14 @@
           </a:ln>
           <a:extLst>
             <a:ext uri="{909E8E84-426E-40dd-AFC4-6F175D3DCCD1}">
-              <a14:hiddenFill xmlns:a14="http://schemas.microsoft.com/office/drawing/2010/main" xmlns="">
+              <a14:hiddenFill xmlns="" xmlns:a14="http://schemas.microsoft.com/office/drawing/2010/main">
                 <a:solidFill>
                   <a:srgbClr val="FFFFFF"/>
                 </a:solidFill>
               </a14:hiddenFill>
             </a:ext>
             <a:ext uri="{91240B29-F687-4f45-9708-019B960494DF}">
-              <a14:hiddenLine xmlns:a14="http://schemas.microsoft.com/office/drawing/2010/main" xmlns="" w="9525">
+              <a14:hiddenLine xmlns="" xmlns:a14="http://schemas.microsoft.com/office/drawing/2010/main" w="9525">
                 <a:solidFill>
                   <a:srgbClr val="000000"/>
                 </a:solidFill>
@@ -4900,7 +4903,7 @@
               </a14:hiddenLine>
             </a:ext>
             <a:ext uri="{FAA26D3D-D897-4be2-8F04-BA451C77F1D7}">
-              <ma14:placeholderFlag xmlns:ma14="http://schemas.microsoft.com/office/mac/drawingml/2011/main" xmlns="" val="1"/>
+              <ma14:placeholderFlag xmlns="" xmlns:ma14="http://schemas.microsoft.com/office/mac/drawingml/2011/main" val="1"/>
             </a:ext>
           </a:extLst>
         </p:spPr>
@@ -5203,7 +5206,15 @@
           <a:p>
             <a:r>
               <a:rPr lang="en-ZA" dirty="0" smtClean="0"/>
-              <a:t>Results: Hardware</a:t>
+              <a:t>Hardware </a:t>
+            </a:r>
+            <a:r>
+              <a:rPr lang="en-ZA" dirty="0"/>
+              <a:t>Results: </a:t>
+            </a:r>
+            <a:r>
+              <a:rPr lang="en-ZA" dirty="0" smtClean="0"/>
+              <a:t>Directionality</a:t>
             </a:r>
             <a:endParaRPr lang="en-ZA" dirty="0"/>
           </a:p>
@@ -5385,14 +5396,14 @@
           </a:ln>
           <a:extLst>
             <a:ext uri="{909E8E84-426E-40dd-AFC4-6F175D3DCCD1}">
-              <a14:hiddenFill xmlns:a14="http://schemas.microsoft.com/office/drawing/2010/main" xmlns="">
+              <a14:hiddenFill xmlns="" xmlns:a14="http://schemas.microsoft.com/office/drawing/2010/main">
                 <a:solidFill>
                   <a:srgbClr val="FFFFFF"/>
                 </a:solidFill>
               </a14:hiddenFill>
             </a:ext>
             <a:ext uri="{91240B29-F687-4f45-9708-019B960494DF}">
-              <a14:hiddenLine xmlns:a14="http://schemas.microsoft.com/office/drawing/2010/main" xmlns="" w="9525">
+              <a14:hiddenLine xmlns="" xmlns:a14="http://schemas.microsoft.com/office/drawing/2010/main" w="9525">
                 <a:solidFill>
                   <a:srgbClr val="000000"/>
                 </a:solidFill>
@@ -5402,7 +5413,7 @@
               </a14:hiddenLine>
             </a:ext>
             <a:ext uri="{FAA26D3D-D897-4be2-8F04-BA451C77F1D7}">
-              <ma14:placeholderFlag xmlns:ma14="http://schemas.microsoft.com/office/mac/drawingml/2011/main" xmlns="" val="1"/>
+              <ma14:placeholderFlag xmlns="" xmlns:ma14="http://schemas.microsoft.com/office/mac/drawingml/2011/main" val="1"/>
             </a:ext>
           </a:extLst>
         </p:spPr>
@@ -9253,7 +9264,7 @@
           <a:ln/>
           <a:extLst>
             <a:ext uri="{91240B29-F687-4f45-9708-019B960494DF}">
-              <a14:hiddenLine xmlns:a14="http://schemas.microsoft.com/office/drawing/2010/main" xmlns="" w="9525" cap="flat" cmpd="sng" algn="ctr">
+              <a14:hiddenLine xmlns="" xmlns:a14="http://schemas.microsoft.com/office/drawing/2010/main" w="9525" cap="flat" cmpd="sng" algn="ctr">
                 <a:solidFill>
                   <a:schemeClr val="tx1"/>
                 </a:solidFill>
@@ -9264,7 +9275,7 @@
               </a14:hiddenLine>
             </a:ext>
             <a:ext uri="{AF507438-7753-43e0-B8FC-AC1667EBCBE1}">
-              <a14:hiddenEffects xmlns:a14="http://schemas.microsoft.com/office/drawing/2010/main" xmlns="">
+              <a14:hiddenEffects xmlns="" xmlns:a14="http://schemas.microsoft.com/office/drawing/2010/main">
                 <a:effectLst>
                   <a:outerShdw dist="35921" dir="2700000" algn="ctr" rotWithShape="0">
                     <a:schemeClr val="bg2"/>
@@ -9342,8 +9353,16 @@
           <a:lstStyle/>
           <a:p>
             <a:r>
+              <a:rPr lang="en-ZA" dirty="0"/>
+              <a:t>Simulation </a:t>
+            </a:r>
+            <a:r>
               <a:rPr lang="en-ZA" dirty="0" smtClean="0"/>
-              <a:t>Results: Simulation</a:t>
+              <a:t>Results: </a:t>
+            </a:r>
+            <a:r>
+              <a:rPr lang="en-ZA" dirty="0" smtClean="0"/>
+              <a:t>Amplification</a:t>
             </a:r>
             <a:endParaRPr lang="en-ZA" dirty="0"/>
           </a:p>
@@ -9423,14 +9442,14 @@
           </a:ln>
           <a:extLst>
             <a:ext uri="{909E8E84-426E-40dd-AFC4-6F175D3DCCD1}">
-              <a14:hiddenFill xmlns:a14="http://schemas.microsoft.com/office/drawing/2010/main" xmlns="">
+              <a14:hiddenFill xmlns="" xmlns:a14="http://schemas.microsoft.com/office/drawing/2010/main">
                 <a:solidFill>
                   <a:srgbClr val="FFFFFF"/>
                 </a:solidFill>
               </a14:hiddenFill>
             </a:ext>
             <a:ext uri="{91240B29-F687-4f45-9708-019B960494DF}">
-              <a14:hiddenLine xmlns:a14="http://schemas.microsoft.com/office/drawing/2010/main" xmlns="" w="9525">
+              <a14:hiddenLine xmlns="" xmlns:a14="http://schemas.microsoft.com/office/drawing/2010/main" w="9525">
                 <a:solidFill>
                   <a:srgbClr val="000000"/>
                 </a:solidFill>
@@ -9440,7 +9459,7 @@
               </a14:hiddenLine>
             </a:ext>
             <a:ext uri="{FAA26D3D-D897-4be2-8F04-BA451C77F1D7}">
-              <ma14:placeholderFlag xmlns:ma14="http://schemas.microsoft.com/office/mac/drawingml/2011/main" xmlns="" val="1"/>
+              <ma14:placeholderFlag xmlns="" xmlns:ma14="http://schemas.microsoft.com/office/mac/drawingml/2011/main" val="1"/>
             </a:ext>
           </a:extLst>
         </p:spPr>
@@ -9955,7 +9974,7 @@
         <a:effectLst/>
         <a:extLst>
           <a:ext uri="{91240B29-F687-4f45-9708-019B960494DF}">
-            <a14:hiddenLine xmlns:a14="http://schemas.microsoft.com/office/drawing/2010/main" xmlns="" w="9525" cap="flat" cmpd="sng" algn="ctr">
+            <a14:hiddenLine xmlns="" xmlns:a14="http://schemas.microsoft.com/office/drawing/2010/main" w="9525" cap="flat" cmpd="sng" algn="ctr">
               <a:solidFill>
                 <a:schemeClr val="tx1"/>
               </a:solidFill>
@@ -9966,7 +9985,7 @@
             </a14:hiddenLine>
           </a:ext>
           <a:ext uri="{AF507438-7753-43e0-B8FC-AC1667EBCBE1}">
-            <a14:hiddenEffects xmlns:a14="http://schemas.microsoft.com/office/drawing/2010/main" xmlns="">
+            <a14:hiddenEffects xmlns="" xmlns:a14="http://schemas.microsoft.com/office/drawing/2010/main">
               <a:effectLst>
                 <a:outerShdw dist="35921" dir="2700000" algn="ctr" rotWithShape="0">
                   <a:schemeClr val="bg2"/>
@@ -10033,7 +10052,7 @@
         <a:effectLst/>
         <a:extLst>
           <a:ext uri="{91240B29-F687-4f45-9708-019B960494DF}">
-            <a14:hiddenLine xmlns:a14="http://schemas.microsoft.com/office/drawing/2010/main" xmlns="" w="9525" cap="flat" cmpd="sng" algn="ctr">
+            <a14:hiddenLine xmlns="" xmlns:a14="http://schemas.microsoft.com/office/drawing/2010/main" w="9525" cap="flat" cmpd="sng" algn="ctr">
               <a:solidFill>
                 <a:schemeClr val="tx1"/>
               </a:solidFill>
@@ -10044,7 +10063,7 @@
             </a14:hiddenLine>
           </a:ext>
           <a:ext uri="{AF507438-7753-43e0-B8FC-AC1667EBCBE1}">
-            <a14:hiddenEffects xmlns:a14="http://schemas.microsoft.com/office/drawing/2010/main" xmlns="">
+            <a14:hiddenEffects xmlns="" xmlns:a14="http://schemas.microsoft.com/office/drawing/2010/main">
               <a:effectLst>
                 <a:outerShdw dist="35921" dir="2700000" algn="ctr" rotWithShape="0">
                   <a:schemeClr val="bg2"/>

--- a/Presentation/Lab Project Presentation.pptx
+++ b/Presentation/Lab Project Presentation.pptx
@@ -247,7 +247,7 @@
           <a:p>
             <a:fld id="{3FA6FDA4-907F-C840-8573-33F4849B33D4}" type="datetimeFigureOut">
               <a:rPr lang="en-US" smtClean="0"/>
-              <a:t>9/12/2018</a:t>
+              <a:t>9/17/2019</a:t>
             </a:fld>
             <a:endParaRPr lang="en-US"/>
           </a:p>
@@ -413,7 +413,7 @@
           <a:p>
             <a:fld id="{290492DD-1613-8B48-9182-1ECEE9190ABB}" type="datetimeFigureOut">
               <a:rPr lang="en-US" smtClean="0"/>
-              <a:t>9/12/2018</a:t>
+              <a:t>9/17/2019</a:t>
             </a:fld>
             <a:endParaRPr lang="en-US"/>
           </a:p>
@@ -2940,7 +2940,7 @@
           </a:ln>
           <a:extLst>
             <a:ext uri="{909E8E84-426E-40dd-AFC4-6F175D3DCCD1}">
-              <a14:hiddenFill xmlns="" xmlns:a14="http://schemas.microsoft.com/office/drawing/2010/main">
+              <a14:hiddenFill xmlns:a14="http://schemas.microsoft.com/office/drawing/2010/main" xmlns="">
                 <a:noFill/>
               </a14:hiddenFill>
             </a:ext>
@@ -2978,14 +2978,14 @@
           </a:ln>
           <a:extLst>
             <a:ext uri="{909E8E84-426E-40dd-AFC4-6F175D3DCCD1}">
-              <a14:hiddenFill xmlns="" xmlns:a14="http://schemas.microsoft.com/office/drawing/2010/main">
+              <a14:hiddenFill xmlns:a14="http://schemas.microsoft.com/office/drawing/2010/main" xmlns="">
                 <a:solidFill>
                   <a:srgbClr val="FFFFFF"/>
                 </a:solidFill>
               </a14:hiddenFill>
             </a:ext>
             <a:ext uri="{91240B29-F687-4f45-9708-019B960494DF}">
-              <a14:hiddenLine xmlns="" xmlns:a14="http://schemas.microsoft.com/office/drawing/2010/main" w="9525">
+              <a14:hiddenLine xmlns:a14="http://schemas.microsoft.com/office/drawing/2010/main" xmlns="" w="9525">
                 <a:solidFill>
                   <a:srgbClr val="000000"/>
                 </a:solidFill>
@@ -2995,7 +2995,7 @@
               </a14:hiddenLine>
             </a:ext>
             <a:ext uri="{FAA26D3D-D897-4be2-8F04-BA451C77F1D7}">
-              <ma14:placeholderFlag xmlns="" xmlns:ma14="http://schemas.microsoft.com/office/mac/drawingml/2011/main" val="1"/>
+              <ma14:placeholderFlag xmlns:ma14="http://schemas.microsoft.com/office/mac/drawingml/2011/main" xmlns="" val="1"/>
             </a:ext>
           </a:extLst>
         </p:spPr>
@@ -3043,7 +3043,7 @@
           </a:ln>
           <a:extLst>
             <a:ext uri="{909E8E84-426E-40dd-AFC4-6F175D3DCCD1}">
-              <a14:hiddenFill xmlns="" xmlns:a14="http://schemas.microsoft.com/office/drawing/2010/main">
+              <a14:hiddenFill xmlns:a14="http://schemas.microsoft.com/office/drawing/2010/main" xmlns="">
                 <a:noFill/>
               </a14:hiddenFill>
             </a:ext>
@@ -3079,14 +3079,14 @@
           </a:ln>
           <a:extLst>
             <a:ext uri="{909E8E84-426E-40dd-AFC4-6F175D3DCCD1}">
-              <a14:hiddenFill xmlns="" xmlns:a14="http://schemas.microsoft.com/office/drawing/2010/main">
+              <a14:hiddenFill xmlns:a14="http://schemas.microsoft.com/office/drawing/2010/main" xmlns="">
                 <a:solidFill>
                   <a:srgbClr val="FFFFFF"/>
                 </a:solidFill>
               </a14:hiddenFill>
             </a:ext>
             <a:ext uri="{91240B29-F687-4f45-9708-019B960494DF}">
-              <a14:hiddenLine xmlns="" xmlns:a14="http://schemas.microsoft.com/office/drawing/2010/main" w="9525">
+              <a14:hiddenLine xmlns:a14="http://schemas.microsoft.com/office/drawing/2010/main" xmlns="" w="9525">
                 <a:solidFill>
                   <a:srgbClr val="000000"/>
                 </a:solidFill>
@@ -3243,14 +3243,14 @@
           </a:ln>
           <a:extLst>
             <a:ext uri="{909E8E84-426E-40dd-AFC4-6F175D3DCCD1}">
-              <a14:hiddenFill xmlns="" xmlns:a14="http://schemas.microsoft.com/office/drawing/2010/main">
+              <a14:hiddenFill xmlns:a14="http://schemas.microsoft.com/office/drawing/2010/main" xmlns="">
                 <a:solidFill>
                   <a:srgbClr val="FFFFFF"/>
                 </a:solidFill>
               </a14:hiddenFill>
             </a:ext>
             <a:ext uri="{91240B29-F687-4f45-9708-019B960494DF}">
-              <a14:hiddenLine xmlns="" xmlns:a14="http://schemas.microsoft.com/office/drawing/2010/main" w="9525">
+              <a14:hiddenLine xmlns:a14="http://schemas.microsoft.com/office/drawing/2010/main" xmlns="" w="9525">
                 <a:solidFill>
                   <a:srgbClr val="000000"/>
                 </a:solidFill>
@@ -3260,7 +3260,7 @@
               </a14:hiddenLine>
             </a:ext>
             <a:ext uri="{FAA26D3D-D897-4be2-8F04-BA451C77F1D7}">
-              <ma14:placeholderFlag xmlns="" xmlns:ma14="http://schemas.microsoft.com/office/mac/drawingml/2011/main" val="1"/>
+              <ma14:placeholderFlag xmlns:ma14="http://schemas.microsoft.com/office/mac/drawingml/2011/main" xmlns="" val="1"/>
             </a:ext>
           </a:extLst>
         </p:spPr>
@@ -3865,8 +3865,8 @@
         </p:nvSpPr>
         <p:spPr>
           <a:xfrm>
-            <a:off x="206215" y="1738458"/>
-            <a:ext cx="9493569" cy="1700466"/>
+            <a:off x="206215" y="2015457"/>
+            <a:ext cx="9493569" cy="1146468"/>
           </a:xfrm>
         </p:spPr>
         <p:txBody>
@@ -3880,7 +3880,7 @@
                 <a:ea typeface="MS PGothic" charset="0"/>
                 <a:cs typeface="Times New Roman" charset="0"/>
               </a:rPr>
-              <a:t>AN INVESTIGATIONAL STUDY INTO THE DESIGN OF A LOW COST, ADAPTIVE HEARING AID</a:t>
+              <a:t>Toward the Design of a Low Cost, Adaptive Hearing Aid</a:t>
             </a:r>
             <a:endParaRPr lang="en-US" dirty="0">
               <a:latin typeface="Arial" charset="0"/>
@@ -3900,8 +3900,8 @@
         </p:nvSpPr>
         <p:spPr bwMode="auto">
           <a:xfrm>
-            <a:off x="570706" y="4675532"/>
-            <a:ext cx="8764588" cy="1122363"/>
+            <a:off x="568893" y="4293096"/>
+            <a:ext cx="8764588" cy="1893468"/>
           </a:xfrm>
           <a:prstGeom prst="rect">
             <a:avLst/>
@@ -3912,14 +3912,14 @@
           </a:ln>
           <a:extLst>
             <a:ext uri="{909E8E84-426E-40dd-AFC4-6F175D3DCCD1}">
-              <a14:hiddenFill xmlns="" xmlns:a14="http://schemas.microsoft.com/office/drawing/2010/main">
+              <a14:hiddenFill xmlns:a14="http://schemas.microsoft.com/office/drawing/2010/main" xmlns="">
                 <a:solidFill>
                   <a:srgbClr val="FFFFFF"/>
                 </a:solidFill>
               </a14:hiddenFill>
             </a:ext>
             <a:ext uri="{91240B29-F687-4f45-9708-019B960494DF}">
-              <a14:hiddenLine xmlns="" xmlns:a14="http://schemas.microsoft.com/office/drawing/2010/main" w="9525">
+              <a14:hiddenLine xmlns:a14="http://schemas.microsoft.com/office/drawing/2010/main" xmlns="" w="9525">
                 <a:solidFill>
                   <a:srgbClr val="000000"/>
                 </a:solidFill>
@@ -3945,12 +3945,12 @@
               </a:spcAft>
             </a:pPr>
             <a:r>
-              <a:rPr lang="en-US" b="1" dirty="0">
+              <a:rPr lang="en-US" b="1" dirty="0" smtClean="0">
                 <a:solidFill>
                   <a:schemeClr val="tx1"/>
                 </a:solidFill>
               </a:rPr>
-              <a:t>Presented by:</a:t>
+              <a:t>Investigators:</a:t>
             </a:r>
           </a:p>
           <a:p>
@@ -3963,26 +3963,17 @@
               </a:spcAft>
             </a:pPr>
             <a:r>
-              <a:rPr lang="en-US" b="1" dirty="0">
-                <a:solidFill>
-                  <a:schemeClr val="tx1"/>
-                </a:solidFill>
-              </a:rPr>
+              <a:rPr lang="en-US" b="1" dirty="0" smtClean="0"/>
               <a:t>Kayla-Jade </a:t>
             </a:r>
             <a:r>
-              <a:rPr lang="en-US" b="1" dirty="0" smtClean="0">
-                <a:solidFill>
-                  <a:schemeClr val="tx1"/>
-                </a:solidFill>
-              </a:rPr>
-              <a:t>Butkow (714227) </a:t>
-            </a:r>
-            <a:endParaRPr lang="en-US" b="1" dirty="0">
-              <a:solidFill>
-                <a:schemeClr val="tx1"/>
-              </a:solidFill>
-            </a:endParaRPr>
+              <a:rPr lang="en-US" b="1" dirty="0" err="1" smtClean="0"/>
+              <a:t>Butkow</a:t>
+            </a:r>
+            <a:r>
+              <a:rPr lang="en-US" b="1" dirty="0" smtClean="0"/>
+              <a:t> and Kelvin da Silva</a:t>
+            </a:r>
           </a:p>
           <a:p>
             <a:pPr algn="ctr" defTabSz="762000">
@@ -3993,13 +3984,36 @@
                 <a:spcPct val="50000"/>
               </a:spcAft>
             </a:pPr>
+            <a:endParaRPr lang="en-US" b="1" dirty="0" smtClean="0">
+              <a:solidFill>
+                <a:schemeClr val="tx1"/>
+              </a:solidFill>
+            </a:endParaRPr>
+          </a:p>
+          <a:p>
+            <a:pPr algn="ctr" defTabSz="762000">
+              <a:lnSpc>
+                <a:spcPct val="90000"/>
+              </a:lnSpc>
+              <a:spcAft>
+                <a:spcPct val="50000"/>
+              </a:spcAft>
+            </a:pPr>
+            <a:r>
+              <a:rPr lang="en-US" b="1" dirty="0" smtClean="0">
+                <a:solidFill>
+                  <a:schemeClr val="tx1"/>
+                </a:solidFill>
+              </a:rPr>
+              <a:t>Presented </a:t>
+            </a:r>
             <a:r>
               <a:rPr lang="en-US" b="1" dirty="0">
                 <a:solidFill>
                   <a:schemeClr val="tx1"/>
                 </a:solidFill>
               </a:rPr>
-              <a:t>Kelvin da </a:t>
+              <a:t>by</a:t>
             </a:r>
             <a:r>
               <a:rPr lang="en-US" b="1" dirty="0" smtClean="0">
@@ -4007,7 +4021,25 @@
                   <a:schemeClr val="tx1"/>
                 </a:solidFill>
               </a:rPr>
-              <a:t>Silva (835842)</a:t>
+              <a:t>:</a:t>
+            </a:r>
+          </a:p>
+          <a:p>
+            <a:pPr algn="ctr" defTabSz="762000">
+              <a:lnSpc>
+                <a:spcPct val="90000"/>
+              </a:lnSpc>
+              <a:spcAft>
+                <a:spcPct val="50000"/>
+              </a:spcAft>
+            </a:pPr>
+            <a:r>
+              <a:rPr lang="en-US" b="1" dirty="0" smtClean="0">
+                <a:solidFill>
+                  <a:schemeClr val="tx1"/>
+                </a:solidFill>
+              </a:rPr>
+              <a:t> </a:t>
             </a:r>
             <a:endParaRPr lang="en-US" b="1" dirty="0">
               <a:solidFill>
@@ -4320,7 +4352,7 @@
                   </a14:hiddenLine>
                 </a:ext>
                 <a:ext uri="{FAA26D3D-D897-4be2-8F04-BA451C77F1D7}">
-                  <ma14:placeholderFlag xmlns="" xmlns:ma14="http://schemas.microsoft.com/office/mac/drawingml/2011/main" val="1"/>
+                  <ma14:placeholderFlag xmlns:ma14="http://schemas.microsoft.com/office/mac/drawingml/2011/main" xmlns="" val="1"/>
                 </a:ext>
               </a:extLst>
             </p:spPr>
@@ -4808,7 +4840,6 @@
               <a:rPr lang="en-ZA" dirty="0"/>
               <a:t>Results: Amplification</a:t>
             </a:r>
-            <a:endParaRPr lang="en-ZA" dirty="0"/>
           </a:p>
         </p:txBody>
       </p:sp>
@@ -4886,14 +4917,14 @@
           </a:ln>
           <a:extLst>
             <a:ext uri="{909E8E84-426E-40dd-AFC4-6F175D3DCCD1}">
-              <a14:hiddenFill xmlns="" xmlns:a14="http://schemas.microsoft.com/office/drawing/2010/main">
+              <a14:hiddenFill xmlns:a14="http://schemas.microsoft.com/office/drawing/2010/main" xmlns="">
                 <a:solidFill>
                   <a:srgbClr val="FFFFFF"/>
                 </a:solidFill>
               </a14:hiddenFill>
             </a:ext>
             <a:ext uri="{91240B29-F687-4f45-9708-019B960494DF}">
-              <a14:hiddenLine xmlns="" xmlns:a14="http://schemas.microsoft.com/office/drawing/2010/main" w="9525">
+              <a14:hiddenLine xmlns:a14="http://schemas.microsoft.com/office/drawing/2010/main" xmlns="" w="9525">
                 <a:solidFill>
                   <a:srgbClr val="000000"/>
                 </a:solidFill>
@@ -4903,7 +4934,7 @@
               </a14:hiddenLine>
             </a:ext>
             <a:ext uri="{FAA26D3D-D897-4be2-8F04-BA451C77F1D7}">
-              <ma14:placeholderFlag xmlns="" xmlns:ma14="http://schemas.microsoft.com/office/mac/drawingml/2011/main" val="1"/>
+              <ma14:placeholderFlag xmlns:ma14="http://schemas.microsoft.com/office/mac/drawingml/2011/main" xmlns="" val="1"/>
             </a:ext>
           </a:extLst>
         </p:spPr>
@@ -5132,8 +5163,13 @@
           <a:p>
             <a:r>
               <a:rPr lang="en-ZA" kern="0" dirty="0" smtClean="0"/>
-              <a:t>Total cost: R1462.61</a:t>
-            </a:r>
+              <a:t>Total cost: </a:t>
+            </a:r>
+            <a:r>
+              <a:rPr lang="en-ZA" kern="0" dirty="0" smtClean="0"/>
+              <a:t>$100</a:t>
+            </a:r>
+            <a:endParaRPr lang="en-ZA" kern="0" dirty="0" smtClean="0"/>
           </a:p>
           <a:p>
             <a:r>
@@ -5396,14 +5432,14 @@
           </a:ln>
           <a:extLst>
             <a:ext uri="{909E8E84-426E-40dd-AFC4-6F175D3DCCD1}">
-              <a14:hiddenFill xmlns="" xmlns:a14="http://schemas.microsoft.com/office/drawing/2010/main">
+              <a14:hiddenFill xmlns:a14="http://schemas.microsoft.com/office/drawing/2010/main" xmlns="">
                 <a:solidFill>
                   <a:srgbClr val="FFFFFF"/>
                 </a:solidFill>
               </a14:hiddenFill>
             </a:ext>
             <a:ext uri="{91240B29-F687-4f45-9708-019B960494DF}">
-              <a14:hiddenLine xmlns="" xmlns:a14="http://schemas.microsoft.com/office/drawing/2010/main" w="9525">
+              <a14:hiddenLine xmlns:a14="http://schemas.microsoft.com/office/drawing/2010/main" xmlns="" w="9525">
                 <a:solidFill>
                   <a:srgbClr val="000000"/>
                 </a:solidFill>
@@ -5413,7 +5449,7 @@
               </a14:hiddenLine>
             </a:ext>
             <a:ext uri="{FAA26D3D-D897-4be2-8F04-BA451C77F1D7}">
-              <ma14:placeholderFlag xmlns="" xmlns:ma14="http://schemas.microsoft.com/office/mac/drawingml/2011/main" val="1"/>
+              <ma14:placeholderFlag xmlns:ma14="http://schemas.microsoft.com/office/mac/drawingml/2011/main" xmlns="" val="1"/>
             </a:ext>
           </a:extLst>
         </p:spPr>
@@ -9264,7 +9300,7 @@
           <a:ln/>
           <a:extLst>
             <a:ext uri="{91240B29-F687-4f45-9708-019B960494DF}">
-              <a14:hiddenLine xmlns="" xmlns:a14="http://schemas.microsoft.com/office/drawing/2010/main" w="9525" cap="flat" cmpd="sng" algn="ctr">
+              <a14:hiddenLine xmlns:a14="http://schemas.microsoft.com/office/drawing/2010/main" xmlns="" w="9525" cap="flat" cmpd="sng" algn="ctr">
                 <a:solidFill>
                   <a:schemeClr val="tx1"/>
                 </a:solidFill>
@@ -9275,7 +9311,7 @@
               </a14:hiddenLine>
             </a:ext>
             <a:ext uri="{AF507438-7753-43e0-B8FC-AC1667EBCBE1}">
-              <a14:hiddenEffects xmlns="" xmlns:a14="http://schemas.microsoft.com/office/drawing/2010/main">
+              <a14:hiddenEffects xmlns:a14="http://schemas.microsoft.com/office/drawing/2010/main" xmlns="">
                 <a:effectLst>
                   <a:outerShdw dist="35921" dir="2700000" algn="ctr" rotWithShape="0">
                     <a:schemeClr val="bg2"/>
@@ -9358,11 +9394,7 @@
             </a:r>
             <a:r>
               <a:rPr lang="en-ZA" dirty="0" smtClean="0"/>
-              <a:t>Results: </a:t>
-            </a:r>
-            <a:r>
-              <a:rPr lang="en-ZA" dirty="0" smtClean="0"/>
-              <a:t>Amplification</a:t>
+              <a:t>Results: Amplification</a:t>
             </a:r>
             <a:endParaRPr lang="en-ZA" dirty="0"/>
           </a:p>
@@ -9442,14 +9474,14 @@
           </a:ln>
           <a:extLst>
             <a:ext uri="{909E8E84-426E-40dd-AFC4-6F175D3DCCD1}">
-              <a14:hiddenFill xmlns="" xmlns:a14="http://schemas.microsoft.com/office/drawing/2010/main">
+              <a14:hiddenFill xmlns:a14="http://schemas.microsoft.com/office/drawing/2010/main" xmlns="">
                 <a:solidFill>
                   <a:srgbClr val="FFFFFF"/>
                 </a:solidFill>
               </a14:hiddenFill>
             </a:ext>
             <a:ext uri="{91240B29-F687-4f45-9708-019B960494DF}">
-              <a14:hiddenLine xmlns="" xmlns:a14="http://schemas.microsoft.com/office/drawing/2010/main" w="9525">
+              <a14:hiddenLine xmlns:a14="http://schemas.microsoft.com/office/drawing/2010/main" xmlns="" w="9525">
                 <a:solidFill>
                   <a:srgbClr val="000000"/>
                 </a:solidFill>
@@ -9459,7 +9491,7 @@
               </a14:hiddenLine>
             </a:ext>
             <a:ext uri="{FAA26D3D-D897-4be2-8F04-BA451C77F1D7}">
-              <ma14:placeholderFlag xmlns="" xmlns:ma14="http://schemas.microsoft.com/office/mac/drawingml/2011/main" val="1"/>
+              <ma14:placeholderFlag xmlns:ma14="http://schemas.microsoft.com/office/mac/drawingml/2011/main" xmlns="" val="1"/>
             </a:ext>
           </a:extLst>
         </p:spPr>
@@ -9974,7 +10006,7 @@
         <a:effectLst/>
         <a:extLst>
           <a:ext uri="{91240B29-F687-4f45-9708-019B960494DF}">
-            <a14:hiddenLine xmlns="" xmlns:a14="http://schemas.microsoft.com/office/drawing/2010/main" w="9525" cap="flat" cmpd="sng" algn="ctr">
+            <a14:hiddenLine xmlns:a14="http://schemas.microsoft.com/office/drawing/2010/main" xmlns="" w="9525" cap="flat" cmpd="sng" algn="ctr">
               <a:solidFill>
                 <a:schemeClr val="tx1"/>
               </a:solidFill>
@@ -9985,7 +10017,7 @@
             </a14:hiddenLine>
           </a:ext>
           <a:ext uri="{AF507438-7753-43e0-B8FC-AC1667EBCBE1}">
-            <a14:hiddenEffects xmlns="" xmlns:a14="http://schemas.microsoft.com/office/drawing/2010/main">
+            <a14:hiddenEffects xmlns:a14="http://schemas.microsoft.com/office/drawing/2010/main" xmlns="">
               <a:effectLst>
                 <a:outerShdw dist="35921" dir="2700000" algn="ctr" rotWithShape="0">
                   <a:schemeClr val="bg2"/>
@@ -10052,7 +10084,7 @@
         <a:effectLst/>
         <a:extLst>
           <a:ext uri="{91240B29-F687-4f45-9708-019B960494DF}">
-            <a14:hiddenLine xmlns="" xmlns:a14="http://schemas.microsoft.com/office/drawing/2010/main" w="9525" cap="flat" cmpd="sng" algn="ctr">
+            <a14:hiddenLine xmlns:a14="http://schemas.microsoft.com/office/drawing/2010/main" xmlns="" w="9525" cap="flat" cmpd="sng" algn="ctr">
               <a:solidFill>
                 <a:schemeClr val="tx1"/>
               </a:solidFill>
@@ -10063,7 +10095,7 @@
             </a14:hiddenLine>
           </a:ext>
           <a:ext uri="{AF507438-7753-43e0-B8FC-AC1667EBCBE1}">
-            <a14:hiddenEffects xmlns="" xmlns:a14="http://schemas.microsoft.com/office/drawing/2010/main">
+            <a14:hiddenEffects xmlns:a14="http://schemas.microsoft.com/office/drawing/2010/main" xmlns="">
               <a:effectLst>
                 <a:outerShdw dist="35921" dir="2700000" algn="ctr" rotWithShape="0">
                   <a:schemeClr val="bg2"/>

--- a/Presentation/Lab Project Presentation.pptx
+++ b/Presentation/Lab Project Presentation.pptx
@@ -2940,7 +2940,7 @@
           </a:ln>
           <a:extLst>
             <a:ext uri="{909E8E84-426E-40dd-AFC4-6F175D3DCCD1}">
-              <a14:hiddenFill xmlns:a14="http://schemas.microsoft.com/office/drawing/2010/main" xmlns="">
+              <a14:hiddenFill xmlns="" xmlns:a14="http://schemas.microsoft.com/office/drawing/2010/main">
                 <a:noFill/>
               </a14:hiddenFill>
             </a:ext>
@@ -2978,14 +2978,14 @@
           </a:ln>
           <a:extLst>
             <a:ext uri="{909E8E84-426E-40dd-AFC4-6F175D3DCCD1}">
-              <a14:hiddenFill xmlns:a14="http://schemas.microsoft.com/office/drawing/2010/main" xmlns="">
+              <a14:hiddenFill xmlns="" xmlns:a14="http://schemas.microsoft.com/office/drawing/2010/main">
                 <a:solidFill>
                   <a:srgbClr val="FFFFFF"/>
                 </a:solidFill>
               </a14:hiddenFill>
             </a:ext>
             <a:ext uri="{91240B29-F687-4f45-9708-019B960494DF}">
-              <a14:hiddenLine xmlns:a14="http://schemas.microsoft.com/office/drawing/2010/main" xmlns="" w="9525">
+              <a14:hiddenLine xmlns="" xmlns:a14="http://schemas.microsoft.com/office/drawing/2010/main" w="9525">
                 <a:solidFill>
                   <a:srgbClr val="000000"/>
                 </a:solidFill>
@@ -2995,7 +2995,7 @@
               </a14:hiddenLine>
             </a:ext>
             <a:ext uri="{FAA26D3D-D897-4be2-8F04-BA451C77F1D7}">
-              <ma14:placeholderFlag xmlns:ma14="http://schemas.microsoft.com/office/mac/drawingml/2011/main" xmlns="" val="1"/>
+              <ma14:placeholderFlag xmlns="" xmlns:ma14="http://schemas.microsoft.com/office/mac/drawingml/2011/main" val="1"/>
             </a:ext>
           </a:extLst>
         </p:spPr>
@@ -3043,7 +3043,7 @@
           </a:ln>
           <a:extLst>
             <a:ext uri="{909E8E84-426E-40dd-AFC4-6F175D3DCCD1}">
-              <a14:hiddenFill xmlns:a14="http://schemas.microsoft.com/office/drawing/2010/main" xmlns="">
+              <a14:hiddenFill xmlns="" xmlns:a14="http://schemas.microsoft.com/office/drawing/2010/main">
                 <a:noFill/>
               </a14:hiddenFill>
             </a:ext>
@@ -3079,14 +3079,14 @@
           </a:ln>
           <a:extLst>
             <a:ext uri="{909E8E84-426E-40dd-AFC4-6F175D3DCCD1}">
-              <a14:hiddenFill xmlns:a14="http://schemas.microsoft.com/office/drawing/2010/main" xmlns="">
+              <a14:hiddenFill xmlns="" xmlns:a14="http://schemas.microsoft.com/office/drawing/2010/main">
                 <a:solidFill>
                   <a:srgbClr val="FFFFFF"/>
                 </a:solidFill>
               </a14:hiddenFill>
             </a:ext>
             <a:ext uri="{91240B29-F687-4f45-9708-019B960494DF}">
-              <a14:hiddenLine xmlns:a14="http://schemas.microsoft.com/office/drawing/2010/main" xmlns="" w="9525">
+              <a14:hiddenLine xmlns="" xmlns:a14="http://schemas.microsoft.com/office/drawing/2010/main" w="9525">
                 <a:solidFill>
                   <a:srgbClr val="000000"/>
                 </a:solidFill>
@@ -3243,14 +3243,14 @@
           </a:ln>
           <a:extLst>
             <a:ext uri="{909E8E84-426E-40dd-AFC4-6F175D3DCCD1}">
-              <a14:hiddenFill xmlns:a14="http://schemas.microsoft.com/office/drawing/2010/main" xmlns="">
+              <a14:hiddenFill xmlns="" xmlns:a14="http://schemas.microsoft.com/office/drawing/2010/main">
                 <a:solidFill>
                   <a:srgbClr val="FFFFFF"/>
                 </a:solidFill>
               </a14:hiddenFill>
             </a:ext>
             <a:ext uri="{91240B29-F687-4f45-9708-019B960494DF}">
-              <a14:hiddenLine xmlns:a14="http://schemas.microsoft.com/office/drawing/2010/main" xmlns="" w="9525">
+              <a14:hiddenLine xmlns="" xmlns:a14="http://schemas.microsoft.com/office/drawing/2010/main" w="9525">
                 <a:solidFill>
                   <a:srgbClr val="000000"/>
                 </a:solidFill>
@@ -3260,7 +3260,7 @@
               </a14:hiddenLine>
             </a:ext>
             <a:ext uri="{FAA26D3D-D897-4be2-8F04-BA451C77F1D7}">
-              <ma14:placeholderFlag xmlns:ma14="http://schemas.microsoft.com/office/mac/drawingml/2011/main" xmlns="" val="1"/>
+              <ma14:placeholderFlag xmlns="" xmlns:ma14="http://schemas.microsoft.com/office/mac/drawingml/2011/main" val="1"/>
             </a:ext>
           </a:extLst>
         </p:spPr>
@@ -3912,14 +3912,14 @@
           </a:ln>
           <a:extLst>
             <a:ext uri="{909E8E84-426E-40dd-AFC4-6F175D3DCCD1}">
-              <a14:hiddenFill xmlns:a14="http://schemas.microsoft.com/office/drawing/2010/main" xmlns="">
+              <a14:hiddenFill xmlns="" xmlns:a14="http://schemas.microsoft.com/office/drawing/2010/main">
                 <a:solidFill>
                   <a:srgbClr val="FFFFFF"/>
                 </a:solidFill>
               </a14:hiddenFill>
             </a:ext>
             <a:ext uri="{91240B29-F687-4f45-9708-019B960494DF}">
-              <a14:hiddenLine xmlns:a14="http://schemas.microsoft.com/office/drawing/2010/main" xmlns="" w="9525">
+              <a14:hiddenLine xmlns="" xmlns:a14="http://schemas.microsoft.com/office/drawing/2010/main" w="9525">
                 <a:solidFill>
                   <a:srgbClr val="000000"/>
                 </a:solidFill>
@@ -4352,7 +4352,7 @@
                   </a14:hiddenLine>
                 </a:ext>
                 <a:ext uri="{FAA26D3D-D897-4be2-8F04-BA451C77F1D7}">
-                  <ma14:placeholderFlag xmlns:ma14="http://schemas.microsoft.com/office/mac/drawingml/2011/main" xmlns="" val="1"/>
+                  <ma14:placeholderFlag xmlns="" xmlns:ma14="http://schemas.microsoft.com/office/mac/drawingml/2011/main" val="1"/>
                 </a:ext>
               </a:extLst>
             </p:spPr>
@@ -4917,14 +4917,14 @@
           </a:ln>
           <a:extLst>
             <a:ext uri="{909E8E84-426E-40dd-AFC4-6F175D3DCCD1}">
-              <a14:hiddenFill xmlns:a14="http://schemas.microsoft.com/office/drawing/2010/main" xmlns="">
+              <a14:hiddenFill xmlns="" xmlns:a14="http://schemas.microsoft.com/office/drawing/2010/main">
                 <a:solidFill>
                   <a:srgbClr val="FFFFFF"/>
                 </a:solidFill>
               </a14:hiddenFill>
             </a:ext>
             <a:ext uri="{91240B29-F687-4f45-9708-019B960494DF}">
-              <a14:hiddenLine xmlns:a14="http://schemas.microsoft.com/office/drawing/2010/main" xmlns="" w="9525">
+              <a14:hiddenLine xmlns="" xmlns:a14="http://schemas.microsoft.com/office/drawing/2010/main" w="9525">
                 <a:solidFill>
                   <a:srgbClr val="000000"/>
                 </a:solidFill>
@@ -4934,7 +4934,7 @@
               </a14:hiddenLine>
             </a:ext>
             <a:ext uri="{FAA26D3D-D897-4be2-8F04-BA451C77F1D7}">
-              <ma14:placeholderFlag xmlns:ma14="http://schemas.microsoft.com/office/mac/drawingml/2011/main" xmlns="" val="1"/>
+              <ma14:placeholderFlag xmlns="" xmlns:ma14="http://schemas.microsoft.com/office/mac/drawingml/2011/main" val="1"/>
             </a:ext>
           </a:extLst>
         </p:spPr>
@@ -5163,13 +5163,8 @@
           <a:p>
             <a:r>
               <a:rPr lang="en-ZA" kern="0" dirty="0" smtClean="0"/>
-              <a:t>Total cost: </a:t>
-            </a:r>
-            <a:r>
-              <a:rPr lang="en-ZA" kern="0" dirty="0" smtClean="0"/>
-              <a:t>$100</a:t>
-            </a:r>
-            <a:endParaRPr lang="en-ZA" kern="0" dirty="0" smtClean="0"/>
+              <a:t>Total cost: $100</a:t>
+            </a:r>
           </a:p>
           <a:p>
             <a:r>
@@ -5432,14 +5427,14 @@
           </a:ln>
           <a:extLst>
             <a:ext uri="{909E8E84-426E-40dd-AFC4-6F175D3DCCD1}">
-              <a14:hiddenFill xmlns:a14="http://schemas.microsoft.com/office/drawing/2010/main" xmlns="">
+              <a14:hiddenFill xmlns="" xmlns:a14="http://schemas.microsoft.com/office/drawing/2010/main">
                 <a:solidFill>
                   <a:srgbClr val="FFFFFF"/>
                 </a:solidFill>
               </a14:hiddenFill>
             </a:ext>
             <a:ext uri="{91240B29-F687-4f45-9708-019B960494DF}">
-              <a14:hiddenLine xmlns:a14="http://schemas.microsoft.com/office/drawing/2010/main" xmlns="" w="9525">
+              <a14:hiddenLine xmlns="" xmlns:a14="http://schemas.microsoft.com/office/drawing/2010/main" w="9525">
                 <a:solidFill>
                   <a:srgbClr val="000000"/>
                 </a:solidFill>
@@ -5449,7 +5444,7 @@
               </a14:hiddenLine>
             </a:ext>
             <a:ext uri="{FAA26D3D-D897-4be2-8F04-BA451C77F1D7}">
-              <ma14:placeholderFlag xmlns:ma14="http://schemas.microsoft.com/office/mac/drawingml/2011/main" xmlns="" val="1"/>
+              <ma14:placeholderFlag xmlns="" xmlns:ma14="http://schemas.microsoft.com/office/mac/drawingml/2011/main" val="1"/>
             </a:ext>
           </a:extLst>
         </p:spPr>
@@ -7086,8 +7081,13 @@
           <a:p>
             <a:r>
               <a:rPr lang="en-ZA" dirty="0" smtClean="0"/>
-              <a:t>Low cost – under R1500</a:t>
-            </a:r>
+              <a:t>Low cost – </a:t>
+            </a:r>
+            <a:r>
+              <a:rPr lang="en-ZA" dirty="0" smtClean="0"/>
+              <a:t>$100</a:t>
+            </a:r>
+            <a:endParaRPr lang="en-ZA" dirty="0" smtClean="0"/>
           </a:p>
           <a:p>
             <a:r>
@@ -9300,7 +9300,7 @@
           <a:ln/>
           <a:extLst>
             <a:ext uri="{91240B29-F687-4f45-9708-019B960494DF}">
-              <a14:hiddenLine xmlns:a14="http://schemas.microsoft.com/office/drawing/2010/main" xmlns="" w="9525" cap="flat" cmpd="sng" algn="ctr">
+              <a14:hiddenLine xmlns="" xmlns:a14="http://schemas.microsoft.com/office/drawing/2010/main" w="9525" cap="flat" cmpd="sng" algn="ctr">
                 <a:solidFill>
                   <a:schemeClr val="tx1"/>
                 </a:solidFill>
@@ -9311,7 +9311,7 @@
               </a14:hiddenLine>
             </a:ext>
             <a:ext uri="{AF507438-7753-43e0-B8FC-AC1667EBCBE1}">
-              <a14:hiddenEffects xmlns:a14="http://schemas.microsoft.com/office/drawing/2010/main" xmlns="">
+              <a14:hiddenEffects xmlns="" xmlns:a14="http://schemas.microsoft.com/office/drawing/2010/main">
                 <a:effectLst>
                   <a:outerShdw dist="35921" dir="2700000" algn="ctr" rotWithShape="0">
                     <a:schemeClr val="bg2"/>
@@ -9474,14 +9474,14 @@
           </a:ln>
           <a:extLst>
             <a:ext uri="{909E8E84-426E-40dd-AFC4-6F175D3DCCD1}">
-              <a14:hiddenFill xmlns:a14="http://schemas.microsoft.com/office/drawing/2010/main" xmlns="">
+              <a14:hiddenFill xmlns="" xmlns:a14="http://schemas.microsoft.com/office/drawing/2010/main">
                 <a:solidFill>
                   <a:srgbClr val="FFFFFF"/>
                 </a:solidFill>
               </a14:hiddenFill>
             </a:ext>
             <a:ext uri="{91240B29-F687-4f45-9708-019B960494DF}">
-              <a14:hiddenLine xmlns:a14="http://schemas.microsoft.com/office/drawing/2010/main" xmlns="" w="9525">
+              <a14:hiddenLine xmlns="" xmlns:a14="http://schemas.microsoft.com/office/drawing/2010/main" w="9525">
                 <a:solidFill>
                   <a:srgbClr val="000000"/>
                 </a:solidFill>
@@ -9491,7 +9491,7 @@
               </a14:hiddenLine>
             </a:ext>
             <a:ext uri="{FAA26D3D-D897-4be2-8F04-BA451C77F1D7}">
-              <ma14:placeholderFlag xmlns:ma14="http://schemas.microsoft.com/office/mac/drawingml/2011/main" xmlns="" val="1"/>
+              <ma14:placeholderFlag xmlns="" xmlns:ma14="http://schemas.microsoft.com/office/mac/drawingml/2011/main" val="1"/>
             </a:ext>
           </a:extLst>
         </p:spPr>
@@ -10006,7 +10006,7 @@
         <a:effectLst/>
         <a:extLst>
           <a:ext uri="{91240B29-F687-4f45-9708-019B960494DF}">
-            <a14:hiddenLine xmlns:a14="http://schemas.microsoft.com/office/drawing/2010/main" xmlns="" w="9525" cap="flat" cmpd="sng" algn="ctr">
+            <a14:hiddenLine xmlns="" xmlns:a14="http://schemas.microsoft.com/office/drawing/2010/main" w="9525" cap="flat" cmpd="sng" algn="ctr">
               <a:solidFill>
                 <a:schemeClr val="tx1"/>
               </a:solidFill>
@@ -10017,7 +10017,7 @@
             </a14:hiddenLine>
           </a:ext>
           <a:ext uri="{AF507438-7753-43e0-B8FC-AC1667EBCBE1}">
-            <a14:hiddenEffects xmlns:a14="http://schemas.microsoft.com/office/drawing/2010/main" xmlns="">
+            <a14:hiddenEffects xmlns="" xmlns:a14="http://schemas.microsoft.com/office/drawing/2010/main">
               <a:effectLst>
                 <a:outerShdw dist="35921" dir="2700000" algn="ctr" rotWithShape="0">
                   <a:schemeClr val="bg2"/>
@@ -10084,7 +10084,7 @@
         <a:effectLst/>
         <a:extLst>
           <a:ext uri="{91240B29-F687-4f45-9708-019B960494DF}">
-            <a14:hiddenLine xmlns:a14="http://schemas.microsoft.com/office/drawing/2010/main" xmlns="" w="9525" cap="flat" cmpd="sng" algn="ctr">
+            <a14:hiddenLine xmlns="" xmlns:a14="http://schemas.microsoft.com/office/drawing/2010/main" w="9525" cap="flat" cmpd="sng" algn="ctr">
               <a:solidFill>
                 <a:schemeClr val="tx1"/>
               </a:solidFill>
@@ -10095,7 +10095,7 @@
             </a14:hiddenLine>
           </a:ext>
           <a:ext uri="{AF507438-7753-43e0-B8FC-AC1667EBCBE1}">
-            <a14:hiddenEffects xmlns:a14="http://schemas.microsoft.com/office/drawing/2010/main" xmlns="">
+            <a14:hiddenEffects xmlns="" xmlns:a14="http://schemas.microsoft.com/office/drawing/2010/main">
               <a:effectLst>
                 <a:outerShdw dist="35921" dir="2700000" algn="ctr" rotWithShape="0">
                   <a:schemeClr val="bg2"/>

--- a/Presentation/Lab Project Presentation.pptx
+++ b/Presentation/Lab Project Presentation.pptx
@@ -5,28 +5,30 @@
     <p:sldMasterId id="2147483660" r:id="rId1"/>
   </p:sldMasterIdLst>
   <p:notesMasterIdLst>
-    <p:notesMasterId r:id="rId18"/>
+    <p:notesMasterId r:id="rId20"/>
   </p:notesMasterIdLst>
   <p:handoutMasterIdLst>
-    <p:handoutMasterId r:id="rId19"/>
+    <p:handoutMasterId r:id="rId21"/>
   </p:handoutMasterIdLst>
   <p:sldIdLst>
     <p:sldId id="256" r:id="rId2"/>
-    <p:sldId id="258" r:id="rId3"/>
-    <p:sldId id="264" r:id="rId4"/>
-    <p:sldId id="265" r:id="rId5"/>
-    <p:sldId id="259" r:id="rId6"/>
-    <p:sldId id="260" r:id="rId7"/>
-    <p:sldId id="261" r:id="rId8"/>
-    <p:sldId id="270" r:id="rId9"/>
-    <p:sldId id="262" r:id="rId10"/>
-    <p:sldId id="269" r:id="rId11"/>
-    <p:sldId id="263" r:id="rId12"/>
-    <p:sldId id="271" r:id="rId13"/>
-    <p:sldId id="266" r:id="rId14"/>
-    <p:sldId id="267" r:id="rId15"/>
-    <p:sldId id="273" r:id="rId16"/>
-    <p:sldId id="272" r:id="rId17"/>
+    <p:sldId id="274" r:id="rId3"/>
+    <p:sldId id="275" r:id="rId4"/>
+    <p:sldId id="258" r:id="rId5"/>
+    <p:sldId id="264" r:id="rId6"/>
+    <p:sldId id="265" r:id="rId7"/>
+    <p:sldId id="259" r:id="rId8"/>
+    <p:sldId id="260" r:id="rId9"/>
+    <p:sldId id="261" r:id="rId10"/>
+    <p:sldId id="270" r:id="rId11"/>
+    <p:sldId id="262" r:id="rId12"/>
+    <p:sldId id="269" r:id="rId13"/>
+    <p:sldId id="263" r:id="rId14"/>
+    <p:sldId id="271" r:id="rId15"/>
+    <p:sldId id="266" r:id="rId16"/>
+    <p:sldId id="267" r:id="rId17"/>
+    <p:sldId id="273" r:id="rId18"/>
+    <p:sldId id="272" r:id="rId19"/>
   </p:sldIdLst>
   <p:sldSz cx="9906000" cy="6858000" type="A4"/>
   <p:notesSz cx="6858000" cy="9144000"/>
@@ -778,7 +780,7 @@
           <a:p>
             <a:fld id="{36236DF1-55A4-5143-AE5D-F9A532F68BCC}" type="slidenum">
               <a:rPr lang="en-US" smtClean="0"/>
-              <a:t>5</a:t>
+              <a:t>7</a:t>
             </a:fld>
             <a:endParaRPr lang="en-US"/>
           </a:p>
@@ -885,7 +887,7 @@
           <a:p>
             <a:fld id="{36236DF1-55A4-5143-AE5D-F9A532F68BCC}" type="slidenum">
               <a:rPr lang="en-US" smtClean="0"/>
-              <a:t>10</a:t>
+              <a:t>12</a:t>
             </a:fld>
             <a:endParaRPr lang="en-US"/>
           </a:p>
@@ -989,7 +991,7 @@
           <a:p>
             <a:fld id="{36236DF1-55A4-5143-AE5D-F9A532F68BCC}" type="slidenum">
               <a:rPr lang="en-US" smtClean="0"/>
-              <a:t>12</a:t>
+              <a:t>14</a:t>
             </a:fld>
             <a:endParaRPr lang="en-US"/>
           </a:p>
@@ -4094,7 +4096,7 @@
           <a:p>
             <a:r>
               <a:rPr lang="en-ZA" dirty="0"/>
-              <a:t>Hardware Results: Amplification</a:t>
+              <a:t>Simulation Results: Amplification</a:t>
             </a:r>
           </a:p>
         </p:txBody>
@@ -4110,7 +4112,7 @@
           </p:nvPr>
         </p:nvPicPr>
         <p:blipFill>
-          <a:blip r:embed="rId3">
+          <a:blip r:embed="rId2">
             <a:extLst>
               <a:ext uri="{28A0092B-C50C-407E-A947-70E740481C1C}">
                 <a14:useLocalDpi xmlns:a14="http://schemas.microsoft.com/office/drawing/2010/main" val="0"/>
@@ -4123,8 +4125,8 @@
         </p:blipFill>
         <p:spPr>
           <a:xfrm>
-            <a:off x="3494477" y="2420888"/>
-            <a:ext cx="6411523" cy="3786153"/>
+            <a:off x="1424608" y="3212976"/>
+            <a:ext cx="6808230" cy="3029014"/>
           </a:xfrm>
         </p:spPr>
       </p:pic>
@@ -4419,19 +4421,13 @@
           <a:p>
             <a:r>
               <a:rPr lang="en-ZA" kern="0" dirty="0"/>
-              <a:t>Total cost: $100</a:t>
+              <a:t>Matched to an audiogram</a:t>
             </a:r>
           </a:p>
           <a:p>
             <a:r>
               <a:rPr lang="en-ZA" kern="0" dirty="0"/>
-              <a:t>Input sound                                                       frequency:                                                                        3.15 kHz</a:t>
-            </a:r>
-          </a:p>
-          <a:p>
-            <a:r>
-              <a:rPr lang="en-ZA" kern="0" dirty="0"/>
-              <a:t>Error caused by                                                  interaction of                                                                 stop-bands</a:t>
+              <a:t>Average error per frequency band:  1.41%</a:t>
             </a:r>
           </a:p>
           <a:p>
@@ -4442,7 +4438,7 @@
     </p:spTree>
     <p:extLst>
       <p:ext uri="{BB962C8B-B14F-4D97-AF65-F5344CB8AC3E}">
-        <p14:creationId xmlns:p14="http://schemas.microsoft.com/office/powerpoint/2010/main" val="16925167"/>
+        <p14:creationId xmlns:p14="http://schemas.microsoft.com/office/powerpoint/2010/main" val="242225206"/>
       </p:ext>
     </p:extLst>
   </p:cSld>
@@ -4486,7 +4482,7 @@
           <a:p>
             <a:r>
               <a:rPr lang="en-ZA" dirty="0"/>
-              <a:t>Hardware Results: Directionality</a:t>
+              <a:t>Simulation Results: Directionality</a:t>
             </a:r>
           </a:p>
         </p:txBody>
@@ -4515,8 +4511,8 @@
         </p:blipFill>
         <p:spPr>
           <a:xfrm>
-            <a:off x="6668630" y="1891384"/>
-            <a:ext cx="3237370" cy="3083942"/>
+            <a:off x="3512840" y="2036664"/>
+            <a:ext cx="3298704" cy="3069834"/>
           </a:xfrm>
         </p:spPr>
       </p:pic>
@@ -4565,8 +4561,8 @@
         </p:blipFill>
         <p:spPr>
           <a:xfrm>
-            <a:off x="3607795" y="1881214"/>
-            <a:ext cx="3224808" cy="3083942"/>
+            <a:off x="6751214" y="2033772"/>
+            <a:ext cx="3154786" cy="2929794"/>
           </a:xfrm>
           <a:prstGeom prst="rect">
             <a:avLst/>
@@ -4581,7 +4577,7 @@
         </p:nvSpPr>
         <p:spPr>
           <a:xfrm>
-            <a:off x="7977336" y="4931163"/>
+            <a:off x="4752915" y="5023460"/>
             <a:ext cx="2376264" cy="461665"/>
           </a:xfrm>
           <a:prstGeom prst="rect">
@@ -4597,10 +4593,16 @@
           <a:p>
             <a:r>
               <a:rPr lang="en-ZA" sz="2400" b="1" dirty="0">
-                <a:latin typeface="+mj-lt"/>
                 <a:cs typeface="Times New Roman" panose="02020603050405020304" pitchFamily="18" charset="0"/>
               </a:rPr>
-              <a:t>90°</a:t>
+              <a:t>60</a:t>
+            </a:r>
+            <a:r>
+              <a:rPr lang="en-ZA" sz="2400" b="1" dirty="0">
+                <a:latin typeface="Times New Roman" panose="02020603050405020304" pitchFamily="18" charset="0"/>
+                <a:cs typeface="Times New Roman" panose="02020603050405020304" pitchFamily="18" charset="0"/>
+              </a:rPr>
+              <a:t>°</a:t>
             </a:r>
           </a:p>
         </p:txBody>
@@ -4613,7 +4615,7 @@
         </p:nvSpPr>
         <p:spPr>
           <a:xfrm>
-            <a:off x="4804905" y="4885983"/>
+            <a:off x="8049344" y="5105130"/>
             <a:ext cx="2376264" cy="461665"/>
           </a:xfrm>
           <a:prstGeom prst="rect">
@@ -4629,17 +4631,596 @@
           <a:p>
             <a:r>
               <a:rPr lang="en-ZA" sz="2400" b="1" dirty="0">
-                <a:latin typeface="+mj-lt"/>
                 <a:cs typeface="Times New Roman" panose="02020603050405020304" pitchFamily="18" charset="0"/>
               </a:rPr>
-              <a:t>60°</a:t>
-            </a:r>
-          </a:p>
-        </p:txBody>
-      </p:sp>
-      <p:sp>
-        <p:nvSpPr>
-          <p:cNvPr id="12" name="Content Placeholder 2"/>
+              <a:t>90</a:t>
+            </a:r>
+            <a:r>
+              <a:rPr lang="en-ZA" sz="2400" b="1" dirty="0">
+                <a:latin typeface="Times New Roman" panose="02020603050405020304" pitchFamily="18" charset="0"/>
+                <a:cs typeface="Times New Roman" panose="02020603050405020304" pitchFamily="18" charset="0"/>
+              </a:rPr>
+              <a:t>°</a:t>
+            </a:r>
+          </a:p>
+        </p:txBody>
+      </p:sp>
+      <mc:AlternateContent xmlns:mc="http://schemas.openxmlformats.org/markup-compatibility/2006" xmlns:a14="http://schemas.microsoft.com/office/drawing/2010/main">
+        <mc:Choice Requires="a14">
+          <p:sp>
+            <p:nvSpPr>
+              <p:cNvPr id="11" name="Content Placeholder 2"/>
+              <p:cNvSpPr txBox="1">
+                <a:spLocks/>
+              </p:cNvSpPr>
+              <p:nvPr/>
+            </p:nvSpPr>
+            <p:spPr bwMode="auto">
+              <a:xfrm>
+                <a:off x="138713" y="1748267"/>
+                <a:ext cx="4094207" cy="4673319"/>
+              </a:xfrm>
+              <a:prstGeom prst="rect">
+                <a:avLst/>
+              </a:prstGeom>
+              <a:noFill/>
+              <a:ln>
+                <a:noFill/>
+              </a:ln>
+              <a:extLst>
+                <a:ext uri="{909E8E84-426E-40dd-AFC4-6F175D3DCCD1}">
+                  <a14:hiddenFill xmlns="">
+                    <a:solidFill>
+                      <a:srgbClr val="FFFFFF"/>
+                    </a:solidFill>
+                  </a14:hiddenFill>
+                </a:ext>
+                <a:ext uri="{91240B29-F687-4f45-9708-019B960494DF}">
+                  <a14:hiddenLine xmlns="" w="9525">
+                    <a:solidFill>
+                      <a:srgbClr val="000000"/>
+                    </a:solidFill>
+                    <a:miter lim="800000"/>
+                    <a:headEnd/>
+                    <a:tailEnd/>
+                  </a14:hiddenLine>
+                </a:ext>
+                <a:ext uri="{FAA26D3D-D897-4be2-8F04-BA451C77F1D7}">
+                  <ma14:placeholderFlag xmlns:ma14="http://schemas.microsoft.com/office/mac/drawingml/2011/main" xmlns="" val="1"/>
+                </a:ext>
+              </a:extLst>
+            </p:spPr>
+            <p:txBody>
+              <a:bodyPr vert="horz" wrap="square" lIns="92075" tIns="46038" rIns="92075" bIns="46038" numCol="1" anchor="t" anchorCtr="0" compatLnSpc="1">
+                <a:prstTxWarp prst="textNoShape">
+                  <a:avLst/>
+                </a:prstTxWarp>
+              </a:bodyPr>
+              <a:lstStyle>
+                <a:lvl1pPr marL="762000" indent="-571500" algn="l" defTabSz="762000" rtl="0" eaLnBrk="1" fontAlgn="base" hangingPunct="1">
+                  <a:spcBef>
+                    <a:spcPct val="70000"/>
+                  </a:spcBef>
+                  <a:spcAft>
+                    <a:spcPct val="0"/>
+                  </a:spcAft>
+                  <a:buClr>
+                    <a:srgbClr val="154E7E"/>
+                  </a:buClr>
+                  <a:buSzPct val="100000"/>
+                  <a:buFont typeface="Wingdings" charset="0"/>
+                  <a:buChar char="l"/>
+                  <a:defRPr sz="2400" b="1">
+                    <a:solidFill>
+                      <a:schemeClr val="tx1"/>
+                    </a:solidFill>
+                    <a:latin typeface="+mn-lt"/>
+                    <a:ea typeface="MS PGothic" panose="020B0600070205080204" pitchFamily="34" charset="-128"/>
+                    <a:cs typeface="MS PGothic" charset="0"/>
+                  </a:defRPr>
+                </a:lvl1pPr>
+                <a:lvl2pPr marL="1524000" indent="-381000" algn="l" defTabSz="762000" rtl="0" eaLnBrk="1" fontAlgn="base" hangingPunct="1">
+                  <a:lnSpc>
+                    <a:spcPct val="90000"/>
+                  </a:lnSpc>
+                  <a:spcBef>
+                    <a:spcPct val="30000"/>
+                  </a:spcBef>
+                  <a:spcAft>
+                    <a:spcPct val="0"/>
+                  </a:spcAft>
+                  <a:buClr>
+                    <a:srgbClr val="154E7E"/>
+                  </a:buClr>
+                  <a:buSzPct val="100000"/>
+                  <a:buFont typeface="Wingdings" charset="0"/>
+                  <a:buChar char="Ø"/>
+                  <a:defRPr sz="2000" b="1">
+                    <a:solidFill>
+                      <a:schemeClr val="tx1"/>
+                    </a:solidFill>
+                    <a:latin typeface="+mn-lt"/>
+                    <a:ea typeface="MS PGothic" panose="020B0600070205080204" pitchFamily="34" charset="-128"/>
+                    <a:cs typeface="MS PGothic" charset="0"/>
+                  </a:defRPr>
+                </a:lvl2pPr>
+                <a:lvl3pPr marL="2190750" indent="-285750" algn="l" defTabSz="762000" rtl="0" eaLnBrk="1" fontAlgn="base" hangingPunct="1">
+                  <a:lnSpc>
+                    <a:spcPct val="90000"/>
+                  </a:lnSpc>
+                  <a:spcBef>
+                    <a:spcPct val="30000"/>
+                  </a:spcBef>
+                  <a:spcAft>
+                    <a:spcPct val="0"/>
+                  </a:spcAft>
+                  <a:buClr>
+                    <a:srgbClr val="154E7E"/>
+                  </a:buClr>
+                  <a:buSzPct val="100000"/>
+                  <a:buFont typeface="Wingdings" charset="0"/>
+                  <a:buChar char="§"/>
+                  <a:defRPr b="1">
+                    <a:solidFill>
+                      <a:schemeClr val="tx1"/>
+                    </a:solidFill>
+                    <a:latin typeface="+mn-lt"/>
+                    <a:ea typeface="MS PGothic" panose="020B0600070205080204" pitchFamily="34" charset="-128"/>
+                    <a:cs typeface="MS PGothic" charset="0"/>
+                  </a:defRPr>
+                </a:lvl3pPr>
+                <a:lvl4pPr marL="2647950" indent="-171450" algn="l" defTabSz="762000" rtl="0" eaLnBrk="1" fontAlgn="base" hangingPunct="1">
+                  <a:lnSpc>
+                    <a:spcPct val="90000"/>
+                  </a:lnSpc>
+                  <a:spcBef>
+                    <a:spcPct val="30000"/>
+                  </a:spcBef>
+                  <a:spcAft>
+                    <a:spcPct val="0"/>
+                  </a:spcAft>
+                  <a:buClr>
+                    <a:srgbClr val="FAFD00"/>
+                  </a:buClr>
+                  <a:buSzPct val="100000"/>
+                  <a:buFont typeface="Arial" charset="0"/>
+                  <a:buChar char="•"/>
+                  <a:defRPr sz="1400" b="1">
+                    <a:solidFill>
+                      <a:schemeClr val="tx1"/>
+                    </a:solidFill>
+                    <a:latin typeface="+mn-lt"/>
+                    <a:ea typeface="MS PGothic" panose="020B0600070205080204" pitchFamily="34" charset="-128"/>
+                    <a:cs typeface="MS PGothic" charset="0"/>
+                  </a:defRPr>
+                </a:lvl4pPr>
+                <a:lvl5pPr marL="3009900" indent="-171450" algn="l" defTabSz="762000" rtl="0" eaLnBrk="1" fontAlgn="base" hangingPunct="1">
+                  <a:lnSpc>
+                    <a:spcPct val="90000"/>
+                  </a:lnSpc>
+                  <a:spcBef>
+                    <a:spcPct val="30000"/>
+                  </a:spcBef>
+                  <a:spcAft>
+                    <a:spcPct val="0"/>
+                  </a:spcAft>
+                  <a:buClr>
+                    <a:srgbClr val="FAFD00"/>
+                  </a:buClr>
+                  <a:buSzPct val="100000"/>
+                  <a:buFont typeface="Arial" charset="0"/>
+                  <a:buChar char="•"/>
+                  <a:defRPr sz="1400" b="1">
+                    <a:solidFill>
+                      <a:schemeClr val="tx1"/>
+                    </a:solidFill>
+                    <a:latin typeface="+mn-lt"/>
+                    <a:ea typeface="MS PGothic" panose="020B0600070205080204" pitchFamily="34" charset="-128"/>
+                    <a:cs typeface="MS PGothic" charset="0"/>
+                  </a:defRPr>
+                </a:lvl5pPr>
+                <a:lvl6pPr marL="3467100" indent="-171450" algn="l" defTabSz="762000" rtl="0" eaLnBrk="1" fontAlgn="base" hangingPunct="1">
+                  <a:lnSpc>
+                    <a:spcPct val="90000"/>
+                  </a:lnSpc>
+                  <a:spcBef>
+                    <a:spcPct val="30000"/>
+                  </a:spcBef>
+                  <a:spcAft>
+                    <a:spcPct val="0"/>
+                  </a:spcAft>
+                  <a:buClr>
+                    <a:srgbClr val="FAFD00"/>
+                  </a:buClr>
+                  <a:buSzPct val="100000"/>
+                  <a:buFont typeface="Arial" charset="0"/>
+                  <a:buChar char="•"/>
+                  <a:defRPr sz="1400" b="1">
+                    <a:solidFill>
+                      <a:schemeClr val="tx1"/>
+                    </a:solidFill>
+                    <a:latin typeface="+mn-lt"/>
+                  </a:defRPr>
+                </a:lvl6pPr>
+                <a:lvl7pPr marL="3924300" indent="-171450" algn="l" defTabSz="762000" rtl="0" eaLnBrk="1" fontAlgn="base" hangingPunct="1">
+                  <a:lnSpc>
+                    <a:spcPct val="90000"/>
+                  </a:lnSpc>
+                  <a:spcBef>
+                    <a:spcPct val="30000"/>
+                  </a:spcBef>
+                  <a:spcAft>
+                    <a:spcPct val="0"/>
+                  </a:spcAft>
+                  <a:buClr>
+                    <a:srgbClr val="FAFD00"/>
+                  </a:buClr>
+                  <a:buSzPct val="100000"/>
+                  <a:buFont typeface="Arial" charset="0"/>
+                  <a:buChar char="•"/>
+                  <a:defRPr sz="1400" b="1">
+                    <a:solidFill>
+                      <a:schemeClr val="tx1"/>
+                    </a:solidFill>
+                    <a:latin typeface="+mn-lt"/>
+                  </a:defRPr>
+                </a:lvl7pPr>
+                <a:lvl8pPr marL="4381500" indent="-171450" algn="l" defTabSz="762000" rtl="0" eaLnBrk="1" fontAlgn="base" hangingPunct="1">
+                  <a:lnSpc>
+                    <a:spcPct val="90000"/>
+                  </a:lnSpc>
+                  <a:spcBef>
+                    <a:spcPct val="30000"/>
+                  </a:spcBef>
+                  <a:spcAft>
+                    <a:spcPct val="0"/>
+                  </a:spcAft>
+                  <a:buClr>
+                    <a:srgbClr val="FAFD00"/>
+                  </a:buClr>
+                  <a:buSzPct val="100000"/>
+                  <a:buFont typeface="Arial" charset="0"/>
+                  <a:buChar char="•"/>
+                  <a:defRPr sz="1400" b="1">
+                    <a:solidFill>
+                      <a:schemeClr val="tx1"/>
+                    </a:solidFill>
+                    <a:latin typeface="+mn-lt"/>
+                  </a:defRPr>
+                </a:lvl8pPr>
+                <a:lvl9pPr marL="4838700" indent="-171450" algn="l" defTabSz="762000" rtl="0" eaLnBrk="1" fontAlgn="base" hangingPunct="1">
+                  <a:lnSpc>
+                    <a:spcPct val="90000"/>
+                  </a:lnSpc>
+                  <a:spcBef>
+                    <a:spcPct val="30000"/>
+                  </a:spcBef>
+                  <a:spcAft>
+                    <a:spcPct val="0"/>
+                  </a:spcAft>
+                  <a:buClr>
+                    <a:srgbClr val="FAFD00"/>
+                  </a:buClr>
+                  <a:buSzPct val="100000"/>
+                  <a:buFont typeface="Arial" charset="0"/>
+                  <a:buChar char="•"/>
+                  <a:defRPr sz="1400" b="1">
+                    <a:solidFill>
+                      <a:schemeClr val="tx1"/>
+                    </a:solidFill>
+                    <a:latin typeface="+mn-lt"/>
+                  </a:defRPr>
+                </a:lvl9pPr>
+              </a:lstStyle>
+              <a:p>
+                <a:r>
+                  <a:rPr lang="en-ZA" kern="0" dirty="0"/>
+                  <a:t>Most precise steering at 3.15 kHz</a:t>
+                </a:r>
+              </a:p>
+              <a:p>
+                <a:r>
+                  <a:rPr lang="en-ZA" kern="0" dirty="0"/>
+                  <a:t>Spatial aliasing </a:t>
+                </a:r>
+              </a:p>
+              <a:p>
+                <a:pPr lvl="1"/>
+                <a14:m>
+                  <m:oMath xmlns:m="http://schemas.openxmlformats.org/officeDocument/2006/math">
+                    <m:r>
+                      <a:rPr lang="en-ZA" b="1" i="1" kern="0" smtClean="0">
+                        <a:latin typeface="Cambria Math" panose="02040503050406030204" pitchFamily="18" charset="0"/>
+                      </a:rPr>
+                      <m:t>𝒅</m:t>
+                    </m:r>
+                    <m:r>
+                      <a:rPr lang="en-ZA" b="1" i="1" kern="0" smtClean="0">
+                        <a:latin typeface="Cambria Math" panose="02040503050406030204" pitchFamily="18" charset="0"/>
+                      </a:rPr>
+                      <m:t>&lt;</m:t>
+                    </m:r>
+                    <m:f>
+                      <m:fPr>
+                        <m:ctrlPr>
+                          <a:rPr lang="en-ZA" b="1" i="1" kern="0" smtClean="0">
+                            <a:latin typeface="Cambria Math" panose="02040503050406030204" pitchFamily="18" charset="0"/>
+                          </a:rPr>
+                        </m:ctrlPr>
+                      </m:fPr>
+                      <m:num>
+                        <m:sSub>
+                          <m:sSubPr>
+                            <m:ctrlPr>
+                              <a:rPr lang="en-ZA" b="1" i="1" kern="0" smtClean="0">
+                                <a:latin typeface="Cambria Math" panose="02040503050406030204" pitchFamily="18" charset="0"/>
+                              </a:rPr>
+                            </m:ctrlPr>
+                          </m:sSubPr>
+                          <m:e>
+                            <m:r>
+                              <m:rPr>
+                                <m:sty m:val="p"/>
+                              </m:rPr>
+                              <a:rPr lang="el-GR" b="1" i="1" kern="0" smtClean="0">
+                                <a:latin typeface="Cambria Math" panose="02040503050406030204" pitchFamily="18" charset="0"/>
+                              </a:rPr>
+                              <m:t>λ</m:t>
+                            </m:r>
+                          </m:e>
+                          <m:sub>
+                            <m:r>
+                              <a:rPr lang="en-ZA" b="1" i="1" kern="0" smtClean="0">
+                                <a:latin typeface="Cambria Math" panose="02040503050406030204" pitchFamily="18" charset="0"/>
+                              </a:rPr>
+                              <m:t>𝒎𝒊𝒏</m:t>
+                            </m:r>
+                          </m:sub>
+                        </m:sSub>
+                      </m:num>
+                      <m:den>
+                        <m:r>
+                          <a:rPr lang="en-ZA" b="1" i="1" kern="0" smtClean="0">
+                            <a:latin typeface="Cambria Math" panose="02040503050406030204" pitchFamily="18" charset="0"/>
+                          </a:rPr>
+                          <m:t>𝟐</m:t>
+                        </m:r>
+                      </m:den>
+                    </m:f>
+                  </m:oMath>
+                </a14:m>
+                <a:endParaRPr lang="en-ZA" kern="0" dirty="0"/>
+              </a:p>
+              <a:p>
+                <a:pPr lvl="1"/>
+                <a14:m>
+                  <m:oMath xmlns:m="http://schemas.openxmlformats.org/officeDocument/2006/math">
+                    <m:r>
+                      <a:rPr lang="en-ZA" b="1" i="1" kern="0" smtClean="0">
+                        <a:latin typeface="Cambria Math" panose="02040503050406030204" pitchFamily="18" charset="0"/>
+                      </a:rPr>
+                      <m:t>𝒅</m:t>
+                    </m:r>
+                  </m:oMath>
+                </a14:m>
+                <a:r>
+                  <a:rPr lang="en-ZA" kern="0" dirty="0"/>
+                  <a:t>= 5cm</a:t>
+                </a:r>
+              </a:p>
+              <a:p>
+                <a:pPr lvl="1"/>
+                <a14:m>
+                  <m:oMath xmlns:m="http://schemas.openxmlformats.org/officeDocument/2006/math">
+                    <m:sSub>
+                      <m:sSubPr>
+                        <m:ctrlPr>
+                          <a:rPr lang="en-ZA" i="1" kern="0" smtClean="0">
+                            <a:latin typeface="Cambria Math" panose="02040503050406030204" pitchFamily="18" charset="0"/>
+                          </a:rPr>
+                        </m:ctrlPr>
+                      </m:sSubPr>
+                      <m:e>
+                        <m:r>
+                          <m:rPr>
+                            <m:sty m:val="p"/>
+                          </m:rPr>
+                          <a:rPr lang="el-GR" i="1" kern="0">
+                            <a:latin typeface="Cambria Math" panose="02040503050406030204" pitchFamily="18" charset="0"/>
+                          </a:rPr>
+                          <m:t>λ</m:t>
+                        </m:r>
+                      </m:e>
+                      <m:sub>
+                        <m:r>
+                          <a:rPr lang="en-ZA" b="1" i="1" kern="0" smtClean="0">
+                            <a:latin typeface="Cambria Math" panose="02040503050406030204" pitchFamily="18" charset="0"/>
+                          </a:rPr>
+                          <m:t>𝒎𝒊𝒏</m:t>
+                        </m:r>
+                      </m:sub>
+                    </m:sSub>
+                  </m:oMath>
+                </a14:m>
+                <a:r>
+                  <a:rPr lang="en-ZA" kern="0" dirty="0"/>
+                  <a:t>= wavelength of maximum frequency (3.4 kHz)</a:t>
+                </a:r>
+              </a:p>
+            </p:txBody>
+          </p:sp>
+        </mc:Choice>
+        <mc:Fallback xmlns="">
+          <p:sp>
+            <p:nvSpPr>
+              <p:cNvPr id="11" name="Content Placeholder 2"/>
+              <p:cNvSpPr txBox="1">
+                <a:spLocks noRot="1" noChangeAspect="1" noMove="1" noResize="1" noEditPoints="1" noAdjustHandles="1" noChangeArrowheads="1" noChangeShapeType="1" noTextEdit="1"/>
+              </p:cNvSpPr>
+              <p:nvPr/>
+            </p:nvSpPr>
+            <p:spPr bwMode="auto">
+              <a:xfrm>
+                <a:off x="138713" y="1748267"/>
+                <a:ext cx="4094207" cy="4673319"/>
+              </a:xfrm>
+              <a:prstGeom prst="rect">
+                <a:avLst/>
+              </a:prstGeom>
+              <a:blipFill>
+                <a:blip r:embed="rId4"/>
+                <a:stretch>
+                  <a:fillRect t="-914" r="-4024"/>
+                </a:stretch>
+              </a:blipFill>
+              <a:ln>
+                <a:noFill/>
+              </a:ln>
+              <a:extLst>
+                <a:ext uri="{909E8E84-426E-40dd-AFC4-6F175D3DCCD1}">
+                  <a14:hiddenFill xmlns:a14="http://schemas.microsoft.com/office/drawing/2010/main" xmlns="">
+                    <a:solidFill>
+                      <a:srgbClr val="FFFFFF"/>
+                    </a:solidFill>
+                  </a14:hiddenFill>
+                </a:ext>
+                <a:ext uri="{91240B29-F687-4f45-9708-019B960494DF}">
+                  <a14:hiddenLine xmlns:a14="http://schemas.microsoft.com/office/drawing/2010/main" xmlns="" w="9525">
+                    <a:solidFill>
+                      <a:srgbClr val="000000"/>
+                    </a:solidFill>
+                    <a:miter lim="800000"/>
+                    <a:headEnd/>
+                    <a:tailEnd/>
+                  </a14:hiddenLine>
+                </a:ext>
+                <a:ext uri="{FAA26D3D-D897-4be2-8F04-BA451C77F1D7}">
+                  <ma14:placeholderFlag xmlns:ma14="http://schemas.microsoft.com/office/mac/drawingml/2011/main" xmlns:a14="http://schemas.microsoft.com/office/drawing/2010/main" xmlns="" val="1"/>
+                </a:ext>
+              </a:extLst>
+            </p:spPr>
+            <p:txBody>
+              <a:bodyPr/>
+              <a:lstStyle/>
+              <a:p>
+                <a:r>
+                  <a:rPr lang="en-ZA">
+                    <a:noFill/>
+                  </a:rPr>
+                  <a:t> </a:t>
+                </a:r>
+              </a:p>
+            </p:txBody>
+          </p:sp>
+        </mc:Fallback>
+      </mc:AlternateContent>
+    </p:spTree>
+    <p:extLst>
+      <p:ext uri="{BB962C8B-B14F-4D97-AF65-F5344CB8AC3E}">
+        <p14:creationId xmlns:p14="http://schemas.microsoft.com/office/powerpoint/2010/main" val="2517507658"/>
+      </p:ext>
+    </p:extLst>
+  </p:cSld>
+  <p:clrMapOvr>
+    <a:masterClrMapping/>
+  </p:clrMapOvr>
+</p:sld>
+</file>
+
+<file path=ppt/slides/slide12.xml><?xml version="1.0" encoding="utf-8"?>
+<p:sld xmlns:a="http://schemas.openxmlformats.org/drawingml/2006/main" xmlns:r="http://schemas.openxmlformats.org/officeDocument/2006/relationships" xmlns:p="http://schemas.openxmlformats.org/presentationml/2006/main">
+  <p:cSld>
+    <p:spTree>
+      <p:nvGrpSpPr>
+        <p:cNvPr id="1" name=""/>
+        <p:cNvGrpSpPr/>
+        <p:nvPr/>
+      </p:nvGrpSpPr>
+      <p:grpSpPr>
+        <a:xfrm>
+          <a:off x="0" y="0"/>
+          <a:ext cx="0" cy="0"/>
+          <a:chOff x="0" y="0"/>
+          <a:chExt cx="0" cy="0"/>
+        </a:xfrm>
+      </p:grpSpPr>
+      <p:sp>
+        <p:nvSpPr>
+          <p:cNvPr id="2" name="Title 1"/>
+          <p:cNvSpPr>
+            <a:spLocks noGrp="1"/>
+          </p:cNvSpPr>
+          <p:nvPr>
+            <p:ph type="title"/>
+          </p:nvPr>
+        </p:nvSpPr>
+        <p:spPr/>
+        <p:txBody>
+          <a:bodyPr/>
+          <a:lstStyle/>
+          <a:p>
+            <a:r>
+              <a:rPr lang="en-ZA" dirty="0"/>
+              <a:t>Hardware Results: Amplification</a:t>
+            </a:r>
+          </a:p>
+        </p:txBody>
+      </p:sp>
+      <p:pic>
+        <p:nvPicPr>
+          <p:cNvPr id="5" name="Content Placeholder 4"/>
+          <p:cNvPicPr>
+            <a:picLocks noGrp="1" noChangeAspect="1"/>
+          </p:cNvPicPr>
+          <p:nvPr>
+            <p:ph idx="1"/>
+          </p:nvPr>
+        </p:nvPicPr>
+        <p:blipFill>
+          <a:blip r:embed="rId3">
+            <a:extLst>
+              <a:ext uri="{28A0092B-C50C-407E-A947-70E740481C1C}">
+                <a14:useLocalDpi xmlns:a14="http://schemas.microsoft.com/office/drawing/2010/main" val="0"/>
+              </a:ext>
+            </a:extLst>
+          </a:blip>
+          <a:stretch>
+            <a:fillRect/>
+          </a:stretch>
+        </p:blipFill>
+        <p:spPr>
+          <a:xfrm>
+            <a:off x="3494477" y="2420888"/>
+            <a:ext cx="6411523" cy="3786153"/>
+          </a:xfrm>
+        </p:spPr>
+      </p:pic>
+      <p:sp>
+        <p:nvSpPr>
+          <p:cNvPr id="4" name="Slide Number Placeholder 3"/>
+          <p:cNvSpPr>
+            <a:spLocks noGrp="1"/>
+          </p:cNvSpPr>
+          <p:nvPr>
+            <p:ph type="sldNum" sz="quarter" idx="10"/>
+          </p:nvPr>
+        </p:nvSpPr>
+        <p:spPr/>
+        <p:txBody>
+          <a:bodyPr/>
+          <a:lstStyle/>
+          <a:p>
+            <a:fld id="{960946CE-1557-8048-9DCC-53092B682325}" type="slidenum">
+              <a:rPr lang="en-US" smtClean="0"/>
+              <a:t>12</a:t>
+            </a:fld>
+            <a:endParaRPr lang="en-US" dirty="0"/>
+          </a:p>
+        </p:txBody>
+      </p:sp>
+      <p:sp>
+        <p:nvSpPr>
+          <p:cNvPr id="6" name="Content Placeholder 2"/>
           <p:cNvSpPr txBox="1">
             <a:spLocks/>
           </p:cNvSpPr>
@@ -4647,8 +5228,8 @@
         </p:nvSpPr>
         <p:spPr bwMode="auto">
           <a:xfrm>
-            <a:off x="144046" y="1747866"/>
-            <a:ext cx="4146584" cy="4248472"/>
+            <a:off x="128464" y="1755805"/>
+            <a:ext cx="8846735" cy="1025123"/>
           </a:xfrm>
           <a:prstGeom prst="rect">
             <a:avLst/>
@@ -4905,6 +5486,492 @@
           <a:p>
             <a:r>
               <a:rPr lang="en-ZA" kern="0" dirty="0"/>
+              <a:t>Total cost: $100</a:t>
+            </a:r>
+          </a:p>
+          <a:p>
+            <a:r>
+              <a:rPr lang="en-ZA" kern="0" dirty="0"/>
+              <a:t>Input sound                                                       frequency:                                                                        3.15 kHz</a:t>
+            </a:r>
+          </a:p>
+          <a:p>
+            <a:r>
+              <a:rPr lang="en-ZA" kern="0" dirty="0"/>
+              <a:t>Error caused by                                                  interaction of                                                                 stop-bands</a:t>
+            </a:r>
+          </a:p>
+          <a:p>
+            <a:endParaRPr lang="en-ZA" kern="0" dirty="0"/>
+          </a:p>
+        </p:txBody>
+      </p:sp>
+    </p:spTree>
+    <p:extLst>
+      <p:ext uri="{BB962C8B-B14F-4D97-AF65-F5344CB8AC3E}">
+        <p14:creationId xmlns:p14="http://schemas.microsoft.com/office/powerpoint/2010/main" val="16925167"/>
+      </p:ext>
+    </p:extLst>
+  </p:cSld>
+  <p:clrMapOvr>
+    <a:masterClrMapping/>
+  </p:clrMapOvr>
+</p:sld>
+</file>
+
+<file path=ppt/slides/slide13.xml><?xml version="1.0" encoding="utf-8"?>
+<p:sld xmlns:a="http://schemas.openxmlformats.org/drawingml/2006/main" xmlns:r="http://schemas.openxmlformats.org/officeDocument/2006/relationships" xmlns:p="http://schemas.openxmlformats.org/presentationml/2006/main">
+  <p:cSld>
+    <p:spTree>
+      <p:nvGrpSpPr>
+        <p:cNvPr id="1" name=""/>
+        <p:cNvGrpSpPr/>
+        <p:nvPr/>
+      </p:nvGrpSpPr>
+      <p:grpSpPr>
+        <a:xfrm>
+          <a:off x="0" y="0"/>
+          <a:ext cx="0" cy="0"/>
+          <a:chOff x="0" y="0"/>
+          <a:chExt cx="0" cy="0"/>
+        </a:xfrm>
+      </p:grpSpPr>
+      <p:sp>
+        <p:nvSpPr>
+          <p:cNvPr id="2" name="Title 1"/>
+          <p:cNvSpPr>
+            <a:spLocks noGrp="1"/>
+          </p:cNvSpPr>
+          <p:nvPr>
+            <p:ph type="title"/>
+          </p:nvPr>
+        </p:nvSpPr>
+        <p:spPr/>
+        <p:txBody>
+          <a:bodyPr/>
+          <a:lstStyle/>
+          <a:p>
+            <a:r>
+              <a:rPr lang="en-ZA" dirty="0"/>
+              <a:t>Hardware Results: Directionality</a:t>
+            </a:r>
+          </a:p>
+        </p:txBody>
+      </p:sp>
+      <p:pic>
+        <p:nvPicPr>
+          <p:cNvPr id="5" name="Content Placeholder 4"/>
+          <p:cNvPicPr>
+            <a:picLocks noGrp="1" noChangeAspect="1"/>
+          </p:cNvPicPr>
+          <p:nvPr>
+            <p:ph idx="1"/>
+          </p:nvPr>
+        </p:nvPicPr>
+        <p:blipFill>
+          <a:blip r:embed="rId2">
+            <a:extLst>
+              <a:ext uri="{28A0092B-C50C-407E-A947-70E740481C1C}">
+                <a14:useLocalDpi xmlns:a14="http://schemas.microsoft.com/office/drawing/2010/main" val="0"/>
+              </a:ext>
+            </a:extLst>
+          </a:blip>
+          <a:stretch>
+            <a:fillRect/>
+          </a:stretch>
+        </p:blipFill>
+        <p:spPr>
+          <a:xfrm>
+            <a:off x="6668630" y="1891384"/>
+            <a:ext cx="3237370" cy="3083942"/>
+          </a:xfrm>
+        </p:spPr>
+      </p:pic>
+      <p:sp>
+        <p:nvSpPr>
+          <p:cNvPr id="4" name="Slide Number Placeholder 3"/>
+          <p:cNvSpPr>
+            <a:spLocks noGrp="1"/>
+          </p:cNvSpPr>
+          <p:nvPr>
+            <p:ph type="sldNum" sz="quarter" idx="10"/>
+          </p:nvPr>
+        </p:nvSpPr>
+        <p:spPr/>
+        <p:txBody>
+          <a:bodyPr/>
+          <a:lstStyle/>
+          <a:p>
+            <a:fld id="{960946CE-1557-8048-9DCC-53092B682325}" type="slidenum">
+              <a:rPr lang="en-US" smtClean="0"/>
+              <a:t>13</a:t>
+            </a:fld>
+            <a:endParaRPr lang="en-US" dirty="0"/>
+          </a:p>
+        </p:txBody>
+      </p:sp>
+      <p:pic>
+        <p:nvPicPr>
+          <p:cNvPr id="6" name="Picture 5"/>
+          <p:cNvPicPr>
+            <a:picLocks noChangeAspect="1"/>
+          </p:cNvPicPr>
+          <p:nvPr/>
+        </p:nvPicPr>
+        <p:blipFill>
+          <a:blip r:embed="rId3">
+            <a:extLst>
+              <a:ext uri="{28A0092B-C50C-407E-A947-70E740481C1C}">
+                <a14:useLocalDpi xmlns:a14="http://schemas.microsoft.com/office/drawing/2010/main" val="0"/>
+              </a:ext>
+            </a:extLst>
+          </a:blip>
+          <a:stretch>
+            <a:fillRect/>
+          </a:stretch>
+        </p:blipFill>
+        <p:spPr>
+          <a:xfrm>
+            <a:off x="3607795" y="1881214"/>
+            <a:ext cx="3224808" cy="3083942"/>
+          </a:xfrm>
+          <a:prstGeom prst="rect">
+            <a:avLst/>
+          </a:prstGeom>
+        </p:spPr>
+      </p:pic>
+      <p:sp>
+        <p:nvSpPr>
+          <p:cNvPr id="9" name="TextBox 8"/>
+          <p:cNvSpPr txBox="1"/>
+          <p:nvPr/>
+        </p:nvSpPr>
+        <p:spPr>
+          <a:xfrm>
+            <a:off x="7977336" y="4931163"/>
+            <a:ext cx="2376264" cy="461665"/>
+          </a:xfrm>
+          <a:prstGeom prst="rect">
+            <a:avLst/>
+          </a:prstGeom>
+          <a:noFill/>
+        </p:spPr>
+        <p:txBody>
+          <a:bodyPr wrap="square" rtlCol="0">
+            <a:spAutoFit/>
+          </a:bodyPr>
+          <a:lstStyle/>
+          <a:p>
+            <a:r>
+              <a:rPr lang="en-ZA" sz="2400" b="1" dirty="0">
+                <a:latin typeface="+mj-lt"/>
+                <a:cs typeface="Times New Roman" panose="02020603050405020304" pitchFamily="18" charset="0"/>
+              </a:rPr>
+              <a:t>90°</a:t>
+            </a:r>
+          </a:p>
+        </p:txBody>
+      </p:sp>
+      <p:sp>
+        <p:nvSpPr>
+          <p:cNvPr id="10" name="TextBox 9"/>
+          <p:cNvSpPr txBox="1"/>
+          <p:nvPr/>
+        </p:nvSpPr>
+        <p:spPr>
+          <a:xfrm>
+            <a:off x="4804905" y="4885983"/>
+            <a:ext cx="2376264" cy="461665"/>
+          </a:xfrm>
+          <a:prstGeom prst="rect">
+            <a:avLst/>
+          </a:prstGeom>
+          <a:noFill/>
+        </p:spPr>
+        <p:txBody>
+          <a:bodyPr wrap="square" rtlCol="0">
+            <a:spAutoFit/>
+          </a:bodyPr>
+          <a:lstStyle/>
+          <a:p>
+            <a:r>
+              <a:rPr lang="en-ZA" sz="2400" b="1" dirty="0">
+                <a:latin typeface="+mj-lt"/>
+                <a:cs typeface="Times New Roman" panose="02020603050405020304" pitchFamily="18" charset="0"/>
+              </a:rPr>
+              <a:t>60°</a:t>
+            </a:r>
+          </a:p>
+        </p:txBody>
+      </p:sp>
+      <p:sp>
+        <p:nvSpPr>
+          <p:cNvPr id="12" name="Content Placeholder 2"/>
+          <p:cNvSpPr txBox="1">
+            <a:spLocks/>
+          </p:cNvSpPr>
+          <p:nvPr/>
+        </p:nvSpPr>
+        <p:spPr bwMode="auto">
+          <a:xfrm>
+            <a:off x="144046" y="1747866"/>
+            <a:ext cx="4146584" cy="4248472"/>
+          </a:xfrm>
+          <a:prstGeom prst="rect">
+            <a:avLst/>
+          </a:prstGeom>
+          <a:noFill/>
+          <a:ln>
+            <a:noFill/>
+          </a:ln>
+          <a:extLst>
+            <a:ext uri="{909E8E84-426E-40dd-AFC4-6F175D3DCCD1}">
+              <a14:hiddenFill xmlns:a14="http://schemas.microsoft.com/office/drawing/2010/main" xmlns="">
+                <a:solidFill>
+                  <a:srgbClr val="FFFFFF"/>
+                </a:solidFill>
+              </a14:hiddenFill>
+            </a:ext>
+            <a:ext uri="{91240B29-F687-4f45-9708-019B960494DF}">
+              <a14:hiddenLine xmlns:a14="http://schemas.microsoft.com/office/drawing/2010/main" xmlns="" w="9525">
+                <a:solidFill>
+                  <a:srgbClr val="000000"/>
+                </a:solidFill>
+                <a:miter lim="800000"/>
+                <a:headEnd/>
+                <a:tailEnd/>
+              </a14:hiddenLine>
+            </a:ext>
+            <a:ext uri="{FAA26D3D-D897-4be2-8F04-BA451C77F1D7}">
+              <ma14:placeholderFlag xmlns:ma14="http://schemas.microsoft.com/office/mac/drawingml/2011/main" xmlns="" val="1"/>
+            </a:ext>
+          </a:extLst>
+        </p:spPr>
+        <p:txBody>
+          <a:bodyPr vert="horz" wrap="square" lIns="92075" tIns="46038" rIns="92075" bIns="46038" numCol="1" anchor="t" anchorCtr="0" compatLnSpc="1">
+            <a:prstTxWarp prst="textNoShape">
+              <a:avLst/>
+            </a:prstTxWarp>
+          </a:bodyPr>
+          <a:lstStyle>
+            <a:lvl1pPr marL="762000" indent="-571500" algn="l" defTabSz="762000" rtl="0" eaLnBrk="1" fontAlgn="base" hangingPunct="1">
+              <a:spcBef>
+                <a:spcPct val="70000"/>
+              </a:spcBef>
+              <a:spcAft>
+                <a:spcPct val="0"/>
+              </a:spcAft>
+              <a:buClr>
+                <a:srgbClr val="154E7E"/>
+              </a:buClr>
+              <a:buSzPct val="100000"/>
+              <a:buFont typeface="Wingdings" charset="0"/>
+              <a:buChar char="l"/>
+              <a:defRPr sz="2400" b="1">
+                <a:solidFill>
+                  <a:schemeClr val="tx1"/>
+                </a:solidFill>
+                <a:latin typeface="+mn-lt"/>
+                <a:ea typeface="MS PGothic" panose="020B0600070205080204" pitchFamily="34" charset="-128"/>
+                <a:cs typeface="MS PGothic" charset="0"/>
+              </a:defRPr>
+            </a:lvl1pPr>
+            <a:lvl2pPr marL="1524000" indent="-381000" algn="l" defTabSz="762000" rtl="0" eaLnBrk="1" fontAlgn="base" hangingPunct="1">
+              <a:lnSpc>
+                <a:spcPct val="90000"/>
+              </a:lnSpc>
+              <a:spcBef>
+                <a:spcPct val="30000"/>
+              </a:spcBef>
+              <a:spcAft>
+                <a:spcPct val="0"/>
+              </a:spcAft>
+              <a:buClr>
+                <a:srgbClr val="154E7E"/>
+              </a:buClr>
+              <a:buSzPct val="100000"/>
+              <a:buFont typeface="Wingdings" charset="0"/>
+              <a:buChar char="Ø"/>
+              <a:defRPr sz="2000" b="1">
+                <a:solidFill>
+                  <a:schemeClr val="tx1"/>
+                </a:solidFill>
+                <a:latin typeface="+mn-lt"/>
+                <a:ea typeface="MS PGothic" panose="020B0600070205080204" pitchFamily="34" charset="-128"/>
+                <a:cs typeface="MS PGothic" charset="0"/>
+              </a:defRPr>
+            </a:lvl2pPr>
+            <a:lvl3pPr marL="2190750" indent="-285750" algn="l" defTabSz="762000" rtl="0" eaLnBrk="1" fontAlgn="base" hangingPunct="1">
+              <a:lnSpc>
+                <a:spcPct val="90000"/>
+              </a:lnSpc>
+              <a:spcBef>
+                <a:spcPct val="30000"/>
+              </a:spcBef>
+              <a:spcAft>
+                <a:spcPct val="0"/>
+              </a:spcAft>
+              <a:buClr>
+                <a:srgbClr val="154E7E"/>
+              </a:buClr>
+              <a:buSzPct val="100000"/>
+              <a:buFont typeface="Wingdings" charset="0"/>
+              <a:buChar char="§"/>
+              <a:defRPr b="1">
+                <a:solidFill>
+                  <a:schemeClr val="tx1"/>
+                </a:solidFill>
+                <a:latin typeface="+mn-lt"/>
+                <a:ea typeface="MS PGothic" panose="020B0600070205080204" pitchFamily="34" charset="-128"/>
+                <a:cs typeface="MS PGothic" charset="0"/>
+              </a:defRPr>
+            </a:lvl3pPr>
+            <a:lvl4pPr marL="2647950" indent="-171450" algn="l" defTabSz="762000" rtl="0" eaLnBrk="1" fontAlgn="base" hangingPunct="1">
+              <a:lnSpc>
+                <a:spcPct val="90000"/>
+              </a:lnSpc>
+              <a:spcBef>
+                <a:spcPct val="30000"/>
+              </a:spcBef>
+              <a:spcAft>
+                <a:spcPct val="0"/>
+              </a:spcAft>
+              <a:buClr>
+                <a:srgbClr val="FAFD00"/>
+              </a:buClr>
+              <a:buSzPct val="100000"/>
+              <a:buFont typeface="Arial" charset="0"/>
+              <a:buChar char="•"/>
+              <a:defRPr sz="1400" b="1">
+                <a:solidFill>
+                  <a:schemeClr val="tx1"/>
+                </a:solidFill>
+                <a:latin typeface="+mn-lt"/>
+                <a:ea typeface="MS PGothic" panose="020B0600070205080204" pitchFamily="34" charset="-128"/>
+                <a:cs typeface="MS PGothic" charset="0"/>
+              </a:defRPr>
+            </a:lvl4pPr>
+            <a:lvl5pPr marL="3009900" indent="-171450" algn="l" defTabSz="762000" rtl="0" eaLnBrk="1" fontAlgn="base" hangingPunct="1">
+              <a:lnSpc>
+                <a:spcPct val="90000"/>
+              </a:lnSpc>
+              <a:spcBef>
+                <a:spcPct val="30000"/>
+              </a:spcBef>
+              <a:spcAft>
+                <a:spcPct val="0"/>
+              </a:spcAft>
+              <a:buClr>
+                <a:srgbClr val="FAFD00"/>
+              </a:buClr>
+              <a:buSzPct val="100000"/>
+              <a:buFont typeface="Arial" charset="0"/>
+              <a:buChar char="•"/>
+              <a:defRPr sz="1400" b="1">
+                <a:solidFill>
+                  <a:schemeClr val="tx1"/>
+                </a:solidFill>
+                <a:latin typeface="+mn-lt"/>
+                <a:ea typeface="MS PGothic" panose="020B0600070205080204" pitchFamily="34" charset="-128"/>
+                <a:cs typeface="MS PGothic" charset="0"/>
+              </a:defRPr>
+            </a:lvl5pPr>
+            <a:lvl6pPr marL="3467100" indent="-171450" algn="l" defTabSz="762000" rtl="0" eaLnBrk="1" fontAlgn="base" hangingPunct="1">
+              <a:lnSpc>
+                <a:spcPct val="90000"/>
+              </a:lnSpc>
+              <a:spcBef>
+                <a:spcPct val="30000"/>
+              </a:spcBef>
+              <a:spcAft>
+                <a:spcPct val="0"/>
+              </a:spcAft>
+              <a:buClr>
+                <a:srgbClr val="FAFD00"/>
+              </a:buClr>
+              <a:buSzPct val="100000"/>
+              <a:buFont typeface="Arial" charset="0"/>
+              <a:buChar char="•"/>
+              <a:defRPr sz="1400" b="1">
+                <a:solidFill>
+                  <a:schemeClr val="tx1"/>
+                </a:solidFill>
+                <a:latin typeface="+mn-lt"/>
+              </a:defRPr>
+            </a:lvl6pPr>
+            <a:lvl7pPr marL="3924300" indent="-171450" algn="l" defTabSz="762000" rtl="0" eaLnBrk="1" fontAlgn="base" hangingPunct="1">
+              <a:lnSpc>
+                <a:spcPct val="90000"/>
+              </a:lnSpc>
+              <a:spcBef>
+                <a:spcPct val="30000"/>
+              </a:spcBef>
+              <a:spcAft>
+                <a:spcPct val="0"/>
+              </a:spcAft>
+              <a:buClr>
+                <a:srgbClr val="FAFD00"/>
+              </a:buClr>
+              <a:buSzPct val="100000"/>
+              <a:buFont typeface="Arial" charset="0"/>
+              <a:buChar char="•"/>
+              <a:defRPr sz="1400" b="1">
+                <a:solidFill>
+                  <a:schemeClr val="tx1"/>
+                </a:solidFill>
+                <a:latin typeface="+mn-lt"/>
+              </a:defRPr>
+            </a:lvl7pPr>
+            <a:lvl8pPr marL="4381500" indent="-171450" algn="l" defTabSz="762000" rtl="0" eaLnBrk="1" fontAlgn="base" hangingPunct="1">
+              <a:lnSpc>
+                <a:spcPct val="90000"/>
+              </a:lnSpc>
+              <a:spcBef>
+                <a:spcPct val="30000"/>
+              </a:spcBef>
+              <a:spcAft>
+                <a:spcPct val="0"/>
+              </a:spcAft>
+              <a:buClr>
+                <a:srgbClr val="FAFD00"/>
+              </a:buClr>
+              <a:buSzPct val="100000"/>
+              <a:buFont typeface="Arial" charset="0"/>
+              <a:buChar char="•"/>
+              <a:defRPr sz="1400" b="1">
+                <a:solidFill>
+                  <a:schemeClr val="tx1"/>
+                </a:solidFill>
+                <a:latin typeface="+mn-lt"/>
+              </a:defRPr>
+            </a:lvl8pPr>
+            <a:lvl9pPr marL="4838700" indent="-171450" algn="l" defTabSz="762000" rtl="0" eaLnBrk="1" fontAlgn="base" hangingPunct="1">
+              <a:lnSpc>
+                <a:spcPct val="90000"/>
+              </a:lnSpc>
+              <a:spcBef>
+                <a:spcPct val="30000"/>
+              </a:spcBef>
+              <a:spcAft>
+                <a:spcPct val="0"/>
+              </a:spcAft>
+              <a:buClr>
+                <a:srgbClr val="FAFD00"/>
+              </a:buClr>
+              <a:buSzPct val="100000"/>
+              <a:buFont typeface="Arial" charset="0"/>
+              <a:buChar char="•"/>
+              <a:defRPr sz="1400" b="1">
+                <a:solidFill>
+                  <a:schemeClr val="tx1"/>
+                </a:solidFill>
+                <a:latin typeface="+mn-lt"/>
+              </a:defRPr>
+            </a:lvl9pPr>
+          </a:lstStyle>
+          <a:p>
+            <a:r>
+              <a:rPr lang="en-ZA" kern="0" dirty="0"/>
               <a:t>Most accurate at 90°</a:t>
             </a:r>
           </a:p>
@@ -4943,7 +6010,7 @@
 </p:sld>
 </file>
 
-<file path=ppt/slides/slide12.xml><?xml version="1.0" encoding="utf-8"?>
+<file path=ppt/slides/slide14.xml><?xml version="1.0" encoding="utf-8"?>
 <p:sld xmlns:a="http://schemas.openxmlformats.org/drawingml/2006/main" xmlns:r="http://schemas.openxmlformats.org/officeDocument/2006/relationships" xmlns:p="http://schemas.openxmlformats.org/presentationml/2006/main">
   <p:cSld>
     <p:spTree>
@@ -5475,7 +6542,7 @@
           <a:p>
             <a:fld id="{960946CE-1557-8048-9DCC-53092B682325}" type="slidenum">
               <a:rPr lang="en-US" smtClean="0"/>
-              <a:t>12</a:t>
+              <a:t>14</a:t>
             </a:fld>
             <a:endParaRPr lang="en-US" dirty="0"/>
           </a:p>
@@ -6006,289 +7073,6 @@
 </p:sld>
 </file>
 
-<file path=ppt/slides/slide13.xml><?xml version="1.0" encoding="utf-8"?>
-<p:sld xmlns:a="http://schemas.openxmlformats.org/drawingml/2006/main" xmlns:r="http://schemas.openxmlformats.org/officeDocument/2006/relationships" xmlns:p="http://schemas.openxmlformats.org/presentationml/2006/main">
-  <p:cSld>
-    <p:spTree>
-      <p:nvGrpSpPr>
-        <p:cNvPr id="1" name=""/>
-        <p:cNvGrpSpPr/>
-        <p:nvPr/>
-      </p:nvGrpSpPr>
-      <p:grpSpPr>
-        <a:xfrm>
-          <a:off x="0" y="0"/>
-          <a:ext cx="0" cy="0"/>
-          <a:chOff x="0" y="0"/>
-          <a:chExt cx="0" cy="0"/>
-        </a:xfrm>
-      </p:grpSpPr>
-      <p:sp>
-        <p:nvSpPr>
-          <p:cNvPr id="2" name="Title 1"/>
-          <p:cNvSpPr>
-            <a:spLocks noGrp="1"/>
-          </p:cNvSpPr>
-          <p:nvPr>
-            <p:ph type="title"/>
-          </p:nvPr>
-        </p:nvSpPr>
-        <p:spPr/>
-        <p:txBody>
-          <a:bodyPr/>
-          <a:lstStyle/>
-          <a:p>
-            <a:r>
-              <a:rPr lang="en-ZA" dirty="0"/>
-              <a:t>Future Work</a:t>
-            </a:r>
-          </a:p>
-        </p:txBody>
-      </p:sp>
-      <p:sp>
-        <p:nvSpPr>
-          <p:cNvPr id="3" name="Content Placeholder 2"/>
-          <p:cNvSpPr>
-            <a:spLocks noGrp="1"/>
-          </p:cNvSpPr>
-          <p:nvPr>
-            <p:ph idx="1"/>
-          </p:nvPr>
-        </p:nvSpPr>
-        <p:spPr>
-          <a:xfrm>
-            <a:off x="128464" y="1756941"/>
-            <a:ext cx="10065568" cy="4248472"/>
-          </a:xfrm>
-        </p:spPr>
-        <p:txBody>
-          <a:bodyPr/>
-          <a:lstStyle/>
-          <a:p>
-            <a:r>
-              <a:rPr lang="en-ZA" dirty="0"/>
-              <a:t>Higher quality </a:t>
-            </a:r>
-            <a:r>
-              <a:rPr lang="en-ZA" dirty="0" err="1"/>
-              <a:t>omni</a:t>
-            </a:r>
-            <a:r>
-              <a:rPr lang="en-ZA" dirty="0"/>
-              <a:t>-directional microphones</a:t>
-            </a:r>
-          </a:p>
-          <a:p>
-            <a:r>
-              <a:rPr lang="en-ZA" dirty="0"/>
-              <a:t>Integrated circuit chip </a:t>
-            </a:r>
-          </a:p>
-          <a:p>
-            <a:pPr lvl="1"/>
-            <a:r>
-              <a:rPr lang="en-ZA" dirty="0"/>
-              <a:t>Pre-processing of the audio signals</a:t>
-            </a:r>
-          </a:p>
-          <a:p>
-            <a:r>
-              <a:rPr lang="en-ZA" dirty="0"/>
-              <a:t>Embedding circuitry into headphones</a:t>
-            </a:r>
-          </a:p>
-          <a:p>
-            <a:pPr lvl="1"/>
-            <a:r>
-              <a:rPr lang="en-ZA" dirty="0"/>
-              <a:t>Reduce the size of the device</a:t>
-            </a:r>
-          </a:p>
-          <a:p>
-            <a:pPr lvl="1"/>
-            <a:r>
-              <a:rPr lang="en-ZA" dirty="0"/>
-              <a:t>Make the device more user friendly</a:t>
-            </a:r>
-          </a:p>
-        </p:txBody>
-      </p:sp>
-      <p:sp>
-        <p:nvSpPr>
-          <p:cNvPr id="4" name="Slide Number Placeholder 3"/>
-          <p:cNvSpPr>
-            <a:spLocks noGrp="1"/>
-          </p:cNvSpPr>
-          <p:nvPr>
-            <p:ph type="sldNum" sz="quarter" idx="10"/>
-          </p:nvPr>
-        </p:nvSpPr>
-        <p:spPr/>
-        <p:txBody>
-          <a:bodyPr/>
-          <a:lstStyle/>
-          <a:p>
-            <a:fld id="{960946CE-1557-8048-9DCC-53092B682325}" type="slidenum">
-              <a:rPr lang="en-US" smtClean="0"/>
-              <a:t>13</a:t>
-            </a:fld>
-            <a:endParaRPr lang="en-US" dirty="0"/>
-          </a:p>
-        </p:txBody>
-      </p:sp>
-    </p:spTree>
-    <p:extLst>
-      <p:ext uri="{BB962C8B-B14F-4D97-AF65-F5344CB8AC3E}">
-        <p14:creationId xmlns:p14="http://schemas.microsoft.com/office/powerpoint/2010/main" val="832092564"/>
-      </p:ext>
-    </p:extLst>
-  </p:cSld>
-  <p:clrMapOvr>
-    <a:masterClrMapping/>
-  </p:clrMapOvr>
-</p:sld>
-</file>
-
-<file path=ppt/slides/slide14.xml><?xml version="1.0" encoding="utf-8"?>
-<p:sld xmlns:a="http://schemas.openxmlformats.org/drawingml/2006/main" xmlns:r="http://schemas.openxmlformats.org/officeDocument/2006/relationships" xmlns:p="http://schemas.openxmlformats.org/presentationml/2006/main">
-  <p:cSld>
-    <p:spTree>
-      <p:nvGrpSpPr>
-        <p:cNvPr id="1" name=""/>
-        <p:cNvGrpSpPr/>
-        <p:nvPr/>
-      </p:nvGrpSpPr>
-      <p:grpSpPr>
-        <a:xfrm>
-          <a:off x="0" y="0"/>
-          <a:ext cx="0" cy="0"/>
-          <a:chOff x="0" y="0"/>
-          <a:chExt cx="0" cy="0"/>
-        </a:xfrm>
-      </p:grpSpPr>
-      <p:sp>
-        <p:nvSpPr>
-          <p:cNvPr id="2" name="Title 1"/>
-          <p:cNvSpPr>
-            <a:spLocks noGrp="1"/>
-          </p:cNvSpPr>
-          <p:nvPr>
-            <p:ph type="title"/>
-          </p:nvPr>
-        </p:nvSpPr>
-        <p:spPr/>
-        <p:txBody>
-          <a:bodyPr/>
-          <a:lstStyle/>
-          <a:p>
-            <a:r>
-              <a:rPr lang="en-ZA" dirty="0"/>
-              <a:t>Conclusion</a:t>
-            </a:r>
-          </a:p>
-        </p:txBody>
-      </p:sp>
-      <p:sp>
-        <p:nvSpPr>
-          <p:cNvPr id="3" name="Content Placeholder 2"/>
-          <p:cNvSpPr>
-            <a:spLocks noGrp="1"/>
-          </p:cNvSpPr>
-          <p:nvPr>
-            <p:ph idx="1"/>
-          </p:nvPr>
-        </p:nvSpPr>
-        <p:spPr>
-          <a:xfrm>
-            <a:off x="128464" y="1746002"/>
-            <a:ext cx="8424936" cy="3883496"/>
-          </a:xfrm>
-        </p:spPr>
-        <p:txBody>
-          <a:bodyPr/>
-          <a:lstStyle/>
-          <a:p>
-            <a:r>
-              <a:rPr lang="en-ZA" dirty="0"/>
-              <a:t>Objectives and specifications have been met</a:t>
-            </a:r>
-          </a:p>
-          <a:p>
-            <a:r>
-              <a:rPr lang="en-ZA" dirty="0"/>
-              <a:t>Low cost – $100</a:t>
-            </a:r>
-          </a:p>
-          <a:p>
-            <a:r>
-              <a:rPr lang="en-ZA" dirty="0"/>
-              <a:t>Full hearing aid simulation</a:t>
-            </a:r>
-          </a:p>
-          <a:p>
-            <a:pPr lvl="1"/>
-            <a:r>
-              <a:rPr lang="en-ZA" dirty="0"/>
-              <a:t>Compensatory amplification</a:t>
-            </a:r>
-          </a:p>
-          <a:p>
-            <a:pPr lvl="1"/>
-            <a:r>
-              <a:rPr lang="en-ZA" dirty="0"/>
-              <a:t>Steerable directionality</a:t>
-            </a:r>
-          </a:p>
-          <a:p>
-            <a:r>
-              <a:rPr lang="en-ZA" dirty="0"/>
-              <a:t>Concepts proven in hardware</a:t>
-            </a:r>
-          </a:p>
-          <a:p>
-            <a:endParaRPr lang="en-ZA" dirty="0"/>
-          </a:p>
-          <a:p>
-            <a:endParaRPr lang="en-ZA" dirty="0"/>
-          </a:p>
-        </p:txBody>
-      </p:sp>
-      <p:sp>
-        <p:nvSpPr>
-          <p:cNvPr id="4" name="Slide Number Placeholder 3"/>
-          <p:cNvSpPr>
-            <a:spLocks noGrp="1"/>
-          </p:cNvSpPr>
-          <p:nvPr>
-            <p:ph type="sldNum" sz="quarter" idx="10"/>
-          </p:nvPr>
-        </p:nvSpPr>
-        <p:spPr/>
-        <p:txBody>
-          <a:bodyPr/>
-          <a:lstStyle/>
-          <a:p>
-            <a:fld id="{960946CE-1557-8048-9DCC-53092B682325}" type="slidenum">
-              <a:rPr lang="en-US" smtClean="0"/>
-              <a:t>14</a:t>
-            </a:fld>
-            <a:endParaRPr lang="en-US" dirty="0"/>
-          </a:p>
-        </p:txBody>
-      </p:sp>
-    </p:spTree>
-    <p:extLst>
-      <p:ext uri="{BB962C8B-B14F-4D97-AF65-F5344CB8AC3E}">
-        <p14:creationId xmlns:p14="http://schemas.microsoft.com/office/powerpoint/2010/main" val="2491983680"/>
-      </p:ext>
-    </p:extLst>
-  </p:cSld>
-  <p:clrMapOvr>
-    <a:masterClrMapping/>
-  </p:clrMapOvr>
-</p:sld>
-</file>
-
 <file path=ppt/slides/slide15.xml><?xml version="1.0" encoding="utf-8"?>
 <p:sld xmlns:a="http://schemas.openxmlformats.org/drawingml/2006/main" xmlns:r="http://schemas.openxmlformats.org/officeDocument/2006/relationships" xmlns:p="http://schemas.openxmlformats.org/presentationml/2006/main">
   <p:cSld>
@@ -6323,7 +7107,7 @@
           <a:p>
             <a:r>
               <a:rPr lang="en-ZA" dirty="0"/>
-              <a:t>References</a:t>
+              <a:t>Future Work</a:t>
             </a:r>
           </a:p>
         </p:txBody>
@@ -6340,54 +7124,59 @@
         </p:nvSpPr>
         <p:spPr>
           <a:xfrm>
-            <a:off x="342900" y="2209800"/>
-            <a:ext cx="9067800" cy="3352800"/>
+            <a:off x="128464" y="1756941"/>
+            <a:ext cx="10065568" cy="4248472"/>
           </a:xfrm>
         </p:spPr>
         <p:txBody>
           <a:bodyPr/>
           <a:lstStyle/>
           <a:p>
-            <a:pPr marL="190500" indent="0">
-              <a:buNone/>
-            </a:pPr>
-            <a:r>
-              <a:rPr lang="en-ZA" b="0" dirty="0"/>
-              <a:t>[1]	L. Tiete et al. “Detecting Laterality and Nasality in Speech 	with the Use of a Multi-Channel </a:t>
-            </a:r>
-            <a:r>
-              <a:rPr lang="de-DE" b="0" dirty="0" err="1"/>
-              <a:t>recorder</a:t>
-            </a:r>
-            <a:r>
-              <a:rPr lang="de-DE" b="0" dirty="0"/>
-              <a:t>.</a:t>
-            </a:r>
-            <a:r>
-              <a:rPr lang="en-ZA" b="0" dirty="0"/>
-              <a:t>” </a:t>
-            </a:r>
-            <a:r>
-              <a:rPr lang="de-DE" b="0" i="1" dirty="0"/>
-              <a:t>Sensors (Basel, 	</a:t>
-            </a:r>
-            <a:r>
-              <a:rPr lang="de-DE" b="0" i="1" dirty="0" err="1"/>
-              <a:t>Switzerland</a:t>
-            </a:r>
-            <a:r>
-              <a:rPr lang="de-DE" b="0" i="1" dirty="0"/>
-              <a:t>)</a:t>
-            </a:r>
-            <a:r>
-              <a:rPr lang="de-DE" b="0" dirty="0"/>
-              <a:t>, vol. 14, </a:t>
-            </a:r>
-            <a:r>
-              <a:rPr lang="en-ZA" b="0" dirty="0"/>
-              <a:t>pp. 1918-1949, 02 2014.</a:t>
-            </a:r>
-            <a:endParaRPr lang="en-ZA" dirty="0"/>
+            <a:r>
+              <a:rPr lang="en-ZA" dirty="0"/>
+              <a:t>Higher quality </a:t>
+            </a:r>
+            <a:r>
+              <a:rPr lang="en-ZA" dirty="0" err="1"/>
+              <a:t>omni</a:t>
+            </a:r>
+            <a:r>
+              <a:rPr lang="en-ZA" dirty="0"/>
+              <a:t>-directional microphones</a:t>
+            </a:r>
+          </a:p>
+          <a:p>
+            <a:r>
+              <a:rPr lang="en-ZA" dirty="0"/>
+              <a:t>Integrated circuit chip </a:t>
+            </a:r>
+          </a:p>
+          <a:p>
+            <a:pPr lvl="1"/>
+            <a:r>
+              <a:rPr lang="en-ZA" dirty="0"/>
+              <a:t>Pre-processing of the audio signals</a:t>
+            </a:r>
+          </a:p>
+          <a:p>
+            <a:r>
+              <a:rPr lang="en-ZA" dirty="0"/>
+              <a:t>Embedding circuitry into headphones</a:t>
+            </a:r>
+          </a:p>
+          <a:p>
+            <a:pPr lvl="1"/>
+            <a:r>
+              <a:rPr lang="en-ZA" dirty="0"/>
+              <a:t>Reduce the size of the device</a:t>
+            </a:r>
+          </a:p>
+          <a:p>
+            <a:pPr lvl="1"/>
+            <a:r>
+              <a:rPr lang="en-ZA" dirty="0"/>
+              <a:t>Make the device more user friendly</a:t>
+            </a:r>
           </a:p>
         </p:txBody>
       </p:sp>
@@ -6417,7 +7206,7 @@
     </p:spTree>
     <p:extLst>
       <p:ext uri="{BB962C8B-B14F-4D97-AF65-F5344CB8AC3E}">
-        <p14:creationId xmlns:p14="http://schemas.microsoft.com/office/powerpoint/2010/main" val="1274193584"/>
+        <p14:creationId xmlns:p14="http://schemas.microsoft.com/office/powerpoint/2010/main" val="832092564"/>
       </p:ext>
     </p:extLst>
   </p:cSld>
@@ -6461,7 +7250,7 @@
           <a:p>
             <a:r>
               <a:rPr lang="en-ZA" dirty="0"/>
-              <a:t>Questions?</a:t>
+              <a:t>Conclusion</a:t>
             </a:r>
           </a:p>
         </p:txBody>
@@ -6476,14 +7265,57 @@
             <p:ph idx="1"/>
           </p:nvPr>
         </p:nvSpPr>
-        <p:spPr/>
+        <p:spPr>
+          <a:xfrm>
+            <a:off x="128464" y="1746002"/>
+            <a:ext cx="8424936" cy="3883496"/>
+          </a:xfrm>
+        </p:spPr>
         <p:txBody>
           <a:bodyPr/>
           <a:lstStyle/>
           <a:p>
-            <a:pPr marL="190500" indent="0">
-              <a:buNone/>
-            </a:pPr>
+            <a:r>
+              <a:rPr lang="en-ZA" dirty="0"/>
+              <a:t>Objectives and specifications have been met</a:t>
+            </a:r>
+          </a:p>
+          <a:p>
+            <a:r>
+              <a:rPr lang="en-ZA" dirty="0"/>
+              <a:t>Low cost – $100</a:t>
+            </a:r>
+          </a:p>
+          <a:p>
+            <a:r>
+              <a:rPr lang="en-ZA" dirty="0"/>
+              <a:t>Full hearing aid simulation</a:t>
+            </a:r>
+          </a:p>
+          <a:p>
+            <a:pPr lvl="1"/>
+            <a:r>
+              <a:rPr lang="en-ZA" dirty="0"/>
+              <a:t>Compensatory amplification</a:t>
+            </a:r>
+          </a:p>
+          <a:p>
+            <a:pPr lvl="1"/>
+            <a:r>
+              <a:rPr lang="en-ZA" dirty="0"/>
+              <a:t>Steerable directionality</a:t>
+            </a:r>
+          </a:p>
+          <a:p>
+            <a:r>
+              <a:rPr lang="en-ZA" dirty="0"/>
+              <a:t>Concepts proven in hardware</a:t>
+            </a:r>
+          </a:p>
+          <a:p>
+            <a:endParaRPr lang="en-ZA" dirty="0"/>
+          </a:p>
+          <a:p>
             <a:endParaRPr lang="en-ZA" dirty="0"/>
           </a:p>
         </p:txBody>
@@ -6506,6 +7338,241 @@
             <a:fld id="{960946CE-1557-8048-9DCC-53092B682325}" type="slidenum">
               <a:rPr lang="en-US" smtClean="0"/>
               <a:t>16</a:t>
+            </a:fld>
+            <a:endParaRPr lang="en-US" dirty="0"/>
+          </a:p>
+        </p:txBody>
+      </p:sp>
+    </p:spTree>
+    <p:extLst>
+      <p:ext uri="{BB962C8B-B14F-4D97-AF65-F5344CB8AC3E}">
+        <p14:creationId xmlns:p14="http://schemas.microsoft.com/office/powerpoint/2010/main" val="2491983680"/>
+      </p:ext>
+    </p:extLst>
+  </p:cSld>
+  <p:clrMapOvr>
+    <a:masterClrMapping/>
+  </p:clrMapOvr>
+</p:sld>
+</file>
+
+<file path=ppt/slides/slide17.xml><?xml version="1.0" encoding="utf-8"?>
+<p:sld xmlns:a="http://schemas.openxmlformats.org/drawingml/2006/main" xmlns:r="http://schemas.openxmlformats.org/officeDocument/2006/relationships" xmlns:p="http://schemas.openxmlformats.org/presentationml/2006/main">
+  <p:cSld>
+    <p:spTree>
+      <p:nvGrpSpPr>
+        <p:cNvPr id="1" name=""/>
+        <p:cNvGrpSpPr/>
+        <p:nvPr/>
+      </p:nvGrpSpPr>
+      <p:grpSpPr>
+        <a:xfrm>
+          <a:off x="0" y="0"/>
+          <a:ext cx="0" cy="0"/>
+          <a:chOff x="0" y="0"/>
+          <a:chExt cx="0" cy="0"/>
+        </a:xfrm>
+      </p:grpSpPr>
+      <p:sp>
+        <p:nvSpPr>
+          <p:cNvPr id="2" name="Title 1"/>
+          <p:cNvSpPr>
+            <a:spLocks noGrp="1"/>
+          </p:cNvSpPr>
+          <p:nvPr>
+            <p:ph type="title"/>
+          </p:nvPr>
+        </p:nvSpPr>
+        <p:spPr/>
+        <p:txBody>
+          <a:bodyPr/>
+          <a:lstStyle/>
+          <a:p>
+            <a:r>
+              <a:rPr lang="en-ZA" dirty="0"/>
+              <a:t>References</a:t>
+            </a:r>
+          </a:p>
+        </p:txBody>
+      </p:sp>
+      <p:sp>
+        <p:nvSpPr>
+          <p:cNvPr id="3" name="Content Placeholder 2"/>
+          <p:cNvSpPr>
+            <a:spLocks noGrp="1"/>
+          </p:cNvSpPr>
+          <p:nvPr>
+            <p:ph idx="1"/>
+          </p:nvPr>
+        </p:nvSpPr>
+        <p:spPr>
+          <a:xfrm>
+            <a:off x="342900" y="2209800"/>
+            <a:ext cx="9067800" cy="3352800"/>
+          </a:xfrm>
+        </p:spPr>
+        <p:txBody>
+          <a:bodyPr/>
+          <a:lstStyle/>
+          <a:p>
+            <a:pPr marL="190500" indent="0">
+              <a:buNone/>
+            </a:pPr>
+            <a:r>
+              <a:rPr lang="en-ZA" b="0" dirty="0"/>
+              <a:t>[1]	L. Tiete et al. “Detecting Laterality and Nasality in Speech 	with the Use of a Multi-Channel </a:t>
+            </a:r>
+            <a:r>
+              <a:rPr lang="de-DE" b="0" dirty="0" err="1"/>
+              <a:t>recorder</a:t>
+            </a:r>
+            <a:r>
+              <a:rPr lang="de-DE" b="0" dirty="0"/>
+              <a:t>.</a:t>
+            </a:r>
+            <a:r>
+              <a:rPr lang="en-ZA" b="0" dirty="0"/>
+              <a:t>” </a:t>
+            </a:r>
+            <a:r>
+              <a:rPr lang="de-DE" b="0" i="1" dirty="0"/>
+              <a:t>Sensors (Basel, 	</a:t>
+            </a:r>
+            <a:r>
+              <a:rPr lang="de-DE" b="0" i="1" dirty="0" err="1"/>
+              <a:t>Switzerland</a:t>
+            </a:r>
+            <a:r>
+              <a:rPr lang="de-DE" b="0" i="1" dirty="0"/>
+              <a:t>)</a:t>
+            </a:r>
+            <a:r>
+              <a:rPr lang="de-DE" b="0" dirty="0"/>
+              <a:t>, vol. 14, </a:t>
+            </a:r>
+            <a:r>
+              <a:rPr lang="en-ZA" b="0" dirty="0"/>
+              <a:t>pp. 1918-1949, 02 2014.</a:t>
+            </a:r>
+            <a:endParaRPr lang="en-ZA" dirty="0"/>
+          </a:p>
+        </p:txBody>
+      </p:sp>
+      <p:sp>
+        <p:nvSpPr>
+          <p:cNvPr id="4" name="Slide Number Placeholder 3"/>
+          <p:cNvSpPr>
+            <a:spLocks noGrp="1"/>
+          </p:cNvSpPr>
+          <p:nvPr>
+            <p:ph type="sldNum" sz="quarter" idx="10"/>
+          </p:nvPr>
+        </p:nvSpPr>
+        <p:spPr/>
+        <p:txBody>
+          <a:bodyPr/>
+          <a:lstStyle/>
+          <a:p>
+            <a:fld id="{960946CE-1557-8048-9DCC-53092B682325}" type="slidenum">
+              <a:rPr lang="en-US" smtClean="0"/>
+              <a:t>17</a:t>
+            </a:fld>
+            <a:endParaRPr lang="en-US" dirty="0"/>
+          </a:p>
+        </p:txBody>
+      </p:sp>
+    </p:spTree>
+    <p:extLst>
+      <p:ext uri="{BB962C8B-B14F-4D97-AF65-F5344CB8AC3E}">
+        <p14:creationId xmlns:p14="http://schemas.microsoft.com/office/powerpoint/2010/main" val="1274193584"/>
+      </p:ext>
+    </p:extLst>
+  </p:cSld>
+  <p:clrMapOvr>
+    <a:masterClrMapping/>
+  </p:clrMapOvr>
+</p:sld>
+</file>
+
+<file path=ppt/slides/slide18.xml><?xml version="1.0" encoding="utf-8"?>
+<p:sld xmlns:a="http://schemas.openxmlformats.org/drawingml/2006/main" xmlns:r="http://schemas.openxmlformats.org/officeDocument/2006/relationships" xmlns:p="http://schemas.openxmlformats.org/presentationml/2006/main">
+  <p:cSld>
+    <p:spTree>
+      <p:nvGrpSpPr>
+        <p:cNvPr id="1" name=""/>
+        <p:cNvGrpSpPr/>
+        <p:nvPr/>
+      </p:nvGrpSpPr>
+      <p:grpSpPr>
+        <a:xfrm>
+          <a:off x="0" y="0"/>
+          <a:ext cx="0" cy="0"/>
+          <a:chOff x="0" y="0"/>
+          <a:chExt cx="0" cy="0"/>
+        </a:xfrm>
+      </p:grpSpPr>
+      <p:sp>
+        <p:nvSpPr>
+          <p:cNvPr id="2" name="Title 1"/>
+          <p:cNvSpPr>
+            <a:spLocks noGrp="1"/>
+          </p:cNvSpPr>
+          <p:nvPr>
+            <p:ph type="title"/>
+          </p:nvPr>
+        </p:nvSpPr>
+        <p:spPr/>
+        <p:txBody>
+          <a:bodyPr/>
+          <a:lstStyle/>
+          <a:p>
+            <a:r>
+              <a:rPr lang="en-ZA" dirty="0"/>
+              <a:t>Questions?</a:t>
+            </a:r>
+          </a:p>
+        </p:txBody>
+      </p:sp>
+      <p:sp>
+        <p:nvSpPr>
+          <p:cNvPr id="3" name="Content Placeholder 2"/>
+          <p:cNvSpPr>
+            <a:spLocks noGrp="1"/>
+          </p:cNvSpPr>
+          <p:nvPr>
+            <p:ph idx="1"/>
+          </p:nvPr>
+        </p:nvSpPr>
+        <p:spPr/>
+        <p:txBody>
+          <a:bodyPr/>
+          <a:lstStyle/>
+          <a:p>
+            <a:pPr marL="190500" indent="0">
+              <a:buNone/>
+            </a:pPr>
+            <a:endParaRPr lang="en-ZA" dirty="0"/>
+          </a:p>
+        </p:txBody>
+      </p:sp>
+      <p:sp>
+        <p:nvSpPr>
+          <p:cNvPr id="4" name="Slide Number Placeholder 3"/>
+          <p:cNvSpPr>
+            <a:spLocks noGrp="1"/>
+          </p:cNvSpPr>
+          <p:nvPr>
+            <p:ph type="sldNum" sz="quarter" idx="10"/>
+          </p:nvPr>
+        </p:nvSpPr>
+        <p:spPr/>
+        <p:txBody>
+          <a:bodyPr/>
+          <a:lstStyle/>
+          <a:p>
+            <a:fld id="{960946CE-1557-8048-9DCC-53092B682325}" type="slidenum">
+              <a:rPr lang="en-US" smtClean="0"/>
+              <a:t>18</a:t>
             </a:fld>
             <a:endParaRPr lang="en-US" dirty="0"/>
           </a:p>
@@ -6543,6 +7610,326 @@
       </p:grpSpPr>
       <p:sp>
         <p:nvSpPr>
+          <p:cNvPr id="2" name="Title 1">
+            <a:extLst>
+              <a:ext uri="{FF2B5EF4-FFF2-40B4-BE49-F238E27FC236}">
+                <a16:creationId xmlns:a16="http://schemas.microsoft.com/office/drawing/2014/main" id="{54027B5B-5DBC-3544-8BA0-DF69AE58F234}"/>
+              </a:ext>
+            </a:extLst>
+          </p:cNvPr>
+          <p:cNvSpPr>
+            <a:spLocks noGrp="1"/>
+          </p:cNvSpPr>
+          <p:nvPr>
+            <p:ph type="title"/>
+          </p:nvPr>
+        </p:nvSpPr>
+        <p:spPr/>
+        <p:txBody>
+          <a:bodyPr/>
+          <a:lstStyle/>
+          <a:p>
+            <a:r>
+              <a:rPr lang="en-US" dirty="0"/>
+              <a:t>Hearing Loss</a:t>
+            </a:r>
+          </a:p>
+        </p:txBody>
+      </p:sp>
+      <p:sp>
+        <p:nvSpPr>
+          <p:cNvPr id="3" name="Content Placeholder 2">
+            <a:extLst>
+              <a:ext uri="{FF2B5EF4-FFF2-40B4-BE49-F238E27FC236}">
+                <a16:creationId xmlns:a16="http://schemas.microsoft.com/office/drawing/2014/main" id="{177EF195-7D60-6642-9F39-C34D95FAF347}"/>
+              </a:ext>
+            </a:extLst>
+          </p:cNvPr>
+          <p:cNvSpPr>
+            <a:spLocks noGrp="1"/>
+          </p:cNvSpPr>
+          <p:nvPr>
+            <p:ph idx="1"/>
+          </p:nvPr>
+        </p:nvSpPr>
+        <p:spPr>
+          <a:xfrm>
+            <a:off x="342900" y="1916832"/>
+            <a:ext cx="8714556" cy="3352800"/>
+          </a:xfrm>
+        </p:spPr>
+        <p:txBody>
+          <a:bodyPr/>
+          <a:lstStyle/>
+          <a:p>
+            <a:r>
+              <a:rPr lang="en-US" dirty="0"/>
+              <a:t>Affects 5% of the global population</a:t>
+            </a:r>
+          </a:p>
+          <a:p>
+            <a:r>
+              <a:rPr lang="en-US" dirty="0"/>
+              <a:t>Caused by age, disease, trauma</a:t>
+            </a:r>
+          </a:p>
+          <a:p>
+            <a:r>
+              <a:rPr lang="en-US" dirty="0"/>
+              <a:t>Results in decreased quality of life and isolation</a:t>
+            </a:r>
+          </a:p>
+        </p:txBody>
+      </p:sp>
+      <p:sp>
+        <p:nvSpPr>
+          <p:cNvPr id="4" name="Slide Number Placeholder 3">
+            <a:extLst>
+              <a:ext uri="{FF2B5EF4-FFF2-40B4-BE49-F238E27FC236}">
+                <a16:creationId xmlns:a16="http://schemas.microsoft.com/office/drawing/2014/main" id="{CDA1FA50-254C-554A-9D74-4FF616571BBE}"/>
+              </a:ext>
+            </a:extLst>
+          </p:cNvPr>
+          <p:cNvSpPr>
+            <a:spLocks noGrp="1"/>
+          </p:cNvSpPr>
+          <p:nvPr>
+            <p:ph type="sldNum" sz="quarter" idx="10"/>
+          </p:nvPr>
+        </p:nvSpPr>
+        <p:spPr/>
+        <p:txBody>
+          <a:bodyPr/>
+          <a:lstStyle/>
+          <a:p>
+            <a:fld id="{960946CE-1557-8048-9DCC-53092B682325}" type="slidenum">
+              <a:rPr lang="en-US" smtClean="0"/>
+              <a:t>2</a:t>
+            </a:fld>
+            <a:endParaRPr lang="en-US" dirty="0"/>
+          </a:p>
+        </p:txBody>
+      </p:sp>
+    </p:spTree>
+    <p:extLst>
+      <p:ext uri="{BB962C8B-B14F-4D97-AF65-F5344CB8AC3E}">
+        <p14:creationId xmlns:p14="http://schemas.microsoft.com/office/powerpoint/2010/main" val="3538750536"/>
+      </p:ext>
+    </p:extLst>
+  </p:cSld>
+  <p:clrMapOvr>
+    <a:masterClrMapping/>
+  </p:clrMapOvr>
+</p:sld>
+</file>
+
+<file path=ppt/slides/slide3.xml><?xml version="1.0" encoding="utf-8"?>
+<p:sld xmlns:a="http://schemas.openxmlformats.org/drawingml/2006/main" xmlns:r="http://schemas.openxmlformats.org/officeDocument/2006/relationships" xmlns:p="http://schemas.openxmlformats.org/presentationml/2006/main">
+  <p:cSld>
+    <p:spTree>
+      <p:nvGrpSpPr>
+        <p:cNvPr id="1" name=""/>
+        <p:cNvGrpSpPr/>
+        <p:nvPr/>
+      </p:nvGrpSpPr>
+      <p:grpSpPr>
+        <a:xfrm>
+          <a:off x="0" y="0"/>
+          <a:ext cx="0" cy="0"/>
+          <a:chOff x="0" y="0"/>
+          <a:chExt cx="0" cy="0"/>
+        </a:xfrm>
+      </p:grpSpPr>
+      <p:sp>
+        <p:nvSpPr>
+          <p:cNvPr id="2" name="Title 1">
+            <a:extLst>
+              <a:ext uri="{FF2B5EF4-FFF2-40B4-BE49-F238E27FC236}">
+                <a16:creationId xmlns:a16="http://schemas.microsoft.com/office/drawing/2014/main" id="{DC7C390D-3E60-5D45-B455-0B21082C4E72}"/>
+              </a:ext>
+            </a:extLst>
+          </p:cNvPr>
+          <p:cNvSpPr>
+            <a:spLocks noGrp="1"/>
+          </p:cNvSpPr>
+          <p:nvPr>
+            <p:ph type="title"/>
+          </p:nvPr>
+        </p:nvSpPr>
+        <p:spPr/>
+        <p:txBody>
+          <a:bodyPr/>
+          <a:lstStyle/>
+          <a:p>
+            <a:r>
+              <a:rPr lang="en-US" dirty="0"/>
+              <a:t>The Solution – Hearing Aid</a:t>
+            </a:r>
+          </a:p>
+        </p:txBody>
+      </p:sp>
+      <p:sp>
+        <p:nvSpPr>
+          <p:cNvPr id="3" name="Content Placeholder 2">
+            <a:extLst>
+              <a:ext uri="{FF2B5EF4-FFF2-40B4-BE49-F238E27FC236}">
+                <a16:creationId xmlns:a16="http://schemas.microsoft.com/office/drawing/2014/main" id="{FC6FD5A7-4C62-B247-B68A-BE1543C563E8}"/>
+              </a:ext>
+            </a:extLst>
+          </p:cNvPr>
+          <p:cNvSpPr>
+            <a:spLocks noGrp="1"/>
+          </p:cNvSpPr>
+          <p:nvPr>
+            <p:ph idx="1"/>
+          </p:nvPr>
+        </p:nvSpPr>
+        <p:spPr>
+          <a:xfrm>
+            <a:off x="342900" y="1916832"/>
+            <a:ext cx="9067800" cy="3352800"/>
+          </a:xfrm>
+        </p:spPr>
+        <p:txBody>
+          <a:bodyPr/>
+          <a:lstStyle/>
+          <a:p>
+            <a:r>
+              <a:rPr lang="en-US" dirty="0"/>
+              <a:t>Compensatory amplification </a:t>
+            </a:r>
+          </a:p>
+          <a:p>
+            <a:pPr lvl="1"/>
+            <a:r>
+              <a:rPr lang="en-US" dirty="0"/>
+              <a:t>Correcting an individual’s hearing deficits </a:t>
+            </a:r>
+          </a:p>
+          <a:p>
+            <a:r>
+              <a:rPr lang="en-US" dirty="0"/>
+              <a:t>Directionality</a:t>
+            </a:r>
+          </a:p>
+          <a:p>
+            <a:pPr lvl="1"/>
+            <a:r>
+              <a:rPr lang="en-US" dirty="0"/>
+              <a:t>Amplifying sounds in particular directions </a:t>
+            </a:r>
+          </a:p>
+          <a:p>
+            <a:pPr lvl="1"/>
+            <a:r>
+              <a:rPr lang="en-US" dirty="0"/>
+              <a:t>Attenuating sounds in other directions</a:t>
+            </a:r>
+          </a:p>
+          <a:p>
+            <a:r>
+              <a:rPr lang="en-US" dirty="0"/>
+              <a:t>Cost of commercial hearing aid ~2000$</a:t>
+            </a:r>
+          </a:p>
+          <a:p>
+            <a:endParaRPr lang="en-US" dirty="0"/>
+          </a:p>
+        </p:txBody>
+      </p:sp>
+      <p:sp>
+        <p:nvSpPr>
+          <p:cNvPr id="4" name="Slide Number Placeholder 3">
+            <a:extLst>
+              <a:ext uri="{FF2B5EF4-FFF2-40B4-BE49-F238E27FC236}">
+                <a16:creationId xmlns:a16="http://schemas.microsoft.com/office/drawing/2014/main" id="{27961C04-E6D9-884C-93F8-64DABD716A76}"/>
+              </a:ext>
+            </a:extLst>
+          </p:cNvPr>
+          <p:cNvSpPr>
+            <a:spLocks noGrp="1"/>
+          </p:cNvSpPr>
+          <p:nvPr>
+            <p:ph type="sldNum" sz="quarter" idx="10"/>
+          </p:nvPr>
+        </p:nvSpPr>
+        <p:spPr/>
+        <p:txBody>
+          <a:bodyPr/>
+          <a:lstStyle/>
+          <a:p>
+            <a:fld id="{960946CE-1557-8048-9DCC-53092B682325}" type="slidenum">
+              <a:rPr lang="en-US" smtClean="0"/>
+              <a:t>3</a:t>
+            </a:fld>
+            <a:endParaRPr lang="en-US" dirty="0"/>
+          </a:p>
+        </p:txBody>
+      </p:sp>
+      <p:sp>
+        <p:nvSpPr>
+          <p:cNvPr id="5" name="TextBox 4">
+            <a:extLst>
+              <a:ext uri="{FF2B5EF4-FFF2-40B4-BE49-F238E27FC236}">
+                <a16:creationId xmlns:a16="http://schemas.microsoft.com/office/drawing/2014/main" id="{2BCAA175-2473-7641-9E36-0AA49C0F6B1E}"/>
+              </a:ext>
+            </a:extLst>
+          </p:cNvPr>
+          <p:cNvSpPr txBox="1"/>
+          <p:nvPr/>
+        </p:nvSpPr>
+        <p:spPr>
+          <a:xfrm>
+            <a:off x="2447778" y="2715065"/>
+            <a:ext cx="184731" cy="369332"/>
+          </a:xfrm>
+          <a:prstGeom prst="rect">
+            <a:avLst/>
+          </a:prstGeom>
+          <a:noFill/>
+        </p:spPr>
+        <p:txBody>
+          <a:bodyPr wrap="none" rtlCol="0">
+            <a:spAutoFit/>
+          </a:bodyPr>
+          <a:lstStyle/>
+          <a:p>
+            <a:endParaRPr lang="en-US" dirty="0"/>
+          </a:p>
+        </p:txBody>
+      </p:sp>
+    </p:spTree>
+    <p:extLst>
+      <p:ext uri="{BB962C8B-B14F-4D97-AF65-F5344CB8AC3E}">
+        <p14:creationId xmlns:p14="http://schemas.microsoft.com/office/powerpoint/2010/main" val="3437401694"/>
+      </p:ext>
+    </p:extLst>
+  </p:cSld>
+  <p:clrMapOvr>
+    <a:masterClrMapping/>
+  </p:clrMapOvr>
+</p:sld>
+</file>
+
+<file path=ppt/slides/slide4.xml><?xml version="1.0" encoding="utf-8"?>
+<p:sld xmlns:a="http://schemas.openxmlformats.org/drawingml/2006/main" xmlns:r="http://schemas.openxmlformats.org/officeDocument/2006/relationships" xmlns:p="http://schemas.openxmlformats.org/presentationml/2006/main">
+  <p:cSld>
+    <p:spTree>
+      <p:nvGrpSpPr>
+        <p:cNvPr id="1" name=""/>
+        <p:cNvGrpSpPr/>
+        <p:nvPr/>
+      </p:nvGrpSpPr>
+      <p:grpSpPr>
+        <a:xfrm>
+          <a:off x="0" y="0"/>
+          <a:ext cx="0" cy="0"/>
+          <a:chOff x="0" y="0"/>
+          <a:chExt cx="0" cy="0"/>
+        </a:xfrm>
+      </p:grpSpPr>
+      <p:sp>
+        <p:nvSpPr>
           <p:cNvPr id="2" name="Title 1"/>
           <p:cNvSpPr>
             <a:spLocks noGrp="1"/>
@@ -6584,8 +7971,12 @@
           <a:lstStyle/>
           <a:p>
             <a:r>
+              <a:rPr lang="en-ZA"/>
+              <a:t>Development of a </a:t>
+            </a:r>
+            <a:r>
               <a:rPr lang="en-ZA" dirty="0"/>
-              <a:t>To develop a low cost hearing aid</a:t>
+              <a:t>low cost hearing aid</a:t>
             </a:r>
           </a:p>
           <a:p>
@@ -6647,7 +8038,7 @@
           <a:p>
             <a:fld id="{960946CE-1557-8048-9DCC-53092B682325}" type="slidenum">
               <a:rPr lang="en-US" smtClean="0"/>
-              <a:t>2</a:t>
+              <a:t>4</a:t>
             </a:fld>
             <a:endParaRPr lang="en-US" dirty="0"/>
           </a:p>
@@ -6666,7 +8057,7 @@
 </p:sld>
 </file>
 
-<file path=ppt/slides/slide3.xml><?xml version="1.0" encoding="utf-8"?>
+<file path=ppt/slides/slide5.xml><?xml version="1.0" encoding="utf-8"?>
 <p:sld xmlns:a="http://schemas.openxmlformats.org/drawingml/2006/main" xmlns:r="http://schemas.openxmlformats.org/officeDocument/2006/relationships" xmlns:p="http://schemas.openxmlformats.org/presentationml/2006/main">
   <p:cSld>
     <p:spTree>
@@ -6752,7 +8143,7 @@
           <a:p>
             <a:fld id="{960946CE-1557-8048-9DCC-53092B682325}" type="slidenum">
               <a:rPr lang="en-US" smtClean="0"/>
-              <a:t>3</a:t>
+              <a:t>5</a:t>
             </a:fld>
             <a:endParaRPr lang="en-US" dirty="0"/>
           </a:p>
@@ -6771,7 +8162,7 @@
 </p:sld>
 </file>
 
-<file path=ppt/slides/slide4.xml><?xml version="1.0" encoding="utf-8"?>
+<file path=ppt/slides/slide6.xml><?xml version="1.0" encoding="utf-8"?>
 <p:sld xmlns:a="http://schemas.openxmlformats.org/drawingml/2006/main" xmlns:r="http://schemas.openxmlformats.org/officeDocument/2006/relationships" xmlns:p="http://schemas.openxmlformats.org/presentationml/2006/main">
   <p:cSld>
     <p:spTree>
@@ -7463,7 +8854,7 @@
           <a:p>
             <a:fld id="{960946CE-1557-8048-9DCC-53092B682325}" type="slidenum">
               <a:rPr lang="en-US" smtClean="0"/>
-              <a:t>4</a:t>
+              <a:t>6</a:t>
             </a:fld>
             <a:endParaRPr lang="en-US" dirty="0"/>
           </a:p>
@@ -7482,7 +8873,7 @@
 </p:sld>
 </file>
 
-<file path=ppt/slides/slide5.xml><?xml version="1.0" encoding="utf-8"?>
+<file path=ppt/slides/slide7.xml><?xml version="1.0" encoding="utf-8"?>
 <p:sld xmlns:a="http://schemas.openxmlformats.org/drawingml/2006/main" xmlns:r="http://schemas.openxmlformats.org/officeDocument/2006/relationships" xmlns:p="http://schemas.openxmlformats.org/presentationml/2006/main">
   <p:cSld>
     <p:spTree>
@@ -7538,7 +8929,7 @@
           <a:p>
             <a:fld id="{960946CE-1557-8048-9DCC-53092B682325}" type="slidenum">
               <a:rPr lang="en-US" smtClean="0"/>
-              <a:t>5</a:t>
+              <a:t>7</a:t>
             </a:fld>
             <a:endParaRPr lang="en-US" dirty="0"/>
           </a:p>
@@ -7655,7 +9046,7 @@
 </p:sld>
 </file>
 
-<file path=ppt/slides/slide6.xml><?xml version="1.0" encoding="utf-8"?>
+<file path=ppt/slides/slide8.xml><?xml version="1.0" encoding="utf-8"?>
 <p:sld xmlns:a="http://schemas.openxmlformats.org/drawingml/2006/main" xmlns:r="http://schemas.openxmlformats.org/officeDocument/2006/relationships" xmlns:p="http://schemas.openxmlformats.org/presentationml/2006/main">
   <p:cSld>
     <p:spTree>
@@ -7711,7 +9102,7 @@
           <a:p>
             <a:fld id="{960946CE-1557-8048-9DCC-53092B682325}" type="slidenum">
               <a:rPr lang="en-US" smtClean="0"/>
-              <a:t>6</a:t>
+              <a:t>8</a:t>
             </a:fld>
             <a:endParaRPr lang="en-US" dirty="0"/>
           </a:p>
@@ -7785,35 +9176,6 @@
       </p:pic>
       <p:sp>
         <p:nvSpPr>
-          <p:cNvPr id="5" name="TextBox 4"/>
-          <p:cNvSpPr txBox="1"/>
-          <p:nvPr/>
-        </p:nvSpPr>
-        <p:spPr>
-          <a:xfrm>
-            <a:off x="7977336" y="5923335"/>
-            <a:ext cx="2222094" cy="369332"/>
-          </a:xfrm>
-          <a:prstGeom prst="rect">
-            <a:avLst/>
-          </a:prstGeom>
-          <a:noFill/>
-        </p:spPr>
-        <p:txBody>
-          <a:bodyPr wrap="square" rtlCol="0">
-            <a:spAutoFit/>
-          </a:bodyPr>
-          <a:lstStyle/>
-          <a:p>
-            <a:r>
-              <a:rPr lang="en-US" b="1" dirty="0"/>
-              <a:t>Adapted from [1]</a:t>
-            </a:r>
-          </a:p>
-        </p:txBody>
-      </p:sp>
-      <p:sp>
-        <p:nvSpPr>
           <p:cNvPr id="3" name="TextBox 2"/>
           <p:cNvSpPr txBox="1"/>
           <p:nvPr/>
@@ -7857,7 +9219,7 @@
 </p:sld>
 </file>
 
-<file path=ppt/slides/slide7.xml><?xml version="1.0" encoding="utf-8"?>
+<file path=ppt/slides/slide9.xml><?xml version="1.0" encoding="utf-8"?>
 <p:sld xmlns:a="http://schemas.openxmlformats.org/drawingml/2006/main" xmlns:r="http://schemas.openxmlformats.org/officeDocument/2006/relationships" xmlns:p="http://schemas.openxmlformats.org/presentationml/2006/main">
   <p:cSld>
     <p:spTree>
@@ -7942,7 +9304,7 @@
           <a:p>
             <a:fld id="{960946CE-1557-8048-9DCC-53092B682325}" type="slidenum">
               <a:rPr lang="en-US" smtClean="0"/>
-              <a:t>7</a:t>
+              <a:t>9</a:t>
             </a:fld>
             <a:endParaRPr lang="en-US" dirty="0"/>
           </a:p>
@@ -8104,1071 +9466,6 @@
     <p:extLst>
       <p:ext uri="{BB962C8B-B14F-4D97-AF65-F5344CB8AC3E}">
         <p14:creationId xmlns:p14="http://schemas.microsoft.com/office/powerpoint/2010/main" val="1369921732"/>
-      </p:ext>
-    </p:extLst>
-  </p:cSld>
-  <p:clrMapOvr>
-    <a:masterClrMapping/>
-  </p:clrMapOvr>
-</p:sld>
-</file>
-
-<file path=ppt/slides/slide8.xml><?xml version="1.0" encoding="utf-8"?>
-<p:sld xmlns:a="http://schemas.openxmlformats.org/drawingml/2006/main" xmlns:r="http://schemas.openxmlformats.org/officeDocument/2006/relationships" xmlns:p="http://schemas.openxmlformats.org/presentationml/2006/main">
-  <p:cSld>
-    <p:spTree>
-      <p:nvGrpSpPr>
-        <p:cNvPr id="1" name=""/>
-        <p:cNvGrpSpPr/>
-        <p:nvPr/>
-      </p:nvGrpSpPr>
-      <p:grpSpPr>
-        <a:xfrm>
-          <a:off x="0" y="0"/>
-          <a:ext cx="0" cy="0"/>
-          <a:chOff x="0" y="0"/>
-          <a:chExt cx="0" cy="0"/>
-        </a:xfrm>
-      </p:grpSpPr>
-      <p:sp>
-        <p:nvSpPr>
-          <p:cNvPr id="2" name="Title 1"/>
-          <p:cNvSpPr>
-            <a:spLocks noGrp="1"/>
-          </p:cNvSpPr>
-          <p:nvPr>
-            <p:ph type="title"/>
-          </p:nvPr>
-        </p:nvSpPr>
-        <p:spPr/>
-        <p:txBody>
-          <a:bodyPr/>
-          <a:lstStyle/>
-          <a:p>
-            <a:r>
-              <a:rPr lang="en-ZA" dirty="0"/>
-              <a:t>Simulation Results: Amplification</a:t>
-            </a:r>
-          </a:p>
-        </p:txBody>
-      </p:sp>
-      <p:pic>
-        <p:nvPicPr>
-          <p:cNvPr id="5" name="Content Placeholder 4"/>
-          <p:cNvPicPr>
-            <a:picLocks noGrp="1" noChangeAspect="1"/>
-          </p:cNvPicPr>
-          <p:nvPr>
-            <p:ph idx="1"/>
-          </p:nvPr>
-        </p:nvPicPr>
-        <p:blipFill>
-          <a:blip r:embed="rId2">
-            <a:extLst>
-              <a:ext uri="{28A0092B-C50C-407E-A947-70E740481C1C}">
-                <a14:useLocalDpi xmlns:a14="http://schemas.microsoft.com/office/drawing/2010/main" val="0"/>
-              </a:ext>
-            </a:extLst>
-          </a:blip>
-          <a:stretch>
-            <a:fillRect/>
-          </a:stretch>
-        </p:blipFill>
-        <p:spPr>
-          <a:xfrm>
-            <a:off x="1424608" y="3212976"/>
-            <a:ext cx="6808230" cy="3029014"/>
-          </a:xfrm>
-        </p:spPr>
-      </p:pic>
-      <p:sp>
-        <p:nvSpPr>
-          <p:cNvPr id="4" name="Slide Number Placeholder 3"/>
-          <p:cNvSpPr>
-            <a:spLocks noGrp="1"/>
-          </p:cNvSpPr>
-          <p:nvPr>
-            <p:ph type="sldNum" sz="quarter" idx="10"/>
-          </p:nvPr>
-        </p:nvSpPr>
-        <p:spPr/>
-        <p:txBody>
-          <a:bodyPr/>
-          <a:lstStyle/>
-          <a:p>
-            <a:fld id="{960946CE-1557-8048-9DCC-53092B682325}" type="slidenum">
-              <a:rPr lang="en-US" smtClean="0"/>
-              <a:t>8</a:t>
-            </a:fld>
-            <a:endParaRPr lang="en-US" dirty="0"/>
-          </a:p>
-        </p:txBody>
-      </p:sp>
-      <p:sp>
-        <p:nvSpPr>
-          <p:cNvPr id="6" name="Content Placeholder 2"/>
-          <p:cNvSpPr txBox="1">
-            <a:spLocks/>
-          </p:cNvSpPr>
-          <p:nvPr/>
-        </p:nvSpPr>
-        <p:spPr bwMode="auto">
-          <a:xfrm>
-            <a:off x="128464" y="1755805"/>
-            <a:ext cx="8846735" cy="1025123"/>
-          </a:xfrm>
-          <a:prstGeom prst="rect">
-            <a:avLst/>
-          </a:prstGeom>
-          <a:noFill/>
-          <a:ln>
-            <a:noFill/>
-          </a:ln>
-          <a:extLst>
-            <a:ext uri="{909E8E84-426E-40dd-AFC4-6F175D3DCCD1}">
-              <a14:hiddenFill xmlns:a14="http://schemas.microsoft.com/office/drawing/2010/main" xmlns="">
-                <a:solidFill>
-                  <a:srgbClr val="FFFFFF"/>
-                </a:solidFill>
-              </a14:hiddenFill>
-            </a:ext>
-            <a:ext uri="{91240B29-F687-4f45-9708-019B960494DF}">
-              <a14:hiddenLine xmlns:a14="http://schemas.microsoft.com/office/drawing/2010/main" xmlns="" w="9525">
-                <a:solidFill>
-                  <a:srgbClr val="000000"/>
-                </a:solidFill>
-                <a:miter lim="800000"/>
-                <a:headEnd/>
-                <a:tailEnd/>
-              </a14:hiddenLine>
-            </a:ext>
-            <a:ext uri="{FAA26D3D-D897-4be2-8F04-BA451C77F1D7}">
-              <ma14:placeholderFlag xmlns:ma14="http://schemas.microsoft.com/office/mac/drawingml/2011/main" xmlns="" val="1"/>
-            </a:ext>
-          </a:extLst>
-        </p:spPr>
-        <p:txBody>
-          <a:bodyPr vert="horz" wrap="square" lIns="92075" tIns="46038" rIns="92075" bIns="46038" numCol="1" anchor="t" anchorCtr="0" compatLnSpc="1">
-            <a:prstTxWarp prst="textNoShape">
-              <a:avLst/>
-            </a:prstTxWarp>
-          </a:bodyPr>
-          <a:lstStyle>
-            <a:lvl1pPr marL="762000" indent="-571500" algn="l" defTabSz="762000" rtl="0" eaLnBrk="1" fontAlgn="base" hangingPunct="1">
-              <a:spcBef>
-                <a:spcPct val="70000"/>
-              </a:spcBef>
-              <a:spcAft>
-                <a:spcPct val="0"/>
-              </a:spcAft>
-              <a:buClr>
-                <a:srgbClr val="154E7E"/>
-              </a:buClr>
-              <a:buSzPct val="100000"/>
-              <a:buFont typeface="Wingdings" charset="0"/>
-              <a:buChar char="l"/>
-              <a:defRPr sz="2400" b="1">
-                <a:solidFill>
-                  <a:schemeClr val="tx1"/>
-                </a:solidFill>
-                <a:latin typeface="+mn-lt"/>
-                <a:ea typeface="MS PGothic" panose="020B0600070205080204" pitchFamily="34" charset="-128"/>
-                <a:cs typeface="MS PGothic" charset="0"/>
-              </a:defRPr>
-            </a:lvl1pPr>
-            <a:lvl2pPr marL="1524000" indent="-381000" algn="l" defTabSz="762000" rtl="0" eaLnBrk="1" fontAlgn="base" hangingPunct="1">
-              <a:lnSpc>
-                <a:spcPct val="90000"/>
-              </a:lnSpc>
-              <a:spcBef>
-                <a:spcPct val="30000"/>
-              </a:spcBef>
-              <a:spcAft>
-                <a:spcPct val="0"/>
-              </a:spcAft>
-              <a:buClr>
-                <a:srgbClr val="154E7E"/>
-              </a:buClr>
-              <a:buSzPct val="100000"/>
-              <a:buFont typeface="Wingdings" charset="0"/>
-              <a:buChar char="Ø"/>
-              <a:defRPr sz="2000" b="1">
-                <a:solidFill>
-                  <a:schemeClr val="tx1"/>
-                </a:solidFill>
-                <a:latin typeface="+mn-lt"/>
-                <a:ea typeface="MS PGothic" panose="020B0600070205080204" pitchFamily="34" charset="-128"/>
-                <a:cs typeface="MS PGothic" charset="0"/>
-              </a:defRPr>
-            </a:lvl2pPr>
-            <a:lvl3pPr marL="2190750" indent="-285750" algn="l" defTabSz="762000" rtl="0" eaLnBrk="1" fontAlgn="base" hangingPunct="1">
-              <a:lnSpc>
-                <a:spcPct val="90000"/>
-              </a:lnSpc>
-              <a:spcBef>
-                <a:spcPct val="30000"/>
-              </a:spcBef>
-              <a:spcAft>
-                <a:spcPct val="0"/>
-              </a:spcAft>
-              <a:buClr>
-                <a:srgbClr val="154E7E"/>
-              </a:buClr>
-              <a:buSzPct val="100000"/>
-              <a:buFont typeface="Wingdings" charset="0"/>
-              <a:buChar char="§"/>
-              <a:defRPr b="1">
-                <a:solidFill>
-                  <a:schemeClr val="tx1"/>
-                </a:solidFill>
-                <a:latin typeface="+mn-lt"/>
-                <a:ea typeface="MS PGothic" panose="020B0600070205080204" pitchFamily="34" charset="-128"/>
-                <a:cs typeface="MS PGothic" charset="0"/>
-              </a:defRPr>
-            </a:lvl3pPr>
-            <a:lvl4pPr marL="2647950" indent="-171450" algn="l" defTabSz="762000" rtl="0" eaLnBrk="1" fontAlgn="base" hangingPunct="1">
-              <a:lnSpc>
-                <a:spcPct val="90000"/>
-              </a:lnSpc>
-              <a:spcBef>
-                <a:spcPct val="30000"/>
-              </a:spcBef>
-              <a:spcAft>
-                <a:spcPct val="0"/>
-              </a:spcAft>
-              <a:buClr>
-                <a:srgbClr val="FAFD00"/>
-              </a:buClr>
-              <a:buSzPct val="100000"/>
-              <a:buFont typeface="Arial" charset="0"/>
-              <a:buChar char="•"/>
-              <a:defRPr sz="1400" b="1">
-                <a:solidFill>
-                  <a:schemeClr val="tx1"/>
-                </a:solidFill>
-                <a:latin typeface="+mn-lt"/>
-                <a:ea typeface="MS PGothic" panose="020B0600070205080204" pitchFamily="34" charset="-128"/>
-                <a:cs typeface="MS PGothic" charset="0"/>
-              </a:defRPr>
-            </a:lvl4pPr>
-            <a:lvl5pPr marL="3009900" indent="-171450" algn="l" defTabSz="762000" rtl="0" eaLnBrk="1" fontAlgn="base" hangingPunct="1">
-              <a:lnSpc>
-                <a:spcPct val="90000"/>
-              </a:lnSpc>
-              <a:spcBef>
-                <a:spcPct val="30000"/>
-              </a:spcBef>
-              <a:spcAft>
-                <a:spcPct val="0"/>
-              </a:spcAft>
-              <a:buClr>
-                <a:srgbClr val="FAFD00"/>
-              </a:buClr>
-              <a:buSzPct val="100000"/>
-              <a:buFont typeface="Arial" charset="0"/>
-              <a:buChar char="•"/>
-              <a:defRPr sz="1400" b="1">
-                <a:solidFill>
-                  <a:schemeClr val="tx1"/>
-                </a:solidFill>
-                <a:latin typeface="+mn-lt"/>
-                <a:ea typeface="MS PGothic" panose="020B0600070205080204" pitchFamily="34" charset="-128"/>
-                <a:cs typeface="MS PGothic" charset="0"/>
-              </a:defRPr>
-            </a:lvl5pPr>
-            <a:lvl6pPr marL="3467100" indent="-171450" algn="l" defTabSz="762000" rtl="0" eaLnBrk="1" fontAlgn="base" hangingPunct="1">
-              <a:lnSpc>
-                <a:spcPct val="90000"/>
-              </a:lnSpc>
-              <a:spcBef>
-                <a:spcPct val="30000"/>
-              </a:spcBef>
-              <a:spcAft>
-                <a:spcPct val="0"/>
-              </a:spcAft>
-              <a:buClr>
-                <a:srgbClr val="FAFD00"/>
-              </a:buClr>
-              <a:buSzPct val="100000"/>
-              <a:buFont typeface="Arial" charset="0"/>
-              <a:buChar char="•"/>
-              <a:defRPr sz="1400" b="1">
-                <a:solidFill>
-                  <a:schemeClr val="tx1"/>
-                </a:solidFill>
-                <a:latin typeface="+mn-lt"/>
-              </a:defRPr>
-            </a:lvl6pPr>
-            <a:lvl7pPr marL="3924300" indent="-171450" algn="l" defTabSz="762000" rtl="0" eaLnBrk="1" fontAlgn="base" hangingPunct="1">
-              <a:lnSpc>
-                <a:spcPct val="90000"/>
-              </a:lnSpc>
-              <a:spcBef>
-                <a:spcPct val="30000"/>
-              </a:spcBef>
-              <a:spcAft>
-                <a:spcPct val="0"/>
-              </a:spcAft>
-              <a:buClr>
-                <a:srgbClr val="FAFD00"/>
-              </a:buClr>
-              <a:buSzPct val="100000"/>
-              <a:buFont typeface="Arial" charset="0"/>
-              <a:buChar char="•"/>
-              <a:defRPr sz="1400" b="1">
-                <a:solidFill>
-                  <a:schemeClr val="tx1"/>
-                </a:solidFill>
-                <a:latin typeface="+mn-lt"/>
-              </a:defRPr>
-            </a:lvl7pPr>
-            <a:lvl8pPr marL="4381500" indent="-171450" algn="l" defTabSz="762000" rtl="0" eaLnBrk="1" fontAlgn="base" hangingPunct="1">
-              <a:lnSpc>
-                <a:spcPct val="90000"/>
-              </a:lnSpc>
-              <a:spcBef>
-                <a:spcPct val="30000"/>
-              </a:spcBef>
-              <a:spcAft>
-                <a:spcPct val="0"/>
-              </a:spcAft>
-              <a:buClr>
-                <a:srgbClr val="FAFD00"/>
-              </a:buClr>
-              <a:buSzPct val="100000"/>
-              <a:buFont typeface="Arial" charset="0"/>
-              <a:buChar char="•"/>
-              <a:defRPr sz="1400" b="1">
-                <a:solidFill>
-                  <a:schemeClr val="tx1"/>
-                </a:solidFill>
-                <a:latin typeface="+mn-lt"/>
-              </a:defRPr>
-            </a:lvl8pPr>
-            <a:lvl9pPr marL="4838700" indent="-171450" algn="l" defTabSz="762000" rtl="0" eaLnBrk="1" fontAlgn="base" hangingPunct="1">
-              <a:lnSpc>
-                <a:spcPct val="90000"/>
-              </a:lnSpc>
-              <a:spcBef>
-                <a:spcPct val="30000"/>
-              </a:spcBef>
-              <a:spcAft>
-                <a:spcPct val="0"/>
-              </a:spcAft>
-              <a:buClr>
-                <a:srgbClr val="FAFD00"/>
-              </a:buClr>
-              <a:buSzPct val="100000"/>
-              <a:buFont typeface="Arial" charset="0"/>
-              <a:buChar char="•"/>
-              <a:defRPr sz="1400" b="1">
-                <a:solidFill>
-                  <a:schemeClr val="tx1"/>
-                </a:solidFill>
-                <a:latin typeface="+mn-lt"/>
-              </a:defRPr>
-            </a:lvl9pPr>
-          </a:lstStyle>
-          <a:p>
-            <a:r>
-              <a:rPr lang="en-ZA" kern="0" dirty="0"/>
-              <a:t>Matched to an audiogram</a:t>
-            </a:r>
-          </a:p>
-          <a:p>
-            <a:r>
-              <a:rPr lang="en-ZA" kern="0" dirty="0"/>
-              <a:t>Average error per frequency band:  1.41%</a:t>
-            </a:r>
-          </a:p>
-          <a:p>
-            <a:endParaRPr lang="en-ZA" kern="0" dirty="0"/>
-          </a:p>
-        </p:txBody>
-      </p:sp>
-    </p:spTree>
-    <p:extLst>
-      <p:ext uri="{BB962C8B-B14F-4D97-AF65-F5344CB8AC3E}">
-        <p14:creationId xmlns:p14="http://schemas.microsoft.com/office/powerpoint/2010/main" val="242225206"/>
-      </p:ext>
-    </p:extLst>
-  </p:cSld>
-  <p:clrMapOvr>
-    <a:masterClrMapping/>
-  </p:clrMapOvr>
-</p:sld>
-</file>
-
-<file path=ppt/slides/slide9.xml><?xml version="1.0" encoding="utf-8"?>
-<p:sld xmlns:a="http://schemas.openxmlformats.org/drawingml/2006/main" xmlns:r="http://schemas.openxmlformats.org/officeDocument/2006/relationships" xmlns:p="http://schemas.openxmlformats.org/presentationml/2006/main">
-  <p:cSld>
-    <p:spTree>
-      <p:nvGrpSpPr>
-        <p:cNvPr id="1" name=""/>
-        <p:cNvGrpSpPr/>
-        <p:nvPr/>
-      </p:nvGrpSpPr>
-      <p:grpSpPr>
-        <a:xfrm>
-          <a:off x="0" y="0"/>
-          <a:ext cx="0" cy="0"/>
-          <a:chOff x="0" y="0"/>
-          <a:chExt cx="0" cy="0"/>
-        </a:xfrm>
-      </p:grpSpPr>
-      <p:sp>
-        <p:nvSpPr>
-          <p:cNvPr id="2" name="Title 1"/>
-          <p:cNvSpPr>
-            <a:spLocks noGrp="1"/>
-          </p:cNvSpPr>
-          <p:nvPr>
-            <p:ph type="title"/>
-          </p:nvPr>
-        </p:nvSpPr>
-        <p:spPr/>
-        <p:txBody>
-          <a:bodyPr/>
-          <a:lstStyle/>
-          <a:p>
-            <a:r>
-              <a:rPr lang="en-ZA" dirty="0"/>
-              <a:t>Simulation Results: Directionality</a:t>
-            </a:r>
-          </a:p>
-        </p:txBody>
-      </p:sp>
-      <p:pic>
-        <p:nvPicPr>
-          <p:cNvPr id="5" name="Content Placeholder 4"/>
-          <p:cNvPicPr>
-            <a:picLocks noGrp="1" noChangeAspect="1"/>
-          </p:cNvPicPr>
-          <p:nvPr>
-            <p:ph idx="1"/>
-          </p:nvPr>
-        </p:nvPicPr>
-        <p:blipFill>
-          <a:blip r:embed="rId2">
-            <a:extLst>
-              <a:ext uri="{28A0092B-C50C-407E-A947-70E740481C1C}">
-                <a14:useLocalDpi xmlns:a14="http://schemas.microsoft.com/office/drawing/2010/main" val="0"/>
-              </a:ext>
-            </a:extLst>
-          </a:blip>
-          <a:stretch>
-            <a:fillRect/>
-          </a:stretch>
-        </p:blipFill>
-        <p:spPr>
-          <a:xfrm>
-            <a:off x="3512840" y="2036664"/>
-            <a:ext cx="3298704" cy="3069834"/>
-          </a:xfrm>
-        </p:spPr>
-      </p:pic>
-      <p:sp>
-        <p:nvSpPr>
-          <p:cNvPr id="4" name="Slide Number Placeholder 3"/>
-          <p:cNvSpPr>
-            <a:spLocks noGrp="1"/>
-          </p:cNvSpPr>
-          <p:nvPr>
-            <p:ph type="sldNum" sz="quarter" idx="10"/>
-          </p:nvPr>
-        </p:nvSpPr>
-        <p:spPr/>
-        <p:txBody>
-          <a:bodyPr/>
-          <a:lstStyle/>
-          <a:p>
-            <a:fld id="{960946CE-1557-8048-9DCC-53092B682325}" type="slidenum">
-              <a:rPr lang="en-US" smtClean="0"/>
-              <a:t>9</a:t>
-            </a:fld>
-            <a:endParaRPr lang="en-US" dirty="0"/>
-          </a:p>
-        </p:txBody>
-      </p:sp>
-      <p:pic>
-        <p:nvPicPr>
-          <p:cNvPr id="6" name="Picture 5"/>
-          <p:cNvPicPr>
-            <a:picLocks noChangeAspect="1"/>
-          </p:cNvPicPr>
-          <p:nvPr/>
-        </p:nvPicPr>
-        <p:blipFill>
-          <a:blip r:embed="rId3">
-            <a:extLst>
-              <a:ext uri="{28A0092B-C50C-407E-A947-70E740481C1C}">
-                <a14:useLocalDpi xmlns:a14="http://schemas.microsoft.com/office/drawing/2010/main" val="0"/>
-              </a:ext>
-            </a:extLst>
-          </a:blip>
-          <a:stretch>
-            <a:fillRect/>
-          </a:stretch>
-        </p:blipFill>
-        <p:spPr>
-          <a:xfrm>
-            <a:off x="6751214" y="2033772"/>
-            <a:ext cx="3154786" cy="2929794"/>
-          </a:xfrm>
-          <a:prstGeom prst="rect">
-            <a:avLst/>
-          </a:prstGeom>
-        </p:spPr>
-      </p:pic>
-      <p:sp>
-        <p:nvSpPr>
-          <p:cNvPr id="9" name="TextBox 8"/>
-          <p:cNvSpPr txBox="1"/>
-          <p:nvPr/>
-        </p:nvSpPr>
-        <p:spPr>
-          <a:xfrm>
-            <a:off x="4752915" y="5023460"/>
-            <a:ext cx="2376264" cy="461665"/>
-          </a:xfrm>
-          <a:prstGeom prst="rect">
-            <a:avLst/>
-          </a:prstGeom>
-          <a:noFill/>
-        </p:spPr>
-        <p:txBody>
-          <a:bodyPr wrap="square" rtlCol="0">
-            <a:spAutoFit/>
-          </a:bodyPr>
-          <a:lstStyle/>
-          <a:p>
-            <a:r>
-              <a:rPr lang="en-ZA" sz="2400" b="1" dirty="0">
-                <a:cs typeface="Times New Roman" panose="02020603050405020304" pitchFamily="18" charset="0"/>
-              </a:rPr>
-              <a:t>60</a:t>
-            </a:r>
-            <a:r>
-              <a:rPr lang="en-ZA" sz="2400" b="1" dirty="0">
-                <a:latin typeface="Times New Roman" panose="02020603050405020304" pitchFamily="18" charset="0"/>
-                <a:cs typeface="Times New Roman" panose="02020603050405020304" pitchFamily="18" charset="0"/>
-              </a:rPr>
-              <a:t>°</a:t>
-            </a:r>
-          </a:p>
-        </p:txBody>
-      </p:sp>
-      <p:sp>
-        <p:nvSpPr>
-          <p:cNvPr id="10" name="TextBox 9"/>
-          <p:cNvSpPr txBox="1"/>
-          <p:nvPr/>
-        </p:nvSpPr>
-        <p:spPr>
-          <a:xfrm>
-            <a:off x="8049344" y="5105130"/>
-            <a:ext cx="2376264" cy="461665"/>
-          </a:xfrm>
-          <a:prstGeom prst="rect">
-            <a:avLst/>
-          </a:prstGeom>
-          <a:noFill/>
-        </p:spPr>
-        <p:txBody>
-          <a:bodyPr wrap="square" rtlCol="0">
-            <a:spAutoFit/>
-          </a:bodyPr>
-          <a:lstStyle/>
-          <a:p>
-            <a:r>
-              <a:rPr lang="en-ZA" sz="2400" b="1" dirty="0">
-                <a:cs typeface="Times New Roman" panose="02020603050405020304" pitchFamily="18" charset="0"/>
-              </a:rPr>
-              <a:t>90</a:t>
-            </a:r>
-            <a:r>
-              <a:rPr lang="en-ZA" sz="2400" b="1" dirty="0">
-                <a:latin typeface="Times New Roman" panose="02020603050405020304" pitchFamily="18" charset="0"/>
-                <a:cs typeface="Times New Roman" panose="02020603050405020304" pitchFamily="18" charset="0"/>
-              </a:rPr>
-              <a:t>°</a:t>
-            </a:r>
-          </a:p>
-        </p:txBody>
-      </p:sp>
-      <mc:AlternateContent xmlns:mc="http://schemas.openxmlformats.org/markup-compatibility/2006" xmlns:a14="http://schemas.microsoft.com/office/drawing/2010/main">
-        <mc:Choice Requires="a14">
-          <p:sp>
-            <p:nvSpPr>
-              <p:cNvPr id="11" name="Content Placeholder 2"/>
-              <p:cNvSpPr txBox="1">
-                <a:spLocks/>
-              </p:cNvSpPr>
-              <p:nvPr/>
-            </p:nvSpPr>
-            <p:spPr bwMode="auto">
-              <a:xfrm>
-                <a:off x="138713" y="1748267"/>
-                <a:ext cx="4094207" cy="4673319"/>
-              </a:xfrm>
-              <a:prstGeom prst="rect">
-                <a:avLst/>
-              </a:prstGeom>
-              <a:noFill/>
-              <a:ln>
-                <a:noFill/>
-              </a:ln>
-              <a:extLst>
-                <a:ext uri="{909E8E84-426E-40dd-AFC4-6F175D3DCCD1}">
-                  <a14:hiddenFill xmlns="">
-                    <a:solidFill>
-                      <a:srgbClr val="FFFFFF"/>
-                    </a:solidFill>
-                  </a14:hiddenFill>
-                </a:ext>
-                <a:ext uri="{91240B29-F687-4f45-9708-019B960494DF}">
-                  <a14:hiddenLine xmlns="" w="9525">
-                    <a:solidFill>
-                      <a:srgbClr val="000000"/>
-                    </a:solidFill>
-                    <a:miter lim="800000"/>
-                    <a:headEnd/>
-                    <a:tailEnd/>
-                  </a14:hiddenLine>
-                </a:ext>
-                <a:ext uri="{FAA26D3D-D897-4be2-8F04-BA451C77F1D7}">
-                  <ma14:placeholderFlag xmlns:ma14="http://schemas.microsoft.com/office/mac/drawingml/2011/main" xmlns="" val="1"/>
-                </a:ext>
-              </a:extLst>
-            </p:spPr>
-            <p:txBody>
-              <a:bodyPr vert="horz" wrap="square" lIns="92075" tIns="46038" rIns="92075" bIns="46038" numCol="1" anchor="t" anchorCtr="0" compatLnSpc="1">
-                <a:prstTxWarp prst="textNoShape">
-                  <a:avLst/>
-                </a:prstTxWarp>
-              </a:bodyPr>
-              <a:lstStyle>
-                <a:lvl1pPr marL="762000" indent="-571500" algn="l" defTabSz="762000" rtl="0" eaLnBrk="1" fontAlgn="base" hangingPunct="1">
-                  <a:spcBef>
-                    <a:spcPct val="70000"/>
-                  </a:spcBef>
-                  <a:spcAft>
-                    <a:spcPct val="0"/>
-                  </a:spcAft>
-                  <a:buClr>
-                    <a:srgbClr val="154E7E"/>
-                  </a:buClr>
-                  <a:buSzPct val="100000"/>
-                  <a:buFont typeface="Wingdings" charset="0"/>
-                  <a:buChar char="l"/>
-                  <a:defRPr sz="2400" b="1">
-                    <a:solidFill>
-                      <a:schemeClr val="tx1"/>
-                    </a:solidFill>
-                    <a:latin typeface="+mn-lt"/>
-                    <a:ea typeface="MS PGothic" panose="020B0600070205080204" pitchFamily="34" charset="-128"/>
-                    <a:cs typeface="MS PGothic" charset="0"/>
-                  </a:defRPr>
-                </a:lvl1pPr>
-                <a:lvl2pPr marL="1524000" indent="-381000" algn="l" defTabSz="762000" rtl="0" eaLnBrk="1" fontAlgn="base" hangingPunct="1">
-                  <a:lnSpc>
-                    <a:spcPct val="90000"/>
-                  </a:lnSpc>
-                  <a:spcBef>
-                    <a:spcPct val="30000"/>
-                  </a:spcBef>
-                  <a:spcAft>
-                    <a:spcPct val="0"/>
-                  </a:spcAft>
-                  <a:buClr>
-                    <a:srgbClr val="154E7E"/>
-                  </a:buClr>
-                  <a:buSzPct val="100000"/>
-                  <a:buFont typeface="Wingdings" charset="0"/>
-                  <a:buChar char="Ø"/>
-                  <a:defRPr sz="2000" b="1">
-                    <a:solidFill>
-                      <a:schemeClr val="tx1"/>
-                    </a:solidFill>
-                    <a:latin typeface="+mn-lt"/>
-                    <a:ea typeface="MS PGothic" panose="020B0600070205080204" pitchFamily="34" charset="-128"/>
-                    <a:cs typeface="MS PGothic" charset="0"/>
-                  </a:defRPr>
-                </a:lvl2pPr>
-                <a:lvl3pPr marL="2190750" indent="-285750" algn="l" defTabSz="762000" rtl="0" eaLnBrk="1" fontAlgn="base" hangingPunct="1">
-                  <a:lnSpc>
-                    <a:spcPct val="90000"/>
-                  </a:lnSpc>
-                  <a:spcBef>
-                    <a:spcPct val="30000"/>
-                  </a:spcBef>
-                  <a:spcAft>
-                    <a:spcPct val="0"/>
-                  </a:spcAft>
-                  <a:buClr>
-                    <a:srgbClr val="154E7E"/>
-                  </a:buClr>
-                  <a:buSzPct val="100000"/>
-                  <a:buFont typeface="Wingdings" charset="0"/>
-                  <a:buChar char="§"/>
-                  <a:defRPr b="1">
-                    <a:solidFill>
-                      <a:schemeClr val="tx1"/>
-                    </a:solidFill>
-                    <a:latin typeface="+mn-lt"/>
-                    <a:ea typeface="MS PGothic" panose="020B0600070205080204" pitchFamily="34" charset="-128"/>
-                    <a:cs typeface="MS PGothic" charset="0"/>
-                  </a:defRPr>
-                </a:lvl3pPr>
-                <a:lvl4pPr marL="2647950" indent="-171450" algn="l" defTabSz="762000" rtl="0" eaLnBrk="1" fontAlgn="base" hangingPunct="1">
-                  <a:lnSpc>
-                    <a:spcPct val="90000"/>
-                  </a:lnSpc>
-                  <a:spcBef>
-                    <a:spcPct val="30000"/>
-                  </a:spcBef>
-                  <a:spcAft>
-                    <a:spcPct val="0"/>
-                  </a:spcAft>
-                  <a:buClr>
-                    <a:srgbClr val="FAFD00"/>
-                  </a:buClr>
-                  <a:buSzPct val="100000"/>
-                  <a:buFont typeface="Arial" charset="0"/>
-                  <a:buChar char="•"/>
-                  <a:defRPr sz="1400" b="1">
-                    <a:solidFill>
-                      <a:schemeClr val="tx1"/>
-                    </a:solidFill>
-                    <a:latin typeface="+mn-lt"/>
-                    <a:ea typeface="MS PGothic" panose="020B0600070205080204" pitchFamily="34" charset="-128"/>
-                    <a:cs typeface="MS PGothic" charset="0"/>
-                  </a:defRPr>
-                </a:lvl4pPr>
-                <a:lvl5pPr marL="3009900" indent="-171450" algn="l" defTabSz="762000" rtl="0" eaLnBrk="1" fontAlgn="base" hangingPunct="1">
-                  <a:lnSpc>
-                    <a:spcPct val="90000"/>
-                  </a:lnSpc>
-                  <a:spcBef>
-                    <a:spcPct val="30000"/>
-                  </a:spcBef>
-                  <a:spcAft>
-                    <a:spcPct val="0"/>
-                  </a:spcAft>
-                  <a:buClr>
-                    <a:srgbClr val="FAFD00"/>
-                  </a:buClr>
-                  <a:buSzPct val="100000"/>
-                  <a:buFont typeface="Arial" charset="0"/>
-                  <a:buChar char="•"/>
-                  <a:defRPr sz="1400" b="1">
-                    <a:solidFill>
-                      <a:schemeClr val="tx1"/>
-                    </a:solidFill>
-                    <a:latin typeface="+mn-lt"/>
-                    <a:ea typeface="MS PGothic" panose="020B0600070205080204" pitchFamily="34" charset="-128"/>
-                    <a:cs typeface="MS PGothic" charset="0"/>
-                  </a:defRPr>
-                </a:lvl5pPr>
-                <a:lvl6pPr marL="3467100" indent="-171450" algn="l" defTabSz="762000" rtl="0" eaLnBrk="1" fontAlgn="base" hangingPunct="1">
-                  <a:lnSpc>
-                    <a:spcPct val="90000"/>
-                  </a:lnSpc>
-                  <a:spcBef>
-                    <a:spcPct val="30000"/>
-                  </a:spcBef>
-                  <a:spcAft>
-                    <a:spcPct val="0"/>
-                  </a:spcAft>
-                  <a:buClr>
-                    <a:srgbClr val="FAFD00"/>
-                  </a:buClr>
-                  <a:buSzPct val="100000"/>
-                  <a:buFont typeface="Arial" charset="0"/>
-                  <a:buChar char="•"/>
-                  <a:defRPr sz="1400" b="1">
-                    <a:solidFill>
-                      <a:schemeClr val="tx1"/>
-                    </a:solidFill>
-                    <a:latin typeface="+mn-lt"/>
-                  </a:defRPr>
-                </a:lvl6pPr>
-                <a:lvl7pPr marL="3924300" indent="-171450" algn="l" defTabSz="762000" rtl="0" eaLnBrk="1" fontAlgn="base" hangingPunct="1">
-                  <a:lnSpc>
-                    <a:spcPct val="90000"/>
-                  </a:lnSpc>
-                  <a:spcBef>
-                    <a:spcPct val="30000"/>
-                  </a:spcBef>
-                  <a:spcAft>
-                    <a:spcPct val="0"/>
-                  </a:spcAft>
-                  <a:buClr>
-                    <a:srgbClr val="FAFD00"/>
-                  </a:buClr>
-                  <a:buSzPct val="100000"/>
-                  <a:buFont typeface="Arial" charset="0"/>
-                  <a:buChar char="•"/>
-                  <a:defRPr sz="1400" b="1">
-                    <a:solidFill>
-                      <a:schemeClr val="tx1"/>
-                    </a:solidFill>
-                    <a:latin typeface="+mn-lt"/>
-                  </a:defRPr>
-                </a:lvl7pPr>
-                <a:lvl8pPr marL="4381500" indent="-171450" algn="l" defTabSz="762000" rtl="0" eaLnBrk="1" fontAlgn="base" hangingPunct="1">
-                  <a:lnSpc>
-                    <a:spcPct val="90000"/>
-                  </a:lnSpc>
-                  <a:spcBef>
-                    <a:spcPct val="30000"/>
-                  </a:spcBef>
-                  <a:spcAft>
-                    <a:spcPct val="0"/>
-                  </a:spcAft>
-                  <a:buClr>
-                    <a:srgbClr val="FAFD00"/>
-                  </a:buClr>
-                  <a:buSzPct val="100000"/>
-                  <a:buFont typeface="Arial" charset="0"/>
-                  <a:buChar char="•"/>
-                  <a:defRPr sz="1400" b="1">
-                    <a:solidFill>
-                      <a:schemeClr val="tx1"/>
-                    </a:solidFill>
-                    <a:latin typeface="+mn-lt"/>
-                  </a:defRPr>
-                </a:lvl8pPr>
-                <a:lvl9pPr marL="4838700" indent="-171450" algn="l" defTabSz="762000" rtl="0" eaLnBrk="1" fontAlgn="base" hangingPunct="1">
-                  <a:lnSpc>
-                    <a:spcPct val="90000"/>
-                  </a:lnSpc>
-                  <a:spcBef>
-                    <a:spcPct val="30000"/>
-                  </a:spcBef>
-                  <a:spcAft>
-                    <a:spcPct val="0"/>
-                  </a:spcAft>
-                  <a:buClr>
-                    <a:srgbClr val="FAFD00"/>
-                  </a:buClr>
-                  <a:buSzPct val="100000"/>
-                  <a:buFont typeface="Arial" charset="0"/>
-                  <a:buChar char="•"/>
-                  <a:defRPr sz="1400" b="1">
-                    <a:solidFill>
-                      <a:schemeClr val="tx1"/>
-                    </a:solidFill>
-                    <a:latin typeface="+mn-lt"/>
-                  </a:defRPr>
-                </a:lvl9pPr>
-              </a:lstStyle>
-              <a:p>
-                <a:r>
-                  <a:rPr lang="en-ZA" kern="0" dirty="0"/>
-                  <a:t>Most precise steering at 3.15 kHz</a:t>
-                </a:r>
-              </a:p>
-              <a:p>
-                <a:r>
-                  <a:rPr lang="en-ZA" kern="0" dirty="0"/>
-                  <a:t>Spatial aliasing </a:t>
-                </a:r>
-              </a:p>
-              <a:p>
-                <a:pPr lvl="1"/>
-                <a14:m>
-                  <m:oMath xmlns:m="http://schemas.openxmlformats.org/officeDocument/2006/math">
-                    <m:r>
-                      <a:rPr lang="en-ZA" b="1" i="1" kern="0" smtClean="0">
-                        <a:latin typeface="Cambria Math" panose="02040503050406030204" pitchFamily="18" charset="0"/>
-                      </a:rPr>
-                      <m:t>𝒅</m:t>
-                    </m:r>
-                    <m:r>
-                      <a:rPr lang="en-ZA" b="1" i="1" kern="0" smtClean="0">
-                        <a:latin typeface="Cambria Math" panose="02040503050406030204" pitchFamily="18" charset="0"/>
-                      </a:rPr>
-                      <m:t>&lt;</m:t>
-                    </m:r>
-                    <m:f>
-                      <m:fPr>
-                        <m:ctrlPr>
-                          <a:rPr lang="en-ZA" b="1" i="1" kern="0" smtClean="0">
-                            <a:latin typeface="Cambria Math" panose="02040503050406030204" pitchFamily="18" charset="0"/>
-                          </a:rPr>
-                        </m:ctrlPr>
-                      </m:fPr>
-                      <m:num>
-                        <m:sSub>
-                          <m:sSubPr>
-                            <m:ctrlPr>
-                              <a:rPr lang="en-ZA" b="1" i="1" kern="0" smtClean="0">
-                                <a:latin typeface="Cambria Math" panose="02040503050406030204" pitchFamily="18" charset="0"/>
-                              </a:rPr>
-                            </m:ctrlPr>
-                          </m:sSubPr>
-                          <m:e>
-                            <m:r>
-                              <m:rPr>
-                                <m:sty m:val="p"/>
-                              </m:rPr>
-                              <a:rPr lang="el-GR" b="1" i="1" kern="0" smtClean="0">
-                                <a:latin typeface="Cambria Math" panose="02040503050406030204" pitchFamily="18" charset="0"/>
-                              </a:rPr>
-                              <m:t>λ</m:t>
-                            </m:r>
-                          </m:e>
-                          <m:sub>
-                            <m:r>
-                              <a:rPr lang="en-ZA" b="1" i="1" kern="0" smtClean="0">
-                                <a:latin typeface="Cambria Math" panose="02040503050406030204" pitchFamily="18" charset="0"/>
-                              </a:rPr>
-                              <m:t>𝒎𝒊𝒏</m:t>
-                            </m:r>
-                          </m:sub>
-                        </m:sSub>
-                      </m:num>
-                      <m:den>
-                        <m:r>
-                          <a:rPr lang="en-ZA" b="1" i="1" kern="0" smtClean="0">
-                            <a:latin typeface="Cambria Math" panose="02040503050406030204" pitchFamily="18" charset="0"/>
-                          </a:rPr>
-                          <m:t>𝟐</m:t>
-                        </m:r>
-                      </m:den>
-                    </m:f>
-                  </m:oMath>
-                </a14:m>
-                <a:endParaRPr lang="en-ZA" kern="0" dirty="0"/>
-              </a:p>
-              <a:p>
-                <a:pPr lvl="1"/>
-                <a14:m>
-                  <m:oMath xmlns:m="http://schemas.openxmlformats.org/officeDocument/2006/math">
-                    <m:r>
-                      <a:rPr lang="en-ZA" b="1" i="1" kern="0" smtClean="0">
-                        <a:latin typeface="Cambria Math" panose="02040503050406030204" pitchFamily="18" charset="0"/>
-                      </a:rPr>
-                      <m:t>𝒅</m:t>
-                    </m:r>
-                  </m:oMath>
-                </a14:m>
-                <a:r>
-                  <a:rPr lang="en-ZA" kern="0" dirty="0"/>
-                  <a:t>= 5cm</a:t>
-                </a:r>
-              </a:p>
-              <a:p>
-                <a:pPr lvl="1"/>
-                <a14:m>
-                  <m:oMath xmlns:m="http://schemas.openxmlformats.org/officeDocument/2006/math">
-                    <m:sSub>
-                      <m:sSubPr>
-                        <m:ctrlPr>
-                          <a:rPr lang="en-ZA" i="1" kern="0" smtClean="0">
-                            <a:latin typeface="Cambria Math" panose="02040503050406030204" pitchFamily="18" charset="0"/>
-                          </a:rPr>
-                        </m:ctrlPr>
-                      </m:sSubPr>
-                      <m:e>
-                        <m:r>
-                          <m:rPr>
-                            <m:sty m:val="p"/>
-                          </m:rPr>
-                          <a:rPr lang="el-GR" i="1" kern="0">
-                            <a:latin typeface="Cambria Math" panose="02040503050406030204" pitchFamily="18" charset="0"/>
-                          </a:rPr>
-                          <m:t>λ</m:t>
-                        </m:r>
-                      </m:e>
-                      <m:sub>
-                        <m:r>
-                          <a:rPr lang="en-ZA" b="1" i="1" kern="0" smtClean="0">
-                            <a:latin typeface="Cambria Math" panose="02040503050406030204" pitchFamily="18" charset="0"/>
-                          </a:rPr>
-                          <m:t>𝒎𝒊𝒏</m:t>
-                        </m:r>
-                      </m:sub>
-                    </m:sSub>
-                  </m:oMath>
-                </a14:m>
-                <a:r>
-                  <a:rPr lang="en-ZA" kern="0" dirty="0"/>
-                  <a:t>= wavelength of maximum frequency (3.4 kHz)</a:t>
-                </a:r>
-              </a:p>
-            </p:txBody>
-          </p:sp>
-        </mc:Choice>
-        <mc:Fallback xmlns="">
-          <p:sp>
-            <p:nvSpPr>
-              <p:cNvPr id="11" name="Content Placeholder 2"/>
-              <p:cNvSpPr txBox="1">
-                <a:spLocks noRot="1" noChangeAspect="1" noMove="1" noResize="1" noEditPoints="1" noAdjustHandles="1" noChangeArrowheads="1" noChangeShapeType="1" noTextEdit="1"/>
-              </p:cNvSpPr>
-              <p:nvPr/>
-            </p:nvSpPr>
-            <p:spPr bwMode="auto">
-              <a:xfrm>
-                <a:off x="138713" y="1748267"/>
-                <a:ext cx="4094207" cy="4673319"/>
-              </a:xfrm>
-              <a:prstGeom prst="rect">
-                <a:avLst/>
-              </a:prstGeom>
-              <a:blipFill>
-                <a:blip r:embed="rId4"/>
-                <a:stretch>
-                  <a:fillRect t="-914" r="-4024"/>
-                </a:stretch>
-              </a:blipFill>
-              <a:ln>
-                <a:noFill/>
-              </a:ln>
-              <a:extLst>
-                <a:ext uri="{909E8E84-426E-40dd-AFC4-6F175D3DCCD1}">
-                  <a14:hiddenFill xmlns:a14="http://schemas.microsoft.com/office/drawing/2010/main" xmlns="">
-                    <a:solidFill>
-                      <a:srgbClr val="FFFFFF"/>
-                    </a:solidFill>
-                  </a14:hiddenFill>
-                </a:ext>
-                <a:ext uri="{91240B29-F687-4f45-9708-019B960494DF}">
-                  <a14:hiddenLine xmlns:a14="http://schemas.microsoft.com/office/drawing/2010/main" xmlns="" w="9525">
-                    <a:solidFill>
-                      <a:srgbClr val="000000"/>
-                    </a:solidFill>
-                    <a:miter lim="800000"/>
-                    <a:headEnd/>
-                    <a:tailEnd/>
-                  </a14:hiddenLine>
-                </a:ext>
-                <a:ext uri="{FAA26D3D-D897-4be2-8F04-BA451C77F1D7}">
-                  <ma14:placeholderFlag xmlns:ma14="http://schemas.microsoft.com/office/mac/drawingml/2011/main" xmlns:a14="http://schemas.microsoft.com/office/drawing/2010/main" xmlns="" val="1"/>
-                </a:ext>
-              </a:extLst>
-            </p:spPr>
-            <p:txBody>
-              <a:bodyPr/>
-              <a:lstStyle/>
-              <a:p>
-                <a:r>
-                  <a:rPr lang="en-ZA">
-                    <a:noFill/>
-                  </a:rPr>
-                  <a:t> </a:t>
-                </a:r>
-              </a:p>
-            </p:txBody>
-          </p:sp>
-        </mc:Fallback>
-      </mc:AlternateContent>
-    </p:spTree>
-    <p:extLst>
-      <p:ext uri="{BB962C8B-B14F-4D97-AF65-F5344CB8AC3E}">
-        <p14:creationId xmlns:p14="http://schemas.microsoft.com/office/powerpoint/2010/main" val="2517507658"/>
       </p:ext>
     </p:extLst>
   </p:cSld>

--- a/Presentation/Lab Project Presentation.pptx
+++ b/Presentation/Lab Project Presentation.pptx
@@ -248,7 +248,7 @@
           <a:p>
             <a:fld id="{3FA6FDA4-907F-C840-8573-33F4849B33D4}" type="datetimeFigureOut">
               <a:rPr lang="en-US" smtClean="0"/>
-              <a:t>9/17/19</a:t>
+              <a:t>9/17/2019</a:t>
             </a:fld>
             <a:endParaRPr lang="en-US"/>
           </a:p>
@@ -414,7 +414,7 @@
           <a:p>
             <a:fld id="{290492DD-1613-8B48-9182-1ECEE9190ABB}" type="datetimeFigureOut">
               <a:rPr lang="en-US" smtClean="0"/>
-              <a:t>9/17/19</a:t>
+              <a:t>9/17/2019</a:t>
             </a:fld>
             <a:endParaRPr lang="en-US"/>
           </a:p>
@@ -2940,7 +2940,7 @@
           </a:ln>
           <a:extLst>
             <a:ext uri="{909E8E84-426E-40dd-AFC4-6F175D3DCCD1}">
-              <a14:hiddenFill xmlns:a14="http://schemas.microsoft.com/office/drawing/2010/main" xmlns="">
+              <a14:hiddenFill xmlns="" xmlns:a14="http://schemas.microsoft.com/office/drawing/2010/main">
                 <a:noFill/>
               </a14:hiddenFill>
             </a:ext>
@@ -2978,14 +2978,14 @@
           </a:ln>
           <a:extLst>
             <a:ext uri="{909E8E84-426E-40dd-AFC4-6F175D3DCCD1}">
-              <a14:hiddenFill xmlns:a14="http://schemas.microsoft.com/office/drawing/2010/main" xmlns="">
+              <a14:hiddenFill xmlns="" xmlns:a14="http://schemas.microsoft.com/office/drawing/2010/main">
                 <a:solidFill>
                   <a:srgbClr val="FFFFFF"/>
                 </a:solidFill>
               </a14:hiddenFill>
             </a:ext>
             <a:ext uri="{91240B29-F687-4f45-9708-019B960494DF}">
-              <a14:hiddenLine xmlns:a14="http://schemas.microsoft.com/office/drawing/2010/main" xmlns="" w="9525">
+              <a14:hiddenLine xmlns="" xmlns:a14="http://schemas.microsoft.com/office/drawing/2010/main" w="9525">
                 <a:solidFill>
                   <a:srgbClr val="000000"/>
                 </a:solidFill>
@@ -2995,7 +2995,7 @@
               </a14:hiddenLine>
             </a:ext>
             <a:ext uri="{FAA26D3D-D897-4be2-8F04-BA451C77F1D7}">
-              <ma14:placeholderFlag xmlns:ma14="http://schemas.microsoft.com/office/mac/drawingml/2011/main" xmlns="" val="1"/>
+              <ma14:placeholderFlag xmlns="" xmlns:ma14="http://schemas.microsoft.com/office/mac/drawingml/2011/main" val="1"/>
             </a:ext>
           </a:extLst>
         </p:spPr>
@@ -3043,7 +3043,7 @@
           </a:ln>
           <a:extLst>
             <a:ext uri="{909E8E84-426E-40dd-AFC4-6F175D3DCCD1}">
-              <a14:hiddenFill xmlns:a14="http://schemas.microsoft.com/office/drawing/2010/main" xmlns="">
+              <a14:hiddenFill xmlns="" xmlns:a14="http://schemas.microsoft.com/office/drawing/2010/main">
                 <a:noFill/>
               </a14:hiddenFill>
             </a:ext>
@@ -3079,14 +3079,14 @@
           </a:ln>
           <a:extLst>
             <a:ext uri="{909E8E84-426E-40dd-AFC4-6F175D3DCCD1}">
-              <a14:hiddenFill xmlns:a14="http://schemas.microsoft.com/office/drawing/2010/main" xmlns="">
+              <a14:hiddenFill xmlns="" xmlns:a14="http://schemas.microsoft.com/office/drawing/2010/main">
                 <a:solidFill>
                   <a:srgbClr val="FFFFFF"/>
                 </a:solidFill>
               </a14:hiddenFill>
             </a:ext>
             <a:ext uri="{91240B29-F687-4f45-9708-019B960494DF}">
-              <a14:hiddenLine xmlns:a14="http://schemas.microsoft.com/office/drawing/2010/main" xmlns="" w="9525">
+              <a14:hiddenLine xmlns="" xmlns:a14="http://schemas.microsoft.com/office/drawing/2010/main" w="9525">
                 <a:solidFill>
                   <a:srgbClr val="000000"/>
                 </a:solidFill>
@@ -3243,14 +3243,14 @@
           </a:ln>
           <a:extLst>
             <a:ext uri="{909E8E84-426E-40dd-AFC4-6F175D3DCCD1}">
-              <a14:hiddenFill xmlns:a14="http://schemas.microsoft.com/office/drawing/2010/main" xmlns="">
+              <a14:hiddenFill xmlns="" xmlns:a14="http://schemas.microsoft.com/office/drawing/2010/main">
                 <a:solidFill>
                   <a:srgbClr val="FFFFFF"/>
                 </a:solidFill>
               </a14:hiddenFill>
             </a:ext>
             <a:ext uri="{91240B29-F687-4f45-9708-019B960494DF}">
-              <a14:hiddenLine xmlns:a14="http://schemas.microsoft.com/office/drawing/2010/main" xmlns="" w="9525">
+              <a14:hiddenLine xmlns="" xmlns:a14="http://schemas.microsoft.com/office/drawing/2010/main" w="9525">
                 <a:solidFill>
                   <a:srgbClr val="000000"/>
                 </a:solidFill>
@@ -3260,7 +3260,7 @@
               </a14:hiddenLine>
             </a:ext>
             <a:ext uri="{FAA26D3D-D897-4be2-8F04-BA451C77F1D7}">
-              <ma14:placeholderFlag xmlns:ma14="http://schemas.microsoft.com/office/mac/drawingml/2011/main" xmlns="" val="1"/>
+              <ma14:placeholderFlag xmlns="" xmlns:ma14="http://schemas.microsoft.com/office/mac/drawingml/2011/main" val="1"/>
             </a:ext>
           </a:extLst>
         </p:spPr>
@@ -3907,14 +3907,14 @@
           </a:ln>
           <a:extLst>
             <a:ext uri="{909E8E84-426E-40dd-AFC4-6F175D3DCCD1}">
-              <a14:hiddenFill xmlns:a14="http://schemas.microsoft.com/office/drawing/2010/main" xmlns="">
+              <a14:hiddenFill xmlns="" xmlns:a14="http://schemas.microsoft.com/office/drawing/2010/main">
                 <a:solidFill>
                   <a:srgbClr val="FFFFFF"/>
                 </a:solidFill>
               </a14:hiddenFill>
             </a:ext>
             <a:ext uri="{91240B29-F687-4f45-9708-019B960494DF}">
-              <a14:hiddenLine xmlns:a14="http://schemas.microsoft.com/office/drawing/2010/main" xmlns="" w="9525">
+              <a14:hiddenLine xmlns="" xmlns:a14="http://schemas.microsoft.com/office/drawing/2010/main" w="9525">
                 <a:solidFill>
                   <a:srgbClr val="000000"/>
                 </a:solidFill>
@@ -4175,14 +4175,14 @@
           </a:ln>
           <a:extLst>
             <a:ext uri="{909E8E84-426E-40dd-AFC4-6F175D3DCCD1}">
-              <a14:hiddenFill xmlns:a14="http://schemas.microsoft.com/office/drawing/2010/main" xmlns="">
+              <a14:hiddenFill xmlns="" xmlns:a14="http://schemas.microsoft.com/office/drawing/2010/main">
                 <a:solidFill>
                   <a:srgbClr val="FFFFFF"/>
                 </a:solidFill>
               </a14:hiddenFill>
             </a:ext>
             <a:ext uri="{91240B29-F687-4f45-9708-019B960494DF}">
-              <a14:hiddenLine xmlns:a14="http://schemas.microsoft.com/office/drawing/2010/main" xmlns="" w="9525">
+              <a14:hiddenLine xmlns="" xmlns:a14="http://schemas.microsoft.com/office/drawing/2010/main" w="9525">
                 <a:solidFill>
                   <a:srgbClr val="000000"/>
                 </a:solidFill>
@@ -4192,7 +4192,7 @@
               </a14:hiddenLine>
             </a:ext>
             <a:ext uri="{FAA26D3D-D897-4be2-8F04-BA451C77F1D7}">
-              <ma14:placeholderFlag xmlns:ma14="http://schemas.microsoft.com/office/mac/drawingml/2011/main" xmlns="" val="1"/>
+              <ma14:placeholderFlag xmlns="" xmlns:ma14="http://schemas.microsoft.com/office/mac/drawingml/2011/main" val="1"/>
             </a:ext>
           </a:extLst>
         </p:spPr>
@@ -4686,7 +4686,7 @@
                   </a14:hiddenLine>
                 </a:ext>
                 <a:ext uri="{FAA26D3D-D897-4be2-8F04-BA451C77F1D7}">
-                  <ma14:placeholderFlag xmlns:ma14="http://schemas.microsoft.com/office/mac/drawingml/2011/main" xmlns="" val="1"/>
+                  <ma14:placeholderFlag xmlns="" xmlns:ma14="http://schemas.microsoft.com/office/mac/drawingml/2011/main" val="1"/>
                 </a:ext>
               </a:extLst>
             </p:spPr>
@@ -5240,14 +5240,14 @@
           </a:ln>
           <a:extLst>
             <a:ext uri="{909E8E84-426E-40dd-AFC4-6F175D3DCCD1}">
-              <a14:hiddenFill xmlns:a14="http://schemas.microsoft.com/office/drawing/2010/main" xmlns="">
+              <a14:hiddenFill xmlns="" xmlns:a14="http://schemas.microsoft.com/office/drawing/2010/main">
                 <a:solidFill>
                   <a:srgbClr val="FFFFFF"/>
                 </a:solidFill>
               </a14:hiddenFill>
             </a:ext>
             <a:ext uri="{91240B29-F687-4f45-9708-019B960494DF}">
-              <a14:hiddenLine xmlns:a14="http://schemas.microsoft.com/office/drawing/2010/main" xmlns="" w="9525">
+              <a14:hiddenLine xmlns="" xmlns:a14="http://schemas.microsoft.com/office/drawing/2010/main" w="9525">
                 <a:solidFill>
                   <a:srgbClr val="000000"/>
                 </a:solidFill>
@@ -5257,7 +5257,7 @@
               </a14:hiddenLine>
             </a:ext>
             <a:ext uri="{FAA26D3D-D897-4be2-8F04-BA451C77F1D7}">
-              <ma14:placeholderFlag xmlns:ma14="http://schemas.microsoft.com/office/mac/drawingml/2011/main" xmlns="" val="1"/>
+              <ma14:placeholderFlag xmlns="" xmlns:ma14="http://schemas.microsoft.com/office/mac/drawingml/2011/main" val="1"/>
             </a:ext>
           </a:extLst>
         </p:spPr>
@@ -5726,14 +5726,14 @@
           </a:ln>
           <a:extLst>
             <a:ext uri="{909E8E84-426E-40dd-AFC4-6F175D3DCCD1}">
-              <a14:hiddenFill xmlns:a14="http://schemas.microsoft.com/office/drawing/2010/main" xmlns="">
+              <a14:hiddenFill xmlns="" xmlns:a14="http://schemas.microsoft.com/office/drawing/2010/main">
                 <a:solidFill>
                   <a:srgbClr val="FFFFFF"/>
                 </a:solidFill>
               </a14:hiddenFill>
             </a:ext>
             <a:ext uri="{91240B29-F687-4f45-9708-019B960494DF}">
-              <a14:hiddenLine xmlns:a14="http://schemas.microsoft.com/office/drawing/2010/main" xmlns="" w="9525">
+              <a14:hiddenLine xmlns="" xmlns:a14="http://schemas.microsoft.com/office/drawing/2010/main" w="9525">
                 <a:solidFill>
                   <a:srgbClr val="000000"/>
                 </a:solidFill>
@@ -5743,7 +5743,7 @@
               </a14:hiddenLine>
             </a:ext>
             <a:ext uri="{FAA26D3D-D897-4be2-8F04-BA451C77F1D7}">
-              <ma14:placeholderFlag xmlns:ma14="http://schemas.microsoft.com/office/mac/drawingml/2011/main" xmlns="" val="1"/>
+              <ma14:placeholderFlag xmlns="" xmlns:ma14="http://schemas.microsoft.com/office/mac/drawingml/2011/main" val="1"/>
             </a:ext>
           </a:extLst>
         </p:spPr>
@@ -7669,15 +7669,64 @@
           </a:p>
           <a:p>
             <a:r>
+              <a:rPr lang="en-US" dirty="0" smtClean="0"/>
+              <a:t>Causes</a:t>
+            </a:r>
+          </a:p>
+          <a:p>
+            <a:pPr lvl="1"/>
+            <a:r>
+              <a:rPr lang="en-US" dirty="0" smtClean="0"/>
+              <a:t>Age</a:t>
+            </a:r>
+          </a:p>
+          <a:p>
+            <a:pPr lvl="1"/>
+            <a:r>
+              <a:rPr lang="en-US" dirty="0" smtClean="0"/>
+              <a:t>Disease</a:t>
+            </a:r>
+          </a:p>
+          <a:p>
+            <a:pPr lvl="1"/>
+            <a:r>
+              <a:rPr lang="en-US" dirty="0" smtClean="0"/>
+              <a:t>Trauma</a:t>
+            </a:r>
+            <a:endParaRPr lang="en-US" dirty="0"/>
+          </a:p>
+          <a:p>
+            <a:r>
               <a:rPr lang="en-US" dirty="0"/>
-              <a:t>Caused by age, disease, trauma</a:t>
-            </a:r>
-          </a:p>
-          <a:p>
+              <a:t>D</a:t>
+            </a:r>
+            <a:r>
+              <a:rPr lang="en-US" dirty="0" smtClean="0"/>
+              <a:t>ecreased </a:t>
+            </a:r>
             <a:r>
               <a:rPr lang="en-US" dirty="0"/>
-              <a:t>Results in decreased quality of life and isolation</a:t>
-            </a:r>
+              <a:t>quality of </a:t>
+            </a:r>
+            <a:r>
+              <a:rPr lang="en-US" dirty="0" smtClean="0"/>
+              <a:t>life</a:t>
+            </a:r>
+          </a:p>
+          <a:p>
+            <a:pPr lvl="1"/>
+            <a:r>
+              <a:rPr lang="en-US" dirty="0" smtClean="0"/>
+              <a:t>Social isolation</a:t>
+            </a:r>
+          </a:p>
+          <a:p>
+            <a:pPr lvl="1"/>
+            <a:r>
+              <a:rPr lang="en-US" dirty="0" smtClean="0"/>
+              <a:t>Stigmatization</a:t>
+            </a:r>
+            <a:endParaRPr lang="en-US" dirty="0"/>
           </a:p>
         </p:txBody>
       </p:sp>
@@ -7803,8 +7852,24 @@
             <a:pPr lvl="1"/>
             <a:r>
               <a:rPr lang="en-US" dirty="0"/>
-              <a:t>Correcting an individual’s hearing deficits </a:t>
-            </a:r>
+              <a:t>Correcting an individual’s hearing </a:t>
+            </a:r>
+            <a:r>
+              <a:rPr lang="en-US" dirty="0" smtClean="0"/>
+              <a:t>deficits</a:t>
+            </a:r>
+          </a:p>
+          <a:p>
+            <a:pPr lvl="1"/>
+            <a:r>
+              <a:rPr lang="en-US" dirty="0" smtClean="0"/>
+              <a:t>Applied based on an audiogram</a:t>
+            </a:r>
+            <a:r>
+              <a:rPr lang="en-US" dirty="0" smtClean="0"/>
+              <a:t> </a:t>
+            </a:r>
+            <a:endParaRPr lang="en-US" dirty="0"/>
           </a:p>
           <a:p>
             <a:r>
@@ -9426,7 +9491,7 @@
           <a:ln/>
           <a:extLst>
             <a:ext uri="{91240B29-F687-4f45-9708-019B960494DF}">
-              <a14:hiddenLine xmlns:a14="http://schemas.microsoft.com/office/drawing/2010/main" xmlns="" w="9525" cap="flat" cmpd="sng" algn="ctr">
+              <a14:hiddenLine xmlns="" xmlns:a14="http://schemas.microsoft.com/office/drawing/2010/main" w="9525" cap="flat" cmpd="sng" algn="ctr">
                 <a:solidFill>
                   <a:schemeClr val="tx1"/>
                 </a:solidFill>
@@ -9437,7 +9502,7 @@
               </a14:hiddenLine>
             </a:ext>
             <a:ext uri="{AF507438-7753-43e0-B8FC-AC1667EBCBE1}">
-              <a14:hiddenEffects xmlns:a14="http://schemas.microsoft.com/office/drawing/2010/main" xmlns="">
+              <a14:hiddenEffects xmlns="" xmlns:a14="http://schemas.microsoft.com/office/drawing/2010/main">
                 <a:effectLst>
                   <a:outerShdw dist="35921" dir="2700000" algn="ctr" rotWithShape="0">
                     <a:schemeClr val="bg2"/>
@@ -9719,7 +9784,7 @@
         <a:effectLst/>
         <a:extLst>
           <a:ext uri="{91240B29-F687-4f45-9708-019B960494DF}">
-            <a14:hiddenLine xmlns:a14="http://schemas.microsoft.com/office/drawing/2010/main" xmlns="" w="9525" cap="flat" cmpd="sng" algn="ctr">
+            <a14:hiddenLine xmlns="" xmlns:a14="http://schemas.microsoft.com/office/drawing/2010/main" w="9525" cap="flat" cmpd="sng" algn="ctr">
               <a:solidFill>
                 <a:schemeClr val="tx1"/>
               </a:solidFill>
@@ -9730,7 +9795,7 @@
             </a14:hiddenLine>
           </a:ext>
           <a:ext uri="{AF507438-7753-43e0-B8FC-AC1667EBCBE1}">
-            <a14:hiddenEffects xmlns:a14="http://schemas.microsoft.com/office/drawing/2010/main" xmlns="">
+            <a14:hiddenEffects xmlns="" xmlns:a14="http://schemas.microsoft.com/office/drawing/2010/main">
               <a:effectLst>
                 <a:outerShdw dist="35921" dir="2700000" algn="ctr" rotWithShape="0">
                   <a:schemeClr val="bg2"/>
@@ -9797,7 +9862,7 @@
         <a:effectLst/>
         <a:extLst>
           <a:ext uri="{91240B29-F687-4f45-9708-019B960494DF}">
-            <a14:hiddenLine xmlns:a14="http://schemas.microsoft.com/office/drawing/2010/main" xmlns="" w="9525" cap="flat" cmpd="sng" algn="ctr">
+            <a14:hiddenLine xmlns="" xmlns:a14="http://schemas.microsoft.com/office/drawing/2010/main" w="9525" cap="flat" cmpd="sng" algn="ctr">
               <a:solidFill>
                 <a:schemeClr val="tx1"/>
               </a:solidFill>
@@ -9808,7 +9873,7 @@
             </a14:hiddenLine>
           </a:ext>
           <a:ext uri="{AF507438-7753-43e0-B8FC-AC1667EBCBE1}">
-            <a14:hiddenEffects xmlns:a14="http://schemas.microsoft.com/office/drawing/2010/main" xmlns="">
+            <a14:hiddenEffects xmlns="" xmlns:a14="http://schemas.microsoft.com/office/drawing/2010/main">
               <a:effectLst>
                 <a:outerShdw dist="35921" dir="2700000" algn="ctr" rotWithShape="0">
                   <a:schemeClr val="bg2"/>

--- a/Presentation/Lab Project Presentation.pptx
+++ b/Presentation/Lab Project Presentation.pptx
@@ -248,7 +248,7 @@
           <a:p>
             <a:fld id="{3FA6FDA4-907F-C840-8573-33F4849B33D4}" type="datetimeFigureOut">
               <a:rPr lang="en-US" smtClean="0"/>
-              <a:t>9/17/2019</a:t>
+              <a:t>9/17/19</a:t>
             </a:fld>
             <a:endParaRPr lang="en-US"/>
           </a:p>
@@ -414,7 +414,7 @@
           <a:p>
             <a:fld id="{290492DD-1613-8B48-9182-1ECEE9190ABB}" type="datetimeFigureOut">
               <a:rPr lang="en-US" smtClean="0"/>
-              <a:t>9/17/2019</a:t>
+              <a:t>9/17/19</a:t>
             </a:fld>
             <a:endParaRPr lang="en-US"/>
           </a:p>
@@ -2940,7 +2940,7 @@
           </a:ln>
           <a:extLst>
             <a:ext uri="{909E8E84-426E-40dd-AFC4-6F175D3DCCD1}">
-              <a14:hiddenFill xmlns="" xmlns:a14="http://schemas.microsoft.com/office/drawing/2010/main">
+              <a14:hiddenFill xmlns:a14="http://schemas.microsoft.com/office/drawing/2010/main" xmlns="">
                 <a:noFill/>
               </a14:hiddenFill>
             </a:ext>
@@ -2978,14 +2978,14 @@
           </a:ln>
           <a:extLst>
             <a:ext uri="{909E8E84-426E-40dd-AFC4-6F175D3DCCD1}">
-              <a14:hiddenFill xmlns="" xmlns:a14="http://schemas.microsoft.com/office/drawing/2010/main">
+              <a14:hiddenFill xmlns:a14="http://schemas.microsoft.com/office/drawing/2010/main" xmlns="">
                 <a:solidFill>
                   <a:srgbClr val="FFFFFF"/>
                 </a:solidFill>
               </a14:hiddenFill>
             </a:ext>
             <a:ext uri="{91240B29-F687-4f45-9708-019B960494DF}">
-              <a14:hiddenLine xmlns="" xmlns:a14="http://schemas.microsoft.com/office/drawing/2010/main" w="9525">
+              <a14:hiddenLine xmlns:a14="http://schemas.microsoft.com/office/drawing/2010/main" xmlns="" w="9525">
                 <a:solidFill>
                   <a:srgbClr val="000000"/>
                 </a:solidFill>
@@ -2995,7 +2995,7 @@
               </a14:hiddenLine>
             </a:ext>
             <a:ext uri="{FAA26D3D-D897-4be2-8F04-BA451C77F1D7}">
-              <ma14:placeholderFlag xmlns="" xmlns:ma14="http://schemas.microsoft.com/office/mac/drawingml/2011/main" val="1"/>
+              <ma14:placeholderFlag xmlns:ma14="http://schemas.microsoft.com/office/mac/drawingml/2011/main" xmlns="" val="1"/>
             </a:ext>
           </a:extLst>
         </p:spPr>
@@ -3043,7 +3043,7 @@
           </a:ln>
           <a:extLst>
             <a:ext uri="{909E8E84-426E-40dd-AFC4-6F175D3DCCD1}">
-              <a14:hiddenFill xmlns="" xmlns:a14="http://schemas.microsoft.com/office/drawing/2010/main">
+              <a14:hiddenFill xmlns:a14="http://schemas.microsoft.com/office/drawing/2010/main" xmlns="">
                 <a:noFill/>
               </a14:hiddenFill>
             </a:ext>
@@ -3079,14 +3079,14 @@
           </a:ln>
           <a:extLst>
             <a:ext uri="{909E8E84-426E-40dd-AFC4-6F175D3DCCD1}">
-              <a14:hiddenFill xmlns="" xmlns:a14="http://schemas.microsoft.com/office/drawing/2010/main">
+              <a14:hiddenFill xmlns:a14="http://schemas.microsoft.com/office/drawing/2010/main" xmlns="">
                 <a:solidFill>
                   <a:srgbClr val="FFFFFF"/>
                 </a:solidFill>
               </a14:hiddenFill>
             </a:ext>
             <a:ext uri="{91240B29-F687-4f45-9708-019B960494DF}">
-              <a14:hiddenLine xmlns="" xmlns:a14="http://schemas.microsoft.com/office/drawing/2010/main" w="9525">
+              <a14:hiddenLine xmlns:a14="http://schemas.microsoft.com/office/drawing/2010/main" xmlns="" w="9525">
                 <a:solidFill>
                   <a:srgbClr val="000000"/>
                 </a:solidFill>
@@ -3243,14 +3243,14 @@
           </a:ln>
           <a:extLst>
             <a:ext uri="{909E8E84-426E-40dd-AFC4-6F175D3DCCD1}">
-              <a14:hiddenFill xmlns="" xmlns:a14="http://schemas.microsoft.com/office/drawing/2010/main">
+              <a14:hiddenFill xmlns:a14="http://schemas.microsoft.com/office/drawing/2010/main" xmlns="">
                 <a:solidFill>
                   <a:srgbClr val="FFFFFF"/>
                 </a:solidFill>
               </a14:hiddenFill>
             </a:ext>
             <a:ext uri="{91240B29-F687-4f45-9708-019B960494DF}">
-              <a14:hiddenLine xmlns="" xmlns:a14="http://schemas.microsoft.com/office/drawing/2010/main" w="9525">
+              <a14:hiddenLine xmlns:a14="http://schemas.microsoft.com/office/drawing/2010/main" xmlns="" w="9525">
                 <a:solidFill>
                   <a:srgbClr val="000000"/>
                 </a:solidFill>
@@ -3260,7 +3260,7 @@
               </a14:hiddenLine>
             </a:ext>
             <a:ext uri="{FAA26D3D-D897-4be2-8F04-BA451C77F1D7}">
-              <ma14:placeholderFlag xmlns="" xmlns:ma14="http://schemas.microsoft.com/office/mac/drawingml/2011/main" val="1"/>
+              <ma14:placeholderFlag xmlns:ma14="http://schemas.microsoft.com/office/mac/drawingml/2011/main" xmlns="" val="1"/>
             </a:ext>
           </a:extLst>
         </p:spPr>
@@ -3907,14 +3907,14 @@
           </a:ln>
           <a:extLst>
             <a:ext uri="{909E8E84-426E-40dd-AFC4-6F175D3DCCD1}">
-              <a14:hiddenFill xmlns="" xmlns:a14="http://schemas.microsoft.com/office/drawing/2010/main">
+              <a14:hiddenFill xmlns:a14="http://schemas.microsoft.com/office/drawing/2010/main" xmlns="">
                 <a:solidFill>
                   <a:srgbClr val="FFFFFF"/>
                 </a:solidFill>
               </a14:hiddenFill>
             </a:ext>
             <a:ext uri="{91240B29-F687-4f45-9708-019B960494DF}">
-              <a14:hiddenLine xmlns="" xmlns:a14="http://schemas.microsoft.com/office/drawing/2010/main" w="9525">
+              <a14:hiddenLine xmlns:a14="http://schemas.microsoft.com/office/drawing/2010/main" xmlns="" w="9525">
                 <a:solidFill>
                   <a:srgbClr val="000000"/>
                 </a:solidFill>
@@ -4175,14 +4175,14 @@
           </a:ln>
           <a:extLst>
             <a:ext uri="{909E8E84-426E-40dd-AFC4-6F175D3DCCD1}">
-              <a14:hiddenFill xmlns="" xmlns:a14="http://schemas.microsoft.com/office/drawing/2010/main">
+              <a14:hiddenFill xmlns:a14="http://schemas.microsoft.com/office/drawing/2010/main" xmlns="">
                 <a:solidFill>
                   <a:srgbClr val="FFFFFF"/>
                 </a:solidFill>
               </a14:hiddenFill>
             </a:ext>
             <a:ext uri="{91240B29-F687-4f45-9708-019B960494DF}">
-              <a14:hiddenLine xmlns="" xmlns:a14="http://schemas.microsoft.com/office/drawing/2010/main" w="9525">
+              <a14:hiddenLine xmlns:a14="http://schemas.microsoft.com/office/drawing/2010/main" xmlns="" w="9525">
                 <a:solidFill>
                   <a:srgbClr val="000000"/>
                 </a:solidFill>
@@ -4192,7 +4192,7 @@
               </a14:hiddenLine>
             </a:ext>
             <a:ext uri="{FAA26D3D-D897-4be2-8F04-BA451C77F1D7}">
-              <ma14:placeholderFlag xmlns="" xmlns:ma14="http://schemas.microsoft.com/office/mac/drawingml/2011/main" val="1"/>
+              <ma14:placeholderFlag xmlns:ma14="http://schemas.microsoft.com/office/mac/drawingml/2011/main" xmlns="" val="1"/>
             </a:ext>
           </a:extLst>
         </p:spPr>
@@ -4686,7 +4686,7 @@
                   </a14:hiddenLine>
                 </a:ext>
                 <a:ext uri="{FAA26D3D-D897-4be2-8F04-BA451C77F1D7}">
-                  <ma14:placeholderFlag xmlns="" xmlns:ma14="http://schemas.microsoft.com/office/mac/drawingml/2011/main" val="1"/>
+                  <ma14:placeholderFlag xmlns:ma14="http://schemas.microsoft.com/office/mac/drawingml/2011/main" xmlns="" val="1"/>
                 </a:ext>
               </a:extLst>
             </p:spPr>
@@ -5240,14 +5240,14 @@
           </a:ln>
           <a:extLst>
             <a:ext uri="{909E8E84-426E-40dd-AFC4-6F175D3DCCD1}">
-              <a14:hiddenFill xmlns="" xmlns:a14="http://schemas.microsoft.com/office/drawing/2010/main">
+              <a14:hiddenFill xmlns:a14="http://schemas.microsoft.com/office/drawing/2010/main" xmlns="">
                 <a:solidFill>
                   <a:srgbClr val="FFFFFF"/>
                 </a:solidFill>
               </a14:hiddenFill>
             </a:ext>
             <a:ext uri="{91240B29-F687-4f45-9708-019B960494DF}">
-              <a14:hiddenLine xmlns="" xmlns:a14="http://schemas.microsoft.com/office/drawing/2010/main" w="9525">
+              <a14:hiddenLine xmlns:a14="http://schemas.microsoft.com/office/drawing/2010/main" xmlns="" w="9525">
                 <a:solidFill>
                   <a:srgbClr val="000000"/>
                 </a:solidFill>
@@ -5257,7 +5257,7 @@
               </a14:hiddenLine>
             </a:ext>
             <a:ext uri="{FAA26D3D-D897-4be2-8F04-BA451C77F1D7}">
-              <ma14:placeholderFlag xmlns="" xmlns:ma14="http://schemas.microsoft.com/office/mac/drawingml/2011/main" val="1"/>
+              <ma14:placeholderFlag xmlns:ma14="http://schemas.microsoft.com/office/mac/drawingml/2011/main" xmlns="" val="1"/>
             </a:ext>
           </a:extLst>
         </p:spPr>
@@ -5726,14 +5726,14 @@
           </a:ln>
           <a:extLst>
             <a:ext uri="{909E8E84-426E-40dd-AFC4-6F175D3DCCD1}">
-              <a14:hiddenFill xmlns="" xmlns:a14="http://schemas.microsoft.com/office/drawing/2010/main">
+              <a14:hiddenFill xmlns:a14="http://schemas.microsoft.com/office/drawing/2010/main" xmlns="">
                 <a:solidFill>
                   <a:srgbClr val="FFFFFF"/>
                 </a:solidFill>
               </a14:hiddenFill>
             </a:ext>
             <a:ext uri="{91240B29-F687-4f45-9708-019B960494DF}">
-              <a14:hiddenLine xmlns="" xmlns:a14="http://schemas.microsoft.com/office/drawing/2010/main" w="9525">
+              <a14:hiddenLine xmlns:a14="http://schemas.microsoft.com/office/drawing/2010/main" xmlns="" w="9525">
                 <a:solidFill>
                   <a:srgbClr val="000000"/>
                 </a:solidFill>
@@ -5743,7 +5743,7 @@
               </a14:hiddenLine>
             </a:ext>
             <a:ext uri="{FAA26D3D-D897-4be2-8F04-BA451C77F1D7}">
-              <ma14:placeholderFlag xmlns="" xmlns:ma14="http://schemas.microsoft.com/office/mac/drawingml/2011/main" val="1"/>
+              <ma14:placeholderFlag xmlns:ma14="http://schemas.microsoft.com/office/mac/drawingml/2011/main" xmlns="" val="1"/>
             </a:ext>
           </a:extLst>
         </p:spPr>
@@ -7669,64 +7669,50 @@
           </a:p>
           <a:p>
             <a:r>
-              <a:rPr lang="en-US" dirty="0" smtClean="0"/>
+              <a:rPr lang="en-US" dirty="0"/>
               <a:t>Causes</a:t>
             </a:r>
           </a:p>
           <a:p>
             <a:pPr lvl="1"/>
             <a:r>
-              <a:rPr lang="en-US" dirty="0" smtClean="0"/>
+              <a:rPr lang="en-US" dirty="0"/>
               <a:t>Age</a:t>
             </a:r>
           </a:p>
           <a:p>
             <a:pPr lvl="1"/>
             <a:r>
-              <a:rPr lang="en-US" dirty="0" smtClean="0"/>
+              <a:rPr lang="en-US" dirty="0"/>
               <a:t>Disease</a:t>
             </a:r>
           </a:p>
           <a:p>
             <a:pPr lvl="1"/>
             <a:r>
-              <a:rPr lang="en-US" dirty="0" smtClean="0"/>
+              <a:rPr lang="en-US" dirty="0"/>
               <a:t>Trauma</a:t>
             </a:r>
-            <a:endParaRPr lang="en-US" dirty="0"/>
           </a:p>
           <a:p>
             <a:r>
               <a:rPr lang="en-US" dirty="0"/>
-              <a:t>D</a:t>
-            </a:r>
-            <a:r>
-              <a:rPr lang="en-US" dirty="0" smtClean="0"/>
-              <a:t>ecreased </a:t>
-            </a:r>
+              <a:t>Decreased quality of life</a:t>
+            </a:r>
+          </a:p>
+          <a:p>
+            <a:pPr lvl="1"/>
             <a:r>
               <a:rPr lang="en-US" dirty="0"/>
-              <a:t>quality of </a:t>
-            </a:r>
-            <a:r>
-              <a:rPr lang="en-US" dirty="0" smtClean="0"/>
-              <a:t>life</a:t>
+              <a:t>Social isolation</a:t>
             </a:r>
           </a:p>
           <a:p>
             <a:pPr lvl="1"/>
             <a:r>
-              <a:rPr lang="en-US" dirty="0" smtClean="0"/>
-              <a:t>Social isolation</a:t>
-            </a:r>
-          </a:p>
-          <a:p>
-            <a:pPr lvl="1"/>
-            <a:r>
-              <a:rPr lang="en-US" dirty="0" smtClean="0"/>
+              <a:rPr lang="en-US" dirty="0"/>
               <a:t>Stigmatization</a:t>
             </a:r>
-            <a:endParaRPr lang="en-US" dirty="0"/>
           </a:p>
         </p:txBody>
       </p:sp>
@@ -7836,7 +7822,7 @@
         <p:spPr>
           <a:xfrm>
             <a:off x="342900" y="1916832"/>
-            <a:ext cx="9067800" cy="3352800"/>
+            <a:ext cx="9067800" cy="3899766"/>
           </a:xfrm>
         </p:spPr>
         <p:txBody>
@@ -7852,24 +7838,15 @@
             <a:pPr lvl="1"/>
             <a:r>
               <a:rPr lang="en-US" dirty="0"/>
-              <a:t>Correcting an individual’s hearing </a:t>
-            </a:r>
-            <a:r>
-              <a:rPr lang="en-US" dirty="0" smtClean="0"/>
-              <a:t>deficits</a:t>
+              <a:t>Correcting an individual’s hearing deficits</a:t>
             </a:r>
           </a:p>
           <a:p>
             <a:pPr lvl="1"/>
             <a:r>
-              <a:rPr lang="en-US" dirty="0" smtClean="0"/>
-              <a:t>Applied based on an audiogram</a:t>
-            </a:r>
-            <a:r>
-              <a:rPr lang="en-US" dirty="0" smtClean="0"/>
-              <a:t> </a:t>
-            </a:r>
-            <a:endParaRPr lang="en-US" dirty="0"/>
+              <a:rPr lang="en-US" dirty="0"/>
+              <a:t>Applied based on an audiogram </a:t>
+            </a:r>
           </a:p>
           <a:p>
             <a:r>
@@ -7881,7 +7858,7 @@
             <a:pPr lvl="1"/>
             <a:r>
               <a:rPr lang="en-US" dirty="0"/>
-              <a:t>Amplifying sounds in particular directions </a:t>
+              <a:t>Amplifying sounds in particular directions – normally direction of highest SNR</a:t>
             </a:r>
           </a:p>
           <a:p>
@@ -8036,12 +8013,8 @@
           <a:lstStyle/>
           <a:p>
             <a:r>
-              <a:rPr lang="en-ZA"/>
-              <a:t>Development of a </a:t>
-            </a:r>
-            <a:r>
               <a:rPr lang="en-ZA" dirty="0"/>
-              <a:t>low cost hearing aid</a:t>
+              <a:t>Development of a low cost hearing aid</a:t>
             </a:r>
           </a:p>
           <a:p>
@@ -9491,7 +9464,7 @@
           <a:ln/>
           <a:extLst>
             <a:ext uri="{91240B29-F687-4f45-9708-019B960494DF}">
-              <a14:hiddenLine xmlns="" xmlns:a14="http://schemas.microsoft.com/office/drawing/2010/main" w="9525" cap="flat" cmpd="sng" algn="ctr">
+              <a14:hiddenLine xmlns:a14="http://schemas.microsoft.com/office/drawing/2010/main" xmlns="" w="9525" cap="flat" cmpd="sng" algn="ctr">
                 <a:solidFill>
                   <a:schemeClr val="tx1"/>
                 </a:solidFill>
@@ -9502,7 +9475,7 @@
               </a14:hiddenLine>
             </a:ext>
             <a:ext uri="{AF507438-7753-43e0-B8FC-AC1667EBCBE1}">
-              <a14:hiddenEffects xmlns="" xmlns:a14="http://schemas.microsoft.com/office/drawing/2010/main">
+              <a14:hiddenEffects xmlns:a14="http://schemas.microsoft.com/office/drawing/2010/main" xmlns="">
                 <a:effectLst>
                   <a:outerShdw dist="35921" dir="2700000" algn="ctr" rotWithShape="0">
                     <a:schemeClr val="bg2"/>
@@ -9784,7 +9757,7 @@
         <a:effectLst/>
         <a:extLst>
           <a:ext uri="{91240B29-F687-4f45-9708-019B960494DF}">
-            <a14:hiddenLine xmlns="" xmlns:a14="http://schemas.microsoft.com/office/drawing/2010/main" w="9525" cap="flat" cmpd="sng" algn="ctr">
+            <a14:hiddenLine xmlns:a14="http://schemas.microsoft.com/office/drawing/2010/main" xmlns="" w="9525" cap="flat" cmpd="sng" algn="ctr">
               <a:solidFill>
                 <a:schemeClr val="tx1"/>
               </a:solidFill>
@@ -9795,7 +9768,7 @@
             </a14:hiddenLine>
           </a:ext>
           <a:ext uri="{AF507438-7753-43e0-B8FC-AC1667EBCBE1}">
-            <a14:hiddenEffects xmlns="" xmlns:a14="http://schemas.microsoft.com/office/drawing/2010/main">
+            <a14:hiddenEffects xmlns:a14="http://schemas.microsoft.com/office/drawing/2010/main" xmlns="">
               <a:effectLst>
                 <a:outerShdw dist="35921" dir="2700000" algn="ctr" rotWithShape="0">
                   <a:schemeClr val="bg2"/>
@@ -9862,7 +9835,7 @@
         <a:effectLst/>
         <a:extLst>
           <a:ext uri="{91240B29-F687-4f45-9708-019B960494DF}">
-            <a14:hiddenLine xmlns="" xmlns:a14="http://schemas.microsoft.com/office/drawing/2010/main" w="9525" cap="flat" cmpd="sng" algn="ctr">
+            <a14:hiddenLine xmlns:a14="http://schemas.microsoft.com/office/drawing/2010/main" xmlns="" w="9525" cap="flat" cmpd="sng" algn="ctr">
               <a:solidFill>
                 <a:schemeClr val="tx1"/>
               </a:solidFill>
@@ -9873,7 +9846,7 @@
             </a14:hiddenLine>
           </a:ext>
           <a:ext uri="{AF507438-7753-43e0-B8FC-AC1667EBCBE1}">
-            <a14:hiddenEffects xmlns="" xmlns:a14="http://schemas.microsoft.com/office/drawing/2010/main">
+            <a14:hiddenEffects xmlns:a14="http://schemas.microsoft.com/office/drawing/2010/main" xmlns="">
               <a:effectLst>
                 <a:outerShdw dist="35921" dir="2700000" algn="ctr" rotWithShape="0">
                   <a:schemeClr val="bg2"/>

--- a/Presentation/Lab Project Presentation.pptx
+++ b/Presentation/Lab Project Presentation.pptx
@@ -248,7 +248,7 @@
           <a:p>
             <a:fld id="{3FA6FDA4-907F-C840-8573-33F4849B33D4}" type="datetimeFigureOut">
               <a:rPr lang="en-US" smtClean="0"/>
-              <a:t>9/17/19</a:t>
+              <a:t>9/17/2019</a:t>
             </a:fld>
             <a:endParaRPr lang="en-US"/>
           </a:p>
@@ -414,7 +414,7 @@
           <a:p>
             <a:fld id="{290492DD-1613-8B48-9182-1ECEE9190ABB}" type="datetimeFigureOut">
               <a:rPr lang="en-US" smtClean="0"/>
-              <a:t>9/17/19</a:t>
+              <a:t>9/17/2019</a:t>
             </a:fld>
             <a:endParaRPr lang="en-US"/>
           </a:p>
@@ -2940,7 +2940,7 @@
           </a:ln>
           <a:extLst>
             <a:ext uri="{909E8E84-426E-40dd-AFC4-6F175D3DCCD1}">
-              <a14:hiddenFill xmlns:a14="http://schemas.microsoft.com/office/drawing/2010/main" xmlns="">
+              <a14:hiddenFill xmlns="" xmlns:a14="http://schemas.microsoft.com/office/drawing/2010/main">
                 <a:noFill/>
               </a14:hiddenFill>
             </a:ext>
@@ -2978,14 +2978,14 @@
           </a:ln>
           <a:extLst>
             <a:ext uri="{909E8E84-426E-40dd-AFC4-6F175D3DCCD1}">
-              <a14:hiddenFill xmlns:a14="http://schemas.microsoft.com/office/drawing/2010/main" xmlns="">
+              <a14:hiddenFill xmlns="" xmlns:a14="http://schemas.microsoft.com/office/drawing/2010/main">
                 <a:solidFill>
                   <a:srgbClr val="FFFFFF"/>
                 </a:solidFill>
               </a14:hiddenFill>
             </a:ext>
             <a:ext uri="{91240B29-F687-4f45-9708-019B960494DF}">
-              <a14:hiddenLine xmlns:a14="http://schemas.microsoft.com/office/drawing/2010/main" xmlns="" w="9525">
+              <a14:hiddenLine xmlns="" xmlns:a14="http://schemas.microsoft.com/office/drawing/2010/main" w="9525">
                 <a:solidFill>
                   <a:srgbClr val="000000"/>
                 </a:solidFill>
@@ -2995,7 +2995,7 @@
               </a14:hiddenLine>
             </a:ext>
             <a:ext uri="{FAA26D3D-D897-4be2-8F04-BA451C77F1D7}">
-              <ma14:placeholderFlag xmlns:ma14="http://schemas.microsoft.com/office/mac/drawingml/2011/main" xmlns="" val="1"/>
+              <ma14:placeholderFlag xmlns="" xmlns:ma14="http://schemas.microsoft.com/office/mac/drawingml/2011/main" val="1"/>
             </a:ext>
           </a:extLst>
         </p:spPr>
@@ -3043,7 +3043,7 @@
           </a:ln>
           <a:extLst>
             <a:ext uri="{909E8E84-426E-40dd-AFC4-6F175D3DCCD1}">
-              <a14:hiddenFill xmlns:a14="http://schemas.microsoft.com/office/drawing/2010/main" xmlns="">
+              <a14:hiddenFill xmlns="" xmlns:a14="http://schemas.microsoft.com/office/drawing/2010/main">
                 <a:noFill/>
               </a14:hiddenFill>
             </a:ext>
@@ -3079,14 +3079,14 @@
           </a:ln>
           <a:extLst>
             <a:ext uri="{909E8E84-426E-40dd-AFC4-6F175D3DCCD1}">
-              <a14:hiddenFill xmlns:a14="http://schemas.microsoft.com/office/drawing/2010/main" xmlns="">
+              <a14:hiddenFill xmlns="" xmlns:a14="http://schemas.microsoft.com/office/drawing/2010/main">
                 <a:solidFill>
                   <a:srgbClr val="FFFFFF"/>
                 </a:solidFill>
               </a14:hiddenFill>
             </a:ext>
             <a:ext uri="{91240B29-F687-4f45-9708-019B960494DF}">
-              <a14:hiddenLine xmlns:a14="http://schemas.microsoft.com/office/drawing/2010/main" xmlns="" w="9525">
+              <a14:hiddenLine xmlns="" xmlns:a14="http://schemas.microsoft.com/office/drawing/2010/main" w="9525">
                 <a:solidFill>
                   <a:srgbClr val="000000"/>
                 </a:solidFill>
@@ -3243,14 +3243,14 @@
           </a:ln>
           <a:extLst>
             <a:ext uri="{909E8E84-426E-40dd-AFC4-6F175D3DCCD1}">
-              <a14:hiddenFill xmlns:a14="http://schemas.microsoft.com/office/drawing/2010/main" xmlns="">
+              <a14:hiddenFill xmlns="" xmlns:a14="http://schemas.microsoft.com/office/drawing/2010/main">
                 <a:solidFill>
                   <a:srgbClr val="FFFFFF"/>
                 </a:solidFill>
               </a14:hiddenFill>
             </a:ext>
             <a:ext uri="{91240B29-F687-4f45-9708-019B960494DF}">
-              <a14:hiddenLine xmlns:a14="http://schemas.microsoft.com/office/drawing/2010/main" xmlns="" w="9525">
+              <a14:hiddenLine xmlns="" xmlns:a14="http://schemas.microsoft.com/office/drawing/2010/main" w="9525">
                 <a:solidFill>
                   <a:srgbClr val="000000"/>
                 </a:solidFill>
@@ -3260,7 +3260,7 @@
               </a14:hiddenLine>
             </a:ext>
             <a:ext uri="{FAA26D3D-D897-4be2-8F04-BA451C77F1D7}">
-              <ma14:placeholderFlag xmlns:ma14="http://schemas.microsoft.com/office/mac/drawingml/2011/main" xmlns="" val="1"/>
+              <ma14:placeholderFlag xmlns="" xmlns:ma14="http://schemas.microsoft.com/office/mac/drawingml/2011/main" val="1"/>
             </a:ext>
           </a:extLst>
         </p:spPr>
@@ -3907,14 +3907,14 @@
           </a:ln>
           <a:extLst>
             <a:ext uri="{909E8E84-426E-40dd-AFC4-6F175D3DCCD1}">
-              <a14:hiddenFill xmlns:a14="http://schemas.microsoft.com/office/drawing/2010/main" xmlns="">
+              <a14:hiddenFill xmlns="" xmlns:a14="http://schemas.microsoft.com/office/drawing/2010/main">
                 <a:solidFill>
                   <a:srgbClr val="FFFFFF"/>
                 </a:solidFill>
               </a14:hiddenFill>
             </a:ext>
             <a:ext uri="{91240B29-F687-4f45-9708-019B960494DF}">
-              <a14:hiddenLine xmlns:a14="http://schemas.microsoft.com/office/drawing/2010/main" xmlns="" w="9525">
+              <a14:hiddenLine xmlns="" xmlns:a14="http://schemas.microsoft.com/office/drawing/2010/main" w="9525">
                 <a:solidFill>
                   <a:srgbClr val="000000"/>
                 </a:solidFill>
@@ -4175,14 +4175,14 @@
           </a:ln>
           <a:extLst>
             <a:ext uri="{909E8E84-426E-40dd-AFC4-6F175D3DCCD1}">
-              <a14:hiddenFill xmlns:a14="http://schemas.microsoft.com/office/drawing/2010/main" xmlns="">
+              <a14:hiddenFill xmlns="" xmlns:a14="http://schemas.microsoft.com/office/drawing/2010/main">
                 <a:solidFill>
                   <a:srgbClr val="FFFFFF"/>
                 </a:solidFill>
               </a14:hiddenFill>
             </a:ext>
             <a:ext uri="{91240B29-F687-4f45-9708-019B960494DF}">
-              <a14:hiddenLine xmlns:a14="http://schemas.microsoft.com/office/drawing/2010/main" xmlns="" w="9525">
+              <a14:hiddenLine xmlns="" xmlns:a14="http://schemas.microsoft.com/office/drawing/2010/main" w="9525">
                 <a:solidFill>
                   <a:srgbClr val="000000"/>
                 </a:solidFill>
@@ -4192,7 +4192,7 @@
               </a14:hiddenLine>
             </a:ext>
             <a:ext uri="{FAA26D3D-D897-4be2-8F04-BA451C77F1D7}">
-              <ma14:placeholderFlag xmlns:ma14="http://schemas.microsoft.com/office/mac/drawingml/2011/main" xmlns="" val="1"/>
+              <ma14:placeholderFlag xmlns="" xmlns:ma14="http://schemas.microsoft.com/office/mac/drawingml/2011/main" val="1"/>
             </a:ext>
           </a:extLst>
         </p:spPr>
@@ -4686,7 +4686,7 @@
                   </a14:hiddenLine>
                 </a:ext>
                 <a:ext uri="{FAA26D3D-D897-4be2-8F04-BA451C77F1D7}">
-                  <ma14:placeholderFlag xmlns:ma14="http://schemas.microsoft.com/office/mac/drawingml/2011/main" xmlns="" val="1"/>
+                  <ma14:placeholderFlag xmlns="" xmlns:ma14="http://schemas.microsoft.com/office/mac/drawingml/2011/main" val="1"/>
                 </a:ext>
               </a:extLst>
             </p:spPr>
@@ -5240,14 +5240,14 @@
           </a:ln>
           <a:extLst>
             <a:ext uri="{909E8E84-426E-40dd-AFC4-6F175D3DCCD1}">
-              <a14:hiddenFill xmlns:a14="http://schemas.microsoft.com/office/drawing/2010/main" xmlns="">
+              <a14:hiddenFill xmlns="" xmlns:a14="http://schemas.microsoft.com/office/drawing/2010/main">
                 <a:solidFill>
                   <a:srgbClr val="FFFFFF"/>
                 </a:solidFill>
               </a14:hiddenFill>
             </a:ext>
             <a:ext uri="{91240B29-F687-4f45-9708-019B960494DF}">
-              <a14:hiddenLine xmlns:a14="http://schemas.microsoft.com/office/drawing/2010/main" xmlns="" w="9525">
+              <a14:hiddenLine xmlns="" xmlns:a14="http://schemas.microsoft.com/office/drawing/2010/main" w="9525">
                 <a:solidFill>
                   <a:srgbClr val="000000"/>
                 </a:solidFill>
@@ -5257,7 +5257,7 @@
               </a14:hiddenLine>
             </a:ext>
             <a:ext uri="{FAA26D3D-D897-4be2-8F04-BA451C77F1D7}">
-              <ma14:placeholderFlag xmlns:ma14="http://schemas.microsoft.com/office/mac/drawingml/2011/main" xmlns="" val="1"/>
+              <ma14:placeholderFlag xmlns="" xmlns:ma14="http://schemas.microsoft.com/office/mac/drawingml/2011/main" val="1"/>
             </a:ext>
           </a:extLst>
         </p:spPr>
@@ -5726,14 +5726,14 @@
           </a:ln>
           <a:extLst>
             <a:ext uri="{909E8E84-426E-40dd-AFC4-6F175D3DCCD1}">
-              <a14:hiddenFill xmlns:a14="http://schemas.microsoft.com/office/drawing/2010/main" xmlns="">
+              <a14:hiddenFill xmlns="" xmlns:a14="http://schemas.microsoft.com/office/drawing/2010/main">
                 <a:solidFill>
                   <a:srgbClr val="FFFFFF"/>
                 </a:solidFill>
               </a14:hiddenFill>
             </a:ext>
             <a:ext uri="{91240B29-F687-4f45-9708-019B960494DF}">
-              <a14:hiddenLine xmlns:a14="http://schemas.microsoft.com/office/drawing/2010/main" xmlns="" w="9525">
+              <a14:hiddenLine xmlns="" xmlns:a14="http://schemas.microsoft.com/office/drawing/2010/main" w="9525">
                 <a:solidFill>
                   <a:srgbClr val="000000"/>
                 </a:solidFill>
@@ -5743,7 +5743,7 @@
               </a14:hiddenLine>
             </a:ext>
             <a:ext uri="{FAA26D3D-D897-4be2-8F04-BA451C77F1D7}">
-              <ma14:placeholderFlag xmlns:ma14="http://schemas.microsoft.com/office/mac/drawingml/2011/main" xmlns="" val="1"/>
+              <ma14:placeholderFlag xmlns="" xmlns:ma14="http://schemas.microsoft.com/office/mac/drawingml/2011/main" val="1"/>
             </a:ext>
           </a:extLst>
         </p:spPr>
@@ -7858,7 +7858,19 @@
             <a:pPr lvl="1"/>
             <a:r>
               <a:rPr lang="en-US" dirty="0"/>
-              <a:t>Amplifying sounds in particular directions – normally direction of highest SNR</a:t>
+              <a:t>Amplifying sounds in particular directions – </a:t>
+            </a:r>
+            <a:r>
+              <a:rPr lang="en-US" dirty="0" smtClean="0"/>
+              <a:t>currently</a:t>
+            </a:r>
+            <a:r>
+              <a:rPr lang="en-US" dirty="0" smtClean="0"/>
+              <a:t> </a:t>
+            </a:r>
+            <a:r>
+              <a:rPr lang="en-US" dirty="0"/>
+              <a:t>direction of highest SNR</a:t>
             </a:r>
           </a:p>
           <a:p>
@@ -8034,8 +8046,13 @@
             <a:pPr lvl="1"/>
             <a:r>
               <a:rPr lang="en-ZA" dirty="0"/>
-              <a:t>User tuneable directionality</a:t>
-            </a:r>
+              <a:t>User tuneable </a:t>
+            </a:r>
+            <a:r>
+              <a:rPr lang="en-ZA" dirty="0" smtClean="0"/>
+              <a:t>directionality (novelty)</a:t>
+            </a:r>
+            <a:endParaRPr lang="en-ZA" dirty="0"/>
           </a:p>
           <a:p>
             <a:r>
@@ -9464,7 +9481,7 @@
           <a:ln/>
           <a:extLst>
             <a:ext uri="{91240B29-F687-4f45-9708-019B960494DF}">
-              <a14:hiddenLine xmlns:a14="http://schemas.microsoft.com/office/drawing/2010/main" xmlns="" w="9525" cap="flat" cmpd="sng" algn="ctr">
+              <a14:hiddenLine xmlns="" xmlns:a14="http://schemas.microsoft.com/office/drawing/2010/main" w="9525" cap="flat" cmpd="sng" algn="ctr">
                 <a:solidFill>
                   <a:schemeClr val="tx1"/>
                 </a:solidFill>
@@ -9475,7 +9492,7 @@
               </a14:hiddenLine>
             </a:ext>
             <a:ext uri="{AF507438-7753-43e0-B8FC-AC1667EBCBE1}">
-              <a14:hiddenEffects xmlns:a14="http://schemas.microsoft.com/office/drawing/2010/main" xmlns="">
+              <a14:hiddenEffects xmlns="" xmlns:a14="http://schemas.microsoft.com/office/drawing/2010/main">
                 <a:effectLst>
                   <a:outerShdw dist="35921" dir="2700000" algn="ctr" rotWithShape="0">
                     <a:schemeClr val="bg2"/>
@@ -9757,7 +9774,7 @@
         <a:effectLst/>
         <a:extLst>
           <a:ext uri="{91240B29-F687-4f45-9708-019B960494DF}">
-            <a14:hiddenLine xmlns:a14="http://schemas.microsoft.com/office/drawing/2010/main" xmlns="" w="9525" cap="flat" cmpd="sng" algn="ctr">
+            <a14:hiddenLine xmlns="" xmlns:a14="http://schemas.microsoft.com/office/drawing/2010/main" w="9525" cap="flat" cmpd="sng" algn="ctr">
               <a:solidFill>
                 <a:schemeClr val="tx1"/>
               </a:solidFill>
@@ -9768,7 +9785,7 @@
             </a14:hiddenLine>
           </a:ext>
           <a:ext uri="{AF507438-7753-43e0-B8FC-AC1667EBCBE1}">
-            <a14:hiddenEffects xmlns:a14="http://schemas.microsoft.com/office/drawing/2010/main" xmlns="">
+            <a14:hiddenEffects xmlns="" xmlns:a14="http://schemas.microsoft.com/office/drawing/2010/main">
               <a:effectLst>
                 <a:outerShdw dist="35921" dir="2700000" algn="ctr" rotWithShape="0">
                   <a:schemeClr val="bg2"/>
@@ -9835,7 +9852,7 @@
         <a:effectLst/>
         <a:extLst>
           <a:ext uri="{91240B29-F687-4f45-9708-019B960494DF}">
-            <a14:hiddenLine xmlns:a14="http://schemas.microsoft.com/office/drawing/2010/main" xmlns="" w="9525" cap="flat" cmpd="sng" algn="ctr">
+            <a14:hiddenLine xmlns="" xmlns:a14="http://schemas.microsoft.com/office/drawing/2010/main" w="9525" cap="flat" cmpd="sng" algn="ctr">
               <a:solidFill>
                 <a:schemeClr val="tx1"/>
               </a:solidFill>
@@ -9846,7 +9863,7 @@
             </a14:hiddenLine>
           </a:ext>
           <a:ext uri="{AF507438-7753-43e0-B8FC-AC1667EBCBE1}">
-            <a14:hiddenEffects xmlns:a14="http://schemas.microsoft.com/office/drawing/2010/main" xmlns="">
+            <a14:hiddenEffects xmlns="" xmlns:a14="http://schemas.microsoft.com/office/drawing/2010/main">
               <a:effectLst>
                 <a:outerShdw dist="35921" dir="2700000" algn="ctr" rotWithShape="0">
                   <a:schemeClr val="bg2"/>

--- a/Presentation/Lab Project Presentation.pptx
+++ b/Presentation/Lab Project Presentation.pptx
@@ -248,7 +248,7 @@
           <a:p>
             <a:fld id="{3FA6FDA4-907F-C840-8573-33F4849B33D4}" type="datetimeFigureOut">
               <a:rPr lang="en-US" smtClean="0"/>
-              <a:t>9/17/2019</a:t>
+              <a:t>9/17/19</a:t>
             </a:fld>
             <a:endParaRPr lang="en-US"/>
           </a:p>
@@ -414,7 +414,7 @@
           <a:p>
             <a:fld id="{290492DD-1613-8B48-9182-1ECEE9190ABB}" type="datetimeFigureOut">
               <a:rPr lang="en-US" smtClean="0"/>
-              <a:t>9/17/2019</a:t>
+              <a:t>9/17/19</a:t>
             </a:fld>
             <a:endParaRPr lang="en-US"/>
           </a:p>
@@ -2940,7 +2940,7 @@
           </a:ln>
           <a:extLst>
             <a:ext uri="{909E8E84-426E-40dd-AFC4-6F175D3DCCD1}">
-              <a14:hiddenFill xmlns="" xmlns:a14="http://schemas.microsoft.com/office/drawing/2010/main">
+              <a14:hiddenFill xmlns:a14="http://schemas.microsoft.com/office/drawing/2010/main" xmlns="">
                 <a:noFill/>
               </a14:hiddenFill>
             </a:ext>
@@ -2978,14 +2978,14 @@
           </a:ln>
           <a:extLst>
             <a:ext uri="{909E8E84-426E-40dd-AFC4-6F175D3DCCD1}">
-              <a14:hiddenFill xmlns="" xmlns:a14="http://schemas.microsoft.com/office/drawing/2010/main">
+              <a14:hiddenFill xmlns:a14="http://schemas.microsoft.com/office/drawing/2010/main" xmlns="">
                 <a:solidFill>
                   <a:srgbClr val="FFFFFF"/>
                 </a:solidFill>
               </a14:hiddenFill>
             </a:ext>
             <a:ext uri="{91240B29-F687-4f45-9708-019B960494DF}">
-              <a14:hiddenLine xmlns="" xmlns:a14="http://schemas.microsoft.com/office/drawing/2010/main" w="9525">
+              <a14:hiddenLine xmlns:a14="http://schemas.microsoft.com/office/drawing/2010/main" xmlns="" w="9525">
                 <a:solidFill>
                   <a:srgbClr val="000000"/>
                 </a:solidFill>
@@ -2995,7 +2995,7 @@
               </a14:hiddenLine>
             </a:ext>
             <a:ext uri="{FAA26D3D-D897-4be2-8F04-BA451C77F1D7}">
-              <ma14:placeholderFlag xmlns="" xmlns:ma14="http://schemas.microsoft.com/office/mac/drawingml/2011/main" val="1"/>
+              <ma14:placeholderFlag xmlns:ma14="http://schemas.microsoft.com/office/mac/drawingml/2011/main" xmlns="" val="1"/>
             </a:ext>
           </a:extLst>
         </p:spPr>
@@ -3043,7 +3043,7 @@
           </a:ln>
           <a:extLst>
             <a:ext uri="{909E8E84-426E-40dd-AFC4-6F175D3DCCD1}">
-              <a14:hiddenFill xmlns="" xmlns:a14="http://schemas.microsoft.com/office/drawing/2010/main">
+              <a14:hiddenFill xmlns:a14="http://schemas.microsoft.com/office/drawing/2010/main" xmlns="">
                 <a:noFill/>
               </a14:hiddenFill>
             </a:ext>
@@ -3079,14 +3079,14 @@
           </a:ln>
           <a:extLst>
             <a:ext uri="{909E8E84-426E-40dd-AFC4-6F175D3DCCD1}">
-              <a14:hiddenFill xmlns="" xmlns:a14="http://schemas.microsoft.com/office/drawing/2010/main">
+              <a14:hiddenFill xmlns:a14="http://schemas.microsoft.com/office/drawing/2010/main" xmlns="">
                 <a:solidFill>
                   <a:srgbClr val="FFFFFF"/>
                 </a:solidFill>
               </a14:hiddenFill>
             </a:ext>
             <a:ext uri="{91240B29-F687-4f45-9708-019B960494DF}">
-              <a14:hiddenLine xmlns="" xmlns:a14="http://schemas.microsoft.com/office/drawing/2010/main" w="9525">
+              <a14:hiddenLine xmlns:a14="http://schemas.microsoft.com/office/drawing/2010/main" xmlns="" w="9525">
                 <a:solidFill>
                   <a:srgbClr val="000000"/>
                 </a:solidFill>
@@ -3243,14 +3243,14 @@
           </a:ln>
           <a:extLst>
             <a:ext uri="{909E8E84-426E-40dd-AFC4-6F175D3DCCD1}">
-              <a14:hiddenFill xmlns="" xmlns:a14="http://schemas.microsoft.com/office/drawing/2010/main">
+              <a14:hiddenFill xmlns:a14="http://schemas.microsoft.com/office/drawing/2010/main" xmlns="">
                 <a:solidFill>
                   <a:srgbClr val="FFFFFF"/>
                 </a:solidFill>
               </a14:hiddenFill>
             </a:ext>
             <a:ext uri="{91240B29-F687-4f45-9708-019B960494DF}">
-              <a14:hiddenLine xmlns="" xmlns:a14="http://schemas.microsoft.com/office/drawing/2010/main" w="9525">
+              <a14:hiddenLine xmlns:a14="http://schemas.microsoft.com/office/drawing/2010/main" xmlns="" w="9525">
                 <a:solidFill>
                   <a:srgbClr val="000000"/>
                 </a:solidFill>
@@ -3260,7 +3260,7 @@
               </a14:hiddenLine>
             </a:ext>
             <a:ext uri="{FAA26D3D-D897-4be2-8F04-BA451C77F1D7}">
-              <ma14:placeholderFlag xmlns="" xmlns:ma14="http://schemas.microsoft.com/office/mac/drawingml/2011/main" val="1"/>
+              <ma14:placeholderFlag xmlns:ma14="http://schemas.microsoft.com/office/mac/drawingml/2011/main" xmlns="" val="1"/>
             </a:ext>
           </a:extLst>
         </p:spPr>
@@ -3907,14 +3907,14 @@
           </a:ln>
           <a:extLst>
             <a:ext uri="{909E8E84-426E-40dd-AFC4-6F175D3DCCD1}">
-              <a14:hiddenFill xmlns="" xmlns:a14="http://schemas.microsoft.com/office/drawing/2010/main">
+              <a14:hiddenFill xmlns:a14="http://schemas.microsoft.com/office/drawing/2010/main" xmlns="">
                 <a:solidFill>
                   <a:srgbClr val="FFFFFF"/>
                 </a:solidFill>
               </a14:hiddenFill>
             </a:ext>
             <a:ext uri="{91240B29-F687-4f45-9708-019B960494DF}">
-              <a14:hiddenLine xmlns="" xmlns:a14="http://schemas.microsoft.com/office/drawing/2010/main" w="9525">
+              <a14:hiddenLine xmlns:a14="http://schemas.microsoft.com/office/drawing/2010/main" xmlns="" w="9525">
                 <a:solidFill>
                   <a:srgbClr val="000000"/>
                 </a:solidFill>
@@ -4175,14 +4175,14 @@
           </a:ln>
           <a:extLst>
             <a:ext uri="{909E8E84-426E-40dd-AFC4-6F175D3DCCD1}">
-              <a14:hiddenFill xmlns="" xmlns:a14="http://schemas.microsoft.com/office/drawing/2010/main">
+              <a14:hiddenFill xmlns:a14="http://schemas.microsoft.com/office/drawing/2010/main" xmlns="">
                 <a:solidFill>
                   <a:srgbClr val="FFFFFF"/>
                 </a:solidFill>
               </a14:hiddenFill>
             </a:ext>
             <a:ext uri="{91240B29-F687-4f45-9708-019B960494DF}">
-              <a14:hiddenLine xmlns="" xmlns:a14="http://schemas.microsoft.com/office/drawing/2010/main" w="9525">
+              <a14:hiddenLine xmlns:a14="http://schemas.microsoft.com/office/drawing/2010/main" xmlns="" w="9525">
                 <a:solidFill>
                   <a:srgbClr val="000000"/>
                 </a:solidFill>
@@ -4192,7 +4192,7 @@
               </a14:hiddenLine>
             </a:ext>
             <a:ext uri="{FAA26D3D-D897-4be2-8F04-BA451C77F1D7}">
-              <ma14:placeholderFlag xmlns="" xmlns:ma14="http://schemas.microsoft.com/office/mac/drawingml/2011/main" val="1"/>
+              <ma14:placeholderFlag xmlns:ma14="http://schemas.microsoft.com/office/mac/drawingml/2011/main" xmlns="" val="1"/>
             </a:ext>
           </a:extLst>
         </p:spPr>
@@ -4686,7 +4686,7 @@
                   </a14:hiddenLine>
                 </a:ext>
                 <a:ext uri="{FAA26D3D-D897-4be2-8F04-BA451C77F1D7}">
-                  <ma14:placeholderFlag xmlns="" xmlns:ma14="http://schemas.microsoft.com/office/mac/drawingml/2011/main" val="1"/>
+                  <ma14:placeholderFlag xmlns:ma14="http://schemas.microsoft.com/office/mac/drawingml/2011/main" xmlns="" val="1"/>
                 </a:ext>
               </a:extLst>
             </p:spPr>
@@ -5240,14 +5240,14 @@
           </a:ln>
           <a:extLst>
             <a:ext uri="{909E8E84-426E-40dd-AFC4-6F175D3DCCD1}">
-              <a14:hiddenFill xmlns="" xmlns:a14="http://schemas.microsoft.com/office/drawing/2010/main">
+              <a14:hiddenFill xmlns:a14="http://schemas.microsoft.com/office/drawing/2010/main" xmlns="">
                 <a:solidFill>
                   <a:srgbClr val="FFFFFF"/>
                 </a:solidFill>
               </a14:hiddenFill>
             </a:ext>
             <a:ext uri="{91240B29-F687-4f45-9708-019B960494DF}">
-              <a14:hiddenLine xmlns="" xmlns:a14="http://schemas.microsoft.com/office/drawing/2010/main" w="9525">
+              <a14:hiddenLine xmlns:a14="http://schemas.microsoft.com/office/drawing/2010/main" xmlns="" w="9525">
                 <a:solidFill>
                   <a:srgbClr val="000000"/>
                 </a:solidFill>
@@ -5257,7 +5257,7 @@
               </a14:hiddenLine>
             </a:ext>
             <a:ext uri="{FAA26D3D-D897-4be2-8F04-BA451C77F1D7}">
-              <ma14:placeholderFlag xmlns="" xmlns:ma14="http://schemas.microsoft.com/office/mac/drawingml/2011/main" val="1"/>
+              <ma14:placeholderFlag xmlns:ma14="http://schemas.microsoft.com/office/mac/drawingml/2011/main" xmlns="" val="1"/>
             </a:ext>
           </a:extLst>
         </p:spPr>
@@ -5726,14 +5726,14 @@
           </a:ln>
           <a:extLst>
             <a:ext uri="{909E8E84-426E-40dd-AFC4-6F175D3DCCD1}">
-              <a14:hiddenFill xmlns="" xmlns:a14="http://schemas.microsoft.com/office/drawing/2010/main">
+              <a14:hiddenFill xmlns:a14="http://schemas.microsoft.com/office/drawing/2010/main" xmlns="">
                 <a:solidFill>
                   <a:srgbClr val="FFFFFF"/>
                 </a:solidFill>
               </a14:hiddenFill>
             </a:ext>
             <a:ext uri="{91240B29-F687-4f45-9708-019B960494DF}">
-              <a14:hiddenLine xmlns="" xmlns:a14="http://schemas.microsoft.com/office/drawing/2010/main" w="9525">
+              <a14:hiddenLine xmlns:a14="http://schemas.microsoft.com/office/drawing/2010/main" xmlns="" w="9525">
                 <a:solidFill>
                   <a:srgbClr val="000000"/>
                 </a:solidFill>
@@ -5743,7 +5743,7 @@
               </a14:hiddenLine>
             </a:ext>
             <a:ext uri="{FAA26D3D-D897-4be2-8F04-BA451C77F1D7}">
-              <ma14:placeholderFlag xmlns="" xmlns:ma14="http://schemas.microsoft.com/office/mac/drawingml/2011/main" val="1"/>
+              <ma14:placeholderFlag xmlns:ma14="http://schemas.microsoft.com/office/mac/drawingml/2011/main" xmlns="" val="1"/>
             </a:ext>
           </a:extLst>
         </p:spPr>
@@ -7838,15 +7838,16 @@
             <a:pPr lvl="1"/>
             <a:r>
               <a:rPr lang="en-US" dirty="0"/>
-              <a:t>Correcting an individual’s hearing deficits</a:t>
+              <a:t>To correct an individual’s hearing deficits</a:t>
             </a:r>
           </a:p>
           <a:p>
             <a:pPr lvl="1"/>
             <a:r>
-              <a:rPr lang="en-US" dirty="0"/>
-              <a:t>Applied based on an audiogram </a:t>
-            </a:r>
+              <a:rPr lang="en-ZA" dirty="0"/>
+              <a:t>Amplifying specific frequency bands according to a person’s audiogram</a:t>
+            </a:r>
+            <a:endParaRPr lang="en-US" dirty="0"/>
           </a:p>
           <a:p>
             <a:r>
@@ -7858,19 +7859,7 @@
             <a:pPr lvl="1"/>
             <a:r>
               <a:rPr lang="en-US" dirty="0"/>
-              <a:t>Amplifying sounds in particular directions – </a:t>
-            </a:r>
-            <a:r>
-              <a:rPr lang="en-US" dirty="0" smtClean="0"/>
-              <a:t>currently</a:t>
-            </a:r>
-            <a:r>
-              <a:rPr lang="en-US" dirty="0" smtClean="0"/>
-              <a:t> </a:t>
-            </a:r>
-            <a:r>
-              <a:rPr lang="en-US" dirty="0"/>
-              <a:t>direction of highest SNR</a:t>
+              <a:t>Amplifying sounds in particular directions – currently direction of highest SNR</a:t>
             </a:r>
           </a:p>
           <a:p>
@@ -8039,20 +8028,15 @@
             <a:pPr lvl="1"/>
             <a:r>
               <a:rPr lang="en-ZA" dirty="0"/>
-              <a:t>Amplifying specific frequency bands according to a person’s audiogram</a:t>
+              <a:t>Compensatory amplification</a:t>
             </a:r>
           </a:p>
           <a:p>
             <a:pPr lvl="1"/>
             <a:r>
               <a:rPr lang="en-ZA" dirty="0"/>
-              <a:t>User tuneable </a:t>
-            </a:r>
-            <a:r>
-              <a:rPr lang="en-ZA" dirty="0" smtClean="0"/>
-              <a:t>directionality (novelty)</a:t>
-            </a:r>
-            <a:endParaRPr lang="en-ZA" dirty="0"/>
+              <a:t>Directionality - user tuneable (novelty)</a:t>
+            </a:r>
           </a:p>
           <a:p>
             <a:r>
@@ -9481,7 +9465,7 @@
           <a:ln/>
           <a:extLst>
             <a:ext uri="{91240B29-F687-4f45-9708-019B960494DF}">
-              <a14:hiddenLine xmlns="" xmlns:a14="http://schemas.microsoft.com/office/drawing/2010/main" w="9525" cap="flat" cmpd="sng" algn="ctr">
+              <a14:hiddenLine xmlns:a14="http://schemas.microsoft.com/office/drawing/2010/main" xmlns="" w="9525" cap="flat" cmpd="sng" algn="ctr">
                 <a:solidFill>
                   <a:schemeClr val="tx1"/>
                 </a:solidFill>
@@ -9492,7 +9476,7 @@
               </a14:hiddenLine>
             </a:ext>
             <a:ext uri="{AF507438-7753-43e0-B8FC-AC1667EBCBE1}">
-              <a14:hiddenEffects xmlns="" xmlns:a14="http://schemas.microsoft.com/office/drawing/2010/main">
+              <a14:hiddenEffects xmlns:a14="http://schemas.microsoft.com/office/drawing/2010/main" xmlns="">
                 <a:effectLst>
                   <a:outerShdw dist="35921" dir="2700000" algn="ctr" rotWithShape="0">
                     <a:schemeClr val="bg2"/>
@@ -9774,7 +9758,7 @@
         <a:effectLst/>
         <a:extLst>
           <a:ext uri="{91240B29-F687-4f45-9708-019B960494DF}">
-            <a14:hiddenLine xmlns="" xmlns:a14="http://schemas.microsoft.com/office/drawing/2010/main" w="9525" cap="flat" cmpd="sng" algn="ctr">
+            <a14:hiddenLine xmlns:a14="http://schemas.microsoft.com/office/drawing/2010/main" xmlns="" w="9525" cap="flat" cmpd="sng" algn="ctr">
               <a:solidFill>
                 <a:schemeClr val="tx1"/>
               </a:solidFill>
@@ -9785,7 +9769,7 @@
             </a14:hiddenLine>
           </a:ext>
           <a:ext uri="{AF507438-7753-43e0-B8FC-AC1667EBCBE1}">
-            <a14:hiddenEffects xmlns="" xmlns:a14="http://schemas.microsoft.com/office/drawing/2010/main">
+            <a14:hiddenEffects xmlns:a14="http://schemas.microsoft.com/office/drawing/2010/main" xmlns="">
               <a:effectLst>
                 <a:outerShdw dist="35921" dir="2700000" algn="ctr" rotWithShape="0">
                   <a:schemeClr val="bg2"/>
@@ -9852,7 +9836,7 @@
         <a:effectLst/>
         <a:extLst>
           <a:ext uri="{91240B29-F687-4f45-9708-019B960494DF}">
-            <a14:hiddenLine xmlns="" xmlns:a14="http://schemas.microsoft.com/office/drawing/2010/main" w="9525" cap="flat" cmpd="sng" algn="ctr">
+            <a14:hiddenLine xmlns:a14="http://schemas.microsoft.com/office/drawing/2010/main" xmlns="" w="9525" cap="flat" cmpd="sng" algn="ctr">
               <a:solidFill>
                 <a:schemeClr val="tx1"/>
               </a:solidFill>
@@ -9863,7 +9847,7 @@
             </a14:hiddenLine>
           </a:ext>
           <a:ext uri="{AF507438-7753-43e0-B8FC-AC1667EBCBE1}">
-            <a14:hiddenEffects xmlns="" xmlns:a14="http://schemas.microsoft.com/office/drawing/2010/main">
+            <a14:hiddenEffects xmlns:a14="http://schemas.microsoft.com/office/drawing/2010/main" xmlns="">
               <a:effectLst>
                 <a:outerShdw dist="35921" dir="2700000" algn="ctr" rotWithShape="0">
                   <a:schemeClr val="bg2"/>
